--- a/Presentations/ccn-bbag-march-2-2017.pptx
+++ b/Presentations/ccn-bbag-march-2-2017.pptx
@@ -4,8 +4,19 @@
   <p:sldMasterIdLst>
     <p:sldMasterId id="2147483660" r:id="rId1"/>
   </p:sldMasterIdLst>
+  <p:notesMasterIdLst>
+    <p:notesMasterId r:id="rId11"/>
+  </p:notesMasterIdLst>
   <p:sldIdLst>
     <p:sldId id="256" r:id="rId2"/>
+    <p:sldId id="257" r:id="rId3"/>
+    <p:sldId id="264" r:id="rId4"/>
+    <p:sldId id="258" r:id="rId5"/>
+    <p:sldId id="259" r:id="rId6"/>
+    <p:sldId id="262" r:id="rId7"/>
+    <p:sldId id="260" r:id="rId8"/>
+    <p:sldId id="263" r:id="rId9"/>
+    <p:sldId id="261" r:id="rId10"/>
   </p:sldIdLst>
   <p:sldSz cx="9144000" cy="6858000" type="screen4x3"/>
   <p:notesSz cx="6858000" cy="9144000"/>
@@ -104,7 +115,1393 @@
       </a:defRPr>
     </a:lvl9pPr>
   </p:defaultTextStyle>
+  <p:extLst>
+    <p:ext uri="{EFAFB233-063F-42B5-8137-9DF3F51BA10A}">
+      <p15:sldGuideLst xmlns:p15="http://schemas.microsoft.com/office/powerpoint/2012/main"/>
+    </p:ext>
+  </p:extLst>
 </p:presentation>
+</file>
+
+<file path=ppt/notesMasters/notesMaster1.xml><?xml version="1.0" encoding="utf-8"?>
+<p:notesMaster xmlns:a="http://schemas.openxmlformats.org/drawingml/2006/main" xmlns:r="http://schemas.openxmlformats.org/officeDocument/2006/relationships" xmlns:p="http://schemas.openxmlformats.org/presentationml/2006/main">
+  <p:cSld>
+    <p:bg>
+      <p:bgRef idx="1001">
+        <a:schemeClr val="bg1"/>
+      </p:bgRef>
+    </p:bg>
+    <p:spTree>
+      <p:nvGrpSpPr>
+        <p:cNvPr id="1" name=""/>
+        <p:cNvGrpSpPr/>
+        <p:nvPr/>
+      </p:nvGrpSpPr>
+      <p:grpSpPr>
+        <a:xfrm>
+          <a:off x="0" y="0"/>
+          <a:ext cx="0" cy="0"/>
+          <a:chOff x="0" y="0"/>
+          <a:chExt cx="0" cy="0"/>
+        </a:xfrm>
+      </p:grpSpPr>
+      <p:sp>
+        <p:nvSpPr>
+          <p:cNvPr id="2" name="Header Placeholder 1"/>
+          <p:cNvSpPr>
+            <a:spLocks noGrp="1"/>
+          </p:cNvSpPr>
+          <p:nvPr>
+            <p:ph type="hdr" sz="quarter"/>
+          </p:nvPr>
+        </p:nvSpPr>
+        <p:spPr>
+          <a:xfrm>
+            <a:off x="0" y="0"/>
+            <a:ext cx="2971800" cy="458788"/>
+          </a:xfrm>
+          <a:prstGeom prst="rect">
+            <a:avLst/>
+          </a:prstGeom>
+        </p:spPr>
+        <p:txBody>
+          <a:bodyPr vert="horz" lIns="91440" tIns="45720" rIns="91440" bIns="45720" rtlCol="0"/>
+          <a:lstStyle>
+            <a:lvl1pPr algn="l">
+              <a:defRPr sz="1200"/>
+            </a:lvl1pPr>
+          </a:lstStyle>
+          <a:p>
+            <a:endParaRPr lang="en-US"/>
+          </a:p>
+        </p:txBody>
+      </p:sp>
+      <p:sp>
+        <p:nvSpPr>
+          <p:cNvPr id="3" name="Date Placeholder 2"/>
+          <p:cNvSpPr>
+            <a:spLocks noGrp="1"/>
+          </p:cNvSpPr>
+          <p:nvPr>
+            <p:ph type="dt" idx="1"/>
+          </p:nvPr>
+        </p:nvSpPr>
+        <p:spPr>
+          <a:xfrm>
+            <a:off x="3884613" y="0"/>
+            <a:ext cx="2971800" cy="458788"/>
+          </a:xfrm>
+          <a:prstGeom prst="rect">
+            <a:avLst/>
+          </a:prstGeom>
+        </p:spPr>
+        <p:txBody>
+          <a:bodyPr vert="horz" lIns="91440" tIns="45720" rIns="91440" bIns="45720" rtlCol="0"/>
+          <a:lstStyle>
+            <a:lvl1pPr algn="r">
+              <a:defRPr sz="1200"/>
+            </a:lvl1pPr>
+          </a:lstStyle>
+          <a:p>
+            <a:fld id="{4F9E3613-DEF7-9F4D-BB72-F0B456B81BA8}" type="datetimeFigureOut">
+              <a:rPr lang="en-US" smtClean="0"/>
+              <a:t>2/17/17</a:t>
+            </a:fld>
+            <a:endParaRPr lang="en-US"/>
+          </a:p>
+        </p:txBody>
+      </p:sp>
+      <p:sp>
+        <p:nvSpPr>
+          <p:cNvPr id="4" name="Slide Image Placeholder 3"/>
+          <p:cNvSpPr>
+            <a:spLocks noGrp="1" noRot="1" noChangeAspect="1"/>
+          </p:cNvSpPr>
+          <p:nvPr>
+            <p:ph type="sldImg" idx="2"/>
+          </p:nvPr>
+        </p:nvSpPr>
+        <p:spPr>
+          <a:xfrm>
+            <a:off x="1371600" y="1143000"/>
+            <a:ext cx="4114800" cy="3086100"/>
+          </a:xfrm>
+          <a:prstGeom prst="rect">
+            <a:avLst/>
+          </a:prstGeom>
+          <a:noFill/>
+          <a:ln w="12700">
+            <a:solidFill>
+              <a:prstClr val="black"/>
+            </a:solidFill>
+          </a:ln>
+        </p:spPr>
+        <p:txBody>
+          <a:bodyPr vert="horz" lIns="91440" tIns="45720" rIns="91440" bIns="45720" rtlCol="0" anchor="ctr"/>
+          <a:lstStyle/>
+          <a:p>
+            <a:endParaRPr lang="en-US"/>
+          </a:p>
+        </p:txBody>
+      </p:sp>
+      <p:sp>
+        <p:nvSpPr>
+          <p:cNvPr id="5" name="Notes Placeholder 4"/>
+          <p:cNvSpPr>
+            <a:spLocks noGrp="1"/>
+          </p:cNvSpPr>
+          <p:nvPr>
+            <p:ph type="body" sz="quarter" idx="3"/>
+          </p:nvPr>
+        </p:nvSpPr>
+        <p:spPr>
+          <a:xfrm>
+            <a:off x="685800" y="4400550"/>
+            <a:ext cx="5486400" cy="3600450"/>
+          </a:xfrm>
+          <a:prstGeom prst="rect">
+            <a:avLst/>
+          </a:prstGeom>
+        </p:spPr>
+        <p:txBody>
+          <a:bodyPr vert="horz" lIns="91440" tIns="45720" rIns="91440" bIns="45720" rtlCol="0"/>
+          <a:lstStyle/>
+          <a:p>
+            <a:pPr lvl="0"/>
+            <a:r>
+              <a:rPr lang="en-US" smtClean="0"/>
+              <a:t>Click to edit Master text styles</a:t>
+            </a:r>
+          </a:p>
+          <a:p>
+            <a:pPr lvl="1"/>
+            <a:r>
+              <a:rPr lang="en-US" smtClean="0"/>
+              <a:t>Second level</a:t>
+            </a:r>
+          </a:p>
+          <a:p>
+            <a:pPr lvl="2"/>
+            <a:r>
+              <a:rPr lang="en-US" smtClean="0"/>
+              <a:t>Third level</a:t>
+            </a:r>
+          </a:p>
+          <a:p>
+            <a:pPr lvl="3"/>
+            <a:r>
+              <a:rPr lang="en-US" smtClean="0"/>
+              <a:t>Fourth level</a:t>
+            </a:r>
+          </a:p>
+          <a:p>
+            <a:pPr lvl="4"/>
+            <a:r>
+              <a:rPr lang="en-US" smtClean="0"/>
+              <a:t>Fifth level</a:t>
+            </a:r>
+            <a:endParaRPr lang="en-US"/>
+          </a:p>
+        </p:txBody>
+      </p:sp>
+      <p:sp>
+        <p:nvSpPr>
+          <p:cNvPr id="6" name="Footer Placeholder 5"/>
+          <p:cNvSpPr>
+            <a:spLocks noGrp="1"/>
+          </p:cNvSpPr>
+          <p:nvPr>
+            <p:ph type="ftr" sz="quarter" idx="4"/>
+          </p:nvPr>
+        </p:nvSpPr>
+        <p:spPr>
+          <a:xfrm>
+            <a:off x="0" y="8685213"/>
+            <a:ext cx="2971800" cy="458787"/>
+          </a:xfrm>
+          <a:prstGeom prst="rect">
+            <a:avLst/>
+          </a:prstGeom>
+        </p:spPr>
+        <p:txBody>
+          <a:bodyPr vert="horz" lIns="91440" tIns="45720" rIns="91440" bIns="45720" rtlCol="0" anchor="b"/>
+          <a:lstStyle>
+            <a:lvl1pPr algn="l">
+              <a:defRPr sz="1200"/>
+            </a:lvl1pPr>
+          </a:lstStyle>
+          <a:p>
+            <a:endParaRPr lang="en-US"/>
+          </a:p>
+        </p:txBody>
+      </p:sp>
+      <p:sp>
+        <p:nvSpPr>
+          <p:cNvPr id="7" name="Slide Number Placeholder 6"/>
+          <p:cNvSpPr>
+            <a:spLocks noGrp="1"/>
+          </p:cNvSpPr>
+          <p:nvPr>
+            <p:ph type="sldNum" sz="quarter" idx="5"/>
+          </p:nvPr>
+        </p:nvSpPr>
+        <p:spPr>
+          <a:xfrm>
+            <a:off x="3884613" y="8685213"/>
+            <a:ext cx="2971800" cy="458787"/>
+          </a:xfrm>
+          <a:prstGeom prst="rect">
+            <a:avLst/>
+          </a:prstGeom>
+        </p:spPr>
+        <p:txBody>
+          <a:bodyPr vert="horz" lIns="91440" tIns="45720" rIns="91440" bIns="45720" rtlCol="0" anchor="b"/>
+          <a:lstStyle>
+            <a:lvl1pPr algn="r">
+              <a:defRPr sz="1200"/>
+            </a:lvl1pPr>
+          </a:lstStyle>
+          <a:p>
+            <a:fld id="{2EE8A78D-75C4-E841-B8CC-3B6913D7A8EB}" type="slidenum">
+              <a:rPr lang="en-US" smtClean="0"/>
+              <a:t>‹#›</a:t>
+            </a:fld>
+            <a:endParaRPr lang="en-US"/>
+          </a:p>
+        </p:txBody>
+      </p:sp>
+    </p:spTree>
+    <p:extLst>
+      <p:ext uri="{BB962C8B-B14F-4D97-AF65-F5344CB8AC3E}">
+        <p14:creationId xmlns:p14="http://schemas.microsoft.com/office/powerpoint/2010/main" val="462046568"/>
+      </p:ext>
+    </p:extLst>
+  </p:cSld>
+  <p:clrMap bg1="lt1" tx1="dk1" bg2="lt2" tx2="dk2" accent1="accent1" accent2="accent2" accent3="accent3" accent4="accent4" accent5="accent5" accent6="accent6" hlink="hlink" folHlink="folHlink"/>
+  <p:notesStyle>
+    <a:lvl1pPr marL="0" algn="l" defTabSz="914400" rtl="0" eaLnBrk="1" latinLnBrk="0" hangingPunct="1">
+      <a:defRPr sz="1200" kern="1200">
+        <a:solidFill>
+          <a:schemeClr val="tx1"/>
+        </a:solidFill>
+        <a:latin typeface="+mn-lt"/>
+        <a:ea typeface="+mn-ea"/>
+        <a:cs typeface="+mn-cs"/>
+      </a:defRPr>
+    </a:lvl1pPr>
+    <a:lvl2pPr marL="457200" algn="l" defTabSz="914400" rtl="0" eaLnBrk="1" latinLnBrk="0" hangingPunct="1">
+      <a:defRPr sz="1200" kern="1200">
+        <a:solidFill>
+          <a:schemeClr val="tx1"/>
+        </a:solidFill>
+        <a:latin typeface="+mn-lt"/>
+        <a:ea typeface="+mn-ea"/>
+        <a:cs typeface="+mn-cs"/>
+      </a:defRPr>
+    </a:lvl2pPr>
+    <a:lvl3pPr marL="914400" algn="l" defTabSz="914400" rtl="0" eaLnBrk="1" latinLnBrk="0" hangingPunct="1">
+      <a:defRPr sz="1200" kern="1200">
+        <a:solidFill>
+          <a:schemeClr val="tx1"/>
+        </a:solidFill>
+        <a:latin typeface="+mn-lt"/>
+        <a:ea typeface="+mn-ea"/>
+        <a:cs typeface="+mn-cs"/>
+      </a:defRPr>
+    </a:lvl3pPr>
+    <a:lvl4pPr marL="1371600" algn="l" defTabSz="914400" rtl="0" eaLnBrk="1" latinLnBrk="0" hangingPunct="1">
+      <a:defRPr sz="1200" kern="1200">
+        <a:solidFill>
+          <a:schemeClr val="tx1"/>
+        </a:solidFill>
+        <a:latin typeface="+mn-lt"/>
+        <a:ea typeface="+mn-ea"/>
+        <a:cs typeface="+mn-cs"/>
+      </a:defRPr>
+    </a:lvl4pPr>
+    <a:lvl5pPr marL="1828800" algn="l" defTabSz="914400" rtl="0" eaLnBrk="1" latinLnBrk="0" hangingPunct="1">
+      <a:defRPr sz="1200" kern="1200">
+        <a:solidFill>
+          <a:schemeClr val="tx1"/>
+        </a:solidFill>
+        <a:latin typeface="+mn-lt"/>
+        <a:ea typeface="+mn-ea"/>
+        <a:cs typeface="+mn-cs"/>
+      </a:defRPr>
+    </a:lvl5pPr>
+    <a:lvl6pPr marL="2286000" algn="l" defTabSz="914400" rtl="0" eaLnBrk="1" latinLnBrk="0" hangingPunct="1">
+      <a:defRPr sz="1200" kern="1200">
+        <a:solidFill>
+          <a:schemeClr val="tx1"/>
+        </a:solidFill>
+        <a:latin typeface="+mn-lt"/>
+        <a:ea typeface="+mn-ea"/>
+        <a:cs typeface="+mn-cs"/>
+      </a:defRPr>
+    </a:lvl6pPr>
+    <a:lvl7pPr marL="2743200" algn="l" defTabSz="914400" rtl="0" eaLnBrk="1" latinLnBrk="0" hangingPunct="1">
+      <a:defRPr sz="1200" kern="1200">
+        <a:solidFill>
+          <a:schemeClr val="tx1"/>
+        </a:solidFill>
+        <a:latin typeface="+mn-lt"/>
+        <a:ea typeface="+mn-ea"/>
+        <a:cs typeface="+mn-cs"/>
+      </a:defRPr>
+    </a:lvl7pPr>
+    <a:lvl8pPr marL="3200400" algn="l" defTabSz="914400" rtl="0" eaLnBrk="1" latinLnBrk="0" hangingPunct="1">
+      <a:defRPr sz="1200" kern="1200">
+        <a:solidFill>
+          <a:schemeClr val="tx1"/>
+        </a:solidFill>
+        <a:latin typeface="+mn-lt"/>
+        <a:ea typeface="+mn-ea"/>
+        <a:cs typeface="+mn-cs"/>
+      </a:defRPr>
+    </a:lvl8pPr>
+    <a:lvl9pPr marL="3657600" algn="l" defTabSz="914400" rtl="0" eaLnBrk="1" latinLnBrk="0" hangingPunct="1">
+      <a:defRPr sz="1200" kern="1200">
+        <a:solidFill>
+          <a:schemeClr val="tx1"/>
+        </a:solidFill>
+        <a:latin typeface="+mn-lt"/>
+        <a:ea typeface="+mn-ea"/>
+        <a:cs typeface="+mn-cs"/>
+      </a:defRPr>
+    </a:lvl9pPr>
+  </p:notesStyle>
+</p:notesMaster>
+</file>
+
+<file path=ppt/notesSlides/notesSlide1.xml><?xml version="1.0" encoding="utf-8"?>
+<p:notes xmlns:a="http://schemas.openxmlformats.org/drawingml/2006/main" xmlns:r="http://schemas.openxmlformats.org/officeDocument/2006/relationships" xmlns:p="http://schemas.openxmlformats.org/presentationml/2006/main">
+  <p:cSld>
+    <p:spTree>
+      <p:nvGrpSpPr>
+        <p:cNvPr id="1" name=""/>
+        <p:cNvGrpSpPr/>
+        <p:nvPr/>
+      </p:nvGrpSpPr>
+      <p:grpSpPr>
+        <a:xfrm>
+          <a:off x="0" y="0"/>
+          <a:ext cx="0" cy="0"/>
+          <a:chOff x="0" y="0"/>
+          <a:chExt cx="0" cy="0"/>
+        </a:xfrm>
+      </p:grpSpPr>
+      <p:sp>
+        <p:nvSpPr>
+          <p:cNvPr id="2" name="Slide Image Placeholder 1"/>
+          <p:cNvSpPr>
+            <a:spLocks noGrp="1" noRot="1" noChangeAspect="1"/>
+          </p:cNvSpPr>
+          <p:nvPr>
+            <p:ph type="sldImg"/>
+          </p:nvPr>
+        </p:nvSpPr>
+        <p:spPr/>
+      </p:sp>
+      <p:sp>
+        <p:nvSpPr>
+          <p:cNvPr id="3" name="Notes Placeholder 2"/>
+          <p:cNvSpPr>
+            <a:spLocks noGrp="1"/>
+          </p:cNvSpPr>
+          <p:nvPr>
+            <p:ph type="body" idx="1"/>
+          </p:nvPr>
+        </p:nvSpPr>
+        <p:spPr/>
+        <p:txBody>
+          <a:bodyPr/>
+          <a:lstStyle/>
+          <a:p>
+            <a:pPr marL="0" marR="0" indent="0" algn="l" defTabSz="914400" rtl="0" eaLnBrk="1" fontAlgn="auto" latinLnBrk="0" hangingPunct="1">
+              <a:lnSpc>
+                <a:spcPct val="100000"/>
+              </a:lnSpc>
+              <a:spcBef>
+                <a:spcPts val="0"/>
+              </a:spcBef>
+              <a:spcAft>
+                <a:spcPts val="0"/>
+              </a:spcAft>
+              <a:buClrTx/>
+              <a:buSzTx/>
+              <a:buFontTx/>
+              <a:buNone/>
+              <a:tabLst/>
+              <a:defRPr/>
+            </a:pPr>
+            <a:r>
+              <a:rPr lang="en-US" dirty="0" smtClean="0"/>
+              <a:t>I am Nolan Conaway, a postdoc in Joe’s lab. I came here in August from Binghamton</a:t>
+            </a:r>
+            <a:r>
+              <a:rPr lang="en-US" baseline="0" dirty="0" smtClean="0"/>
+              <a:t> University where I worked on some really basic category learning research with Ken Kurtz. </a:t>
+            </a:r>
+            <a:r>
+              <a:rPr lang="en-US" dirty="0" smtClean="0"/>
+              <a:t>With Joe I’ve been working on a handful of projects,</a:t>
+            </a:r>
+            <a:r>
+              <a:rPr lang="en-US" baseline="0" dirty="0" smtClean="0"/>
+              <a:t> and today I’m going to talk about one project exploring how category knowledge is used creatively.</a:t>
+            </a:r>
+            <a:endParaRPr lang="en-US" dirty="0" smtClean="0"/>
+          </a:p>
+        </p:txBody>
+      </p:sp>
+      <p:sp>
+        <p:nvSpPr>
+          <p:cNvPr id="4" name="Slide Number Placeholder 3"/>
+          <p:cNvSpPr>
+            <a:spLocks noGrp="1"/>
+          </p:cNvSpPr>
+          <p:nvPr>
+            <p:ph type="sldNum" sz="quarter" idx="10"/>
+          </p:nvPr>
+        </p:nvSpPr>
+        <p:spPr/>
+        <p:txBody>
+          <a:bodyPr/>
+          <a:lstStyle/>
+          <a:p>
+            <a:fld id="{2EE8A78D-75C4-E841-B8CC-3B6913D7A8EB}" type="slidenum">
+              <a:rPr lang="en-US" smtClean="0"/>
+              <a:t>1</a:t>
+            </a:fld>
+            <a:endParaRPr lang="en-US"/>
+          </a:p>
+        </p:txBody>
+      </p:sp>
+    </p:spTree>
+    <p:extLst>
+      <p:ext uri="{BB962C8B-B14F-4D97-AF65-F5344CB8AC3E}">
+        <p14:creationId xmlns:p14="http://schemas.microsoft.com/office/powerpoint/2010/main" val="315800824"/>
+      </p:ext>
+    </p:extLst>
+  </p:cSld>
+  <p:clrMapOvr>
+    <a:masterClrMapping/>
+  </p:clrMapOvr>
+</p:notes>
+</file>
+
+<file path=ppt/notesSlides/notesSlide2.xml><?xml version="1.0" encoding="utf-8"?>
+<p:notes xmlns:a="http://schemas.openxmlformats.org/drawingml/2006/main" xmlns:r="http://schemas.openxmlformats.org/officeDocument/2006/relationships" xmlns:p="http://schemas.openxmlformats.org/presentationml/2006/main">
+  <p:cSld>
+    <p:spTree>
+      <p:nvGrpSpPr>
+        <p:cNvPr id="1" name=""/>
+        <p:cNvGrpSpPr/>
+        <p:nvPr/>
+      </p:nvGrpSpPr>
+      <p:grpSpPr>
+        <a:xfrm>
+          <a:off x="0" y="0"/>
+          <a:ext cx="0" cy="0"/>
+          <a:chOff x="0" y="0"/>
+          <a:chExt cx="0" cy="0"/>
+        </a:xfrm>
+      </p:grpSpPr>
+      <p:sp>
+        <p:nvSpPr>
+          <p:cNvPr id="2" name="Slide Image Placeholder 1"/>
+          <p:cNvSpPr>
+            <a:spLocks noGrp="1" noRot="1" noChangeAspect="1"/>
+          </p:cNvSpPr>
+          <p:nvPr>
+            <p:ph type="sldImg"/>
+          </p:nvPr>
+        </p:nvSpPr>
+        <p:spPr/>
+      </p:sp>
+      <p:sp>
+        <p:nvSpPr>
+          <p:cNvPr id="3" name="Notes Placeholder 2"/>
+          <p:cNvSpPr>
+            <a:spLocks noGrp="1"/>
+          </p:cNvSpPr>
+          <p:nvPr>
+            <p:ph type="body" idx="1"/>
+          </p:nvPr>
+        </p:nvSpPr>
+        <p:spPr/>
+        <p:txBody>
+          <a:bodyPr/>
+          <a:lstStyle/>
+          <a:p>
+            <a:r>
+              <a:rPr lang="en-US" dirty="0" smtClean="0"/>
+              <a:t>The creative use of conceptual</a:t>
+            </a:r>
+            <a:r>
+              <a:rPr lang="en-US" baseline="0" dirty="0" smtClean="0"/>
+              <a:t> knowledge is actually a really broad topic and I’m not quite that ambitious. </a:t>
+            </a:r>
+            <a:r>
+              <a:rPr lang="en-US" dirty="0" smtClean="0"/>
+              <a:t>in reality, all of the work I’m going to tell you about is on category generation, which is just one of the many ways that conceptual knowledge can be used creatively. </a:t>
+            </a:r>
+          </a:p>
+          <a:p>
+            <a:endParaRPr lang="en-US" baseline="0" dirty="0" smtClean="0"/>
+          </a:p>
+          <a:p>
+            <a:r>
+              <a:rPr lang="en-US" baseline="0" dirty="0" smtClean="0"/>
+              <a:t>In general, studies on category generation basically ask people to generate new categories of things, and the the experimenter analyzes the created categories to figure out what sources of prior knowledge were used in the creative process. In the classic paradigm, p</a:t>
+            </a:r>
+            <a:r>
+              <a:rPr lang="en-US" baseline="0" dirty="0" smtClean="0"/>
+              <a:t>articipants are asked to draw new species of plants and animals that might exist on other planets. In reality there are other backstories but </a:t>
+            </a:r>
+            <a:r>
+              <a:rPr lang="en-US" baseline="0" dirty="0" err="1" smtClean="0"/>
+              <a:t>i’m</a:t>
+            </a:r>
+            <a:r>
+              <a:rPr lang="en-US" baseline="0" dirty="0" smtClean="0"/>
+              <a:t> going to stick with the alien for simplicity.</a:t>
+            </a:r>
+          </a:p>
+          <a:p>
+            <a:endParaRPr lang="en-US" baseline="0" dirty="0" smtClean="0"/>
+          </a:p>
+          <a:p>
+            <a:r>
+              <a:rPr lang="en-US" baseline="0" dirty="0" smtClean="0"/>
+              <a:t>The typical finding is that prior knowledge is hugely constraining on creative generation. On the slide I have some example alien species from a study conduced by Thomas Ward, and you can see that alien species resemble earth species not only in their structural forms (having things like arms and legs), but also members of alien species tend to be distributed like earth species (in the correlations between features, but also the similarity between examples belonging to the same and different species).</a:t>
+            </a:r>
+          </a:p>
+          <a:p>
+            <a:endParaRPr lang="en-US" baseline="0" dirty="0" smtClean="0"/>
+          </a:p>
+          <a:p>
+            <a:endParaRPr lang="en-US" baseline="0" dirty="0" smtClean="0"/>
+          </a:p>
+        </p:txBody>
+      </p:sp>
+      <p:sp>
+        <p:nvSpPr>
+          <p:cNvPr id="4" name="Slide Number Placeholder 3"/>
+          <p:cNvSpPr>
+            <a:spLocks noGrp="1"/>
+          </p:cNvSpPr>
+          <p:nvPr>
+            <p:ph type="sldNum" sz="quarter" idx="10"/>
+          </p:nvPr>
+        </p:nvSpPr>
+        <p:spPr/>
+        <p:txBody>
+          <a:bodyPr/>
+          <a:lstStyle/>
+          <a:p>
+            <a:fld id="{2EE8A78D-75C4-E841-B8CC-3B6913D7A8EB}" type="slidenum">
+              <a:rPr lang="en-US" smtClean="0"/>
+              <a:t>2</a:t>
+            </a:fld>
+            <a:endParaRPr lang="en-US"/>
+          </a:p>
+        </p:txBody>
+      </p:sp>
+    </p:spTree>
+    <p:extLst>
+      <p:ext uri="{BB962C8B-B14F-4D97-AF65-F5344CB8AC3E}">
+        <p14:creationId xmlns:p14="http://schemas.microsoft.com/office/powerpoint/2010/main" val="1778253247"/>
+      </p:ext>
+    </p:extLst>
+  </p:cSld>
+  <p:clrMapOvr>
+    <a:masterClrMapping/>
+  </p:clrMapOvr>
+</p:notes>
+</file>
+
+<file path=ppt/notesSlides/notesSlide3.xml><?xml version="1.0" encoding="utf-8"?>
+<p:notes xmlns:a="http://schemas.openxmlformats.org/drawingml/2006/main" xmlns:r="http://schemas.openxmlformats.org/officeDocument/2006/relationships" xmlns:p="http://schemas.openxmlformats.org/presentationml/2006/main">
+  <p:cSld>
+    <p:spTree>
+      <p:nvGrpSpPr>
+        <p:cNvPr id="1" name=""/>
+        <p:cNvGrpSpPr/>
+        <p:nvPr/>
+      </p:nvGrpSpPr>
+      <p:grpSpPr>
+        <a:xfrm>
+          <a:off x="0" y="0"/>
+          <a:ext cx="0" cy="0"/>
+          <a:chOff x="0" y="0"/>
+          <a:chExt cx="0" cy="0"/>
+        </a:xfrm>
+      </p:grpSpPr>
+      <p:sp>
+        <p:nvSpPr>
+          <p:cNvPr id="2" name="Slide Image Placeholder 1"/>
+          <p:cNvSpPr>
+            <a:spLocks noGrp="1" noRot="1" noChangeAspect="1"/>
+          </p:cNvSpPr>
+          <p:nvPr>
+            <p:ph type="sldImg"/>
+          </p:nvPr>
+        </p:nvSpPr>
+        <p:spPr/>
+      </p:sp>
+      <p:sp>
+        <p:nvSpPr>
+          <p:cNvPr id="3" name="Notes Placeholder 2"/>
+          <p:cNvSpPr>
+            <a:spLocks noGrp="1"/>
+          </p:cNvSpPr>
+          <p:nvPr>
+            <p:ph type="body" idx="1"/>
+          </p:nvPr>
+        </p:nvSpPr>
+        <p:spPr/>
+        <p:txBody>
+          <a:bodyPr/>
+          <a:lstStyle/>
+          <a:p>
+            <a:pPr marL="0" marR="0" indent="0" algn="l" defTabSz="914400" rtl="0" eaLnBrk="1" fontAlgn="auto" latinLnBrk="0" hangingPunct="1">
+              <a:lnSpc>
+                <a:spcPct val="100000"/>
+              </a:lnSpc>
+              <a:spcBef>
+                <a:spcPts val="0"/>
+              </a:spcBef>
+              <a:spcAft>
+                <a:spcPts val="0"/>
+              </a:spcAft>
+              <a:buClrTx/>
+              <a:buSzTx/>
+              <a:buFontTx/>
+              <a:buNone/>
+              <a:tabLst/>
+              <a:defRPr/>
+            </a:pPr>
+            <a:r>
+              <a:rPr lang="en-US" dirty="0" smtClean="0"/>
+              <a:t>There isn’t a lot in the way of</a:t>
+            </a:r>
+            <a:r>
+              <a:rPr lang="en-US" baseline="0" dirty="0" smtClean="0"/>
+              <a:t> real accounts explaining these observations, mostly because the work was super exploratory. The most commonly cited idea from this era is that people “copy-and-tweak” some real example to make something new. But really, there was never any formalization of that idea because </a:t>
+            </a:r>
+            <a:r>
+              <a:rPr lang="en-US" baseline="0" dirty="0" smtClean="0"/>
+              <a:t>the behaviors to be explained are really high level, which makes them tough to simulate.</a:t>
+            </a:r>
+          </a:p>
+          <a:p>
+            <a:endParaRPr lang="en-US" baseline="0" dirty="0" smtClean="0"/>
+          </a:p>
+        </p:txBody>
+      </p:sp>
+      <p:sp>
+        <p:nvSpPr>
+          <p:cNvPr id="4" name="Slide Number Placeholder 3"/>
+          <p:cNvSpPr>
+            <a:spLocks noGrp="1"/>
+          </p:cNvSpPr>
+          <p:nvPr>
+            <p:ph type="sldNum" sz="quarter" idx="10"/>
+          </p:nvPr>
+        </p:nvSpPr>
+        <p:spPr/>
+        <p:txBody>
+          <a:bodyPr/>
+          <a:lstStyle/>
+          <a:p>
+            <a:fld id="{2EE8A78D-75C4-E841-B8CC-3B6913D7A8EB}" type="slidenum">
+              <a:rPr lang="en-US" smtClean="0"/>
+              <a:t>3</a:t>
+            </a:fld>
+            <a:endParaRPr lang="en-US"/>
+          </a:p>
+        </p:txBody>
+      </p:sp>
+    </p:spTree>
+    <p:extLst>
+      <p:ext uri="{BB962C8B-B14F-4D97-AF65-F5344CB8AC3E}">
+        <p14:creationId xmlns:p14="http://schemas.microsoft.com/office/powerpoint/2010/main" val="1874129701"/>
+      </p:ext>
+    </p:extLst>
+  </p:cSld>
+  <p:clrMapOvr>
+    <a:masterClrMapping/>
+  </p:clrMapOvr>
+</p:notes>
+</file>
+
+<file path=ppt/notesSlides/notesSlide4.xml><?xml version="1.0" encoding="utf-8"?>
+<p:notes xmlns:a="http://schemas.openxmlformats.org/drawingml/2006/main" xmlns:r="http://schemas.openxmlformats.org/officeDocument/2006/relationships" xmlns:p="http://schemas.openxmlformats.org/presentationml/2006/main">
+  <p:cSld>
+    <p:spTree>
+      <p:nvGrpSpPr>
+        <p:cNvPr id="1" name=""/>
+        <p:cNvGrpSpPr/>
+        <p:nvPr/>
+      </p:nvGrpSpPr>
+      <p:grpSpPr>
+        <a:xfrm>
+          <a:off x="0" y="0"/>
+          <a:ext cx="0" cy="0"/>
+          <a:chOff x="0" y="0"/>
+          <a:chExt cx="0" cy="0"/>
+        </a:xfrm>
+      </p:grpSpPr>
+      <p:sp>
+        <p:nvSpPr>
+          <p:cNvPr id="2" name="Slide Image Placeholder 1"/>
+          <p:cNvSpPr>
+            <a:spLocks noGrp="1" noRot="1" noChangeAspect="1"/>
+          </p:cNvSpPr>
+          <p:nvPr>
+            <p:ph type="sldImg"/>
+          </p:nvPr>
+        </p:nvSpPr>
+        <p:spPr/>
+      </p:sp>
+      <p:sp>
+        <p:nvSpPr>
+          <p:cNvPr id="3" name="Notes Placeholder 2"/>
+          <p:cNvSpPr>
+            <a:spLocks noGrp="1"/>
+          </p:cNvSpPr>
+          <p:nvPr>
+            <p:ph type="body" idx="1"/>
+          </p:nvPr>
+        </p:nvSpPr>
+        <p:spPr/>
+        <p:txBody>
+          <a:bodyPr/>
+          <a:lstStyle/>
+          <a:p>
+            <a:r>
+              <a:rPr lang="en-US" dirty="0" smtClean="0"/>
+              <a:t>So, as</a:t>
+            </a:r>
+            <a:r>
+              <a:rPr lang="en-US" baseline="0" dirty="0" smtClean="0"/>
+              <a:t> is typically the case when you want to develop a formal model of complex behavior, the approach taken to model category generation has been to simplify the domain. Alan </a:t>
+            </a:r>
+            <a:r>
+              <a:rPr lang="en-US" baseline="0" dirty="0" err="1" smtClean="0"/>
+              <a:t>Jern</a:t>
+            </a:r>
+            <a:r>
+              <a:rPr lang="en-US" baseline="0" dirty="0" smtClean="0"/>
+              <a:t> &amp; Charles Kemp were the first to report anything like this. They developed a </a:t>
+            </a:r>
+            <a:r>
+              <a:rPr lang="en-US" baseline="0" dirty="0" err="1" smtClean="0"/>
+              <a:t>artifical</a:t>
+            </a:r>
+            <a:r>
+              <a:rPr lang="en-US" baseline="0" dirty="0" smtClean="0"/>
+              <a:t>, three-dimensional domain of what they called “crystals”, varying in size, hue, and saturation. Each on these items at the bottom of the slide is one crystal, which can be conceptualized as a point in the three dimensional domain space.</a:t>
+            </a:r>
+          </a:p>
+          <a:p>
+            <a:endParaRPr lang="en-US" baseline="0" dirty="0" smtClean="0"/>
+          </a:p>
+          <a:p>
+            <a:endParaRPr lang="en-US" baseline="0" dirty="0" smtClean="0"/>
+          </a:p>
+          <a:p>
+            <a:endParaRPr lang="en-US" baseline="0" dirty="0" smtClean="0"/>
+          </a:p>
+        </p:txBody>
+      </p:sp>
+      <p:sp>
+        <p:nvSpPr>
+          <p:cNvPr id="4" name="Slide Number Placeholder 3"/>
+          <p:cNvSpPr>
+            <a:spLocks noGrp="1"/>
+          </p:cNvSpPr>
+          <p:nvPr>
+            <p:ph type="sldNum" sz="quarter" idx="10"/>
+          </p:nvPr>
+        </p:nvSpPr>
+        <p:spPr/>
+        <p:txBody>
+          <a:bodyPr/>
+          <a:lstStyle/>
+          <a:p>
+            <a:fld id="{2EE8A78D-75C4-E841-B8CC-3B6913D7A8EB}" type="slidenum">
+              <a:rPr lang="en-US" smtClean="0"/>
+              <a:t>4</a:t>
+            </a:fld>
+            <a:endParaRPr lang="en-US"/>
+          </a:p>
+        </p:txBody>
+      </p:sp>
+    </p:spTree>
+    <p:extLst>
+      <p:ext uri="{BB962C8B-B14F-4D97-AF65-F5344CB8AC3E}">
+        <p14:creationId xmlns:p14="http://schemas.microsoft.com/office/powerpoint/2010/main" val="924490385"/>
+      </p:ext>
+    </p:extLst>
+  </p:cSld>
+  <p:clrMapOvr>
+    <a:masterClrMapping/>
+  </p:clrMapOvr>
+</p:notes>
+</file>
+
+<file path=ppt/notesSlides/notesSlide5.xml><?xml version="1.0" encoding="utf-8"?>
+<p:notes xmlns:a="http://schemas.openxmlformats.org/drawingml/2006/main" xmlns:r="http://schemas.openxmlformats.org/officeDocument/2006/relationships" xmlns:p="http://schemas.openxmlformats.org/presentationml/2006/main">
+  <p:cSld>
+    <p:spTree>
+      <p:nvGrpSpPr>
+        <p:cNvPr id="1" name=""/>
+        <p:cNvGrpSpPr/>
+        <p:nvPr/>
+      </p:nvGrpSpPr>
+      <p:grpSpPr>
+        <a:xfrm>
+          <a:off x="0" y="0"/>
+          <a:ext cx="0" cy="0"/>
+          <a:chOff x="0" y="0"/>
+          <a:chExt cx="0" cy="0"/>
+        </a:xfrm>
+      </p:grpSpPr>
+      <p:sp>
+        <p:nvSpPr>
+          <p:cNvPr id="2" name="Slide Image Placeholder 1"/>
+          <p:cNvSpPr>
+            <a:spLocks noGrp="1" noRot="1" noChangeAspect="1"/>
+          </p:cNvSpPr>
+          <p:nvPr>
+            <p:ph type="sldImg"/>
+          </p:nvPr>
+        </p:nvSpPr>
+        <p:spPr/>
+      </p:sp>
+      <p:sp>
+        <p:nvSpPr>
+          <p:cNvPr id="3" name="Notes Placeholder 2"/>
+          <p:cNvSpPr>
+            <a:spLocks noGrp="1"/>
+          </p:cNvSpPr>
+          <p:nvPr>
+            <p:ph type="body" idx="1"/>
+          </p:nvPr>
+        </p:nvSpPr>
+        <p:spPr/>
+        <p:txBody>
+          <a:bodyPr/>
+          <a:lstStyle/>
+          <a:p>
+            <a:r>
+              <a:rPr lang="en-US" dirty="0" smtClean="0"/>
+              <a:t>An</a:t>
+            </a:r>
+            <a:r>
+              <a:rPr lang="en-US" baseline="0" dirty="0" smtClean="0"/>
+              <a:t> experimenter can define a</a:t>
+            </a:r>
+            <a:r>
+              <a:rPr lang="en-US" dirty="0" smtClean="0"/>
+              <a:t> category as a collection of crystals, or multiple points in the space.</a:t>
+            </a:r>
+            <a:r>
+              <a:rPr lang="en-US" baseline="0" dirty="0" smtClean="0"/>
+              <a:t> And so the general procedure is to teach people about one or more experimenter-defined categories, and then ask participants to make new categories.</a:t>
+            </a:r>
+          </a:p>
+          <a:p>
+            <a:endParaRPr lang="en-US" baseline="0" dirty="0" smtClean="0"/>
+          </a:p>
+          <a:p>
+            <a:r>
+              <a:rPr lang="en-US" baseline="0" dirty="0" smtClean="0"/>
+              <a:t>In this paradigm, participants create the new category one item at a time, and each item is made with a set of sliding scales that can be used to change the feature values. They get as much time as they want, and when they’re finished they move on to create the next example</a:t>
+            </a:r>
+          </a:p>
+          <a:p>
+            <a:endParaRPr lang="en-US" baseline="0" dirty="0" smtClean="0"/>
+          </a:p>
+          <a:p>
+            <a:endParaRPr lang="en-US" baseline="0" dirty="0" smtClean="0"/>
+          </a:p>
+        </p:txBody>
+      </p:sp>
+      <p:sp>
+        <p:nvSpPr>
+          <p:cNvPr id="4" name="Slide Number Placeholder 3"/>
+          <p:cNvSpPr>
+            <a:spLocks noGrp="1"/>
+          </p:cNvSpPr>
+          <p:nvPr>
+            <p:ph type="sldNum" sz="quarter" idx="10"/>
+          </p:nvPr>
+        </p:nvSpPr>
+        <p:spPr/>
+        <p:txBody>
+          <a:bodyPr/>
+          <a:lstStyle/>
+          <a:p>
+            <a:fld id="{2EE8A78D-75C4-E841-B8CC-3B6913D7A8EB}" type="slidenum">
+              <a:rPr lang="en-US" smtClean="0"/>
+              <a:t>5</a:t>
+            </a:fld>
+            <a:endParaRPr lang="en-US"/>
+          </a:p>
+        </p:txBody>
+      </p:sp>
+    </p:spTree>
+    <p:extLst>
+      <p:ext uri="{BB962C8B-B14F-4D97-AF65-F5344CB8AC3E}">
+        <p14:creationId xmlns:p14="http://schemas.microsoft.com/office/powerpoint/2010/main" val="589533698"/>
+      </p:ext>
+    </p:extLst>
+  </p:cSld>
+  <p:clrMapOvr>
+    <a:masterClrMapping/>
+  </p:clrMapOvr>
+</p:notes>
+</file>
+
+<file path=ppt/notesSlides/notesSlide6.xml><?xml version="1.0" encoding="utf-8"?>
+<p:notes xmlns:a="http://schemas.openxmlformats.org/drawingml/2006/main" xmlns:r="http://schemas.openxmlformats.org/officeDocument/2006/relationships" xmlns:p="http://schemas.openxmlformats.org/presentationml/2006/main">
+  <p:cSld>
+    <p:spTree>
+      <p:nvGrpSpPr>
+        <p:cNvPr id="1" name=""/>
+        <p:cNvGrpSpPr/>
+        <p:nvPr/>
+      </p:nvGrpSpPr>
+      <p:grpSpPr>
+        <a:xfrm>
+          <a:off x="0" y="0"/>
+          <a:ext cx="0" cy="0"/>
+          <a:chOff x="0" y="0"/>
+          <a:chExt cx="0" cy="0"/>
+        </a:xfrm>
+      </p:grpSpPr>
+      <p:sp>
+        <p:nvSpPr>
+          <p:cNvPr id="2" name="Slide Image Placeholder 1"/>
+          <p:cNvSpPr>
+            <a:spLocks noGrp="1" noRot="1" noChangeAspect="1"/>
+          </p:cNvSpPr>
+          <p:nvPr>
+            <p:ph type="sldImg"/>
+          </p:nvPr>
+        </p:nvSpPr>
+        <p:spPr/>
+      </p:sp>
+      <p:sp>
+        <p:nvSpPr>
+          <p:cNvPr id="3" name="Notes Placeholder 2"/>
+          <p:cNvSpPr>
+            <a:spLocks noGrp="1"/>
+          </p:cNvSpPr>
+          <p:nvPr>
+            <p:ph type="body" idx="1"/>
+          </p:nvPr>
+        </p:nvSpPr>
+        <p:spPr/>
+        <p:txBody>
+          <a:bodyPr/>
+          <a:lstStyle/>
+          <a:p>
+            <a:r>
+              <a:rPr lang="en-US" baseline="0" dirty="0" smtClean="0"/>
+              <a:t>So I’ll be the first to admit that this doesn’t feel as creative as the older stuff on drawing aliens. But the core elements are in place </a:t>
+            </a:r>
+            <a:r>
+              <a:rPr lang="mr-IN" baseline="0" dirty="0" smtClean="0"/>
+              <a:t>–</a:t>
+            </a:r>
+            <a:r>
+              <a:rPr lang="en-US" baseline="0" dirty="0" smtClean="0"/>
+              <a:t> the only thing that has changed is that the domain is way smaller and a lot more boring. The advantage, of course, is that you get a lot more control over the experience, and then you can build computational models to test theories about how people do this sort of thing. </a:t>
+            </a:r>
+          </a:p>
+          <a:p>
+            <a:endParaRPr lang="en-US" baseline="0" dirty="0" smtClean="0"/>
+          </a:p>
+          <a:p>
+            <a:r>
+              <a:rPr lang="en-US" baseline="0" dirty="0" smtClean="0"/>
+              <a:t>So I’d argue that, just like list learning experiments can tell us a lot about memory, this artificial category generation paradigm can reveal a lot about more naturalistic cases.</a:t>
+            </a:r>
+          </a:p>
+          <a:p>
+            <a:endParaRPr lang="en-US" baseline="0" dirty="0" smtClean="0"/>
+          </a:p>
+          <a:p>
+            <a:pPr marL="0" marR="0" indent="0" algn="l" defTabSz="914400" rtl="0" eaLnBrk="1" fontAlgn="auto" latinLnBrk="0" hangingPunct="1">
+              <a:lnSpc>
+                <a:spcPct val="100000"/>
+              </a:lnSpc>
+              <a:spcBef>
+                <a:spcPts val="0"/>
+              </a:spcBef>
+              <a:spcAft>
+                <a:spcPts val="0"/>
+              </a:spcAft>
+              <a:buClrTx/>
+              <a:buSzTx/>
+              <a:buFontTx/>
+              <a:buNone/>
+              <a:tabLst/>
+              <a:defRPr/>
+            </a:pPr>
+            <a:r>
+              <a:rPr lang="en-US" baseline="0" dirty="0" smtClean="0"/>
+              <a:t>Anyway, this artificial categorization paradigm is where my talk is going to live, but I’m going to try to phrase my conclusions so that they apply to the broader world of category generation.</a:t>
+            </a:r>
+          </a:p>
+          <a:p>
+            <a:endParaRPr lang="en-US" baseline="0" dirty="0" smtClean="0"/>
+          </a:p>
+        </p:txBody>
+      </p:sp>
+      <p:sp>
+        <p:nvSpPr>
+          <p:cNvPr id="4" name="Slide Number Placeholder 3"/>
+          <p:cNvSpPr>
+            <a:spLocks noGrp="1"/>
+          </p:cNvSpPr>
+          <p:nvPr>
+            <p:ph type="sldNum" sz="quarter" idx="10"/>
+          </p:nvPr>
+        </p:nvSpPr>
+        <p:spPr/>
+        <p:txBody>
+          <a:bodyPr/>
+          <a:lstStyle/>
+          <a:p>
+            <a:fld id="{2EE8A78D-75C4-E841-B8CC-3B6913D7A8EB}" type="slidenum">
+              <a:rPr lang="en-US" smtClean="0"/>
+              <a:t>6</a:t>
+            </a:fld>
+            <a:endParaRPr lang="en-US"/>
+          </a:p>
+        </p:txBody>
+      </p:sp>
+    </p:spTree>
+    <p:extLst>
+      <p:ext uri="{BB962C8B-B14F-4D97-AF65-F5344CB8AC3E}">
+        <p14:creationId xmlns:p14="http://schemas.microsoft.com/office/powerpoint/2010/main" val="1831789004"/>
+      </p:ext>
+    </p:extLst>
+  </p:cSld>
+  <p:clrMapOvr>
+    <a:masterClrMapping/>
+  </p:clrMapOvr>
+</p:notes>
+</file>
+
+<file path=ppt/notesSlides/notesSlide7.xml><?xml version="1.0" encoding="utf-8"?>
+<p:notes xmlns:a="http://schemas.openxmlformats.org/drawingml/2006/main" xmlns:r="http://schemas.openxmlformats.org/officeDocument/2006/relationships" xmlns:p="http://schemas.openxmlformats.org/presentationml/2006/main">
+  <p:cSld>
+    <p:spTree>
+      <p:nvGrpSpPr>
+        <p:cNvPr id="1" name=""/>
+        <p:cNvGrpSpPr/>
+        <p:nvPr/>
+      </p:nvGrpSpPr>
+      <p:grpSpPr>
+        <a:xfrm>
+          <a:off x="0" y="0"/>
+          <a:ext cx="0" cy="0"/>
+          <a:chOff x="0" y="0"/>
+          <a:chExt cx="0" cy="0"/>
+        </a:xfrm>
+      </p:grpSpPr>
+      <p:sp>
+        <p:nvSpPr>
+          <p:cNvPr id="2" name="Slide Image Placeholder 1"/>
+          <p:cNvSpPr>
+            <a:spLocks noGrp="1" noRot="1" noChangeAspect="1"/>
+          </p:cNvSpPr>
+          <p:nvPr>
+            <p:ph type="sldImg"/>
+          </p:nvPr>
+        </p:nvSpPr>
+        <p:spPr/>
+      </p:sp>
+      <p:sp>
+        <p:nvSpPr>
+          <p:cNvPr id="3" name="Notes Placeholder 2"/>
+          <p:cNvSpPr>
+            <a:spLocks noGrp="1"/>
+          </p:cNvSpPr>
+          <p:nvPr>
+            <p:ph type="body" idx="1"/>
+          </p:nvPr>
+        </p:nvSpPr>
+        <p:spPr/>
+        <p:txBody>
+          <a:bodyPr/>
+          <a:lstStyle/>
+          <a:p>
+            <a:r>
+              <a:rPr lang="en-US" baseline="0" dirty="0" smtClean="0"/>
+              <a:t>So since </a:t>
+            </a:r>
+            <a:r>
+              <a:rPr lang="en-US" baseline="0" dirty="0" err="1" smtClean="0"/>
+              <a:t>Jern</a:t>
+            </a:r>
+            <a:r>
+              <a:rPr lang="en-US" baseline="0" dirty="0" smtClean="0"/>
+              <a:t> &amp; kemp published the first study taking this approach, I’ll briefly describe what they found. Their manipulation was in the relationship between size and saturation, within the experimenter define categories. Some participants learned a categories with a positive correlation, some with negative. And there are examples of each of these on the slide.</a:t>
+            </a:r>
+          </a:p>
+          <a:p>
+            <a:endParaRPr lang="en-US" baseline="0" dirty="0" smtClean="0"/>
+          </a:p>
+          <a:p>
+            <a:r>
+              <a:rPr lang="en-US" baseline="0" dirty="0" smtClean="0"/>
+              <a:t>And it turns out that participants generated novel categories following the same correlations. So if they learned a category with a positive size-saturation correlation, they tended to generate a new category with the same pattern. And this lines up really nicely with the earlier observation that alien species obey the same correlations as found on earth.</a:t>
+            </a:r>
+          </a:p>
+        </p:txBody>
+      </p:sp>
+      <p:sp>
+        <p:nvSpPr>
+          <p:cNvPr id="4" name="Slide Number Placeholder 3"/>
+          <p:cNvSpPr>
+            <a:spLocks noGrp="1"/>
+          </p:cNvSpPr>
+          <p:nvPr>
+            <p:ph type="sldNum" sz="quarter" idx="10"/>
+          </p:nvPr>
+        </p:nvSpPr>
+        <p:spPr/>
+        <p:txBody>
+          <a:bodyPr/>
+          <a:lstStyle/>
+          <a:p>
+            <a:fld id="{2EE8A78D-75C4-E841-B8CC-3B6913D7A8EB}" type="slidenum">
+              <a:rPr lang="en-US" smtClean="0"/>
+              <a:t>7</a:t>
+            </a:fld>
+            <a:endParaRPr lang="en-US"/>
+          </a:p>
+        </p:txBody>
+      </p:sp>
+    </p:spTree>
+    <p:extLst>
+      <p:ext uri="{BB962C8B-B14F-4D97-AF65-F5344CB8AC3E}">
+        <p14:creationId xmlns:p14="http://schemas.microsoft.com/office/powerpoint/2010/main" val="335045263"/>
+      </p:ext>
+    </p:extLst>
+  </p:cSld>
+  <p:clrMapOvr>
+    <a:masterClrMapping/>
+  </p:clrMapOvr>
+</p:notes>
+</file>
+
+<file path=ppt/notesSlides/notesSlide8.xml><?xml version="1.0" encoding="utf-8"?>
+<p:notes xmlns:a="http://schemas.openxmlformats.org/drawingml/2006/main" xmlns:r="http://schemas.openxmlformats.org/officeDocument/2006/relationships" xmlns:p="http://schemas.openxmlformats.org/presentationml/2006/main">
+  <p:cSld>
+    <p:spTree>
+      <p:nvGrpSpPr>
+        <p:cNvPr id="1" name=""/>
+        <p:cNvGrpSpPr/>
+        <p:nvPr/>
+      </p:nvGrpSpPr>
+      <p:grpSpPr>
+        <a:xfrm>
+          <a:off x="0" y="0"/>
+          <a:ext cx="0" cy="0"/>
+          <a:chOff x="0" y="0"/>
+          <a:chExt cx="0" cy="0"/>
+        </a:xfrm>
+      </p:grpSpPr>
+      <p:sp>
+        <p:nvSpPr>
+          <p:cNvPr id="2" name="Slide Image Placeholder 1"/>
+          <p:cNvSpPr>
+            <a:spLocks noGrp="1" noRot="1" noChangeAspect="1"/>
+          </p:cNvSpPr>
+          <p:nvPr>
+            <p:ph type="sldImg"/>
+          </p:nvPr>
+        </p:nvSpPr>
+        <p:spPr/>
+      </p:sp>
+      <p:sp>
+        <p:nvSpPr>
+          <p:cNvPr id="3" name="Notes Placeholder 2"/>
+          <p:cNvSpPr>
+            <a:spLocks noGrp="1"/>
+          </p:cNvSpPr>
+          <p:nvPr>
+            <p:ph type="body" idx="1"/>
+          </p:nvPr>
+        </p:nvSpPr>
+        <p:spPr/>
+        <p:txBody>
+          <a:bodyPr/>
+          <a:lstStyle/>
+          <a:p>
+            <a:r>
+              <a:rPr lang="en-US" baseline="0" dirty="0" smtClean="0"/>
+              <a:t>I don’t want to get too far into the weeds on this one, but they ended up building a hierarchical sampling model of category generation in order to explain their results. I’ll be showing simulations from this model in a little bit so here’s the introduction.</a:t>
+            </a:r>
+          </a:p>
+          <a:p>
+            <a:endParaRPr lang="en-US" baseline="0" dirty="0" smtClean="0"/>
+          </a:p>
+          <a:p>
+            <a:r>
+              <a:rPr lang="en-US" baseline="0" dirty="0" smtClean="0"/>
+              <a:t>Basically, the model learns about how each category is distributed across the space --  in terms of how each physical attribute varies, and how they are correlated. Then, the model makes an inference using the common patterns of variability </a:t>
+            </a:r>
+            <a:r>
+              <a:rPr lang="mr-IN" baseline="0" dirty="0" smtClean="0"/>
+              <a:t>–</a:t>
+            </a:r>
+            <a:r>
+              <a:rPr lang="en-US" baseline="0" dirty="0" smtClean="0"/>
+              <a:t> so it tries to identify if the existing categories have a positive or negative correlation. And then it uses that inference to make a new category with similar properties.</a:t>
+            </a:r>
+            <a:endParaRPr lang="en-US" baseline="0" dirty="0" smtClean="0"/>
+          </a:p>
+        </p:txBody>
+      </p:sp>
+      <p:sp>
+        <p:nvSpPr>
+          <p:cNvPr id="4" name="Slide Number Placeholder 3"/>
+          <p:cNvSpPr>
+            <a:spLocks noGrp="1"/>
+          </p:cNvSpPr>
+          <p:nvPr>
+            <p:ph type="sldNum" sz="quarter" idx="10"/>
+          </p:nvPr>
+        </p:nvSpPr>
+        <p:spPr/>
+        <p:txBody>
+          <a:bodyPr/>
+          <a:lstStyle/>
+          <a:p>
+            <a:fld id="{2EE8A78D-75C4-E841-B8CC-3B6913D7A8EB}" type="slidenum">
+              <a:rPr lang="en-US" smtClean="0"/>
+              <a:t>8</a:t>
+            </a:fld>
+            <a:endParaRPr lang="en-US"/>
+          </a:p>
+        </p:txBody>
+      </p:sp>
+    </p:spTree>
+    <p:extLst>
+      <p:ext uri="{BB962C8B-B14F-4D97-AF65-F5344CB8AC3E}">
+        <p14:creationId xmlns:p14="http://schemas.microsoft.com/office/powerpoint/2010/main" val="305389436"/>
+      </p:ext>
+    </p:extLst>
+  </p:cSld>
+  <p:clrMapOvr>
+    <a:masterClrMapping/>
+  </p:clrMapOvr>
+</p:notes>
+</file>
+
+<file path=ppt/notesSlides/notesSlide9.xml><?xml version="1.0" encoding="utf-8"?>
+<p:notes xmlns:a="http://schemas.openxmlformats.org/drawingml/2006/main" xmlns:r="http://schemas.openxmlformats.org/officeDocument/2006/relationships" xmlns:p="http://schemas.openxmlformats.org/presentationml/2006/main">
+  <p:cSld>
+    <p:spTree>
+      <p:nvGrpSpPr>
+        <p:cNvPr id="1" name=""/>
+        <p:cNvGrpSpPr/>
+        <p:nvPr/>
+      </p:nvGrpSpPr>
+      <p:grpSpPr>
+        <a:xfrm>
+          <a:off x="0" y="0"/>
+          <a:ext cx="0" cy="0"/>
+          <a:chOff x="0" y="0"/>
+          <a:chExt cx="0" cy="0"/>
+        </a:xfrm>
+      </p:grpSpPr>
+      <p:sp>
+        <p:nvSpPr>
+          <p:cNvPr id="2" name="Slide Image Placeholder 1"/>
+          <p:cNvSpPr>
+            <a:spLocks noGrp="1" noRot="1" noChangeAspect="1"/>
+          </p:cNvSpPr>
+          <p:nvPr>
+            <p:ph type="sldImg"/>
+          </p:nvPr>
+        </p:nvSpPr>
+        <p:spPr/>
+      </p:sp>
+      <p:sp>
+        <p:nvSpPr>
+          <p:cNvPr id="3" name="Notes Placeholder 2"/>
+          <p:cNvSpPr>
+            <a:spLocks noGrp="1"/>
+          </p:cNvSpPr>
+          <p:nvPr>
+            <p:ph type="body" idx="1"/>
+          </p:nvPr>
+        </p:nvSpPr>
+        <p:spPr/>
+        <p:txBody>
+          <a:bodyPr/>
+          <a:lstStyle/>
+          <a:p>
+            <a:r>
+              <a:rPr lang="en-US" dirty="0" smtClean="0"/>
+              <a:t>Okay, so that’s sort of the state of things when</a:t>
+            </a:r>
+            <a:r>
+              <a:rPr lang="en-US" baseline="0" dirty="0" smtClean="0"/>
+              <a:t> Joe and I started working on this last year. We have some strong </a:t>
+            </a:r>
+            <a:r>
+              <a:rPr lang="en-US" baseline="0" dirty="0" err="1" smtClean="0"/>
+              <a:t>evidenc</a:t>
+            </a:r>
+            <a:endParaRPr lang="en-US" dirty="0"/>
+          </a:p>
+        </p:txBody>
+      </p:sp>
+      <p:sp>
+        <p:nvSpPr>
+          <p:cNvPr id="4" name="Slide Number Placeholder 3"/>
+          <p:cNvSpPr>
+            <a:spLocks noGrp="1"/>
+          </p:cNvSpPr>
+          <p:nvPr>
+            <p:ph type="sldNum" sz="quarter" idx="10"/>
+          </p:nvPr>
+        </p:nvSpPr>
+        <p:spPr/>
+        <p:txBody>
+          <a:bodyPr/>
+          <a:lstStyle/>
+          <a:p>
+            <a:fld id="{2EE8A78D-75C4-E841-B8CC-3B6913D7A8EB}" type="slidenum">
+              <a:rPr lang="en-US" smtClean="0"/>
+              <a:t>9</a:t>
+            </a:fld>
+            <a:endParaRPr lang="en-US"/>
+          </a:p>
+        </p:txBody>
+      </p:sp>
+    </p:spTree>
+    <p:extLst>
+      <p:ext uri="{BB962C8B-B14F-4D97-AF65-F5344CB8AC3E}">
+        <p14:creationId xmlns:p14="http://schemas.microsoft.com/office/powerpoint/2010/main" val="495506904"/>
+      </p:ext>
+    </p:extLst>
+  </p:cSld>
+  <p:clrMapOvr>
+    <a:masterClrMapping/>
+  </p:clrMapOvr>
+</p:notes>
 </file>
 
 <file path=ppt/slideLayouts/slideLayout1.xml><?xml version="1.0" encoding="utf-8"?>
@@ -238,7 +1635,7 @@
           <a:p>
             <a:fld id="{3FB76B9B-0F6A-7D4E-99AB-769CFDC92DBC}" type="datetimeFigureOut">
               <a:rPr lang="en-US" smtClean="0"/>
-              <a:t>2/16/17</a:t>
+              <a:t>2/17/17</a:t>
             </a:fld>
             <a:endParaRPr lang="en-US"/>
           </a:p>
@@ -408,7 +1805,7 @@
           <a:p>
             <a:fld id="{3FB76B9B-0F6A-7D4E-99AB-769CFDC92DBC}" type="datetimeFigureOut">
               <a:rPr lang="en-US" smtClean="0"/>
-              <a:t>2/16/17</a:t>
+              <a:t>2/17/17</a:t>
             </a:fld>
             <a:endParaRPr lang="en-US"/>
           </a:p>
@@ -588,7 +1985,7 @@
           <a:p>
             <a:fld id="{3FB76B9B-0F6A-7D4E-99AB-769CFDC92DBC}" type="datetimeFigureOut">
               <a:rPr lang="en-US" smtClean="0"/>
-              <a:t>2/16/17</a:t>
+              <a:t>2/17/17</a:t>
             </a:fld>
             <a:endParaRPr lang="en-US"/>
           </a:p>
@@ -758,7 +2155,7 @@
           <a:p>
             <a:fld id="{3FB76B9B-0F6A-7D4E-99AB-769CFDC92DBC}" type="datetimeFigureOut">
               <a:rPr lang="en-US" smtClean="0"/>
-              <a:t>2/16/17</a:t>
+              <a:t>2/17/17</a:t>
             </a:fld>
             <a:endParaRPr lang="en-US"/>
           </a:p>
@@ -1002,7 +2399,7 @@
           <a:p>
             <a:fld id="{3FB76B9B-0F6A-7D4E-99AB-769CFDC92DBC}" type="datetimeFigureOut">
               <a:rPr lang="en-US" smtClean="0"/>
-              <a:t>2/16/17</a:t>
+              <a:t>2/17/17</a:t>
             </a:fld>
             <a:endParaRPr lang="en-US"/>
           </a:p>
@@ -1234,7 +2631,7 @@
           <a:p>
             <a:fld id="{3FB76B9B-0F6A-7D4E-99AB-769CFDC92DBC}" type="datetimeFigureOut">
               <a:rPr lang="en-US" smtClean="0"/>
-              <a:t>2/16/17</a:t>
+              <a:t>2/17/17</a:t>
             </a:fld>
             <a:endParaRPr lang="en-US"/>
           </a:p>
@@ -1601,7 +2998,7 @@
           <a:p>
             <a:fld id="{3FB76B9B-0F6A-7D4E-99AB-769CFDC92DBC}" type="datetimeFigureOut">
               <a:rPr lang="en-US" smtClean="0"/>
-              <a:t>2/16/17</a:t>
+              <a:t>2/17/17</a:t>
             </a:fld>
             <a:endParaRPr lang="en-US"/>
           </a:p>
@@ -1719,7 +3116,7 @@
           <a:p>
             <a:fld id="{3FB76B9B-0F6A-7D4E-99AB-769CFDC92DBC}" type="datetimeFigureOut">
               <a:rPr lang="en-US" smtClean="0"/>
-              <a:t>2/16/17</a:t>
+              <a:t>2/17/17</a:t>
             </a:fld>
             <a:endParaRPr lang="en-US"/>
           </a:p>
@@ -1814,7 +3211,7 @@
           <a:p>
             <a:fld id="{3FB76B9B-0F6A-7D4E-99AB-769CFDC92DBC}" type="datetimeFigureOut">
               <a:rPr lang="en-US" smtClean="0"/>
-              <a:t>2/16/17</a:t>
+              <a:t>2/17/17</a:t>
             </a:fld>
             <a:endParaRPr lang="en-US"/>
           </a:p>
@@ -2091,7 +3488,7 @@
           <a:p>
             <a:fld id="{3FB76B9B-0F6A-7D4E-99AB-769CFDC92DBC}" type="datetimeFigureOut">
               <a:rPr lang="en-US" smtClean="0"/>
-              <a:t>2/16/17</a:t>
+              <a:t>2/17/17</a:t>
             </a:fld>
             <a:endParaRPr lang="en-US"/>
           </a:p>
@@ -2348,7 +3745,7 @@
           <a:p>
             <a:fld id="{3FB76B9B-0F6A-7D4E-99AB-769CFDC92DBC}" type="datetimeFigureOut">
               <a:rPr lang="en-US" smtClean="0"/>
-              <a:t>2/16/17</a:t>
+              <a:t>2/17/17</a:t>
             </a:fld>
             <a:endParaRPr lang="en-US"/>
           </a:p>
@@ -2561,7 +3958,7 @@
           <a:p>
             <a:fld id="{3FB76B9B-0F6A-7D4E-99AB-769CFDC92DBC}" type="datetimeFigureOut">
               <a:rPr lang="en-US" smtClean="0"/>
-              <a:t>2/16/17</a:t>
+              <a:t>2/17/17</a:t>
             </a:fld>
             <a:endParaRPr lang="en-US"/>
           </a:p>
@@ -2976,38 +4373,4979 @@
             <p:ph type="ctrTitle"/>
           </p:nvPr>
         </p:nvSpPr>
-        <p:spPr/>
-        <p:txBody>
-          <a:bodyPr/>
+        <p:spPr>
+          <a:xfrm>
+            <a:off x="685800" y="257839"/>
+            <a:ext cx="7772400" cy="2387600"/>
+          </a:xfrm>
+        </p:spPr>
+        <p:txBody>
+          <a:bodyPr>
+            <a:normAutofit/>
+          </a:bodyPr>
           <a:lstStyle/>
           <a:p>
-            <a:endParaRPr lang="en-US"/>
-          </a:p>
-        </p:txBody>
-      </p:sp>
-      <p:sp>
-        <p:nvSpPr>
-          <p:cNvPr id="3" name="Subtitle 2"/>
-          <p:cNvSpPr>
-            <a:spLocks noGrp="1"/>
-          </p:cNvSpPr>
-          <p:nvPr>
-            <p:ph type="subTitle" idx="1"/>
-          </p:nvPr>
-        </p:nvSpPr>
-        <p:spPr/>
-        <p:txBody>
-          <a:bodyPr/>
-          <a:lstStyle/>
-          <a:p>
-            <a:endParaRPr lang="en-US"/>
-          </a:p>
-        </p:txBody>
-      </p:sp>
+            <a:r>
+              <a:rPr lang="en-US" sz="4000" dirty="0" smtClean="0"/>
+              <a:t>Exploring the Creative Use of Conceptual Knowledge</a:t>
+            </a:r>
+            <a:endParaRPr lang="en-US" sz="4000" dirty="0"/>
+          </a:p>
+        </p:txBody>
+      </p:sp>
+      <p:grpSp>
+        <p:nvGrpSpPr>
+          <p:cNvPr id="8" name="Group 7"/>
+          <p:cNvGrpSpPr/>
+          <p:nvPr/>
+        </p:nvGrpSpPr>
+        <p:grpSpPr>
+          <a:xfrm>
+            <a:off x="1363286" y="3746033"/>
+            <a:ext cx="2764443" cy="2107888"/>
+            <a:chOff x="1363286" y="3746033"/>
+            <a:chExt cx="2764443" cy="2107888"/>
+          </a:xfrm>
+        </p:grpSpPr>
+        <p:pic>
+          <p:nvPicPr>
+            <p:cNvPr id="5" name="Picture 4"/>
+            <p:cNvPicPr>
+              <a:picLocks noChangeAspect="1"/>
+            </p:cNvPicPr>
+            <p:nvPr/>
+          </p:nvPicPr>
+          <p:blipFill>
+            <a:blip r:embed="rId3">
+              <a:extLst>
+                <a:ext uri="{28A0092B-C50C-407E-A947-70E740481C1C}">
+                  <a14:useLocalDpi xmlns:a14="http://schemas.microsoft.com/office/drawing/2010/main" val="0"/>
+                </a:ext>
+              </a:extLst>
+            </a:blip>
+            <a:stretch>
+              <a:fillRect/>
+            </a:stretch>
+          </p:blipFill>
+          <p:spPr>
+            <a:xfrm>
+              <a:off x="1363286" y="3746033"/>
+              <a:ext cx="2764443" cy="2107888"/>
+            </a:xfrm>
+            <a:prstGeom prst="rect">
+              <a:avLst/>
+            </a:prstGeom>
+          </p:spPr>
+        </p:pic>
+        <p:sp>
+          <p:nvSpPr>
+            <p:cNvPr id="6" name="Oval 5"/>
+            <p:cNvSpPr/>
+            <p:nvPr/>
+          </p:nvSpPr>
+          <p:spPr>
+            <a:xfrm>
+              <a:off x="2643445" y="5037513"/>
+              <a:ext cx="74815" cy="74815"/>
+            </a:xfrm>
+            <a:prstGeom prst="ellipse">
+              <a:avLst/>
+            </a:prstGeom>
+            <a:solidFill>
+              <a:srgbClr val="FF0000"/>
+            </a:solidFill>
+            <a:ln>
+              <a:solidFill>
+                <a:schemeClr val="bg1"/>
+              </a:solidFill>
+            </a:ln>
+          </p:spPr>
+          <p:style>
+            <a:lnRef idx="2">
+              <a:schemeClr val="accent1">
+                <a:shade val="50000"/>
+              </a:schemeClr>
+            </a:lnRef>
+            <a:fillRef idx="1">
+              <a:schemeClr val="accent1"/>
+            </a:fillRef>
+            <a:effectRef idx="0">
+              <a:schemeClr val="accent1"/>
+            </a:effectRef>
+            <a:fontRef idx="minor">
+              <a:schemeClr val="lt1"/>
+            </a:fontRef>
+          </p:style>
+          <p:txBody>
+            <a:bodyPr rtlCol="0" anchor="ctr"/>
+            <a:lstStyle/>
+            <a:p>
+              <a:pPr algn="ctr"/>
+              <a:endParaRPr lang="en-US"/>
+            </a:p>
+          </p:txBody>
+        </p:sp>
+        <p:sp>
+          <p:nvSpPr>
+            <p:cNvPr id="7" name="TextBox 6"/>
+            <p:cNvSpPr txBox="1"/>
+            <p:nvPr/>
+          </p:nvSpPr>
+          <p:spPr>
+            <a:xfrm>
+              <a:off x="1837113" y="5112328"/>
+              <a:ext cx="1077328" cy="276999"/>
+            </a:xfrm>
+            <a:prstGeom prst="rect">
+              <a:avLst/>
+            </a:prstGeom>
+            <a:noFill/>
+          </p:spPr>
+          <p:txBody>
+            <a:bodyPr wrap="square" rtlCol="0">
+              <a:spAutoFit/>
+            </a:bodyPr>
+            <a:lstStyle/>
+            <a:p>
+              <a:r>
+                <a:rPr lang="en-US" sz="1200" smtClean="0"/>
+                <a:t>Binghamton</a:t>
+              </a:r>
+              <a:endParaRPr lang="en-US" sz="1200"/>
+            </a:p>
+          </p:txBody>
+        </p:sp>
+      </p:grpSp>
+      <p:pic>
+        <p:nvPicPr>
+          <p:cNvPr id="9" name="Picture 8"/>
+          <p:cNvPicPr>
+            <a:picLocks noChangeAspect="1"/>
+          </p:cNvPicPr>
+          <p:nvPr/>
+        </p:nvPicPr>
+        <p:blipFill>
+          <a:blip r:embed="rId4">
+            <a:extLst>
+              <a:ext uri="{28A0092B-C50C-407E-A947-70E740481C1C}">
+                <a14:useLocalDpi xmlns:a14="http://schemas.microsoft.com/office/drawing/2010/main" val="0"/>
+              </a:ext>
+            </a:extLst>
+          </a:blip>
+          <a:stretch>
+            <a:fillRect/>
+          </a:stretch>
+        </p:blipFill>
+        <p:spPr>
+          <a:xfrm>
+            <a:off x="4722548" y="3420277"/>
+            <a:ext cx="3575895" cy="2759399"/>
+          </a:xfrm>
+          <a:prstGeom prst="rect">
+            <a:avLst/>
+          </a:prstGeom>
+        </p:spPr>
+      </p:pic>
     </p:spTree>
     <p:extLst>
       <p:ext uri="{BB962C8B-B14F-4D97-AF65-F5344CB8AC3E}">
         <p14:creationId xmlns:p14="http://schemas.microsoft.com/office/powerpoint/2010/main" val="213951777"/>
+      </p:ext>
+    </p:extLst>
+  </p:cSld>
+  <p:clrMapOvr>
+    <a:masterClrMapping/>
+  </p:clrMapOvr>
+</p:sld>
+</file>
+
+<file path=ppt/slides/slide2.xml><?xml version="1.0" encoding="utf-8"?>
+<p:sld xmlns:a="http://schemas.openxmlformats.org/drawingml/2006/main" xmlns:r="http://schemas.openxmlformats.org/officeDocument/2006/relationships" xmlns:p="http://schemas.openxmlformats.org/presentationml/2006/main">
+  <p:cSld>
+    <p:spTree>
+      <p:nvGrpSpPr>
+        <p:cNvPr id="1" name=""/>
+        <p:cNvGrpSpPr/>
+        <p:nvPr/>
+      </p:nvGrpSpPr>
+      <p:grpSpPr>
+        <a:xfrm>
+          <a:off x="0" y="0"/>
+          <a:ext cx="0" cy="0"/>
+          <a:chOff x="0" y="0"/>
+          <a:chExt cx="0" cy="0"/>
+        </a:xfrm>
+      </p:grpSpPr>
+      <p:grpSp>
+        <p:nvGrpSpPr>
+          <p:cNvPr id="15" name="Group 14"/>
+          <p:cNvGrpSpPr/>
+          <p:nvPr/>
+        </p:nvGrpSpPr>
+        <p:grpSpPr>
+          <a:xfrm>
+            <a:off x="5427132" y="962429"/>
+            <a:ext cx="3375239" cy="5428631"/>
+            <a:chOff x="4893329" y="806333"/>
+            <a:chExt cx="3989524" cy="5965351"/>
+          </a:xfrm>
+        </p:grpSpPr>
+        <p:pic>
+          <p:nvPicPr>
+            <p:cNvPr id="16" name="Picture 15"/>
+            <p:cNvPicPr>
+              <a:picLocks noChangeAspect="1"/>
+            </p:cNvPicPr>
+            <p:nvPr/>
+          </p:nvPicPr>
+          <p:blipFill>
+            <a:blip r:embed="rId3">
+              <a:extLst>
+                <a:ext uri="{28A0092B-C50C-407E-A947-70E740481C1C}">
+                  <a14:useLocalDpi xmlns:a14="http://schemas.microsoft.com/office/drawing/2010/main" val="0"/>
+                </a:ext>
+              </a:extLst>
+            </a:blip>
+            <a:stretch>
+              <a:fillRect/>
+            </a:stretch>
+          </p:blipFill>
+          <p:spPr>
+            <a:xfrm>
+              <a:off x="4893329" y="806333"/>
+              <a:ext cx="3989523" cy="5710844"/>
+            </a:xfrm>
+            <a:prstGeom prst="rect">
+              <a:avLst/>
+            </a:prstGeom>
+          </p:spPr>
+        </p:pic>
+        <p:sp>
+          <p:nvSpPr>
+            <p:cNvPr id="17" name="TextBox 16"/>
+            <p:cNvSpPr txBox="1"/>
+            <p:nvPr/>
+          </p:nvSpPr>
+          <p:spPr>
+            <a:xfrm>
+              <a:off x="4893330" y="6467299"/>
+              <a:ext cx="3989523" cy="304385"/>
+            </a:xfrm>
+            <a:prstGeom prst="rect">
+              <a:avLst/>
+            </a:prstGeom>
+            <a:noFill/>
+          </p:spPr>
+          <p:txBody>
+            <a:bodyPr wrap="square" rtlCol="0">
+              <a:spAutoFit/>
+            </a:bodyPr>
+            <a:lstStyle/>
+            <a:p>
+              <a:pPr algn="r"/>
+              <a:r>
+                <a:rPr lang="en-US" sz="1200" dirty="0" smtClean="0"/>
+                <a:t>Images from Ward (1994), </a:t>
+              </a:r>
+              <a:r>
+                <a:rPr lang="en-US" sz="1200" i="1" dirty="0" smtClean="0"/>
+                <a:t>Cognitive Psychology</a:t>
+              </a:r>
+              <a:endParaRPr lang="en-US" sz="1200" dirty="0"/>
+            </a:p>
+          </p:txBody>
+        </p:sp>
+      </p:grpSp>
+      <p:sp>
+        <p:nvSpPr>
+          <p:cNvPr id="4" name="TextBox 3"/>
+          <p:cNvSpPr txBox="1"/>
+          <p:nvPr/>
+        </p:nvSpPr>
+        <p:spPr>
+          <a:xfrm>
+            <a:off x="542155" y="437495"/>
+            <a:ext cx="6767330" cy="461665"/>
+          </a:xfrm>
+          <a:prstGeom prst="rect">
+            <a:avLst/>
+          </a:prstGeom>
+          <a:noFill/>
+        </p:spPr>
+        <p:txBody>
+          <a:bodyPr wrap="square" rtlCol="0">
+            <a:spAutoFit/>
+          </a:bodyPr>
+          <a:lstStyle/>
+          <a:p>
+            <a:r>
+              <a:rPr lang="mr-IN" sz="2400" dirty="0" smtClean="0"/>
+              <a:t>…</a:t>
+            </a:r>
+            <a:r>
+              <a:rPr lang="en-US" sz="2400" dirty="0"/>
+              <a:t>r</a:t>
+            </a:r>
+            <a:r>
+              <a:rPr lang="en-US" sz="2400" dirty="0" smtClean="0"/>
+              <a:t>eally, this talk is about </a:t>
+            </a:r>
+            <a:r>
+              <a:rPr lang="en-US" sz="2400" b="1" dirty="0" smtClean="0"/>
+              <a:t>category generation</a:t>
+            </a:r>
+            <a:r>
+              <a:rPr lang="en-US" sz="2400" dirty="0" smtClean="0"/>
+              <a:t>.</a:t>
+            </a:r>
+            <a:endParaRPr lang="en-US" sz="2400" dirty="0"/>
+          </a:p>
+        </p:txBody>
+      </p:sp>
+      <p:sp>
+        <p:nvSpPr>
+          <p:cNvPr id="10" name="TextBox 9"/>
+          <p:cNvSpPr txBox="1"/>
+          <p:nvPr/>
+        </p:nvSpPr>
+        <p:spPr>
+          <a:xfrm>
+            <a:off x="260160" y="1568727"/>
+            <a:ext cx="4849177" cy="4462760"/>
+          </a:xfrm>
+          <a:prstGeom prst="rect">
+            <a:avLst/>
+          </a:prstGeom>
+          <a:noFill/>
+        </p:spPr>
+        <p:txBody>
+          <a:bodyPr wrap="square" rtlCol="0">
+            <a:spAutoFit/>
+          </a:bodyPr>
+          <a:lstStyle/>
+          <a:p>
+            <a:r>
+              <a:rPr lang="en-US" sz="2000" dirty="0" smtClean="0"/>
+              <a:t>Classic paradigm: participants asked to draw species of plants and animals from other planets</a:t>
+            </a:r>
+          </a:p>
+          <a:p>
+            <a:endParaRPr lang="en-US" dirty="0" smtClean="0"/>
+          </a:p>
+          <a:p>
+            <a:endParaRPr lang="en-US" dirty="0" smtClean="0"/>
+          </a:p>
+          <a:p>
+            <a:r>
+              <a:rPr lang="en-US" sz="2000" dirty="0" smtClean="0"/>
+              <a:t>What we learned—</a:t>
+            </a:r>
+          </a:p>
+          <a:p>
+            <a:endParaRPr lang="en-US" dirty="0" smtClean="0"/>
+          </a:p>
+          <a:p>
+            <a:r>
+              <a:rPr lang="en-US" b="1" dirty="0" smtClean="0"/>
+              <a:t>Shared physical attributes</a:t>
+            </a:r>
+            <a:r>
+              <a:rPr lang="en-US" dirty="0" smtClean="0"/>
+              <a:t>: </a:t>
+            </a:r>
+          </a:p>
+          <a:p>
+            <a:pPr marL="285750" indent="-168275">
+              <a:buFontTx/>
+              <a:buChar char="-"/>
+            </a:pPr>
+            <a:r>
+              <a:rPr lang="en-US" sz="1600" dirty="0" smtClean="0"/>
+              <a:t>Aliens possess the same structural forms as on earth species (arms, legs, ears, </a:t>
+            </a:r>
+            <a:r>
+              <a:rPr lang="en-US" sz="1600" dirty="0" err="1" smtClean="0"/>
+              <a:t>etc</a:t>
+            </a:r>
+            <a:r>
+              <a:rPr lang="mr-IN" sz="1600" dirty="0" smtClean="0"/>
+              <a:t>…</a:t>
+            </a:r>
+            <a:r>
+              <a:rPr lang="en-US" sz="1600" dirty="0" smtClean="0"/>
+              <a:t>)</a:t>
+            </a:r>
+          </a:p>
+          <a:p>
+            <a:pPr marL="285750" indent="-285750">
+              <a:buFontTx/>
+              <a:buChar char="-"/>
+            </a:pPr>
+            <a:endParaRPr lang="en-US" b="1" dirty="0"/>
+          </a:p>
+          <a:p>
+            <a:r>
+              <a:rPr lang="en-US" b="1" dirty="0" smtClean="0"/>
+              <a:t>Shared distributional properties</a:t>
+            </a:r>
+            <a:r>
+              <a:rPr lang="en-US" dirty="0" smtClean="0"/>
+              <a:t>: </a:t>
+            </a:r>
+          </a:p>
+          <a:p>
+            <a:pPr marL="285750" indent="-168275">
+              <a:buFontTx/>
+              <a:buChar char="-"/>
+            </a:pPr>
+            <a:r>
+              <a:rPr lang="en-US" sz="1600" dirty="0" smtClean="0"/>
+              <a:t>Same feature correlations as found on earth (e.g., wings usually found with feathers)</a:t>
+            </a:r>
+          </a:p>
+          <a:p>
+            <a:pPr marL="285750" indent="-168275">
+              <a:buFontTx/>
+              <a:buChar char="-"/>
+            </a:pPr>
+            <a:r>
+              <a:rPr lang="en-US" sz="1600" dirty="0" smtClean="0"/>
+              <a:t>Less within-species variance compared to between-species variance.</a:t>
+            </a:r>
+            <a:endParaRPr lang="en-US" sz="1600" dirty="0"/>
+          </a:p>
+        </p:txBody>
+      </p:sp>
+    </p:spTree>
+    <p:extLst>
+      <p:ext uri="{BB962C8B-B14F-4D97-AF65-F5344CB8AC3E}">
+        <p14:creationId xmlns:p14="http://schemas.microsoft.com/office/powerpoint/2010/main" val="725310835"/>
+      </p:ext>
+    </p:extLst>
+  </p:cSld>
+  <p:clrMapOvr>
+    <a:masterClrMapping/>
+  </p:clrMapOvr>
+</p:sld>
+</file>
+
+<file path=ppt/slides/slide3.xml><?xml version="1.0" encoding="utf-8"?>
+<p:sld xmlns:a="http://schemas.openxmlformats.org/drawingml/2006/main" xmlns:r="http://schemas.openxmlformats.org/officeDocument/2006/relationships" xmlns:p="http://schemas.openxmlformats.org/presentationml/2006/main">
+  <p:cSld>
+    <p:spTree>
+      <p:nvGrpSpPr>
+        <p:cNvPr id="1" name=""/>
+        <p:cNvGrpSpPr/>
+        <p:nvPr/>
+      </p:nvGrpSpPr>
+      <p:grpSpPr>
+        <a:xfrm>
+          <a:off x="0" y="0"/>
+          <a:ext cx="0" cy="0"/>
+          <a:chOff x="0" y="0"/>
+          <a:chExt cx="0" cy="0"/>
+        </a:xfrm>
+      </p:grpSpPr>
+      <p:grpSp>
+        <p:nvGrpSpPr>
+          <p:cNvPr id="15" name="Group 14"/>
+          <p:cNvGrpSpPr/>
+          <p:nvPr/>
+        </p:nvGrpSpPr>
+        <p:grpSpPr>
+          <a:xfrm>
+            <a:off x="5427132" y="962429"/>
+            <a:ext cx="3375239" cy="5428631"/>
+            <a:chOff x="4893329" y="806333"/>
+            <a:chExt cx="3989524" cy="5965351"/>
+          </a:xfrm>
+        </p:grpSpPr>
+        <p:pic>
+          <p:nvPicPr>
+            <p:cNvPr id="16" name="Picture 15"/>
+            <p:cNvPicPr>
+              <a:picLocks noChangeAspect="1"/>
+            </p:cNvPicPr>
+            <p:nvPr/>
+          </p:nvPicPr>
+          <p:blipFill>
+            <a:blip r:embed="rId3">
+              <a:extLst>
+                <a:ext uri="{28A0092B-C50C-407E-A947-70E740481C1C}">
+                  <a14:useLocalDpi xmlns:a14="http://schemas.microsoft.com/office/drawing/2010/main" val="0"/>
+                </a:ext>
+              </a:extLst>
+            </a:blip>
+            <a:stretch>
+              <a:fillRect/>
+            </a:stretch>
+          </p:blipFill>
+          <p:spPr>
+            <a:xfrm>
+              <a:off x="4893329" y="806333"/>
+              <a:ext cx="3989523" cy="5710844"/>
+            </a:xfrm>
+            <a:prstGeom prst="rect">
+              <a:avLst/>
+            </a:prstGeom>
+          </p:spPr>
+        </p:pic>
+        <p:sp>
+          <p:nvSpPr>
+            <p:cNvPr id="17" name="TextBox 16"/>
+            <p:cNvSpPr txBox="1"/>
+            <p:nvPr/>
+          </p:nvSpPr>
+          <p:spPr>
+            <a:xfrm>
+              <a:off x="4893330" y="6467299"/>
+              <a:ext cx="3989523" cy="304385"/>
+            </a:xfrm>
+            <a:prstGeom prst="rect">
+              <a:avLst/>
+            </a:prstGeom>
+            <a:noFill/>
+          </p:spPr>
+          <p:txBody>
+            <a:bodyPr wrap="square" rtlCol="0">
+              <a:spAutoFit/>
+            </a:bodyPr>
+            <a:lstStyle/>
+            <a:p>
+              <a:pPr algn="r"/>
+              <a:r>
+                <a:rPr lang="en-US" sz="1200" dirty="0" smtClean="0"/>
+                <a:t>Images from Ward (1994), </a:t>
+              </a:r>
+              <a:r>
+                <a:rPr lang="en-US" sz="1200" i="1" dirty="0" smtClean="0"/>
+                <a:t>Cognitive Psychology</a:t>
+              </a:r>
+              <a:endParaRPr lang="en-US" sz="1200" dirty="0"/>
+            </a:p>
+          </p:txBody>
+        </p:sp>
+      </p:grpSp>
+      <p:sp>
+        <p:nvSpPr>
+          <p:cNvPr id="10" name="TextBox 9"/>
+          <p:cNvSpPr txBox="1"/>
+          <p:nvPr/>
+        </p:nvSpPr>
+        <p:spPr>
+          <a:xfrm>
+            <a:off x="260160" y="1568727"/>
+            <a:ext cx="4849177" cy="3693319"/>
+          </a:xfrm>
+          <a:prstGeom prst="rect">
+            <a:avLst/>
+          </a:prstGeom>
+          <a:noFill/>
+        </p:spPr>
+        <p:txBody>
+          <a:bodyPr wrap="square" rtlCol="0">
+            <a:spAutoFit/>
+          </a:bodyPr>
+          <a:lstStyle/>
+          <a:p>
+            <a:r>
+              <a:rPr lang="en-US" sz="2000" dirty="0" smtClean="0"/>
+              <a:t>Classic paradigm: participants asked to draw species of plants and animals from other planets</a:t>
+            </a:r>
+          </a:p>
+          <a:p>
+            <a:endParaRPr lang="en-US" dirty="0" smtClean="0"/>
+          </a:p>
+          <a:p>
+            <a:endParaRPr lang="en-US" dirty="0" smtClean="0"/>
+          </a:p>
+          <a:p>
+            <a:r>
+              <a:rPr lang="en-US" sz="2000" dirty="0" smtClean="0"/>
+              <a:t>Psychological account—</a:t>
+            </a:r>
+          </a:p>
+          <a:p>
+            <a:endParaRPr lang="en-US" dirty="0" smtClean="0"/>
+          </a:p>
+          <a:p>
+            <a:r>
+              <a:rPr lang="en-US" b="1" dirty="0" smtClean="0"/>
+              <a:t>Copy-and-Tweak </a:t>
+            </a:r>
+            <a:r>
+              <a:rPr lang="en-US" dirty="0" smtClean="0"/>
+              <a:t>(Ward, 1995)</a:t>
+            </a:r>
+          </a:p>
+          <a:p>
+            <a:pPr marL="285750" indent="-168275">
+              <a:buFontTx/>
+              <a:buChar char="-"/>
+            </a:pPr>
+            <a:r>
+              <a:rPr lang="en-US" sz="1600" dirty="0" smtClean="0"/>
+              <a:t>Participants retrieve an earth animal from memory, and then change a few of its features to make something new.</a:t>
+            </a:r>
+          </a:p>
+          <a:p>
+            <a:pPr marL="285750" indent="-168275">
+              <a:buFontTx/>
+              <a:buChar char="-"/>
+            </a:pPr>
+            <a:endParaRPr lang="en-US" sz="1600" dirty="0"/>
+          </a:p>
+          <a:p>
+            <a:pPr marL="285750" indent="-285750">
+              <a:buFontTx/>
+              <a:buChar char="-"/>
+            </a:pPr>
+            <a:endParaRPr lang="en-US" b="1" dirty="0"/>
+          </a:p>
+        </p:txBody>
+      </p:sp>
+    </p:spTree>
+    <p:extLst>
+      <p:ext uri="{BB962C8B-B14F-4D97-AF65-F5344CB8AC3E}">
+        <p14:creationId xmlns:p14="http://schemas.microsoft.com/office/powerpoint/2010/main" val="768028253"/>
+      </p:ext>
+    </p:extLst>
+  </p:cSld>
+  <p:clrMapOvr>
+    <a:masterClrMapping/>
+  </p:clrMapOvr>
+</p:sld>
+</file>
+
+<file path=ppt/slides/slide4.xml><?xml version="1.0" encoding="utf-8"?>
+<p:sld xmlns:a="http://schemas.openxmlformats.org/drawingml/2006/main" xmlns:r="http://schemas.openxmlformats.org/officeDocument/2006/relationships" xmlns:p="http://schemas.openxmlformats.org/presentationml/2006/main">
+  <p:cSld>
+    <p:spTree>
+      <p:nvGrpSpPr>
+        <p:cNvPr id="1" name=""/>
+        <p:cNvGrpSpPr/>
+        <p:nvPr/>
+      </p:nvGrpSpPr>
+      <p:grpSpPr>
+        <a:xfrm>
+          <a:off x="0" y="0"/>
+          <a:ext cx="0" cy="0"/>
+          <a:chOff x="0" y="0"/>
+          <a:chExt cx="0" cy="0"/>
+        </a:xfrm>
+      </p:grpSpPr>
+      <p:sp>
+        <p:nvSpPr>
+          <p:cNvPr id="4" name="TextBox 3"/>
+          <p:cNvSpPr txBox="1"/>
+          <p:nvPr/>
+        </p:nvSpPr>
+        <p:spPr>
+          <a:xfrm>
+            <a:off x="296268" y="297355"/>
+            <a:ext cx="6631863" cy="461665"/>
+          </a:xfrm>
+          <a:prstGeom prst="rect">
+            <a:avLst/>
+          </a:prstGeom>
+          <a:noFill/>
+        </p:spPr>
+        <p:txBody>
+          <a:bodyPr wrap="square" rtlCol="0">
+            <a:spAutoFit/>
+          </a:bodyPr>
+          <a:lstStyle/>
+          <a:p>
+            <a:r>
+              <a:rPr lang="en-US" sz="2400" dirty="0" smtClean="0"/>
+              <a:t>Making category generation more model-able</a:t>
+            </a:r>
+            <a:r>
+              <a:rPr lang="mr-IN" sz="2400" dirty="0" smtClean="0"/>
+              <a:t>…</a:t>
+            </a:r>
+            <a:endParaRPr lang="en-US" sz="2400" dirty="0"/>
+          </a:p>
+        </p:txBody>
+      </p:sp>
+      <p:sp>
+        <p:nvSpPr>
+          <p:cNvPr id="16" name="Rectangle 15"/>
+          <p:cNvSpPr/>
+          <p:nvPr/>
+        </p:nvSpPr>
+        <p:spPr>
+          <a:xfrm>
+            <a:off x="307719" y="1210489"/>
+            <a:ext cx="6296281" cy="1200329"/>
+          </a:xfrm>
+          <a:prstGeom prst="rect">
+            <a:avLst/>
+          </a:prstGeom>
+        </p:spPr>
+        <p:txBody>
+          <a:bodyPr wrap="square">
+            <a:spAutoFit/>
+          </a:bodyPr>
+          <a:lstStyle/>
+          <a:p>
+            <a:r>
+              <a:rPr lang="en-US" dirty="0" err="1"/>
+              <a:t>Jern</a:t>
+            </a:r>
+            <a:r>
+              <a:rPr lang="en-US" dirty="0"/>
+              <a:t> &amp; Kemp (</a:t>
+            </a:r>
+            <a:r>
+              <a:rPr lang="en-US" dirty="0" smtClean="0"/>
+              <a:t>2013), </a:t>
+            </a:r>
+            <a:r>
+              <a:rPr lang="en-US" i="1" dirty="0" smtClean="0"/>
+              <a:t>Cognitive Psychology</a:t>
+            </a:r>
+            <a:endParaRPr lang="en-US" dirty="0"/>
+          </a:p>
+          <a:p>
+            <a:endParaRPr lang="en-US" i="1" dirty="0"/>
+          </a:p>
+          <a:p>
+            <a:r>
+              <a:rPr lang="en-US" b="1" i="1" dirty="0" smtClean="0"/>
+              <a:t>Approach</a:t>
+            </a:r>
+            <a:r>
+              <a:rPr lang="en-US" i="1" dirty="0" smtClean="0"/>
+              <a:t>: </a:t>
+            </a:r>
+            <a:r>
+              <a:rPr lang="en-US" dirty="0" smtClean="0"/>
+              <a:t>ask people to generate new categories in an artificial, low-dimensional domain. </a:t>
+            </a:r>
+            <a:endParaRPr lang="en-US" i="1" dirty="0" smtClean="0"/>
+          </a:p>
+        </p:txBody>
+      </p:sp>
+      <p:grpSp>
+        <p:nvGrpSpPr>
+          <p:cNvPr id="39" name="Group 38"/>
+          <p:cNvGrpSpPr/>
+          <p:nvPr/>
+        </p:nvGrpSpPr>
+        <p:grpSpPr>
+          <a:xfrm>
+            <a:off x="400185" y="3264654"/>
+            <a:ext cx="5817613" cy="2999074"/>
+            <a:chOff x="400185" y="3264654"/>
+            <a:chExt cx="5817613" cy="2999074"/>
+          </a:xfrm>
+        </p:grpSpPr>
+        <p:grpSp>
+          <p:nvGrpSpPr>
+            <p:cNvPr id="27" name="Group 26"/>
+            <p:cNvGrpSpPr/>
+            <p:nvPr/>
+          </p:nvGrpSpPr>
+          <p:grpSpPr>
+            <a:xfrm>
+              <a:off x="400185" y="3264654"/>
+              <a:ext cx="2561485" cy="2999074"/>
+              <a:chOff x="5629639" y="3231483"/>
+              <a:chExt cx="2561485" cy="2999074"/>
+            </a:xfrm>
+          </p:grpSpPr>
+          <p:sp>
+            <p:nvSpPr>
+              <p:cNvPr id="22" name="TextBox 21"/>
+              <p:cNvSpPr txBox="1"/>
+              <p:nvPr/>
+            </p:nvSpPr>
+            <p:spPr>
+              <a:xfrm>
+                <a:off x="5964558" y="3231483"/>
+                <a:ext cx="2214735" cy="369332"/>
+              </a:xfrm>
+              <a:prstGeom prst="rect">
+                <a:avLst/>
+              </a:prstGeom>
+              <a:noFill/>
+            </p:spPr>
+            <p:txBody>
+              <a:bodyPr wrap="square" rtlCol="0">
+                <a:spAutoFit/>
+              </a:bodyPr>
+              <a:lstStyle/>
+              <a:p>
+                <a:pPr algn="ctr"/>
+                <a:r>
+                  <a:rPr lang="en-US" b="1" dirty="0" smtClean="0"/>
+                  <a:t>Domain</a:t>
+                </a:r>
+                <a:r>
+                  <a:rPr lang="en-US" dirty="0" smtClean="0"/>
+                  <a:t>: ”</a:t>
+                </a:r>
+                <a:r>
+                  <a:rPr lang="en-US" i="1" dirty="0" smtClean="0"/>
+                  <a:t>Crystals</a:t>
+                </a:r>
+                <a:r>
+                  <a:rPr lang="en-US" dirty="0" smtClean="0"/>
+                  <a:t>”</a:t>
+                </a:r>
+                <a:endParaRPr lang="en-US" dirty="0"/>
+              </a:p>
+            </p:txBody>
+          </p:sp>
+          <p:grpSp>
+            <p:nvGrpSpPr>
+              <p:cNvPr id="26" name="Group 25"/>
+              <p:cNvGrpSpPr/>
+              <p:nvPr/>
+            </p:nvGrpSpPr>
+            <p:grpSpPr>
+              <a:xfrm>
+                <a:off x="5629639" y="3684435"/>
+                <a:ext cx="2561485" cy="2546122"/>
+                <a:chOff x="5629639" y="3422825"/>
+                <a:chExt cx="2824674" cy="2807732"/>
+              </a:xfrm>
+            </p:grpSpPr>
+            <p:sp>
+              <p:nvSpPr>
+                <p:cNvPr id="21" name="Cube 20"/>
+                <p:cNvSpPr/>
+                <p:nvPr/>
+              </p:nvSpPr>
+              <p:spPr>
+                <a:xfrm>
+                  <a:off x="6002866" y="3422825"/>
+                  <a:ext cx="2438400" cy="2438400"/>
+                </a:xfrm>
+                <a:prstGeom prst="cube">
+                  <a:avLst/>
+                </a:prstGeom>
+                <a:noFill/>
+                <a:ln w="25400">
+                  <a:solidFill>
+                    <a:schemeClr val="tx1"/>
+                  </a:solidFill>
+                </a:ln>
+              </p:spPr>
+              <p:style>
+                <a:lnRef idx="2">
+                  <a:schemeClr val="accent1">
+                    <a:shade val="50000"/>
+                  </a:schemeClr>
+                </a:lnRef>
+                <a:fillRef idx="1">
+                  <a:schemeClr val="accent1"/>
+                </a:fillRef>
+                <a:effectRef idx="0">
+                  <a:schemeClr val="accent1"/>
+                </a:effectRef>
+                <a:fontRef idx="minor">
+                  <a:schemeClr val="lt1"/>
+                </a:fontRef>
+              </p:style>
+              <p:txBody>
+                <a:bodyPr rtlCol="0" anchor="ctr"/>
+                <a:lstStyle/>
+                <a:p>
+                  <a:pPr algn="ctr"/>
+                  <a:endParaRPr lang="en-US"/>
+                </a:p>
+              </p:txBody>
+            </p:sp>
+            <p:sp>
+              <p:nvSpPr>
+                <p:cNvPr id="23" name="TextBox 22"/>
+                <p:cNvSpPr txBox="1"/>
+                <p:nvPr/>
+              </p:nvSpPr>
+              <p:spPr>
+                <a:xfrm>
+                  <a:off x="6002866" y="5861225"/>
+                  <a:ext cx="1837267" cy="369332"/>
+                </a:xfrm>
+                <a:prstGeom prst="rect">
+                  <a:avLst/>
+                </a:prstGeom>
+                <a:noFill/>
+              </p:spPr>
+              <p:txBody>
+                <a:bodyPr wrap="square" rtlCol="0">
+                  <a:spAutoFit/>
+                </a:bodyPr>
+                <a:lstStyle/>
+                <a:p>
+                  <a:pPr algn="ctr"/>
+                  <a:r>
+                    <a:rPr lang="en-US" smtClean="0"/>
+                    <a:t>Size</a:t>
+                  </a:r>
+                  <a:endParaRPr lang="en-US"/>
+                </a:p>
+              </p:txBody>
+            </p:sp>
+            <p:sp>
+              <p:nvSpPr>
+                <p:cNvPr id="24" name="TextBox 23"/>
+                <p:cNvSpPr txBox="1"/>
+                <p:nvPr/>
+              </p:nvSpPr>
+              <p:spPr>
+                <a:xfrm rot="18872676">
+                  <a:off x="7874908" y="5522898"/>
+                  <a:ext cx="789477" cy="369332"/>
+                </a:xfrm>
+                <a:prstGeom prst="rect">
+                  <a:avLst/>
+                </a:prstGeom>
+                <a:noFill/>
+              </p:spPr>
+              <p:txBody>
+                <a:bodyPr wrap="square" rtlCol="0">
+                  <a:spAutoFit/>
+                </a:bodyPr>
+                <a:lstStyle/>
+                <a:p>
+                  <a:pPr algn="ctr"/>
+                  <a:r>
+                    <a:rPr lang="en-US" dirty="0" smtClean="0"/>
+                    <a:t>Hue</a:t>
+                  </a:r>
+                  <a:endParaRPr lang="en-US" dirty="0"/>
+                </a:p>
+              </p:txBody>
+            </p:sp>
+            <p:sp>
+              <p:nvSpPr>
+                <p:cNvPr id="25" name="TextBox 24"/>
+                <p:cNvSpPr txBox="1"/>
+                <p:nvPr/>
+              </p:nvSpPr>
+              <p:spPr>
+                <a:xfrm rot="16200000">
+                  <a:off x="4902992" y="4765246"/>
+                  <a:ext cx="1822626" cy="369332"/>
+                </a:xfrm>
+                <a:prstGeom prst="rect">
+                  <a:avLst/>
+                </a:prstGeom>
+                <a:noFill/>
+              </p:spPr>
+              <p:txBody>
+                <a:bodyPr wrap="square" rtlCol="0">
+                  <a:spAutoFit/>
+                </a:bodyPr>
+                <a:lstStyle/>
+                <a:p>
+                  <a:pPr algn="ctr"/>
+                  <a:r>
+                    <a:rPr lang="en-US" smtClean="0"/>
+                    <a:t>Saturation</a:t>
+                  </a:r>
+                  <a:endParaRPr lang="en-US"/>
+                </a:p>
+              </p:txBody>
+            </p:sp>
+          </p:grpSp>
+        </p:grpSp>
+        <p:pic>
+          <p:nvPicPr>
+            <p:cNvPr id="11" name="Picture 10"/>
+            <p:cNvPicPr>
+              <a:picLocks noChangeAspect="1"/>
+            </p:cNvPicPr>
+            <p:nvPr/>
+          </p:nvPicPr>
+          <p:blipFill>
+            <a:blip r:embed="rId3">
+              <a:extLst>
+                <a:ext uri="{28A0092B-C50C-407E-A947-70E740481C1C}">
+                  <a14:useLocalDpi xmlns:a14="http://schemas.microsoft.com/office/drawing/2010/main" val="0"/>
+                </a:ext>
+              </a:extLst>
+            </a:blip>
+            <a:stretch>
+              <a:fillRect/>
+            </a:stretch>
+          </p:blipFill>
+          <p:spPr>
+            <a:xfrm>
+              <a:off x="3969898" y="3759530"/>
+              <a:ext cx="2247900" cy="2451100"/>
+            </a:xfrm>
+            <a:prstGeom prst="rect">
+              <a:avLst/>
+            </a:prstGeom>
+          </p:spPr>
+        </p:pic>
+        <p:cxnSp>
+          <p:nvCxnSpPr>
+            <p:cNvPr id="29" name="Straight Arrow Connector 28"/>
+            <p:cNvCxnSpPr>
+              <a:endCxn id="33" idx="5"/>
+            </p:cNvCxnSpPr>
+            <p:nvPr/>
+          </p:nvCxnSpPr>
+          <p:spPr>
+            <a:xfrm flipH="1" flipV="1">
+              <a:off x="2089238" y="4745773"/>
+              <a:ext cx="1957830" cy="541016"/>
+            </a:xfrm>
+            <a:prstGeom prst="straightConnector1">
+              <a:avLst/>
+            </a:prstGeom>
+            <a:ln w="25400">
+              <a:solidFill>
+                <a:schemeClr val="tx1"/>
+              </a:solidFill>
+              <a:tailEnd type="triangle"/>
+            </a:ln>
+          </p:spPr>
+          <p:style>
+            <a:lnRef idx="1">
+              <a:schemeClr val="accent1"/>
+            </a:lnRef>
+            <a:fillRef idx="0">
+              <a:schemeClr val="accent1"/>
+            </a:fillRef>
+            <a:effectRef idx="0">
+              <a:schemeClr val="accent1"/>
+            </a:effectRef>
+            <a:fontRef idx="minor">
+              <a:schemeClr val="tx1"/>
+            </a:fontRef>
+          </p:style>
+        </p:cxnSp>
+        <p:sp>
+          <p:nvSpPr>
+            <p:cNvPr id="33" name="Oval 32"/>
+            <p:cNvSpPr/>
+            <p:nvPr/>
+          </p:nvSpPr>
+          <p:spPr>
+            <a:xfrm>
+              <a:off x="2025379" y="4681914"/>
+              <a:ext cx="74815" cy="74815"/>
+            </a:xfrm>
+            <a:prstGeom prst="ellipse">
+              <a:avLst/>
+            </a:prstGeom>
+            <a:solidFill>
+              <a:srgbClr val="FF0000"/>
+            </a:solidFill>
+            <a:ln>
+              <a:solidFill>
+                <a:schemeClr val="bg1"/>
+              </a:solidFill>
+            </a:ln>
+          </p:spPr>
+          <p:style>
+            <a:lnRef idx="2">
+              <a:schemeClr val="accent1">
+                <a:shade val="50000"/>
+              </a:schemeClr>
+            </a:lnRef>
+            <a:fillRef idx="1">
+              <a:schemeClr val="accent1"/>
+            </a:fillRef>
+            <a:effectRef idx="0">
+              <a:schemeClr val="accent1"/>
+            </a:effectRef>
+            <a:fontRef idx="minor">
+              <a:schemeClr val="lt1"/>
+            </a:fontRef>
+          </p:style>
+          <p:txBody>
+            <a:bodyPr rtlCol="0" anchor="ctr"/>
+            <a:lstStyle/>
+            <a:p>
+              <a:pPr algn="ctr"/>
+              <a:endParaRPr lang="en-US"/>
+            </a:p>
+          </p:txBody>
+        </p:sp>
+      </p:grpSp>
+    </p:spTree>
+    <p:extLst>
+      <p:ext uri="{BB962C8B-B14F-4D97-AF65-F5344CB8AC3E}">
+        <p14:creationId xmlns:p14="http://schemas.microsoft.com/office/powerpoint/2010/main" val="912606376"/>
+      </p:ext>
+    </p:extLst>
+  </p:cSld>
+  <p:clrMapOvr>
+    <a:masterClrMapping/>
+  </p:clrMapOvr>
+</p:sld>
+</file>
+
+<file path=ppt/slides/slide5.xml><?xml version="1.0" encoding="utf-8"?>
+<p:sld xmlns:a="http://schemas.openxmlformats.org/drawingml/2006/main" xmlns:r="http://schemas.openxmlformats.org/officeDocument/2006/relationships" xmlns:p="http://schemas.openxmlformats.org/presentationml/2006/main">
+  <p:cSld>
+    <p:spTree>
+      <p:nvGrpSpPr>
+        <p:cNvPr id="1" name=""/>
+        <p:cNvGrpSpPr/>
+        <p:nvPr/>
+      </p:nvGrpSpPr>
+      <p:grpSpPr>
+        <a:xfrm>
+          <a:off x="0" y="0"/>
+          <a:ext cx="0" cy="0"/>
+          <a:chOff x="0" y="0"/>
+          <a:chExt cx="0" cy="0"/>
+        </a:xfrm>
+      </p:grpSpPr>
+      <p:sp>
+        <p:nvSpPr>
+          <p:cNvPr id="4" name="TextBox 3"/>
+          <p:cNvSpPr txBox="1"/>
+          <p:nvPr/>
+        </p:nvSpPr>
+        <p:spPr>
+          <a:xfrm>
+            <a:off x="296268" y="297355"/>
+            <a:ext cx="6631863" cy="461665"/>
+          </a:xfrm>
+          <a:prstGeom prst="rect">
+            <a:avLst/>
+          </a:prstGeom>
+          <a:noFill/>
+        </p:spPr>
+        <p:txBody>
+          <a:bodyPr wrap="square" rtlCol="0">
+            <a:spAutoFit/>
+          </a:bodyPr>
+          <a:lstStyle/>
+          <a:p>
+            <a:r>
+              <a:rPr lang="en-US" sz="2400" dirty="0" smtClean="0"/>
+              <a:t>Making category generation more model-able</a:t>
+            </a:r>
+            <a:r>
+              <a:rPr lang="mr-IN" sz="2400" dirty="0" smtClean="0"/>
+              <a:t>…</a:t>
+            </a:r>
+            <a:endParaRPr lang="en-US" sz="2400" dirty="0"/>
+          </a:p>
+        </p:txBody>
+      </p:sp>
+      <p:sp>
+        <p:nvSpPr>
+          <p:cNvPr id="16" name="Rectangle 15"/>
+          <p:cNvSpPr/>
+          <p:nvPr/>
+        </p:nvSpPr>
+        <p:spPr>
+          <a:xfrm>
+            <a:off x="296268" y="1101425"/>
+            <a:ext cx="6296281" cy="2031325"/>
+          </a:xfrm>
+          <a:prstGeom prst="rect">
+            <a:avLst/>
+          </a:prstGeom>
+        </p:spPr>
+        <p:txBody>
+          <a:bodyPr wrap="square">
+            <a:spAutoFit/>
+          </a:bodyPr>
+          <a:lstStyle/>
+          <a:p>
+            <a:r>
+              <a:rPr lang="en-US" dirty="0" err="1"/>
+              <a:t>Jern</a:t>
+            </a:r>
+            <a:r>
+              <a:rPr lang="en-US" dirty="0"/>
+              <a:t> &amp; Kemp (</a:t>
+            </a:r>
+            <a:r>
+              <a:rPr lang="en-US" dirty="0" smtClean="0"/>
+              <a:t>2013), </a:t>
+            </a:r>
+            <a:r>
+              <a:rPr lang="en-US" i="1" dirty="0" smtClean="0"/>
+              <a:t>Cognitive Psychology</a:t>
+            </a:r>
+            <a:endParaRPr lang="en-US" dirty="0"/>
+          </a:p>
+          <a:p>
+            <a:endParaRPr lang="en-US" i="1" dirty="0"/>
+          </a:p>
+          <a:p>
+            <a:r>
+              <a:rPr lang="en-US" b="1" i="1" dirty="0" smtClean="0"/>
+              <a:t>Approach</a:t>
+            </a:r>
+            <a:r>
+              <a:rPr lang="en-US" i="1" dirty="0" smtClean="0"/>
+              <a:t>: </a:t>
+            </a:r>
+            <a:r>
+              <a:rPr lang="en-US" dirty="0" smtClean="0"/>
+              <a:t>ask people to generate new categories in an artificial, low-dimensional domain. </a:t>
+            </a:r>
+          </a:p>
+          <a:p>
+            <a:endParaRPr lang="en-US" i="1" dirty="0"/>
+          </a:p>
+          <a:p>
+            <a:r>
+              <a:rPr lang="en-US" i="1" dirty="0" smtClean="0"/>
+              <a:t>Generation Interface: </a:t>
+            </a:r>
+            <a:r>
+              <a:rPr lang="en-US" dirty="0" smtClean="0"/>
+              <a:t>Sliding scales to adjust each of the physical attributes.</a:t>
+            </a:r>
+            <a:endParaRPr lang="en-US" i="1" dirty="0" smtClean="0"/>
+          </a:p>
+        </p:txBody>
+      </p:sp>
+      <p:sp>
+        <p:nvSpPr>
+          <p:cNvPr id="10" name="TextBox 9"/>
+          <p:cNvSpPr txBox="1"/>
+          <p:nvPr/>
+        </p:nvSpPr>
+        <p:spPr>
+          <a:xfrm>
+            <a:off x="5880155" y="3898008"/>
+            <a:ext cx="3167919" cy="369332"/>
+          </a:xfrm>
+          <a:prstGeom prst="rect">
+            <a:avLst/>
+          </a:prstGeom>
+          <a:noFill/>
+        </p:spPr>
+        <p:txBody>
+          <a:bodyPr wrap="none" rtlCol="0">
+            <a:spAutoFit/>
+          </a:bodyPr>
+          <a:lstStyle/>
+          <a:p>
+            <a:r>
+              <a:rPr lang="en-US" dirty="0" smtClean="0"/>
+              <a:t>Can you create a new category?</a:t>
+            </a:r>
+            <a:endParaRPr lang="en-US" dirty="0"/>
+          </a:p>
+        </p:txBody>
+      </p:sp>
+      <p:grpSp>
+        <p:nvGrpSpPr>
+          <p:cNvPr id="20" name="Group 19"/>
+          <p:cNvGrpSpPr/>
+          <p:nvPr/>
+        </p:nvGrpSpPr>
+        <p:grpSpPr>
+          <a:xfrm>
+            <a:off x="81321" y="3270640"/>
+            <a:ext cx="5767279" cy="2999074"/>
+            <a:chOff x="165293" y="3264654"/>
+            <a:chExt cx="5767279" cy="2999074"/>
+          </a:xfrm>
+        </p:grpSpPr>
+        <p:grpSp>
+          <p:nvGrpSpPr>
+            <p:cNvPr id="9" name="Group 8"/>
+            <p:cNvGrpSpPr/>
+            <p:nvPr/>
+          </p:nvGrpSpPr>
+          <p:grpSpPr>
+            <a:xfrm>
+              <a:off x="165293" y="3264654"/>
+              <a:ext cx="5767279" cy="2999074"/>
+              <a:chOff x="400185" y="3264654"/>
+              <a:chExt cx="5767279" cy="2999074"/>
+            </a:xfrm>
+          </p:grpSpPr>
+          <p:grpSp>
+            <p:nvGrpSpPr>
+              <p:cNvPr id="27" name="Group 26"/>
+              <p:cNvGrpSpPr/>
+              <p:nvPr/>
+            </p:nvGrpSpPr>
+            <p:grpSpPr>
+              <a:xfrm>
+                <a:off x="400185" y="3264654"/>
+                <a:ext cx="2561485" cy="2999074"/>
+                <a:chOff x="5629639" y="3231483"/>
+                <a:chExt cx="2561485" cy="2999074"/>
+              </a:xfrm>
+            </p:grpSpPr>
+            <p:sp>
+              <p:nvSpPr>
+                <p:cNvPr id="22" name="TextBox 21"/>
+                <p:cNvSpPr txBox="1"/>
+                <p:nvPr/>
+              </p:nvSpPr>
+              <p:spPr>
+                <a:xfrm>
+                  <a:off x="5964558" y="3231483"/>
+                  <a:ext cx="2214735" cy="369332"/>
+                </a:xfrm>
+                <a:prstGeom prst="rect">
+                  <a:avLst/>
+                </a:prstGeom>
+                <a:noFill/>
+              </p:spPr>
+              <p:txBody>
+                <a:bodyPr wrap="square" rtlCol="0">
+                  <a:spAutoFit/>
+                </a:bodyPr>
+                <a:lstStyle/>
+                <a:p>
+                  <a:pPr algn="ctr"/>
+                  <a:r>
+                    <a:rPr lang="en-US" b="1" dirty="0" smtClean="0"/>
+                    <a:t>Domain</a:t>
+                  </a:r>
+                  <a:r>
+                    <a:rPr lang="en-US" dirty="0" smtClean="0"/>
+                    <a:t>: ”</a:t>
+                  </a:r>
+                  <a:r>
+                    <a:rPr lang="en-US" i="1" dirty="0" smtClean="0"/>
+                    <a:t>Crystals</a:t>
+                  </a:r>
+                  <a:r>
+                    <a:rPr lang="en-US" dirty="0" smtClean="0"/>
+                    <a:t>”</a:t>
+                  </a:r>
+                  <a:endParaRPr lang="en-US" dirty="0"/>
+                </a:p>
+              </p:txBody>
+            </p:sp>
+            <p:grpSp>
+              <p:nvGrpSpPr>
+                <p:cNvPr id="26" name="Group 25"/>
+                <p:cNvGrpSpPr/>
+                <p:nvPr/>
+              </p:nvGrpSpPr>
+              <p:grpSpPr>
+                <a:xfrm>
+                  <a:off x="5629639" y="3684435"/>
+                  <a:ext cx="2561485" cy="2546122"/>
+                  <a:chOff x="5629639" y="3422825"/>
+                  <a:chExt cx="2824674" cy="2807732"/>
+                </a:xfrm>
+              </p:grpSpPr>
+              <p:sp>
+                <p:nvSpPr>
+                  <p:cNvPr id="21" name="Cube 20"/>
+                  <p:cNvSpPr/>
+                  <p:nvPr/>
+                </p:nvSpPr>
+                <p:spPr>
+                  <a:xfrm>
+                    <a:off x="6002866" y="3422825"/>
+                    <a:ext cx="2438400" cy="2438400"/>
+                  </a:xfrm>
+                  <a:prstGeom prst="cube">
+                    <a:avLst/>
+                  </a:prstGeom>
+                  <a:noFill/>
+                  <a:ln w="25400">
+                    <a:solidFill>
+                      <a:schemeClr val="tx1"/>
+                    </a:solidFill>
+                  </a:ln>
+                </p:spPr>
+                <p:style>
+                  <a:lnRef idx="2">
+                    <a:schemeClr val="accent1">
+                      <a:shade val="50000"/>
+                    </a:schemeClr>
+                  </a:lnRef>
+                  <a:fillRef idx="1">
+                    <a:schemeClr val="accent1"/>
+                  </a:fillRef>
+                  <a:effectRef idx="0">
+                    <a:schemeClr val="accent1"/>
+                  </a:effectRef>
+                  <a:fontRef idx="minor">
+                    <a:schemeClr val="lt1"/>
+                  </a:fontRef>
+                </p:style>
+                <p:txBody>
+                  <a:bodyPr rtlCol="0" anchor="ctr"/>
+                  <a:lstStyle/>
+                  <a:p>
+                    <a:pPr algn="ctr"/>
+                    <a:endParaRPr lang="en-US"/>
+                  </a:p>
+                </p:txBody>
+              </p:sp>
+              <p:sp>
+                <p:nvSpPr>
+                  <p:cNvPr id="23" name="TextBox 22"/>
+                  <p:cNvSpPr txBox="1"/>
+                  <p:nvPr/>
+                </p:nvSpPr>
+                <p:spPr>
+                  <a:xfrm>
+                    <a:off x="6002866" y="5861225"/>
+                    <a:ext cx="1837267" cy="369332"/>
+                  </a:xfrm>
+                  <a:prstGeom prst="rect">
+                    <a:avLst/>
+                  </a:prstGeom>
+                  <a:noFill/>
+                </p:spPr>
+                <p:txBody>
+                  <a:bodyPr wrap="square" rtlCol="0">
+                    <a:spAutoFit/>
+                  </a:bodyPr>
+                  <a:lstStyle/>
+                  <a:p>
+                    <a:pPr algn="ctr"/>
+                    <a:r>
+                      <a:rPr lang="en-US" smtClean="0"/>
+                      <a:t>Size</a:t>
+                    </a:r>
+                    <a:endParaRPr lang="en-US"/>
+                  </a:p>
+                </p:txBody>
+              </p:sp>
+              <p:sp>
+                <p:nvSpPr>
+                  <p:cNvPr id="24" name="TextBox 23"/>
+                  <p:cNvSpPr txBox="1"/>
+                  <p:nvPr/>
+                </p:nvSpPr>
+                <p:spPr>
+                  <a:xfrm rot="18872676">
+                    <a:off x="7874908" y="5522898"/>
+                    <a:ext cx="789477" cy="369332"/>
+                  </a:xfrm>
+                  <a:prstGeom prst="rect">
+                    <a:avLst/>
+                  </a:prstGeom>
+                  <a:noFill/>
+                </p:spPr>
+                <p:txBody>
+                  <a:bodyPr wrap="square" rtlCol="0">
+                    <a:spAutoFit/>
+                  </a:bodyPr>
+                  <a:lstStyle/>
+                  <a:p>
+                    <a:pPr algn="ctr"/>
+                    <a:r>
+                      <a:rPr lang="en-US" dirty="0" smtClean="0"/>
+                      <a:t>Hue</a:t>
+                    </a:r>
+                    <a:endParaRPr lang="en-US" dirty="0"/>
+                  </a:p>
+                </p:txBody>
+              </p:sp>
+              <p:sp>
+                <p:nvSpPr>
+                  <p:cNvPr id="25" name="TextBox 24"/>
+                  <p:cNvSpPr txBox="1"/>
+                  <p:nvPr/>
+                </p:nvSpPr>
+                <p:spPr>
+                  <a:xfrm rot="16200000">
+                    <a:off x="4902992" y="4765246"/>
+                    <a:ext cx="1822626" cy="369332"/>
+                  </a:xfrm>
+                  <a:prstGeom prst="rect">
+                    <a:avLst/>
+                  </a:prstGeom>
+                  <a:noFill/>
+                </p:spPr>
+                <p:txBody>
+                  <a:bodyPr wrap="square" rtlCol="0">
+                    <a:spAutoFit/>
+                  </a:bodyPr>
+                  <a:lstStyle/>
+                  <a:p>
+                    <a:pPr algn="ctr"/>
+                    <a:r>
+                      <a:rPr lang="en-US" smtClean="0"/>
+                      <a:t>Saturation</a:t>
+                    </a:r>
+                    <a:endParaRPr lang="en-US"/>
+                  </a:p>
+                </p:txBody>
+              </p:sp>
+            </p:grpSp>
+          </p:grpSp>
+          <p:grpSp>
+            <p:nvGrpSpPr>
+              <p:cNvPr id="35" name="Group 34"/>
+              <p:cNvGrpSpPr/>
+              <p:nvPr/>
+            </p:nvGrpSpPr>
+            <p:grpSpPr>
+              <a:xfrm>
+                <a:off x="3093514" y="3759530"/>
+                <a:ext cx="3073950" cy="2451100"/>
+                <a:chOff x="3093514" y="3759530"/>
+                <a:chExt cx="3073950" cy="2451100"/>
+              </a:xfrm>
+            </p:grpSpPr>
+            <p:pic>
+              <p:nvPicPr>
+                <p:cNvPr id="11" name="Picture 10"/>
+                <p:cNvPicPr>
+                  <a:picLocks noChangeAspect="1"/>
+                </p:cNvPicPr>
+                <p:nvPr/>
+              </p:nvPicPr>
+              <p:blipFill>
+                <a:blip r:embed="rId3">
+                  <a:extLst>
+                    <a:ext uri="{28A0092B-C50C-407E-A947-70E740481C1C}">
+                      <a14:useLocalDpi xmlns:a14="http://schemas.microsoft.com/office/drawing/2010/main" val="0"/>
+                    </a:ext>
+                  </a:extLst>
+                </a:blip>
+                <a:stretch>
+                  <a:fillRect/>
+                </a:stretch>
+              </p:blipFill>
+              <p:spPr>
+                <a:xfrm>
+                  <a:off x="3919564" y="3759530"/>
+                  <a:ext cx="2247900" cy="2451100"/>
+                </a:xfrm>
+                <a:prstGeom prst="rect">
+                  <a:avLst/>
+                </a:prstGeom>
+              </p:spPr>
+            </p:pic>
+            <p:cxnSp>
+              <p:nvCxnSpPr>
+                <p:cNvPr id="29" name="Straight Arrow Connector 28"/>
+                <p:cNvCxnSpPr/>
+                <p:nvPr/>
+              </p:nvCxnSpPr>
+              <p:spPr>
+                <a:xfrm flipH="1">
+                  <a:off x="3093514" y="4966283"/>
+                  <a:ext cx="253694" cy="0"/>
+                </a:xfrm>
+                <a:prstGeom prst="straightConnector1">
+                  <a:avLst/>
+                </a:prstGeom>
+                <a:ln w="25400">
+                  <a:solidFill>
+                    <a:schemeClr val="tx1"/>
+                  </a:solidFill>
+                  <a:tailEnd type="triangle"/>
+                </a:ln>
+              </p:spPr>
+              <p:style>
+                <a:lnRef idx="1">
+                  <a:schemeClr val="accent1"/>
+                </a:lnRef>
+                <a:fillRef idx="0">
+                  <a:schemeClr val="accent1"/>
+                </a:fillRef>
+                <a:effectRef idx="0">
+                  <a:schemeClr val="accent1"/>
+                </a:effectRef>
+                <a:fontRef idx="minor">
+                  <a:schemeClr val="tx1"/>
+                </a:fontRef>
+              </p:style>
+            </p:cxnSp>
+          </p:grpSp>
+        </p:grpSp>
+        <p:sp>
+          <p:nvSpPr>
+            <p:cNvPr id="6" name="Left Brace 5"/>
+            <p:cNvSpPr/>
+            <p:nvPr/>
+          </p:nvSpPr>
+          <p:spPr>
+            <a:xfrm>
+              <a:off x="3171038" y="4001549"/>
+              <a:ext cx="493160" cy="1935648"/>
+            </a:xfrm>
+            <a:prstGeom prst="leftBrace">
+              <a:avLst/>
+            </a:prstGeom>
+            <a:ln w="25400">
+              <a:solidFill>
+                <a:schemeClr val="tx1"/>
+              </a:solidFill>
+            </a:ln>
+          </p:spPr>
+          <p:style>
+            <a:lnRef idx="1">
+              <a:schemeClr val="accent1"/>
+            </a:lnRef>
+            <a:fillRef idx="0">
+              <a:schemeClr val="accent1"/>
+            </a:fillRef>
+            <a:effectRef idx="0">
+              <a:schemeClr val="accent1"/>
+            </a:effectRef>
+            <a:fontRef idx="minor">
+              <a:schemeClr val="tx1"/>
+            </a:fontRef>
+          </p:style>
+          <p:txBody>
+            <a:bodyPr rtlCol="0" anchor="ctr"/>
+            <a:lstStyle/>
+            <a:p>
+              <a:pPr algn="ctr"/>
+              <a:endParaRPr lang="en-US"/>
+            </a:p>
+          </p:txBody>
+        </p:sp>
+        <p:grpSp>
+          <p:nvGrpSpPr>
+            <p:cNvPr id="15" name="Group 14"/>
+            <p:cNvGrpSpPr/>
+            <p:nvPr/>
+          </p:nvGrpSpPr>
+          <p:grpSpPr>
+            <a:xfrm>
+              <a:off x="630940" y="4455291"/>
+              <a:ext cx="1405389" cy="1259507"/>
+              <a:chOff x="932303" y="4475122"/>
+              <a:chExt cx="1405389" cy="1259507"/>
+            </a:xfrm>
+          </p:grpSpPr>
+          <p:sp>
+            <p:nvSpPr>
+              <p:cNvPr id="28" name="Oval 27"/>
+              <p:cNvSpPr/>
+              <p:nvPr/>
+            </p:nvSpPr>
+            <p:spPr>
+              <a:xfrm>
+                <a:off x="932303" y="5659814"/>
+                <a:ext cx="74815" cy="74815"/>
+              </a:xfrm>
+              <a:prstGeom prst="ellipse">
+                <a:avLst/>
+              </a:prstGeom>
+              <a:solidFill>
+                <a:srgbClr val="FF0000"/>
+              </a:solidFill>
+              <a:ln>
+                <a:solidFill>
+                  <a:schemeClr val="bg1"/>
+                </a:solidFill>
+              </a:ln>
+            </p:spPr>
+            <p:style>
+              <a:lnRef idx="2">
+                <a:schemeClr val="accent1">
+                  <a:shade val="50000"/>
+                </a:schemeClr>
+              </a:lnRef>
+              <a:fillRef idx="1">
+                <a:schemeClr val="accent1"/>
+              </a:fillRef>
+              <a:effectRef idx="0">
+                <a:schemeClr val="accent1"/>
+              </a:effectRef>
+              <a:fontRef idx="minor">
+                <a:schemeClr val="lt1"/>
+              </a:fontRef>
+            </p:style>
+            <p:txBody>
+              <a:bodyPr rtlCol="0" anchor="ctr"/>
+              <a:lstStyle/>
+              <a:p>
+                <a:pPr algn="ctr"/>
+                <a:endParaRPr lang="en-US"/>
+              </a:p>
+            </p:txBody>
+          </p:sp>
+          <p:sp>
+            <p:nvSpPr>
+              <p:cNvPr id="30" name="Oval 29"/>
+              <p:cNvSpPr/>
+              <p:nvPr/>
+            </p:nvSpPr>
+            <p:spPr>
+              <a:xfrm>
+                <a:off x="1376530" y="5267953"/>
+                <a:ext cx="74815" cy="74815"/>
+              </a:xfrm>
+              <a:prstGeom prst="ellipse">
+                <a:avLst/>
+              </a:prstGeom>
+              <a:solidFill>
+                <a:srgbClr val="FF0000"/>
+              </a:solidFill>
+              <a:ln>
+                <a:solidFill>
+                  <a:schemeClr val="bg1"/>
+                </a:solidFill>
+              </a:ln>
+            </p:spPr>
+            <p:style>
+              <a:lnRef idx="2">
+                <a:schemeClr val="accent1">
+                  <a:shade val="50000"/>
+                </a:schemeClr>
+              </a:lnRef>
+              <a:fillRef idx="1">
+                <a:schemeClr val="accent1"/>
+              </a:fillRef>
+              <a:effectRef idx="0">
+                <a:schemeClr val="accent1"/>
+              </a:effectRef>
+              <a:fontRef idx="minor">
+                <a:schemeClr val="lt1"/>
+              </a:fontRef>
+            </p:style>
+            <p:txBody>
+              <a:bodyPr rtlCol="0" anchor="ctr"/>
+              <a:lstStyle/>
+              <a:p>
+                <a:pPr algn="ctr"/>
+                <a:endParaRPr lang="en-US"/>
+              </a:p>
+            </p:txBody>
+          </p:sp>
+          <p:sp>
+            <p:nvSpPr>
+              <p:cNvPr id="31" name="Oval 30"/>
+              <p:cNvSpPr/>
+              <p:nvPr/>
+            </p:nvSpPr>
+            <p:spPr>
+              <a:xfrm>
+                <a:off x="2262877" y="4475122"/>
+                <a:ext cx="74815" cy="74815"/>
+              </a:xfrm>
+              <a:prstGeom prst="ellipse">
+                <a:avLst/>
+              </a:prstGeom>
+              <a:solidFill>
+                <a:srgbClr val="FF0000"/>
+              </a:solidFill>
+              <a:ln>
+                <a:solidFill>
+                  <a:schemeClr val="bg1"/>
+                </a:solidFill>
+              </a:ln>
+            </p:spPr>
+            <p:style>
+              <a:lnRef idx="2">
+                <a:schemeClr val="accent1">
+                  <a:shade val="50000"/>
+                </a:schemeClr>
+              </a:lnRef>
+              <a:fillRef idx="1">
+                <a:schemeClr val="accent1"/>
+              </a:fillRef>
+              <a:effectRef idx="0">
+                <a:schemeClr val="accent1"/>
+              </a:effectRef>
+              <a:fontRef idx="minor">
+                <a:schemeClr val="lt1"/>
+              </a:fontRef>
+            </p:style>
+            <p:txBody>
+              <a:bodyPr rtlCol="0" anchor="ctr"/>
+              <a:lstStyle/>
+              <a:p>
+                <a:pPr algn="ctr"/>
+                <a:endParaRPr lang="en-US"/>
+              </a:p>
+            </p:txBody>
+          </p:sp>
+          <p:sp>
+            <p:nvSpPr>
+              <p:cNvPr id="50" name="Oval 49"/>
+              <p:cNvSpPr/>
+              <p:nvPr/>
+            </p:nvSpPr>
+            <p:spPr>
+              <a:xfrm>
+                <a:off x="1839323" y="4833123"/>
+                <a:ext cx="74815" cy="74815"/>
+              </a:xfrm>
+              <a:prstGeom prst="ellipse">
+                <a:avLst/>
+              </a:prstGeom>
+              <a:solidFill>
+                <a:srgbClr val="FF0000"/>
+              </a:solidFill>
+              <a:ln>
+                <a:solidFill>
+                  <a:schemeClr val="bg1"/>
+                </a:solidFill>
+              </a:ln>
+            </p:spPr>
+            <p:style>
+              <a:lnRef idx="2">
+                <a:schemeClr val="accent1">
+                  <a:shade val="50000"/>
+                </a:schemeClr>
+              </a:lnRef>
+              <a:fillRef idx="1">
+                <a:schemeClr val="accent1"/>
+              </a:fillRef>
+              <a:effectRef idx="0">
+                <a:schemeClr val="accent1"/>
+              </a:effectRef>
+              <a:fontRef idx="minor">
+                <a:schemeClr val="lt1"/>
+              </a:fontRef>
+            </p:style>
+            <p:txBody>
+              <a:bodyPr rtlCol="0" anchor="ctr"/>
+              <a:lstStyle/>
+              <a:p>
+                <a:pPr algn="ctr"/>
+                <a:endParaRPr lang="en-US"/>
+              </a:p>
+            </p:txBody>
+          </p:sp>
+        </p:grpSp>
+      </p:grpSp>
+      <p:grpSp>
+        <p:nvGrpSpPr>
+          <p:cNvPr id="32" name="Group 31"/>
+          <p:cNvGrpSpPr/>
+          <p:nvPr/>
+        </p:nvGrpSpPr>
+        <p:grpSpPr>
+          <a:xfrm>
+            <a:off x="6053591" y="4399832"/>
+            <a:ext cx="2839826" cy="1713415"/>
+            <a:chOff x="6044202" y="4388839"/>
+            <a:chExt cx="2839826" cy="1713415"/>
+          </a:xfrm>
+        </p:grpSpPr>
+        <p:grpSp>
+          <p:nvGrpSpPr>
+            <p:cNvPr id="37" name="Group 36"/>
+            <p:cNvGrpSpPr/>
+            <p:nvPr/>
+          </p:nvGrpSpPr>
+          <p:grpSpPr>
+            <a:xfrm>
+              <a:off x="6044202" y="4388839"/>
+              <a:ext cx="2839826" cy="1713415"/>
+              <a:chOff x="1312112" y="2527210"/>
+              <a:chExt cx="3677556" cy="2218860"/>
+            </a:xfrm>
+          </p:grpSpPr>
+          <p:pic>
+            <p:nvPicPr>
+              <p:cNvPr id="38" name="Picture 37"/>
+              <p:cNvPicPr>
+                <a:picLocks noChangeAspect="1"/>
+              </p:cNvPicPr>
+              <p:nvPr/>
+            </p:nvPicPr>
+            <p:blipFill>
+              <a:blip r:embed="rId4">
+                <a:extLst>
+                  <a:ext uri="{28A0092B-C50C-407E-A947-70E740481C1C}">
+                    <a14:useLocalDpi xmlns:a14="http://schemas.microsoft.com/office/drawing/2010/main" val="0"/>
+                  </a:ext>
+                </a:extLst>
+              </a:blip>
+              <a:stretch>
+                <a:fillRect/>
+              </a:stretch>
+            </p:blipFill>
+            <p:spPr>
+              <a:xfrm>
+                <a:off x="3683835" y="3352705"/>
+                <a:ext cx="1191456" cy="445925"/>
+              </a:xfrm>
+              <a:prstGeom prst="rect">
+                <a:avLst/>
+              </a:prstGeom>
+            </p:spPr>
+          </p:pic>
+          <p:sp>
+            <p:nvSpPr>
+              <p:cNvPr id="39" name="TextBox 38"/>
+              <p:cNvSpPr txBox="1"/>
+              <p:nvPr/>
+            </p:nvSpPr>
+            <p:spPr>
+              <a:xfrm>
+                <a:off x="3782471" y="2983373"/>
+                <a:ext cx="883298" cy="356414"/>
+              </a:xfrm>
+              <a:prstGeom prst="rect">
+                <a:avLst/>
+              </a:prstGeom>
+              <a:noFill/>
+            </p:spPr>
+            <p:txBody>
+              <a:bodyPr wrap="none" rtlCol="0">
+                <a:spAutoFit/>
+              </a:bodyPr>
+              <a:lstStyle/>
+              <a:p>
+                <a:r>
+                  <a:rPr lang="en-US" sz="1300" dirty="0" smtClean="0"/>
+                  <a:t>Preview</a:t>
+                </a:r>
+                <a:endParaRPr lang="en-US" sz="1300" dirty="0"/>
+              </a:p>
+            </p:txBody>
+          </p:sp>
+          <p:cxnSp>
+            <p:nvCxnSpPr>
+              <p:cNvPr id="40" name="Straight Connector 39"/>
+              <p:cNvCxnSpPr/>
+              <p:nvPr/>
+            </p:nvCxnSpPr>
+            <p:spPr>
+              <a:xfrm>
+                <a:off x="1489749" y="2730442"/>
+                <a:ext cx="1807125" cy="0"/>
+              </a:xfrm>
+              <a:prstGeom prst="line">
+                <a:avLst/>
+              </a:prstGeom>
+              <a:ln w="12700">
+                <a:solidFill>
+                  <a:schemeClr val="tx1"/>
+                </a:solidFill>
+                <a:headEnd type="diamond" w="lg" len="med"/>
+                <a:tailEnd type="diamond" w="lg" len="med"/>
+              </a:ln>
+            </p:spPr>
+            <p:style>
+              <a:lnRef idx="1">
+                <a:schemeClr val="accent1"/>
+              </a:lnRef>
+              <a:fillRef idx="0">
+                <a:schemeClr val="accent1"/>
+              </a:fillRef>
+              <a:effectRef idx="0">
+                <a:schemeClr val="accent1"/>
+              </a:effectRef>
+              <a:fontRef idx="minor">
+                <a:schemeClr val="tx1"/>
+              </a:fontRef>
+            </p:style>
+          </p:cxnSp>
+          <p:sp>
+            <p:nvSpPr>
+              <p:cNvPr id="41" name="TextBox 40"/>
+              <p:cNvSpPr txBox="1"/>
+              <p:nvPr/>
+            </p:nvSpPr>
+            <p:spPr>
+              <a:xfrm>
+                <a:off x="1489750" y="2730442"/>
+                <a:ext cx="1807124" cy="356414"/>
+              </a:xfrm>
+              <a:prstGeom prst="rect">
+                <a:avLst/>
+              </a:prstGeom>
+              <a:noFill/>
+            </p:spPr>
+            <p:txBody>
+              <a:bodyPr wrap="square" rtlCol="0">
+                <a:spAutoFit/>
+              </a:bodyPr>
+              <a:lstStyle/>
+              <a:p>
+                <a:pPr algn="ctr"/>
+                <a:r>
+                  <a:rPr lang="en-US" sz="1300" smtClean="0"/>
+                  <a:t>Adjust Size</a:t>
+                </a:r>
+                <a:endParaRPr lang="en-US" sz="1300"/>
+              </a:p>
+            </p:txBody>
+          </p:sp>
+          <p:cxnSp>
+            <p:nvCxnSpPr>
+              <p:cNvPr id="42" name="Straight Connector 41"/>
+              <p:cNvCxnSpPr/>
+              <p:nvPr/>
+            </p:nvCxnSpPr>
+            <p:spPr>
+              <a:xfrm>
+                <a:off x="1489749" y="3429298"/>
+                <a:ext cx="1807125" cy="0"/>
+              </a:xfrm>
+              <a:prstGeom prst="line">
+                <a:avLst/>
+              </a:prstGeom>
+              <a:ln w="12700">
+                <a:solidFill>
+                  <a:schemeClr val="tx1"/>
+                </a:solidFill>
+                <a:headEnd type="diamond" w="lg" len="med"/>
+                <a:tailEnd type="diamond" w="lg" len="med"/>
+              </a:ln>
+            </p:spPr>
+            <p:style>
+              <a:lnRef idx="1">
+                <a:schemeClr val="accent1"/>
+              </a:lnRef>
+              <a:fillRef idx="0">
+                <a:schemeClr val="accent1"/>
+              </a:fillRef>
+              <a:effectRef idx="0">
+                <a:schemeClr val="accent1"/>
+              </a:effectRef>
+              <a:fontRef idx="minor">
+                <a:schemeClr val="tx1"/>
+              </a:fontRef>
+            </p:style>
+          </p:cxnSp>
+          <p:sp>
+            <p:nvSpPr>
+              <p:cNvPr id="43" name="TextBox 42"/>
+              <p:cNvSpPr txBox="1"/>
+              <p:nvPr/>
+            </p:nvSpPr>
+            <p:spPr>
+              <a:xfrm>
+                <a:off x="1489749" y="3429299"/>
+                <a:ext cx="1807125" cy="356414"/>
+              </a:xfrm>
+              <a:prstGeom prst="rect">
+                <a:avLst/>
+              </a:prstGeom>
+              <a:noFill/>
+            </p:spPr>
+            <p:txBody>
+              <a:bodyPr wrap="square" rtlCol="0">
+                <a:spAutoFit/>
+              </a:bodyPr>
+              <a:lstStyle/>
+              <a:p>
+                <a:pPr algn="ctr"/>
+                <a:r>
+                  <a:rPr lang="en-US" sz="1300" smtClean="0"/>
+                  <a:t>Adjust Hue</a:t>
+                </a:r>
+                <a:endParaRPr lang="en-US" sz="1300"/>
+              </a:p>
+            </p:txBody>
+          </p:sp>
+          <p:cxnSp>
+            <p:nvCxnSpPr>
+              <p:cNvPr id="44" name="Straight Connector 43"/>
+              <p:cNvCxnSpPr/>
+              <p:nvPr/>
+            </p:nvCxnSpPr>
+            <p:spPr>
+              <a:xfrm>
+                <a:off x="1489749" y="4128154"/>
+                <a:ext cx="1807125" cy="0"/>
+              </a:xfrm>
+              <a:prstGeom prst="line">
+                <a:avLst/>
+              </a:prstGeom>
+              <a:ln w="12700">
+                <a:solidFill>
+                  <a:schemeClr val="tx1"/>
+                </a:solidFill>
+                <a:headEnd type="diamond" w="lg" len="med"/>
+                <a:tailEnd type="diamond" w="lg" len="med"/>
+              </a:ln>
+            </p:spPr>
+            <p:style>
+              <a:lnRef idx="1">
+                <a:schemeClr val="accent1"/>
+              </a:lnRef>
+              <a:fillRef idx="0">
+                <a:schemeClr val="accent1"/>
+              </a:fillRef>
+              <a:effectRef idx="0">
+                <a:schemeClr val="accent1"/>
+              </a:effectRef>
+              <a:fontRef idx="minor">
+                <a:schemeClr val="tx1"/>
+              </a:fontRef>
+            </p:style>
+          </p:cxnSp>
+          <p:sp>
+            <p:nvSpPr>
+              <p:cNvPr id="45" name="TextBox 44"/>
+              <p:cNvSpPr txBox="1"/>
+              <p:nvPr/>
+            </p:nvSpPr>
+            <p:spPr>
+              <a:xfrm>
+                <a:off x="1489749" y="4128154"/>
+                <a:ext cx="1807125" cy="356414"/>
+              </a:xfrm>
+              <a:prstGeom prst="rect">
+                <a:avLst/>
+              </a:prstGeom>
+              <a:noFill/>
+            </p:spPr>
+            <p:txBody>
+              <a:bodyPr wrap="square" rtlCol="0">
+                <a:spAutoFit/>
+              </a:bodyPr>
+              <a:lstStyle/>
+              <a:p>
+                <a:pPr algn="ctr"/>
+                <a:r>
+                  <a:rPr lang="en-US" sz="1300" smtClean="0"/>
+                  <a:t>Adjust Saturation</a:t>
+                </a:r>
+                <a:endParaRPr lang="en-US" sz="1300"/>
+              </a:p>
+            </p:txBody>
+          </p:sp>
+          <p:sp>
+            <p:nvSpPr>
+              <p:cNvPr id="46" name="Oval 45"/>
+              <p:cNvSpPr/>
+              <p:nvPr/>
+            </p:nvSpPr>
+            <p:spPr>
+              <a:xfrm>
+                <a:off x="1701618" y="2660855"/>
+                <a:ext cx="139380" cy="139379"/>
+              </a:xfrm>
+              <a:prstGeom prst="ellipse">
+                <a:avLst/>
+              </a:prstGeom>
+              <a:solidFill>
+                <a:schemeClr val="tx1"/>
+              </a:solidFill>
+              <a:ln>
+                <a:noFill/>
+              </a:ln>
+            </p:spPr>
+            <p:style>
+              <a:lnRef idx="2">
+                <a:schemeClr val="accent1">
+                  <a:shade val="50000"/>
+                </a:schemeClr>
+              </a:lnRef>
+              <a:fillRef idx="1">
+                <a:schemeClr val="accent1"/>
+              </a:fillRef>
+              <a:effectRef idx="0">
+                <a:schemeClr val="accent1"/>
+              </a:effectRef>
+              <a:fontRef idx="minor">
+                <a:schemeClr val="lt1"/>
+              </a:fontRef>
+            </p:style>
+            <p:txBody>
+              <a:bodyPr rtlCol="0" anchor="ctr"/>
+              <a:lstStyle/>
+              <a:p>
+                <a:pPr algn="ctr"/>
+                <a:endParaRPr lang="en-US" sz="1300"/>
+              </a:p>
+            </p:txBody>
+          </p:sp>
+          <p:sp>
+            <p:nvSpPr>
+              <p:cNvPr id="47" name="Oval 46"/>
+              <p:cNvSpPr/>
+              <p:nvPr/>
+            </p:nvSpPr>
+            <p:spPr>
+              <a:xfrm>
+                <a:off x="2609853" y="3359607"/>
+                <a:ext cx="139380" cy="139379"/>
+              </a:xfrm>
+              <a:prstGeom prst="ellipse">
+                <a:avLst/>
+              </a:prstGeom>
+              <a:solidFill>
+                <a:schemeClr val="tx1"/>
+              </a:solidFill>
+              <a:ln>
+                <a:noFill/>
+              </a:ln>
+            </p:spPr>
+            <p:style>
+              <a:lnRef idx="2">
+                <a:schemeClr val="accent1">
+                  <a:shade val="50000"/>
+                </a:schemeClr>
+              </a:lnRef>
+              <a:fillRef idx="1">
+                <a:schemeClr val="accent1"/>
+              </a:fillRef>
+              <a:effectRef idx="0">
+                <a:schemeClr val="accent1"/>
+              </a:effectRef>
+              <a:fontRef idx="minor">
+                <a:schemeClr val="lt1"/>
+              </a:fontRef>
+            </p:style>
+            <p:txBody>
+              <a:bodyPr rtlCol="0" anchor="ctr"/>
+              <a:lstStyle/>
+              <a:p>
+                <a:pPr algn="ctr"/>
+                <a:endParaRPr lang="en-US" sz="1300"/>
+              </a:p>
+            </p:txBody>
+          </p:sp>
+          <p:sp>
+            <p:nvSpPr>
+              <p:cNvPr id="48" name="Oval 47"/>
+              <p:cNvSpPr/>
+              <p:nvPr/>
+            </p:nvSpPr>
+            <p:spPr>
+              <a:xfrm>
+                <a:off x="2877963" y="4058462"/>
+                <a:ext cx="139380" cy="139379"/>
+              </a:xfrm>
+              <a:prstGeom prst="ellipse">
+                <a:avLst/>
+              </a:prstGeom>
+              <a:solidFill>
+                <a:schemeClr val="tx1"/>
+              </a:solidFill>
+              <a:ln>
+                <a:noFill/>
+              </a:ln>
+            </p:spPr>
+            <p:style>
+              <a:lnRef idx="2">
+                <a:schemeClr val="accent1">
+                  <a:shade val="50000"/>
+                </a:schemeClr>
+              </a:lnRef>
+              <a:fillRef idx="1">
+                <a:schemeClr val="accent1"/>
+              </a:fillRef>
+              <a:effectRef idx="0">
+                <a:schemeClr val="accent1"/>
+              </a:effectRef>
+              <a:fontRef idx="minor">
+                <a:schemeClr val="lt1"/>
+              </a:fontRef>
+            </p:style>
+            <p:txBody>
+              <a:bodyPr rtlCol="0" anchor="ctr"/>
+              <a:lstStyle/>
+              <a:p>
+                <a:pPr algn="ctr"/>
+                <a:endParaRPr lang="en-US" sz="1300"/>
+              </a:p>
+            </p:txBody>
+          </p:sp>
+          <p:sp>
+            <p:nvSpPr>
+              <p:cNvPr id="49" name="Rectangle 48"/>
+              <p:cNvSpPr/>
+              <p:nvPr/>
+            </p:nvSpPr>
+            <p:spPr>
+              <a:xfrm>
+                <a:off x="1312112" y="2527210"/>
+                <a:ext cx="3677556" cy="2218860"/>
+              </a:xfrm>
+              <a:prstGeom prst="rect">
+                <a:avLst/>
+              </a:prstGeom>
+              <a:noFill/>
+              <a:ln>
+                <a:solidFill>
+                  <a:schemeClr val="tx1"/>
+                </a:solidFill>
+              </a:ln>
+            </p:spPr>
+            <p:style>
+              <a:lnRef idx="2">
+                <a:schemeClr val="accent1">
+                  <a:shade val="50000"/>
+                </a:schemeClr>
+              </a:lnRef>
+              <a:fillRef idx="1">
+                <a:schemeClr val="accent1"/>
+              </a:fillRef>
+              <a:effectRef idx="0">
+                <a:schemeClr val="accent1"/>
+              </a:effectRef>
+              <a:fontRef idx="minor">
+                <a:schemeClr val="lt1"/>
+              </a:fontRef>
+            </p:style>
+            <p:txBody>
+              <a:bodyPr rtlCol="0" anchor="ctr"/>
+              <a:lstStyle/>
+              <a:p>
+                <a:pPr algn="ctr"/>
+                <a:endParaRPr lang="en-US" sz="1300"/>
+              </a:p>
+            </p:txBody>
+          </p:sp>
+        </p:grpSp>
+        <p:sp>
+          <p:nvSpPr>
+            <p:cNvPr id="51" name="Rectangle 50"/>
+            <p:cNvSpPr/>
+            <p:nvPr/>
+          </p:nvSpPr>
+          <p:spPr>
+            <a:xfrm>
+              <a:off x="8012381" y="5720784"/>
+              <a:ext cx="646602" cy="252972"/>
+            </a:xfrm>
+            <a:prstGeom prst="rect">
+              <a:avLst/>
+            </a:prstGeom>
+            <a:solidFill>
+              <a:schemeClr val="bg1">
+                <a:lumMod val="65000"/>
+              </a:schemeClr>
+            </a:solidFill>
+            <a:ln>
+              <a:solidFill>
+                <a:schemeClr val="tx1"/>
+              </a:solidFill>
+            </a:ln>
+          </p:spPr>
+          <p:style>
+            <a:lnRef idx="2">
+              <a:schemeClr val="accent1">
+                <a:shade val="50000"/>
+              </a:schemeClr>
+            </a:lnRef>
+            <a:fillRef idx="1">
+              <a:schemeClr val="accent1"/>
+            </a:fillRef>
+            <a:effectRef idx="0">
+              <a:schemeClr val="accent1"/>
+            </a:effectRef>
+            <a:fontRef idx="minor">
+              <a:schemeClr val="lt1"/>
+            </a:fontRef>
+          </p:style>
+          <p:txBody>
+            <a:bodyPr rtlCol="0" anchor="ctr"/>
+            <a:lstStyle/>
+            <a:p>
+              <a:pPr algn="ctr"/>
+              <a:r>
+                <a:rPr lang="en-US" sz="1400" smtClean="0">
+                  <a:solidFill>
+                    <a:schemeClr val="tx1"/>
+                  </a:solidFill>
+                </a:rPr>
+                <a:t>DONE</a:t>
+              </a:r>
+              <a:endParaRPr lang="en-US" sz="1400">
+                <a:solidFill>
+                  <a:schemeClr val="tx1"/>
+                </a:solidFill>
+              </a:endParaRPr>
+            </a:p>
+          </p:txBody>
+        </p:sp>
+      </p:grpSp>
+    </p:spTree>
+    <p:extLst>
+      <p:ext uri="{BB962C8B-B14F-4D97-AF65-F5344CB8AC3E}">
+        <p14:creationId xmlns:p14="http://schemas.microsoft.com/office/powerpoint/2010/main" val="903646926"/>
+      </p:ext>
+    </p:extLst>
+  </p:cSld>
+  <p:clrMapOvr>
+    <a:masterClrMapping/>
+  </p:clrMapOvr>
+</p:sld>
+</file>
+
+<file path=ppt/slides/slide6.xml><?xml version="1.0" encoding="utf-8"?>
+<p:sld xmlns:a="http://schemas.openxmlformats.org/drawingml/2006/main" xmlns:r="http://schemas.openxmlformats.org/officeDocument/2006/relationships" xmlns:p="http://schemas.openxmlformats.org/presentationml/2006/main">
+  <p:cSld>
+    <p:spTree>
+      <p:nvGrpSpPr>
+        <p:cNvPr id="1" name=""/>
+        <p:cNvGrpSpPr/>
+        <p:nvPr/>
+      </p:nvGrpSpPr>
+      <p:grpSpPr>
+        <a:xfrm>
+          <a:off x="0" y="0"/>
+          <a:ext cx="0" cy="0"/>
+          <a:chOff x="0" y="0"/>
+          <a:chExt cx="0" cy="0"/>
+        </a:xfrm>
+      </p:grpSpPr>
+      <p:sp>
+        <p:nvSpPr>
+          <p:cNvPr id="10" name="TextBox 9"/>
+          <p:cNvSpPr txBox="1"/>
+          <p:nvPr/>
+        </p:nvSpPr>
+        <p:spPr>
+          <a:xfrm>
+            <a:off x="5880155" y="3898008"/>
+            <a:ext cx="3167919" cy="369332"/>
+          </a:xfrm>
+          <a:prstGeom prst="rect">
+            <a:avLst/>
+          </a:prstGeom>
+          <a:noFill/>
+        </p:spPr>
+        <p:txBody>
+          <a:bodyPr wrap="none" rtlCol="0">
+            <a:spAutoFit/>
+          </a:bodyPr>
+          <a:lstStyle/>
+          <a:p>
+            <a:r>
+              <a:rPr lang="en-US" dirty="0" smtClean="0"/>
+              <a:t>Can you create a new category?</a:t>
+            </a:r>
+            <a:endParaRPr lang="en-US" dirty="0"/>
+          </a:p>
+        </p:txBody>
+      </p:sp>
+      <p:grpSp>
+        <p:nvGrpSpPr>
+          <p:cNvPr id="20" name="Group 19"/>
+          <p:cNvGrpSpPr/>
+          <p:nvPr/>
+        </p:nvGrpSpPr>
+        <p:grpSpPr>
+          <a:xfrm>
+            <a:off x="81321" y="3723592"/>
+            <a:ext cx="5716945" cy="2546122"/>
+            <a:chOff x="165293" y="3717606"/>
+            <a:chExt cx="5716945" cy="2546122"/>
+          </a:xfrm>
+        </p:grpSpPr>
+        <p:grpSp>
+          <p:nvGrpSpPr>
+            <p:cNvPr id="9" name="Group 8"/>
+            <p:cNvGrpSpPr/>
+            <p:nvPr/>
+          </p:nvGrpSpPr>
+          <p:grpSpPr>
+            <a:xfrm>
+              <a:off x="165293" y="3717606"/>
+              <a:ext cx="5716945" cy="2546122"/>
+              <a:chOff x="400185" y="3717606"/>
+              <a:chExt cx="5716945" cy="2546122"/>
+            </a:xfrm>
+          </p:grpSpPr>
+          <p:grpSp>
+            <p:nvGrpSpPr>
+              <p:cNvPr id="26" name="Group 25"/>
+              <p:cNvGrpSpPr/>
+              <p:nvPr/>
+            </p:nvGrpSpPr>
+            <p:grpSpPr>
+              <a:xfrm>
+                <a:off x="400185" y="3717606"/>
+                <a:ext cx="2561485" cy="2546122"/>
+                <a:chOff x="5629639" y="3422825"/>
+                <a:chExt cx="2824674" cy="2807732"/>
+              </a:xfrm>
+            </p:grpSpPr>
+            <p:sp>
+              <p:nvSpPr>
+                <p:cNvPr id="21" name="Cube 20"/>
+                <p:cNvSpPr/>
+                <p:nvPr/>
+              </p:nvSpPr>
+              <p:spPr>
+                <a:xfrm>
+                  <a:off x="6002866" y="3422825"/>
+                  <a:ext cx="2438400" cy="2438400"/>
+                </a:xfrm>
+                <a:prstGeom prst="cube">
+                  <a:avLst/>
+                </a:prstGeom>
+                <a:noFill/>
+                <a:ln w="25400">
+                  <a:solidFill>
+                    <a:schemeClr val="tx1"/>
+                  </a:solidFill>
+                </a:ln>
+              </p:spPr>
+              <p:style>
+                <a:lnRef idx="2">
+                  <a:schemeClr val="accent1">
+                    <a:shade val="50000"/>
+                  </a:schemeClr>
+                </a:lnRef>
+                <a:fillRef idx="1">
+                  <a:schemeClr val="accent1"/>
+                </a:fillRef>
+                <a:effectRef idx="0">
+                  <a:schemeClr val="accent1"/>
+                </a:effectRef>
+                <a:fontRef idx="minor">
+                  <a:schemeClr val="lt1"/>
+                </a:fontRef>
+              </p:style>
+              <p:txBody>
+                <a:bodyPr rtlCol="0" anchor="ctr"/>
+                <a:lstStyle/>
+                <a:p>
+                  <a:pPr algn="ctr"/>
+                  <a:endParaRPr lang="en-US"/>
+                </a:p>
+              </p:txBody>
+            </p:sp>
+            <p:sp>
+              <p:nvSpPr>
+                <p:cNvPr id="23" name="TextBox 22"/>
+                <p:cNvSpPr txBox="1"/>
+                <p:nvPr/>
+              </p:nvSpPr>
+              <p:spPr>
+                <a:xfrm>
+                  <a:off x="6002866" y="5861225"/>
+                  <a:ext cx="1837267" cy="369332"/>
+                </a:xfrm>
+                <a:prstGeom prst="rect">
+                  <a:avLst/>
+                </a:prstGeom>
+                <a:noFill/>
+              </p:spPr>
+              <p:txBody>
+                <a:bodyPr wrap="square" rtlCol="0">
+                  <a:spAutoFit/>
+                </a:bodyPr>
+                <a:lstStyle/>
+                <a:p>
+                  <a:pPr algn="ctr"/>
+                  <a:r>
+                    <a:rPr lang="en-US" smtClean="0"/>
+                    <a:t>Size</a:t>
+                  </a:r>
+                  <a:endParaRPr lang="en-US"/>
+                </a:p>
+              </p:txBody>
+            </p:sp>
+            <p:sp>
+              <p:nvSpPr>
+                <p:cNvPr id="24" name="TextBox 23"/>
+                <p:cNvSpPr txBox="1"/>
+                <p:nvPr/>
+              </p:nvSpPr>
+              <p:spPr>
+                <a:xfrm rot="18872676">
+                  <a:off x="7874908" y="5522898"/>
+                  <a:ext cx="789477" cy="369332"/>
+                </a:xfrm>
+                <a:prstGeom prst="rect">
+                  <a:avLst/>
+                </a:prstGeom>
+                <a:noFill/>
+              </p:spPr>
+              <p:txBody>
+                <a:bodyPr wrap="square" rtlCol="0">
+                  <a:spAutoFit/>
+                </a:bodyPr>
+                <a:lstStyle/>
+                <a:p>
+                  <a:pPr algn="ctr"/>
+                  <a:r>
+                    <a:rPr lang="en-US" dirty="0" smtClean="0"/>
+                    <a:t>Hue</a:t>
+                  </a:r>
+                  <a:endParaRPr lang="en-US" dirty="0"/>
+                </a:p>
+              </p:txBody>
+            </p:sp>
+            <p:sp>
+              <p:nvSpPr>
+                <p:cNvPr id="25" name="TextBox 24"/>
+                <p:cNvSpPr txBox="1"/>
+                <p:nvPr/>
+              </p:nvSpPr>
+              <p:spPr>
+                <a:xfrm rot="16200000">
+                  <a:off x="4902992" y="4765246"/>
+                  <a:ext cx="1822626" cy="369332"/>
+                </a:xfrm>
+                <a:prstGeom prst="rect">
+                  <a:avLst/>
+                </a:prstGeom>
+                <a:noFill/>
+              </p:spPr>
+              <p:txBody>
+                <a:bodyPr wrap="square" rtlCol="0">
+                  <a:spAutoFit/>
+                </a:bodyPr>
+                <a:lstStyle/>
+                <a:p>
+                  <a:pPr algn="ctr"/>
+                  <a:r>
+                    <a:rPr lang="en-US" smtClean="0"/>
+                    <a:t>Saturation</a:t>
+                  </a:r>
+                  <a:endParaRPr lang="en-US"/>
+                </a:p>
+              </p:txBody>
+            </p:sp>
+          </p:grpSp>
+          <p:grpSp>
+            <p:nvGrpSpPr>
+              <p:cNvPr id="35" name="Group 34"/>
+              <p:cNvGrpSpPr/>
+              <p:nvPr/>
+            </p:nvGrpSpPr>
+            <p:grpSpPr>
+              <a:xfrm>
+                <a:off x="3068347" y="3759530"/>
+                <a:ext cx="3048783" cy="2451100"/>
+                <a:chOff x="3068347" y="3759530"/>
+                <a:chExt cx="3048783" cy="2451100"/>
+              </a:xfrm>
+            </p:grpSpPr>
+            <p:pic>
+              <p:nvPicPr>
+                <p:cNvPr id="11" name="Picture 10"/>
+                <p:cNvPicPr>
+                  <a:picLocks noChangeAspect="1"/>
+                </p:cNvPicPr>
+                <p:nvPr/>
+              </p:nvPicPr>
+              <p:blipFill>
+                <a:blip r:embed="rId3">
+                  <a:extLst>
+                    <a:ext uri="{28A0092B-C50C-407E-A947-70E740481C1C}">
+                      <a14:useLocalDpi xmlns:a14="http://schemas.microsoft.com/office/drawing/2010/main" val="0"/>
+                    </a:ext>
+                  </a:extLst>
+                </a:blip>
+                <a:stretch>
+                  <a:fillRect/>
+                </a:stretch>
+              </p:blipFill>
+              <p:spPr>
+                <a:xfrm>
+                  <a:off x="3869230" y="3759530"/>
+                  <a:ext cx="2247900" cy="2451100"/>
+                </a:xfrm>
+                <a:prstGeom prst="rect">
+                  <a:avLst/>
+                </a:prstGeom>
+              </p:spPr>
+            </p:pic>
+            <p:cxnSp>
+              <p:nvCxnSpPr>
+                <p:cNvPr id="29" name="Straight Arrow Connector 28"/>
+                <p:cNvCxnSpPr/>
+                <p:nvPr/>
+              </p:nvCxnSpPr>
+              <p:spPr>
+                <a:xfrm flipH="1">
+                  <a:off x="3068347" y="4966283"/>
+                  <a:ext cx="253694" cy="0"/>
+                </a:xfrm>
+                <a:prstGeom prst="straightConnector1">
+                  <a:avLst/>
+                </a:prstGeom>
+                <a:ln w="25400">
+                  <a:solidFill>
+                    <a:schemeClr val="tx1"/>
+                  </a:solidFill>
+                  <a:tailEnd type="triangle"/>
+                </a:ln>
+              </p:spPr>
+              <p:style>
+                <a:lnRef idx="1">
+                  <a:schemeClr val="accent1"/>
+                </a:lnRef>
+                <a:fillRef idx="0">
+                  <a:schemeClr val="accent1"/>
+                </a:fillRef>
+                <a:effectRef idx="0">
+                  <a:schemeClr val="accent1"/>
+                </a:effectRef>
+                <a:fontRef idx="minor">
+                  <a:schemeClr val="tx1"/>
+                </a:fontRef>
+              </p:style>
+            </p:cxnSp>
+          </p:grpSp>
+        </p:grpSp>
+        <p:sp>
+          <p:nvSpPr>
+            <p:cNvPr id="6" name="Left Brace 5"/>
+            <p:cNvSpPr/>
+            <p:nvPr/>
+          </p:nvSpPr>
+          <p:spPr>
+            <a:xfrm>
+              <a:off x="3145871" y="4001549"/>
+              <a:ext cx="493160" cy="1935648"/>
+            </a:xfrm>
+            <a:prstGeom prst="leftBrace">
+              <a:avLst/>
+            </a:prstGeom>
+            <a:ln w="25400">
+              <a:solidFill>
+                <a:schemeClr val="tx1"/>
+              </a:solidFill>
+            </a:ln>
+          </p:spPr>
+          <p:style>
+            <a:lnRef idx="1">
+              <a:schemeClr val="accent1"/>
+            </a:lnRef>
+            <a:fillRef idx="0">
+              <a:schemeClr val="accent1"/>
+            </a:fillRef>
+            <a:effectRef idx="0">
+              <a:schemeClr val="accent1"/>
+            </a:effectRef>
+            <a:fontRef idx="minor">
+              <a:schemeClr val="tx1"/>
+            </a:fontRef>
+          </p:style>
+          <p:txBody>
+            <a:bodyPr rtlCol="0" anchor="ctr"/>
+            <a:lstStyle/>
+            <a:p>
+              <a:pPr algn="ctr"/>
+              <a:endParaRPr lang="en-US"/>
+            </a:p>
+          </p:txBody>
+        </p:sp>
+        <p:grpSp>
+          <p:nvGrpSpPr>
+            <p:cNvPr id="15" name="Group 14"/>
+            <p:cNvGrpSpPr/>
+            <p:nvPr/>
+          </p:nvGrpSpPr>
+          <p:grpSpPr>
+            <a:xfrm>
+              <a:off x="630940" y="4455291"/>
+              <a:ext cx="1405389" cy="1259507"/>
+              <a:chOff x="932303" y="4475122"/>
+              <a:chExt cx="1405389" cy="1259507"/>
+            </a:xfrm>
+          </p:grpSpPr>
+          <p:sp>
+            <p:nvSpPr>
+              <p:cNvPr id="28" name="Oval 27"/>
+              <p:cNvSpPr/>
+              <p:nvPr/>
+            </p:nvSpPr>
+            <p:spPr>
+              <a:xfrm>
+                <a:off x="932303" y="5659814"/>
+                <a:ext cx="74815" cy="74815"/>
+              </a:xfrm>
+              <a:prstGeom prst="ellipse">
+                <a:avLst/>
+              </a:prstGeom>
+              <a:solidFill>
+                <a:srgbClr val="FF0000"/>
+              </a:solidFill>
+              <a:ln>
+                <a:solidFill>
+                  <a:schemeClr val="bg1"/>
+                </a:solidFill>
+              </a:ln>
+            </p:spPr>
+            <p:style>
+              <a:lnRef idx="2">
+                <a:schemeClr val="accent1">
+                  <a:shade val="50000"/>
+                </a:schemeClr>
+              </a:lnRef>
+              <a:fillRef idx="1">
+                <a:schemeClr val="accent1"/>
+              </a:fillRef>
+              <a:effectRef idx="0">
+                <a:schemeClr val="accent1"/>
+              </a:effectRef>
+              <a:fontRef idx="minor">
+                <a:schemeClr val="lt1"/>
+              </a:fontRef>
+            </p:style>
+            <p:txBody>
+              <a:bodyPr rtlCol="0" anchor="ctr"/>
+              <a:lstStyle/>
+              <a:p>
+                <a:pPr algn="ctr"/>
+                <a:endParaRPr lang="en-US"/>
+              </a:p>
+            </p:txBody>
+          </p:sp>
+          <p:sp>
+            <p:nvSpPr>
+              <p:cNvPr id="30" name="Oval 29"/>
+              <p:cNvSpPr/>
+              <p:nvPr/>
+            </p:nvSpPr>
+            <p:spPr>
+              <a:xfrm>
+                <a:off x="1376530" y="5267953"/>
+                <a:ext cx="74815" cy="74815"/>
+              </a:xfrm>
+              <a:prstGeom prst="ellipse">
+                <a:avLst/>
+              </a:prstGeom>
+              <a:solidFill>
+                <a:srgbClr val="FF0000"/>
+              </a:solidFill>
+              <a:ln>
+                <a:solidFill>
+                  <a:schemeClr val="bg1"/>
+                </a:solidFill>
+              </a:ln>
+            </p:spPr>
+            <p:style>
+              <a:lnRef idx="2">
+                <a:schemeClr val="accent1">
+                  <a:shade val="50000"/>
+                </a:schemeClr>
+              </a:lnRef>
+              <a:fillRef idx="1">
+                <a:schemeClr val="accent1"/>
+              </a:fillRef>
+              <a:effectRef idx="0">
+                <a:schemeClr val="accent1"/>
+              </a:effectRef>
+              <a:fontRef idx="minor">
+                <a:schemeClr val="lt1"/>
+              </a:fontRef>
+            </p:style>
+            <p:txBody>
+              <a:bodyPr rtlCol="0" anchor="ctr"/>
+              <a:lstStyle/>
+              <a:p>
+                <a:pPr algn="ctr"/>
+                <a:endParaRPr lang="en-US"/>
+              </a:p>
+            </p:txBody>
+          </p:sp>
+          <p:sp>
+            <p:nvSpPr>
+              <p:cNvPr id="31" name="Oval 30"/>
+              <p:cNvSpPr/>
+              <p:nvPr/>
+            </p:nvSpPr>
+            <p:spPr>
+              <a:xfrm>
+                <a:off x="2262877" y="4475122"/>
+                <a:ext cx="74815" cy="74815"/>
+              </a:xfrm>
+              <a:prstGeom prst="ellipse">
+                <a:avLst/>
+              </a:prstGeom>
+              <a:solidFill>
+                <a:srgbClr val="FF0000"/>
+              </a:solidFill>
+              <a:ln>
+                <a:solidFill>
+                  <a:schemeClr val="bg1"/>
+                </a:solidFill>
+              </a:ln>
+            </p:spPr>
+            <p:style>
+              <a:lnRef idx="2">
+                <a:schemeClr val="accent1">
+                  <a:shade val="50000"/>
+                </a:schemeClr>
+              </a:lnRef>
+              <a:fillRef idx="1">
+                <a:schemeClr val="accent1"/>
+              </a:fillRef>
+              <a:effectRef idx="0">
+                <a:schemeClr val="accent1"/>
+              </a:effectRef>
+              <a:fontRef idx="minor">
+                <a:schemeClr val="lt1"/>
+              </a:fontRef>
+            </p:style>
+            <p:txBody>
+              <a:bodyPr rtlCol="0" anchor="ctr"/>
+              <a:lstStyle/>
+              <a:p>
+                <a:pPr algn="ctr"/>
+                <a:endParaRPr lang="en-US"/>
+              </a:p>
+            </p:txBody>
+          </p:sp>
+          <p:sp>
+            <p:nvSpPr>
+              <p:cNvPr id="50" name="Oval 49"/>
+              <p:cNvSpPr/>
+              <p:nvPr/>
+            </p:nvSpPr>
+            <p:spPr>
+              <a:xfrm>
+                <a:off x="1839323" y="4833123"/>
+                <a:ext cx="74815" cy="74815"/>
+              </a:xfrm>
+              <a:prstGeom prst="ellipse">
+                <a:avLst/>
+              </a:prstGeom>
+              <a:solidFill>
+                <a:srgbClr val="FF0000"/>
+              </a:solidFill>
+              <a:ln>
+                <a:solidFill>
+                  <a:schemeClr val="bg1"/>
+                </a:solidFill>
+              </a:ln>
+            </p:spPr>
+            <p:style>
+              <a:lnRef idx="2">
+                <a:schemeClr val="accent1">
+                  <a:shade val="50000"/>
+                </a:schemeClr>
+              </a:lnRef>
+              <a:fillRef idx="1">
+                <a:schemeClr val="accent1"/>
+              </a:fillRef>
+              <a:effectRef idx="0">
+                <a:schemeClr val="accent1"/>
+              </a:effectRef>
+              <a:fontRef idx="minor">
+                <a:schemeClr val="lt1"/>
+              </a:fontRef>
+            </p:style>
+            <p:txBody>
+              <a:bodyPr rtlCol="0" anchor="ctr"/>
+              <a:lstStyle/>
+              <a:p>
+                <a:pPr algn="ctr"/>
+                <a:endParaRPr lang="en-US"/>
+              </a:p>
+            </p:txBody>
+          </p:sp>
+        </p:grpSp>
+      </p:grpSp>
+      <p:grpSp>
+        <p:nvGrpSpPr>
+          <p:cNvPr id="32" name="Group 31"/>
+          <p:cNvGrpSpPr/>
+          <p:nvPr/>
+        </p:nvGrpSpPr>
+        <p:grpSpPr>
+          <a:xfrm>
+            <a:off x="6053591" y="4399832"/>
+            <a:ext cx="2839826" cy="1713415"/>
+            <a:chOff x="6044202" y="4388839"/>
+            <a:chExt cx="2839826" cy="1713415"/>
+          </a:xfrm>
+        </p:grpSpPr>
+        <p:grpSp>
+          <p:nvGrpSpPr>
+            <p:cNvPr id="37" name="Group 36"/>
+            <p:cNvGrpSpPr/>
+            <p:nvPr/>
+          </p:nvGrpSpPr>
+          <p:grpSpPr>
+            <a:xfrm>
+              <a:off x="6044202" y="4388839"/>
+              <a:ext cx="2839826" cy="1713415"/>
+              <a:chOff x="1312112" y="2527210"/>
+              <a:chExt cx="3677556" cy="2218860"/>
+            </a:xfrm>
+          </p:grpSpPr>
+          <p:pic>
+            <p:nvPicPr>
+              <p:cNvPr id="38" name="Picture 37"/>
+              <p:cNvPicPr>
+                <a:picLocks noChangeAspect="1"/>
+              </p:cNvPicPr>
+              <p:nvPr/>
+            </p:nvPicPr>
+            <p:blipFill>
+              <a:blip r:embed="rId4">
+                <a:extLst>
+                  <a:ext uri="{28A0092B-C50C-407E-A947-70E740481C1C}">
+                    <a14:useLocalDpi xmlns:a14="http://schemas.microsoft.com/office/drawing/2010/main" val="0"/>
+                  </a:ext>
+                </a:extLst>
+              </a:blip>
+              <a:stretch>
+                <a:fillRect/>
+              </a:stretch>
+            </p:blipFill>
+            <p:spPr>
+              <a:xfrm>
+                <a:off x="3683835" y="3352705"/>
+                <a:ext cx="1191456" cy="445925"/>
+              </a:xfrm>
+              <a:prstGeom prst="rect">
+                <a:avLst/>
+              </a:prstGeom>
+            </p:spPr>
+          </p:pic>
+          <p:sp>
+            <p:nvSpPr>
+              <p:cNvPr id="39" name="TextBox 38"/>
+              <p:cNvSpPr txBox="1"/>
+              <p:nvPr/>
+            </p:nvSpPr>
+            <p:spPr>
+              <a:xfrm>
+                <a:off x="3782471" y="2983373"/>
+                <a:ext cx="883298" cy="356414"/>
+              </a:xfrm>
+              <a:prstGeom prst="rect">
+                <a:avLst/>
+              </a:prstGeom>
+              <a:noFill/>
+            </p:spPr>
+            <p:txBody>
+              <a:bodyPr wrap="none" rtlCol="0">
+                <a:spAutoFit/>
+              </a:bodyPr>
+              <a:lstStyle/>
+              <a:p>
+                <a:r>
+                  <a:rPr lang="en-US" sz="1300" dirty="0" smtClean="0"/>
+                  <a:t>Preview</a:t>
+                </a:r>
+                <a:endParaRPr lang="en-US" sz="1300" dirty="0"/>
+              </a:p>
+            </p:txBody>
+          </p:sp>
+          <p:cxnSp>
+            <p:nvCxnSpPr>
+              <p:cNvPr id="40" name="Straight Connector 39"/>
+              <p:cNvCxnSpPr/>
+              <p:nvPr/>
+            </p:nvCxnSpPr>
+            <p:spPr>
+              <a:xfrm>
+                <a:off x="1489749" y="2730442"/>
+                <a:ext cx="1807125" cy="0"/>
+              </a:xfrm>
+              <a:prstGeom prst="line">
+                <a:avLst/>
+              </a:prstGeom>
+              <a:ln w="12700">
+                <a:solidFill>
+                  <a:schemeClr val="tx1"/>
+                </a:solidFill>
+                <a:headEnd type="diamond" w="lg" len="med"/>
+                <a:tailEnd type="diamond" w="lg" len="med"/>
+              </a:ln>
+            </p:spPr>
+            <p:style>
+              <a:lnRef idx="1">
+                <a:schemeClr val="accent1"/>
+              </a:lnRef>
+              <a:fillRef idx="0">
+                <a:schemeClr val="accent1"/>
+              </a:fillRef>
+              <a:effectRef idx="0">
+                <a:schemeClr val="accent1"/>
+              </a:effectRef>
+              <a:fontRef idx="minor">
+                <a:schemeClr val="tx1"/>
+              </a:fontRef>
+            </p:style>
+          </p:cxnSp>
+          <p:sp>
+            <p:nvSpPr>
+              <p:cNvPr id="41" name="TextBox 40"/>
+              <p:cNvSpPr txBox="1"/>
+              <p:nvPr/>
+            </p:nvSpPr>
+            <p:spPr>
+              <a:xfrm>
+                <a:off x="1489750" y="2730442"/>
+                <a:ext cx="1807124" cy="356414"/>
+              </a:xfrm>
+              <a:prstGeom prst="rect">
+                <a:avLst/>
+              </a:prstGeom>
+              <a:noFill/>
+            </p:spPr>
+            <p:txBody>
+              <a:bodyPr wrap="square" rtlCol="0">
+                <a:spAutoFit/>
+              </a:bodyPr>
+              <a:lstStyle/>
+              <a:p>
+                <a:pPr algn="ctr"/>
+                <a:r>
+                  <a:rPr lang="en-US" sz="1300" smtClean="0"/>
+                  <a:t>Adjust Size</a:t>
+                </a:r>
+                <a:endParaRPr lang="en-US" sz="1300"/>
+              </a:p>
+            </p:txBody>
+          </p:sp>
+          <p:cxnSp>
+            <p:nvCxnSpPr>
+              <p:cNvPr id="42" name="Straight Connector 41"/>
+              <p:cNvCxnSpPr/>
+              <p:nvPr/>
+            </p:nvCxnSpPr>
+            <p:spPr>
+              <a:xfrm>
+                <a:off x="1489749" y="3429298"/>
+                <a:ext cx="1807125" cy="0"/>
+              </a:xfrm>
+              <a:prstGeom prst="line">
+                <a:avLst/>
+              </a:prstGeom>
+              <a:ln w="12700">
+                <a:solidFill>
+                  <a:schemeClr val="tx1"/>
+                </a:solidFill>
+                <a:headEnd type="diamond" w="lg" len="med"/>
+                <a:tailEnd type="diamond" w="lg" len="med"/>
+              </a:ln>
+            </p:spPr>
+            <p:style>
+              <a:lnRef idx="1">
+                <a:schemeClr val="accent1"/>
+              </a:lnRef>
+              <a:fillRef idx="0">
+                <a:schemeClr val="accent1"/>
+              </a:fillRef>
+              <a:effectRef idx="0">
+                <a:schemeClr val="accent1"/>
+              </a:effectRef>
+              <a:fontRef idx="minor">
+                <a:schemeClr val="tx1"/>
+              </a:fontRef>
+            </p:style>
+          </p:cxnSp>
+          <p:sp>
+            <p:nvSpPr>
+              <p:cNvPr id="43" name="TextBox 42"/>
+              <p:cNvSpPr txBox="1"/>
+              <p:nvPr/>
+            </p:nvSpPr>
+            <p:spPr>
+              <a:xfrm>
+                <a:off x="1489749" y="3429299"/>
+                <a:ext cx="1807125" cy="356414"/>
+              </a:xfrm>
+              <a:prstGeom prst="rect">
+                <a:avLst/>
+              </a:prstGeom>
+              <a:noFill/>
+            </p:spPr>
+            <p:txBody>
+              <a:bodyPr wrap="square" rtlCol="0">
+                <a:spAutoFit/>
+              </a:bodyPr>
+              <a:lstStyle/>
+              <a:p>
+                <a:pPr algn="ctr"/>
+                <a:r>
+                  <a:rPr lang="en-US" sz="1300" smtClean="0"/>
+                  <a:t>Adjust Hue</a:t>
+                </a:r>
+                <a:endParaRPr lang="en-US" sz="1300"/>
+              </a:p>
+            </p:txBody>
+          </p:sp>
+          <p:cxnSp>
+            <p:nvCxnSpPr>
+              <p:cNvPr id="44" name="Straight Connector 43"/>
+              <p:cNvCxnSpPr/>
+              <p:nvPr/>
+            </p:nvCxnSpPr>
+            <p:spPr>
+              <a:xfrm>
+                <a:off x="1489749" y="4128154"/>
+                <a:ext cx="1807125" cy="0"/>
+              </a:xfrm>
+              <a:prstGeom prst="line">
+                <a:avLst/>
+              </a:prstGeom>
+              <a:ln w="12700">
+                <a:solidFill>
+                  <a:schemeClr val="tx1"/>
+                </a:solidFill>
+                <a:headEnd type="diamond" w="lg" len="med"/>
+                <a:tailEnd type="diamond" w="lg" len="med"/>
+              </a:ln>
+            </p:spPr>
+            <p:style>
+              <a:lnRef idx="1">
+                <a:schemeClr val="accent1"/>
+              </a:lnRef>
+              <a:fillRef idx="0">
+                <a:schemeClr val="accent1"/>
+              </a:fillRef>
+              <a:effectRef idx="0">
+                <a:schemeClr val="accent1"/>
+              </a:effectRef>
+              <a:fontRef idx="minor">
+                <a:schemeClr val="tx1"/>
+              </a:fontRef>
+            </p:style>
+          </p:cxnSp>
+          <p:sp>
+            <p:nvSpPr>
+              <p:cNvPr id="45" name="TextBox 44"/>
+              <p:cNvSpPr txBox="1"/>
+              <p:nvPr/>
+            </p:nvSpPr>
+            <p:spPr>
+              <a:xfrm>
+                <a:off x="1489749" y="4128154"/>
+                <a:ext cx="1807125" cy="356414"/>
+              </a:xfrm>
+              <a:prstGeom prst="rect">
+                <a:avLst/>
+              </a:prstGeom>
+              <a:noFill/>
+            </p:spPr>
+            <p:txBody>
+              <a:bodyPr wrap="square" rtlCol="0">
+                <a:spAutoFit/>
+              </a:bodyPr>
+              <a:lstStyle/>
+              <a:p>
+                <a:pPr algn="ctr"/>
+                <a:r>
+                  <a:rPr lang="en-US" sz="1300" smtClean="0"/>
+                  <a:t>Adjust Saturation</a:t>
+                </a:r>
+                <a:endParaRPr lang="en-US" sz="1300"/>
+              </a:p>
+            </p:txBody>
+          </p:sp>
+          <p:sp>
+            <p:nvSpPr>
+              <p:cNvPr id="46" name="Oval 45"/>
+              <p:cNvSpPr/>
+              <p:nvPr/>
+            </p:nvSpPr>
+            <p:spPr>
+              <a:xfrm>
+                <a:off x="1701618" y="2660855"/>
+                <a:ext cx="139380" cy="139379"/>
+              </a:xfrm>
+              <a:prstGeom prst="ellipse">
+                <a:avLst/>
+              </a:prstGeom>
+              <a:solidFill>
+                <a:schemeClr val="tx1"/>
+              </a:solidFill>
+              <a:ln>
+                <a:noFill/>
+              </a:ln>
+            </p:spPr>
+            <p:style>
+              <a:lnRef idx="2">
+                <a:schemeClr val="accent1">
+                  <a:shade val="50000"/>
+                </a:schemeClr>
+              </a:lnRef>
+              <a:fillRef idx="1">
+                <a:schemeClr val="accent1"/>
+              </a:fillRef>
+              <a:effectRef idx="0">
+                <a:schemeClr val="accent1"/>
+              </a:effectRef>
+              <a:fontRef idx="minor">
+                <a:schemeClr val="lt1"/>
+              </a:fontRef>
+            </p:style>
+            <p:txBody>
+              <a:bodyPr rtlCol="0" anchor="ctr"/>
+              <a:lstStyle/>
+              <a:p>
+                <a:pPr algn="ctr"/>
+                <a:endParaRPr lang="en-US" sz="1300"/>
+              </a:p>
+            </p:txBody>
+          </p:sp>
+          <p:sp>
+            <p:nvSpPr>
+              <p:cNvPr id="47" name="Oval 46"/>
+              <p:cNvSpPr/>
+              <p:nvPr/>
+            </p:nvSpPr>
+            <p:spPr>
+              <a:xfrm>
+                <a:off x="2609853" y="3359607"/>
+                <a:ext cx="139380" cy="139379"/>
+              </a:xfrm>
+              <a:prstGeom prst="ellipse">
+                <a:avLst/>
+              </a:prstGeom>
+              <a:solidFill>
+                <a:schemeClr val="tx1"/>
+              </a:solidFill>
+              <a:ln>
+                <a:noFill/>
+              </a:ln>
+            </p:spPr>
+            <p:style>
+              <a:lnRef idx="2">
+                <a:schemeClr val="accent1">
+                  <a:shade val="50000"/>
+                </a:schemeClr>
+              </a:lnRef>
+              <a:fillRef idx="1">
+                <a:schemeClr val="accent1"/>
+              </a:fillRef>
+              <a:effectRef idx="0">
+                <a:schemeClr val="accent1"/>
+              </a:effectRef>
+              <a:fontRef idx="minor">
+                <a:schemeClr val="lt1"/>
+              </a:fontRef>
+            </p:style>
+            <p:txBody>
+              <a:bodyPr rtlCol="0" anchor="ctr"/>
+              <a:lstStyle/>
+              <a:p>
+                <a:pPr algn="ctr"/>
+                <a:endParaRPr lang="en-US" sz="1300"/>
+              </a:p>
+            </p:txBody>
+          </p:sp>
+          <p:sp>
+            <p:nvSpPr>
+              <p:cNvPr id="48" name="Oval 47"/>
+              <p:cNvSpPr/>
+              <p:nvPr/>
+            </p:nvSpPr>
+            <p:spPr>
+              <a:xfrm>
+                <a:off x="2877963" y="4058462"/>
+                <a:ext cx="139380" cy="139379"/>
+              </a:xfrm>
+              <a:prstGeom prst="ellipse">
+                <a:avLst/>
+              </a:prstGeom>
+              <a:solidFill>
+                <a:schemeClr val="tx1"/>
+              </a:solidFill>
+              <a:ln>
+                <a:noFill/>
+              </a:ln>
+            </p:spPr>
+            <p:style>
+              <a:lnRef idx="2">
+                <a:schemeClr val="accent1">
+                  <a:shade val="50000"/>
+                </a:schemeClr>
+              </a:lnRef>
+              <a:fillRef idx="1">
+                <a:schemeClr val="accent1"/>
+              </a:fillRef>
+              <a:effectRef idx="0">
+                <a:schemeClr val="accent1"/>
+              </a:effectRef>
+              <a:fontRef idx="minor">
+                <a:schemeClr val="lt1"/>
+              </a:fontRef>
+            </p:style>
+            <p:txBody>
+              <a:bodyPr rtlCol="0" anchor="ctr"/>
+              <a:lstStyle/>
+              <a:p>
+                <a:pPr algn="ctr"/>
+                <a:endParaRPr lang="en-US" sz="1300"/>
+              </a:p>
+            </p:txBody>
+          </p:sp>
+          <p:sp>
+            <p:nvSpPr>
+              <p:cNvPr id="49" name="Rectangle 48"/>
+              <p:cNvSpPr/>
+              <p:nvPr/>
+            </p:nvSpPr>
+            <p:spPr>
+              <a:xfrm>
+                <a:off x="1312112" y="2527210"/>
+                <a:ext cx="3677556" cy="2218860"/>
+              </a:xfrm>
+              <a:prstGeom prst="rect">
+                <a:avLst/>
+              </a:prstGeom>
+              <a:noFill/>
+              <a:ln>
+                <a:solidFill>
+                  <a:schemeClr val="tx1"/>
+                </a:solidFill>
+              </a:ln>
+            </p:spPr>
+            <p:style>
+              <a:lnRef idx="2">
+                <a:schemeClr val="accent1">
+                  <a:shade val="50000"/>
+                </a:schemeClr>
+              </a:lnRef>
+              <a:fillRef idx="1">
+                <a:schemeClr val="accent1"/>
+              </a:fillRef>
+              <a:effectRef idx="0">
+                <a:schemeClr val="accent1"/>
+              </a:effectRef>
+              <a:fontRef idx="minor">
+                <a:schemeClr val="lt1"/>
+              </a:fontRef>
+            </p:style>
+            <p:txBody>
+              <a:bodyPr rtlCol="0" anchor="ctr"/>
+              <a:lstStyle/>
+              <a:p>
+                <a:pPr algn="ctr"/>
+                <a:endParaRPr lang="en-US" sz="1300"/>
+              </a:p>
+            </p:txBody>
+          </p:sp>
+        </p:grpSp>
+        <p:sp>
+          <p:nvSpPr>
+            <p:cNvPr id="51" name="Rectangle 50"/>
+            <p:cNvSpPr/>
+            <p:nvPr/>
+          </p:nvSpPr>
+          <p:spPr>
+            <a:xfrm>
+              <a:off x="8012381" y="5720784"/>
+              <a:ext cx="646602" cy="252972"/>
+            </a:xfrm>
+            <a:prstGeom prst="rect">
+              <a:avLst/>
+            </a:prstGeom>
+            <a:solidFill>
+              <a:schemeClr val="bg1">
+                <a:lumMod val="65000"/>
+              </a:schemeClr>
+            </a:solidFill>
+            <a:ln>
+              <a:solidFill>
+                <a:schemeClr val="tx1"/>
+              </a:solidFill>
+            </a:ln>
+          </p:spPr>
+          <p:style>
+            <a:lnRef idx="2">
+              <a:schemeClr val="accent1">
+                <a:shade val="50000"/>
+              </a:schemeClr>
+            </a:lnRef>
+            <a:fillRef idx="1">
+              <a:schemeClr val="accent1"/>
+            </a:fillRef>
+            <a:effectRef idx="0">
+              <a:schemeClr val="accent1"/>
+            </a:effectRef>
+            <a:fontRef idx="minor">
+              <a:schemeClr val="lt1"/>
+            </a:fontRef>
+          </p:style>
+          <p:txBody>
+            <a:bodyPr rtlCol="0" anchor="ctr"/>
+            <a:lstStyle/>
+            <a:p>
+              <a:pPr algn="ctr"/>
+              <a:r>
+                <a:rPr lang="en-US" sz="1400" smtClean="0">
+                  <a:solidFill>
+                    <a:schemeClr val="tx1"/>
+                  </a:solidFill>
+                </a:rPr>
+                <a:t>DONE</a:t>
+              </a:r>
+              <a:endParaRPr lang="en-US" sz="1400">
+                <a:solidFill>
+                  <a:schemeClr val="tx1"/>
+                </a:solidFill>
+              </a:endParaRPr>
+            </a:p>
+          </p:txBody>
+        </p:sp>
+      </p:grpSp>
+      <p:sp>
+        <p:nvSpPr>
+          <p:cNvPr id="52" name="TextBox 51"/>
+          <p:cNvSpPr txBox="1"/>
+          <p:nvPr/>
+        </p:nvSpPr>
+        <p:spPr>
+          <a:xfrm>
+            <a:off x="220767" y="314133"/>
+            <a:ext cx="8379329" cy="461665"/>
+          </a:xfrm>
+          <a:prstGeom prst="rect">
+            <a:avLst/>
+          </a:prstGeom>
+          <a:noFill/>
+        </p:spPr>
+        <p:txBody>
+          <a:bodyPr wrap="square" rtlCol="0">
+            <a:spAutoFit/>
+          </a:bodyPr>
+          <a:lstStyle/>
+          <a:p>
+            <a:r>
+              <a:rPr lang="en-US" sz="2400" dirty="0" smtClean="0"/>
+              <a:t>Does this count as a </a:t>
+            </a:r>
+            <a:r>
+              <a:rPr lang="en-US" sz="2400" u="sng" dirty="0" smtClean="0"/>
+              <a:t>creative</a:t>
+            </a:r>
+            <a:r>
+              <a:rPr lang="en-US" sz="2400" dirty="0" smtClean="0"/>
+              <a:t> use of conceptual knowledge? </a:t>
+            </a:r>
+            <a:endParaRPr lang="en-US" sz="2400" dirty="0"/>
+          </a:p>
+        </p:txBody>
+      </p:sp>
+      <p:sp>
+        <p:nvSpPr>
+          <p:cNvPr id="2" name="TextBox 1"/>
+          <p:cNvSpPr txBox="1"/>
+          <p:nvPr/>
+        </p:nvSpPr>
+        <p:spPr>
+          <a:xfrm>
+            <a:off x="584375" y="1091398"/>
+            <a:ext cx="6495474" cy="2185214"/>
+          </a:xfrm>
+          <a:prstGeom prst="rect">
+            <a:avLst/>
+          </a:prstGeom>
+          <a:noFill/>
+        </p:spPr>
+        <p:txBody>
+          <a:bodyPr wrap="square" rtlCol="0">
+            <a:spAutoFit/>
+          </a:bodyPr>
+          <a:lstStyle/>
+          <a:p>
+            <a:r>
+              <a:rPr lang="en-US" sz="2000" b="1" dirty="0" smtClean="0"/>
+              <a:t>Disadvantages</a:t>
+            </a:r>
+            <a:endParaRPr lang="en-US" sz="2000" dirty="0"/>
+          </a:p>
+          <a:p>
+            <a:pPr marL="342900" indent="-227013">
+              <a:buFont typeface="Arial" charset="0"/>
+              <a:buChar char="•"/>
+            </a:pPr>
+            <a:r>
+              <a:rPr lang="en-US" dirty="0" smtClean="0"/>
+              <a:t>Really boring, small domain. </a:t>
+            </a:r>
+          </a:p>
+          <a:p>
+            <a:pPr marL="342900" indent="-227013">
+              <a:buFont typeface="Arial" charset="0"/>
+              <a:buChar char="•"/>
+            </a:pPr>
+            <a:r>
+              <a:rPr lang="en-US" dirty="0" smtClean="0"/>
+              <a:t>Doesn’t *feel* very creative.</a:t>
+            </a:r>
+          </a:p>
+          <a:p>
+            <a:endParaRPr lang="en-US" sz="2000" dirty="0" smtClean="0"/>
+          </a:p>
+          <a:p>
+            <a:r>
+              <a:rPr lang="en-US" sz="2000" b="1" dirty="0" smtClean="0"/>
+              <a:t>Advantages</a:t>
+            </a:r>
+            <a:endParaRPr lang="en-US" sz="2000" dirty="0"/>
+          </a:p>
+          <a:p>
+            <a:pPr marL="285750" indent="-169863">
+              <a:buFont typeface="Arial" charset="0"/>
+              <a:buChar char="•"/>
+            </a:pPr>
+            <a:r>
+              <a:rPr lang="en-US" dirty="0" smtClean="0"/>
+              <a:t>Can control prior knowledge</a:t>
+            </a:r>
+          </a:p>
+          <a:p>
+            <a:pPr marL="285750" indent="-169863">
+              <a:buFont typeface="Arial" charset="0"/>
+              <a:buChar char="•"/>
+            </a:pPr>
+            <a:r>
+              <a:rPr lang="en-US" dirty="0" smtClean="0"/>
+              <a:t>possible to simulate with formal models!</a:t>
+            </a:r>
+            <a:endParaRPr lang="en-US" dirty="0"/>
+          </a:p>
+        </p:txBody>
+      </p:sp>
+    </p:spTree>
+    <p:extLst>
+      <p:ext uri="{BB962C8B-B14F-4D97-AF65-F5344CB8AC3E}">
+        <p14:creationId xmlns:p14="http://schemas.microsoft.com/office/powerpoint/2010/main" val="1080175585"/>
+      </p:ext>
+    </p:extLst>
+  </p:cSld>
+  <p:clrMapOvr>
+    <a:masterClrMapping/>
+  </p:clrMapOvr>
+</p:sld>
+</file>
+
+<file path=ppt/slides/slide7.xml><?xml version="1.0" encoding="utf-8"?>
+<p:sld xmlns:a="http://schemas.openxmlformats.org/drawingml/2006/main" xmlns:r="http://schemas.openxmlformats.org/officeDocument/2006/relationships" xmlns:p="http://schemas.openxmlformats.org/presentationml/2006/main">
+  <p:cSld>
+    <p:spTree>
+      <p:nvGrpSpPr>
+        <p:cNvPr id="1" name=""/>
+        <p:cNvGrpSpPr/>
+        <p:nvPr/>
+      </p:nvGrpSpPr>
+      <p:grpSpPr>
+        <a:xfrm>
+          <a:off x="0" y="0"/>
+          <a:ext cx="0" cy="0"/>
+          <a:chOff x="0" y="0"/>
+          <a:chExt cx="0" cy="0"/>
+        </a:xfrm>
+      </p:grpSpPr>
+      <p:sp>
+        <p:nvSpPr>
+          <p:cNvPr id="4" name="TextBox 3"/>
+          <p:cNvSpPr txBox="1"/>
+          <p:nvPr/>
+        </p:nvSpPr>
+        <p:spPr>
+          <a:xfrm>
+            <a:off x="220767" y="314133"/>
+            <a:ext cx="8379329" cy="461665"/>
+          </a:xfrm>
+          <a:prstGeom prst="rect">
+            <a:avLst/>
+          </a:prstGeom>
+          <a:noFill/>
+        </p:spPr>
+        <p:txBody>
+          <a:bodyPr wrap="square" rtlCol="0">
+            <a:spAutoFit/>
+          </a:bodyPr>
+          <a:lstStyle/>
+          <a:p>
+            <a:r>
+              <a:rPr lang="en-US" sz="2400" dirty="0" smtClean="0"/>
+              <a:t>Replicating classic results in the artificial domain.</a:t>
+            </a:r>
+            <a:endParaRPr lang="en-US" sz="2400" dirty="0"/>
+          </a:p>
+        </p:txBody>
+      </p:sp>
+      <p:sp>
+        <p:nvSpPr>
+          <p:cNvPr id="32" name="TextBox 31"/>
+          <p:cNvSpPr txBox="1"/>
+          <p:nvPr/>
+        </p:nvSpPr>
+        <p:spPr>
+          <a:xfrm>
+            <a:off x="1300109" y="1491688"/>
+            <a:ext cx="5973127" cy="923330"/>
+          </a:xfrm>
+          <a:prstGeom prst="rect">
+            <a:avLst/>
+          </a:prstGeom>
+          <a:noFill/>
+        </p:spPr>
+        <p:txBody>
+          <a:bodyPr wrap="square" rtlCol="0">
+            <a:spAutoFit/>
+          </a:bodyPr>
+          <a:lstStyle/>
+          <a:p>
+            <a:pPr marL="117475"/>
+            <a:r>
+              <a:rPr lang="en-US" b="1" dirty="0" err="1" smtClean="0"/>
+              <a:t>Jern</a:t>
+            </a:r>
+            <a:r>
+              <a:rPr lang="en-US" b="1" dirty="0" smtClean="0"/>
+              <a:t> &amp; Kemp (2013):</a:t>
+            </a:r>
+            <a:endParaRPr lang="en-US" dirty="0" smtClean="0"/>
+          </a:p>
+          <a:p>
+            <a:pPr marL="117475"/>
+            <a:r>
+              <a:rPr lang="en-US" dirty="0" smtClean="0"/>
+              <a:t>Generated categories possessed the same correlations as in the experimenter-defined categories. </a:t>
+            </a:r>
+            <a:endParaRPr lang="en-US" dirty="0"/>
+          </a:p>
+        </p:txBody>
+      </p:sp>
+      <p:grpSp>
+        <p:nvGrpSpPr>
+          <p:cNvPr id="3" name="Group 2"/>
+          <p:cNvGrpSpPr/>
+          <p:nvPr/>
+        </p:nvGrpSpPr>
+        <p:grpSpPr>
+          <a:xfrm>
+            <a:off x="400185" y="3264654"/>
+            <a:ext cx="8275412" cy="2999074"/>
+            <a:chOff x="400185" y="3264654"/>
+            <a:chExt cx="8275412" cy="2999074"/>
+          </a:xfrm>
+        </p:grpSpPr>
+        <p:grpSp>
+          <p:nvGrpSpPr>
+            <p:cNvPr id="35" name="Group 34"/>
+            <p:cNvGrpSpPr/>
+            <p:nvPr/>
+          </p:nvGrpSpPr>
+          <p:grpSpPr>
+            <a:xfrm>
+              <a:off x="1876154" y="3338313"/>
+              <a:ext cx="6799443" cy="2872317"/>
+              <a:chOff x="1876154" y="3338313"/>
+              <a:chExt cx="6799443" cy="2872317"/>
+            </a:xfrm>
+          </p:grpSpPr>
+          <p:grpSp>
+            <p:nvGrpSpPr>
+              <p:cNvPr id="19" name="Group 18"/>
+              <p:cNvGrpSpPr/>
+              <p:nvPr/>
+            </p:nvGrpSpPr>
+            <p:grpSpPr>
+              <a:xfrm>
+                <a:off x="3966202" y="3338313"/>
+                <a:ext cx="4709395" cy="2872317"/>
+                <a:chOff x="747375" y="3813149"/>
+                <a:chExt cx="4709395" cy="2872317"/>
+              </a:xfrm>
+            </p:grpSpPr>
+            <p:pic>
+              <p:nvPicPr>
+                <p:cNvPr id="11" name="Picture 10"/>
+                <p:cNvPicPr>
+                  <a:picLocks noChangeAspect="1"/>
+                </p:cNvPicPr>
+                <p:nvPr/>
+              </p:nvPicPr>
+              <p:blipFill>
+                <a:blip r:embed="rId3">
+                  <a:extLst>
+                    <a:ext uri="{28A0092B-C50C-407E-A947-70E740481C1C}">
+                      <a14:useLocalDpi xmlns:a14="http://schemas.microsoft.com/office/drawing/2010/main" val="0"/>
+                    </a:ext>
+                  </a:extLst>
+                </a:blip>
+                <a:stretch>
+                  <a:fillRect/>
+                </a:stretch>
+              </p:blipFill>
+              <p:spPr>
+                <a:xfrm>
+                  <a:off x="751071" y="4234366"/>
+                  <a:ext cx="2247900" cy="2451100"/>
+                </a:xfrm>
+                <a:prstGeom prst="rect">
+                  <a:avLst/>
+                </a:prstGeom>
+              </p:spPr>
+            </p:pic>
+            <p:pic>
+              <p:nvPicPr>
+                <p:cNvPr id="13" name="Picture 12"/>
+                <p:cNvPicPr>
+                  <a:picLocks noChangeAspect="1"/>
+                </p:cNvPicPr>
+                <p:nvPr/>
+              </p:nvPicPr>
+              <p:blipFill>
+                <a:blip r:embed="rId4">
+                  <a:extLst>
+                    <a:ext uri="{28A0092B-C50C-407E-A947-70E740481C1C}">
+                      <a14:useLocalDpi xmlns:a14="http://schemas.microsoft.com/office/drawing/2010/main" val="0"/>
+                    </a:ext>
+                  </a:extLst>
+                </a:blip>
+                <a:stretch>
+                  <a:fillRect/>
+                </a:stretch>
+              </p:blipFill>
+              <p:spPr>
+                <a:xfrm>
+                  <a:off x="3196170" y="4304216"/>
+                  <a:ext cx="2260600" cy="2311400"/>
+                </a:xfrm>
+                <a:prstGeom prst="rect">
+                  <a:avLst/>
+                </a:prstGeom>
+              </p:spPr>
+            </p:pic>
+            <p:sp>
+              <p:nvSpPr>
+                <p:cNvPr id="17" name="TextBox 16"/>
+                <p:cNvSpPr txBox="1"/>
+                <p:nvPr/>
+              </p:nvSpPr>
+              <p:spPr>
+                <a:xfrm>
+                  <a:off x="747375" y="3813149"/>
+                  <a:ext cx="2135800" cy="584775"/>
+                </a:xfrm>
+                <a:prstGeom prst="rect">
+                  <a:avLst/>
+                </a:prstGeom>
+                <a:noFill/>
+              </p:spPr>
+              <p:txBody>
+                <a:bodyPr wrap="square" rtlCol="0">
+                  <a:spAutoFit/>
+                </a:bodyPr>
+                <a:lstStyle/>
+                <a:p>
+                  <a:r>
+                    <a:rPr lang="en-US" sz="1600" dirty="0" smtClean="0"/>
+                    <a:t>Positive Size-Saturation correlation</a:t>
+                  </a:r>
+                </a:p>
+              </p:txBody>
+            </p:sp>
+            <p:sp>
+              <p:nvSpPr>
+                <p:cNvPr id="18" name="TextBox 17"/>
+                <p:cNvSpPr txBox="1"/>
+                <p:nvPr/>
+              </p:nvSpPr>
+              <p:spPr>
+                <a:xfrm>
+                  <a:off x="3185239" y="3813149"/>
+                  <a:ext cx="2196030" cy="584775"/>
+                </a:xfrm>
+                <a:prstGeom prst="rect">
+                  <a:avLst/>
+                </a:prstGeom>
+                <a:noFill/>
+              </p:spPr>
+              <p:txBody>
+                <a:bodyPr wrap="square" rtlCol="0">
+                  <a:spAutoFit/>
+                </a:bodyPr>
+                <a:lstStyle/>
+                <a:p>
+                  <a:r>
+                    <a:rPr lang="en-US" sz="1600" dirty="0" smtClean="0"/>
+                    <a:t>Negative Size-Saturation correlation</a:t>
+                  </a:r>
+                </a:p>
+              </p:txBody>
+            </p:sp>
+          </p:grpSp>
+          <p:sp>
+            <p:nvSpPr>
+              <p:cNvPr id="33" name="Oval 32"/>
+              <p:cNvSpPr/>
+              <p:nvPr/>
+            </p:nvSpPr>
+            <p:spPr>
+              <a:xfrm>
+                <a:off x="1876154" y="4809011"/>
+                <a:ext cx="74815" cy="74815"/>
+              </a:xfrm>
+              <a:prstGeom prst="ellipse">
+                <a:avLst/>
+              </a:prstGeom>
+              <a:solidFill>
+                <a:srgbClr val="FF0000"/>
+              </a:solidFill>
+              <a:ln>
+                <a:solidFill>
+                  <a:schemeClr val="bg1"/>
+                </a:solidFill>
+              </a:ln>
+            </p:spPr>
+            <p:style>
+              <a:lnRef idx="2">
+                <a:schemeClr val="accent1">
+                  <a:shade val="50000"/>
+                </a:schemeClr>
+              </a:lnRef>
+              <a:fillRef idx="1">
+                <a:schemeClr val="accent1"/>
+              </a:fillRef>
+              <a:effectRef idx="0">
+                <a:schemeClr val="accent1"/>
+              </a:effectRef>
+              <a:fontRef idx="minor">
+                <a:schemeClr val="lt1"/>
+              </a:fontRef>
+            </p:style>
+            <p:txBody>
+              <a:bodyPr rtlCol="0" anchor="ctr"/>
+              <a:lstStyle/>
+              <a:p>
+                <a:pPr algn="ctr"/>
+                <a:endParaRPr lang="en-US"/>
+              </a:p>
+            </p:txBody>
+          </p:sp>
+        </p:grpSp>
+        <p:grpSp>
+          <p:nvGrpSpPr>
+            <p:cNvPr id="2" name="Group 1"/>
+            <p:cNvGrpSpPr/>
+            <p:nvPr/>
+          </p:nvGrpSpPr>
+          <p:grpSpPr>
+            <a:xfrm>
+              <a:off x="400185" y="3264654"/>
+              <a:ext cx="2561484" cy="2999074"/>
+              <a:chOff x="400185" y="3264654"/>
+              <a:chExt cx="2561484" cy="2999074"/>
+            </a:xfrm>
+          </p:grpSpPr>
+          <p:sp>
+            <p:nvSpPr>
+              <p:cNvPr id="22" name="TextBox 21"/>
+              <p:cNvSpPr txBox="1"/>
+              <p:nvPr/>
+            </p:nvSpPr>
+            <p:spPr>
+              <a:xfrm>
+                <a:off x="735104" y="3264654"/>
+                <a:ext cx="2214735" cy="369332"/>
+              </a:xfrm>
+              <a:prstGeom prst="rect">
+                <a:avLst/>
+              </a:prstGeom>
+              <a:noFill/>
+            </p:spPr>
+            <p:txBody>
+              <a:bodyPr wrap="square" rtlCol="0">
+                <a:spAutoFit/>
+              </a:bodyPr>
+              <a:lstStyle/>
+              <a:p>
+                <a:pPr algn="ctr"/>
+                <a:r>
+                  <a:rPr lang="en-US" b="1" dirty="0" smtClean="0"/>
+                  <a:t>Domain</a:t>
+                </a:r>
+                <a:r>
+                  <a:rPr lang="en-US" dirty="0" smtClean="0"/>
+                  <a:t>: ”</a:t>
+                </a:r>
+                <a:r>
+                  <a:rPr lang="en-US" i="1" dirty="0" smtClean="0"/>
+                  <a:t>Crystals</a:t>
+                </a:r>
+                <a:r>
+                  <a:rPr lang="en-US" dirty="0" smtClean="0"/>
+                  <a:t>”</a:t>
+                </a:r>
+                <a:endParaRPr lang="en-US" dirty="0"/>
+              </a:p>
+            </p:txBody>
+          </p:sp>
+          <p:sp>
+            <p:nvSpPr>
+              <p:cNvPr id="21" name="Cube 20"/>
+              <p:cNvSpPr/>
+              <p:nvPr/>
+            </p:nvSpPr>
+            <p:spPr>
+              <a:xfrm>
+                <a:off x="738637" y="3717606"/>
+                <a:ext cx="2211202" cy="2211202"/>
+              </a:xfrm>
+              <a:prstGeom prst="cube">
+                <a:avLst/>
+              </a:prstGeom>
+              <a:noFill/>
+              <a:ln w="25400">
+                <a:solidFill>
+                  <a:schemeClr val="tx1"/>
+                </a:solidFill>
+              </a:ln>
+            </p:spPr>
+            <p:style>
+              <a:lnRef idx="2">
+                <a:schemeClr val="accent1">
+                  <a:shade val="50000"/>
+                </a:schemeClr>
+              </a:lnRef>
+              <a:fillRef idx="1">
+                <a:schemeClr val="accent1"/>
+              </a:fillRef>
+              <a:effectRef idx="0">
+                <a:schemeClr val="accent1"/>
+              </a:effectRef>
+              <a:fontRef idx="minor">
+                <a:schemeClr val="lt1"/>
+              </a:fontRef>
+            </p:style>
+            <p:txBody>
+              <a:bodyPr rtlCol="0" anchor="ctr"/>
+              <a:lstStyle/>
+              <a:p>
+                <a:pPr algn="ctr"/>
+                <a:endParaRPr lang="en-US"/>
+              </a:p>
+            </p:txBody>
+          </p:sp>
+          <p:sp>
+            <p:nvSpPr>
+              <p:cNvPr id="23" name="TextBox 22"/>
+              <p:cNvSpPr txBox="1"/>
+              <p:nvPr/>
+            </p:nvSpPr>
+            <p:spPr>
+              <a:xfrm>
+                <a:off x="738637" y="5928808"/>
+                <a:ext cx="1666080" cy="334920"/>
+              </a:xfrm>
+              <a:prstGeom prst="rect">
+                <a:avLst/>
+              </a:prstGeom>
+              <a:noFill/>
+            </p:spPr>
+            <p:txBody>
+              <a:bodyPr wrap="square" rtlCol="0">
+                <a:spAutoFit/>
+              </a:bodyPr>
+              <a:lstStyle/>
+              <a:p>
+                <a:pPr algn="ctr"/>
+                <a:r>
+                  <a:rPr lang="en-US" smtClean="0"/>
+                  <a:t>Size</a:t>
+                </a:r>
+                <a:endParaRPr lang="en-US"/>
+              </a:p>
+            </p:txBody>
+          </p:sp>
+          <p:sp>
+            <p:nvSpPr>
+              <p:cNvPr id="24" name="TextBox 23"/>
+              <p:cNvSpPr txBox="1"/>
+              <p:nvPr/>
+            </p:nvSpPr>
+            <p:spPr>
+              <a:xfrm rot="18872676">
+                <a:off x="2436251" y="5622005"/>
+                <a:ext cx="715918" cy="334919"/>
+              </a:xfrm>
+              <a:prstGeom prst="rect">
+                <a:avLst/>
+              </a:prstGeom>
+              <a:noFill/>
+            </p:spPr>
+            <p:txBody>
+              <a:bodyPr wrap="square" rtlCol="0">
+                <a:spAutoFit/>
+              </a:bodyPr>
+              <a:lstStyle/>
+              <a:p>
+                <a:pPr algn="ctr"/>
+                <a:r>
+                  <a:rPr lang="en-US" dirty="0" smtClean="0"/>
+                  <a:t>Hue</a:t>
+                </a:r>
+                <a:endParaRPr lang="en-US" dirty="0"/>
+              </a:p>
+            </p:txBody>
+          </p:sp>
+          <p:sp>
+            <p:nvSpPr>
+              <p:cNvPr id="25" name="TextBox 24"/>
+              <p:cNvSpPr txBox="1"/>
+              <p:nvPr/>
+            </p:nvSpPr>
+            <p:spPr>
+              <a:xfrm rot="16200000">
+                <a:off x="-258757" y="4934947"/>
+                <a:ext cx="1652803" cy="334919"/>
+              </a:xfrm>
+              <a:prstGeom prst="rect">
+                <a:avLst/>
+              </a:prstGeom>
+              <a:noFill/>
+            </p:spPr>
+            <p:txBody>
+              <a:bodyPr wrap="square" rtlCol="0">
+                <a:spAutoFit/>
+              </a:bodyPr>
+              <a:lstStyle/>
+              <a:p>
+                <a:pPr algn="ctr"/>
+                <a:r>
+                  <a:rPr lang="en-US" smtClean="0"/>
+                  <a:t>Saturation</a:t>
+                </a:r>
+                <a:endParaRPr lang="en-US"/>
+              </a:p>
+            </p:txBody>
+          </p:sp>
+          <p:sp>
+            <p:nvSpPr>
+              <p:cNvPr id="28" name="Oval 27"/>
+              <p:cNvSpPr/>
+              <p:nvPr/>
+            </p:nvSpPr>
+            <p:spPr>
+              <a:xfrm>
+                <a:off x="932303" y="5659814"/>
+                <a:ext cx="74815" cy="74815"/>
+              </a:xfrm>
+              <a:prstGeom prst="ellipse">
+                <a:avLst/>
+              </a:prstGeom>
+              <a:solidFill>
+                <a:srgbClr val="FF0000"/>
+              </a:solidFill>
+              <a:ln>
+                <a:solidFill>
+                  <a:schemeClr val="bg1"/>
+                </a:solidFill>
+              </a:ln>
+            </p:spPr>
+            <p:style>
+              <a:lnRef idx="2">
+                <a:schemeClr val="accent1">
+                  <a:shade val="50000"/>
+                </a:schemeClr>
+              </a:lnRef>
+              <a:fillRef idx="1">
+                <a:schemeClr val="accent1"/>
+              </a:fillRef>
+              <a:effectRef idx="0">
+                <a:schemeClr val="accent1"/>
+              </a:effectRef>
+              <a:fontRef idx="minor">
+                <a:schemeClr val="lt1"/>
+              </a:fontRef>
+            </p:style>
+            <p:txBody>
+              <a:bodyPr rtlCol="0" anchor="ctr"/>
+              <a:lstStyle/>
+              <a:p>
+                <a:pPr algn="ctr"/>
+                <a:endParaRPr lang="en-US"/>
+              </a:p>
+            </p:txBody>
+          </p:sp>
+          <p:sp>
+            <p:nvSpPr>
+              <p:cNvPr id="30" name="Oval 29"/>
+              <p:cNvSpPr/>
+              <p:nvPr/>
+            </p:nvSpPr>
+            <p:spPr>
+              <a:xfrm>
+                <a:off x="1376530" y="5267953"/>
+                <a:ext cx="74815" cy="74815"/>
+              </a:xfrm>
+              <a:prstGeom prst="ellipse">
+                <a:avLst/>
+              </a:prstGeom>
+              <a:solidFill>
+                <a:srgbClr val="FF0000"/>
+              </a:solidFill>
+              <a:ln>
+                <a:solidFill>
+                  <a:schemeClr val="bg1"/>
+                </a:solidFill>
+              </a:ln>
+            </p:spPr>
+            <p:style>
+              <a:lnRef idx="2">
+                <a:schemeClr val="accent1">
+                  <a:shade val="50000"/>
+                </a:schemeClr>
+              </a:lnRef>
+              <a:fillRef idx="1">
+                <a:schemeClr val="accent1"/>
+              </a:fillRef>
+              <a:effectRef idx="0">
+                <a:schemeClr val="accent1"/>
+              </a:effectRef>
+              <a:fontRef idx="minor">
+                <a:schemeClr val="lt1"/>
+              </a:fontRef>
+            </p:style>
+            <p:txBody>
+              <a:bodyPr rtlCol="0" anchor="ctr"/>
+              <a:lstStyle/>
+              <a:p>
+                <a:pPr algn="ctr"/>
+                <a:endParaRPr lang="en-US"/>
+              </a:p>
+            </p:txBody>
+          </p:sp>
+          <p:sp>
+            <p:nvSpPr>
+              <p:cNvPr id="31" name="Oval 30"/>
+              <p:cNvSpPr/>
+              <p:nvPr/>
+            </p:nvSpPr>
+            <p:spPr>
+              <a:xfrm>
+                <a:off x="2262877" y="4475122"/>
+                <a:ext cx="74815" cy="74815"/>
+              </a:xfrm>
+              <a:prstGeom prst="ellipse">
+                <a:avLst/>
+              </a:prstGeom>
+              <a:solidFill>
+                <a:srgbClr val="FF0000"/>
+              </a:solidFill>
+              <a:ln>
+                <a:solidFill>
+                  <a:schemeClr val="bg1"/>
+                </a:solidFill>
+              </a:ln>
+            </p:spPr>
+            <p:style>
+              <a:lnRef idx="2">
+                <a:schemeClr val="accent1">
+                  <a:shade val="50000"/>
+                </a:schemeClr>
+              </a:lnRef>
+              <a:fillRef idx="1">
+                <a:schemeClr val="accent1"/>
+              </a:fillRef>
+              <a:effectRef idx="0">
+                <a:schemeClr val="accent1"/>
+              </a:effectRef>
+              <a:fontRef idx="minor">
+                <a:schemeClr val="lt1"/>
+              </a:fontRef>
+            </p:style>
+            <p:txBody>
+              <a:bodyPr rtlCol="0" anchor="ctr"/>
+              <a:lstStyle/>
+              <a:p>
+                <a:pPr algn="ctr"/>
+                <a:endParaRPr lang="en-US"/>
+              </a:p>
+            </p:txBody>
+          </p:sp>
+          <p:sp>
+            <p:nvSpPr>
+              <p:cNvPr id="37" name="Oval 36"/>
+              <p:cNvSpPr/>
+              <p:nvPr/>
+            </p:nvSpPr>
+            <p:spPr>
+              <a:xfrm>
+                <a:off x="2129222" y="5682865"/>
+                <a:ext cx="74815" cy="74815"/>
+              </a:xfrm>
+              <a:prstGeom prst="ellipse">
+                <a:avLst/>
+              </a:prstGeom>
+              <a:solidFill>
+                <a:srgbClr val="0070C0"/>
+              </a:solidFill>
+              <a:ln>
+                <a:solidFill>
+                  <a:schemeClr val="bg1"/>
+                </a:solidFill>
+              </a:ln>
+            </p:spPr>
+            <p:style>
+              <a:lnRef idx="2">
+                <a:schemeClr val="accent1">
+                  <a:shade val="50000"/>
+                </a:schemeClr>
+              </a:lnRef>
+              <a:fillRef idx="1">
+                <a:schemeClr val="accent1"/>
+              </a:fillRef>
+              <a:effectRef idx="0">
+                <a:schemeClr val="accent1"/>
+              </a:effectRef>
+              <a:fontRef idx="minor">
+                <a:schemeClr val="lt1"/>
+              </a:fontRef>
+            </p:style>
+            <p:txBody>
+              <a:bodyPr rtlCol="0" anchor="ctr"/>
+              <a:lstStyle/>
+              <a:p>
+                <a:pPr algn="ctr"/>
+                <a:endParaRPr lang="en-US"/>
+              </a:p>
+            </p:txBody>
+          </p:sp>
+          <p:sp>
+            <p:nvSpPr>
+              <p:cNvPr id="38" name="Oval 37"/>
+              <p:cNvSpPr/>
+              <p:nvPr/>
+            </p:nvSpPr>
+            <p:spPr>
+              <a:xfrm>
+                <a:off x="930993" y="4409135"/>
+                <a:ext cx="74815" cy="74815"/>
+              </a:xfrm>
+              <a:prstGeom prst="ellipse">
+                <a:avLst/>
+              </a:prstGeom>
+              <a:solidFill>
+                <a:srgbClr val="0070C0"/>
+              </a:solidFill>
+              <a:ln>
+                <a:solidFill>
+                  <a:schemeClr val="bg1"/>
+                </a:solidFill>
+              </a:ln>
+            </p:spPr>
+            <p:style>
+              <a:lnRef idx="2">
+                <a:schemeClr val="accent1">
+                  <a:shade val="50000"/>
+                </a:schemeClr>
+              </a:lnRef>
+              <a:fillRef idx="1">
+                <a:schemeClr val="accent1"/>
+              </a:fillRef>
+              <a:effectRef idx="0">
+                <a:schemeClr val="accent1"/>
+              </a:effectRef>
+              <a:fontRef idx="minor">
+                <a:schemeClr val="lt1"/>
+              </a:fontRef>
+            </p:style>
+            <p:txBody>
+              <a:bodyPr rtlCol="0" anchor="ctr"/>
+              <a:lstStyle/>
+              <a:p>
+                <a:pPr algn="ctr"/>
+                <a:endParaRPr lang="en-US"/>
+              </a:p>
+            </p:txBody>
+          </p:sp>
+          <p:sp>
+            <p:nvSpPr>
+              <p:cNvPr id="39" name="Oval 38"/>
+              <p:cNvSpPr/>
+              <p:nvPr/>
+            </p:nvSpPr>
+            <p:spPr>
+              <a:xfrm>
+                <a:off x="1845394" y="5331925"/>
+                <a:ext cx="74815" cy="74815"/>
+              </a:xfrm>
+              <a:prstGeom prst="ellipse">
+                <a:avLst/>
+              </a:prstGeom>
+              <a:solidFill>
+                <a:srgbClr val="0070C0"/>
+              </a:solidFill>
+              <a:ln>
+                <a:solidFill>
+                  <a:schemeClr val="bg1"/>
+                </a:solidFill>
+              </a:ln>
+            </p:spPr>
+            <p:style>
+              <a:lnRef idx="2">
+                <a:schemeClr val="accent1">
+                  <a:shade val="50000"/>
+                </a:schemeClr>
+              </a:lnRef>
+              <a:fillRef idx="1">
+                <a:schemeClr val="accent1"/>
+              </a:fillRef>
+              <a:effectRef idx="0">
+                <a:schemeClr val="accent1"/>
+              </a:effectRef>
+              <a:fontRef idx="minor">
+                <a:schemeClr val="lt1"/>
+              </a:fontRef>
+            </p:style>
+            <p:txBody>
+              <a:bodyPr rtlCol="0" anchor="ctr"/>
+              <a:lstStyle/>
+              <a:p>
+                <a:pPr algn="ctr"/>
+                <a:endParaRPr lang="en-US"/>
+              </a:p>
+            </p:txBody>
+          </p:sp>
+          <p:sp>
+            <p:nvSpPr>
+              <p:cNvPr id="40" name="Oval 39"/>
+              <p:cNvSpPr/>
+              <p:nvPr/>
+            </p:nvSpPr>
+            <p:spPr>
+              <a:xfrm>
+                <a:off x="1300109" y="4778251"/>
+                <a:ext cx="74815" cy="74815"/>
+              </a:xfrm>
+              <a:prstGeom prst="ellipse">
+                <a:avLst/>
+              </a:prstGeom>
+              <a:solidFill>
+                <a:srgbClr val="0070C0"/>
+              </a:solidFill>
+              <a:ln>
+                <a:solidFill>
+                  <a:schemeClr val="bg1"/>
+                </a:solidFill>
+              </a:ln>
+            </p:spPr>
+            <p:style>
+              <a:lnRef idx="2">
+                <a:schemeClr val="accent1">
+                  <a:shade val="50000"/>
+                </a:schemeClr>
+              </a:lnRef>
+              <a:fillRef idx="1">
+                <a:schemeClr val="accent1"/>
+              </a:fillRef>
+              <a:effectRef idx="0">
+                <a:schemeClr val="accent1"/>
+              </a:effectRef>
+              <a:fontRef idx="minor">
+                <a:schemeClr val="lt1"/>
+              </a:fontRef>
+            </p:style>
+            <p:txBody>
+              <a:bodyPr rtlCol="0" anchor="ctr"/>
+              <a:lstStyle/>
+              <a:p>
+                <a:pPr algn="ctr"/>
+                <a:endParaRPr lang="en-US"/>
+              </a:p>
+            </p:txBody>
+          </p:sp>
+        </p:grpSp>
+      </p:grpSp>
+    </p:spTree>
+    <p:extLst>
+      <p:ext uri="{BB962C8B-B14F-4D97-AF65-F5344CB8AC3E}">
+        <p14:creationId xmlns:p14="http://schemas.microsoft.com/office/powerpoint/2010/main" val="316641847"/>
+      </p:ext>
+    </p:extLst>
+  </p:cSld>
+  <p:clrMapOvr>
+    <a:masterClrMapping/>
+  </p:clrMapOvr>
+</p:sld>
+</file>
+
+<file path=ppt/slides/slide8.xml><?xml version="1.0" encoding="utf-8"?>
+<p:sld xmlns:a="http://schemas.openxmlformats.org/drawingml/2006/main" xmlns:r="http://schemas.openxmlformats.org/officeDocument/2006/relationships" xmlns:p="http://schemas.openxmlformats.org/presentationml/2006/main">
+  <p:cSld>
+    <p:spTree>
+      <p:nvGrpSpPr>
+        <p:cNvPr id="1" name=""/>
+        <p:cNvGrpSpPr/>
+        <p:nvPr/>
+      </p:nvGrpSpPr>
+      <p:grpSpPr>
+        <a:xfrm>
+          <a:off x="0" y="0"/>
+          <a:ext cx="0" cy="0"/>
+          <a:chOff x="0" y="0"/>
+          <a:chExt cx="0" cy="0"/>
+        </a:xfrm>
+      </p:grpSpPr>
+      <p:grpSp>
+        <p:nvGrpSpPr>
+          <p:cNvPr id="7" name="Group 6"/>
+          <p:cNvGrpSpPr/>
+          <p:nvPr/>
+        </p:nvGrpSpPr>
+        <p:grpSpPr>
+          <a:xfrm>
+            <a:off x="382334" y="763128"/>
+            <a:ext cx="8379329" cy="1384995"/>
+            <a:chOff x="411060" y="1006408"/>
+            <a:chExt cx="8379329" cy="1384995"/>
+          </a:xfrm>
+        </p:grpSpPr>
+        <p:sp>
+          <p:nvSpPr>
+            <p:cNvPr id="4" name="TextBox 3"/>
+            <p:cNvSpPr txBox="1"/>
+            <p:nvPr/>
+          </p:nvSpPr>
+          <p:spPr>
+            <a:xfrm>
+              <a:off x="411060" y="1006408"/>
+              <a:ext cx="8379329" cy="461665"/>
+            </a:xfrm>
+            <a:prstGeom prst="rect">
+              <a:avLst/>
+            </a:prstGeom>
+            <a:noFill/>
+          </p:spPr>
+          <p:txBody>
+            <a:bodyPr wrap="square" rtlCol="0">
+              <a:spAutoFit/>
+            </a:bodyPr>
+            <a:lstStyle/>
+            <a:p>
+              <a:r>
+                <a:rPr lang="en-US" sz="2400" dirty="0" smtClean="0"/>
+                <a:t>A hierarchical sampling model</a:t>
+              </a:r>
+              <a:endParaRPr lang="en-US" sz="2400" dirty="0"/>
+            </a:p>
+          </p:txBody>
+        </p:sp>
+        <p:sp>
+          <p:nvSpPr>
+            <p:cNvPr id="6" name="TextBox 5"/>
+            <p:cNvSpPr txBox="1"/>
+            <p:nvPr/>
+          </p:nvSpPr>
+          <p:spPr>
+            <a:xfrm>
+              <a:off x="411060" y="1468073"/>
+              <a:ext cx="7633982" cy="923330"/>
+            </a:xfrm>
+            <a:prstGeom prst="rect">
+              <a:avLst/>
+            </a:prstGeom>
+            <a:noFill/>
+          </p:spPr>
+          <p:txBody>
+            <a:bodyPr wrap="square" rtlCol="0">
+              <a:spAutoFit/>
+            </a:bodyPr>
+            <a:lstStyle/>
+            <a:p>
+              <a:pPr marL="342900" indent="-342900">
+                <a:buFont typeface="+mj-lt"/>
+                <a:buAutoNum type="arabicPeriod"/>
+              </a:pPr>
+              <a:r>
+                <a:rPr lang="en-US" dirty="0" smtClean="0"/>
+                <a:t>Represent categories as (multivariate normal) distributions in the space.</a:t>
+              </a:r>
+            </a:p>
+            <a:p>
+              <a:pPr marL="342900" indent="-342900">
+                <a:buFont typeface="+mj-lt"/>
+                <a:buAutoNum type="arabicPeriod"/>
+              </a:pPr>
+              <a:r>
+                <a:rPr lang="en-US" dirty="0" smtClean="0"/>
+                <a:t>Infer the the patterns of variability common among known categories.</a:t>
+              </a:r>
+            </a:p>
+            <a:p>
+              <a:pPr marL="342900" indent="-342900">
+                <a:buFont typeface="+mj-lt"/>
+                <a:buAutoNum type="arabicPeriod"/>
+              </a:pPr>
+              <a:r>
+                <a:rPr lang="en-US" dirty="0" smtClean="0"/>
+                <a:t>Generate a new category with similar patterns.</a:t>
+              </a:r>
+            </a:p>
+          </p:txBody>
+        </p:sp>
+      </p:grpSp>
+      <p:grpSp>
+        <p:nvGrpSpPr>
+          <p:cNvPr id="9" name="Group 8"/>
+          <p:cNvGrpSpPr/>
+          <p:nvPr/>
+        </p:nvGrpSpPr>
+        <p:grpSpPr>
+          <a:xfrm>
+            <a:off x="-74152" y="3095538"/>
+            <a:ext cx="9218152" cy="2575419"/>
+            <a:chOff x="868815" y="3145392"/>
+            <a:chExt cx="8410515" cy="2349777"/>
+          </a:xfrm>
+        </p:grpSpPr>
+        <p:pic>
+          <p:nvPicPr>
+            <p:cNvPr id="5" name="Picture 4"/>
+            <p:cNvPicPr>
+              <a:picLocks noChangeAspect="1"/>
+            </p:cNvPicPr>
+            <p:nvPr/>
+          </p:nvPicPr>
+          <p:blipFill>
+            <a:blip r:embed="rId3">
+              <a:extLst>
+                <a:ext uri="{28A0092B-C50C-407E-A947-70E740481C1C}">
+                  <a14:useLocalDpi xmlns:a14="http://schemas.microsoft.com/office/drawing/2010/main" val="0"/>
+                </a:ext>
+              </a:extLst>
+            </a:blip>
+            <a:stretch>
+              <a:fillRect/>
+            </a:stretch>
+          </p:blipFill>
+          <p:spPr>
+            <a:xfrm>
+              <a:off x="2030136" y="3145392"/>
+              <a:ext cx="7249194" cy="2190005"/>
+            </a:xfrm>
+            <a:prstGeom prst="rect">
+              <a:avLst/>
+            </a:prstGeom>
+          </p:spPr>
+        </p:pic>
+        <p:sp>
+          <p:nvSpPr>
+            <p:cNvPr id="8" name="TextBox 7"/>
+            <p:cNvSpPr txBox="1"/>
+            <p:nvPr/>
+          </p:nvSpPr>
+          <p:spPr>
+            <a:xfrm>
+              <a:off x="868815" y="4848838"/>
+              <a:ext cx="1261988" cy="646331"/>
+            </a:xfrm>
+            <a:prstGeom prst="rect">
+              <a:avLst/>
+            </a:prstGeom>
+            <a:noFill/>
+          </p:spPr>
+          <p:txBody>
+            <a:bodyPr wrap="square" rtlCol="0">
+              <a:spAutoFit/>
+            </a:bodyPr>
+            <a:lstStyle/>
+            <a:p>
+              <a:pPr algn="r"/>
+              <a:r>
+                <a:rPr lang="en-US" dirty="0" smtClean="0"/>
+                <a:t>Category members</a:t>
+              </a:r>
+              <a:endParaRPr lang="en-US" dirty="0"/>
+            </a:p>
+          </p:txBody>
+        </p:sp>
+        <p:sp>
+          <p:nvSpPr>
+            <p:cNvPr id="29" name="TextBox 28"/>
+            <p:cNvSpPr txBox="1"/>
+            <p:nvPr/>
+          </p:nvSpPr>
+          <p:spPr>
+            <a:xfrm>
+              <a:off x="1786855" y="3925508"/>
+              <a:ext cx="1821001" cy="646331"/>
+            </a:xfrm>
+            <a:prstGeom prst="rect">
+              <a:avLst/>
+            </a:prstGeom>
+            <a:noFill/>
+          </p:spPr>
+          <p:txBody>
+            <a:bodyPr wrap="square" rtlCol="0">
+              <a:spAutoFit/>
+            </a:bodyPr>
+            <a:lstStyle/>
+            <a:p>
+              <a:pPr algn="r"/>
+              <a:r>
+                <a:rPr lang="en-US" smtClean="0"/>
+                <a:t>Category representation</a:t>
+              </a:r>
+              <a:endParaRPr lang="en-US" dirty="0"/>
+            </a:p>
+          </p:txBody>
+        </p:sp>
+        <p:sp>
+          <p:nvSpPr>
+            <p:cNvPr id="34" name="TextBox 33"/>
+            <p:cNvSpPr txBox="1"/>
+            <p:nvPr/>
+          </p:nvSpPr>
+          <p:spPr>
+            <a:xfrm>
+              <a:off x="3054991" y="3158757"/>
+              <a:ext cx="1821001" cy="646331"/>
+            </a:xfrm>
+            <a:prstGeom prst="rect">
+              <a:avLst/>
+            </a:prstGeom>
+            <a:noFill/>
+          </p:spPr>
+          <p:txBody>
+            <a:bodyPr wrap="square" rtlCol="0">
+              <a:spAutoFit/>
+            </a:bodyPr>
+            <a:lstStyle/>
+            <a:p>
+              <a:pPr algn="r"/>
+              <a:r>
+                <a:rPr lang="en-US" dirty="0" smtClean="0"/>
+                <a:t>Domain</a:t>
+              </a:r>
+            </a:p>
+            <a:p>
+              <a:pPr algn="r"/>
+              <a:r>
+                <a:rPr lang="en-US" dirty="0" smtClean="0"/>
+                <a:t>representation</a:t>
+              </a:r>
+              <a:endParaRPr lang="en-US" dirty="0"/>
+            </a:p>
+          </p:txBody>
+        </p:sp>
+      </p:grpSp>
+    </p:spTree>
+    <p:extLst>
+      <p:ext uri="{BB962C8B-B14F-4D97-AF65-F5344CB8AC3E}">
+        <p14:creationId xmlns:p14="http://schemas.microsoft.com/office/powerpoint/2010/main" val="552509352"/>
+      </p:ext>
+    </p:extLst>
+  </p:cSld>
+  <p:clrMapOvr>
+    <a:masterClrMapping/>
+  </p:clrMapOvr>
+</p:sld>
+</file>
+
+<file path=ppt/slides/slide9.xml><?xml version="1.0" encoding="utf-8"?>
+<p:sld xmlns:a="http://schemas.openxmlformats.org/drawingml/2006/main" xmlns:r="http://schemas.openxmlformats.org/officeDocument/2006/relationships" xmlns:p="http://schemas.openxmlformats.org/presentationml/2006/main">
+  <p:cSld>
+    <p:spTree>
+      <p:nvGrpSpPr>
+        <p:cNvPr id="1" name=""/>
+        <p:cNvGrpSpPr/>
+        <p:nvPr/>
+      </p:nvGrpSpPr>
+      <p:grpSpPr>
+        <a:xfrm>
+          <a:off x="0" y="0"/>
+          <a:ext cx="0" cy="0"/>
+          <a:chOff x="0" y="0"/>
+          <a:chExt cx="0" cy="0"/>
+        </a:xfrm>
+      </p:grpSpPr>
+      <p:sp>
+        <p:nvSpPr>
+          <p:cNvPr id="19" name="TextBox 18"/>
+          <p:cNvSpPr txBox="1"/>
+          <p:nvPr/>
+        </p:nvSpPr>
+        <p:spPr>
+          <a:xfrm>
+            <a:off x="220767" y="314133"/>
+            <a:ext cx="8379329" cy="461665"/>
+          </a:xfrm>
+          <a:prstGeom prst="rect">
+            <a:avLst/>
+          </a:prstGeom>
+          <a:noFill/>
+        </p:spPr>
+        <p:txBody>
+          <a:bodyPr wrap="square" rtlCol="0">
+            <a:spAutoFit/>
+          </a:bodyPr>
+          <a:lstStyle/>
+          <a:p>
+            <a:r>
+              <a:rPr lang="en-US" sz="2400" dirty="0" smtClean="0"/>
+              <a:t>Taking a step back</a:t>
+            </a:r>
+            <a:r>
+              <a:rPr lang="mr-IN" sz="2400" dirty="0" smtClean="0"/>
+              <a:t>…</a:t>
+            </a:r>
+            <a:endParaRPr lang="en-US" sz="2400" dirty="0"/>
+          </a:p>
+        </p:txBody>
+      </p:sp>
+      <p:sp>
+        <p:nvSpPr>
+          <p:cNvPr id="20" name="TextBox 19"/>
+          <p:cNvSpPr txBox="1"/>
+          <p:nvPr/>
+        </p:nvSpPr>
+        <p:spPr>
+          <a:xfrm>
+            <a:off x="486562" y="1342239"/>
+            <a:ext cx="6570325" cy="2369880"/>
+          </a:xfrm>
+          <a:prstGeom prst="rect">
+            <a:avLst/>
+          </a:prstGeom>
+          <a:noFill/>
+        </p:spPr>
+        <p:txBody>
+          <a:bodyPr wrap="none" rtlCol="0">
+            <a:spAutoFit/>
+          </a:bodyPr>
+          <a:lstStyle/>
+          <a:p>
+            <a:r>
+              <a:rPr lang="en-US" b="1" dirty="0" smtClean="0"/>
+              <a:t>Known phenomena</a:t>
+            </a:r>
+          </a:p>
+          <a:p>
+            <a:pPr marL="285750" indent="-169863">
+              <a:buFontTx/>
+              <a:buChar char="-"/>
+            </a:pPr>
+            <a:r>
+              <a:rPr lang="en-US" sz="1600" dirty="0" smtClean="0"/>
+              <a:t>Generation is influenced by prior knowledge.</a:t>
+            </a:r>
+          </a:p>
+          <a:p>
+            <a:pPr marL="285750" indent="-169863">
+              <a:buFontTx/>
+              <a:buChar char="-"/>
+            </a:pPr>
+            <a:r>
+              <a:rPr lang="en-US" sz="1600" dirty="0" smtClean="0"/>
+              <a:t>Distributional structure of known categories is obeyed in generated ones.</a:t>
+            </a:r>
+            <a:endParaRPr lang="en-US" sz="1600" dirty="0"/>
+          </a:p>
+          <a:p>
+            <a:pPr marL="285750" indent="-169863">
+              <a:buFontTx/>
+              <a:buChar char="-"/>
+            </a:pPr>
+            <a:endParaRPr lang="en-US" sz="1600" dirty="0" smtClean="0"/>
+          </a:p>
+          <a:p>
+            <a:pPr marL="285750" indent="-169863">
+              <a:buFontTx/>
+              <a:buChar char="-"/>
+            </a:pPr>
+            <a:endParaRPr lang="en-US" sz="1600" dirty="0"/>
+          </a:p>
+          <a:p>
+            <a:r>
+              <a:rPr lang="en-US" sz="1600" b="1" dirty="0" smtClean="0"/>
+              <a:t>Existing models</a:t>
+            </a:r>
+            <a:endParaRPr lang="en-US" sz="1600" b="1" dirty="0"/>
+          </a:p>
+          <a:p>
+            <a:pPr marL="285750" indent="-169863">
+              <a:buFontTx/>
+              <a:buChar char="-"/>
+            </a:pPr>
+            <a:r>
+              <a:rPr lang="en-US" sz="1600" dirty="0" err="1" smtClean="0"/>
+              <a:t>Copy+Tweak</a:t>
+            </a:r>
+            <a:r>
+              <a:rPr lang="en-US" sz="1600" dirty="0" smtClean="0"/>
+              <a:t> (formalized by </a:t>
+            </a:r>
+            <a:r>
+              <a:rPr lang="en-US" sz="1600" dirty="0" err="1" smtClean="0"/>
+              <a:t>Jern</a:t>
+            </a:r>
+            <a:r>
+              <a:rPr lang="en-US" sz="1600" dirty="0" smtClean="0"/>
+              <a:t> &amp; Kemp).</a:t>
+            </a:r>
+            <a:endParaRPr lang="en-US" sz="1600" dirty="0"/>
+          </a:p>
+          <a:p>
+            <a:pPr marL="285750" indent="-169863">
+              <a:buFontTx/>
+              <a:buChar char="-"/>
+            </a:pPr>
+            <a:r>
+              <a:rPr lang="en-US" sz="1600" dirty="0" smtClean="0"/>
+              <a:t>Hierarchical sampling</a:t>
+            </a:r>
+            <a:endParaRPr lang="en-US" sz="1600" dirty="0"/>
+          </a:p>
+          <a:p>
+            <a:pPr marL="285750" indent="-169863">
+              <a:buFontTx/>
+              <a:buChar char="-"/>
+            </a:pPr>
+            <a:endParaRPr lang="en-US" sz="1600" dirty="0" smtClean="0"/>
+          </a:p>
+        </p:txBody>
+      </p:sp>
+      <p:sp>
+        <p:nvSpPr>
+          <p:cNvPr id="21" name="TextBox 20"/>
+          <p:cNvSpPr txBox="1"/>
+          <p:nvPr/>
+        </p:nvSpPr>
+        <p:spPr>
+          <a:xfrm>
+            <a:off x="973123" y="5008228"/>
+            <a:ext cx="6177781" cy="1200329"/>
+          </a:xfrm>
+          <a:prstGeom prst="rect">
+            <a:avLst/>
+          </a:prstGeom>
+          <a:noFill/>
+        </p:spPr>
+        <p:txBody>
+          <a:bodyPr wrap="none" rtlCol="0">
+            <a:spAutoFit/>
+          </a:bodyPr>
+          <a:lstStyle/>
+          <a:p>
+            <a:r>
+              <a:rPr lang="en-US" dirty="0" smtClean="0"/>
+              <a:t>Both those models were designed to explain the above </a:t>
+            </a:r>
+            <a:r>
+              <a:rPr lang="en-US" dirty="0" err="1" smtClean="0"/>
+              <a:t>phenom</a:t>
+            </a:r>
+            <a:endParaRPr lang="en-US" dirty="0" smtClean="0"/>
+          </a:p>
+          <a:p>
+            <a:r>
+              <a:rPr lang="en-US" dirty="0" smtClean="0"/>
+              <a:t>But that</a:t>
+            </a:r>
+            <a:r>
+              <a:rPr lang="mr-IN" dirty="0" smtClean="0"/>
+              <a:t>’</a:t>
+            </a:r>
+            <a:r>
+              <a:rPr lang="en-US" dirty="0" smtClean="0"/>
+              <a:t>s actually not much </a:t>
+            </a:r>
+            <a:r>
+              <a:rPr lang="en-US" dirty="0" err="1" smtClean="0"/>
+              <a:t>phenom</a:t>
+            </a:r>
+            <a:endParaRPr lang="en-US" dirty="0" smtClean="0"/>
+          </a:p>
+          <a:p>
+            <a:endParaRPr lang="en-US" dirty="0"/>
+          </a:p>
+          <a:p>
+            <a:r>
+              <a:rPr lang="en-US" dirty="0" smtClean="0"/>
+              <a:t>What else is there?</a:t>
+            </a:r>
+            <a:endParaRPr lang="en-US" dirty="0"/>
+          </a:p>
+        </p:txBody>
+      </p:sp>
+    </p:spTree>
+    <p:extLst>
+      <p:ext uri="{BB962C8B-B14F-4D97-AF65-F5344CB8AC3E}">
+        <p14:creationId xmlns:p14="http://schemas.microsoft.com/office/powerpoint/2010/main" val="1841319520"/>
       </p:ext>
     </p:extLst>
   </p:cSld>
@@ -3276,4 +9614,265 @@
     </a:ext>
   </a:extLst>
 </a:theme>
+</file>
+
+<file path=ppt/theme/theme2.xml><?xml version="1.0" encoding="utf-8"?>
+<a:theme xmlns:a="http://schemas.openxmlformats.org/drawingml/2006/main" name="Office Theme">
+  <a:themeElements>
+    <a:clrScheme name="Office">
+      <a:dk1>
+        <a:sysClr val="windowText" lastClr="000000"/>
+      </a:dk1>
+      <a:lt1>
+        <a:sysClr val="window" lastClr="FFFFFF"/>
+      </a:lt1>
+      <a:dk2>
+        <a:srgbClr val="44546A"/>
+      </a:dk2>
+      <a:lt2>
+        <a:srgbClr val="E7E6E6"/>
+      </a:lt2>
+      <a:accent1>
+        <a:srgbClr val="5B9BD5"/>
+      </a:accent1>
+      <a:accent2>
+        <a:srgbClr val="ED7D31"/>
+      </a:accent2>
+      <a:accent3>
+        <a:srgbClr val="A5A5A5"/>
+      </a:accent3>
+      <a:accent4>
+        <a:srgbClr val="FFC000"/>
+      </a:accent4>
+      <a:accent5>
+        <a:srgbClr val="4472C4"/>
+      </a:accent5>
+      <a:accent6>
+        <a:srgbClr val="70AD47"/>
+      </a:accent6>
+      <a:hlink>
+        <a:srgbClr val="0563C1"/>
+      </a:hlink>
+      <a:folHlink>
+        <a:srgbClr val="954F72"/>
+      </a:folHlink>
+    </a:clrScheme>
+    <a:fontScheme name="Office">
+      <a:majorFont>
+        <a:latin typeface="Calibri Light" panose="020F0302020204030204"/>
+        <a:ea typeface=""/>
+        <a:cs typeface=""/>
+        <a:font script="Jpan" typeface="Yu Gothic Light"/>
+        <a:font script="Hang" typeface="맑은 고딕"/>
+        <a:font script="Hans" typeface="DengXian Light"/>
+        <a:font script="Hant" typeface="新細明體"/>
+        <a:font script="Arab" typeface="Times New Roman"/>
+        <a:font script="Hebr" typeface="Times New Roman"/>
+        <a:font script="Thai" typeface="Angsana New"/>
+        <a:font script="Ethi" typeface="Nyala"/>
+        <a:font script="Beng" typeface="Vrinda"/>
+        <a:font script="Gujr" typeface="Shruti"/>
+        <a:font script="Khmr" typeface="MoolBoran"/>
+        <a:font script="Knda" typeface="Tunga"/>
+        <a:font script="Guru" typeface="Raavi"/>
+        <a:font script="Cans" typeface="Euphemia"/>
+        <a:font script="Cher" typeface="Plantagenet Cherokee"/>
+        <a:font script="Yiii" typeface="Microsoft Yi Baiti"/>
+        <a:font script="Tibt" typeface="Microsoft Himalaya"/>
+        <a:font script="Thaa" typeface="MV Boli"/>
+        <a:font script="Deva" typeface="Mangal"/>
+        <a:font script="Telu" typeface="Gautami"/>
+        <a:font script="Taml" typeface="Latha"/>
+        <a:font script="Syrc" typeface="Estrangelo Edessa"/>
+        <a:font script="Orya" typeface="Kalinga"/>
+        <a:font script="Mlym" typeface="Kartika"/>
+        <a:font script="Laoo" typeface="DokChampa"/>
+        <a:font script="Sinh" typeface="Iskoola Pota"/>
+        <a:font script="Mong" typeface="Mongolian Baiti"/>
+        <a:font script="Viet" typeface="Times New Roman"/>
+        <a:font script="Uigh" typeface="Microsoft Uighur"/>
+        <a:font script="Geor" typeface="Sylfaen"/>
+      </a:majorFont>
+      <a:minorFont>
+        <a:latin typeface="Calibri" panose="020F0502020204030204"/>
+        <a:ea typeface=""/>
+        <a:cs typeface=""/>
+        <a:font script="Jpan" typeface="Yu Gothic"/>
+        <a:font script="Hang" typeface="맑은 고딕"/>
+        <a:font script="Hans" typeface="DengXian"/>
+        <a:font script="Hant" typeface="新細明體"/>
+        <a:font script="Arab" typeface="Arial"/>
+        <a:font script="Hebr" typeface="Arial"/>
+        <a:font script="Thai" typeface="Cordia New"/>
+        <a:font script="Ethi" typeface="Nyala"/>
+        <a:font script="Beng" typeface="Vrinda"/>
+        <a:font script="Gujr" typeface="Shruti"/>
+        <a:font script="Khmr" typeface="DaunPenh"/>
+        <a:font script="Knda" typeface="Tunga"/>
+        <a:font script="Guru" typeface="Raavi"/>
+        <a:font script="Cans" typeface="Euphemia"/>
+        <a:font script="Cher" typeface="Plantagenet Cherokee"/>
+        <a:font script="Yiii" typeface="Microsoft Yi Baiti"/>
+        <a:font script="Tibt" typeface="Microsoft Himalaya"/>
+        <a:font script="Thaa" typeface="MV Boli"/>
+        <a:font script="Deva" typeface="Mangal"/>
+        <a:font script="Telu" typeface="Gautami"/>
+        <a:font script="Taml" typeface="Latha"/>
+        <a:font script="Syrc" typeface="Estrangelo Edessa"/>
+        <a:font script="Orya" typeface="Kalinga"/>
+        <a:font script="Mlym" typeface="Kartika"/>
+        <a:font script="Laoo" typeface="DokChampa"/>
+        <a:font script="Sinh" typeface="Iskoola Pota"/>
+        <a:font script="Mong" typeface="Mongolian Baiti"/>
+        <a:font script="Viet" typeface="Arial"/>
+        <a:font script="Uigh" typeface="Microsoft Uighur"/>
+        <a:font script="Geor" typeface="Sylfaen"/>
+      </a:minorFont>
+    </a:fontScheme>
+    <a:fmtScheme name="Office">
+      <a:fillStyleLst>
+        <a:solidFill>
+          <a:schemeClr val="phClr"/>
+        </a:solidFill>
+        <a:gradFill rotWithShape="1">
+          <a:gsLst>
+            <a:gs pos="0">
+              <a:schemeClr val="phClr">
+                <a:lumMod val="110000"/>
+                <a:satMod val="105000"/>
+                <a:tint val="67000"/>
+              </a:schemeClr>
+            </a:gs>
+            <a:gs pos="50000">
+              <a:schemeClr val="phClr">
+                <a:lumMod val="105000"/>
+                <a:satMod val="103000"/>
+                <a:tint val="73000"/>
+              </a:schemeClr>
+            </a:gs>
+            <a:gs pos="100000">
+              <a:schemeClr val="phClr">
+                <a:lumMod val="105000"/>
+                <a:satMod val="109000"/>
+                <a:tint val="81000"/>
+              </a:schemeClr>
+            </a:gs>
+          </a:gsLst>
+          <a:lin ang="5400000" scaled="0"/>
+        </a:gradFill>
+        <a:gradFill rotWithShape="1">
+          <a:gsLst>
+            <a:gs pos="0">
+              <a:schemeClr val="phClr">
+                <a:satMod val="103000"/>
+                <a:lumMod val="102000"/>
+                <a:tint val="94000"/>
+              </a:schemeClr>
+            </a:gs>
+            <a:gs pos="50000">
+              <a:schemeClr val="phClr">
+                <a:satMod val="110000"/>
+                <a:lumMod val="100000"/>
+                <a:shade val="100000"/>
+              </a:schemeClr>
+            </a:gs>
+            <a:gs pos="100000">
+              <a:schemeClr val="phClr">
+                <a:lumMod val="99000"/>
+                <a:satMod val="120000"/>
+                <a:shade val="78000"/>
+              </a:schemeClr>
+            </a:gs>
+          </a:gsLst>
+          <a:lin ang="5400000" scaled="0"/>
+        </a:gradFill>
+      </a:fillStyleLst>
+      <a:lnStyleLst>
+        <a:ln w="6350" cap="flat" cmpd="sng" algn="ctr">
+          <a:solidFill>
+            <a:schemeClr val="phClr"/>
+          </a:solidFill>
+          <a:prstDash val="solid"/>
+          <a:miter lim="800000"/>
+        </a:ln>
+        <a:ln w="12700" cap="flat" cmpd="sng" algn="ctr">
+          <a:solidFill>
+            <a:schemeClr val="phClr"/>
+          </a:solidFill>
+          <a:prstDash val="solid"/>
+          <a:miter lim="800000"/>
+        </a:ln>
+        <a:ln w="19050" cap="flat" cmpd="sng" algn="ctr">
+          <a:solidFill>
+            <a:schemeClr val="phClr"/>
+          </a:solidFill>
+          <a:prstDash val="solid"/>
+          <a:miter lim="800000"/>
+        </a:ln>
+      </a:lnStyleLst>
+      <a:effectStyleLst>
+        <a:effectStyle>
+          <a:effectLst/>
+        </a:effectStyle>
+        <a:effectStyle>
+          <a:effectLst/>
+        </a:effectStyle>
+        <a:effectStyle>
+          <a:effectLst>
+            <a:outerShdw blurRad="57150" dist="19050" dir="5400000" algn="ctr" rotWithShape="0">
+              <a:srgbClr val="000000">
+                <a:alpha val="63000"/>
+              </a:srgbClr>
+            </a:outerShdw>
+          </a:effectLst>
+        </a:effectStyle>
+      </a:effectStyleLst>
+      <a:bgFillStyleLst>
+        <a:solidFill>
+          <a:schemeClr val="phClr"/>
+        </a:solidFill>
+        <a:solidFill>
+          <a:schemeClr val="phClr">
+            <a:tint val="95000"/>
+            <a:satMod val="170000"/>
+          </a:schemeClr>
+        </a:solidFill>
+        <a:gradFill rotWithShape="1">
+          <a:gsLst>
+            <a:gs pos="0">
+              <a:schemeClr val="phClr">
+                <a:tint val="93000"/>
+                <a:satMod val="150000"/>
+                <a:shade val="98000"/>
+                <a:lumMod val="102000"/>
+              </a:schemeClr>
+            </a:gs>
+            <a:gs pos="50000">
+              <a:schemeClr val="phClr">
+                <a:tint val="98000"/>
+                <a:satMod val="130000"/>
+                <a:shade val="90000"/>
+                <a:lumMod val="103000"/>
+              </a:schemeClr>
+            </a:gs>
+            <a:gs pos="100000">
+              <a:schemeClr val="phClr">
+                <a:shade val="63000"/>
+                <a:satMod val="120000"/>
+              </a:schemeClr>
+            </a:gs>
+          </a:gsLst>
+          <a:lin ang="5400000" scaled="0"/>
+        </a:gradFill>
+      </a:bgFillStyleLst>
+    </a:fmtScheme>
+  </a:themeElements>
+  <a:objectDefaults/>
+  <a:extraClrSchemeLst/>
+  <a:extLst>
+    <a:ext uri="{05A4C25C-085E-4340-85A3-A5531E510DB2}">
+      <thm15:themeFamily xmlns:thm15="http://schemas.microsoft.com/office/thememl/2012/main" name="Office Theme" id="{62F939B6-93AF-4DB8-9C6B-D6C7DFDC589F}" vid="{4A3C46E8-61CC-4603-A589-7422A47A8E4A}"/>
+    </a:ext>
+  </a:extLst>
+</a:theme>
 </file>
--- a/Presentations/ccn-bbag-march-2-2017.pptx
+++ b/Presentations/ccn-bbag-march-2-2017.pptx
@@ -5,7 +5,7 @@
     <p:sldMasterId id="2147483660" r:id="rId1"/>
   </p:sldMasterIdLst>
   <p:notesMasterIdLst>
-    <p:notesMasterId r:id="rId11"/>
+    <p:notesMasterId r:id="rId31"/>
   </p:notesMasterIdLst>
   <p:sldIdLst>
     <p:sldId id="256" r:id="rId2"/>
@@ -17,6 +17,26 @@
     <p:sldId id="260" r:id="rId8"/>
     <p:sldId id="263" r:id="rId9"/>
     <p:sldId id="261" r:id="rId10"/>
+    <p:sldId id="265" r:id="rId11"/>
+    <p:sldId id="266" r:id="rId12"/>
+    <p:sldId id="267" r:id="rId13"/>
+    <p:sldId id="268" r:id="rId14"/>
+    <p:sldId id="276" r:id="rId15"/>
+    <p:sldId id="285" r:id="rId16"/>
+    <p:sldId id="286" r:id="rId17"/>
+    <p:sldId id="287" r:id="rId18"/>
+    <p:sldId id="277" r:id="rId19"/>
+    <p:sldId id="278" r:id="rId20"/>
+    <p:sldId id="279" r:id="rId21"/>
+    <p:sldId id="280" r:id="rId22"/>
+    <p:sldId id="281" r:id="rId23"/>
+    <p:sldId id="282" r:id="rId24"/>
+    <p:sldId id="283" r:id="rId25"/>
+    <p:sldId id="284" r:id="rId26"/>
+    <p:sldId id="274" r:id="rId27"/>
+    <p:sldId id="275" r:id="rId28"/>
+    <p:sldId id="270" r:id="rId29"/>
+    <p:sldId id="271" r:id="rId30"/>
   </p:sldIdLst>
   <p:sldSz cx="9144000" cy="6858000" type="screen4x3"/>
   <p:notesSz cx="6858000" cy="9144000"/>
@@ -205,7 +225,7 @@
           <a:p>
             <a:fld id="{4F9E3613-DEF7-9F4D-BB72-F0B456B81BA8}" type="datetimeFigureOut">
               <a:rPr lang="en-US" smtClean="0"/>
-              <a:t>2/17/17</a:t>
+              <a:t>2/20/17</a:t>
             </a:fld>
             <a:endParaRPr lang="en-US"/>
           </a:p>
@@ -590,6 +610,1040 @@
 </p:notes>
 </file>
 
+<file path=ppt/notesSlides/notesSlide10.xml><?xml version="1.0" encoding="utf-8"?>
+<p:notes xmlns:a="http://schemas.openxmlformats.org/drawingml/2006/main" xmlns:r="http://schemas.openxmlformats.org/officeDocument/2006/relationships" xmlns:p="http://schemas.openxmlformats.org/presentationml/2006/main">
+  <p:cSld>
+    <p:spTree>
+      <p:nvGrpSpPr>
+        <p:cNvPr id="1" name=""/>
+        <p:cNvGrpSpPr/>
+        <p:nvPr/>
+      </p:nvGrpSpPr>
+      <p:grpSpPr>
+        <a:xfrm>
+          <a:off x="0" y="0"/>
+          <a:ext cx="0" cy="0"/>
+          <a:chOff x="0" y="0"/>
+          <a:chExt cx="0" cy="0"/>
+        </a:xfrm>
+      </p:grpSpPr>
+      <p:sp>
+        <p:nvSpPr>
+          <p:cNvPr id="2" name="Slide Image Placeholder 1"/>
+          <p:cNvSpPr>
+            <a:spLocks noGrp="1" noRot="1" noChangeAspect="1"/>
+          </p:cNvSpPr>
+          <p:nvPr>
+            <p:ph type="sldImg"/>
+          </p:nvPr>
+        </p:nvSpPr>
+        <p:spPr/>
+      </p:sp>
+      <p:sp>
+        <p:nvSpPr>
+          <p:cNvPr id="3" name="Notes Placeholder 2"/>
+          <p:cNvSpPr>
+            <a:spLocks noGrp="1"/>
+          </p:cNvSpPr>
+          <p:nvPr>
+            <p:ph type="body" idx="1"/>
+          </p:nvPr>
+        </p:nvSpPr>
+        <p:spPr/>
+        <p:txBody>
+          <a:bodyPr/>
+          <a:lstStyle/>
+          <a:p>
+            <a:r>
+              <a:rPr lang="en-US" dirty="0" smtClean="0"/>
+              <a:t>So early on Joe and</a:t>
+            </a:r>
+            <a:r>
+              <a:rPr lang="en-US" baseline="0" dirty="0" smtClean="0"/>
+              <a:t> I, with my old advisor Ken Kurtz, ran some pretty exploratory experiments to get a sense of what types of effects you can get in a category generation experiment, and what parts of category generation you can explain with the ideas from the category learning literature.</a:t>
+            </a:r>
+          </a:p>
+        </p:txBody>
+      </p:sp>
+      <p:sp>
+        <p:nvSpPr>
+          <p:cNvPr id="4" name="Slide Number Placeholder 3"/>
+          <p:cNvSpPr>
+            <a:spLocks noGrp="1"/>
+          </p:cNvSpPr>
+          <p:nvPr>
+            <p:ph type="sldNum" sz="quarter" idx="10"/>
+          </p:nvPr>
+        </p:nvSpPr>
+        <p:spPr/>
+        <p:txBody>
+          <a:bodyPr/>
+          <a:lstStyle/>
+          <a:p>
+            <a:fld id="{2EE8A78D-75C4-E841-B8CC-3B6913D7A8EB}" type="slidenum">
+              <a:rPr lang="en-US" smtClean="0"/>
+              <a:t>10</a:t>
+            </a:fld>
+            <a:endParaRPr lang="en-US"/>
+          </a:p>
+        </p:txBody>
+      </p:sp>
+    </p:spTree>
+    <p:extLst>
+      <p:ext uri="{BB962C8B-B14F-4D97-AF65-F5344CB8AC3E}">
+        <p14:creationId xmlns:p14="http://schemas.microsoft.com/office/powerpoint/2010/main" val="483922824"/>
+      </p:ext>
+    </p:extLst>
+  </p:cSld>
+  <p:clrMapOvr>
+    <a:masterClrMapping/>
+  </p:clrMapOvr>
+</p:notes>
+</file>
+
+<file path=ppt/notesSlides/notesSlide11.xml><?xml version="1.0" encoding="utf-8"?>
+<p:notes xmlns:a="http://schemas.openxmlformats.org/drawingml/2006/main" xmlns:r="http://schemas.openxmlformats.org/officeDocument/2006/relationships" xmlns:p="http://schemas.openxmlformats.org/presentationml/2006/main">
+  <p:cSld>
+    <p:spTree>
+      <p:nvGrpSpPr>
+        <p:cNvPr id="1" name=""/>
+        <p:cNvGrpSpPr/>
+        <p:nvPr/>
+      </p:nvGrpSpPr>
+      <p:grpSpPr>
+        <a:xfrm>
+          <a:off x="0" y="0"/>
+          <a:ext cx="0" cy="0"/>
+          <a:chOff x="0" y="0"/>
+          <a:chExt cx="0" cy="0"/>
+        </a:xfrm>
+      </p:grpSpPr>
+      <p:sp>
+        <p:nvSpPr>
+          <p:cNvPr id="2" name="Slide Image Placeholder 1"/>
+          <p:cNvSpPr>
+            <a:spLocks noGrp="1" noRot="1" noChangeAspect="1"/>
+          </p:cNvSpPr>
+          <p:nvPr>
+            <p:ph type="sldImg"/>
+          </p:nvPr>
+        </p:nvSpPr>
+        <p:spPr/>
+      </p:sp>
+      <p:sp>
+        <p:nvSpPr>
+          <p:cNvPr id="3" name="Notes Placeholder 2"/>
+          <p:cNvSpPr>
+            <a:spLocks noGrp="1"/>
+          </p:cNvSpPr>
+          <p:nvPr>
+            <p:ph type="body" idx="1"/>
+          </p:nvPr>
+        </p:nvSpPr>
+        <p:spPr/>
+        <p:txBody>
+          <a:bodyPr/>
+          <a:lstStyle/>
+          <a:p>
+            <a:r>
+              <a:rPr lang="en-US" dirty="0" smtClean="0"/>
+              <a:t>So</a:t>
+            </a:r>
+            <a:r>
+              <a:rPr lang="en-US" baseline="0" dirty="0" smtClean="0"/>
+              <a:t> the first thing we wanted to do was try to replicate the canonical effects that I just explained, and to just sort of get a sense of generation in general.</a:t>
+            </a:r>
+          </a:p>
+          <a:p>
+            <a:endParaRPr lang="en-US" baseline="0" dirty="0"/>
+          </a:p>
+          <a:p>
+            <a:r>
+              <a:rPr lang="en-US" baseline="0" dirty="0" smtClean="0"/>
+              <a:t>We developed a two dimensional domain of squares varying in color and in size. Then, we developed three different conditions that vary in the organization of the starter categories. So in each of these plots I’m showing the conceptual organization of the class in the domain, with A markers corresponding to members of a known category that we call the “alpha” category.</a:t>
+            </a:r>
+          </a:p>
+        </p:txBody>
+      </p:sp>
+      <p:sp>
+        <p:nvSpPr>
+          <p:cNvPr id="4" name="Slide Number Placeholder 3"/>
+          <p:cNvSpPr>
+            <a:spLocks noGrp="1"/>
+          </p:cNvSpPr>
+          <p:nvPr>
+            <p:ph type="sldNum" sz="quarter" idx="10"/>
+          </p:nvPr>
+        </p:nvSpPr>
+        <p:spPr/>
+        <p:txBody>
+          <a:bodyPr/>
+          <a:lstStyle/>
+          <a:p>
+            <a:fld id="{2EE8A78D-75C4-E841-B8CC-3B6913D7A8EB}" type="slidenum">
+              <a:rPr lang="en-US" smtClean="0"/>
+              <a:t>11</a:t>
+            </a:fld>
+            <a:endParaRPr lang="en-US"/>
+          </a:p>
+        </p:txBody>
+      </p:sp>
+    </p:spTree>
+    <p:extLst>
+      <p:ext uri="{BB962C8B-B14F-4D97-AF65-F5344CB8AC3E}">
+        <p14:creationId xmlns:p14="http://schemas.microsoft.com/office/powerpoint/2010/main" val="1371121685"/>
+      </p:ext>
+    </p:extLst>
+  </p:cSld>
+  <p:clrMapOvr>
+    <a:masterClrMapping/>
+  </p:clrMapOvr>
+</p:notes>
+</file>
+
+<file path=ppt/notesSlides/notesSlide12.xml><?xml version="1.0" encoding="utf-8"?>
+<p:notes xmlns:a="http://schemas.openxmlformats.org/drawingml/2006/main" xmlns:r="http://schemas.openxmlformats.org/officeDocument/2006/relationships" xmlns:p="http://schemas.openxmlformats.org/presentationml/2006/main">
+  <p:cSld>
+    <p:spTree>
+      <p:nvGrpSpPr>
+        <p:cNvPr id="1" name=""/>
+        <p:cNvGrpSpPr/>
+        <p:nvPr/>
+      </p:nvGrpSpPr>
+      <p:grpSpPr>
+        <a:xfrm>
+          <a:off x="0" y="0"/>
+          <a:ext cx="0" cy="0"/>
+          <a:chOff x="0" y="0"/>
+          <a:chExt cx="0" cy="0"/>
+        </a:xfrm>
+      </p:grpSpPr>
+      <p:sp>
+        <p:nvSpPr>
+          <p:cNvPr id="2" name="Slide Image Placeholder 1"/>
+          <p:cNvSpPr>
+            <a:spLocks noGrp="1" noRot="1" noChangeAspect="1"/>
+          </p:cNvSpPr>
+          <p:nvPr>
+            <p:ph type="sldImg"/>
+          </p:nvPr>
+        </p:nvSpPr>
+        <p:spPr/>
+      </p:sp>
+      <p:sp>
+        <p:nvSpPr>
+          <p:cNvPr id="3" name="Notes Placeholder 2"/>
+          <p:cNvSpPr>
+            <a:spLocks noGrp="1"/>
+          </p:cNvSpPr>
+          <p:nvPr>
+            <p:ph type="body" idx="1"/>
+          </p:nvPr>
+        </p:nvSpPr>
+        <p:spPr/>
+        <p:txBody>
+          <a:bodyPr/>
+          <a:lstStyle/>
+          <a:p>
+            <a:r>
+              <a:rPr lang="en-US" dirty="0" smtClean="0"/>
+              <a:t>And this slide is just to give you a sense of how these categories are physically</a:t>
+            </a:r>
+            <a:r>
+              <a:rPr lang="en-US" baseline="0" dirty="0" smtClean="0"/>
+              <a:t> instantiated. So the Alpha category in the XOR, or exclusive or, condition is made of small dark squares and large light squares. In Cluster they are all small and light, and in Row that are all very small but both dark and light.</a:t>
+            </a:r>
+          </a:p>
+        </p:txBody>
+      </p:sp>
+      <p:sp>
+        <p:nvSpPr>
+          <p:cNvPr id="4" name="Slide Number Placeholder 3"/>
+          <p:cNvSpPr>
+            <a:spLocks noGrp="1"/>
+          </p:cNvSpPr>
+          <p:nvPr>
+            <p:ph type="sldNum" sz="quarter" idx="10"/>
+          </p:nvPr>
+        </p:nvSpPr>
+        <p:spPr/>
+        <p:txBody>
+          <a:bodyPr/>
+          <a:lstStyle/>
+          <a:p>
+            <a:fld id="{2EE8A78D-75C4-E841-B8CC-3B6913D7A8EB}" type="slidenum">
+              <a:rPr lang="en-US" smtClean="0"/>
+              <a:t>12</a:t>
+            </a:fld>
+            <a:endParaRPr lang="en-US"/>
+          </a:p>
+        </p:txBody>
+      </p:sp>
+    </p:spTree>
+    <p:extLst>
+      <p:ext uri="{BB962C8B-B14F-4D97-AF65-F5344CB8AC3E}">
+        <p14:creationId xmlns:p14="http://schemas.microsoft.com/office/powerpoint/2010/main" val="873940051"/>
+      </p:ext>
+    </p:extLst>
+  </p:cSld>
+  <p:clrMapOvr>
+    <a:masterClrMapping/>
+  </p:clrMapOvr>
+</p:notes>
+</file>
+
+<file path=ppt/notesSlides/notesSlide13.xml><?xml version="1.0" encoding="utf-8"?>
+<p:notes xmlns:a="http://schemas.openxmlformats.org/drawingml/2006/main" xmlns:r="http://schemas.openxmlformats.org/officeDocument/2006/relationships" xmlns:p="http://schemas.openxmlformats.org/presentationml/2006/main">
+  <p:cSld>
+    <p:spTree>
+      <p:nvGrpSpPr>
+        <p:cNvPr id="1" name=""/>
+        <p:cNvGrpSpPr/>
+        <p:nvPr/>
+      </p:nvGrpSpPr>
+      <p:grpSpPr>
+        <a:xfrm>
+          <a:off x="0" y="0"/>
+          <a:ext cx="0" cy="0"/>
+          <a:chOff x="0" y="0"/>
+          <a:chExt cx="0" cy="0"/>
+        </a:xfrm>
+      </p:grpSpPr>
+      <p:sp>
+        <p:nvSpPr>
+          <p:cNvPr id="2" name="Slide Image Placeholder 1"/>
+          <p:cNvSpPr>
+            <a:spLocks noGrp="1" noRot="1" noChangeAspect="1"/>
+          </p:cNvSpPr>
+          <p:nvPr>
+            <p:ph type="sldImg"/>
+          </p:nvPr>
+        </p:nvSpPr>
+        <p:spPr/>
+      </p:sp>
+      <p:sp>
+        <p:nvSpPr>
+          <p:cNvPr id="3" name="Notes Placeholder 2"/>
+          <p:cNvSpPr>
+            <a:spLocks noGrp="1"/>
+          </p:cNvSpPr>
+          <p:nvPr>
+            <p:ph type="body" idx="1"/>
+          </p:nvPr>
+        </p:nvSpPr>
+        <p:spPr/>
+        <p:txBody>
+          <a:bodyPr/>
+          <a:lstStyle/>
+          <a:p>
+            <a:r>
+              <a:rPr lang="en-US" dirty="0" smtClean="0"/>
+              <a:t>So we trained</a:t>
+            </a:r>
+            <a:r>
+              <a:rPr lang="en-US" baseline="0" dirty="0" smtClean="0"/>
+              <a:t> each participant on one of the classes by showing them the examples one at a time for twelve trials. Then we told there was another category called Beta, and asked them to generate four examples just like in the </a:t>
+            </a:r>
+            <a:r>
+              <a:rPr lang="en-US" baseline="0" dirty="0" err="1" smtClean="0"/>
+              <a:t>Jern</a:t>
+            </a:r>
+            <a:r>
+              <a:rPr lang="en-US" baseline="0" dirty="0" smtClean="0"/>
+              <a:t> and kemp experiments.</a:t>
+            </a:r>
+          </a:p>
+        </p:txBody>
+      </p:sp>
+      <p:sp>
+        <p:nvSpPr>
+          <p:cNvPr id="4" name="Slide Number Placeholder 3"/>
+          <p:cNvSpPr>
+            <a:spLocks noGrp="1"/>
+          </p:cNvSpPr>
+          <p:nvPr>
+            <p:ph type="sldNum" sz="quarter" idx="10"/>
+          </p:nvPr>
+        </p:nvSpPr>
+        <p:spPr/>
+        <p:txBody>
+          <a:bodyPr/>
+          <a:lstStyle/>
+          <a:p>
+            <a:fld id="{2EE8A78D-75C4-E841-B8CC-3B6913D7A8EB}" type="slidenum">
+              <a:rPr lang="en-US" smtClean="0"/>
+              <a:t>13</a:t>
+            </a:fld>
+            <a:endParaRPr lang="en-US"/>
+          </a:p>
+        </p:txBody>
+      </p:sp>
+    </p:spTree>
+    <p:extLst>
+      <p:ext uri="{BB962C8B-B14F-4D97-AF65-F5344CB8AC3E}">
+        <p14:creationId xmlns:p14="http://schemas.microsoft.com/office/powerpoint/2010/main" val="1856532681"/>
+      </p:ext>
+    </p:extLst>
+  </p:cSld>
+  <p:clrMapOvr>
+    <a:masterClrMapping/>
+  </p:clrMapOvr>
+</p:notes>
+</file>
+
+<file path=ppt/notesSlides/notesSlide14.xml><?xml version="1.0" encoding="utf-8"?>
+<p:notes xmlns:a="http://schemas.openxmlformats.org/drawingml/2006/main" xmlns:r="http://schemas.openxmlformats.org/officeDocument/2006/relationships" xmlns:p="http://schemas.openxmlformats.org/presentationml/2006/main">
+  <p:cSld>
+    <p:spTree>
+      <p:nvGrpSpPr>
+        <p:cNvPr id="1" name=""/>
+        <p:cNvGrpSpPr/>
+        <p:nvPr/>
+      </p:nvGrpSpPr>
+      <p:grpSpPr>
+        <a:xfrm>
+          <a:off x="0" y="0"/>
+          <a:ext cx="0" cy="0"/>
+          <a:chOff x="0" y="0"/>
+          <a:chExt cx="0" cy="0"/>
+        </a:xfrm>
+      </p:grpSpPr>
+      <p:sp>
+        <p:nvSpPr>
+          <p:cNvPr id="2" name="Slide Image Placeholder 1"/>
+          <p:cNvSpPr>
+            <a:spLocks noGrp="1" noRot="1" noChangeAspect="1"/>
+          </p:cNvSpPr>
+          <p:nvPr>
+            <p:ph type="sldImg"/>
+          </p:nvPr>
+        </p:nvSpPr>
+        <p:spPr/>
+      </p:sp>
+      <p:sp>
+        <p:nvSpPr>
+          <p:cNvPr id="3" name="Notes Placeholder 2"/>
+          <p:cNvSpPr>
+            <a:spLocks noGrp="1"/>
+          </p:cNvSpPr>
+          <p:nvPr>
+            <p:ph type="body" idx="1"/>
+          </p:nvPr>
+        </p:nvSpPr>
+        <p:spPr/>
+        <p:txBody>
+          <a:bodyPr/>
+          <a:lstStyle/>
+          <a:p>
+            <a:r>
+              <a:rPr lang="en-US" dirty="0" smtClean="0"/>
+              <a:t>So</a:t>
+            </a:r>
+            <a:r>
+              <a:rPr lang="en-US" baseline="0" dirty="0" smtClean="0"/>
+              <a:t> if people generate categories with the same distributional properties as existing categories</a:t>
+            </a:r>
+          </a:p>
+        </p:txBody>
+      </p:sp>
+      <p:sp>
+        <p:nvSpPr>
+          <p:cNvPr id="4" name="Slide Number Placeholder 3"/>
+          <p:cNvSpPr>
+            <a:spLocks noGrp="1"/>
+          </p:cNvSpPr>
+          <p:nvPr>
+            <p:ph type="sldNum" sz="quarter" idx="10"/>
+          </p:nvPr>
+        </p:nvSpPr>
+        <p:spPr/>
+        <p:txBody>
+          <a:bodyPr/>
+          <a:lstStyle/>
+          <a:p>
+            <a:fld id="{2EE8A78D-75C4-E841-B8CC-3B6913D7A8EB}" type="slidenum">
+              <a:rPr lang="en-US" smtClean="0"/>
+              <a:t>14</a:t>
+            </a:fld>
+            <a:endParaRPr lang="en-US"/>
+          </a:p>
+        </p:txBody>
+      </p:sp>
+    </p:spTree>
+    <p:extLst>
+      <p:ext uri="{BB962C8B-B14F-4D97-AF65-F5344CB8AC3E}">
+        <p14:creationId xmlns:p14="http://schemas.microsoft.com/office/powerpoint/2010/main" val="1737963476"/>
+      </p:ext>
+    </p:extLst>
+  </p:cSld>
+  <p:clrMapOvr>
+    <a:masterClrMapping/>
+  </p:clrMapOvr>
+</p:notes>
+</file>
+
+<file path=ppt/notesSlides/notesSlide15.xml><?xml version="1.0" encoding="utf-8"?>
+<p:notes xmlns:a="http://schemas.openxmlformats.org/drawingml/2006/main" xmlns:r="http://schemas.openxmlformats.org/officeDocument/2006/relationships" xmlns:p="http://schemas.openxmlformats.org/presentationml/2006/main">
+  <p:cSld>
+    <p:spTree>
+      <p:nvGrpSpPr>
+        <p:cNvPr id="1" name=""/>
+        <p:cNvGrpSpPr/>
+        <p:nvPr/>
+      </p:nvGrpSpPr>
+      <p:grpSpPr>
+        <a:xfrm>
+          <a:off x="0" y="0"/>
+          <a:ext cx="0" cy="0"/>
+          <a:chOff x="0" y="0"/>
+          <a:chExt cx="0" cy="0"/>
+        </a:xfrm>
+      </p:grpSpPr>
+      <p:sp>
+        <p:nvSpPr>
+          <p:cNvPr id="2" name="Slide Image Placeholder 1"/>
+          <p:cNvSpPr>
+            <a:spLocks noGrp="1" noRot="1" noChangeAspect="1"/>
+          </p:cNvSpPr>
+          <p:nvPr>
+            <p:ph type="sldImg"/>
+          </p:nvPr>
+        </p:nvSpPr>
+        <p:spPr/>
+      </p:sp>
+      <p:sp>
+        <p:nvSpPr>
+          <p:cNvPr id="3" name="Notes Placeholder 2"/>
+          <p:cNvSpPr>
+            <a:spLocks noGrp="1"/>
+          </p:cNvSpPr>
+          <p:nvPr>
+            <p:ph type="body" idx="1"/>
+          </p:nvPr>
+        </p:nvSpPr>
+        <p:spPr/>
+        <p:txBody>
+          <a:bodyPr/>
+          <a:lstStyle/>
+          <a:p>
+            <a:pPr marL="0" marR="0" indent="0" algn="l" defTabSz="914400" rtl="0" eaLnBrk="1" fontAlgn="auto" latinLnBrk="0" hangingPunct="1">
+              <a:lnSpc>
+                <a:spcPct val="100000"/>
+              </a:lnSpc>
+              <a:spcBef>
+                <a:spcPts val="0"/>
+              </a:spcBef>
+              <a:spcAft>
+                <a:spcPts val="0"/>
+              </a:spcAft>
+              <a:buClrTx/>
+              <a:buSzTx/>
+              <a:buFontTx/>
+              <a:buNone/>
+              <a:tabLst/>
+              <a:defRPr/>
+            </a:pPr>
+            <a:endParaRPr lang="en-US" dirty="0" smtClean="0"/>
+          </a:p>
+        </p:txBody>
+      </p:sp>
+      <p:sp>
+        <p:nvSpPr>
+          <p:cNvPr id="4" name="Slide Number Placeholder 3"/>
+          <p:cNvSpPr>
+            <a:spLocks noGrp="1"/>
+          </p:cNvSpPr>
+          <p:nvPr>
+            <p:ph type="sldNum" sz="quarter" idx="10"/>
+          </p:nvPr>
+        </p:nvSpPr>
+        <p:spPr/>
+        <p:txBody>
+          <a:bodyPr/>
+          <a:lstStyle/>
+          <a:p>
+            <a:fld id="{058AAC71-9B48-0A43-90A2-3982C5B7C3CD}" type="slidenum">
+              <a:rPr lang="en-US" smtClean="0"/>
+              <a:t>15</a:t>
+            </a:fld>
+            <a:endParaRPr lang="en-US"/>
+          </a:p>
+        </p:txBody>
+      </p:sp>
+    </p:spTree>
+    <p:extLst>
+      <p:ext uri="{BB962C8B-B14F-4D97-AF65-F5344CB8AC3E}">
+        <p14:creationId xmlns:p14="http://schemas.microsoft.com/office/powerpoint/2010/main" val="129670432"/>
+      </p:ext>
+    </p:extLst>
+  </p:cSld>
+  <p:clrMapOvr>
+    <a:masterClrMapping/>
+  </p:clrMapOvr>
+</p:notes>
+</file>
+
+<file path=ppt/notesSlides/notesSlide16.xml><?xml version="1.0" encoding="utf-8"?>
+<p:notes xmlns:a="http://schemas.openxmlformats.org/drawingml/2006/main" xmlns:r="http://schemas.openxmlformats.org/officeDocument/2006/relationships" xmlns:p="http://schemas.openxmlformats.org/presentationml/2006/main">
+  <p:cSld>
+    <p:spTree>
+      <p:nvGrpSpPr>
+        <p:cNvPr id="1" name=""/>
+        <p:cNvGrpSpPr/>
+        <p:nvPr/>
+      </p:nvGrpSpPr>
+      <p:grpSpPr>
+        <a:xfrm>
+          <a:off x="0" y="0"/>
+          <a:ext cx="0" cy="0"/>
+          <a:chOff x="0" y="0"/>
+          <a:chExt cx="0" cy="0"/>
+        </a:xfrm>
+      </p:grpSpPr>
+      <p:sp>
+        <p:nvSpPr>
+          <p:cNvPr id="2" name="Slide Image Placeholder 1"/>
+          <p:cNvSpPr>
+            <a:spLocks noGrp="1" noRot="1" noChangeAspect="1"/>
+          </p:cNvSpPr>
+          <p:nvPr>
+            <p:ph type="sldImg"/>
+          </p:nvPr>
+        </p:nvSpPr>
+        <p:spPr/>
+      </p:sp>
+      <p:sp>
+        <p:nvSpPr>
+          <p:cNvPr id="3" name="Notes Placeholder 2"/>
+          <p:cNvSpPr>
+            <a:spLocks noGrp="1"/>
+          </p:cNvSpPr>
+          <p:nvPr>
+            <p:ph type="body" idx="1"/>
+          </p:nvPr>
+        </p:nvSpPr>
+        <p:spPr/>
+        <p:txBody>
+          <a:bodyPr/>
+          <a:lstStyle/>
+          <a:p>
+            <a:pPr marL="0" marR="0" indent="0" algn="l" defTabSz="914400" rtl="0" eaLnBrk="1" fontAlgn="auto" latinLnBrk="0" hangingPunct="1">
+              <a:lnSpc>
+                <a:spcPct val="100000"/>
+              </a:lnSpc>
+              <a:spcBef>
+                <a:spcPts val="0"/>
+              </a:spcBef>
+              <a:spcAft>
+                <a:spcPts val="0"/>
+              </a:spcAft>
+              <a:buClrTx/>
+              <a:buSzTx/>
+              <a:buFontTx/>
+              <a:buNone/>
+              <a:tabLst/>
+              <a:defRPr/>
+            </a:pPr>
+            <a:endParaRPr lang="en-US" dirty="0" smtClean="0"/>
+          </a:p>
+        </p:txBody>
+      </p:sp>
+      <p:sp>
+        <p:nvSpPr>
+          <p:cNvPr id="4" name="Slide Number Placeholder 3"/>
+          <p:cNvSpPr>
+            <a:spLocks noGrp="1"/>
+          </p:cNvSpPr>
+          <p:nvPr>
+            <p:ph type="sldNum" sz="quarter" idx="10"/>
+          </p:nvPr>
+        </p:nvSpPr>
+        <p:spPr/>
+        <p:txBody>
+          <a:bodyPr/>
+          <a:lstStyle/>
+          <a:p>
+            <a:fld id="{058AAC71-9B48-0A43-90A2-3982C5B7C3CD}" type="slidenum">
+              <a:rPr lang="en-US" smtClean="0"/>
+              <a:t>16</a:t>
+            </a:fld>
+            <a:endParaRPr lang="en-US"/>
+          </a:p>
+        </p:txBody>
+      </p:sp>
+    </p:spTree>
+    <p:extLst>
+      <p:ext uri="{BB962C8B-B14F-4D97-AF65-F5344CB8AC3E}">
+        <p14:creationId xmlns:p14="http://schemas.microsoft.com/office/powerpoint/2010/main" val="1745579601"/>
+      </p:ext>
+    </p:extLst>
+  </p:cSld>
+  <p:clrMapOvr>
+    <a:masterClrMapping/>
+  </p:clrMapOvr>
+</p:notes>
+</file>
+
+<file path=ppt/notesSlides/notesSlide17.xml><?xml version="1.0" encoding="utf-8"?>
+<p:notes xmlns:a="http://schemas.openxmlformats.org/drawingml/2006/main" xmlns:r="http://schemas.openxmlformats.org/officeDocument/2006/relationships" xmlns:p="http://schemas.openxmlformats.org/presentationml/2006/main">
+  <p:cSld>
+    <p:spTree>
+      <p:nvGrpSpPr>
+        <p:cNvPr id="1" name=""/>
+        <p:cNvGrpSpPr/>
+        <p:nvPr/>
+      </p:nvGrpSpPr>
+      <p:grpSpPr>
+        <a:xfrm>
+          <a:off x="0" y="0"/>
+          <a:ext cx="0" cy="0"/>
+          <a:chOff x="0" y="0"/>
+          <a:chExt cx="0" cy="0"/>
+        </a:xfrm>
+      </p:grpSpPr>
+      <p:sp>
+        <p:nvSpPr>
+          <p:cNvPr id="2" name="Slide Image Placeholder 1"/>
+          <p:cNvSpPr>
+            <a:spLocks noGrp="1" noRot="1" noChangeAspect="1"/>
+          </p:cNvSpPr>
+          <p:nvPr>
+            <p:ph type="sldImg"/>
+          </p:nvPr>
+        </p:nvSpPr>
+        <p:spPr/>
+      </p:sp>
+      <p:sp>
+        <p:nvSpPr>
+          <p:cNvPr id="3" name="Notes Placeholder 2"/>
+          <p:cNvSpPr>
+            <a:spLocks noGrp="1"/>
+          </p:cNvSpPr>
+          <p:nvPr>
+            <p:ph type="body" idx="1"/>
+          </p:nvPr>
+        </p:nvSpPr>
+        <p:spPr/>
+        <p:txBody>
+          <a:bodyPr/>
+          <a:lstStyle/>
+          <a:p>
+            <a:pPr marL="0" marR="0" indent="0" algn="l" defTabSz="914400" rtl="0" eaLnBrk="1" fontAlgn="auto" latinLnBrk="0" hangingPunct="1">
+              <a:lnSpc>
+                <a:spcPct val="100000"/>
+              </a:lnSpc>
+              <a:spcBef>
+                <a:spcPts val="0"/>
+              </a:spcBef>
+              <a:spcAft>
+                <a:spcPts val="0"/>
+              </a:spcAft>
+              <a:buClrTx/>
+              <a:buSzTx/>
+              <a:buFontTx/>
+              <a:buNone/>
+              <a:tabLst/>
+              <a:defRPr/>
+            </a:pPr>
+            <a:endParaRPr lang="en-US" dirty="0" smtClean="0"/>
+          </a:p>
+        </p:txBody>
+      </p:sp>
+      <p:sp>
+        <p:nvSpPr>
+          <p:cNvPr id="4" name="Slide Number Placeholder 3"/>
+          <p:cNvSpPr>
+            <a:spLocks noGrp="1"/>
+          </p:cNvSpPr>
+          <p:nvPr>
+            <p:ph type="sldNum" sz="quarter" idx="10"/>
+          </p:nvPr>
+        </p:nvSpPr>
+        <p:spPr/>
+        <p:txBody>
+          <a:bodyPr/>
+          <a:lstStyle/>
+          <a:p>
+            <a:fld id="{058AAC71-9B48-0A43-90A2-3982C5B7C3CD}" type="slidenum">
+              <a:rPr lang="en-US" smtClean="0"/>
+              <a:t>17</a:t>
+            </a:fld>
+            <a:endParaRPr lang="en-US"/>
+          </a:p>
+        </p:txBody>
+      </p:sp>
+    </p:spTree>
+    <p:extLst>
+      <p:ext uri="{BB962C8B-B14F-4D97-AF65-F5344CB8AC3E}">
+        <p14:creationId xmlns:p14="http://schemas.microsoft.com/office/powerpoint/2010/main" val="1596376336"/>
+      </p:ext>
+    </p:extLst>
+  </p:cSld>
+  <p:clrMapOvr>
+    <a:masterClrMapping/>
+  </p:clrMapOvr>
+</p:notes>
+</file>
+
+<file path=ppt/notesSlides/notesSlide18.xml><?xml version="1.0" encoding="utf-8"?>
+<p:notes xmlns:a="http://schemas.openxmlformats.org/drawingml/2006/main" xmlns:r="http://schemas.openxmlformats.org/officeDocument/2006/relationships" xmlns:p="http://schemas.openxmlformats.org/presentationml/2006/main">
+  <p:cSld>
+    <p:spTree>
+      <p:nvGrpSpPr>
+        <p:cNvPr id="1" name=""/>
+        <p:cNvGrpSpPr/>
+        <p:nvPr/>
+      </p:nvGrpSpPr>
+      <p:grpSpPr>
+        <a:xfrm>
+          <a:off x="0" y="0"/>
+          <a:ext cx="0" cy="0"/>
+          <a:chOff x="0" y="0"/>
+          <a:chExt cx="0" cy="0"/>
+        </a:xfrm>
+      </p:grpSpPr>
+      <p:sp>
+        <p:nvSpPr>
+          <p:cNvPr id="2" name="Slide Image Placeholder 1"/>
+          <p:cNvSpPr>
+            <a:spLocks noGrp="1" noRot="1" noChangeAspect="1"/>
+          </p:cNvSpPr>
+          <p:nvPr>
+            <p:ph type="sldImg"/>
+          </p:nvPr>
+        </p:nvSpPr>
+        <p:spPr/>
+      </p:sp>
+      <p:sp>
+        <p:nvSpPr>
+          <p:cNvPr id="3" name="Notes Placeholder 2"/>
+          <p:cNvSpPr>
+            <a:spLocks noGrp="1"/>
+          </p:cNvSpPr>
+          <p:nvPr>
+            <p:ph type="body" idx="1"/>
+          </p:nvPr>
+        </p:nvSpPr>
+        <p:spPr/>
+        <p:txBody>
+          <a:bodyPr/>
+          <a:lstStyle/>
+          <a:p>
+            <a:pPr marL="0" marR="0" indent="0" algn="l" defTabSz="914400" rtl="0" eaLnBrk="1" fontAlgn="auto" latinLnBrk="0" hangingPunct="1">
+              <a:lnSpc>
+                <a:spcPct val="100000"/>
+              </a:lnSpc>
+              <a:spcBef>
+                <a:spcPts val="0"/>
+              </a:spcBef>
+              <a:spcAft>
+                <a:spcPts val="0"/>
+              </a:spcAft>
+              <a:buClrTx/>
+              <a:buSzTx/>
+              <a:buFontTx/>
+              <a:buNone/>
+              <a:tabLst/>
+              <a:defRPr/>
+            </a:pPr>
+            <a:r>
+              <a:rPr lang="en-US" dirty="0" smtClean="0"/>
+              <a:t>Ok, so here are just some sample behavioral data points we collected.</a:t>
+            </a:r>
+            <a:r>
+              <a:rPr lang="en-US" baseline="0" dirty="0" smtClean="0"/>
+              <a:t> Each of these subplots came from a single participant, and I’ve just plotted the locations of the members of category A as well as the locations of the generated examples. </a:t>
+            </a:r>
+          </a:p>
+        </p:txBody>
+      </p:sp>
+      <p:sp>
+        <p:nvSpPr>
+          <p:cNvPr id="4" name="Slide Number Placeholder 3"/>
+          <p:cNvSpPr>
+            <a:spLocks noGrp="1"/>
+          </p:cNvSpPr>
+          <p:nvPr>
+            <p:ph type="sldNum" sz="quarter" idx="10"/>
+          </p:nvPr>
+        </p:nvSpPr>
+        <p:spPr/>
+        <p:txBody>
+          <a:bodyPr/>
+          <a:lstStyle/>
+          <a:p>
+            <a:fld id="{058AAC71-9B48-0A43-90A2-3982C5B7C3CD}" type="slidenum">
+              <a:rPr lang="en-US" smtClean="0"/>
+              <a:t>18</a:t>
+            </a:fld>
+            <a:endParaRPr lang="en-US"/>
+          </a:p>
+        </p:txBody>
+      </p:sp>
+    </p:spTree>
+    <p:extLst>
+      <p:ext uri="{BB962C8B-B14F-4D97-AF65-F5344CB8AC3E}">
+        <p14:creationId xmlns:p14="http://schemas.microsoft.com/office/powerpoint/2010/main" val="1083362675"/>
+      </p:ext>
+    </p:extLst>
+  </p:cSld>
+  <p:clrMapOvr>
+    <a:masterClrMapping/>
+  </p:clrMapOvr>
+</p:notes>
+</file>
+
+<file path=ppt/notesSlides/notesSlide19.xml><?xml version="1.0" encoding="utf-8"?>
+<p:notes xmlns:a="http://schemas.openxmlformats.org/drawingml/2006/main" xmlns:r="http://schemas.openxmlformats.org/officeDocument/2006/relationships" xmlns:p="http://schemas.openxmlformats.org/presentationml/2006/main">
+  <p:cSld>
+    <p:spTree>
+      <p:nvGrpSpPr>
+        <p:cNvPr id="1" name=""/>
+        <p:cNvGrpSpPr/>
+        <p:nvPr/>
+      </p:nvGrpSpPr>
+      <p:grpSpPr>
+        <a:xfrm>
+          <a:off x="0" y="0"/>
+          <a:ext cx="0" cy="0"/>
+          <a:chOff x="0" y="0"/>
+          <a:chExt cx="0" cy="0"/>
+        </a:xfrm>
+      </p:grpSpPr>
+      <p:sp>
+        <p:nvSpPr>
+          <p:cNvPr id="2" name="Slide Image Placeholder 1"/>
+          <p:cNvSpPr>
+            <a:spLocks noGrp="1" noRot="1" noChangeAspect="1"/>
+          </p:cNvSpPr>
+          <p:nvPr>
+            <p:ph type="sldImg"/>
+          </p:nvPr>
+        </p:nvSpPr>
+        <p:spPr/>
+      </p:sp>
+      <p:sp>
+        <p:nvSpPr>
+          <p:cNvPr id="3" name="Notes Placeholder 2"/>
+          <p:cNvSpPr>
+            <a:spLocks noGrp="1"/>
+          </p:cNvSpPr>
+          <p:nvPr>
+            <p:ph type="body" idx="1"/>
+          </p:nvPr>
+        </p:nvSpPr>
+        <p:spPr/>
+        <p:txBody>
+          <a:bodyPr/>
+          <a:lstStyle/>
+          <a:p>
+            <a:pPr marL="0" marR="0" indent="0" algn="l" defTabSz="914400" rtl="0" eaLnBrk="1" fontAlgn="auto" latinLnBrk="0" hangingPunct="1">
+              <a:lnSpc>
+                <a:spcPct val="100000"/>
+              </a:lnSpc>
+              <a:spcBef>
+                <a:spcPts val="0"/>
+              </a:spcBef>
+              <a:spcAft>
+                <a:spcPts val="0"/>
+              </a:spcAft>
+              <a:buClrTx/>
+              <a:buSzTx/>
+              <a:buFontTx/>
+              <a:buNone/>
+              <a:tabLst/>
+              <a:defRPr/>
+            </a:pPr>
+            <a:r>
+              <a:rPr lang="en-US" dirty="0" smtClean="0"/>
+              <a:t>Okay, so the first</a:t>
+            </a:r>
+            <a:r>
+              <a:rPr lang="en-US" baseline="0" dirty="0" smtClean="0"/>
+              <a:t> question we wanted to answer was just, very broadly, where did participants end up localizing the Beta exemplars. So on the slide I have three figures, one for each condition, and the shading of the figure shows how often people generated exemplars in each location. Areas shaded blue correspond to locations where Beta examples were generated most frequently. </a:t>
+            </a:r>
+          </a:p>
+          <a:p>
+            <a:pPr marL="0" marR="0" indent="0" algn="l" defTabSz="914400" rtl="0" eaLnBrk="1" fontAlgn="auto" latinLnBrk="0" hangingPunct="1">
+              <a:lnSpc>
+                <a:spcPct val="100000"/>
+              </a:lnSpc>
+              <a:spcBef>
+                <a:spcPts val="0"/>
+              </a:spcBef>
+              <a:spcAft>
+                <a:spcPts val="0"/>
+              </a:spcAft>
+              <a:buClrTx/>
+              <a:buSzTx/>
+              <a:buFontTx/>
+              <a:buNone/>
+              <a:tabLst/>
+              <a:defRPr/>
+            </a:pPr>
+            <a:endParaRPr lang="en-US" baseline="0" dirty="0" smtClean="0"/>
+          </a:p>
+          <a:p>
+            <a:pPr marL="0" marR="0" indent="0" algn="l" defTabSz="914400" rtl="0" eaLnBrk="1" fontAlgn="auto" latinLnBrk="0" hangingPunct="1">
+              <a:lnSpc>
+                <a:spcPct val="100000"/>
+              </a:lnSpc>
+              <a:spcBef>
+                <a:spcPts val="0"/>
+              </a:spcBef>
+              <a:spcAft>
+                <a:spcPts val="0"/>
+              </a:spcAft>
+              <a:buClrTx/>
+              <a:buSzTx/>
+              <a:buFontTx/>
+              <a:buNone/>
+              <a:tabLst/>
+              <a:defRPr/>
+            </a:pPr>
+            <a:r>
+              <a:rPr lang="en-US" baseline="0" dirty="0" smtClean="0"/>
+              <a:t>And you can see that people really prefer to put the betas along the edges and corners of the space. I think this reflects a goal to have the beta category exemplars as far away from the alphas as possible, which results  ion a lot of use of the corners.</a:t>
+            </a:r>
+          </a:p>
+        </p:txBody>
+      </p:sp>
+      <p:sp>
+        <p:nvSpPr>
+          <p:cNvPr id="4" name="Slide Number Placeholder 3"/>
+          <p:cNvSpPr>
+            <a:spLocks noGrp="1"/>
+          </p:cNvSpPr>
+          <p:nvPr>
+            <p:ph type="sldNum" sz="quarter" idx="10"/>
+          </p:nvPr>
+        </p:nvSpPr>
+        <p:spPr/>
+        <p:txBody>
+          <a:bodyPr/>
+          <a:lstStyle/>
+          <a:p>
+            <a:fld id="{058AAC71-9B48-0A43-90A2-3982C5B7C3CD}" type="slidenum">
+              <a:rPr lang="en-US" smtClean="0"/>
+              <a:t>19</a:t>
+            </a:fld>
+            <a:endParaRPr lang="en-US"/>
+          </a:p>
+        </p:txBody>
+      </p:sp>
+    </p:spTree>
+    <p:extLst>
+      <p:ext uri="{BB962C8B-B14F-4D97-AF65-F5344CB8AC3E}">
+        <p14:creationId xmlns:p14="http://schemas.microsoft.com/office/powerpoint/2010/main" val="56615965"/>
+      </p:ext>
+    </p:extLst>
+  </p:cSld>
+  <p:clrMapOvr>
+    <a:masterClrMapping/>
+  </p:clrMapOvr>
+</p:notes>
+</file>
+
 <file path=ppt/notesSlides/notesSlide2.xml><?xml version="1.0" encoding="utf-8"?>
 <p:notes xmlns:a="http://schemas.openxmlformats.org/drawingml/2006/main" xmlns:r="http://schemas.openxmlformats.org/officeDocument/2006/relationships" xmlns:p="http://schemas.openxmlformats.org/presentationml/2006/main">
   <p:cSld>
@@ -653,19 +1707,7 @@
           <a:p>
             <a:r>
               <a:rPr lang="en-US" baseline="0" dirty="0" smtClean="0"/>
-              <a:t>In general, studies on category generation basically ask people to generate new categories of things, and the the experimenter analyzes the created categories to figure out what sources of prior knowledge were used in the creative process. In the classic paradigm, p</a:t>
-            </a:r>
-            <a:r>
-              <a:rPr lang="en-US" baseline="0" dirty="0" smtClean="0"/>
-              <a:t>articipants are asked to draw new species of plants and animals that might exist on other planets. In reality there are other backstories but </a:t>
-            </a:r>
-            <a:r>
-              <a:rPr lang="en-US" baseline="0" dirty="0" err="1" smtClean="0"/>
-              <a:t>i’m</a:t>
-            </a:r>
-            <a:r>
-              <a:rPr lang="en-US" baseline="0" dirty="0" smtClean="0"/>
-              <a:t> going to stick with the alien for simplicity.</a:t>
+              <a:t>In general, studies on category generation basically ask people to generate new categories of things, and the the experimenter analyzes the created categories to figure out what sources of prior knowledge were used in the creative process. In the classic paradigm, participants are asked to draw new species of plants and animals that might exist on other planets. </a:t>
             </a:r>
           </a:p>
           <a:p>
@@ -712,6 +1754,1279 @@
     <p:extLst>
       <p:ext uri="{BB962C8B-B14F-4D97-AF65-F5344CB8AC3E}">
         <p14:creationId xmlns:p14="http://schemas.microsoft.com/office/powerpoint/2010/main" val="1778253247"/>
+      </p:ext>
+    </p:extLst>
+  </p:cSld>
+  <p:clrMapOvr>
+    <a:masterClrMapping/>
+  </p:clrMapOvr>
+</p:notes>
+</file>
+
+<file path=ppt/notesSlides/notesSlide20.xml><?xml version="1.0" encoding="utf-8"?>
+<p:notes xmlns:a="http://schemas.openxmlformats.org/drawingml/2006/main" xmlns:r="http://schemas.openxmlformats.org/officeDocument/2006/relationships" xmlns:p="http://schemas.openxmlformats.org/presentationml/2006/main">
+  <p:cSld>
+    <p:spTree>
+      <p:nvGrpSpPr>
+        <p:cNvPr id="1" name=""/>
+        <p:cNvGrpSpPr/>
+        <p:nvPr/>
+      </p:nvGrpSpPr>
+      <p:grpSpPr>
+        <a:xfrm>
+          <a:off x="0" y="0"/>
+          <a:ext cx="0" cy="0"/>
+          <a:chOff x="0" y="0"/>
+          <a:chExt cx="0" cy="0"/>
+        </a:xfrm>
+      </p:grpSpPr>
+      <p:sp>
+        <p:nvSpPr>
+          <p:cNvPr id="2" name="Slide Image Placeholder 1"/>
+          <p:cNvSpPr>
+            <a:spLocks noGrp="1" noRot="1" noChangeAspect="1"/>
+          </p:cNvSpPr>
+          <p:nvPr>
+            <p:ph type="sldImg"/>
+          </p:nvPr>
+        </p:nvSpPr>
+        <p:spPr/>
+      </p:sp>
+      <p:sp>
+        <p:nvSpPr>
+          <p:cNvPr id="3" name="Notes Placeholder 2"/>
+          <p:cNvSpPr>
+            <a:spLocks noGrp="1"/>
+          </p:cNvSpPr>
+          <p:nvPr>
+            <p:ph type="body" idx="1"/>
+          </p:nvPr>
+        </p:nvSpPr>
+        <p:spPr/>
+        <p:txBody>
+          <a:bodyPr/>
+          <a:lstStyle/>
+          <a:p>
+            <a:pPr marL="0" marR="0" indent="0" algn="l" defTabSz="914400" rtl="0" eaLnBrk="1" fontAlgn="auto" latinLnBrk="0" hangingPunct="1">
+              <a:lnSpc>
+                <a:spcPct val="100000"/>
+              </a:lnSpc>
+              <a:spcBef>
+                <a:spcPts val="0"/>
+              </a:spcBef>
+              <a:spcAft>
+                <a:spcPts val="0"/>
+              </a:spcAft>
+              <a:buClrTx/>
+              <a:buSzTx/>
+              <a:buFontTx/>
+              <a:buNone/>
+              <a:tabLst/>
+              <a:defRPr/>
+            </a:pPr>
+            <a:r>
+              <a:rPr lang="en-US" dirty="0" smtClean="0"/>
+              <a:t>So, digging in a litter deeper, the next thing we wanted to so is to try to</a:t>
+            </a:r>
+            <a:r>
+              <a:rPr lang="en-US" baseline="0" dirty="0" smtClean="0"/>
+              <a:t> characterize the structure of the generated categories. For example, we want to know if people created categories that are opposites of the alphas, or if they made rows or columns or whatever.</a:t>
+            </a:r>
+          </a:p>
+          <a:p>
+            <a:pPr marL="0" marR="0" indent="0" algn="l" defTabSz="914400" rtl="0" eaLnBrk="1" fontAlgn="auto" latinLnBrk="0" hangingPunct="1">
+              <a:lnSpc>
+                <a:spcPct val="100000"/>
+              </a:lnSpc>
+              <a:spcBef>
+                <a:spcPts val="0"/>
+              </a:spcBef>
+              <a:spcAft>
+                <a:spcPts val="0"/>
+              </a:spcAft>
+              <a:buClrTx/>
+              <a:buSzTx/>
+              <a:buFontTx/>
+              <a:buNone/>
+              <a:tabLst/>
+              <a:defRPr/>
+            </a:pPr>
+            <a:endParaRPr lang="en-US" baseline="0" dirty="0" smtClean="0"/>
+          </a:p>
+          <a:p>
+            <a:pPr marL="0" marR="0" indent="0" algn="l" defTabSz="914400" rtl="0" eaLnBrk="1" fontAlgn="auto" latinLnBrk="0" hangingPunct="1">
+              <a:lnSpc>
+                <a:spcPct val="100000"/>
+              </a:lnSpc>
+              <a:spcBef>
+                <a:spcPts val="0"/>
+              </a:spcBef>
+              <a:spcAft>
+                <a:spcPts val="0"/>
+              </a:spcAft>
+              <a:buClrTx/>
+              <a:buSzTx/>
+              <a:buFontTx/>
+              <a:buNone/>
+              <a:tabLst/>
+              <a:defRPr/>
+            </a:pPr>
+            <a:r>
+              <a:rPr lang="en-US" baseline="0" dirty="0" smtClean="0"/>
+              <a:t>And so we ended up using three summary statistics to describe each participant's category. We calculated the variability of the exemplars along each dimension, size and color, as well as the correlation between features within the category. I have on the slide a few examples from our dataset, which sort of give you the sense of how these three statistics really capture a lot about the generations strategy. </a:t>
+            </a:r>
+            <a:endParaRPr lang="en-US" dirty="0" smtClean="0"/>
+          </a:p>
+        </p:txBody>
+      </p:sp>
+      <p:sp>
+        <p:nvSpPr>
+          <p:cNvPr id="4" name="Slide Number Placeholder 3"/>
+          <p:cNvSpPr>
+            <a:spLocks noGrp="1"/>
+          </p:cNvSpPr>
+          <p:nvPr>
+            <p:ph type="sldNum" sz="quarter" idx="10"/>
+          </p:nvPr>
+        </p:nvSpPr>
+        <p:spPr/>
+        <p:txBody>
+          <a:bodyPr/>
+          <a:lstStyle/>
+          <a:p>
+            <a:fld id="{058AAC71-9B48-0A43-90A2-3982C5B7C3CD}" type="slidenum">
+              <a:rPr lang="en-US" smtClean="0"/>
+              <a:t>20</a:t>
+            </a:fld>
+            <a:endParaRPr lang="en-US"/>
+          </a:p>
+        </p:txBody>
+      </p:sp>
+    </p:spTree>
+    <p:extLst>
+      <p:ext uri="{BB962C8B-B14F-4D97-AF65-F5344CB8AC3E}">
+        <p14:creationId xmlns:p14="http://schemas.microsoft.com/office/powerpoint/2010/main" val="1738797999"/>
+      </p:ext>
+    </p:extLst>
+  </p:cSld>
+  <p:clrMapOvr>
+    <a:masterClrMapping/>
+  </p:clrMapOvr>
+</p:notes>
+</file>
+
+<file path=ppt/notesSlides/notesSlide21.xml><?xml version="1.0" encoding="utf-8"?>
+<p:notes xmlns:a="http://schemas.openxmlformats.org/drawingml/2006/main" xmlns:r="http://schemas.openxmlformats.org/officeDocument/2006/relationships" xmlns:p="http://schemas.openxmlformats.org/presentationml/2006/main">
+  <p:cSld>
+    <p:spTree>
+      <p:nvGrpSpPr>
+        <p:cNvPr id="1" name=""/>
+        <p:cNvGrpSpPr/>
+        <p:nvPr/>
+      </p:nvGrpSpPr>
+      <p:grpSpPr>
+        <a:xfrm>
+          <a:off x="0" y="0"/>
+          <a:ext cx="0" cy="0"/>
+          <a:chOff x="0" y="0"/>
+          <a:chExt cx="0" cy="0"/>
+        </a:xfrm>
+      </p:grpSpPr>
+      <p:sp>
+        <p:nvSpPr>
+          <p:cNvPr id="2" name="Slide Image Placeholder 1"/>
+          <p:cNvSpPr>
+            <a:spLocks noGrp="1" noRot="1" noChangeAspect="1"/>
+          </p:cNvSpPr>
+          <p:nvPr>
+            <p:ph type="sldImg"/>
+          </p:nvPr>
+        </p:nvSpPr>
+        <p:spPr/>
+      </p:sp>
+      <p:sp>
+        <p:nvSpPr>
+          <p:cNvPr id="3" name="Notes Placeholder 2"/>
+          <p:cNvSpPr>
+            <a:spLocks noGrp="1"/>
+          </p:cNvSpPr>
+          <p:nvPr>
+            <p:ph type="body" idx="1"/>
+          </p:nvPr>
+        </p:nvSpPr>
+        <p:spPr/>
+        <p:txBody>
+          <a:bodyPr/>
+          <a:lstStyle/>
+          <a:p>
+            <a:pPr marL="0" marR="0" indent="0" algn="l" defTabSz="914400" rtl="0" eaLnBrk="1" fontAlgn="auto" latinLnBrk="0" hangingPunct="1">
+              <a:lnSpc>
+                <a:spcPct val="100000"/>
+              </a:lnSpc>
+              <a:spcBef>
+                <a:spcPts val="0"/>
+              </a:spcBef>
+              <a:spcAft>
+                <a:spcPts val="0"/>
+              </a:spcAft>
+              <a:buClrTx/>
+              <a:buSzTx/>
+              <a:buFontTx/>
+              <a:buNone/>
+              <a:tabLst/>
+              <a:defRPr/>
+            </a:pPr>
+            <a:r>
+              <a:rPr lang="en-US" dirty="0" smtClean="0"/>
+              <a:t>Here are the comparisons for the variance. Each plot show the variance along a given dimension for each condition, and I have depicted</a:t>
+            </a:r>
+            <a:r>
+              <a:rPr lang="en-US" baseline="0" dirty="0" smtClean="0"/>
+              <a:t> the conditions within each plot.</a:t>
+            </a:r>
+          </a:p>
+          <a:p>
+            <a:pPr marL="0" marR="0" indent="0" algn="l" defTabSz="914400" rtl="0" eaLnBrk="1" fontAlgn="auto" latinLnBrk="0" hangingPunct="1">
+              <a:lnSpc>
+                <a:spcPct val="100000"/>
+              </a:lnSpc>
+              <a:spcBef>
+                <a:spcPts val="0"/>
+              </a:spcBef>
+              <a:spcAft>
+                <a:spcPts val="0"/>
+              </a:spcAft>
+              <a:buClrTx/>
+              <a:buSzTx/>
+              <a:buFontTx/>
+              <a:buNone/>
+              <a:tabLst/>
+              <a:defRPr/>
+            </a:pPr>
+            <a:endParaRPr lang="en-US" baseline="0" dirty="0" smtClean="0"/>
+          </a:p>
+          <a:p>
+            <a:pPr marL="0" marR="0" indent="0" algn="l" defTabSz="914400" rtl="0" eaLnBrk="1" fontAlgn="auto" latinLnBrk="0" hangingPunct="1">
+              <a:lnSpc>
+                <a:spcPct val="100000"/>
+              </a:lnSpc>
+              <a:spcBef>
+                <a:spcPts val="0"/>
+              </a:spcBef>
+              <a:spcAft>
+                <a:spcPts val="0"/>
+              </a:spcAft>
+              <a:buClrTx/>
+              <a:buSzTx/>
+              <a:buFontTx/>
+              <a:buNone/>
+              <a:tabLst/>
+              <a:defRPr/>
+            </a:pPr>
+            <a:r>
+              <a:rPr lang="en-US" baseline="0" dirty="0" smtClean="0"/>
+              <a:t>The results here show two things mainly. First, the categories generated after exposure to an XOR category are generally more variable than Cluster and Row. And this makes sense because the Alpha categories in XOR are also much more variable.</a:t>
+            </a:r>
+          </a:p>
+          <a:p>
+            <a:pPr marL="0" marR="0" indent="0" algn="l" defTabSz="914400" rtl="0" eaLnBrk="1" fontAlgn="auto" latinLnBrk="0" hangingPunct="1">
+              <a:lnSpc>
+                <a:spcPct val="100000"/>
+              </a:lnSpc>
+              <a:spcBef>
+                <a:spcPts val="0"/>
+              </a:spcBef>
+              <a:spcAft>
+                <a:spcPts val="0"/>
+              </a:spcAft>
+              <a:buClrTx/>
+              <a:buSzTx/>
+              <a:buFontTx/>
+              <a:buNone/>
+              <a:tabLst/>
+              <a:defRPr/>
+            </a:pPr>
+            <a:endParaRPr lang="en-US" baseline="0" dirty="0" smtClean="0"/>
+          </a:p>
+          <a:p>
+            <a:pPr marL="0" marR="0" indent="0" algn="l" defTabSz="914400" rtl="0" eaLnBrk="1" fontAlgn="auto" latinLnBrk="0" hangingPunct="1">
+              <a:lnSpc>
+                <a:spcPct val="100000"/>
+              </a:lnSpc>
+              <a:spcBef>
+                <a:spcPts val="0"/>
+              </a:spcBef>
+              <a:spcAft>
+                <a:spcPts val="0"/>
+              </a:spcAft>
+              <a:buClrTx/>
+              <a:buSzTx/>
+              <a:buFontTx/>
+              <a:buNone/>
+              <a:tabLst/>
+              <a:defRPr/>
+            </a:pPr>
+            <a:r>
+              <a:rPr lang="en-US" baseline="0" dirty="0" smtClean="0"/>
+              <a:t>The second thing is that the row condition has much less variance along the vertical dimension, which again makes sense because those Alphas are a row, and so people are likely making Betas as rows.</a:t>
+            </a:r>
+            <a:endParaRPr lang="en-US" dirty="0" smtClean="0"/>
+          </a:p>
+        </p:txBody>
+      </p:sp>
+      <p:sp>
+        <p:nvSpPr>
+          <p:cNvPr id="4" name="Slide Number Placeholder 3"/>
+          <p:cNvSpPr>
+            <a:spLocks noGrp="1"/>
+          </p:cNvSpPr>
+          <p:nvPr>
+            <p:ph type="sldNum" sz="quarter" idx="10"/>
+          </p:nvPr>
+        </p:nvSpPr>
+        <p:spPr/>
+        <p:txBody>
+          <a:bodyPr/>
+          <a:lstStyle/>
+          <a:p>
+            <a:fld id="{058AAC71-9B48-0A43-90A2-3982C5B7C3CD}" type="slidenum">
+              <a:rPr lang="en-US" smtClean="0"/>
+              <a:t>21</a:t>
+            </a:fld>
+            <a:endParaRPr lang="en-US"/>
+          </a:p>
+        </p:txBody>
+      </p:sp>
+    </p:spTree>
+    <p:extLst>
+      <p:ext uri="{BB962C8B-B14F-4D97-AF65-F5344CB8AC3E}">
+        <p14:creationId xmlns:p14="http://schemas.microsoft.com/office/powerpoint/2010/main" val="1752826377"/>
+      </p:ext>
+    </p:extLst>
+  </p:cSld>
+  <p:clrMapOvr>
+    <a:masterClrMapping/>
+  </p:clrMapOvr>
+</p:notes>
+</file>
+
+<file path=ppt/notesSlides/notesSlide22.xml><?xml version="1.0" encoding="utf-8"?>
+<p:notes xmlns:a="http://schemas.openxmlformats.org/drawingml/2006/main" xmlns:r="http://schemas.openxmlformats.org/officeDocument/2006/relationships" xmlns:p="http://schemas.openxmlformats.org/presentationml/2006/main">
+  <p:cSld>
+    <p:spTree>
+      <p:nvGrpSpPr>
+        <p:cNvPr id="1" name=""/>
+        <p:cNvGrpSpPr/>
+        <p:nvPr/>
+      </p:nvGrpSpPr>
+      <p:grpSpPr>
+        <a:xfrm>
+          <a:off x="0" y="0"/>
+          <a:ext cx="0" cy="0"/>
+          <a:chOff x="0" y="0"/>
+          <a:chExt cx="0" cy="0"/>
+        </a:xfrm>
+      </p:grpSpPr>
+      <p:sp>
+        <p:nvSpPr>
+          <p:cNvPr id="2" name="Slide Image Placeholder 1"/>
+          <p:cNvSpPr>
+            <a:spLocks noGrp="1" noRot="1" noChangeAspect="1"/>
+          </p:cNvSpPr>
+          <p:nvPr>
+            <p:ph type="sldImg"/>
+          </p:nvPr>
+        </p:nvSpPr>
+        <p:spPr/>
+      </p:sp>
+      <p:sp>
+        <p:nvSpPr>
+          <p:cNvPr id="3" name="Notes Placeholder 2"/>
+          <p:cNvSpPr>
+            <a:spLocks noGrp="1"/>
+          </p:cNvSpPr>
+          <p:nvPr>
+            <p:ph type="body" idx="1"/>
+          </p:nvPr>
+        </p:nvSpPr>
+        <p:spPr/>
+        <p:txBody>
+          <a:bodyPr/>
+          <a:lstStyle/>
+          <a:p>
+            <a:pPr marL="0" marR="0" indent="0" algn="l" defTabSz="914400" rtl="0" eaLnBrk="1" fontAlgn="auto" latinLnBrk="0" hangingPunct="1">
+              <a:lnSpc>
+                <a:spcPct val="100000"/>
+              </a:lnSpc>
+              <a:spcBef>
+                <a:spcPts val="0"/>
+              </a:spcBef>
+              <a:spcAft>
+                <a:spcPts val="0"/>
+              </a:spcAft>
+              <a:buClrTx/>
+              <a:buSzTx/>
+              <a:buFontTx/>
+              <a:buNone/>
+              <a:tabLst/>
+              <a:defRPr/>
+            </a:pPr>
+            <a:r>
+              <a:rPr lang="en-US" dirty="0" smtClean="0"/>
+              <a:t>Right, and so I think this pretty nicely replicates the core finding from </a:t>
+            </a:r>
+            <a:r>
+              <a:rPr lang="en-US" dirty="0" err="1" smtClean="0"/>
+              <a:t>Jern</a:t>
+            </a:r>
+            <a:r>
+              <a:rPr lang="en-US" dirty="0" smtClean="0"/>
+              <a:t> &amp; Kemp.</a:t>
+            </a:r>
+            <a:r>
+              <a:rPr lang="en-US" baseline="0" dirty="0" smtClean="0"/>
+              <a:t> The degree of variance of the generated categories on average can be traced back to the variance of the existing Alpha category.</a:t>
+            </a:r>
+            <a:endParaRPr lang="en-US" dirty="0" smtClean="0"/>
+          </a:p>
+        </p:txBody>
+      </p:sp>
+      <p:sp>
+        <p:nvSpPr>
+          <p:cNvPr id="4" name="Slide Number Placeholder 3"/>
+          <p:cNvSpPr>
+            <a:spLocks noGrp="1"/>
+          </p:cNvSpPr>
+          <p:nvPr>
+            <p:ph type="sldNum" sz="quarter" idx="10"/>
+          </p:nvPr>
+        </p:nvSpPr>
+        <p:spPr/>
+        <p:txBody>
+          <a:bodyPr/>
+          <a:lstStyle/>
+          <a:p>
+            <a:fld id="{058AAC71-9B48-0A43-90A2-3982C5B7C3CD}" type="slidenum">
+              <a:rPr lang="en-US" smtClean="0"/>
+              <a:t>22</a:t>
+            </a:fld>
+            <a:endParaRPr lang="en-US"/>
+          </a:p>
+        </p:txBody>
+      </p:sp>
+    </p:spTree>
+    <p:extLst>
+      <p:ext uri="{BB962C8B-B14F-4D97-AF65-F5344CB8AC3E}">
+        <p14:creationId xmlns:p14="http://schemas.microsoft.com/office/powerpoint/2010/main" val="1352011985"/>
+      </p:ext>
+    </p:extLst>
+  </p:cSld>
+  <p:clrMapOvr>
+    <a:masterClrMapping/>
+  </p:clrMapOvr>
+</p:notes>
+</file>
+
+<file path=ppt/notesSlides/notesSlide23.xml><?xml version="1.0" encoding="utf-8"?>
+<p:notes xmlns:a="http://schemas.openxmlformats.org/drawingml/2006/main" xmlns:r="http://schemas.openxmlformats.org/officeDocument/2006/relationships" xmlns:p="http://schemas.openxmlformats.org/presentationml/2006/main">
+  <p:cSld>
+    <p:spTree>
+      <p:nvGrpSpPr>
+        <p:cNvPr id="1" name=""/>
+        <p:cNvGrpSpPr/>
+        <p:nvPr/>
+      </p:nvGrpSpPr>
+      <p:grpSpPr>
+        <a:xfrm>
+          <a:off x="0" y="0"/>
+          <a:ext cx="0" cy="0"/>
+          <a:chOff x="0" y="0"/>
+          <a:chExt cx="0" cy="0"/>
+        </a:xfrm>
+      </p:grpSpPr>
+      <p:sp>
+        <p:nvSpPr>
+          <p:cNvPr id="2" name="Slide Image Placeholder 1"/>
+          <p:cNvSpPr>
+            <a:spLocks noGrp="1" noRot="1" noChangeAspect="1"/>
+          </p:cNvSpPr>
+          <p:nvPr>
+            <p:ph type="sldImg"/>
+          </p:nvPr>
+        </p:nvSpPr>
+        <p:spPr/>
+      </p:sp>
+      <p:sp>
+        <p:nvSpPr>
+          <p:cNvPr id="3" name="Notes Placeholder 2"/>
+          <p:cNvSpPr>
+            <a:spLocks noGrp="1"/>
+          </p:cNvSpPr>
+          <p:nvPr>
+            <p:ph type="body" idx="1"/>
+          </p:nvPr>
+        </p:nvSpPr>
+        <p:spPr/>
+        <p:txBody>
+          <a:bodyPr/>
+          <a:lstStyle/>
+          <a:p>
+            <a:pPr marL="0" marR="0" indent="0" algn="l" defTabSz="914400" rtl="0" eaLnBrk="1" fontAlgn="auto" latinLnBrk="0" hangingPunct="1">
+              <a:lnSpc>
+                <a:spcPct val="100000"/>
+              </a:lnSpc>
+              <a:spcBef>
+                <a:spcPts val="0"/>
+              </a:spcBef>
+              <a:spcAft>
+                <a:spcPts val="0"/>
+              </a:spcAft>
+              <a:buClrTx/>
+              <a:buSzTx/>
+              <a:buFontTx/>
+              <a:buNone/>
+              <a:tabLst/>
+              <a:defRPr/>
+            </a:pPr>
+            <a:r>
+              <a:rPr lang="en-US" dirty="0" smtClean="0"/>
+              <a:t>Here’s the data for the feature correlations. Again, each condition’s average is shown on a separate</a:t>
+            </a:r>
+            <a:r>
+              <a:rPr lang="en-US" baseline="0" dirty="0" smtClean="0"/>
+              <a:t> bar. You can see that Cluster and row do not have much in terms of systematic correlations, but beta categories from the XOR condition have strongly negative feature correlations. This is actually pretty cool, because the alphas in the XOR condition have a strongly positive correlation, and this shows that participants are generating betas as the opposite of alphas.</a:t>
+            </a:r>
+          </a:p>
+          <a:p>
+            <a:pPr marL="0" marR="0" indent="0" algn="l" defTabSz="914400" rtl="0" eaLnBrk="1" fontAlgn="auto" latinLnBrk="0" hangingPunct="1">
+              <a:lnSpc>
+                <a:spcPct val="100000"/>
+              </a:lnSpc>
+              <a:spcBef>
+                <a:spcPts val="0"/>
+              </a:spcBef>
+              <a:spcAft>
+                <a:spcPts val="0"/>
+              </a:spcAft>
+              <a:buClrTx/>
+              <a:buSzTx/>
+              <a:buFontTx/>
+              <a:buNone/>
+              <a:tabLst/>
+              <a:defRPr/>
+            </a:pPr>
+            <a:endParaRPr lang="en-US" baseline="0" dirty="0" smtClean="0"/>
+          </a:p>
+          <a:p>
+            <a:pPr marL="0" marR="0" indent="0" algn="l" defTabSz="914400" rtl="0" eaLnBrk="1" fontAlgn="auto" latinLnBrk="0" hangingPunct="1">
+              <a:lnSpc>
+                <a:spcPct val="100000"/>
+              </a:lnSpc>
+              <a:spcBef>
+                <a:spcPts val="0"/>
+              </a:spcBef>
+              <a:spcAft>
+                <a:spcPts val="0"/>
+              </a:spcAft>
+              <a:buClrTx/>
+              <a:buSzTx/>
+              <a:buFontTx/>
+              <a:buNone/>
+              <a:tabLst/>
+              <a:defRPr/>
+            </a:pPr>
+            <a:r>
+              <a:rPr lang="en-US" baseline="0" dirty="0" smtClean="0"/>
+              <a:t>On the right side of the slide I have histograms of each condition’s feature correlations, and this is just to confirm that the zero averages in Row and Cluster are not simply due to bimodality with strongly positive and negative correlations. If anything, there looks like there could be a subgroup of individuals in the XOR condition with strongly positive correlations.</a:t>
+            </a:r>
+            <a:endParaRPr lang="en-US" dirty="0" smtClean="0"/>
+          </a:p>
+        </p:txBody>
+      </p:sp>
+      <p:sp>
+        <p:nvSpPr>
+          <p:cNvPr id="4" name="Slide Number Placeholder 3"/>
+          <p:cNvSpPr>
+            <a:spLocks noGrp="1"/>
+          </p:cNvSpPr>
+          <p:nvPr>
+            <p:ph type="sldNum" sz="quarter" idx="10"/>
+          </p:nvPr>
+        </p:nvSpPr>
+        <p:spPr/>
+        <p:txBody>
+          <a:bodyPr/>
+          <a:lstStyle/>
+          <a:p>
+            <a:fld id="{058AAC71-9B48-0A43-90A2-3982C5B7C3CD}" type="slidenum">
+              <a:rPr lang="en-US" smtClean="0"/>
+              <a:t>23</a:t>
+            </a:fld>
+            <a:endParaRPr lang="en-US"/>
+          </a:p>
+        </p:txBody>
+      </p:sp>
+    </p:spTree>
+    <p:extLst>
+      <p:ext uri="{BB962C8B-B14F-4D97-AF65-F5344CB8AC3E}">
+        <p14:creationId xmlns:p14="http://schemas.microsoft.com/office/powerpoint/2010/main" val="107270363"/>
+      </p:ext>
+    </p:extLst>
+  </p:cSld>
+  <p:clrMapOvr>
+    <a:masterClrMapping/>
+  </p:clrMapOvr>
+</p:notes>
+</file>
+
+<file path=ppt/notesSlides/notesSlide24.xml><?xml version="1.0" encoding="utf-8"?>
+<p:notes xmlns:a="http://schemas.openxmlformats.org/drawingml/2006/main" xmlns:r="http://schemas.openxmlformats.org/officeDocument/2006/relationships" xmlns:p="http://schemas.openxmlformats.org/presentationml/2006/main">
+  <p:cSld>
+    <p:spTree>
+      <p:nvGrpSpPr>
+        <p:cNvPr id="1" name=""/>
+        <p:cNvGrpSpPr/>
+        <p:nvPr/>
+      </p:nvGrpSpPr>
+      <p:grpSpPr>
+        <a:xfrm>
+          <a:off x="0" y="0"/>
+          <a:ext cx="0" cy="0"/>
+          <a:chOff x="0" y="0"/>
+          <a:chExt cx="0" cy="0"/>
+        </a:xfrm>
+      </p:grpSpPr>
+      <p:sp>
+        <p:nvSpPr>
+          <p:cNvPr id="2" name="Slide Image Placeholder 1"/>
+          <p:cNvSpPr>
+            <a:spLocks noGrp="1" noRot="1" noChangeAspect="1"/>
+          </p:cNvSpPr>
+          <p:nvPr>
+            <p:ph type="sldImg"/>
+          </p:nvPr>
+        </p:nvSpPr>
+        <p:spPr/>
+      </p:sp>
+      <p:sp>
+        <p:nvSpPr>
+          <p:cNvPr id="3" name="Notes Placeholder 2"/>
+          <p:cNvSpPr>
+            <a:spLocks noGrp="1"/>
+          </p:cNvSpPr>
+          <p:nvPr>
+            <p:ph type="body" idx="1"/>
+          </p:nvPr>
+        </p:nvSpPr>
+        <p:spPr/>
+        <p:txBody>
+          <a:bodyPr/>
+          <a:lstStyle/>
+          <a:p>
+            <a:pPr marL="0" marR="0" indent="0" algn="l" defTabSz="914400" rtl="0" eaLnBrk="1" fontAlgn="auto" latinLnBrk="0" hangingPunct="1">
+              <a:lnSpc>
+                <a:spcPct val="100000"/>
+              </a:lnSpc>
+              <a:spcBef>
+                <a:spcPts val="0"/>
+              </a:spcBef>
+              <a:spcAft>
+                <a:spcPts val="0"/>
+              </a:spcAft>
+              <a:buClrTx/>
+              <a:buSzTx/>
+              <a:buFontTx/>
+              <a:buNone/>
+              <a:tabLst/>
+              <a:defRPr/>
+            </a:pPr>
+            <a:r>
+              <a:rPr lang="en-US" dirty="0" smtClean="0"/>
+              <a:t>And if you consider this more carefully, it turns out that in </a:t>
+            </a:r>
+            <a:r>
+              <a:rPr lang="en-US" baseline="0" dirty="0" smtClean="0"/>
+              <a:t>the results for the XOR condition we actually see a departure from the </a:t>
+            </a:r>
+            <a:r>
+              <a:rPr lang="en-US" baseline="0" dirty="0" err="1" smtClean="0"/>
+              <a:t>Jern</a:t>
+            </a:r>
+            <a:r>
+              <a:rPr lang="en-US" baseline="0" dirty="0" smtClean="0"/>
+              <a:t> &amp; Kemp findings. People didn’t just transfer the positive correlation in the alpha category, which is what </a:t>
+            </a:r>
+            <a:r>
+              <a:rPr lang="en-US" baseline="0" dirty="0" err="1" smtClean="0"/>
+              <a:t>Jern</a:t>
+            </a:r>
+            <a:r>
+              <a:rPr lang="en-US" baseline="0" dirty="0" smtClean="0"/>
+              <a:t> &amp; Kemp would predict, but its actually as if they made a decision that the Beta category should be opposite of alphas, which produces a negative correlation. And so I think that’s a really interesting piece of phenomena that I’d like to explain in a future experiment.</a:t>
+            </a:r>
+          </a:p>
+        </p:txBody>
+      </p:sp>
+      <p:sp>
+        <p:nvSpPr>
+          <p:cNvPr id="4" name="Slide Number Placeholder 3"/>
+          <p:cNvSpPr>
+            <a:spLocks noGrp="1"/>
+          </p:cNvSpPr>
+          <p:nvPr>
+            <p:ph type="sldNum" sz="quarter" idx="10"/>
+          </p:nvPr>
+        </p:nvSpPr>
+        <p:spPr/>
+        <p:txBody>
+          <a:bodyPr/>
+          <a:lstStyle/>
+          <a:p>
+            <a:fld id="{058AAC71-9B48-0A43-90A2-3982C5B7C3CD}" type="slidenum">
+              <a:rPr lang="en-US" smtClean="0"/>
+              <a:t>24</a:t>
+            </a:fld>
+            <a:endParaRPr lang="en-US"/>
+          </a:p>
+        </p:txBody>
+      </p:sp>
+    </p:spTree>
+    <p:extLst>
+      <p:ext uri="{BB962C8B-B14F-4D97-AF65-F5344CB8AC3E}">
+        <p14:creationId xmlns:p14="http://schemas.microsoft.com/office/powerpoint/2010/main" val="606308805"/>
+      </p:ext>
+    </p:extLst>
+  </p:cSld>
+  <p:clrMapOvr>
+    <a:masterClrMapping/>
+  </p:clrMapOvr>
+</p:notes>
+</file>
+
+<file path=ppt/notesSlides/notesSlide25.xml><?xml version="1.0" encoding="utf-8"?>
+<p:notes xmlns:a="http://schemas.openxmlformats.org/drawingml/2006/main" xmlns:r="http://schemas.openxmlformats.org/officeDocument/2006/relationships" xmlns:p="http://schemas.openxmlformats.org/presentationml/2006/main">
+  <p:cSld>
+    <p:spTree>
+      <p:nvGrpSpPr>
+        <p:cNvPr id="1" name=""/>
+        <p:cNvGrpSpPr/>
+        <p:nvPr/>
+      </p:nvGrpSpPr>
+      <p:grpSpPr>
+        <a:xfrm>
+          <a:off x="0" y="0"/>
+          <a:ext cx="0" cy="0"/>
+          <a:chOff x="0" y="0"/>
+          <a:chExt cx="0" cy="0"/>
+        </a:xfrm>
+      </p:grpSpPr>
+      <p:sp>
+        <p:nvSpPr>
+          <p:cNvPr id="2" name="Slide Image Placeholder 1"/>
+          <p:cNvSpPr>
+            <a:spLocks noGrp="1" noRot="1" noChangeAspect="1"/>
+          </p:cNvSpPr>
+          <p:nvPr>
+            <p:ph type="sldImg"/>
+          </p:nvPr>
+        </p:nvSpPr>
+        <p:spPr/>
+      </p:sp>
+      <p:sp>
+        <p:nvSpPr>
+          <p:cNvPr id="3" name="Notes Placeholder 2"/>
+          <p:cNvSpPr>
+            <a:spLocks noGrp="1"/>
+          </p:cNvSpPr>
+          <p:nvPr>
+            <p:ph type="body" idx="1"/>
+          </p:nvPr>
+        </p:nvSpPr>
+        <p:spPr/>
+        <p:txBody>
+          <a:bodyPr/>
+          <a:lstStyle/>
+          <a:p>
+            <a:pPr marL="0" marR="0" indent="0" algn="l" defTabSz="914400" rtl="0" eaLnBrk="1" fontAlgn="auto" latinLnBrk="0" hangingPunct="1">
+              <a:lnSpc>
+                <a:spcPct val="100000"/>
+              </a:lnSpc>
+              <a:spcBef>
+                <a:spcPts val="0"/>
+              </a:spcBef>
+              <a:spcAft>
+                <a:spcPts val="0"/>
+              </a:spcAft>
+              <a:buClrTx/>
+              <a:buSzTx/>
+              <a:buFontTx/>
+              <a:buNone/>
+              <a:tabLst/>
+              <a:defRPr/>
+            </a:pPr>
+            <a:r>
+              <a:rPr lang="en-US" dirty="0" smtClean="0"/>
+              <a:t>So from these summary statistics, we definitely get the sense that there are properties of the Alpha category that</a:t>
+            </a:r>
+            <a:r>
+              <a:rPr lang="en-US" baseline="0" dirty="0" smtClean="0"/>
+              <a:t> are applied when people generate members of a new category. But I think its clear that the structure of the alpha category is not the only determinant of the structure of the Beta category. Not only did participants in the XOR condition appear to reverse the feature correlation, but casual observation of the generate categories makes it pretty clear that participants often induce structure in the Betas that is not present in the Alphas. </a:t>
+            </a:r>
+            <a:endParaRPr lang="en-US" dirty="0" smtClean="0"/>
+          </a:p>
+          <a:p>
+            <a:pPr marL="0" marR="0" indent="0" algn="l" defTabSz="914400" rtl="0" eaLnBrk="1" fontAlgn="auto" latinLnBrk="0" hangingPunct="1">
+              <a:lnSpc>
+                <a:spcPct val="100000"/>
+              </a:lnSpc>
+              <a:spcBef>
+                <a:spcPts val="0"/>
+              </a:spcBef>
+              <a:spcAft>
+                <a:spcPts val="0"/>
+              </a:spcAft>
+              <a:buClrTx/>
+              <a:buSzTx/>
+              <a:buFontTx/>
+              <a:buNone/>
+              <a:tabLst/>
+              <a:defRPr/>
+            </a:pPr>
+            <a:endParaRPr lang="en-US" baseline="0" dirty="0" smtClean="0"/>
+          </a:p>
+        </p:txBody>
+      </p:sp>
+      <p:sp>
+        <p:nvSpPr>
+          <p:cNvPr id="4" name="Slide Number Placeholder 3"/>
+          <p:cNvSpPr>
+            <a:spLocks noGrp="1"/>
+          </p:cNvSpPr>
+          <p:nvPr>
+            <p:ph type="sldNum" sz="quarter" idx="10"/>
+          </p:nvPr>
+        </p:nvSpPr>
+        <p:spPr/>
+        <p:txBody>
+          <a:bodyPr/>
+          <a:lstStyle/>
+          <a:p>
+            <a:fld id="{058AAC71-9B48-0A43-90A2-3982C5B7C3CD}" type="slidenum">
+              <a:rPr lang="en-US" smtClean="0"/>
+              <a:t>25</a:t>
+            </a:fld>
+            <a:endParaRPr lang="en-US"/>
+          </a:p>
+        </p:txBody>
+      </p:sp>
+    </p:spTree>
+    <p:extLst>
+      <p:ext uri="{BB962C8B-B14F-4D97-AF65-F5344CB8AC3E}">
+        <p14:creationId xmlns:p14="http://schemas.microsoft.com/office/powerpoint/2010/main" val="303710652"/>
+      </p:ext>
+    </p:extLst>
+  </p:cSld>
+  <p:clrMapOvr>
+    <a:masterClrMapping/>
+  </p:clrMapOvr>
+</p:notes>
+</file>
+
+<file path=ppt/notesSlides/notesSlide26.xml><?xml version="1.0" encoding="utf-8"?>
+<p:notes xmlns:a="http://schemas.openxmlformats.org/drawingml/2006/main" xmlns:r="http://schemas.openxmlformats.org/officeDocument/2006/relationships" xmlns:p="http://schemas.openxmlformats.org/presentationml/2006/main">
+  <p:cSld>
+    <p:spTree>
+      <p:nvGrpSpPr>
+        <p:cNvPr id="1" name=""/>
+        <p:cNvGrpSpPr/>
+        <p:nvPr/>
+      </p:nvGrpSpPr>
+      <p:grpSpPr>
+        <a:xfrm>
+          <a:off x="0" y="0"/>
+          <a:ext cx="0" cy="0"/>
+          <a:chOff x="0" y="0"/>
+          <a:chExt cx="0" cy="0"/>
+        </a:xfrm>
+      </p:grpSpPr>
+      <p:sp>
+        <p:nvSpPr>
+          <p:cNvPr id="2" name="Slide Image Placeholder 1"/>
+          <p:cNvSpPr>
+            <a:spLocks noGrp="1" noRot="1" noChangeAspect="1"/>
+          </p:cNvSpPr>
+          <p:nvPr>
+            <p:ph type="sldImg"/>
+          </p:nvPr>
+        </p:nvSpPr>
+        <p:spPr/>
+      </p:sp>
+      <p:sp>
+        <p:nvSpPr>
+          <p:cNvPr id="3" name="Notes Placeholder 2"/>
+          <p:cNvSpPr>
+            <a:spLocks noGrp="1"/>
+          </p:cNvSpPr>
+          <p:nvPr>
+            <p:ph type="body" idx="1"/>
+          </p:nvPr>
+        </p:nvSpPr>
+        <p:spPr/>
+        <p:txBody>
+          <a:bodyPr/>
+          <a:lstStyle/>
+          <a:p>
+            <a:pPr marL="0" marR="0" indent="0" algn="l" defTabSz="914400" rtl="0" eaLnBrk="1" fontAlgn="auto" latinLnBrk="0" hangingPunct="1">
+              <a:lnSpc>
+                <a:spcPct val="100000"/>
+              </a:lnSpc>
+              <a:spcBef>
+                <a:spcPts val="0"/>
+              </a:spcBef>
+              <a:spcAft>
+                <a:spcPts val="0"/>
+              </a:spcAft>
+              <a:buClrTx/>
+              <a:buSzTx/>
+              <a:buFontTx/>
+              <a:buNone/>
+              <a:tabLst/>
+              <a:defRPr/>
+            </a:pPr>
+            <a:endParaRPr lang="en-US" dirty="0" smtClean="0"/>
+          </a:p>
+        </p:txBody>
+      </p:sp>
+      <p:sp>
+        <p:nvSpPr>
+          <p:cNvPr id="4" name="Slide Number Placeholder 3"/>
+          <p:cNvSpPr>
+            <a:spLocks noGrp="1"/>
+          </p:cNvSpPr>
+          <p:nvPr>
+            <p:ph type="sldNum" sz="quarter" idx="10"/>
+          </p:nvPr>
+        </p:nvSpPr>
+        <p:spPr/>
+        <p:txBody>
+          <a:bodyPr/>
+          <a:lstStyle/>
+          <a:p>
+            <a:fld id="{058AAC71-9B48-0A43-90A2-3982C5B7C3CD}" type="slidenum">
+              <a:rPr lang="en-US" smtClean="0"/>
+              <a:t>26</a:t>
+            </a:fld>
+            <a:endParaRPr lang="en-US"/>
+          </a:p>
+        </p:txBody>
+      </p:sp>
+    </p:spTree>
+    <p:extLst>
+      <p:ext uri="{BB962C8B-B14F-4D97-AF65-F5344CB8AC3E}">
+        <p14:creationId xmlns:p14="http://schemas.microsoft.com/office/powerpoint/2010/main" val="1194065626"/>
+      </p:ext>
+    </p:extLst>
+  </p:cSld>
+  <p:clrMapOvr>
+    <a:masterClrMapping/>
+  </p:clrMapOvr>
+</p:notes>
+</file>
+
+<file path=ppt/notesSlides/notesSlide27.xml><?xml version="1.0" encoding="utf-8"?>
+<p:notes xmlns:a="http://schemas.openxmlformats.org/drawingml/2006/main" xmlns:r="http://schemas.openxmlformats.org/officeDocument/2006/relationships" xmlns:p="http://schemas.openxmlformats.org/presentationml/2006/main">
+  <p:cSld>
+    <p:spTree>
+      <p:nvGrpSpPr>
+        <p:cNvPr id="1" name=""/>
+        <p:cNvGrpSpPr/>
+        <p:nvPr/>
+      </p:nvGrpSpPr>
+      <p:grpSpPr>
+        <a:xfrm>
+          <a:off x="0" y="0"/>
+          <a:ext cx="0" cy="0"/>
+          <a:chOff x="0" y="0"/>
+          <a:chExt cx="0" cy="0"/>
+        </a:xfrm>
+      </p:grpSpPr>
+      <p:sp>
+        <p:nvSpPr>
+          <p:cNvPr id="2" name="Slide Image Placeholder 1"/>
+          <p:cNvSpPr>
+            <a:spLocks noGrp="1" noRot="1" noChangeAspect="1"/>
+          </p:cNvSpPr>
+          <p:nvPr>
+            <p:ph type="sldImg"/>
+          </p:nvPr>
+        </p:nvSpPr>
+        <p:spPr/>
+      </p:sp>
+      <p:sp>
+        <p:nvSpPr>
+          <p:cNvPr id="3" name="Notes Placeholder 2"/>
+          <p:cNvSpPr>
+            <a:spLocks noGrp="1"/>
+          </p:cNvSpPr>
+          <p:nvPr>
+            <p:ph type="body" idx="1"/>
+          </p:nvPr>
+        </p:nvSpPr>
+        <p:spPr/>
+        <p:txBody>
+          <a:bodyPr/>
+          <a:lstStyle/>
+          <a:p>
+            <a:pPr marL="0" marR="0" indent="0" algn="l" defTabSz="914400" rtl="0" eaLnBrk="1" fontAlgn="auto" latinLnBrk="0" hangingPunct="1">
+              <a:lnSpc>
+                <a:spcPct val="100000"/>
+              </a:lnSpc>
+              <a:spcBef>
+                <a:spcPts val="0"/>
+              </a:spcBef>
+              <a:spcAft>
+                <a:spcPts val="0"/>
+              </a:spcAft>
+              <a:buClrTx/>
+              <a:buSzTx/>
+              <a:buFontTx/>
+              <a:buNone/>
+              <a:tabLst/>
+              <a:defRPr/>
+            </a:pPr>
+            <a:endParaRPr lang="en-US" dirty="0" smtClean="0"/>
+          </a:p>
+        </p:txBody>
+      </p:sp>
+      <p:sp>
+        <p:nvSpPr>
+          <p:cNvPr id="4" name="Slide Number Placeholder 3"/>
+          <p:cNvSpPr>
+            <a:spLocks noGrp="1"/>
+          </p:cNvSpPr>
+          <p:nvPr>
+            <p:ph type="sldNum" sz="quarter" idx="10"/>
+          </p:nvPr>
+        </p:nvSpPr>
+        <p:spPr/>
+        <p:txBody>
+          <a:bodyPr/>
+          <a:lstStyle/>
+          <a:p>
+            <a:fld id="{058AAC71-9B48-0A43-90A2-3982C5B7C3CD}" type="slidenum">
+              <a:rPr lang="en-US" smtClean="0"/>
+              <a:t>27</a:t>
+            </a:fld>
+            <a:endParaRPr lang="en-US"/>
+          </a:p>
+        </p:txBody>
+      </p:sp>
+    </p:spTree>
+    <p:extLst>
+      <p:ext uri="{BB962C8B-B14F-4D97-AF65-F5344CB8AC3E}">
+        <p14:creationId xmlns:p14="http://schemas.microsoft.com/office/powerpoint/2010/main" val="734063977"/>
+      </p:ext>
+    </p:extLst>
+  </p:cSld>
+  <p:clrMapOvr>
+    <a:masterClrMapping/>
+  </p:clrMapOvr>
+</p:notes>
+</file>
+
+<file path=ppt/notesSlides/notesSlide28.xml><?xml version="1.0" encoding="utf-8"?>
+<p:notes xmlns:a="http://schemas.openxmlformats.org/drawingml/2006/main" xmlns:r="http://schemas.openxmlformats.org/officeDocument/2006/relationships" xmlns:p="http://schemas.openxmlformats.org/presentationml/2006/main">
+  <p:cSld>
+    <p:spTree>
+      <p:nvGrpSpPr>
+        <p:cNvPr id="1" name=""/>
+        <p:cNvGrpSpPr/>
+        <p:nvPr/>
+      </p:nvGrpSpPr>
+      <p:grpSpPr>
+        <a:xfrm>
+          <a:off x="0" y="0"/>
+          <a:ext cx="0" cy="0"/>
+          <a:chOff x="0" y="0"/>
+          <a:chExt cx="0" cy="0"/>
+        </a:xfrm>
+      </p:grpSpPr>
+      <p:sp>
+        <p:nvSpPr>
+          <p:cNvPr id="2" name="Slide Image Placeholder 1"/>
+          <p:cNvSpPr>
+            <a:spLocks noGrp="1" noRot="1" noChangeAspect="1"/>
+          </p:cNvSpPr>
+          <p:nvPr>
+            <p:ph type="sldImg"/>
+          </p:nvPr>
+        </p:nvSpPr>
+        <p:spPr/>
+      </p:sp>
+      <p:sp>
+        <p:nvSpPr>
+          <p:cNvPr id="3" name="Notes Placeholder 2"/>
+          <p:cNvSpPr>
+            <a:spLocks noGrp="1"/>
+          </p:cNvSpPr>
+          <p:nvPr>
+            <p:ph type="body" idx="1"/>
+          </p:nvPr>
+        </p:nvSpPr>
+        <p:spPr/>
+        <p:txBody>
+          <a:bodyPr/>
+          <a:lstStyle/>
+          <a:p>
+            <a:pPr marL="0" marR="0" indent="0" algn="l" defTabSz="914400" rtl="0" eaLnBrk="1" fontAlgn="auto" latinLnBrk="0" hangingPunct="1">
+              <a:lnSpc>
+                <a:spcPct val="100000"/>
+              </a:lnSpc>
+              <a:spcBef>
+                <a:spcPts val="0"/>
+              </a:spcBef>
+              <a:spcAft>
+                <a:spcPts val="0"/>
+              </a:spcAft>
+              <a:buClrTx/>
+              <a:buSzTx/>
+              <a:buFontTx/>
+              <a:buNone/>
+              <a:tabLst/>
+              <a:defRPr/>
+            </a:pPr>
+            <a:endParaRPr lang="en-US" dirty="0" smtClean="0"/>
+          </a:p>
+        </p:txBody>
+      </p:sp>
+      <p:sp>
+        <p:nvSpPr>
+          <p:cNvPr id="4" name="Slide Number Placeholder 3"/>
+          <p:cNvSpPr>
+            <a:spLocks noGrp="1"/>
+          </p:cNvSpPr>
+          <p:nvPr>
+            <p:ph type="sldNum" sz="quarter" idx="10"/>
+          </p:nvPr>
+        </p:nvSpPr>
+        <p:spPr/>
+        <p:txBody>
+          <a:bodyPr/>
+          <a:lstStyle/>
+          <a:p>
+            <a:fld id="{058AAC71-9B48-0A43-90A2-3982C5B7C3CD}" type="slidenum">
+              <a:rPr lang="en-US" smtClean="0"/>
+              <a:t>28</a:t>
+            </a:fld>
+            <a:endParaRPr lang="en-US"/>
+          </a:p>
+        </p:txBody>
+      </p:sp>
+    </p:spTree>
+    <p:extLst>
+      <p:ext uri="{BB962C8B-B14F-4D97-AF65-F5344CB8AC3E}">
+        <p14:creationId xmlns:p14="http://schemas.microsoft.com/office/powerpoint/2010/main" val="52914"/>
+      </p:ext>
+    </p:extLst>
+  </p:cSld>
+  <p:clrMapOvr>
+    <a:masterClrMapping/>
+  </p:clrMapOvr>
+</p:notes>
+</file>
+
+<file path=ppt/notesSlides/notesSlide29.xml><?xml version="1.0" encoding="utf-8"?>
+<p:notes xmlns:a="http://schemas.openxmlformats.org/drawingml/2006/main" xmlns:r="http://schemas.openxmlformats.org/officeDocument/2006/relationships" xmlns:p="http://schemas.openxmlformats.org/presentationml/2006/main">
+  <p:cSld>
+    <p:spTree>
+      <p:nvGrpSpPr>
+        <p:cNvPr id="1" name=""/>
+        <p:cNvGrpSpPr/>
+        <p:nvPr/>
+      </p:nvGrpSpPr>
+      <p:grpSpPr>
+        <a:xfrm>
+          <a:off x="0" y="0"/>
+          <a:ext cx="0" cy="0"/>
+          <a:chOff x="0" y="0"/>
+          <a:chExt cx="0" cy="0"/>
+        </a:xfrm>
+      </p:grpSpPr>
+      <p:sp>
+        <p:nvSpPr>
+          <p:cNvPr id="2" name="Slide Image Placeholder 1"/>
+          <p:cNvSpPr>
+            <a:spLocks noGrp="1" noRot="1" noChangeAspect="1"/>
+          </p:cNvSpPr>
+          <p:nvPr>
+            <p:ph type="sldImg"/>
+          </p:nvPr>
+        </p:nvSpPr>
+        <p:spPr/>
+      </p:sp>
+      <p:sp>
+        <p:nvSpPr>
+          <p:cNvPr id="3" name="Notes Placeholder 2"/>
+          <p:cNvSpPr>
+            <a:spLocks noGrp="1"/>
+          </p:cNvSpPr>
+          <p:nvPr>
+            <p:ph type="body" idx="1"/>
+          </p:nvPr>
+        </p:nvSpPr>
+        <p:spPr/>
+        <p:txBody>
+          <a:bodyPr/>
+          <a:lstStyle/>
+          <a:p>
+            <a:pPr marL="0" marR="0" indent="0" algn="l" defTabSz="914400" rtl="0" eaLnBrk="1" fontAlgn="auto" latinLnBrk="0" hangingPunct="1">
+              <a:lnSpc>
+                <a:spcPct val="100000"/>
+              </a:lnSpc>
+              <a:spcBef>
+                <a:spcPts val="0"/>
+              </a:spcBef>
+              <a:spcAft>
+                <a:spcPts val="0"/>
+              </a:spcAft>
+              <a:buClrTx/>
+              <a:buSzTx/>
+              <a:buFontTx/>
+              <a:buNone/>
+              <a:tabLst/>
+              <a:defRPr/>
+            </a:pPr>
+            <a:endParaRPr lang="en-US" dirty="0" smtClean="0"/>
+          </a:p>
+        </p:txBody>
+      </p:sp>
+      <p:sp>
+        <p:nvSpPr>
+          <p:cNvPr id="4" name="Slide Number Placeholder 3"/>
+          <p:cNvSpPr>
+            <a:spLocks noGrp="1"/>
+          </p:cNvSpPr>
+          <p:nvPr>
+            <p:ph type="sldNum" sz="quarter" idx="10"/>
+          </p:nvPr>
+        </p:nvSpPr>
+        <p:spPr/>
+        <p:txBody>
+          <a:bodyPr/>
+          <a:lstStyle/>
+          <a:p>
+            <a:fld id="{058AAC71-9B48-0A43-90A2-3982C5B7C3CD}" type="slidenum">
+              <a:rPr lang="en-US" smtClean="0"/>
+              <a:t>29</a:t>
+            </a:fld>
+            <a:endParaRPr lang="en-US"/>
+          </a:p>
+        </p:txBody>
+      </p:sp>
+    </p:spTree>
+    <p:extLst>
+      <p:ext uri="{BB962C8B-B14F-4D97-AF65-F5344CB8AC3E}">
+        <p14:creationId xmlns:p14="http://schemas.microsoft.com/office/powerpoint/2010/main" val="409142466"/>
       </p:ext>
     </p:extLst>
   </p:cSld>
@@ -788,11 +3103,7 @@
             </a:r>
             <a:r>
               <a:rPr lang="en-US" baseline="0" dirty="0" smtClean="0"/>
-              <a:t> real accounts explaining these observations, mostly because the work was super exploratory. The most commonly cited idea from this era is that people “copy-and-tweak” some real example to make something new. But really, there was never any formalization of that idea because </a:t>
-            </a:r>
-            <a:r>
-              <a:rPr lang="en-US" baseline="0" dirty="0" smtClean="0"/>
-              <a:t>the behaviors to be explained are really high level, which makes them tough to simulate.</a:t>
+              <a:t> real accounts explaining these observations, mostly because the work was really exploratory. The most commonly cited idea from this era is that people “copy-and-tweak” some real example to make something new. But really, there was never any formalization of that idea.</a:t>
             </a:r>
           </a:p>
           <a:p>
@@ -894,15 +3205,7 @@
             </a:r>
             <a:r>
               <a:rPr lang="en-US" baseline="0" dirty="0" smtClean="0"/>
-              <a:t> &amp; Charles Kemp were the first to report anything like this. They developed a </a:t>
-            </a:r>
-            <a:r>
-              <a:rPr lang="en-US" baseline="0" dirty="0" err="1" smtClean="0"/>
-              <a:t>artifical</a:t>
-            </a:r>
-            <a:r>
-              <a:rPr lang="en-US" baseline="0" dirty="0" smtClean="0"/>
-              <a:t>, three-dimensional domain of what they called “crystals”, varying in size, hue, and saturation. Each on these items at the bottom of the slide is one crystal, which can be conceptualized as a point in the three dimensional domain space.</a:t>
+              <a:t> &amp; Charles Kemp were the first to report anything like this. They developed a artificial, three-dimensional domain of what they called “crystals”, varying in size, hue, and saturation. Each on these items at the bottom of the slide is one crystal, which can be conceptualized as a point in the three dimensional domain space.</a:t>
             </a:r>
           </a:p>
           <a:p>
@@ -1127,15 +3430,6 @@
             <a:endParaRPr lang="en-US" baseline="0" dirty="0" smtClean="0"/>
           </a:p>
           <a:p>
-            <a:r>
-              <a:rPr lang="en-US" baseline="0" dirty="0" smtClean="0"/>
-              <a:t>So I’d argue that, just like list learning experiments can tell us a lot about memory, this artificial category generation paradigm can reveal a lot about more naturalistic cases.</a:t>
-            </a:r>
-          </a:p>
-          <a:p>
-            <a:endParaRPr lang="en-US" baseline="0" dirty="0" smtClean="0"/>
-          </a:p>
-          <a:p>
             <a:pPr marL="0" marR="0" indent="0" algn="l" defTabSz="914400" rtl="0" eaLnBrk="1" fontAlgn="auto" latinLnBrk="0" hangingPunct="1">
               <a:lnSpc>
                 <a:spcPct val="100000"/>
@@ -1368,7 +3662,6 @@
               <a:rPr lang="en-US" baseline="0" dirty="0" smtClean="0"/>
               <a:t> so it tries to identify if the existing categories have a positive or negative correlation. And then it uses that inference to make a new category with similar properties.</a:t>
             </a:r>
-            <a:endParaRPr lang="en-US" baseline="0" dirty="0" smtClean="0"/>
           </a:p>
         </p:txBody>
       </p:sp>
@@ -1458,13 +3751,17 @@
             </a:r>
             <a:r>
               <a:rPr lang="en-US" baseline="0" dirty="0" smtClean="0"/>
-              <a:t> Joe and I started working on this last year. We have some strong </a:t>
-            </a:r>
-            <a:r>
-              <a:rPr lang="en-US" baseline="0" dirty="0" err="1" smtClean="0"/>
-              <a:t>evidenc</a:t>
-            </a:r>
-            <a:endParaRPr lang="en-US" dirty="0"/>
+              <a:t> Joe and I started working on this last year. We have some strong evidence that prior knowledge influences category generation because people appear to create categories with the same distributional properties as known categories. And you can explain those results by assuming that people abstract knowledge about the domain itself, rather than just the categories in it.</a:t>
+            </a:r>
+          </a:p>
+          <a:p>
+            <a:endParaRPr lang="en-US" baseline="0" dirty="0" smtClean="0"/>
+          </a:p>
+          <a:p>
+            <a:r>
+              <a:rPr lang="en-US" baseline="0" dirty="0" smtClean="0"/>
+              <a:t>But that’s actually a really small set of phenomena, especially when you consider that we’re dealing with the intersection of creativity and categorization, which are both very well studied topics.</a:t>
+            </a:r>
           </a:p>
         </p:txBody>
       </p:sp>
@@ -1635,7 +3932,7 @@
           <a:p>
             <a:fld id="{3FB76B9B-0F6A-7D4E-99AB-769CFDC92DBC}" type="datetimeFigureOut">
               <a:rPr lang="en-US" smtClean="0"/>
-              <a:t>2/17/17</a:t>
+              <a:t>2/20/17</a:t>
             </a:fld>
             <a:endParaRPr lang="en-US"/>
           </a:p>
@@ -1805,7 +4102,7 @@
           <a:p>
             <a:fld id="{3FB76B9B-0F6A-7D4E-99AB-769CFDC92DBC}" type="datetimeFigureOut">
               <a:rPr lang="en-US" smtClean="0"/>
-              <a:t>2/17/17</a:t>
+              <a:t>2/20/17</a:t>
             </a:fld>
             <a:endParaRPr lang="en-US"/>
           </a:p>
@@ -1985,7 +4282,7 @@
           <a:p>
             <a:fld id="{3FB76B9B-0F6A-7D4E-99AB-769CFDC92DBC}" type="datetimeFigureOut">
               <a:rPr lang="en-US" smtClean="0"/>
-              <a:t>2/17/17</a:t>
+              <a:t>2/20/17</a:t>
             </a:fld>
             <a:endParaRPr lang="en-US"/>
           </a:p>
@@ -2155,7 +4452,7 @@
           <a:p>
             <a:fld id="{3FB76B9B-0F6A-7D4E-99AB-769CFDC92DBC}" type="datetimeFigureOut">
               <a:rPr lang="en-US" smtClean="0"/>
-              <a:t>2/17/17</a:t>
+              <a:t>2/20/17</a:t>
             </a:fld>
             <a:endParaRPr lang="en-US"/>
           </a:p>
@@ -2399,7 +4696,7 @@
           <a:p>
             <a:fld id="{3FB76B9B-0F6A-7D4E-99AB-769CFDC92DBC}" type="datetimeFigureOut">
               <a:rPr lang="en-US" smtClean="0"/>
-              <a:t>2/17/17</a:t>
+              <a:t>2/20/17</a:t>
             </a:fld>
             <a:endParaRPr lang="en-US"/>
           </a:p>
@@ -2631,7 +4928,7 @@
           <a:p>
             <a:fld id="{3FB76B9B-0F6A-7D4E-99AB-769CFDC92DBC}" type="datetimeFigureOut">
               <a:rPr lang="en-US" smtClean="0"/>
-              <a:t>2/17/17</a:t>
+              <a:t>2/20/17</a:t>
             </a:fld>
             <a:endParaRPr lang="en-US"/>
           </a:p>
@@ -2998,7 +5295,7 @@
           <a:p>
             <a:fld id="{3FB76B9B-0F6A-7D4E-99AB-769CFDC92DBC}" type="datetimeFigureOut">
               <a:rPr lang="en-US" smtClean="0"/>
-              <a:t>2/17/17</a:t>
+              <a:t>2/20/17</a:t>
             </a:fld>
             <a:endParaRPr lang="en-US"/>
           </a:p>
@@ -3116,7 +5413,7 @@
           <a:p>
             <a:fld id="{3FB76B9B-0F6A-7D4E-99AB-769CFDC92DBC}" type="datetimeFigureOut">
               <a:rPr lang="en-US" smtClean="0"/>
-              <a:t>2/17/17</a:t>
+              <a:t>2/20/17</a:t>
             </a:fld>
             <a:endParaRPr lang="en-US"/>
           </a:p>
@@ -3211,7 +5508,7 @@
           <a:p>
             <a:fld id="{3FB76B9B-0F6A-7D4E-99AB-769CFDC92DBC}" type="datetimeFigureOut">
               <a:rPr lang="en-US" smtClean="0"/>
-              <a:t>2/17/17</a:t>
+              <a:t>2/20/17</a:t>
             </a:fld>
             <a:endParaRPr lang="en-US"/>
           </a:p>
@@ -3488,7 +5785,7 @@
           <a:p>
             <a:fld id="{3FB76B9B-0F6A-7D4E-99AB-769CFDC92DBC}" type="datetimeFigureOut">
               <a:rPr lang="en-US" smtClean="0"/>
-              <a:t>2/17/17</a:t>
+              <a:t>2/20/17</a:t>
             </a:fld>
             <a:endParaRPr lang="en-US"/>
           </a:p>
@@ -3745,7 +6042,7 @@
           <a:p>
             <a:fld id="{3FB76B9B-0F6A-7D4E-99AB-769CFDC92DBC}" type="datetimeFigureOut">
               <a:rPr lang="en-US" smtClean="0"/>
-              <a:t>2/17/17</a:t>
+              <a:t>2/20/17</a:t>
             </a:fld>
             <a:endParaRPr lang="en-US"/>
           </a:p>
@@ -3958,7 +6255,7 @@
           <a:p>
             <a:fld id="{3FB76B9B-0F6A-7D4E-99AB-769CFDC92DBC}" type="datetimeFigureOut">
               <a:rPr lang="en-US" smtClean="0"/>
-              <a:t>2/17/17</a:t>
+              <a:t>2/20/17</a:t>
             </a:fld>
             <a:endParaRPr lang="en-US"/>
           </a:p>
@@ -4559,6 +6856,2804 @@
 </p:sld>
 </file>
 
+<file path=ppt/slides/slide10.xml><?xml version="1.0" encoding="utf-8"?>
+<p:sld xmlns:a="http://schemas.openxmlformats.org/drawingml/2006/main" xmlns:r="http://schemas.openxmlformats.org/officeDocument/2006/relationships" xmlns:p="http://schemas.openxmlformats.org/presentationml/2006/main">
+  <p:cSld>
+    <p:spTree>
+      <p:nvGrpSpPr>
+        <p:cNvPr id="1" name=""/>
+        <p:cNvGrpSpPr/>
+        <p:nvPr/>
+      </p:nvGrpSpPr>
+      <p:grpSpPr>
+        <a:xfrm>
+          <a:off x="0" y="0"/>
+          <a:ext cx="0" cy="0"/>
+          <a:chOff x="0" y="0"/>
+          <a:chExt cx="0" cy="0"/>
+        </a:xfrm>
+      </p:grpSpPr>
+      <p:sp>
+        <p:nvSpPr>
+          <p:cNvPr id="19" name="TextBox 18"/>
+          <p:cNvSpPr txBox="1"/>
+          <p:nvPr/>
+        </p:nvSpPr>
+        <p:spPr>
+          <a:xfrm>
+            <a:off x="220767" y="314133"/>
+            <a:ext cx="8379329" cy="461665"/>
+          </a:xfrm>
+          <a:prstGeom prst="rect">
+            <a:avLst/>
+          </a:prstGeom>
+          <a:noFill/>
+        </p:spPr>
+        <p:txBody>
+          <a:bodyPr wrap="square" rtlCol="0">
+            <a:spAutoFit/>
+          </a:bodyPr>
+          <a:lstStyle/>
+          <a:p>
+            <a:r>
+              <a:rPr lang="en-US" sz="2400" dirty="0" smtClean="0"/>
+              <a:t>Taking a step back</a:t>
+            </a:r>
+            <a:r>
+              <a:rPr lang="mr-IN" sz="2400" dirty="0" smtClean="0"/>
+              <a:t>…</a:t>
+            </a:r>
+            <a:endParaRPr lang="en-US" sz="2400" dirty="0"/>
+          </a:p>
+        </p:txBody>
+      </p:sp>
+      <p:sp>
+        <p:nvSpPr>
+          <p:cNvPr id="20" name="TextBox 19"/>
+          <p:cNvSpPr txBox="1"/>
+          <p:nvPr/>
+        </p:nvSpPr>
+        <p:spPr>
+          <a:xfrm>
+            <a:off x="486562" y="1342239"/>
+            <a:ext cx="6652590" cy="3754874"/>
+          </a:xfrm>
+          <a:prstGeom prst="rect">
+            <a:avLst/>
+          </a:prstGeom>
+          <a:noFill/>
+        </p:spPr>
+        <p:txBody>
+          <a:bodyPr wrap="none" rtlCol="0">
+            <a:spAutoFit/>
+          </a:bodyPr>
+          <a:lstStyle/>
+          <a:p>
+            <a:r>
+              <a:rPr lang="en-US" b="1" dirty="0" smtClean="0"/>
+              <a:t>Experimental Approaches</a:t>
+            </a:r>
+          </a:p>
+          <a:p>
+            <a:pPr marL="285750" indent="-169863">
+              <a:buFontTx/>
+              <a:buChar char="-"/>
+            </a:pPr>
+            <a:r>
+              <a:rPr lang="en-US" sz="1600" dirty="0" smtClean="0"/>
+              <a:t>Naturalistic “draw an alien” experiments (e.g., Ward, 1994)</a:t>
+            </a:r>
+          </a:p>
+          <a:p>
+            <a:pPr marL="285750" indent="-169863" algn="just">
+              <a:buFontTx/>
+              <a:buChar char="-"/>
+            </a:pPr>
+            <a:r>
+              <a:rPr lang="en-US" sz="1600" dirty="0" smtClean="0"/>
+              <a:t>Artificial category learning studies (</a:t>
+            </a:r>
+            <a:r>
+              <a:rPr lang="en-US" sz="1600" dirty="0" err="1" smtClean="0"/>
+              <a:t>Jern</a:t>
+            </a:r>
+            <a:r>
+              <a:rPr lang="en-US" sz="1600" dirty="0" smtClean="0"/>
+              <a:t> &amp; Kemp, 2013)</a:t>
+            </a:r>
+            <a:endParaRPr lang="en-US" sz="1600" b="1" dirty="0" smtClean="0"/>
+          </a:p>
+          <a:p>
+            <a:endParaRPr lang="en-US" b="1" dirty="0"/>
+          </a:p>
+          <a:p>
+            <a:endParaRPr lang="en-US" b="1" dirty="0" smtClean="0"/>
+          </a:p>
+          <a:p>
+            <a:r>
+              <a:rPr lang="en-US" b="1" dirty="0" smtClean="0"/>
+              <a:t>What do we know?</a:t>
+            </a:r>
+          </a:p>
+          <a:p>
+            <a:pPr marL="285750" indent="-169863">
+              <a:buFontTx/>
+              <a:buChar char="-"/>
+            </a:pPr>
+            <a:r>
+              <a:rPr lang="en-US" sz="1600" dirty="0" smtClean="0"/>
+              <a:t>Generation is influenced by prior knowledge.</a:t>
+            </a:r>
+          </a:p>
+          <a:p>
+            <a:pPr marL="285750" indent="-169863">
+              <a:buFontTx/>
+              <a:buChar char="-"/>
+            </a:pPr>
+            <a:r>
+              <a:rPr lang="en-US" sz="1600" dirty="0" smtClean="0"/>
+              <a:t>Distributional structure of generated categories reflects known categories.</a:t>
+            </a:r>
+          </a:p>
+          <a:p>
+            <a:pPr marL="285750" indent="-169863">
+              <a:buFontTx/>
+              <a:buChar char="-"/>
+            </a:pPr>
+            <a:r>
+              <a:rPr lang="en-US" sz="1600" dirty="0" smtClean="0"/>
+              <a:t>Hierarchal sampling model explains prior knowledge effects.</a:t>
+            </a:r>
+            <a:endParaRPr lang="en-US" sz="1600" dirty="0"/>
+          </a:p>
+          <a:p>
+            <a:pPr marL="7938"/>
+            <a:endParaRPr lang="en-US" dirty="0" smtClean="0"/>
+          </a:p>
+          <a:p>
+            <a:pPr marL="7938"/>
+            <a:endParaRPr lang="en-US" dirty="0"/>
+          </a:p>
+          <a:p>
+            <a:pPr marL="7938"/>
+            <a:r>
+              <a:rPr lang="en-US" b="1" dirty="0" smtClean="0"/>
+              <a:t>Our investigation</a:t>
+            </a:r>
+          </a:p>
+          <a:p>
+            <a:pPr marL="285750" indent="-169863">
+              <a:buFontTx/>
+              <a:buChar char="-"/>
+            </a:pPr>
+            <a:r>
+              <a:rPr lang="en-US" sz="1600" dirty="0" smtClean="0"/>
+              <a:t>What </a:t>
+            </a:r>
+            <a:r>
+              <a:rPr lang="en-US" sz="1600" i="1" dirty="0" smtClean="0"/>
+              <a:t>else</a:t>
+            </a:r>
+            <a:r>
+              <a:rPr lang="en-US" sz="1600" dirty="0" smtClean="0"/>
+              <a:t> drives category generation?</a:t>
+            </a:r>
+          </a:p>
+          <a:p>
+            <a:pPr marL="285750" indent="-169863">
+              <a:buFontTx/>
+              <a:buChar char="-"/>
+            </a:pPr>
+            <a:r>
+              <a:rPr lang="en-US" sz="1600" dirty="0" smtClean="0"/>
+              <a:t>Do existing categorization approaches yield any insights?</a:t>
+            </a:r>
+            <a:endParaRPr lang="en-US" sz="1600" dirty="0"/>
+          </a:p>
+        </p:txBody>
+      </p:sp>
+    </p:spTree>
+    <p:extLst>
+      <p:ext uri="{BB962C8B-B14F-4D97-AF65-F5344CB8AC3E}">
+        <p14:creationId xmlns:p14="http://schemas.microsoft.com/office/powerpoint/2010/main" val="538464926"/>
+      </p:ext>
+    </p:extLst>
+  </p:cSld>
+  <p:clrMapOvr>
+    <a:masterClrMapping/>
+  </p:clrMapOvr>
+</p:sld>
+</file>
+
+<file path=ppt/slides/slide11.xml><?xml version="1.0" encoding="utf-8"?>
+<p:sld xmlns:a="http://schemas.openxmlformats.org/drawingml/2006/main" xmlns:r="http://schemas.openxmlformats.org/officeDocument/2006/relationships" xmlns:p="http://schemas.openxmlformats.org/presentationml/2006/main">
+  <p:cSld>
+    <p:spTree>
+      <p:nvGrpSpPr>
+        <p:cNvPr id="1" name=""/>
+        <p:cNvGrpSpPr/>
+        <p:nvPr/>
+      </p:nvGrpSpPr>
+      <p:grpSpPr>
+        <a:xfrm>
+          <a:off x="0" y="0"/>
+          <a:ext cx="0" cy="0"/>
+          <a:chOff x="0" y="0"/>
+          <a:chExt cx="0" cy="0"/>
+        </a:xfrm>
+      </p:grpSpPr>
+      <p:grpSp>
+        <p:nvGrpSpPr>
+          <p:cNvPr id="3" name="Group 2"/>
+          <p:cNvGrpSpPr/>
+          <p:nvPr/>
+        </p:nvGrpSpPr>
+        <p:grpSpPr>
+          <a:xfrm>
+            <a:off x="2870195" y="4278745"/>
+            <a:ext cx="6129337" cy="2147352"/>
+            <a:chOff x="1212850" y="4000320"/>
+            <a:chExt cx="7616825" cy="2668479"/>
+          </a:xfrm>
+        </p:grpSpPr>
+        <p:pic>
+          <p:nvPicPr>
+            <p:cNvPr id="5" name="Picture 4"/>
+            <p:cNvPicPr>
+              <a:picLocks noChangeAspect="1"/>
+            </p:cNvPicPr>
+            <p:nvPr/>
+          </p:nvPicPr>
+          <p:blipFill>
+            <a:blip r:embed="rId3">
+              <a:extLst>
+                <a:ext uri="{28A0092B-C50C-407E-A947-70E740481C1C}">
+                  <a14:useLocalDpi xmlns:a14="http://schemas.microsoft.com/office/drawing/2010/main" val="0"/>
+                </a:ext>
+              </a:extLst>
+            </a:blip>
+            <a:stretch>
+              <a:fillRect/>
+            </a:stretch>
+          </p:blipFill>
+          <p:spPr>
+            <a:xfrm>
+              <a:off x="3751792" y="4000320"/>
+              <a:ext cx="2538942" cy="2668479"/>
+            </a:xfrm>
+            <a:prstGeom prst="rect">
+              <a:avLst/>
+            </a:prstGeom>
+          </p:spPr>
+        </p:pic>
+        <p:pic>
+          <p:nvPicPr>
+            <p:cNvPr id="6" name="Picture 5"/>
+            <p:cNvPicPr>
+              <a:picLocks noChangeAspect="1"/>
+            </p:cNvPicPr>
+            <p:nvPr/>
+          </p:nvPicPr>
+          <p:blipFill>
+            <a:blip r:embed="rId4">
+              <a:extLst>
+                <a:ext uri="{28A0092B-C50C-407E-A947-70E740481C1C}">
+                  <a14:useLocalDpi xmlns:a14="http://schemas.microsoft.com/office/drawing/2010/main" val="0"/>
+                </a:ext>
+              </a:extLst>
+            </a:blip>
+            <a:stretch>
+              <a:fillRect/>
+            </a:stretch>
+          </p:blipFill>
+          <p:spPr>
+            <a:xfrm>
+              <a:off x="6290733" y="4000320"/>
+              <a:ext cx="2538942" cy="2668479"/>
+            </a:xfrm>
+            <a:prstGeom prst="rect">
+              <a:avLst/>
+            </a:prstGeom>
+          </p:spPr>
+        </p:pic>
+        <p:pic>
+          <p:nvPicPr>
+            <p:cNvPr id="7" name="Picture 6"/>
+            <p:cNvPicPr>
+              <a:picLocks noChangeAspect="1"/>
+            </p:cNvPicPr>
+            <p:nvPr/>
+          </p:nvPicPr>
+          <p:blipFill>
+            <a:blip r:embed="rId5">
+              <a:extLst>
+                <a:ext uri="{28A0092B-C50C-407E-A947-70E740481C1C}">
+                  <a14:useLocalDpi xmlns:a14="http://schemas.microsoft.com/office/drawing/2010/main" val="0"/>
+                </a:ext>
+              </a:extLst>
+            </a:blip>
+            <a:stretch>
+              <a:fillRect/>
+            </a:stretch>
+          </p:blipFill>
+          <p:spPr>
+            <a:xfrm>
+              <a:off x="1212850" y="4000320"/>
+              <a:ext cx="2538942" cy="2668479"/>
+            </a:xfrm>
+            <a:prstGeom prst="rect">
+              <a:avLst/>
+            </a:prstGeom>
+          </p:spPr>
+        </p:pic>
+        <p:sp>
+          <p:nvSpPr>
+            <p:cNvPr id="8" name="TextBox 7"/>
+            <p:cNvSpPr txBox="1"/>
+            <p:nvPr/>
+          </p:nvSpPr>
+          <p:spPr>
+            <a:xfrm>
+              <a:off x="1251239" y="4023279"/>
+              <a:ext cx="2500554" cy="497210"/>
+            </a:xfrm>
+            <a:prstGeom prst="rect">
+              <a:avLst/>
+            </a:prstGeom>
+            <a:noFill/>
+          </p:spPr>
+          <p:txBody>
+            <a:bodyPr wrap="square" rtlCol="0">
+              <a:spAutoFit/>
+            </a:bodyPr>
+            <a:lstStyle/>
+            <a:p>
+              <a:r>
+                <a:rPr lang="en-US" sz="2000" smtClean="0"/>
+                <a:t>XOR</a:t>
+              </a:r>
+              <a:endParaRPr lang="en-US" sz="2000"/>
+            </a:p>
+          </p:txBody>
+        </p:sp>
+        <p:sp>
+          <p:nvSpPr>
+            <p:cNvPr id="9" name="TextBox 8"/>
+            <p:cNvSpPr txBox="1"/>
+            <p:nvPr/>
+          </p:nvSpPr>
+          <p:spPr>
+            <a:xfrm>
+              <a:off x="3751792" y="4058494"/>
+              <a:ext cx="2500554" cy="497210"/>
+            </a:xfrm>
+            <a:prstGeom prst="rect">
+              <a:avLst/>
+            </a:prstGeom>
+            <a:noFill/>
+          </p:spPr>
+          <p:txBody>
+            <a:bodyPr wrap="square" rtlCol="0">
+              <a:spAutoFit/>
+            </a:bodyPr>
+            <a:lstStyle/>
+            <a:p>
+              <a:r>
+                <a:rPr lang="en-US" sz="2000" smtClean="0"/>
+                <a:t>Cluster</a:t>
+              </a:r>
+              <a:endParaRPr lang="en-US" sz="2000"/>
+            </a:p>
+          </p:txBody>
+        </p:sp>
+        <p:sp>
+          <p:nvSpPr>
+            <p:cNvPr id="10" name="TextBox 9"/>
+            <p:cNvSpPr txBox="1"/>
+            <p:nvPr/>
+          </p:nvSpPr>
+          <p:spPr>
+            <a:xfrm>
+              <a:off x="6290733" y="4023279"/>
+              <a:ext cx="2538942" cy="497210"/>
+            </a:xfrm>
+            <a:prstGeom prst="rect">
+              <a:avLst/>
+            </a:prstGeom>
+            <a:noFill/>
+          </p:spPr>
+          <p:txBody>
+            <a:bodyPr wrap="square" rtlCol="0">
+              <a:spAutoFit/>
+            </a:bodyPr>
+            <a:lstStyle/>
+            <a:p>
+              <a:r>
+                <a:rPr lang="en-US" sz="2000" dirty="0" smtClean="0"/>
+                <a:t>Row</a:t>
+              </a:r>
+              <a:endParaRPr lang="en-US" sz="2000" dirty="0"/>
+            </a:p>
+          </p:txBody>
+        </p:sp>
+      </p:grpSp>
+      <p:sp>
+        <p:nvSpPr>
+          <p:cNvPr id="2" name="TextBox 1"/>
+          <p:cNvSpPr txBox="1"/>
+          <p:nvPr/>
+        </p:nvSpPr>
+        <p:spPr>
+          <a:xfrm>
+            <a:off x="353651" y="218467"/>
+            <a:ext cx="4912050" cy="1631216"/>
+          </a:xfrm>
+          <a:prstGeom prst="rect">
+            <a:avLst/>
+          </a:prstGeom>
+          <a:noFill/>
+        </p:spPr>
+        <p:txBody>
+          <a:bodyPr wrap="none" rtlCol="0">
+            <a:spAutoFit/>
+          </a:bodyPr>
+          <a:lstStyle/>
+          <a:p>
+            <a:r>
+              <a:rPr lang="en-US" sz="2400" dirty="0" smtClean="0"/>
+              <a:t>Experiment 1</a:t>
+            </a:r>
+          </a:p>
+          <a:p>
+            <a:endParaRPr lang="en-US" sz="2400" dirty="0"/>
+          </a:p>
+          <a:p>
+            <a:r>
+              <a:rPr lang="en-US" sz="2000" dirty="0" smtClean="0"/>
+              <a:t>Goals: </a:t>
+            </a:r>
+          </a:p>
+          <a:p>
+            <a:pPr marL="285750" indent="-285750">
+              <a:buFont typeface="Arial" charset="0"/>
+              <a:buChar char="•"/>
+            </a:pPr>
+            <a:r>
+              <a:rPr lang="en-US" sz="1600" dirty="0" smtClean="0"/>
+              <a:t>Replicate </a:t>
+            </a:r>
+            <a:r>
+              <a:rPr lang="en-US" sz="1600" dirty="0" err="1" smtClean="0"/>
+              <a:t>Jern</a:t>
+            </a:r>
+            <a:r>
+              <a:rPr lang="en-US" sz="1600" dirty="0" smtClean="0"/>
+              <a:t> &amp; Kemp (2013) and Ward (1994)</a:t>
+            </a:r>
+          </a:p>
+          <a:p>
+            <a:pPr marL="285750" indent="-285750">
+              <a:buFont typeface="Arial" charset="0"/>
+              <a:buChar char="•"/>
+            </a:pPr>
+            <a:r>
+              <a:rPr lang="en-US" sz="1600" dirty="0" smtClean="0"/>
+              <a:t>Characterize the types of categories people generate.</a:t>
+            </a:r>
+            <a:endParaRPr lang="en-US" sz="1600" dirty="0"/>
+          </a:p>
+        </p:txBody>
+      </p:sp>
+      <p:grpSp>
+        <p:nvGrpSpPr>
+          <p:cNvPr id="12" name="Group 11"/>
+          <p:cNvGrpSpPr/>
+          <p:nvPr/>
+        </p:nvGrpSpPr>
+        <p:grpSpPr>
+          <a:xfrm>
+            <a:off x="16294" y="3937686"/>
+            <a:ext cx="2573577" cy="2740926"/>
+            <a:chOff x="16294" y="3937686"/>
+            <a:chExt cx="2573577" cy="2740926"/>
+          </a:xfrm>
+        </p:grpSpPr>
+        <p:pic>
+          <p:nvPicPr>
+            <p:cNvPr id="4" name="Picture 3"/>
+            <p:cNvPicPr>
+              <a:picLocks noChangeAspect="1"/>
+            </p:cNvPicPr>
+            <p:nvPr/>
+          </p:nvPicPr>
+          <p:blipFill>
+            <a:blip r:embed="rId6">
+              <a:extLst>
+                <a:ext uri="{28A0092B-C50C-407E-A947-70E740481C1C}">
+                  <a14:useLocalDpi xmlns:a14="http://schemas.microsoft.com/office/drawing/2010/main" val="0"/>
+                </a:ext>
+              </a:extLst>
+            </a:blip>
+            <a:stretch>
+              <a:fillRect/>
+            </a:stretch>
+          </p:blipFill>
+          <p:spPr>
+            <a:xfrm>
+              <a:off x="16294" y="4257431"/>
+              <a:ext cx="2573577" cy="2421181"/>
+            </a:xfrm>
+            <a:prstGeom prst="rect">
+              <a:avLst/>
+            </a:prstGeom>
+          </p:spPr>
+        </p:pic>
+        <p:sp>
+          <p:nvSpPr>
+            <p:cNvPr id="11" name="TextBox 10"/>
+            <p:cNvSpPr txBox="1"/>
+            <p:nvPr/>
+          </p:nvSpPr>
+          <p:spPr>
+            <a:xfrm>
+              <a:off x="642551" y="3937686"/>
+              <a:ext cx="1947320" cy="369332"/>
+            </a:xfrm>
+            <a:prstGeom prst="rect">
+              <a:avLst/>
+            </a:prstGeom>
+            <a:noFill/>
+          </p:spPr>
+          <p:txBody>
+            <a:bodyPr wrap="square" rtlCol="0">
+              <a:spAutoFit/>
+            </a:bodyPr>
+            <a:lstStyle/>
+            <a:p>
+              <a:pPr algn="ctr"/>
+              <a:r>
+                <a:rPr lang="en-US" b="1" dirty="0" smtClean="0"/>
+                <a:t>Domain</a:t>
+              </a:r>
+              <a:r>
+                <a:rPr lang="en-US" dirty="0" smtClean="0"/>
+                <a:t>: Squares</a:t>
+              </a:r>
+              <a:endParaRPr lang="en-US" dirty="0"/>
+            </a:p>
+          </p:txBody>
+        </p:sp>
+      </p:grpSp>
+      <p:sp>
+        <p:nvSpPr>
+          <p:cNvPr id="13" name="TextBox 12"/>
+          <p:cNvSpPr txBox="1"/>
+          <p:nvPr/>
+        </p:nvSpPr>
+        <p:spPr>
+          <a:xfrm>
+            <a:off x="5893890" y="6370835"/>
+            <a:ext cx="3074752" cy="307777"/>
+          </a:xfrm>
+          <a:prstGeom prst="rect">
+            <a:avLst/>
+          </a:prstGeom>
+          <a:noFill/>
+        </p:spPr>
+        <p:txBody>
+          <a:bodyPr wrap="square" rtlCol="0">
+            <a:spAutoFit/>
+          </a:bodyPr>
+          <a:lstStyle/>
+          <a:p>
+            <a:r>
+              <a:rPr lang="en-US" sz="1400" dirty="0" smtClean="0"/>
+              <a:t>* “</a:t>
+            </a:r>
+            <a:r>
+              <a:rPr lang="en-US" sz="1400" dirty="0" smtClean="0">
+                <a:solidFill>
+                  <a:srgbClr val="C00000"/>
+                </a:solidFill>
+                <a:latin typeface="Courier" charset="0"/>
+                <a:ea typeface="Courier" charset="0"/>
+                <a:cs typeface="Courier" charset="0"/>
+              </a:rPr>
+              <a:t>A</a:t>
+            </a:r>
+            <a:r>
+              <a:rPr lang="en-US" sz="1400" dirty="0" smtClean="0"/>
+              <a:t>” = member of the ”Alpha” category</a:t>
+            </a:r>
+            <a:endParaRPr lang="en-US" sz="1400" dirty="0"/>
+          </a:p>
+        </p:txBody>
+      </p:sp>
+    </p:spTree>
+    <p:extLst>
+      <p:ext uri="{BB962C8B-B14F-4D97-AF65-F5344CB8AC3E}">
+        <p14:creationId xmlns:p14="http://schemas.microsoft.com/office/powerpoint/2010/main" val="1660542657"/>
+      </p:ext>
+    </p:extLst>
+  </p:cSld>
+  <p:clrMapOvr>
+    <a:masterClrMapping/>
+  </p:clrMapOvr>
+  <p:timing>
+    <p:tnLst>
+      <p:par>
+        <p:cTn id="1" dur="indefinite" restart="never" nodeType="tmRoot"/>
+      </p:par>
+    </p:tnLst>
+  </p:timing>
+</p:sld>
+</file>
+
+<file path=ppt/slides/slide12.xml><?xml version="1.0" encoding="utf-8"?>
+<p:sld xmlns:a="http://schemas.openxmlformats.org/drawingml/2006/main" xmlns:r="http://schemas.openxmlformats.org/officeDocument/2006/relationships" xmlns:p="http://schemas.openxmlformats.org/presentationml/2006/main">
+  <p:cSld>
+    <p:spTree>
+      <p:nvGrpSpPr>
+        <p:cNvPr id="1" name=""/>
+        <p:cNvGrpSpPr/>
+        <p:nvPr/>
+      </p:nvGrpSpPr>
+      <p:grpSpPr>
+        <a:xfrm>
+          <a:off x="0" y="0"/>
+          <a:ext cx="0" cy="0"/>
+          <a:chOff x="0" y="0"/>
+          <a:chExt cx="0" cy="0"/>
+        </a:xfrm>
+      </p:grpSpPr>
+      <p:sp>
+        <p:nvSpPr>
+          <p:cNvPr id="2" name="TextBox 1"/>
+          <p:cNvSpPr txBox="1"/>
+          <p:nvPr/>
+        </p:nvSpPr>
+        <p:spPr>
+          <a:xfrm>
+            <a:off x="353651" y="218467"/>
+            <a:ext cx="4912050" cy="1631216"/>
+          </a:xfrm>
+          <a:prstGeom prst="rect">
+            <a:avLst/>
+          </a:prstGeom>
+          <a:noFill/>
+        </p:spPr>
+        <p:txBody>
+          <a:bodyPr wrap="none" rtlCol="0">
+            <a:spAutoFit/>
+          </a:bodyPr>
+          <a:lstStyle/>
+          <a:p>
+            <a:r>
+              <a:rPr lang="en-US" sz="2400" dirty="0" smtClean="0"/>
+              <a:t>Experiment 1</a:t>
+            </a:r>
+          </a:p>
+          <a:p>
+            <a:endParaRPr lang="en-US" sz="2400" dirty="0"/>
+          </a:p>
+          <a:p>
+            <a:r>
+              <a:rPr lang="en-US" sz="2000" dirty="0" smtClean="0"/>
+              <a:t>Goals: </a:t>
+            </a:r>
+          </a:p>
+          <a:p>
+            <a:pPr marL="285750" indent="-285750">
+              <a:buFont typeface="Arial" charset="0"/>
+              <a:buChar char="•"/>
+            </a:pPr>
+            <a:r>
+              <a:rPr lang="en-US" sz="1600" dirty="0" smtClean="0"/>
+              <a:t>Replicate </a:t>
+            </a:r>
+            <a:r>
+              <a:rPr lang="en-US" sz="1600" dirty="0" err="1" smtClean="0"/>
+              <a:t>Jern</a:t>
+            </a:r>
+            <a:r>
+              <a:rPr lang="en-US" sz="1600" dirty="0" smtClean="0"/>
+              <a:t> &amp; Kemp (2013) and Ward (1994)</a:t>
+            </a:r>
+          </a:p>
+          <a:p>
+            <a:pPr marL="285750" indent="-285750">
+              <a:buFont typeface="Arial" charset="0"/>
+              <a:buChar char="•"/>
+            </a:pPr>
+            <a:r>
+              <a:rPr lang="en-US" sz="1600" dirty="0" smtClean="0"/>
+              <a:t>Characterize the types of categories people generate.</a:t>
+            </a:r>
+            <a:endParaRPr lang="en-US" sz="1600" dirty="0"/>
+          </a:p>
+        </p:txBody>
+      </p:sp>
+      <p:grpSp>
+        <p:nvGrpSpPr>
+          <p:cNvPr id="12" name="Group 11"/>
+          <p:cNvGrpSpPr/>
+          <p:nvPr/>
+        </p:nvGrpSpPr>
+        <p:grpSpPr>
+          <a:xfrm>
+            <a:off x="16294" y="3937686"/>
+            <a:ext cx="2573577" cy="2740926"/>
+            <a:chOff x="16294" y="3937686"/>
+            <a:chExt cx="2573577" cy="2740926"/>
+          </a:xfrm>
+        </p:grpSpPr>
+        <p:pic>
+          <p:nvPicPr>
+            <p:cNvPr id="4" name="Picture 3"/>
+            <p:cNvPicPr>
+              <a:picLocks noChangeAspect="1"/>
+            </p:cNvPicPr>
+            <p:nvPr/>
+          </p:nvPicPr>
+          <p:blipFill>
+            <a:blip r:embed="rId3">
+              <a:extLst>
+                <a:ext uri="{28A0092B-C50C-407E-A947-70E740481C1C}">
+                  <a14:useLocalDpi xmlns:a14="http://schemas.microsoft.com/office/drawing/2010/main" val="0"/>
+                </a:ext>
+              </a:extLst>
+            </a:blip>
+            <a:stretch>
+              <a:fillRect/>
+            </a:stretch>
+          </p:blipFill>
+          <p:spPr>
+            <a:xfrm>
+              <a:off x="16294" y="4257431"/>
+              <a:ext cx="2573577" cy="2421181"/>
+            </a:xfrm>
+            <a:prstGeom prst="rect">
+              <a:avLst/>
+            </a:prstGeom>
+          </p:spPr>
+        </p:pic>
+        <p:sp>
+          <p:nvSpPr>
+            <p:cNvPr id="11" name="TextBox 10"/>
+            <p:cNvSpPr txBox="1"/>
+            <p:nvPr/>
+          </p:nvSpPr>
+          <p:spPr>
+            <a:xfrm>
+              <a:off x="642551" y="3937686"/>
+              <a:ext cx="1947320" cy="369332"/>
+            </a:xfrm>
+            <a:prstGeom prst="rect">
+              <a:avLst/>
+            </a:prstGeom>
+            <a:noFill/>
+          </p:spPr>
+          <p:txBody>
+            <a:bodyPr wrap="square" rtlCol="0">
+              <a:spAutoFit/>
+            </a:bodyPr>
+            <a:lstStyle/>
+            <a:p>
+              <a:pPr algn="ctr"/>
+              <a:r>
+                <a:rPr lang="en-US" b="1" dirty="0" smtClean="0"/>
+                <a:t>Domain</a:t>
+              </a:r>
+              <a:r>
+                <a:rPr lang="en-US" dirty="0" smtClean="0"/>
+                <a:t>: Squares</a:t>
+              </a:r>
+              <a:endParaRPr lang="en-US" dirty="0"/>
+            </a:p>
+          </p:txBody>
+        </p:sp>
+      </p:grpSp>
+      <p:grpSp>
+        <p:nvGrpSpPr>
+          <p:cNvPr id="26" name="Group 25"/>
+          <p:cNvGrpSpPr/>
+          <p:nvPr/>
+        </p:nvGrpSpPr>
+        <p:grpSpPr>
+          <a:xfrm>
+            <a:off x="2701847" y="4281617"/>
+            <a:ext cx="6384086" cy="2113404"/>
+            <a:chOff x="-573649" y="1742488"/>
+            <a:chExt cx="7985232" cy="2643451"/>
+          </a:xfrm>
+        </p:grpSpPr>
+        <p:pic>
+          <p:nvPicPr>
+            <p:cNvPr id="20" name="Picture 19"/>
+            <p:cNvPicPr>
+              <a:picLocks noChangeAspect="1"/>
+            </p:cNvPicPr>
+            <p:nvPr/>
+          </p:nvPicPr>
+          <p:blipFill>
+            <a:blip r:embed="rId4">
+              <a:extLst>
+                <a:ext uri="{28A0092B-C50C-407E-A947-70E740481C1C}">
+                  <a14:useLocalDpi xmlns:a14="http://schemas.microsoft.com/office/drawing/2010/main" val="0"/>
+                </a:ext>
+              </a:extLst>
+            </a:blip>
+            <a:stretch>
+              <a:fillRect/>
+            </a:stretch>
+          </p:blipFill>
+          <p:spPr>
+            <a:xfrm>
+              <a:off x="-573649" y="1742489"/>
+              <a:ext cx="2515127" cy="2643450"/>
+            </a:xfrm>
+            <a:prstGeom prst="rect">
+              <a:avLst/>
+            </a:prstGeom>
+          </p:spPr>
+        </p:pic>
+        <p:sp>
+          <p:nvSpPr>
+            <p:cNvPr id="21" name="TextBox 20"/>
+            <p:cNvSpPr txBox="1"/>
+            <p:nvPr/>
+          </p:nvSpPr>
+          <p:spPr>
+            <a:xfrm>
+              <a:off x="-535621" y="1802934"/>
+              <a:ext cx="2477099" cy="522674"/>
+            </a:xfrm>
+            <a:prstGeom prst="rect">
+              <a:avLst/>
+            </a:prstGeom>
+            <a:noFill/>
+          </p:spPr>
+          <p:txBody>
+            <a:bodyPr wrap="square" rtlCol="0">
+              <a:spAutoFit/>
+            </a:bodyPr>
+            <a:lstStyle/>
+            <a:p>
+              <a:r>
+                <a:rPr lang="en-US" sz="2000" dirty="0" smtClean="0"/>
+                <a:t>XOR</a:t>
+              </a:r>
+              <a:endParaRPr lang="en-US" sz="2000" dirty="0"/>
+            </a:p>
+          </p:txBody>
+        </p:sp>
+        <p:pic>
+          <p:nvPicPr>
+            <p:cNvPr id="22" name="Picture 21"/>
+            <p:cNvPicPr>
+              <a:picLocks noChangeAspect="1"/>
+            </p:cNvPicPr>
+            <p:nvPr/>
+          </p:nvPicPr>
+          <p:blipFill>
+            <a:blip r:embed="rId5">
+              <a:extLst>
+                <a:ext uri="{28A0092B-C50C-407E-A947-70E740481C1C}">
+                  <a14:useLocalDpi xmlns:a14="http://schemas.microsoft.com/office/drawing/2010/main" val="0"/>
+                </a:ext>
+              </a:extLst>
+            </a:blip>
+            <a:stretch>
+              <a:fillRect/>
+            </a:stretch>
+          </p:blipFill>
+          <p:spPr>
+            <a:xfrm>
+              <a:off x="2149829" y="1742489"/>
+              <a:ext cx="2515127" cy="2643450"/>
+            </a:xfrm>
+            <a:prstGeom prst="rect">
+              <a:avLst/>
+            </a:prstGeom>
+          </p:spPr>
+        </p:pic>
+        <p:sp>
+          <p:nvSpPr>
+            <p:cNvPr id="23" name="TextBox 22"/>
+            <p:cNvSpPr txBox="1"/>
+            <p:nvPr/>
+          </p:nvSpPr>
+          <p:spPr>
+            <a:xfrm>
+              <a:off x="2149829" y="1802934"/>
+              <a:ext cx="2477099" cy="522674"/>
+            </a:xfrm>
+            <a:prstGeom prst="rect">
+              <a:avLst/>
+            </a:prstGeom>
+            <a:noFill/>
+          </p:spPr>
+          <p:txBody>
+            <a:bodyPr wrap="square" rtlCol="0">
+              <a:spAutoFit/>
+            </a:bodyPr>
+            <a:lstStyle/>
+            <a:p>
+              <a:r>
+                <a:rPr lang="en-US" sz="2000" dirty="0" smtClean="0"/>
+                <a:t>Cluster</a:t>
+              </a:r>
+              <a:endParaRPr lang="en-US" sz="2000" dirty="0"/>
+            </a:p>
+          </p:txBody>
+        </p:sp>
+        <p:pic>
+          <p:nvPicPr>
+            <p:cNvPr id="24" name="Picture 23"/>
+            <p:cNvPicPr>
+              <a:picLocks noChangeAspect="1"/>
+            </p:cNvPicPr>
+            <p:nvPr/>
+          </p:nvPicPr>
+          <p:blipFill>
+            <a:blip r:embed="rId6">
+              <a:extLst>
+                <a:ext uri="{28A0092B-C50C-407E-A947-70E740481C1C}">
+                  <a14:useLocalDpi xmlns:a14="http://schemas.microsoft.com/office/drawing/2010/main" val="0"/>
+                </a:ext>
+              </a:extLst>
+            </a:blip>
+            <a:stretch>
+              <a:fillRect/>
+            </a:stretch>
+          </p:blipFill>
+          <p:spPr>
+            <a:xfrm>
+              <a:off x="4896456" y="1742488"/>
+              <a:ext cx="2515127" cy="2643450"/>
+            </a:xfrm>
+            <a:prstGeom prst="rect">
+              <a:avLst/>
+            </a:prstGeom>
+          </p:spPr>
+        </p:pic>
+        <p:sp>
+          <p:nvSpPr>
+            <p:cNvPr id="25" name="TextBox 24"/>
+            <p:cNvSpPr txBox="1"/>
+            <p:nvPr/>
+          </p:nvSpPr>
+          <p:spPr>
+            <a:xfrm>
+              <a:off x="4896455" y="1802934"/>
+              <a:ext cx="2515128" cy="522674"/>
+            </a:xfrm>
+            <a:prstGeom prst="rect">
+              <a:avLst/>
+            </a:prstGeom>
+            <a:noFill/>
+          </p:spPr>
+          <p:txBody>
+            <a:bodyPr wrap="square" rtlCol="0">
+              <a:spAutoFit/>
+            </a:bodyPr>
+            <a:lstStyle/>
+            <a:p>
+              <a:r>
+                <a:rPr lang="en-US" sz="2000" dirty="0" smtClean="0"/>
+                <a:t>Row</a:t>
+              </a:r>
+              <a:endParaRPr lang="en-US" sz="2000" dirty="0"/>
+            </a:p>
+          </p:txBody>
+        </p:sp>
+      </p:grpSp>
+    </p:spTree>
+    <p:extLst>
+      <p:ext uri="{BB962C8B-B14F-4D97-AF65-F5344CB8AC3E}">
+        <p14:creationId xmlns:p14="http://schemas.microsoft.com/office/powerpoint/2010/main" val="889353253"/>
+      </p:ext>
+    </p:extLst>
+  </p:cSld>
+  <p:clrMapOvr>
+    <a:masterClrMapping/>
+  </p:clrMapOvr>
+  <p:timing>
+    <p:tnLst>
+      <p:par>
+        <p:cTn id="1" dur="indefinite" restart="never" nodeType="tmRoot"/>
+      </p:par>
+    </p:tnLst>
+  </p:timing>
+</p:sld>
+</file>
+
+<file path=ppt/slides/slide13.xml><?xml version="1.0" encoding="utf-8"?>
+<p:sld xmlns:a="http://schemas.openxmlformats.org/drawingml/2006/main" xmlns:r="http://schemas.openxmlformats.org/officeDocument/2006/relationships" xmlns:p="http://schemas.openxmlformats.org/presentationml/2006/main">
+  <p:cSld>
+    <p:spTree>
+      <p:nvGrpSpPr>
+        <p:cNvPr id="1" name=""/>
+        <p:cNvGrpSpPr/>
+        <p:nvPr/>
+      </p:nvGrpSpPr>
+      <p:grpSpPr>
+        <a:xfrm>
+          <a:off x="0" y="0"/>
+          <a:ext cx="0" cy="0"/>
+          <a:chOff x="0" y="0"/>
+          <a:chExt cx="0" cy="0"/>
+        </a:xfrm>
+      </p:grpSpPr>
+      <p:grpSp>
+        <p:nvGrpSpPr>
+          <p:cNvPr id="3" name="Group 2"/>
+          <p:cNvGrpSpPr/>
+          <p:nvPr/>
+        </p:nvGrpSpPr>
+        <p:grpSpPr>
+          <a:xfrm>
+            <a:off x="2870195" y="4278745"/>
+            <a:ext cx="6129337" cy="2147352"/>
+            <a:chOff x="1212850" y="4000320"/>
+            <a:chExt cx="7616825" cy="2668479"/>
+          </a:xfrm>
+        </p:grpSpPr>
+        <p:pic>
+          <p:nvPicPr>
+            <p:cNvPr id="5" name="Picture 4"/>
+            <p:cNvPicPr>
+              <a:picLocks noChangeAspect="1"/>
+            </p:cNvPicPr>
+            <p:nvPr/>
+          </p:nvPicPr>
+          <p:blipFill>
+            <a:blip r:embed="rId3">
+              <a:extLst>
+                <a:ext uri="{28A0092B-C50C-407E-A947-70E740481C1C}">
+                  <a14:useLocalDpi xmlns:a14="http://schemas.microsoft.com/office/drawing/2010/main" val="0"/>
+                </a:ext>
+              </a:extLst>
+            </a:blip>
+            <a:stretch>
+              <a:fillRect/>
+            </a:stretch>
+          </p:blipFill>
+          <p:spPr>
+            <a:xfrm>
+              <a:off x="3751792" y="4000320"/>
+              <a:ext cx="2538942" cy="2668479"/>
+            </a:xfrm>
+            <a:prstGeom prst="rect">
+              <a:avLst/>
+            </a:prstGeom>
+          </p:spPr>
+        </p:pic>
+        <p:pic>
+          <p:nvPicPr>
+            <p:cNvPr id="6" name="Picture 5"/>
+            <p:cNvPicPr>
+              <a:picLocks noChangeAspect="1"/>
+            </p:cNvPicPr>
+            <p:nvPr/>
+          </p:nvPicPr>
+          <p:blipFill>
+            <a:blip r:embed="rId4">
+              <a:extLst>
+                <a:ext uri="{28A0092B-C50C-407E-A947-70E740481C1C}">
+                  <a14:useLocalDpi xmlns:a14="http://schemas.microsoft.com/office/drawing/2010/main" val="0"/>
+                </a:ext>
+              </a:extLst>
+            </a:blip>
+            <a:stretch>
+              <a:fillRect/>
+            </a:stretch>
+          </p:blipFill>
+          <p:spPr>
+            <a:xfrm>
+              <a:off x="6290733" y="4000320"/>
+              <a:ext cx="2538942" cy="2668479"/>
+            </a:xfrm>
+            <a:prstGeom prst="rect">
+              <a:avLst/>
+            </a:prstGeom>
+          </p:spPr>
+        </p:pic>
+        <p:pic>
+          <p:nvPicPr>
+            <p:cNvPr id="7" name="Picture 6"/>
+            <p:cNvPicPr>
+              <a:picLocks noChangeAspect="1"/>
+            </p:cNvPicPr>
+            <p:nvPr/>
+          </p:nvPicPr>
+          <p:blipFill>
+            <a:blip r:embed="rId5">
+              <a:extLst>
+                <a:ext uri="{28A0092B-C50C-407E-A947-70E740481C1C}">
+                  <a14:useLocalDpi xmlns:a14="http://schemas.microsoft.com/office/drawing/2010/main" val="0"/>
+                </a:ext>
+              </a:extLst>
+            </a:blip>
+            <a:stretch>
+              <a:fillRect/>
+            </a:stretch>
+          </p:blipFill>
+          <p:spPr>
+            <a:xfrm>
+              <a:off x="1212850" y="4000320"/>
+              <a:ext cx="2538942" cy="2668479"/>
+            </a:xfrm>
+            <a:prstGeom prst="rect">
+              <a:avLst/>
+            </a:prstGeom>
+          </p:spPr>
+        </p:pic>
+        <p:sp>
+          <p:nvSpPr>
+            <p:cNvPr id="8" name="TextBox 7"/>
+            <p:cNvSpPr txBox="1"/>
+            <p:nvPr/>
+          </p:nvSpPr>
+          <p:spPr>
+            <a:xfrm>
+              <a:off x="1251239" y="4023279"/>
+              <a:ext cx="2500554" cy="497210"/>
+            </a:xfrm>
+            <a:prstGeom prst="rect">
+              <a:avLst/>
+            </a:prstGeom>
+            <a:noFill/>
+          </p:spPr>
+          <p:txBody>
+            <a:bodyPr wrap="square" rtlCol="0">
+              <a:spAutoFit/>
+            </a:bodyPr>
+            <a:lstStyle/>
+            <a:p>
+              <a:r>
+                <a:rPr lang="en-US" sz="2000" smtClean="0"/>
+                <a:t>XOR</a:t>
+              </a:r>
+              <a:endParaRPr lang="en-US" sz="2000"/>
+            </a:p>
+          </p:txBody>
+        </p:sp>
+        <p:sp>
+          <p:nvSpPr>
+            <p:cNvPr id="9" name="TextBox 8"/>
+            <p:cNvSpPr txBox="1"/>
+            <p:nvPr/>
+          </p:nvSpPr>
+          <p:spPr>
+            <a:xfrm>
+              <a:off x="3751792" y="4058494"/>
+              <a:ext cx="2500554" cy="497210"/>
+            </a:xfrm>
+            <a:prstGeom prst="rect">
+              <a:avLst/>
+            </a:prstGeom>
+            <a:noFill/>
+          </p:spPr>
+          <p:txBody>
+            <a:bodyPr wrap="square" rtlCol="0">
+              <a:spAutoFit/>
+            </a:bodyPr>
+            <a:lstStyle/>
+            <a:p>
+              <a:r>
+                <a:rPr lang="en-US" sz="2000" smtClean="0"/>
+                <a:t>Cluster</a:t>
+              </a:r>
+              <a:endParaRPr lang="en-US" sz="2000"/>
+            </a:p>
+          </p:txBody>
+        </p:sp>
+        <p:sp>
+          <p:nvSpPr>
+            <p:cNvPr id="10" name="TextBox 9"/>
+            <p:cNvSpPr txBox="1"/>
+            <p:nvPr/>
+          </p:nvSpPr>
+          <p:spPr>
+            <a:xfrm>
+              <a:off x="6290733" y="4023279"/>
+              <a:ext cx="2538942" cy="497210"/>
+            </a:xfrm>
+            <a:prstGeom prst="rect">
+              <a:avLst/>
+            </a:prstGeom>
+            <a:noFill/>
+          </p:spPr>
+          <p:txBody>
+            <a:bodyPr wrap="square" rtlCol="0">
+              <a:spAutoFit/>
+            </a:bodyPr>
+            <a:lstStyle/>
+            <a:p>
+              <a:r>
+                <a:rPr lang="en-US" sz="2000" dirty="0" smtClean="0"/>
+                <a:t>Row</a:t>
+              </a:r>
+              <a:endParaRPr lang="en-US" sz="2000" dirty="0"/>
+            </a:p>
+          </p:txBody>
+        </p:sp>
+      </p:grpSp>
+      <p:sp>
+        <p:nvSpPr>
+          <p:cNvPr id="2" name="TextBox 1"/>
+          <p:cNvSpPr txBox="1"/>
+          <p:nvPr/>
+        </p:nvSpPr>
+        <p:spPr>
+          <a:xfrm>
+            <a:off x="353651" y="218467"/>
+            <a:ext cx="7109575" cy="3170099"/>
+          </a:xfrm>
+          <a:prstGeom prst="rect">
+            <a:avLst/>
+          </a:prstGeom>
+          <a:noFill/>
+        </p:spPr>
+        <p:txBody>
+          <a:bodyPr wrap="none" rtlCol="0">
+            <a:spAutoFit/>
+          </a:bodyPr>
+          <a:lstStyle/>
+          <a:p>
+            <a:r>
+              <a:rPr lang="en-US" sz="2400" dirty="0" smtClean="0"/>
+              <a:t>Experiment 1</a:t>
+            </a:r>
+          </a:p>
+          <a:p>
+            <a:endParaRPr lang="en-US" sz="2400" dirty="0"/>
+          </a:p>
+          <a:p>
+            <a:r>
+              <a:rPr lang="en-US" sz="2000" dirty="0" smtClean="0"/>
+              <a:t>Goals: </a:t>
+            </a:r>
+          </a:p>
+          <a:p>
+            <a:pPr marL="285750" indent="-285750">
+              <a:buFont typeface="Arial" charset="0"/>
+              <a:buChar char="•"/>
+            </a:pPr>
+            <a:r>
+              <a:rPr lang="en-US" sz="1600" dirty="0" smtClean="0"/>
+              <a:t>Replicate </a:t>
+            </a:r>
+            <a:r>
+              <a:rPr lang="en-US" sz="1600" dirty="0" err="1" smtClean="0"/>
+              <a:t>Jern</a:t>
+            </a:r>
+            <a:r>
+              <a:rPr lang="en-US" sz="1600" dirty="0" smtClean="0"/>
+              <a:t> &amp; Kemp (2013) and Ward (1994)</a:t>
+            </a:r>
+          </a:p>
+          <a:p>
+            <a:pPr marL="285750" indent="-285750">
+              <a:buFont typeface="Arial" charset="0"/>
+              <a:buChar char="•"/>
+            </a:pPr>
+            <a:r>
+              <a:rPr lang="en-US" sz="1600" dirty="0" smtClean="0"/>
+              <a:t>Characterize the types of categories people generate.</a:t>
+            </a:r>
+          </a:p>
+          <a:p>
+            <a:pPr marL="285750" indent="-285750">
+              <a:buFont typeface="Arial" charset="0"/>
+              <a:buChar char="•"/>
+            </a:pPr>
+            <a:endParaRPr lang="en-US" sz="1600" dirty="0" smtClean="0"/>
+          </a:p>
+          <a:p>
+            <a:r>
+              <a:rPr lang="en-US" sz="2000" dirty="0" smtClean="0"/>
+              <a:t>Procedure: </a:t>
+            </a:r>
+            <a:endParaRPr lang="en-US" sz="2000" dirty="0"/>
+          </a:p>
+          <a:p>
+            <a:pPr marL="285750" indent="-285750">
+              <a:buFont typeface="Arial" charset="0"/>
+              <a:buChar char="•"/>
+            </a:pPr>
+            <a:r>
+              <a:rPr lang="en-US" sz="1600" dirty="0" smtClean="0"/>
+              <a:t>n = 22 per condition</a:t>
+            </a:r>
+          </a:p>
+          <a:p>
+            <a:pPr marL="285750" indent="-285750">
+              <a:buFont typeface="Arial" charset="0"/>
+              <a:buChar char="•"/>
+            </a:pPr>
+            <a:r>
+              <a:rPr lang="en-US" sz="1600" dirty="0" smtClean="0"/>
+              <a:t>Participants exposed to members of the Alpha category, one at a time (12 trials)</a:t>
+            </a:r>
+          </a:p>
+          <a:p>
+            <a:pPr marL="285750" indent="-285750">
+              <a:buFont typeface="Arial" charset="0"/>
+              <a:buChar char="•"/>
+            </a:pPr>
+            <a:r>
+              <a:rPr lang="en-US" sz="1600" dirty="0" smtClean="0"/>
+              <a:t>Participants generated four members of the “Beta” class</a:t>
+            </a:r>
+          </a:p>
+          <a:p>
+            <a:pPr marL="285750" indent="-285750">
+              <a:buFont typeface="Arial" charset="0"/>
+              <a:buChar char="•"/>
+            </a:pPr>
+            <a:r>
+              <a:rPr lang="en-US" sz="1600" dirty="0" smtClean="0"/>
+              <a:t>Generation via sliding scaling interface, as in </a:t>
+            </a:r>
+            <a:r>
+              <a:rPr lang="en-US" sz="1600" dirty="0" err="1" smtClean="0"/>
+              <a:t>Jern</a:t>
+            </a:r>
+            <a:r>
+              <a:rPr lang="en-US" sz="1600" dirty="0" smtClean="0"/>
+              <a:t> &amp; Kemp (2013)</a:t>
+            </a:r>
+            <a:endParaRPr lang="en-US" sz="1600" dirty="0"/>
+          </a:p>
+        </p:txBody>
+      </p:sp>
+      <p:grpSp>
+        <p:nvGrpSpPr>
+          <p:cNvPr id="12" name="Group 11"/>
+          <p:cNvGrpSpPr/>
+          <p:nvPr/>
+        </p:nvGrpSpPr>
+        <p:grpSpPr>
+          <a:xfrm>
+            <a:off x="16294" y="3937686"/>
+            <a:ext cx="2573577" cy="2740926"/>
+            <a:chOff x="16294" y="3937686"/>
+            <a:chExt cx="2573577" cy="2740926"/>
+          </a:xfrm>
+        </p:grpSpPr>
+        <p:pic>
+          <p:nvPicPr>
+            <p:cNvPr id="4" name="Picture 3"/>
+            <p:cNvPicPr>
+              <a:picLocks noChangeAspect="1"/>
+            </p:cNvPicPr>
+            <p:nvPr/>
+          </p:nvPicPr>
+          <p:blipFill>
+            <a:blip r:embed="rId6">
+              <a:extLst>
+                <a:ext uri="{28A0092B-C50C-407E-A947-70E740481C1C}">
+                  <a14:useLocalDpi xmlns:a14="http://schemas.microsoft.com/office/drawing/2010/main" val="0"/>
+                </a:ext>
+              </a:extLst>
+            </a:blip>
+            <a:stretch>
+              <a:fillRect/>
+            </a:stretch>
+          </p:blipFill>
+          <p:spPr>
+            <a:xfrm>
+              <a:off x="16294" y="4257431"/>
+              <a:ext cx="2573577" cy="2421181"/>
+            </a:xfrm>
+            <a:prstGeom prst="rect">
+              <a:avLst/>
+            </a:prstGeom>
+          </p:spPr>
+        </p:pic>
+        <p:sp>
+          <p:nvSpPr>
+            <p:cNvPr id="11" name="TextBox 10"/>
+            <p:cNvSpPr txBox="1"/>
+            <p:nvPr/>
+          </p:nvSpPr>
+          <p:spPr>
+            <a:xfrm>
+              <a:off x="642551" y="3937686"/>
+              <a:ext cx="1947320" cy="369332"/>
+            </a:xfrm>
+            <a:prstGeom prst="rect">
+              <a:avLst/>
+            </a:prstGeom>
+            <a:noFill/>
+          </p:spPr>
+          <p:txBody>
+            <a:bodyPr wrap="square" rtlCol="0">
+              <a:spAutoFit/>
+            </a:bodyPr>
+            <a:lstStyle/>
+            <a:p>
+              <a:pPr algn="ctr"/>
+              <a:r>
+                <a:rPr lang="en-US" b="1" dirty="0" smtClean="0"/>
+                <a:t>Domain</a:t>
+              </a:r>
+              <a:r>
+                <a:rPr lang="en-US" dirty="0" smtClean="0"/>
+                <a:t>: Squares</a:t>
+              </a:r>
+              <a:endParaRPr lang="en-US" dirty="0"/>
+            </a:p>
+          </p:txBody>
+        </p:sp>
+      </p:grpSp>
+      <p:sp>
+        <p:nvSpPr>
+          <p:cNvPr id="13" name="TextBox 12"/>
+          <p:cNvSpPr txBox="1"/>
+          <p:nvPr/>
+        </p:nvSpPr>
+        <p:spPr>
+          <a:xfrm>
+            <a:off x="5750011" y="6370835"/>
+            <a:ext cx="3218631" cy="369332"/>
+          </a:xfrm>
+          <a:prstGeom prst="rect">
+            <a:avLst/>
+          </a:prstGeom>
+          <a:noFill/>
+        </p:spPr>
+        <p:txBody>
+          <a:bodyPr wrap="square" rtlCol="0">
+            <a:spAutoFit/>
+          </a:bodyPr>
+          <a:lstStyle/>
+          <a:p>
+            <a:r>
+              <a:rPr lang="en-US" sz="1400" dirty="0" smtClean="0"/>
+              <a:t>* “</a:t>
+            </a:r>
+            <a:r>
+              <a:rPr lang="en-US" dirty="0" smtClean="0">
+                <a:solidFill>
+                  <a:srgbClr val="C00000"/>
+                </a:solidFill>
+                <a:latin typeface="Courier New" charset="0"/>
+                <a:ea typeface="Courier New" charset="0"/>
+                <a:cs typeface="Courier New" charset="0"/>
+              </a:rPr>
+              <a:t>A</a:t>
+            </a:r>
+            <a:r>
+              <a:rPr lang="en-US" sz="1400" dirty="0" smtClean="0"/>
+              <a:t>” = member of the ”Alpha” category</a:t>
+            </a:r>
+            <a:endParaRPr lang="en-US" sz="1400" dirty="0"/>
+          </a:p>
+        </p:txBody>
+      </p:sp>
+    </p:spTree>
+    <p:extLst>
+      <p:ext uri="{BB962C8B-B14F-4D97-AF65-F5344CB8AC3E}">
+        <p14:creationId xmlns:p14="http://schemas.microsoft.com/office/powerpoint/2010/main" val="1518439026"/>
+      </p:ext>
+    </p:extLst>
+  </p:cSld>
+  <p:clrMapOvr>
+    <a:masterClrMapping/>
+  </p:clrMapOvr>
+  <p:timing>
+    <p:tnLst>
+      <p:par>
+        <p:cTn id="1" dur="indefinite" restart="never" nodeType="tmRoot"/>
+      </p:par>
+    </p:tnLst>
+  </p:timing>
+</p:sld>
+</file>
+
+<file path=ppt/slides/slide14.xml><?xml version="1.0" encoding="utf-8"?>
+<p:sld xmlns:a="http://schemas.openxmlformats.org/drawingml/2006/main" xmlns:r="http://schemas.openxmlformats.org/officeDocument/2006/relationships" xmlns:p="http://schemas.openxmlformats.org/presentationml/2006/main">
+  <p:cSld>
+    <p:spTree>
+      <p:nvGrpSpPr>
+        <p:cNvPr id="1" name=""/>
+        <p:cNvGrpSpPr/>
+        <p:nvPr/>
+      </p:nvGrpSpPr>
+      <p:grpSpPr>
+        <a:xfrm>
+          <a:off x="0" y="0"/>
+          <a:ext cx="0" cy="0"/>
+          <a:chOff x="0" y="0"/>
+          <a:chExt cx="0" cy="0"/>
+        </a:xfrm>
+      </p:grpSpPr>
+      <p:grpSp>
+        <p:nvGrpSpPr>
+          <p:cNvPr id="14" name="Group 13"/>
+          <p:cNvGrpSpPr/>
+          <p:nvPr/>
+        </p:nvGrpSpPr>
+        <p:grpSpPr>
+          <a:xfrm>
+            <a:off x="761311" y="1123653"/>
+            <a:ext cx="2051351" cy="2147352"/>
+            <a:chOff x="1214390" y="2202810"/>
+            <a:chExt cx="2051351" cy="2147352"/>
+          </a:xfrm>
+        </p:grpSpPr>
+        <p:pic>
+          <p:nvPicPr>
+            <p:cNvPr id="7" name="Picture 6"/>
+            <p:cNvPicPr>
+              <a:picLocks noChangeAspect="1"/>
+            </p:cNvPicPr>
+            <p:nvPr/>
+          </p:nvPicPr>
+          <p:blipFill>
+            <a:blip r:embed="rId3">
+              <a:extLst>
+                <a:ext uri="{28A0092B-C50C-407E-A947-70E740481C1C}">
+                  <a14:useLocalDpi xmlns:a14="http://schemas.microsoft.com/office/drawing/2010/main" val="0"/>
+                </a:ext>
+              </a:extLst>
+            </a:blip>
+            <a:stretch>
+              <a:fillRect/>
+            </a:stretch>
+          </p:blipFill>
+          <p:spPr>
+            <a:xfrm>
+              <a:off x="1214390" y="2202810"/>
+              <a:ext cx="2043113" cy="2147352"/>
+            </a:xfrm>
+            <a:prstGeom prst="rect">
+              <a:avLst/>
+            </a:prstGeom>
+          </p:spPr>
+        </p:pic>
+        <p:sp>
+          <p:nvSpPr>
+            <p:cNvPr id="8" name="TextBox 7"/>
+            <p:cNvSpPr txBox="1"/>
+            <p:nvPr/>
+          </p:nvSpPr>
+          <p:spPr>
+            <a:xfrm>
+              <a:off x="1253520" y="2221285"/>
+              <a:ext cx="2012221" cy="400110"/>
+            </a:xfrm>
+            <a:prstGeom prst="rect">
+              <a:avLst/>
+            </a:prstGeom>
+            <a:noFill/>
+          </p:spPr>
+          <p:txBody>
+            <a:bodyPr wrap="square" rtlCol="0">
+              <a:spAutoFit/>
+            </a:bodyPr>
+            <a:lstStyle/>
+            <a:p>
+              <a:r>
+                <a:rPr lang="en-US" sz="2000" smtClean="0"/>
+                <a:t>XOR</a:t>
+              </a:r>
+              <a:endParaRPr lang="en-US" sz="2000"/>
+            </a:p>
+          </p:txBody>
+        </p:sp>
+      </p:grpSp>
+      <p:grpSp>
+        <p:nvGrpSpPr>
+          <p:cNvPr id="15" name="Group 14"/>
+          <p:cNvGrpSpPr/>
+          <p:nvPr/>
+        </p:nvGrpSpPr>
+        <p:grpSpPr>
+          <a:xfrm>
+            <a:off x="3339881" y="1123653"/>
+            <a:ext cx="2043113" cy="2147352"/>
+            <a:chOff x="3265741" y="2202810"/>
+            <a:chExt cx="2043113" cy="2147352"/>
+          </a:xfrm>
+        </p:grpSpPr>
+        <p:pic>
+          <p:nvPicPr>
+            <p:cNvPr id="5" name="Picture 4"/>
+            <p:cNvPicPr>
+              <a:picLocks noChangeAspect="1"/>
+            </p:cNvPicPr>
+            <p:nvPr/>
+          </p:nvPicPr>
+          <p:blipFill>
+            <a:blip r:embed="rId4">
+              <a:extLst>
+                <a:ext uri="{28A0092B-C50C-407E-A947-70E740481C1C}">
+                  <a14:useLocalDpi xmlns:a14="http://schemas.microsoft.com/office/drawing/2010/main" val="0"/>
+                </a:ext>
+              </a:extLst>
+            </a:blip>
+            <a:stretch>
+              <a:fillRect/>
+            </a:stretch>
+          </p:blipFill>
+          <p:spPr>
+            <a:xfrm>
+              <a:off x="3265741" y="2202810"/>
+              <a:ext cx="2043113" cy="2147352"/>
+            </a:xfrm>
+            <a:prstGeom prst="rect">
+              <a:avLst/>
+            </a:prstGeom>
+          </p:spPr>
+        </p:pic>
+        <p:sp>
+          <p:nvSpPr>
+            <p:cNvPr id="9" name="TextBox 8"/>
+            <p:cNvSpPr txBox="1"/>
+            <p:nvPr/>
+          </p:nvSpPr>
+          <p:spPr>
+            <a:xfrm>
+              <a:off x="3265741" y="2249623"/>
+              <a:ext cx="2012221" cy="400110"/>
+            </a:xfrm>
+            <a:prstGeom prst="rect">
+              <a:avLst/>
+            </a:prstGeom>
+            <a:noFill/>
+          </p:spPr>
+          <p:txBody>
+            <a:bodyPr wrap="square" rtlCol="0">
+              <a:spAutoFit/>
+            </a:bodyPr>
+            <a:lstStyle/>
+            <a:p>
+              <a:r>
+                <a:rPr lang="en-US" sz="2000" smtClean="0"/>
+                <a:t>Cluster</a:t>
+              </a:r>
+              <a:endParaRPr lang="en-US" sz="2000"/>
+            </a:p>
+          </p:txBody>
+        </p:sp>
+      </p:grpSp>
+      <p:grpSp>
+        <p:nvGrpSpPr>
+          <p:cNvPr id="16" name="Group 15"/>
+          <p:cNvGrpSpPr/>
+          <p:nvPr/>
+        </p:nvGrpSpPr>
+        <p:grpSpPr>
+          <a:xfrm>
+            <a:off x="5910213" y="1142128"/>
+            <a:ext cx="2043113" cy="2147352"/>
+            <a:chOff x="5308852" y="2202810"/>
+            <a:chExt cx="2043113" cy="2147352"/>
+          </a:xfrm>
+        </p:grpSpPr>
+        <p:pic>
+          <p:nvPicPr>
+            <p:cNvPr id="6" name="Picture 5"/>
+            <p:cNvPicPr>
+              <a:picLocks noChangeAspect="1"/>
+            </p:cNvPicPr>
+            <p:nvPr/>
+          </p:nvPicPr>
+          <p:blipFill>
+            <a:blip r:embed="rId5">
+              <a:extLst>
+                <a:ext uri="{28A0092B-C50C-407E-A947-70E740481C1C}">
+                  <a14:useLocalDpi xmlns:a14="http://schemas.microsoft.com/office/drawing/2010/main" val="0"/>
+                </a:ext>
+              </a:extLst>
+            </a:blip>
+            <a:stretch>
+              <a:fillRect/>
+            </a:stretch>
+          </p:blipFill>
+          <p:spPr>
+            <a:xfrm>
+              <a:off x="5308852" y="2202810"/>
+              <a:ext cx="2043113" cy="2147352"/>
+            </a:xfrm>
+            <a:prstGeom prst="rect">
+              <a:avLst/>
+            </a:prstGeom>
+          </p:spPr>
+        </p:pic>
+        <p:sp>
+          <p:nvSpPr>
+            <p:cNvPr id="10" name="TextBox 9"/>
+            <p:cNvSpPr txBox="1"/>
+            <p:nvPr/>
+          </p:nvSpPr>
+          <p:spPr>
+            <a:xfrm>
+              <a:off x="5308852" y="2221285"/>
+              <a:ext cx="2043113" cy="400110"/>
+            </a:xfrm>
+            <a:prstGeom prst="rect">
+              <a:avLst/>
+            </a:prstGeom>
+            <a:noFill/>
+          </p:spPr>
+          <p:txBody>
+            <a:bodyPr wrap="square" rtlCol="0">
+              <a:spAutoFit/>
+            </a:bodyPr>
+            <a:lstStyle/>
+            <a:p>
+              <a:r>
+                <a:rPr lang="en-US" sz="2000" dirty="0" smtClean="0"/>
+                <a:t>Row</a:t>
+              </a:r>
+              <a:endParaRPr lang="en-US" sz="2000" dirty="0"/>
+            </a:p>
+          </p:txBody>
+        </p:sp>
+      </p:grpSp>
+      <p:sp>
+        <p:nvSpPr>
+          <p:cNvPr id="2" name="TextBox 1"/>
+          <p:cNvSpPr txBox="1"/>
+          <p:nvPr/>
+        </p:nvSpPr>
+        <p:spPr>
+          <a:xfrm>
+            <a:off x="353651" y="218467"/>
+            <a:ext cx="1580113" cy="461665"/>
+          </a:xfrm>
+          <a:prstGeom prst="rect">
+            <a:avLst/>
+          </a:prstGeom>
+          <a:noFill/>
+        </p:spPr>
+        <p:txBody>
+          <a:bodyPr wrap="none" rtlCol="0">
+            <a:spAutoFit/>
+          </a:bodyPr>
+          <a:lstStyle/>
+          <a:p>
+            <a:r>
+              <a:rPr lang="en-US" sz="2400" dirty="0" smtClean="0"/>
+              <a:t>Predictions</a:t>
+            </a:r>
+          </a:p>
+        </p:txBody>
+      </p:sp>
+    </p:spTree>
+    <p:extLst>
+      <p:ext uri="{BB962C8B-B14F-4D97-AF65-F5344CB8AC3E}">
+        <p14:creationId xmlns:p14="http://schemas.microsoft.com/office/powerpoint/2010/main" val="1503099191"/>
+      </p:ext>
+    </p:extLst>
+  </p:cSld>
+  <p:clrMapOvr>
+    <a:masterClrMapping/>
+  </p:clrMapOvr>
+  <p:timing>
+    <p:tnLst>
+      <p:par>
+        <p:cTn id="1" dur="indefinite" restart="never" nodeType="tmRoot"/>
+      </p:par>
+    </p:tnLst>
+  </p:timing>
+</p:sld>
+</file>
+
+<file path=ppt/slides/slide15.xml><?xml version="1.0" encoding="utf-8"?>
+<p:sld xmlns:a="http://schemas.openxmlformats.org/drawingml/2006/main" xmlns:r="http://schemas.openxmlformats.org/officeDocument/2006/relationships" xmlns:p="http://schemas.openxmlformats.org/presentationml/2006/main">
+  <p:cSld>
+    <p:spTree>
+      <p:nvGrpSpPr>
+        <p:cNvPr id="1" name=""/>
+        <p:cNvGrpSpPr/>
+        <p:nvPr/>
+      </p:nvGrpSpPr>
+      <p:grpSpPr>
+        <a:xfrm>
+          <a:off x="0" y="0"/>
+          <a:ext cx="0" cy="0"/>
+          <a:chOff x="0" y="0"/>
+          <a:chExt cx="0" cy="0"/>
+        </a:xfrm>
+      </p:grpSpPr>
+    </p:spTree>
+    <p:extLst>
+      <p:ext uri="{BB962C8B-B14F-4D97-AF65-F5344CB8AC3E}">
+        <p14:creationId xmlns:p14="http://schemas.microsoft.com/office/powerpoint/2010/main" val="1936026768"/>
+      </p:ext>
+    </p:extLst>
+  </p:cSld>
+  <p:clrMapOvr>
+    <a:masterClrMapping/>
+  </p:clrMapOvr>
+  <p:timing>
+    <p:tnLst>
+      <p:par>
+        <p:cTn id="1" dur="indefinite" restart="never" nodeType="tmRoot"/>
+      </p:par>
+    </p:tnLst>
+  </p:timing>
+</p:sld>
+</file>
+
+<file path=ppt/slides/slide16.xml><?xml version="1.0" encoding="utf-8"?>
+<p:sld xmlns:a="http://schemas.openxmlformats.org/drawingml/2006/main" xmlns:r="http://schemas.openxmlformats.org/officeDocument/2006/relationships" xmlns:p="http://schemas.openxmlformats.org/presentationml/2006/main">
+  <p:cSld>
+    <p:spTree>
+      <p:nvGrpSpPr>
+        <p:cNvPr id="1" name=""/>
+        <p:cNvGrpSpPr/>
+        <p:nvPr/>
+      </p:nvGrpSpPr>
+      <p:grpSpPr>
+        <a:xfrm>
+          <a:off x="0" y="0"/>
+          <a:ext cx="0" cy="0"/>
+          <a:chOff x="0" y="0"/>
+          <a:chExt cx="0" cy="0"/>
+        </a:xfrm>
+      </p:grpSpPr>
+    </p:spTree>
+    <p:extLst>
+      <p:ext uri="{BB962C8B-B14F-4D97-AF65-F5344CB8AC3E}">
+        <p14:creationId xmlns:p14="http://schemas.microsoft.com/office/powerpoint/2010/main" val="1822532566"/>
+      </p:ext>
+    </p:extLst>
+  </p:cSld>
+  <p:clrMapOvr>
+    <a:masterClrMapping/>
+  </p:clrMapOvr>
+  <p:timing>
+    <p:tnLst>
+      <p:par>
+        <p:cTn id="1" dur="indefinite" restart="never" nodeType="tmRoot"/>
+      </p:par>
+    </p:tnLst>
+  </p:timing>
+</p:sld>
+</file>
+
+<file path=ppt/slides/slide17.xml><?xml version="1.0" encoding="utf-8"?>
+<p:sld xmlns:a="http://schemas.openxmlformats.org/drawingml/2006/main" xmlns:r="http://schemas.openxmlformats.org/officeDocument/2006/relationships" xmlns:p="http://schemas.openxmlformats.org/presentationml/2006/main">
+  <p:cSld>
+    <p:spTree>
+      <p:nvGrpSpPr>
+        <p:cNvPr id="1" name=""/>
+        <p:cNvGrpSpPr/>
+        <p:nvPr/>
+      </p:nvGrpSpPr>
+      <p:grpSpPr>
+        <a:xfrm>
+          <a:off x="0" y="0"/>
+          <a:ext cx="0" cy="0"/>
+          <a:chOff x="0" y="0"/>
+          <a:chExt cx="0" cy="0"/>
+        </a:xfrm>
+      </p:grpSpPr>
+    </p:spTree>
+    <p:extLst>
+      <p:ext uri="{BB962C8B-B14F-4D97-AF65-F5344CB8AC3E}">
+        <p14:creationId xmlns:p14="http://schemas.microsoft.com/office/powerpoint/2010/main" val="1182252340"/>
+      </p:ext>
+    </p:extLst>
+  </p:cSld>
+  <p:clrMapOvr>
+    <a:masterClrMapping/>
+  </p:clrMapOvr>
+  <p:timing>
+    <p:tnLst>
+      <p:par>
+        <p:cTn id="1" dur="indefinite" restart="never" nodeType="tmRoot"/>
+      </p:par>
+    </p:tnLst>
+  </p:timing>
+</p:sld>
+</file>
+
+<file path=ppt/slides/slide18.xml><?xml version="1.0" encoding="utf-8"?>
+<p:sld xmlns:a="http://schemas.openxmlformats.org/drawingml/2006/main" xmlns:r="http://schemas.openxmlformats.org/officeDocument/2006/relationships" xmlns:p="http://schemas.openxmlformats.org/presentationml/2006/main">
+  <p:cSld>
+    <p:spTree>
+      <p:nvGrpSpPr>
+        <p:cNvPr id="1" name=""/>
+        <p:cNvGrpSpPr/>
+        <p:nvPr/>
+      </p:nvGrpSpPr>
+      <p:grpSpPr>
+        <a:xfrm>
+          <a:off x="0" y="0"/>
+          <a:ext cx="0" cy="0"/>
+          <a:chOff x="0" y="0"/>
+          <a:chExt cx="0" cy="0"/>
+        </a:xfrm>
+      </p:grpSpPr>
+      <p:sp>
+        <p:nvSpPr>
+          <p:cNvPr id="5" name="TextBox 4"/>
+          <p:cNvSpPr txBox="1"/>
+          <p:nvPr/>
+        </p:nvSpPr>
+        <p:spPr>
+          <a:xfrm>
+            <a:off x="609522" y="83532"/>
+            <a:ext cx="4269694" cy="474803"/>
+          </a:xfrm>
+          <a:prstGeom prst="rect">
+            <a:avLst/>
+          </a:prstGeom>
+          <a:noFill/>
+        </p:spPr>
+        <p:txBody>
+          <a:bodyPr wrap="square" rtlCol="0">
+            <a:spAutoFit/>
+          </a:bodyPr>
+          <a:lstStyle/>
+          <a:p>
+            <a:r>
+              <a:rPr lang="en-US" sz="3200" dirty="0" smtClean="0"/>
+              <a:t>Sample behavioral data</a:t>
+            </a:r>
+            <a:endParaRPr lang="en-US" sz="3200" dirty="0"/>
+          </a:p>
+        </p:txBody>
+      </p:sp>
+      <p:grpSp>
+        <p:nvGrpSpPr>
+          <p:cNvPr id="53" name="Group 52"/>
+          <p:cNvGrpSpPr/>
+          <p:nvPr/>
+        </p:nvGrpSpPr>
+        <p:grpSpPr>
+          <a:xfrm>
+            <a:off x="211177" y="1309705"/>
+            <a:ext cx="8804640" cy="5188501"/>
+            <a:chOff x="211177" y="1214008"/>
+            <a:chExt cx="8804640" cy="5188501"/>
+          </a:xfrm>
+        </p:grpSpPr>
+        <p:sp>
+          <p:nvSpPr>
+            <p:cNvPr id="54" name="TextBox 53"/>
+            <p:cNvSpPr txBox="1"/>
+            <p:nvPr/>
+          </p:nvSpPr>
+          <p:spPr>
+            <a:xfrm>
+              <a:off x="6630075" y="6094732"/>
+              <a:ext cx="2385742" cy="307777"/>
+            </a:xfrm>
+            <a:prstGeom prst="rect">
+              <a:avLst/>
+            </a:prstGeom>
+            <a:noFill/>
+          </p:spPr>
+          <p:txBody>
+            <a:bodyPr wrap="square" rtlCol="0">
+              <a:spAutoFit/>
+            </a:bodyPr>
+            <a:lstStyle/>
+            <a:p>
+              <a:r>
+                <a:rPr lang="en-US" sz="1400" dirty="0" smtClean="0"/>
+                <a:t>*representative participants.</a:t>
+              </a:r>
+              <a:endParaRPr lang="en-US" sz="1400" dirty="0"/>
+            </a:p>
+          </p:txBody>
+        </p:sp>
+        <p:grpSp>
+          <p:nvGrpSpPr>
+            <p:cNvPr id="55" name="Group 54"/>
+            <p:cNvGrpSpPr/>
+            <p:nvPr/>
+          </p:nvGrpSpPr>
+          <p:grpSpPr>
+            <a:xfrm>
+              <a:off x="212650" y="2893494"/>
+              <a:ext cx="8676171" cy="1518712"/>
+              <a:chOff x="212650" y="2893494"/>
+              <a:chExt cx="8676171" cy="1518712"/>
+            </a:xfrm>
+          </p:grpSpPr>
+          <p:grpSp>
+            <p:nvGrpSpPr>
+              <p:cNvPr id="72" name="Group 71"/>
+              <p:cNvGrpSpPr/>
+              <p:nvPr/>
+            </p:nvGrpSpPr>
+            <p:grpSpPr>
+              <a:xfrm>
+                <a:off x="1656208" y="2893494"/>
+                <a:ext cx="7232613" cy="1518712"/>
+                <a:chOff x="1124646" y="3010154"/>
+                <a:chExt cx="7788661" cy="1635472"/>
+              </a:xfrm>
+            </p:grpSpPr>
+            <p:pic>
+              <p:nvPicPr>
+                <p:cNvPr id="74" name="Picture 73"/>
+                <p:cNvPicPr>
+                  <a:picLocks noChangeAspect="1"/>
+                </p:cNvPicPr>
+                <p:nvPr/>
+              </p:nvPicPr>
+              <p:blipFill>
+                <a:blip r:embed="rId3">
+                  <a:extLst>
+                    <a:ext uri="{28A0092B-C50C-407E-A947-70E740481C1C}">
+                      <a14:useLocalDpi xmlns:a14="http://schemas.microsoft.com/office/drawing/2010/main" val="0"/>
+                    </a:ext>
+                  </a:extLst>
+                </a:blip>
+                <a:stretch>
+                  <a:fillRect/>
+                </a:stretch>
+              </p:blipFill>
+              <p:spPr>
+                <a:xfrm>
+                  <a:off x="2682395" y="3011543"/>
+                  <a:ext cx="1557723" cy="1634082"/>
+                </a:xfrm>
+                <a:prstGeom prst="rect">
+                  <a:avLst/>
+                </a:prstGeom>
+              </p:spPr>
+            </p:pic>
+            <p:pic>
+              <p:nvPicPr>
+                <p:cNvPr id="75" name="Picture 74"/>
+                <p:cNvPicPr>
+                  <a:picLocks noChangeAspect="1"/>
+                </p:cNvPicPr>
+                <p:nvPr/>
+              </p:nvPicPr>
+              <p:blipFill>
+                <a:blip r:embed="rId4">
+                  <a:extLst>
+                    <a:ext uri="{28A0092B-C50C-407E-A947-70E740481C1C}">
+                      <a14:useLocalDpi xmlns:a14="http://schemas.microsoft.com/office/drawing/2010/main" val="0"/>
+                    </a:ext>
+                  </a:extLst>
+                </a:blip>
+                <a:stretch>
+                  <a:fillRect/>
+                </a:stretch>
+              </p:blipFill>
+              <p:spPr>
+                <a:xfrm>
+                  <a:off x="4240133" y="3011543"/>
+                  <a:ext cx="1557723" cy="1634082"/>
+                </a:xfrm>
+                <a:prstGeom prst="rect">
+                  <a:avLst/>
+                </a:prstGeom>
+              </p:spPr>
+            </p:pic>
+            <p:pic>
+              <p:nvPicPr>
+                <p:cNvPr id="76" name="Picture 75"/>
+                <p:cNvPicPr>
+                  <a:picLocks noChangeAspect="1"/>
+                </p:cNvPicPr>
+                <p:nvPr/>
+              </p:nvPicPr>
+              <p:blipFill>
+                <a:blip r:embed="rId5">
+                  <a:extLst>
+                    <a:ext uri="{28A0092B-C50C-407E-A947-70E740481C1C}">
+                      <a14:useLocalDpi xmlns:a14="http://schemas.microsoft.com/office/drawing/2010/main" val="0"/>
+                    </a:ext>
+                  </a:extLst>
+                </a:blip>
+                <a:stretch>
+                  <a:fillRect/>
+                </a:stretch>
+              </p:blipFill>
+              <p:spPr>
+                <a:xfrm>
+                  <a:off x="5797859" y="3011543"/>
+                  <a:ext cx="1557723" cy="1634082"/>
+                </a:xfrm>
+                <a:prstGeom prst="rect">
+                  <a:avLst/>
+                </a:prstGeom>
+              </p:spPr>
+            </p:pic>
+            <p:pic>
+              <p:nvPicPr>
+                <p:cNvPr id="77" name="Picture 76"/>
+                <p:cNvPicPr>
+                  <a:picLocks noChangeAspect="1"/>
+                </p:cNvPicPr>
+                <p:nvPr/>
+              </p:nvPicPr>
+              <p:blipFill>
+                <a:blip r:embed="rId6">
+                  <a:extLst>
+                    <a:ext uri="{28A0092B-C50C-407E-A947-70E740481C1C}">
+                      <a14:useLocalDpi xmlns:a14="http://schemas.microsoft.com/office/drawing/2010/main" val="0"/>
+                    </a:ext>
+                  </a:extLst>
+                </a:blip>
+                <a:stretch>
+                  <a:fillRect/>
+                </a:stretch>
+              </p:blipFill>
+              <p:spPr>
+                <a:xfrm>
+                  <a:off x="7355584" y="3011544"/>
+                  <a:ext cx="1557723" cy="1634082"/>
+                </a:xfrm>
+                <a:prstGeom prst="rect">
+                  <a:avLst/>
+                </a:prstGeom>
+              </p:spPr>
+            </p:pic>
+            <p:pic>
+              <p:nvPicPr>
+                <p:cNvPr id="78" name="Picture 77"/>
+                <p:cNvPicPr>
+                  <a:picLocks noChangeAspect="1"/>
+                </p:cNvPicPr>
+                <p:nvPr/>
+              </p:nvPicPr>
+              <p:blipFill>
+                <a:blip r:embed="rId7">
+                  <a:extLst>
+                    <a:ext uri="{28A0092B-C50C-407E-A947-70E740481C1C}">
+                      <a14:useLocalDpi xmlns:a14="http://schemas.microsoft.com/office/drawing/2010/main" val="0"/>
+                    </a:ext>
+                  </a:extLst>
+                </a:blip>
+                <a:stretch>
+                  <a:fillRect/>
+                </a:stretch>
+              </p:blipFill>
+              <p:spPr>
+                <a:xfrm>
+                  <a:off x="1124646" y="3010154"/>
+                  <a:ext cx="1557733" cy="1634092"/>
+                </a:xfrm>
+                <a:prstGeom prst="rect">
+                  <a:avLst/>
+                </a:prstGeom>
+              </p:spPr>
+            </p:pic>
+          </p:grpSp>
+          <p:sp>
+            <p:nvSpPr>
+              <p:cNvPr id="73" name="TextBox 72"/>
+              <p:cNvSpPr txBox="1"/>
+              <p:nvPr/>
+            </p:nvSpPr>
+            <p:spPr>
+              <a:xfrm>
+                <a:off x="212650" y="3409277"/>
+                <a:ext cx="1353281" cy="485866"/>
+              </a:xfrm>
+              <a:prstGeom prst="rect">
+                <a:avLst/>
+              </a:prstGeom>
+              <a:noFill/>
+            </p:spPr>
+            <p:txBody>
+              <a:bodyPr wrap="none" rtlCol="0">
+                <a:spAutoFit/>
+              </a:bodyPr>
+              <a:lstStyle/>
+              <a:p>
+                <a:r>
+                  <a:rPr lang="en-US" sz="2800" dirty="0" smtClean="0"/>
+                  <a:t>CLUSTER</a:t>
+                </a:r>
+                <a:endParaRPr lang="en-US" sz="2800" dirty="0"/>
+              </a:p>
+            </p:txBody>
+          </p:sp>
+        </p:grpSp>
+        <p:grpSp>
+          <p:nvGrpSpPr>
+            <p:cNvPr id="56" name="Group 55"/>
+            <p:cNvGrpSpPr/>
+            <p:nvPr/>
+          </p:nvGrpSpPr>
+          <p:grpSpPr>
+            <a:xfrm>
+              <a:off x="212650" y="4571702"/>
+              <a:ext cx="8676171" cy="1517424"/>
+              <a:chOff x="212650" y="4412207"/>
+              <a:chExt cx="8676171" cy="1517424"/>
+            </a:xfrm>
+          </p:grpSpPr>
+          <p:grpSp>
+            <p:nvGrpSpPr>
+              <p:cNvPr id="65" name="Group 64"/>
+              <p:cNvGrpSpPr/>
+              <p:nvPr/>
+            </p:nvGrpSpPr>
+            <p:grpSpPr>
+              <a:xfrm>
+                <a:off x="1656248" y="4412207"/>
+                <a:ext cx="7232573" cy="1517424"/>
+                <a:chOff x="1124689" y="4645626"/>
+                <a:chExt cx="7788618" cy="1634085"/>
+              </a:xfrm>
+            </p:grpSpPr>
+            <p:pic>
+              <p:nvPicPr>
+                <p:cNvPr id="67" name="Picture 66"/>
+                <p:cNvPicPr>
+                  <a:picLocks noChangeAspect="1"/>
+                </p:cNvPicPr>
+                <p:nvPr/>
+              </p:nvPicPr>
+              <p:blipFill>
+                <a:blip r:embed="rId8">
+                  <a:extLst>
+                    <a:ext uri="{28A0092B-C50C-407E-A947-70E740481C1C}">
+                      <a14:useLocalDpi xmlns:a14="http://schemas.microsoft.com/office/drawing/2010/main" val="0"/>
+                    </a:ext>
+                  </a:extLst>
+                </a:blip>
+                <a:stretch>
+                  <a:fillRect/>
+                </a:stretch>
+              </p:blipFill>
+              <p:spPr>
+                <a:xfrm>
+                  <a:off x="2682412" y="4645626"/>
+                  <a:ext cx="1557723" cy="1634082"/>
+                </a:xfrm>
+                <a:prstGeom prst="rect">
+                  <a:avLst/>
+                </a:prstGeom>
+              </p:spPr>
+            </p:pic>
+            <p:pic>
+              <p:nvPicPr>
+                <p:cNvPr id="68" name="Picture 67"/>
+                <p:cNvPicPr>
+                  <a:picLocks noChangeAspect="1"/>
+                </p:cNvPicPr>
+                <p:nvPr/>
+              </p:nvPicPr>
+              <p:blipFill>
+                <a:blip r:embed="rId9">
+                  <a:extLst>
+                    <a:ext uri="{28A0092B-C50C-407E-A947-70E740481C1C}">
+                      <a14:useLocalDpi xmlns:a14="http://schemas.microsoft.com/office/drawing/2010/main" val="0"/>
+                    </a:ext>
+                  </a:extLst>
+                </a:blip>
+                <a:stretch>
+                  <a:fillRect/>
+                </a:stretch>
+              </p:blipFill>
+              <p:spPr>
+                <a:xfrm>
+                  <a:off x="1124689" y="4645626"/>
+                  <a:ext cx="1557723" cy="1634082"/>
+                </a:xfrm>
+                <a:prstGeom prst="rect">
+                  <a:avLst/>
+                </a:prstGeom>
+              </p:spPr>
+            </p:pic>
+            <p:pic>
+              <p:nvPicPr>
+                <p:cNvPr id="69" name="Picture 68"/>
+                <p:cNvPicPr>
+                  <a:picLocks noChangeAspect="1"/>
+                </p:cNvPicPr>
+                <p:nvPr/>
+              </p:nvPicPr>
+              <p:blipFill>
+                <a:blip r:embed="rId10">
+                  <a:extLst>
+                    <a:ext uri="{28A0092B-C50C-407E-A947-70E740481C1C}">
+                      <a14:useLocalDpi xmlns:a14="http://schemas.microsoft.com/office/drawing/2010/main" val="0"/>
+                    </a:ext>
+                  </a:extLst>
+                </a:blip>
+                <a:stretch>
+                  <a:fillRect/>
+                </a:stretch>
+              </p:blipFill>
+              <p:spPr>
+                <a:xfrm>
+                  <a:off x="4240136" y="4645627"/>
+                  <a:ext cx="1557723" cy="1634082"/>
+                </a:xfrm>
+                <a:prstGeom prst="rect">
+                  <a:avLst/>
+                </a:prstGeom>
+              </p:spPr>
+            </p:pic>
+            <p:pic>
+              <p:nvPicPr>
+                <p:cNvPr id="70" name="Picture 69"/>
+                <p:cNvPicPr>
+                  <a:picLocks noChangeAspect="1"/>
+                </p:cNvPicPr>
+                <p:nvPr/>
+              </p:nvPicPr>
+              <p:blipFill>
+                <a:blip r:embed="rId11">
+                  <a:extLst>
+                    <a:ext uri="{28A0092B-C50C-407E-A947-70E740481C1C}">
+                      <a14:useLocalDpi xmlns:a14="http://schemas.microsoft.com/office/drawing/2010/main" val="0"/>
+                    </a:ext>
+                  </a:extLst>
+                </a:blip>
+                <a:stretch>
+                  <a:fillRect/>
+                </a:stretch>
+              </p:blipFill>
+              <p:spPr>
+                <a:xfrm>
+                  <a:off x="5797859" y="4645627"/>
+                  <a:ext cx="1557723" cy="1634082"/>
+                </a:xfrm>
+                <a:prstGeom prst="rect">
+                  <a:avLst/>
+                </a:prstGeom>
+              </p:spPr>
+            </p:pic>
+            <p:pic>
+              <p:nvPicPr>
+                <p:cNvPr id="71" name="Picture 70"/>
+                <p:cNvPicPr>
+                  <a:picLocks noChangeAspect="1"/>
+                </p:cNvPicPr>
+                <p:nvPr/>
+              </p:nvPicPr>
+              <p:blipFill>
+                <a:blip r:embed="rId12">
+                  <a:extLst>
+                    <a:ext uri="{28A0092B-C50C-407E-A947-70E740481C1C}">
+                      <a14:useLocalDpi xmlns:a14="http://schemas.microsoft.com/office/drawing/2010/main" val="0"/>
+                    </a:ext>
+                  </a:extLst>
+                </a:blip>
+                <a:stretch>
+                  <a:fillRect/>
+                </a:stretch>
+              </p:blipFill>
+              <p:spPr>
+                <a:xfrm>
+                  <a:off x="7355584" y="4645629"/>
+                  <a:ext cx="1557723" cy="1634082"/>
+                </a:xfrm>
+                <a:prstGeom prst="rect">
+                  <a:avLst/>
+                </a:prstGeom>
+              </p:spPr>
+            </p:pic>
+          </p:grpSp>
+          <p:sp>
+            <p:nvSpPr>
+              <p:cNvPr id="66" name="TextBox 65"/>
+              <p:cNvSpPr txBox="1"/>
+              <p:nvPr/>
+            </p:nvSpPr>
+            <p:spPr>
+              <a:xfrm>
+                <a:off x="212650" y="4923767"/>
+                <a:ext cx="863306" cy="485866"/>
+              </a:xfrm>
+              <a:prstGeom prst="rect">
+                <a:avLst/>
+              </a:prstGeom>
+              <a:noFill/>
+            </p:spPr>
+            <p:txBody>
+              <a:bodyPr wrap="none" rtlCol="0">
+                <a:spAutoFit/>
+              </a:bodyPr>
+              <a:lstStyle/>
+              <a:p>
+                <a:r>
+                  <a:rPr lang="en-US" sz="2800" smtClean="0"/>
+                  <a:t>ROW</a:t>
+                </a:r>
+                <a:endParaRPr lang="en-US" sz="2800"/>
+              </a:p>
+            </p:txBody>
+          </p:sp>
+        </p:grpSp>
+        <p:grpSp>
+          <p:nvGrpSpPr>
+            <p:cNvPr id="57" name="Group 56"/>
+            <p:cNvGrpSpPr/>
+            <p:nvPr/>
+          </p:nvGrpSpPr>
+          <p:grpSpPr>
+            <a:xfrm>
+              <a:off x="211177" y="1214008"/>
+              <a:ext cx="8676166" cy="1518709"/>
+              <a:chOff x="211177" y="1214008"/>
+              <a:chExt cx="8676166" cy="1518709"/>
+            </a:xfrm>
+          </p:grpSpPr>
+          <p:sp>
+            <p:nvSpPr>
+              <p:cNvPr id="58" name="TextBox 57"/>
+              <p:cNvSpPr txBox="1"/>
+              <p:nvPr/>
+            </p:nvSpPr>
+            <p:spPr>
+              <a:xfrm>
+                <a:off x="211177" y="1729786"/>
+                <a:ext cx="737076" cy="485866"/>
+              </a:xfrm>
+              <a:prstGeom prst="rect">
+                <a:avLst/>
+              </a:prstGeom>
+              <a:noFill/>
+            </p:spPr>
+            <p:txBody>
+              <a:bodyPr wrap="none" rtlCol="0">
+                <a:spAutoFit/>
+              </a:bodyPr>
+              <a:lstStyle/>
+              <a:p>
+                <a:r>
+                  <a:rPr lang="en-US" sz="2800" dirty="0" smtClean="0"/>
+                  <a:t>XOR</a:t>
+                </a:r>
+                <a:endParaRPr lang="en-US" sz="2800" dirty="0"/>
+              </a:p>
+            </p:txBody>
+          </p:sp>
+          <p:grpSp>
+            <p:nvGrpSpPr>
+              <p:cNvPr id="59" name="Group 58"/>
+              <p:cNvGrpSpPr/>
+              <p:nvPr/>
+            </p:nvGrpSpPr>
+            <p:grpSpPr>
+              <a:xfrm>
+                <a:off x="1653268" y="1214008"/>
+                <a:ext cx="7234075" cy="1518709"/>
+                <a:chOff x="1653268" y="1214008"/>
+                <a:chExt cx="7234075" cy="1518709"/>
+              </a:xfrm>
+            </p:grpSpPr>
+            <p:pic>
+              <p:nvPicPr>
+                <p:cNvPr id="60" name="Picture 59"/>
+                <p:cNvPicPr>
+                  <a:picLocks noChangeAspect="1"/>
+                </p:cNvPicPr>
+                <p:nvPr/>
+              </p:nvPicPr>
+              <p:blipFill>
+                <a:blip r:embed="rId13">
+                  <a:extLst>
+                    <a:ext uri="{28A0092B-C50C-407E-A947-70E740481C1C}">
+                      <a14:useLocalDpi xmlns:a14="http://schemas.microsoft.com/office/drawing/2010/main" val="0"/>
+                    </a:ext>
+                  </a:extLst>
+                </a:blip>
+                <a:stretch>
+                  <a:fillRect/>
+                </a:stretch>
+              </p:blipFill>
+              <p:spPr>
+                <a:xfrm>
+                  <a:off x="3101272" y="1214008"/>
+                  <a:ext cx="1446514" cy="1517422"/>
+                </a:xfrm>
+                <a:prstGeom prst="rect">
+                  <a:avLst/>
+                </a:prstGeom>
+              </p:spPr>
+            </p:pic>
+            <p:pic>
+              <p:nvPicPr>
+                <p:cNvPr id="61" name="Picture 60"/>
+                <p:cNvPicPr>
+                  <a:picLocks noChangeAspect="1"/>
+                </p:cNvPicPr>
+                <p:nvPr/>
+              </p:nvPicPr>
+              <p:blipFill>
+                <a:blip r:embed="rId14">
+                  <a:extLst>
+                    <a:ext uri="{28A0092B-C50C-407E-A947-70E740481C1C}">
+                      <a14:useLocalDpi xmlns:a14="http://schemas.microsoft.com/office/drawing/2010/main" val="0"/>
+                    </a:ext>
+                  </a:extLst>
+                </a:blip>
+                <a:stretch>
+                  <a:fillRect/>
+                </a:stretch>
+              </p:blipFill>
+              <p:spPr>
+                <a:xfrm>
+                  <a:off x="4547796" y="1215295"/>
+                  <a:ext cx="1446514" cy="1517422"/>
+                </a:xfrm>
+                <a:prstGeom prst="rect">
+                  <a:avLst/>
+                </a:prstGeom>
+              </p:spPr>
+            </p:pic>
+            <p:pic>
+              <p:nvPicPr>
+                <p:cNvPr id="62" name="Picture 61"/>
+                <p:cNvPicPr>
+                  <a:picLocks noChangeAspect="1"/>
+                </p:cNvPicPr>
+                <p:nvPr/>
+              </p:nvPicPr>
+              <p:blipFill>
+                <a:blip r:embed="rId15">
+                  <a:extLst>
+                    <a:ext uri="{28A0092B-C50C-407E-A947-70E740481C1C}">
+                      <a14:useLocalDpi xmlns:a14="http://schemas.microsoft.com/office/drawing/2010/main" val="0"/>
+                    </a:ext>
+                  </a:extLst>
+                </a:blip>
+                <a:stretch>
+                  <a:fillRect/>
+                </a:stretch>
+              </p:blipFill>
+              <p:spPr>
+                <a:xfrm>
+                  <a:off x="7440829" y="1214008"/>
+                  <a:ext cx="1446514" cy="1517422"/>
+                </a:xfrm>
+                <a:prstGeom prst="rect">
+                  <a:avLst/>
+                </a:prstGeom>
+              </p:spPr>
+            </p:pic>
+            <p:pic>
+              <p:nvPicPr>
+                <p:cNvPr id="63" name="Picture 62"/>
+                <p:cNvPicPr>
+                  <a:picLocks noChangeAspect="1"/>
+                </p:cNvPicPr>
+                <p:nvPr/>
+              </p:nvPicPr>
+              <p:blipFill>
+                <a:blip r:embed="rId16">
+                  <a:extLst>
+                    <a:ext uri="{28A0092B-C50C-407E-A947-70E740481C1C}">
+                      <a14:useLocalDpi xmlns:a14="http://schemas.microsoft.com/office/drawing/2010/main" val="0"/>
+                    </a:ext>
+                  </a:extLst>
+                </a:blip>
+                <a:stretch>
+                  <a:fillRect/>
+                </a:stretch>
+              </p:blipFill>
+              <p:spPr>
+                <a:xfrm>
+                  <a:off x="5995790" y="1214008"/>
+                  <a:ext cx="1446514" cy="1517422"/>
+                </a:xfrm>
+                <a:prstGeom prst="rect">
+                  <a:avLst/>
+                </a:prstGeom>
+              </p:spPr>
+            </p:pic>
+            <p:pic>
+              <p:nvPicPr>
+                <p:cNvPr id="64" name="Picture 63"/>
+                <p:cNvPicPr>
+                  <a:picLocks noChangeAspect="1"/>
+                </p:cNvPicPr>
+                <p:nvPr/>
+              </p:nvPicPr>
+              <p:blipFill>
+                <a:blip r:embed="rId17">
+                  <a:extLst>
+                    <a:ext uri="{28A0092B-C50C-407E-A947-70E740481C1C}">
+                      <a14:useLocalDpi xmlns:a14="http://schemas.microsoft.com/office/drawing/2010/main" val="0"/>
+                    </a:ext>
+                  </a:extLst>
+                </a:blip>
+                <a:stretch>
+                  <a:fillRect/>
+                </a:stretch>
+              </p:blipFill>
+              <p:spPr>
+                <a:xfrm>
+                  <a:off x="1653268" y="1214008"/>
+                  <a:ext cx="1446524" cy="1517432"/>
+                </a:xfrm>
+                <a:prstGeom prst="rect">
+                  <a:avLst/>
+                </a:prstGeom>
+              </p:spPr>
+            </p:pic>
+          </p:grpSp>
+        </p:grpSp>
+      </p:grpSp>
+    </p:spTree>
+    <p:extLst>
+      <p:ext uri="{BB962C8B-B14F-4D97-AF65-F5344CB8AC3E}">
+        <p14:creationId xmlns:p14="http://schemas.microsoft.com/office/powerpoint/2010/main" val="1591734822"/>
+      </p:ext>
+    </p:extLst>
+  </p:cSld>
+  <p:clrMapOvr>
+    <a:masterClrMapping/>
+  </p:clrMapOvr>
+  <p:timing>
+    <p:tnLst>
+      <p:par>
+        <p:cTn id="1" dur="indefinite" restart="never" nodeType="tmRoot"/>
+      </p:par>
+    </p:tnLst>
+  </p:timing>
+</p:sld>
+</file>
+
+<file path=ppt/slides/slide19.xml><?xml version="1.0" encoding="utf-8"?>
+<p:sld xmlns:a="http://schemas.openxmlformats.org/drawingml/2006/main" xmlns:r="http://schemas.openxmlformats.org/officeDocument/2006/relationships" xmlns:p="http://schemas.openxmlformats.org/presentationml/2006/main">
+  <p:cSld>
+    <p:spTree>
+      <p:nvGrpSpPr>
+        <p:cNvPr id="1" name=""/>
+        <p:cNvGrpSpPr/>
+        <p:nvPr/>
+      </p:nvGrpSpPr>
+      <p:grpSpPr>
+        <a:xfrm>
+          <a:off x="0" y="0"/>
+          <a:ext cx="0" cy="0"/>
+          <a:chOff x="0" y="0"/>
+          <a:chExt cx="0" cy="0"/>
+        </a:xfrm>
+      </p:grpSpPr>
+      <p:sp>
+        <p:nvSpPr>
+          <p:cNvPr id="19" name="TextBox 18"/>
+          <p:cNvSpPr txBox="1"/>
+          <p:nvPr/>
+        </p:nvSpPr>
+        <p:spPr>
+          <a:xfrm>
+            <a:off x="0" y="0"/>
+            <a:ext cx="3791423" cy="584775"/>
+          </a:xfrm>
+          <a:prstGeom prst="rect">
+            <a:avLst/>
+          </a:prstGeom>
+          <a:noFill/>
+        </p:spPr>
+        <p:txBody>
+          <a:bodyPr wrap="none" rtlCol="0">
+            <a:spAutoFit/>
+          </a:bodyPr>
+          <a:lstStyle/>
+          <a:p>
+            <a:r>
+              <a:rPr lang="en-US" sz="3200" dirty="0" smtClean="0"/>
+              <a:t>Where are the Betas?</a:t>
+            </a:r>
+            <a:endParaRPr lang="en-US" sz="3200" dirty="0"/>
+          </a:p>
+        </p:txBody>
+      </p:sp>
+      <p:sp>
+        <p:nvSpPr>
+          <p:cNvPr id="12" name="TextBox 11"/>
+          <p:cNvSpPr txBox="1"/>
+          <p:nvPr/>
+        </p:nvSpPr>
+        <p:spPr>
+          <a:xfrm>
+            <a:off x="628761" y="1216082"/>
+            <a:ext cx="7724648" cy="2246769"/>
+          </a:xfrm>
+          <a:prstGeom prst="rect">
+            <a:avLst/>
+          </a:prstGeom>
+          <a:noFill/>
+        </p:spPr>
+        <p:txBody>
+          <a:bodyPr wrap="square" rtlCol="0">
+            <a:spAutoFit/>
+          </a:bodyPr>
+          <a:lstStyle/>
+          <a:p>
+            <a:pPr marL="285750" indent="-285750">
+              <a:spcAft>
+                <a:spcPts val="1200"/>
+              </a:spcAft>
+              <a:buFontTx/>
+              <a:buChar char="-"/>
+            </a:pPr>
+            <a:r>
+              <a:rPr lang="en-US" sz="2400" dirty="0" smtClean="0"/>
+              <a:t>Generated exemplars are localized in extremes of space (on edges).</a:t>
+            </a:r>
+          </a:p>
+          <a:p>
+            <a:pPr marL="285750" indent="-285750">
+              <a:spcAft>
+                <a:spcPts val="1200"/>
+              </a:spcAft>
+              <a:buFontTx/>
+              <a:buChar char="-"/>
+            </a:pPr>
+            <a:r>
+              <a:rPr lang="en-US" sz="2400" dirty="0" smtClean="0"/>
+              <a:t>Exemplars are maximally distant from members of existing category on at least one dimension.</a:t>
+            </a:r>
+          </a:p>
+          <a:p>
+            <a:pPr marL="285750" indent="-285750">
+              <a:spcAft>
+                <a:spcPts val="1200"/>
+              </a:spcAft>
+              <a:buFontTx/>
+              <a:buChar char="-"/>
+            </a:pPr>
+            <a:endParaRPr lang="en-US" sz="2400" dirty="0"/>
+          </a:p>
+        </p:txBody>
+      </p:sp>
+      <p:pic>
+        <p:nvPicPr>
+          <p:cNvPr id="3" name="Picture 2"/>
+          <p:cNvPicPr>
+            <a:picLocks noChangeAspect="1"/>
+          </p:cNvPicPr>
+          <p:nvPr/>
+        </p:nvPicPr>
+        <p:blipFill>
+          <a:blip r:embed="rId3">
+            <a:extLst>
+              <a:ext uri="{28A0092B-C50C-407E-A947-70E740481C1C}">
+                <a14:useLocalDpi xmlns:a14="http://schemas.microsoft.com/office/drawing/2010/main" val="0"/>
+              </a:ext>
+            </a:extLst>
+          </a:blip>
+          <a:stretch>
+            <a:fillRect/>
+          </a:stretch>
+        </p:blipFill>
+        <p:spPr>
+          <a:xfrm>
+            <a:off x="628761" y="3804791"/>
+            <a:ext cx="7839276" cy="2469909"/>
+          </a:xfrm>
+          <a:prstGeom prst="rect">
+            <a:avLst/>
+          </a:prstGeom>
+        </p:spPr>
+      </p:pic>
+    </p:spTree>
+    <p:extLst>
+      <p:ext uri="{BB962C8B-B14F-4D97-AF65-F5344CB8AC3E}">
+        <p14:creationId xmlns:p14="http://schemas.microsoft.com/office/powerpoint/2010/main" val="1710119459"/>
+      </p:ext>
+    </p:extLst>
+  </p:cSld>
+  <p:clrMapOvr>
+    <a:masterClrMapping/>
+  </p:clrMapOvr>
+  <p:timing>
+    <p:tnLst>
+      <p:par>
+        <p:cTn id="1" dur="indefinite" restart="never" nodeType="tmRoot"/>
+      </p:par>
+    </p:tnLst>
+  </p:timing>
+</p:sld>
+</file>
+
 <file path=ppt/slides/slide2.xml><?xml version="1.0" encoding="utf-8"?>
 <p:sld xmlns:a="http://schemas.openxmlformats.org/drawingml/2006/main" xmlns:r="http://schemas.openxmlformats.org/officeDocument/2006/relationships" xmlns:p="http://schemas.openxmlformats.org/presentationml/2006/main">
   <p:cSld>
@@ -4826,6 +9921,2606 @@
   <p:clrMapOvr>
     <a:masterClrMapping/>
   </p:clrMapOvr>
+</p:sld>
+</file>
+
+<file path=ppt/slides/slide20.xml><?xml version="1.0" encoding="utf-8"?>
+<p:sld xmlns:a="http://schemas.openxmlformats.org/drawingml/2006/main" xmlns:r="http://schemas.openxmlformats.org/officeDocument/2006/relationships" xmlns:p="http://schemas.openxmlformats.org/presentationml/2006/main">
+  <p:cSld>
+    <p:spTree>
+      <p:nvGrpSpPr>
+        <p:cNvPr id="1" name=""/>
+        <p:cNvGrpSpPr/>
+        <p:nvPr/>
+      </p:nvGrpSpPr>
+      <p:grpSpPr>
+        <a:xfrm>
+          <a:off x="0" y="0"/>
+          <a:ext cx="0" cy="0"/>
+          <a:chOff x="0" y="0"/>
+          <a:chExt cx="0" cy="0"/>
+        </a:xfrm>
+      </p:grpSpPr>
+      <p:sp>
+        <p:nvSpPr>
+          <p:cNvPr id="3" name="TextBox 2"/>
+          <p:cNvSpPr txBox="1"/>
+          <p:nvPr/>
+        </p:nvSpPr>
+        <p:spPr>
+          <a:xfrm>
+            <a:off x="0" y="0"/>
+            <a:ext cx="5214120" cy="584775"/>
+          </a:xfrm>
+          <a:prstGeom prst="rect">
+            <a:avLst/>
+          </a:prstGeom>
+          <a:noFill/>
+        </p:spPr>
+        <p:txBody>
+          <a:bodyPr wrap="none" rtlCol="0">
+            <a:spAutoFit/>
+          </a:bodyPr>
+          <a:lstStyle/>
+          <a:p>
+            <a:r>
+              <a:rPr lang="en-US" sz="3200" dirty="0" smtClean="0"/>
+              <a:t>Characterizing Beta categories</a:t>
+            </a:r>
+            <a:endParaRPr lang="en-US" sz="3200" dirty="0"/>
+          </a:p>
+        </p:txBody>
+      </p:sp>
+      <p:sp>
+        <p:nvSpPr>
+          <p:cNvPr id="7" name="TextBox 6"/>
+          <p:cNvSpPr txBox="1"/>
+          <p:nvPr/>
+        </p:nvSpPr>
+        <p:spPr>
+          <a:xfrm>
+            <a:off x="242889" y="694491"/>
+            <a:ext cx="8786812" cy="2616101"/>
+          </a:xfrm>
+          <a:prstGeom prst="rect">
+            <a:avLst/>
+          </a:prstGeom>
+          <a:noFill/>
+        </p:spPr>
+        <p:txBody>
+          <a:bodyPr wrap="square" rtlCol="0">
+            <a:spAutoFit/>
+          </a:bodyPr>
+          <a:lstStyle/>
+          <a:p>
+            <a:pPr>
+              <a:spcAft>
+                <a:spcPts val="1200"/>
+              </a:spcAft>
+            </a:pPr>
+            <a:r>
+              <a:rPr lang="en-US" sz="2400" dirty="0" smtClean="0"/>
+              <a:t>Summarized generated Beta categories using three statistics:</a:t>
+            </a:r>
+          </a:p>
+          <a:p>
+            <a:pPr marL="577850" indent="-381000">
+              <a:buAutoNum type="arabicPeriod"/>
+            </a:pPr>
+            <a:r>
+              <a:rPr lang="en-US" sz="2400" dirty="0" smtClean="0"/>
+              <a:t>Variance along X axis feature (e.g., color).</a:t>
+            </a:r>
+          </a:p>
+          <a:p>
+            <a:pPr marL="577850" indent="-381000">
+              <a:buFontTx/>
+              <a:buAutoNum type="arabicPeriod"/>
+            </a:pPr>
+            <a:r>
+              <a:rPr lang="en-US" sz="2400" dirty="0"/>
+              <a:t>Variance along </a:t>
+            </a:r>
+            <a:r>
+              <a:rPr lang="en-US" sz="2400" dirty="0" smtClean="0"/>
+              <a:t>Y-axis feature (e.g., size).</a:t>
+            </a:r>
+          </a:p>
+          <a:p>
+            <a:pPr marL="577850" indent="-381000">
+              <a:buFontTx/>
+              <a:buAutoNum type="arabicPeriod"/>
+            </a:pPr>
+            <a:r>
+              <a:rPr lang="en-US" sz="2400" dirty="0" smtClean="0"/>
+              <a:t>Correlation between features.</a:t>
+            </a:r>
+            <a:endParaRPr lang="en-US" sz="2400" dirty="0"/>
+          </a:p>
+          <a:p>
+            <a:pPr marL="457200" indent="-457200">
+              <a:spcAft>
+                <a:spcPts val="1200"/>
+              </a:spcAft>
+              <a:buAutoNum type="arabicPeriod"/>
+            </a:pPr>
+            <a:endParaRPr lang="en-US" sz="2400" dirty="0" smtClean="0"/>
+          </a:p>
+          <a:p>
+            <a:endParaRPr lang="en-US" sz="2400" dirty="0"/>
+          </a:p>
+        </p:txBody>
+      </p:sp>
+      <p:grpSp>
+        <p:nvGrpSpPr>
+          <p:cNvPr id="30" name="Group 29"/>
+          <p:cNvGrpSpPr/>
+          <p:nvPr/>
+        </p:nvGrpSpPr>
+        <p:grpSpPr>
+          <a:xfrm>
+            <a:off x="520701" y="2657475"/>
+            <a:ext cx="7988299" cy="3891186"/>
+            <a:chOff x="520701" y="2657475"/>
+            <a:chExt cx="7988299" cy="3891186"/>
+          </a:xfrm>
+        </p:grpSpPr>
+        <p:grpSp>
+          <p:nvGrpSpPr>
+            <p:cNvPr id="17" name="Group 16"/>
+            <p:cNvGrpSpPr/>
+            <p:nvPr/>
+          </p:nvGrpSpPr>
+          <p:grpSpPr>
+            <a:xfrm>
+              <a:off x="520701" y="2663945"/>
+              <a:ext cx="2634581" cy="3884716"/>
+              <a:chOff x="783003" y="2732769"/>
+              <a:chExt cx="2524151" cy="3721886"/>
+            </a:xfrm>
+          </p:grpSpPr>
+          <p:pic>
+            <p:nvPicPr>
+              <p:cNvPr id="5" name="Picture 4"/>
+              <p:cNvPicPr>
+                <a:picLocks noChangeAspect="1"/>
+              </p:cNvPicPr>
+              <p:nvPr/>
+            </p:nvPicPr>
+            <p:blipFill>
+              <a:blip r:embed="rId3">
+                <a:extLst>
+                  <a:ext uri="{28A0092B-C50C-407E-A947-70E740481C1C}">
+                    <a14:useLocalDpi xmlns:a14="http://schemas.microsoft.com/office/drawing/2010/main" val="0"/>
+                  </a:ext>
+                </a:extLst>
+              </a:blip>
+              <a:stretch>
+                <a:fillRect/>
+              </a:stretch>
+            </p:blipFill>
+            <p:spPr>
+              <a:xfrm>
+                <a:off x="900114" y="2732769"/>
+                <a:ext cx="2407040" cy="2525032"/>
+              </a:xfrm>
+              <a:prstGeom prst="rect">
+                <a:avLst/>
+              </a:prstGeom>
+            </p:spPr>
+          </p:pic>
+          <p:sp>
+            <p:nvSpPr>
+              <p:cNvPr id="10" name="TextBox 9"/>
+              <p:cNvSpPr txBox="1"/>
+              <p:nvPr/>
+            </p:nvSpPr>
+            <p:spPr>
+              <a:xfrm>
+                <a:off x="783003" y="5348870"/>
+                <a:ext cx="2524151" cy="1105785"/>
+              </a:xfrm>
+              <a:prstGeom prst="rect">
+                <a:avLst/>
+              </a:prstGeom>
+              <a:noFill/>
+            </p:spPr>
+            <p:txBody>
+              <a:bodyPr wrap="square" rtlCol="0">
+                <a:spAutoFit/>
+              </a:bodyPr>
+              <a:lstStyle/>
+              <a:p>
+                <a:pPr algn="ctr"/>
+                <a:r>
+                  <a:rPr lang="en-US" sz="2300" dirty="0" smtClean="0"/>
+                  <a:t>Large X variance</a:t>
+                </a:r>
+              </a:p>
+              <a:p>
+                <a:pPr algn="ctr"/>
+                <a:r>
+                  <a:rPr lang="en-US" sz="2300" dirty="0" smtClean="0"/>
+                  <a:t>No Y variance</a:t>
+                </a:r>
+              </a:p>
+              <a:p>
+                <a:pPr algn="ctr"/>
+                <a:r>
+                  <a:rPr lang="en-US" sz="2300" dirty="0" smtClean="0"/>
+                  <a:t>No correlation</a:t>
+                </a:r>
+                <a:endParaRPr lang="en-US" sz="2300" dirty="0"/>
+              </a:p>
+            </p:txBody>
+          </p:sp>
+        </p:grpSp>
+        <p:grpSp>
+          <p:nvGrpSpPr>
+            <p:cNvPr id="16" name="Group 15"/>
+            <p:cNvGrpSpPr/>
+            <p:nvPr/>
+          </p:nvGrpSpPr>
+          <p:grpSpPr>
+            <a:xfrm>
+              <a:off x="3269585" y="2657475"/>
+              <a:ext cx="2518514" cy="3891186"/>
+              <a:chOff x="3307154" y="2726570"/>
+              <a:chExt cx="2412949" cy="3728085"/>
+            </a:xfrm>
+          </p:grpSpPr>
+          <p:pic>
+            <p:nvPicPr>
+              <p:cNvPr id="6" name="Picture 5"/>
+              <p:cNvPicPr>
+                <a:picLocks noChangeAspect="1"/>
+              </p:cNvPicPr>
+              <p:nvPr/>
+            </p:nvPicPr>
+            <p:blipFill>
+              <a:blip r:embed="rId4">
+                <a:extLst>
+                  <a:ext uri="{28A0092B-C50C-407E-A947-70E740481C1C}">
+                    <a14:useLocalDpi xmlns:a14="http://schemas.microsoft.com/office/drawing/2010/main" val="0"/>
+                  </a:ext>
+                </a:extLst>
+              </a:blip>
+              <a:stretch>
+                <a:fillRect/>
+              </a:stretch>
+            </p:blipFill>
+            <p:spPr>
+              <a:xfrm>
+                <a:off x="3307154" y="2726570"/>
+                <a:ext cx="2412949" cy="2531231"/>
+              </a:xfrm>
+              <a:prstGeom prst="rect">
+                <a:avLst/>
+              </a:prstGeom>
+            </p:spPr>
+          </p:pic>
+          <p:sp>
+            <p:nvSpPr>
+              <p:cNvPr id="24" name="TextBox 23"/>
+              <p:cNvSpPr txBox="1"/>
+              <p:nvPr/>
+            </p:nvSpPr>
+            <p:spPr>
+              <a:xfrm>
+                <a:off x="3307154" y="5348870"/>
+                <a:ext cx="2407040" cy="1105785"/>
+              </a:xfrm>
+              <a:prstGeom prst="rect">
+                <a:avLst/>
+              </a:prstGeom>
+              <a:noFill/>
+            </p:spPr>
+            <p:txBody>
+              <a:bodyPr wrap="square" rtlCol="0">
+                <a:spAutoFit/>
+              </a:bodyPr>
+              <a:lstStyle/>
+              <a:p>
+                <a:pPr algn="ctr"/>
+                <a:r>
+                  <a:rPr lang="en-US" sz="2300" dirty="0" smtClean="0"/>
+                  <a:t>Little X variance</a:t>
+                </a:r>
+              </a:p>
+              <a:p>
+                <a:pPr algn="ctr"/>
+                <a:r>
+                  <a:rPr lang="en-US" sz="2300" dirty="0" smtClean="0"/>
+                  <a:t>Little Y variance</a:t>
+                </a:r>
+              </a:p>
+              <a:p>
+                <a:pPr algn="ctr"/>
+                <a:r>
+                  <a:rPr lang="en-US" sz="2300" dirty="0" smtClean="0"/>
+                  <a:t>Strong Correlation</a:t>
+                </a:r>
+                <a:endParaRPr lang="en-US" sz="2300" dirty="0"/>
+              </a:p>
+            </p:txBody>
+          </p:sp>
+        </p:grpSp>
+        <p:grpSp>
+          <p:nvGrpSpPr>
+            <p:cNvPr id="29" name="Group 28"/>
+            <p:cNvGrpSpPr/>
+            <p:nvPr/>
+          </p:nvGrpSpPr>
+          <p:grpSpPr>
+            <a:xfrm>
+              <a:off x="5781931" y="2663945"/>
+              <a:ext cx="2727069" cy="3884716"/>
+              <a:chOff x="5781931" y="2663945"/>
+              <a:chExt cx="2727069" cy="3884716"/>
+            </a:xfrm>
+          </p:grpSpPr>
+          <p:pic>
+            <p:nvPicPr>
+              <p:cNvPr id="28" name="Picture 27"/>
+              <p:cNvPicPr>
+                <a:picLocks noChangeAspect="1"/>
+              </p:cNvPicPr>
+              <p:nvPr/>
+            </p:nvPicPr>
+            <p:blipFill>
+              <a:blip r:embed="rId5">
+                <a:extLst>
+                  <a:ext uri="{28A0092B-C50C-407E-A947-70E740481C1C}">
+                    <a14:useLocalDpi xmlns:a14="http://schemas.microsoft.com/office/drawing/2010/main" val="0"/>
+                  </a:ext>
+                </a:extLst>
+              </a:blip>
+              <a:stretch>
+                <a:fillRect/>
+              </a:stretch>
+            </p:blipFill>
+            <p:spPr>
+              <a:xfrm>
+                <a:off x="5896234" y="2663945"/>
+                <a:ext cx="2515429" cy="2638734"/>
+              </a:xfrm>
+              <a:prstGeom prst="rect">
+                <a:avLst/>
+              </a:prstGeom>
+            </p:spPr>
+          </p:pic>
+          <p:sp>
+            <p:nvSpPr>
+              <p:cNvPr id="26" name="TextBox 25"/>
+              <p:cNvSpPr txBox="1"/>
+              <p:nvPr/>
+            </p:nvSpPr>
+            <p:spPr>
+              <a:xfrm>
+                <a:off x="5781931" y="5394499"/>
+                <a:ext cx="2727069" cy="1154162"/>
+              </a:xfrm>
+              <a:prstGeom prst="rect">
+                <a:avLst/>
+              </a:prstGeom>
+              <a:noFill/>
+            </p:spPr>
+            <p:txBody>
+              <a:bodyPr wrap="square" rtlCol="0">
+                <a:spAutoFit/>
+              </a:bodyPr>
+              <a:lstStyle/>
+              <a:p>
+                <a:pPr algn="ctr"/>
+                <a:r>
+                  <a:rPr lang="en-US" sz="2300" dirty="0" smtClean="0"/>
+                  <a:t>Large X variance</a:t>
+                </a:r>
+              </a:p>
+              <a:p>
+                <a:pPr algn="ctr"/>
+                <a:r>
+                  <a:rPr lang="en-US" sz="2300" dirty="0" smtClean="0"/>
+                  <a:t>Large Y variance</a:t>
+                </a:r>
+              </a:p>
+              <a:p>
+                <a:pPr algn="ctr"/>
+                <a:r>
+                  <a:rPr lang="en-US" sz="2300" dirty="0" smtClean="0"/>
+                  <a:t>Perfect Correlation</a:t>
+                </a:r>
+                <a:endParaRPr lang="en-US" sz="2300" dirty="0"/>
+              </a:p>
+            </p:txBody>
+          </p:sp>
+        </p:grpSp>
+      </p:grpSp>
+      <p:sp>
+        <p:nvSpPr>
+          <p:cNvPr id="14" name="TextBox 13"/>
+          <p:cNvSpPr txBox="1"/>
+          <p:nvPr/>
+        </p:nvSpPr>
+        <p:spPr>
+          <a:xfrm>
+            <a:off x="6025921" y="2356168"/>
+            <a:ext cx="2385742" cy="307777"/>
+          </a:xfrm>
+          <a:prstGeom prst="rect">
+            <a:avLst/>
+          </a:prstGeom>
+          <a:noFill/>
+        </p:spPr>
+        <p:txBody>
+          <a:bodyPr wrap="square" rtlCol="0">
+            <a:spAutoFit/>
+          </a:bodyPr>
+          <a:lstStyle/>
+          <a:p>
+            <a:r>
+              <a:rPr lang="en-US" sz="1400" dirty="0" smtClean="0"/>
+              <a:t>*</a:t>
+            </a:r>
+            <a:r>
+              <a:rPr lang="en-US" sz="1400" smtClean="0"/>
+              <a:t>representative participants.</a:t>
+            </a:r>
+            <a:endParaRPr lang="en-US" sz="1400"/>
+          </a:p>
+        </p:txBody>
+      </p:sp>
+    </p:spTree>
+    <p:extLst>
+      <p:ext uri="{BB962C8B-B14F-4D97-AF65-F5344CB8AC3E}">
+        <p14:creationId xmlns:p14="http://schemas.microsoft.com/office/powerpoint/2010/main" val="209268134"/>
+      </p:ext>
+    </p:extLst>
+  </p:cSld>
+  <p:clrMapOvr>
+    <a:masterClrMapping/>
+  </p:clrMapOvr>
+  <p:timing>
+    <p:tnLst>
+      <p:par>
+        <p:cTn id="1" dur="indefinite" restart="never" nodeType="tmRoot"/>
+      </p:par>
+    </p:tnLst>
+  </p:timing>
+</p:sld>
+</file>
+
+<file path=ppt/slides/slide21.xml><?xml version="1.0" encoding="utf-8"?>
+<p:sld xmlns:a="http://schemas.openxmlformats.org/drawingml/2006/main" xmlns:r="http://schemas.openxmlformats.org/officeDocument/2006/relationships" xmlns:p="http://schemas.openxmlformats.org/presentationml/2006/main">
+  <p:cSld>
+    <p:spTree>
+      <p:nvGrpSpPr>
+        <p:cNvPr id="1" name=""/>
+        <p:cNvGrpSpPr/>
+        <p:nvPr/>
+      </p:nvGrpSpPr>
+      <p:grpSpPr>
+        <a:xfrm>
+          <a:off x="0" y="0"/>
+          <a:ext cx="0" cy="0"/>
+          <a:chOff x="0" y="0"/>
+          <a:chExt cx="0" cy="0"/>
+        </a:xfrm>
+      </p:grpSpPr>
+      <p:sp>
+        <p:nvSpPr>
+          <p:cNvPr id="7" name="TextBox 6"/>
+          <p:cNvSpPr txBox="1"/>
+          <p:nvPr/>
+        </p:nvSpPr>
+        <p:spPr>
+          <a:xfrm>
+            <a:off x="214314" y="708778"/>
+            <a:ext cx="8786812" cy="830997"/>
+          </a:xfrm>
+          <a:prstGeom prst="rect">
+            <a:avLst/>
+          </a:prstGeom>
+          <a:noFill/>
+        </p:spPr>
+        <p:txBody>
+          <a:bodyPr wrap="square" rtlCol="0">
+            <a:spAutoFit/>
+          </a:bodyPr>
+          <a:lstStyle/>
+          <a:p>
+            <a:pPr marL="342900" indent="-342900">
+              <a:buFont typeface="Arial" charset="0"/>
+              <a:buChar char="•"/>
+            </a:pPr>
+            <a:r>
+              <a:rPr lang="en-US" sz="2400" i="1" dirty="0" smtClean="0"/>
+              <a:t>XOR more variable than Cluster &amp; Row (along both dimensions).</a:t>
+            </a:r>
+          </a:p>
+          <a:p>
+            <a:pPr marL="342900" indent="-342900">
+              <a:buFont typeface="Arial" charset="0"/>
+              <a:buChar char="•"/>
+            </a:pPr>
+            <a:r>
+              <a:rPr lang="en-US" sz="2400" i="1" dirty="0" smtClean="0"/>
+              <a:t>Row more variable along X than Y.</a:t>
+            </a:r>
+            <a:endParaRPr lang="en-US" sz="2400" dirty="0"/>
+          </a:p>
+        </p:txBody>
+      </p:sp>
+      <p:grpSp>
+        <p:nvGrpSpPr>
+          <p:cNvPr id="5" name="Group 4"/>
+          <p:cNvGrpSpPr/>
+          <p:nvPr/>
+        </p:nvGrpSpPr>
+        <p:grpSpPr>
+          <a:xfrm>
+            <a:off x="623225" y="2513539"/>
+            <a:ext cx="7820893" cy="3963461"/>
+            <a:chOff x="328613" y="2357438"/>
+            <a:chExt cx="8458200" cy="4286434"/>
+          </a:xfrm>
+        </p:grpSpPr>
+        <p:pic>
+          <p:nvPicPr>
+            <p:cNvPr id="11" name="Picture 10"/>
+            <p:cNvPicPr>
+              <a:picLocks noChangeAspect="1"/>
+            </p:cNvPicPr>
+            <p:nvPr/>
+          </p:nvPicPr>
+          <p:blipFill>
+            <a:blip r:embed="rId3">
+              <a:extLst>
+                <a:ext uri="{28A0092B-C50C-407E-A947-70E740481C1C}">
+                  <a14:useLocalDpi xmlns:a14="http://schemas.microsoft.com/office/drawing/2010/main" val="0"/>
+                </a:ext>
+              </a:extLst>
+            </a:blip>
+            <a:stretch>
+              <a:fillRect/>
+            </a:stretch>
+          </p:blipFill>
+          <p:spPr>
+            <a:xfrm>
+              <a:off x="328613" y="2357438"/>
+              <a:ext cx="8458200" cy="4286434"/>
+            </a:xfrm>
+            <a:prstGeom prst="rect">
+              <a:avLst/>
+            </a:prstGeom>
+          </p:spPr>
+        </p:pic>
+        <p:grpSp>
+          <p:nvGrpSpPr>
+            <p:cNvPr id="19" name="Group 18"/>
+            <p:cNvGrpSpPr/>
+            <p:nvPr/>
+          </p:nvGrpSpPr>
+          <p:grpSpPr>
+            <a:xfrm>
+              <a:off x="881430" y="2917070"/>
+              <a:ext cx="3649821" cy="1123620"/>
+              <a:chOff x="1031725" y="3419225"/>
+              <a:chExt cx="3457753" cy="1025828"/>
+            </a:xfrm>
+          </p:grpSpPr>
+          <p:pic>
+            <p:nvPicPr>
+              <p:cNvPr id="13" name="Picture 12"/>
+              <p:cNvPicPr>
+                <a:picLocks noChangeAspect="1"/>
+              </p:cNvPicPr>
+              <p:nvPr/>
+            </p:nvPicPr>
+            <p:blipFill>
+              <a:blip r:embed="rId4">
+                <a:extLst>
+                  <a:ext uri="{28A0092B-C50C-407E-A947-70E740481C1C}">
+                    <a14:useLocalDpi xmlns:a14="http://schemas.microsoft.com/office/drawing/2010/main" val="0"/>
+                  </a:ext>
+                </a:extLst>
+              </a:blip>
+              <a:stretch>
+                <a:fillRect/>
+              </a:stretch>
+            </p:blipFill>
+            <p:spPr>
+              <a:xfrm>
+                <a:off x="2272586" y="3419225"/>
+                <a:ext cx="976031" cy="1025828"/>
+              </a:xfrm>
+              <a:prstGeom prst="rect">
+                <a:avLst/>
+              </a:prstGeom>
+            </p:spPr>
+          </p:pic>
+          <p:pic>
+            <p:nvPicPr>
+              <p:cNvPr id="14" name="Picture 13"/>
+              <p:cNvPicPr>
+                <a:picLocks noChangeAspect="1"/>
+              </p:cNvPicPr>
+              <p:nvPr/>
+            </p:nvPicPr>
+            <p:blipFill>
+              <a:blip r:embed="rId5">
+                <a:extLst>
+                  <a:ext uri="{28A0092B-C50C-407E-A947-70E740481C1C}">
+                    <a14:useLocalDpi xmlns:a14="http://schemas.microsoft.com/office/drawing/2010/main" val="0"/>
+                  </a:ext>
+                </a:extLst>
+              </a:blip>
+              <a:stretch>
+                <a:fillRect/>
+              </a:stretch>
+            </p:blipFill>
+            <p:spPr>
+              <a:xfrm>
+                <a:off x="3513447" y="3419225"/>
+                <a:ext cx="976031" cy="1025828"/>
+              </a:xfrm>
+              <a:prstGeom prst="rect">
+                <a:avLst/>
+              </a:prstGeom>
+            </p:spPr>
+          </p:pic>
+          <p:pic>
+            <p:nvPicPr>
+              <p:cNvPr id="15" name="Picture 14"/>
+              <p:cNvPicPr>
+                <a:picLocks noChangeAspect="1"/>
+              </p:cNvPicPr>
+              <p:nvPr/>
+            </p:nvPicPr>
+            <p:blipFill>
+              <a:blip r:embed="rId6">
+                <a:extLst>
+                  <a:ext uri="{28A0092B-C50C-407E-A947-70E740481C1C}">
+                    <a14:useLocalDpi xmlns:a14="http://schemas.microsoft.com/office/drawing/2010/main" val="0"/>
+                  </a:ext>
+                </a:extLst>
+              </a:blip>
+              <a:stretch>
+                <a:fillRect/>
+              </a:stretch>
+            </p:blipFill>
+            <p:spPr>
+              <a:xfrm>
+                <a:off x="1031725" y="3419225"/>
+                <a:ext cx="976031" cy="1025828"/>
+              </a:xfrm>
+              <a:prstGeom prst="rect">
+                <a:avLst/>
+              </a:prstGeom>
+            </p:spPr>
+          </p:pic>
+        </p:grpSp>
+        <p:grpSp>
+          <p:nvGrpSpPr>
+            <p:cNvPr id="20" name="Group 19"/>
+            <p:cNvGrpSpPr/>
+            <p:nvPr/>
+          </p:nvGrpSpPr>
+          <p:grpSpPr>
+            <a:xfrm>
+              <a:off x="4929876" y="2917070"/>
+              <a:ext cx="3649821" cy="1123620"/>
+              <a:chOff x="1031725" y="3419225"/>
+              <a:chExt cx="3457753" cy="1025828"/>
+            </a:xfrm>
+          </p:grpSpPr>
+          <p:pic>
+            <p:nvPicPr>
+              <p:cNvPr id="21" name="Picture 20"/>
+              <p:cNvPicPr>
+                <a:picLocks noChangeAspect="1"/>
+              </p:cNvPicPr>
+              <p:nvPr/>
+            </p:nvPicPr>
+            <p:blipFill>
+              <a:blip r:embed="rId4">
+                <a:extLst>
+                  <a:ext uri="{28A0092B-C50C-407E-A947-70E740481C1C}">
+                    <a14:useLocalDpi xmlns:a14="http://schemas.microsoft.com/office/drawing/2010/main" val="0"/>
+                  </a:ext>
+                </a:extLst>
+              </a:blip>
+              <a:stretch>
+                <a:fillRect/>
+              </a:stretch>
+            </p:blipFill>
+            <p:spPr>
+              <a:xfrm>
+                <a:off x="2272586" y="3419225"/>
+                <a:ext cx="976031" cy="1025828"/>
+              </a:xfrm>
+              <a:prstGeom prst="rect">
+                <a:avLst/>
+              </a:prstGeom>
+            </p:spPr>
+          </p:pic>
+          <p:pic>
+            <p:nvPicPr>
+              <p:cNvPr id="22" name="Picture 21"/>
+              <p:cNvPicPr>
+                <a:picLocks noChangeAspect="1"/>
+              </p:cNvPicPr>
+              <p:nvPr/>
+            </p:nvPicPr>
+            <p:blipFill>
+              <a:blip r:embed="rId5">
+                <a:extLst>
+                  <a:ext uri="{28A0092B-C50C-407E-A947-70E740481C1C}">
+                    <a14:useLocalDpi xmlns:a14="http://schemas.microsoft.com/office/drawing/2010/main" val="0"/>
+                  </a:ext>
+                </a:extLst>
+              </a:blip>
+              <a:stretch>
+                <a:fillRect/>
+              </a:stretch>
+            </p:blipFill>
+            <p:spPr>
+              <a:xfrm>
+                <a:off x="3513447" y="3419225"/>
+                <a:ext cx="976031" cy="1025828"/>
+              </a:xfrm>
+              <a:prstGeom prst="rect">
+                <a:avLst/>
+              </a:prstGeom>
+            </p:spPr>
+          </p:pic>
+          <p:pic>
+            <p:nvPicPr>
+              <p:cNvPr id="23" name="Picture 22"/>
+              <p:cNvPicPr>
+                <a:picLocks noChangeAspect="1"/>
+              </p:cNvPicPr>
+              <p:nvPr/>
+            </p:nvPicPr>
+            <p:blipFill>
+              <a:blip r:embed="rId6">
+                <a:extLst>
+                  <a:ext uri="{28A0092B-C50C-407E-A947-70E740481C1C}">
+                    <a14:useLocalDpi xmlns:a14="http://schemas.microsoft.com/office/drawing/2010/main" val="0"/>
+                  </a:ext>
+                </a:extLst>
+              </a:blip>
+              <a:stretch>
+                <a:fillRect/>
+              </a:stretch>
+            </p:blipFill>
+            <p:spPr>
+              <a:xfrm>
+                <a:off x="1031725" y="3419225"/>
+                <a:ext cx="976031" cy="1025828"/>
+              </a:xfrm>
+              <a:prstGeom prst="rect">
+                <a:avLst/>
+              </a:prstGeom>
+            </p:spPr>
+          </p:pic>
+        </p:grpSp>
+      </p:grpSp>
+      <p:sp>
+        <p:nvSpPr>
+          <p:cNvPr id="17" name="TextBox 16"/>
+          <p:cNvSpPr txBox="1"/>
+          <p:nvPr/>
+        </p:nvSpPr>
+        <p:spPr>
+          <a:xfrm>
+            <a:off x="0" y="0"/>
+            <a:ext cx="5214120" cy="584775"/>
+          </a:xfrm>
+          <a:prstGeom prst="rect">
+            <a:avLst/>
+          </a:prstGeom>
+          <a:noFill/>
+        </p:spPr>
+        <p:txBody>
+          <a:bodyPr wrap="none" rtlCol="0">
+            <a:spAutoFit/>
+          </a:bodyPr>
+          <a:lstStyle/>
+          <a:p>
+            <a:r>
+              <a:rPr lang="en-US" sz="3200" dirty="0" smtClean="0"/>
+              <a:t>Characterizing </a:t>
+            </a:r>
+            <a:r>
+              <a:rPr lang="en-US" sz="3200" smtClean="0"/>
+              <a:t>Beta categories</a:t>
+            </a:r>
+            <a:endParaRPr lang="en-US" sz="3200" dirty="0"/>
+          </a:p>
+        </p:txBody>
+      </p:sp>
+    </p:spTree>
+    <p:extLst>
+      <p:ext uri="{BB962C8B-B14F-4D97-AF65-F5344CB8AC3E}">
+        <p14:creationId xmlns:p14="http://schemas.microsoft.com/office/powerpoint/2010/main" val="1020500817"/>
+      </p:ext>
+    </p:extLst>
+  </p:cSld>
+  <p:clrMapOvr>
+    <a:masterClrMapping/>
+  </p:clrMapOvr>
+  <p:timing>
+    <p:tnLst>
+      <p:par>
+        <p:cTn id="1" dur="indefinite" restart="never" nodeType="tmRoot"/>
+      </p:par>
+    </p:tnLst>
+  </p:timing>
+</p:sld>
+</file>
+
+<file path=ppt/slides/slide22.xml><?xml version="1.0" encoding="utf-8"?>
+<p:sld xmlns:a="http://schemas.openxmlformats.org/drawingml/2006/main" xmlns:r="http://schemas.openxmlformats.org/officeDocument/2006/relationships" xmlns:p="http://schemas.openxmlformats.org/presentationml/2006/main">
+  <p:cSld>
+    <p:spTree>
+      <p:nvGrpSpPr>
+        <p:cNvPr id="1" name=""/>
+        <p:cNvGrpSpPr/>
+        <p:nvPr/>
+      </p:nvGrpSpPr>
+      <p:grpSpPr>
+        <a:xfrm>
+          <a:off x="0" y="0"/>
+          <a:ext cx="0" cy="0"/>
+          <a:chOff x="0" y="0"/>
+          <a:chExt cx="0" cy="0"/>
+        </a:xfrm>
+      </p:grpSpPr>
+      <p:sp>
+        <p:nvSpPr>
+          <p:cNvPr id="7" name="TextBox 6"/>
+          <p:cNvSpPr txBox="1"/>
+          <p:nvPr/>
+        </p:nvSpPr>
+        <p:spPr>
+          <a:xfrm>
+            <a:off x="214314" y="708778"/>
+            <a:ext cx="8786812" cy="1200329"/>
+          </a:xfrm>
+          <a:prstGeom prst="rect">
+            <a:avLst/>
+          </a:prstGeom>
+          <a:noFill/>
+        </p:spPr>
+        <p:txBody>
+          <a:bodyPr wrap="square" rtlCol="0">
+            <a:spAutoFit/>
+          </a:bodyPr>
+          <a:lstStyle/>
+          <a:p>
+            <a:r>
+              <a:rPr lang="en-US" sz="2400" b="1" dirty="0" smtClean="0"/>
+              <a:t>Replicates </a:t>
+            </a:r>
+            <a:r>
+              <a:rPr lang="en-US" sz="2400" b="1" dirty="0" err="1" smtClean="0"/>
+              <a:t>Jern</a:t>
+            </a:r>
+            <a:r>
+              <a:rPr lang="en-US" sz="2400" b="1" dirty="0" smtClean="0"/>
+              <a:t> &amp; Kemp (2013)</a:t>
+            </a:r>
+            <a:endParaRPr lang="en-US" sz="2400" b="1" dirty="0"/>
+          </a:p>
+          <a:p>
+            <a:r>
+              <a:rPr lang="en-US" sz="2400" dirty="0" smtClean="0"/>
+              <a:t>Distribution of generated category members varies according to the distribution of the existing category.</a:t>
+            </a:r>
+            <a:endParaRPr lang="en-US" sz="2400" dirty="0"/>
+          </a:p>
+        </p:txBody>
+      </p:sp>
+      <p:grpSp>
+        <p:nvGrpSpPr>
+          <p:cNvPr id="5" name="Group 4"/>
+          <p:cNvGrpSpPr/>
+          <p:nvPr/>
+        </p:nvGrpSpPr>
+        <p:grpSpPr>
+          <a:xfrm>
+            <a:off x="623225" y="2513539"/>
+            <a:ext cx="7820893" cy="3963461"/>
+            <a:chOff x="328613" y="2357438"/>
+            <a:chExt cx="8458200" cy="4286434"/>
+          </a:xfrm>
+        </p:grpSpPr>
+        <p:pic>
+          <p:nvPicPr>
+            <p:cNvPr id="11" name="Picture 10"/>
+            <p:cNvPicPr>
+              <a:picLocks noChangeAspect="1"/>
+            </p:cNvPicPr>
+            <p:nvPr/>
+          </p:nvPicPr>
+          <p:blipFill>
+            <a:blip r:embed="rId3">
+              <a:extLst>
+                <a:ext uri="{28A0092B-C50C-407E-A947-70E740481C1C}">
+                  <a14:useLocalDpi xmlns:a14="http://schemas.microsoft.com/office/drawing/2010/main" val="0"/>
+                </a:ext>
+              </a:extLst>
+            </a:blip>
+            <a:stretch>
+              <a:fillRect/>
+            </a:stretch>
+          </p:blipFill>
+          <p:spPr>
+            <a:xfrm>
+              <a:off x="328613" y="2357438"/>
+              <a:ext cx="8458200" cy="4286434"/>
+            </a:xfrm>
+            <a:prstGeom prst="rect">
+              <a:avLst/>
+            </a:prstGeom>
+          </p:spPr>
+        </p:pic>
+        <p:grpSp>
+          <p:nvGrpSpPr>
+            <p:cNvPr id="19" name="Group 18"/>
+            <p:cNvGrpSpPr/>
+            <p:nvPr/>
+          </p:nvGrpSpPr>
+          <p:grpSpPr>
+            <a:xfrm>
+              <a:off x="881430" y="2917070"/>
+              <a:ext cx="3649821" cy="1123620"/>
+              <a:chOff x="1031725" y="3419225"/>
+              <a:chExt cx="3457753" cy="1025828"/>
+            </a:xfrm>
+          </p:grpSpPr>
+          <p:pic>
+            <p:nvPicPr>
+              <p:cNvPr id="13" name="Picture 12"/>
+              <p:cNvPicPr>
+                <a:picLocks noChangeAspect="1"/>
+              </p:cNvPicPr>
+              <p:nvPr/>
+            </p:nvPicPr>
+            <p:blipFill>
+              <a:blip r:embed="rId4">
+                <a:extLst>
+                  <a:ext uri="{28A0092B-C50C-407E-A947-70E740481C1C}">
+                    <a14:useLocalDpi xmlns:a14="http://schemas.microsoft.com/office/drawing/2010/main" val="0"/>
+                  </a:ext>
+                </a:extLst>
+              </a:blip>
+              <a:stretch>
+                <a:fillRect/>
+              </a:stretch>
+            </p:blipFill>
+            <p:spPr>
+              <a:xfrm>
+                <a:off x="2272586" y="3419225"/>
+                <a:ext cx="976031" cy="1025828"/>
+              </a:xfrm>
+              <a:prstGeom prst="rect">
+                <a:avLst/>
+              </a:prstGeom>
+            </p:spPr>
+          </p:pic>
+          <p:pic>
+            <p:nvPicPr>
+              <p:cNvPr id="14" name="Picture 13"/>
+              <p:cNvPicPr>
+                <a:picLocks noChangeAspect="1"/>
+              </p:cNvPicPr>
+              <p:nvPr/>
+            </p:nvPicPr>
+            <p:blipFill>
+              <a:blip r:embed="rId5">
+                <a:extLst>
+                  <a:ext uri="{28A0092B-C50C-407E-A947-70E740481C1C}">
+                    <a14:useLocalDpi xmlns:a14="http://schemas.microsoft.com/office/drawing/2010/main" val="0"/>
+                  </a:ext>
+                </a:extLst>
+              </a:blip>
+              <a:stretch>
+                <a:fillRect/>
+              </a:stretch>
+            </p:blipFill>
+            <p:spPr>
+              <a:xfrm>
+                <a:off x="3513447" y="3419225"/>
+                <a:ext cx="976031" cy="1025828"/>
+              </a:xfrm>
+              <a:prstGeom prst="rect">
+                <a:avLst/>
+              </a:prstGeom>
+            </p:spPr>
+          </p:pic>
+          <p:pic>
+            <p:nvPicPr>
+              <p:cNvPr id="15" name="Picture 14"/>
+              <p:cNvPicPr>
+                <a:picLocks noChangeAspect="1"/>
+              </p:cNvPicPr>
+              <p:nvPr/>
+            </p:nvPicPr>
+            <p:blipFill>
+              <a:blip r:embed="rId6">
+                <a:extLst>
+                  <a:ext uri="{28A0092B-C50C-407E-A947-70E740481C1C}">
+                    <a14:useLocalDpi xmlns:a14="http://schemas.microsoft.com/office/drawing/2010/main" val="0"/>
+                  </a:ext>
+                </a:extLst>
+              </a:blip>
+              <a:stretch>
+                <a:fillRect/>
+              </a:stretch>
+            </p:blipFill>
+            <p:spPr>
+              <a:xfrm>
+                <a:off x="1031725" y="3419225"/>
+                <a:ext cx="976031" cy="1025828"/>
+              </a:xfrm>
+              <a:prstGeom prst="rect">
+                <a:avLst/>
+              </a:prstGeom>
+            </p:spPr>
+          </p:pic>
+        </p:grpSp>
+        <p:grpSp>
+          <p:nvGrpSpPr>
+            <p:cNvPr id="20" name="Group 19"/>
+            <p:cNvGrpSpPr/>
+            <p:nvPr/>
+          </p:nvGrpSpPr>
+          <p:grpSpPr>
+            <a:xfrm>
+              <a:off x="4929876" y="2917070"/>
+              <a:ext cx="3649821" cy="1123620"/>
+              <a:chOff x="1031725" y="3419225"/>
+              <a:chExt cx="3457753" cy="1025828"/>
+            </a:xfrm>
+          </p:grpSpPr>
+          <p:pic>
+            <p:nvPicPr>
+              <p:cNvPr id="21" name="Picture 20"/>
+              <p:cNvPicPr>
+                <a:picLocks noChangeAspect="1"/>
+              </p:cNvPicPr>
+              <p:nvPr/>
+            </p:nvPicPr>
+            <p:blipFill>
+              <a:blip r:embed="rId4">
+                <a:extLst>
+                  <a:ext uri="{28A0092B-C50C-407E-A947-70E740481C1C}">
+                    <a14:useLocalDpi xmlns:a14="http://schemas.microsoft.com/office/drawing/2010/main" val="0"/>
+                  </a:ext>
+                </a:extLst>
+              </a:blip>
+              <a:stretch>
+                <a:fillRect/>
+              </a:stretch>
+            </p:blipFill>
+            <p:spPr>
+              <a:xfrm>
+                <a:off x="2272586" y="3419225"/>
+                <a:ext cx="976031" cy="1025828"/>
+              </a:xfrm>
+              <a:prstGeom prst="rect">
+                <a:avLst/>
+              </a:prstGeom>
+            </p:spPr>
+          </p:pic>
+          <p:pic>
+            <p:nvPicPr>
+              <p:cNvPr id="22" name="Picture 21"/>
+              <p:cNvPicPr>
+                <a:picLocks noChangeAspect="1"/>
+              </p:cNvPicPr>
+              <p:nvPr/>
+            </p:nvPicPr>
+            <p:blipFill>
+              <a:blip r:embed="rId5">
+                <a:extLst>
+                  <a:ext uri="{28A0092B-C50C-407E-A947-70E740481C1C}">
+                    <a14:useLocalDpi xmlns:a14="http://schemas.microsoft.com/office/drawing/2010/main" val="0"/>
+                  </a:ext>
+                </a:extLst>
+              </a:blip>
+              <a:stretch>
+                <a:fillRect/>
+              </a:stretch>
+            </p:blipFill>
+            <p:spPr>
+              <a:xfrm>
+                <a:off x="3513447" y="3419225"/>
+                <a:ext cx="976031" cy="1025828"/>
+              </a:xfrm>
+              <a:prstGeom prst="rect">
+                <a:avLst/>
+              </a:prstGeom>
+            </p:spPr>
+          </p:pic>
+          <p:pic>
+            <p:nvPicPr>
+              <p:cNvPr id="23" name="Picture 22"/>
+              <p:cNvPicPr>
+                <a:picLocks noChangeAspect="1"/>
+              </p:cNvPicPr>
+              <p:nvPr/>
+            </p:nvPicPr>
+            <p:blipFill>
+              <a:blip r:embed="rId6">
+                <a:extLst>
+                  <a:ext uri="{28A0092B-C50C-407E-A947-70E740481C1C}">
+                    <a14:useLocalDpi xmlns:a14="http://schemas.microsoft.com/office/drawing/2010/main" val="0"/>
+                  </a:ext>
+                </a:extLst>
+              </a:blip>
+              <a:stretch>
+                <a:fillRect/>
+              </a:stretch>
+            </p:blipFill>
+            <p:spPr>
+              <a:xfrm>
+                <a:off x="1031725" y="3419225"/>
+                <a:ext cx="976031" cy="1025828"/>
+              </a:xfrm>
+              <a:prstGeom prst="rect">
+                <a:avLst/>
+              </a:prstGeom>
+            </p:spPr>
+          </p:pic>
+        </p:grpSp>
+      </p:grpSp>
+      <p:sp>
+        <p:nvSpPr>
+          <p:cNvPr id="17" name="TextBox 16"/>
+          <p:cNvSpPr txBox="1"/>
+          <p:nvPr/>
+        </p:nvSpPr>
+        <p:spPr>
+          <a:xfrm>
+            <a:off x="0" y="39191"/>
+            <a:ext cx="5214120" cy="584775"/>
+          </a:xfrm>
+          <a:prstGeom prst="rect">
+            <a:avLst/>
+          </a:prstGeom>
+          <a:noFill/>
+        </p:spPr>
+        <p:txBody>
+          <a:bodyPr wrap="none" rtlCol="0">
+            <a:spAutoFit/>
+          </a:bodyPr>
+          <a:lstStyle/>
+          <a:p>
+            <a:r>
+              <a:rPr lang="en-US" sz="3200" dirty="0" smtClean="0"/>
+              <a:t>Characterizing Beta categories</a:t>
+            </a:r>
+            <a:endParaRPr lang="en-US" sz="3200" dirty="0"/>
+          </a:p>
+        </p:txBody>
+      </p:sp>
+    </p:spTree>
+    <p:extLst>
+      <p:ext uri="{BB962C8B-B14F-4D97-AF65-F5344CB8AC3E}">
+        <p14:creationId xmlns:p14="http://schemas.microsoft.com/office/powerpoint/2010/main" val="572248693"/>
+      </p:ext>
+    </p:extLst>
+  </p:cSld>
+  <p:clrMapOvr>
+    <a:masterClrMapping/>
+  </p:clrMapOvr>
+  <p:timing>
+    <p:tnLst>
+      <p:par>
+        <p:cTn id="1" dur="indefinite" restart="never" nodeType="tmRoot"/>
+      </p:par>
+    </p:tnLst>
+  </p:timing>
+</p:sld>
+</file>
+
+<file path=ppt/slides/slide23.xml><?xml version="1.0" encoding="utf-8"?>
+<p:sld xmlns:a="http://schemas.openxmlformats.org/drawingml/2006/main" xmlns:r="http://schemas.openxmlformats.org/officeDocument/2006/relationships" xmlns:p="http://schemas.openxmlformats.org/presentationml/2006/main">
+  <p:cSld>
+    <p:spTree>
+      <p:nvGrpSpPr>
+        <p:cNvPr id="1" name=""/>
+        <p:cNvGrpSpPr/>
+        <p:nvPr/>
+      </p:nvGrpSpPr>
+      <p:grpSpPr>
+        <a:xfrm>
+          <a:off x="0" y="0"/>
+          <a:ext cx="0" cy="0"/>
+          <a:chOff x="0" y="0"/>
+          <a:chExt cx="0" cy="0"/>
+        </a:xfrm>
+      </p:grpSpPr>
+      <p:sp>
+        <p:nvSpPr>
+          <p:cNvPr id="7" name="TextBox 6"/>
+          <p:cNvSpPr txBox="1"/>
+          <p:nvPr/>
+        </p:nvSpPr>
+        <p:spPr>
+          <a:xfrm>
+            <a:off x="228600" y="694491"/>
+            <a:ext cx="8568267" cy="2092881"/>
+          </a:xfrm>
+          <a:prstGeom prst="rect">
+            <a:avLst/>
+          </a:prstGeom>
+          <a:noFill/>
+        </p:spPr>
+        <p:txBody>
+          <a:bodyPr wrap="square" rtlCol="0">
+            <a:spAutoFit/>
+          </a:bodyPr>
+          <a:lstStyle/>
+          <a:p>
+            <a:pPr marL="342900" indent="-342900">
+              <a:buFont typeface="Arial" charset="0"/>
+              <a:buChar char="•"/>
+            </a:pPr>
+            <a:r>
+              <a:rPr lang="en-US" sz="2400" i="1" dirty="0" smtClean="0"/>
+              <a:t>Cluster &amp; Row show no systematic correlations.</a:t>
+            </a:r>
+          </a:p>
+          <a:p>
+            <a:pPr marL="342900" indent="-342900">
+              <a:spcAft>
+                <a:spcPts val="1200"/>
+              </a:spcAft>
+              <a:buFont typeface="Arial" charset="0"/>
+              <a:buChar char="•"/>
+            </a:pPr>
+            <a:r>
+              <a:rPr lang="en-US" sz="2400" i="1" dirty="0" smtClean="0"/>
+              <a:t>XOR categories are negatively correlated. </a:t>
+            </a:r>
+          </a:p>
+          <a:p>
+            <a:pPr marL="342900" indent="-342900">
+              <a:buFont typeface="Arial" charset="0"/>
+              <a:buChar char="•"/>
+            </a:pPr>
+            <a:endParaRPr lang="en-US" sz="2400" dirty="0" smtClean="0"/>
+          </a:p>
+          <a:p>
+            <a:endParaRPr lang="en-US" sz="2400" dirty="0" smtClean="0"/>
+          </a:p>
+          <a:p>
+            <a:endParaRPr lang="en-US" sz="2400" dirty="0"/>
+          </a:p>
+        </p:txBody>
+      </p:sp>
+      <p:grpSp>
+        <p:nvGrpSpPr>
+          <p:cNvPr id="6" name="Group 5"/>
+          <p:cNvGrpSpPr/>
+          <p:nvPr/>
+        </p:nvGrpSpPr>
+        <p:grpSpPr>
+          <a:xfrm>
+            <a:off x="5156116" y="2143594"/>
+            <a:ext cx="3438642" cy="4525818"/>
+            <a:chOff x="5367081" y="2290466"/>
+            <a:chExt cx="3305431" cy="4350491"/>
+          </a:xfrm>
+        </p:grpSpPr>
+        <p:pic>
+          <p:nvPicPr>
+            <p:cNvPr id="2" name="Picture 1"/>
+            <p:cNvPicPr>
+              <a:picLocks noChangeAspect="1"/>
+            </p:cNvPicPr>
+            <p:nvPr/>
+          </p:nvPicPr>
+          <p:blipFill>
+            <a:blip r:embed="rId3">
+              <a:extLst>
+                <a:ext uri="{28A0092B-C50C-407E-A947-70E740481C1C}">
+                  <a14:useLocalDpi xmlns:a14="http://schemas.microsoft.com/office/drawing/2010/main" val="0"/>
+                </a:ext>
+              </a:extLst>
+            </a:blip>
+            <a:stretch>
+              <a:fillRect/>
+            </a:stretch>
+          </p:blipFill>
+          <p:spPr>
+            <a:xfrm>
+              <a:off x="5660712" y="2290466"/>
+              <a:ext cx="3011800" cy="4096047"/>
+            </a:xfrm>
+            <a:prstGeom prst="rect">
+              <a:avLst/>
+            </a:prstGeom>
+          </p:spPr>
+        </p:pic>
+        <p:sp>
+          <p:nvSpPr>
+            <p:cNvPr id="5" name="TextBox 4"/>
+            <p:cNvSpPr txBox="1"/>
+            <p:nvPr/>
+          </p:nvSpPr>
+          <p:spPr>
+            <a:xfrm>
+              <a:off x="5929313" y="6302403"/>
+              <a:ext cx="2743199" cy="338554"/>
+            </a:xfrm>
+            <a:prstGeom prst="rect">
+              <a:avLst/>
+            </a:prstGeom>
+            <a:noFill/>
+          </p:spPr>
+          <p:txBody>
+            <a:bodyPr wrap="square" rtlCol="0">
+              <a:spAutoFit/>
+            </a:bodyPr>
+            <a:lstStyle/>
+            <a:p>
+              <a:pPr algn="ctr"/>
+              <a:r>
+                <a:rPr lang="en-US" sz="1600" dirty="0"/>
+                <a:t>C</a:t>
+              </a:r>
+              <a:r>
+                <a:rPr lang="en-US" sz="1600" dirty="0" smtClean="0"/>
+                <a:t>orrelation</a:t>
+              </a:r>
+              <a:endParaRPr lang="en-US" sz="1600" dirty="0"/>
+            </a:p>
+          </p:txBody>
+        </p:sp>
+        <p:sp>
+          <p:nvSpPr>
+            <p:cNvPr id="11" name="TextBox 10"/>
+            <p:cNvSpPr txBox="1"/>
+            <p:nvPr/>
+          </p:nvSpPr>
+          <p:spPr>
+            <a:xfrm rot="16200000">
+              <a:off x="3655472" y="4084418"/>
+              <a:ext cx="3761772" cy="338554"/>
+            </a:xfrm>
+            <a:prstGeom prst="rect">
+              <a:avLst/>
+            </a:prstGeom>
+            <a:noFill/>
+          </p:spPr>
+          <p:txBody>
+            <a:bodyPr wrap="square" rtlCol="0">
+              <a:spAutoFit/>
+            </a:bodyPr>
+            <a:lstStyle/>
+            <a:p>
+              <a:pPr algn="ctr"/>
+              <a:r>
+                <a:rPr lang="en-US" sz="1600" dirty="0" smtClean="0"/>
+                <a:t>Density</a:t>
+              </a:r>
+              <a:endParaRPr lang="en-US" sz="1600" dirty="0"/>
+            </a:p>
+          </p:txBody>
+        </p:sp>
+      </p:grpSp>
+      <p:sp>
+        <p:nvSpPr>
+          <p:cNvPr id="19" name="TextBox 18"/>
+          <p:cNvSpPr txBox="1"/>
+          <p:nvPr/>
+        </p:nvSpPr>
+        <p:spPr>
+          <a:xfrm>
+            <a:off x="0" y="0"/>
+            <a:ext cx="5214120" cy="584775"/>
+          </a:xfrm>
+          <a:prstGeom prst="rect">
+            <a:avLst/>
+          </a:prstGeom>
+          <a:noFill/>
+        </p:spPr>
+        <p:txBody>
+          <a:bodyPr wrap="none" rtlCol="0">
+            <a:spAutoFit/>
+          </a:bodyPr>
+          <a:lstStyle/>
+          <a:p>
+            <a:r>
+              <a:rPr lang="en-US" sz="3200" dirty="0" smtClean="0"/>
+              <a:t>Characterizing </a:t>
+            </a:r>
+            <a:r>
+              <a:rPr lang="en-US" sz="3200" smtClean="0"/>
+              <a:t>Beta categories</a:t>
+            </a:r>
+            <a:endParaRPr lang="en-US" sz="3200" dirty="0"/>
+          </a:p>
+        </p:txBody>
+      </p:sp>
+      <p:grpSp>
+        <p:nvGrpSpPr>
+          <p:cNvPr id="3" name="Group 2"/>
+          <p:cNvGrpSpPr/>
+          <p:nvPr/>
+        </p:nvGrpSpPr>
+        <p:grpSpPr>
+          <a:xfrm>
+            <a:off x="396005" y="2321244"/>
+            <a:ext cx="4338308" cy="4176550"/>
+            <a:chOff x="425985" y="2321244"/>
+            <a:chExt cx="4338308" cy="4176550"/>
+          </a:xfrm>
+        </p:grpSpPr>
+        <p:grpSp>
+          <p:nvGrpSpPr>
+            <p:cNvPr id="8" name="Group 7"/>
+            <p:cNvGrpSpPr/>
+            <p:nvPr/>
+          </p:nvGrpSpPr>
+          <p:grpSpPr>
+            <a:xfrm>
+              <a:off x="670611" y="2321244"/>
+              <a:ext cx="4093682" cy="4176550"/>
+              <a:chOff x="704626" y="2552821"/>
+              <a:chExt cx="4093682" cy="4176550"/>
+            </a:xfrm>
+          </p:grpSpPr>
+          <p:pic>
+            <p:nvPicPr>
+              <p:cNvPr id="4" name="Picture 3"/>
+              <p:cNvPicPr>
+                <a:picLocks noChangeAspect="1"/>
+              </p:cNvPicPr>
+              <p:nvPr/>
+            </p:nvPicPr>
+            <p:blipFill>
+              <a:blip r:embed="rId4">
+                <a:extLst>
+                  <a:ext uri="{28A0092B-C50C-407E-A947-70E740481C1C}">
+                    <a14:useLocalDpi xmlns:a14="http://schemas.microsoft.com/office/drawing/2010/main" val="0"/>
+                  </a:ext>
+                </a:extLst>
+              </a:blip>
+              <a:stretch>
+                <a:fillRect/>
+              </a:stretch>
+            </p:blipFill>
+            <p:spPr>
+              <a:xfrm>
+                <a:off x="704626" y="2552821"/>
+                <a:ext cx="4093682" cy="4176550"/>
+              </a:xfrm>
+              <a:prstGeom prst="rect">
+                <a:avLst/>
+              </a:prstGeom>
+            </p:spPr>
+          </p:pic>
+          <p:grpSp>
+            <p:nvGrpSpPr>
+              <p:cNvPr id="15" name="Group 14"/>
+              <p:cNvGrpSpPr/>
+              <p:nvPr/>
+            </p:nvGrpSpPr>
+            <p:grpSpPr>
+              <a:xfrm>
+                <a:off x="1250157" y="3147937"/>
+                <a:ext cx="3428231" cy="1055402"/>
+                <a:chOff x="1031725" y="3419225"/>
+                <a:chExt cx="3457753" cy="1025828"/>
+              </a:xfrm>
+            </p:grpSpPr>
+            <p:pic>
+              <p:nvPicPr>
+                <p:cNvPr id="16" name="Picture 15"/>
+                <p:cNvPicPr>
+                  <a:picLocks noChangeAspect="1"/>
+                </p:cNvPicPr>
+                <p:nvPr/>
+              </p:nvPicPr>
+              <p:blipFill>
+                <a:blip r:embed="rId5">
+                  <a:extLst>
+                    <a:ext uri="{28A0092B-C50C-407E-A947-70E740481C1C}">
+                      <a14:useLocalDpi xmlns:a14="http://schemas.microsoft.com/office/drawing/2010/main" val="0"/>
+                    </a:ext>
+                  </a:extLst>
+                </a:blip>
+                <a:stretch>
+                  <a:fillRect/>
+                </a:stretch>
+              </p:blipFill>
+              <p:spPr>
+                <a:xfrm>
+                  <a:off x="2272586" y="3419225"/>
+                  <a:ext cx="976031" cy="1025828"/>
+                </a:xfrm>
+                <a:prstGeom prst="rect">
+                  <a:avLst/>
+                </a:prstGeom>
+              </p:spPr>
+            </p:pic>
+            <p:pic>
+              <p:nvPicPr>
+                <p:cNvPr id="17" name="Picture 16"/>
+                <p:cNvPicPr>
+                  <a:picLocks noChangeAspect="1"/>
+                </p:cNvPicPr>
+                <p:nvPr/>
+              </p:nvPicPr>
+              <p:blipFill>
+                <a:blip r:embed="rId6">
+                  <a:extLst>
+                    <a:ext uri="{28A0092B-C50C-407E-A947-70E740481C1C}">
+                      <a14:useLocalDpi xmlns:a14="http://schemas.microsoft.com/office/drawing/2010/main" val="0"/>
+                    </a:ext>
+                  </a:extLst>
+                </a:blip>
+                <a:stretch>
+                  <a:fillRect/>
+                </a:stretch>
+              </p:blipFill>
+              <p:spPr>
+                <a:xfrm>
+                  <a:off x="3513447" y="3419225"/>
+                  <a:ext cx="976031" cy="1025828"/>
+                </a:xfrm>
+                <a:prstGeom prst="rect">
+                  <a:avLst/>
+                </a:prstGeom>
+              </p:spPr>
+            </p:pic>
+            <p:pic>
+              <p:nvPicPr>
+                <p:cNvPr id="18" name="Picture 17"/>
+                <p:cNvPicPr>
+                  <a:picLocks noChangeAspect="1"/>
+                </p:cNvPicPr>
+                <p:nvPr/>
+              </p:nvPicPr>
+              <p:blipFill>
+                <a:blip r:embed="rId7">
+                  <a:extLst>
+                    <a:ext uri="{28A0092B-C50C-407E-A947-70E740481C1C}">
+                      <a14:useLocalDpi xmlns:a14="http://schemas.microsoft.com/office/drawing/2010/main" val="0"/>
+                    </a:ext>
+                  </a:extLst>
+                </a:blip>
+                <a:stretch>
+                  <a:fillRect/>
+                </a:stretch>
+              </p:blipFill>
+              <p:spPr>
+                <a:xfrm>
+                  <a:off x="1031725" y="3419225"/>
+                  <a:ext cx="976031" cy="1025828"/>
+                </a:xfrm>
+                <a:prstGeom prst="rect">
+                  <a:avLst/>
+                </a:prstGeom>
+              </p:spPr>
+            </p:pic>
+          </p:grpSp>
+        </p:grpSp>
+        <p:sp>
+          <p:nvSpPr>
+            <p:cNvPr id="14" name="TextBox 13"/>
+            <p:cNvSpPr txBox="1"/>
+            <p:nvPr/>
+          </p:nvSpPr>
+          <p:spPr>
+            <a:xfrm rot="16200000">
+              <a:off x="-1354176" y="4101405"/>
+              <a:ext cx="3929654" cy="369332"/>
+            </a:xfrm>
+            <a:prstGeom prst="rect">
+              <a:avLst/>
+            </a:prstGeom>
+            <a:noFill/>
+          </p:spPr>
+          <p:txBody>
+            <a:bodyPr wrap="square" rtlCol="0">
+              <a:spAutoFit/>
+            </a:bodyPr>
+            <a:lstStyle/>
+            <a:p>
+              <a:pPr algn="ctr"/>
+              <a:r>
+                <a:rPr lang="en-US"/>
+                <a:t>C</a:t>
+              </a:r>
+              <a:r>
+                <a:rPr lang="en-US" smtClean="0"/>
+                <a:t>orrelation</a:t>
+              </a:r>
+              <a:endParaRPr lang="en-US"/>
+            </a:p>
+          </p:txBody>
+        </p:sp>
+      </p:grpSp>
+    </p:spTree>
+    <p:extLst>
+      <p:ext uri="{BB962C8B-B14F-4D97-AF65-F5344CB8AC3E}">
+        <p14:creationId xmlns:p14="http://schemas.microsoft.com/office/powerpoint/2010/main" val="740962988"/>
+      </p:ext>
+    </p:extLst>
+  </p:cSld>
+  <p:clrMapOvr>
+    <a:masterClrMapping/>
+  </p:clrMapOvr>
+  <p:timing>
+    <p:tnLst>
+      <p:par>
+        <p:cTn id="1" dur="indefinite" restart="never" nodeType="tmRoot"/>
+      </p:par>
+    </p:tnLst>
+  </p:timing>
+</p:sld>
+</file>
+
+<file path=ppt/slides/slide24.xml><?xml version="1.0" encoding="utf-8"?>
+<p:sld xmlns:a="http://schemas.openxmlformats.org/drawingml/2006/main" xmlns:r="http://schemas.openxmlformats.org/officeDocument/2006/relationships" xmlns:p="http://schemas.openxmlformats.org/presentationml/2006/main">
+  <p:cSld>
+    <p:spTree>
+      <p:nvGrpSpPr>
+        <p:cNvPr id="1" name=""/>
+        <p:cNvGrpSpPr/>
+        <p:nvPr/>
+      </p:nvGrpSpPr>
+      <p:grpSpPr>
+        <a:xfrm>
+          <a:off x="0" y="0"/>
+          <a:ext cx="0" cy="0"/>
+          <a:chOff x="0" y="0"/>
+          <a:chExt cx="0" cy="0"/>
+        </a:xfrm>
+      </p:grpSpPr>
+      <p:grpSp>
+        <p:nvGrpSpPr>
+          <p:cNvPr id="6" name="Group 5"/>
+          <p:cNvGrpSpPr/>
+          <p:nvPr/>
+        </p:nvGrpSpPr>
+        <p:grpSpPr>
+          <a:xfrm>
+            <a:off x="5156116" y="2143594"/>
+            <a:ext cx="3438642" cy="4525818"/>
+            <a:chOff x="5367081" y="2290466"/>
+            <a:chExt cx="3305431" cy="4350491"/>
+          </a:xfrm>
+        </p:grpSpPr>
+        <p:pic>
+          <p:nvPicPr>
+            <p:cNvPr id="2" name="Picture 1"/>
+            <p:cNvPicPr>
+              <a:picLocks noChangeAspect="1"/>
+            </p:cNvPicPr>
+            <p:nvPr/>
+          </p:nvPicPr>
+          <p:blipFill>
+            <a:blip r:embed="rId3">
+              <a:extLst>
+                <a:ext uri="{28A0092B-C50C-407E-A947-70E740481C1C}">
+                  <a14:useLocalDpi xmlns:a14="http://schemas.microsoft.com/office/drawing/2010/main" val="0"/>
+                </a:ext>
+              </a:extLst>
+            </a:blip>
+            <a:stretch>
+              <a:fillRect/>
+            </a:stretch>
+          </p:blipFill>
+          <p:spPr>
+            <a:xfrm>
+              <a:off x="5660712" y="2290466"/>
+              <a:ext cx="3011800" cy="4096047"/>
+            </a:xfrm>
+            <a:prstGeom prst="rect">
+              <a:avLst/>
+            </a:prstGeom>
+          </p:spPr>
+        </p:pic>
+        <p:sp>
+          <p:nvSpPr>
+            <p:cNvPr id="5" name="TextBox 4"/>
+            <p:cNvSpPr txBox="1"/>
+            <p:nvPr/>
+          </p:nvSpPr>
+          <p:spPr>
+            <a:xfrm>
+              <a:off x="5929313" y="6302403"/>
+              <a:ext cx="2743199" cy="338554"/>
+            </a:xfrm>
+            <a:prstGeom prst="rect">
+              <a:avLst/>
+            </a:prstGeom>
+            <a:noFill/>
+          </p:spPr>
+          <p:txBody>
+            <a:bodyPr wrap="square" rtlCol="0">
+              <a:spAutoFit/>
+            </a:bodyPr>
+            <a:lstStyle/>
+            <a:p>
+              <a:pPr algn="ctr"/>
+              <a:r>
+                <a:rPr lang="en-US" sz="1600" dirty="0"/>
+                <a:t>C</a:t>
+              </a:r>
+              <a:r>
+                <a:rPr lang="en-US" sz="1600" dirty="0" smtClean="0"/>
+                <a:t>orrelation</a:t>
+              </a:r>
+              <a:endParaRPr lang="en-US" sz="1600" dirty="0"/>
+            </a:p>
+          </p:txBody>
+        </p:sp>
+        <p:sp>
+          <p:nvSpPr>
+            <p:cNvPr id="11" name="TextBox 10"/>
+            <p:cNvSpPr txBox="1"/>
+            <p:nvPr/>
+          </p:nvSpPr>
+          <p:spPr>
+            <a:xfrm rot="16200000">
+              <a:off x="3655472" y="4084418"/>
+              <a:ext cx="3761772" cy="338554"/>
+            </a:xfrm>
+            <a:prstGeom prst="rect">
+              <a:avLst/>
+            </a:prstGeom>
+            <a:noFill/>
+          </p:spPr>
+          <p:txBody>
+            <a:bodyPr wrap="square" rtlCol="0">
+              <a:spAutoFit/>
+            </a:bodyPr>
+            <a:lstStyle/>
+            <a:p>
+              <a:pPr algn="ctr"/>
+              <a:r>
+                <a:rPr lang="en-US" sz="1600" dirty="0" smtClean="0"/>
+                <a:t>Density</a:t>
+              </a:r>
+              <a:endParaRPr lang="en-US" sz="1600" dirty="0"/>
+            </a:p>
+          </p:txBody>
+        </p:sp>
+      </p:grpSp>
+      <p:sp>
+        <p:nvSpPr>
+          <p:cNvPr id="19" name="TextBox 18"/>
+          <p:cNvSpPr txBox="1"/>
+          <p:nvPr/>
+        </p:nvSpPr>
+        <p:spPr>
+          <a:xfrm>
+            <a:off x="0" y="0"/>
+            <a:ext cx="5214120" cy="584775"/>
+          </a:xfrm>
+          <a:prstGeom prst="rect">
+            <a:avLst/>
+          </a:prstGeom>
+          <a:noFill/>
+        </p:spPr>
+        <p:txBody>
+          <a:bodyPr wrap="none" rtlCol="0">
+            <a:spAutoFit/>
+          </a:bodyPr>
+          <a:lstStyle/>
+          <a:p>
+            <a:r>
+              <a:rPr lang="en-US" sz="3200" dirty="0" smtClean="0"/>
+              <a:t>Characterizing </a:t>
+            </a:r>
+            <a:r>
+              <a:rPr lang="en-US" sz="3200" smtClean="0"/>
+              <a:t>Beta categories</a:t>
+            </a:r>
+            <a:endParaRPr lang="en-US" sz="3200" dirty="0"/>
+          </a:p>
+        </p:txBody>
+      </p:sp>
+      <p:grpSp>
+        <p:nvGrpSpPr>
+          <p:cNvPr id="3" name="Group 2"/>
+          <p:cNvGrpSpPr/>
+          <p:nvPr/>
+        </p:nvGrpSpPr>
+        <p:grpSpPr>
+          <a:xfrm>
+            <a:off x="396005" y="2321244"/>
+            <a:ext cx="4338308" cy="4176550"/>
+            <a:chOff x="425985" y="2321244"/>
+            <a:chExt cx="4338308" cy="4176550"/>
+          </a:xfrm>
+        </p:grpSpPr>
+        <p:grpSp>
+          <p:nvGrpSpPr>
+            <p:cNvPr id="8" name="Group 7"/>
+            <p:cNvGrpSpPr/>
+            <p:nvPr/>
+          </p:nvGrpSpPr>
+          <p:grpSpPr>
+            <a:xfrm>
+              <a:off x="670611" y="2321244"/>
+              <a:ext cx="4093682" cy="4176550"/>
+              <a:chOff x="704626" y="2552821"/>
+              <a:chExt cx="4093682" cy="4176550"/>
+            </a:xfrm>
+          </p:grpSpPr>
+          <p:pic>
+            <p:nvPicPr>
+              <p:cNvPr id="4" name="Picture 3"/>
+              <p:cNvPicPr>
+                <a:picLocks noChangeAspect="1"/>
+              </p:cNvPicPr>
+              <p:nvPr/>
+            </p:nvPicPr>
+            <p:blipFill>
+              <a:blip r:embed="rId4">
+                <a:extLst>
+                  <a:ext uri="{28A0092B-C50C-407E-A947-70E740481C1C}">
+                    <a14:useLocalDpi xmlns:a14="http://schemas.microsoft.com/office/drawing/2010/main" val="0"/>
+                  </a:ext>
+                </a:extLst>
+              </a:blip>
+              <a:stretch>
+                <a:fillRect/>
+              </a:stretch>
+            </p:blipFill>
+            <p:spPr>
+              <a:xfrm>
+                <a:off x="704626" y="2552821"/>
+                <a:ext cx="4093682" cy="4176550"/>
+              </a:xfrm>
+              <a:prstGeom prst="rect">
+                <a:avLst/>
+              </a:prstGeom>
+            </p:spPr>
+          </p:pic>
+          <p:grpSp>
+            <p:nvGrpSpPr>
+              <p:cNvPr id="15" name="Group 14"/>
+              <p:cNvGrpSpPr/>
+              <p:nvPr/>
+            </p:nvGrpSpPr>
+            <p:grpSpPr>
+              <a:xfrm>
+                <a:off x="1250157" y="3147937"/>
+                <a:ext cx="3428231" cy="1055402"/>
+                <a:chOff x="1031725" y="3419225"/>
+                <a:chExt cx="3457753" cy="1025828"/>
+              </a:xfrm>
+            </p:grpSpPr>
+            <p:pic>
+              <p:nvPicPr>
+                <p:cNvPr id="16" name="Picture 15"/>
+                <p:cNvPicPr>
+                  <a:picLocks noChangeAspect="1"/>
+                </p:cNvPicPr>
+                <p:nvPr/>
+              </p:nvPicPr>
+              <p:blipFill>
+                <a:blip r:embed="rId5">
+                  <a:extLst>
+                    <a:ext uri="{28A0092B-C50C-407E-A947-70E740481C1C}">
+                      <a14:useLocalDpi xmlns:a14="http://schemas.microsoft.com/office/drawing/2010/main" val="0"/>
+                    </a:ext>
+                  </a:extLst>
+                </a:blip>
+                <a:stretch>
+                  <a:fillRect/>
+                </a:stretch>
+              </p:blipFill>
+              <p:spPr>
+                <a:xfrm>
+                  <a:off x="2272586" y="3419225"/>
+                  <a:ext cx="976031" cy="1025828"/>
+                </a:xfrm>
+                <a:prstGeom prst="rect">
+                  <a:avLst/>
+                </a:prstGeom>
+              </p:spPr>
+            </p:pic>
+            <p:pic>
+              <p:nvPicPr>
+                <p:cNvPr id="17" name="Picture 16"/>
+                <p:cNvPicPr>
+                  <a:picLocks noChangeAspect="1"/>
+                </p:cNvPicPr>
+                <p:nvPr/>
+              </p:nvPicPr>
+              <p:blipFill>
+                <a:blip r:embed="rId6">
+                  <a:extLst>
+                    <a:ext uri="{28A0092B-C50C-407E-A947-70E740481C1C}">
+                      <a14:useLocalDpi xmlns:a14="http://schemas.microsoft.com/office/drawing/2010/main" val="0"/>
+                    </a:ext>
+                  </a:extLst>
+                </a:blip>
+                <a:stretch>
+                  <a:fillRect/>
+                </a:stretch>
+              </p:blipFill>
+              <p:spPr>
+                <a:xfrm>
+                  <a:off x="3513447" y="3419225"/>
+                  <a:ext cx="976031" cy="1025828"/>
+                </a:xfrm>
+                <a:prstGeom prst="rect">
+                  <a:avLst/>
+                </a:prstGeom>
+              </p:spPr>
+            </p:pic>
+            <p:pic>
+              <p:nvPicPr>
+                <p:cNvPr id="18" name="Picture 17"/>
+                <p:cNvPicPr>
+                  <a:picLocks noChangeAspect="1"/>
+                </p:cNvPicPr>
+                <p:nvPr/>
+              </p:nvPicPr>
+              <p:blipFill>
+                <a:blip r:embed="rId7">
+                  <a:extLst>
+                    <a:ext uri="{28A0092B-C50C-407E-A947-70E740481C1C}">
+                      <a14:useLocalDpi xmlns:a14="http://schemas.microsoft.com/office/drawing/2010/main" val="0"/>
+                    </a:ext>
+                  </a:extLst>
+                </a:blip>
+                <a:stretch>
+                  <a:fillRect/>
+                </a:stretch>
+              </p:blipFill>
+              <p:spPr>
+                <a:xfrm>
+                  <a:off x="1031725" y="3419225"/>
+                  <a:ext cx="976031" cy="1025828"/>
+                </a:xfrm>
+                <a:prstGeom prst="rect">
+                  <a:avLst/>
+                </a:prstGeom>
+              </p:spPr>
+            </p:pic>
+          </p:grpSp>
+        </p:grpSp>
+        <p:sp>
+          <p:nvSpPr>
+            <p:cNvPr id="14" name="TextBox 13"/>
+            <p:cNvSpPr txBox="1"/>
+            <p:nvPr/>
+          </p:nvSpPr>
+          <p:spPr>
+            <a:xfrm rot="16200000">
+              <a:off x="-1354176" y="4101405"/>
+              <a:ext cx="3929654" cy="369332"/>
+            </a:xfrm>
+            <a:prstGeom prst="rect">
+              <a:avLst/>
+            </a:prstGeom>
+            <a:noFill/>
+          </p:spPr>
+          <p:txBody>
+            <a:bodyPr wrap="square" rtlCol="0">
+              <a:spAutoFit/>
+            </a:bodyPr>
+            <a:lstStyle/>
+            <a:p>
+              <a:pPr algn="ctr"/>
+              <a:r>
+                <a:rPr lang="en-US"/>
+                <a:t>C</a:t>
+              </a:r>
+              <a:r>
+                <a:rPr lang="en-US" smtClean="0"/>
+                <a:t>orrelation</a:t>
+              </a:r>
+              <a:endParaRPr lang="en-US"/>
+            </a:p>
+          </p:txBody>
+        </p:sp>
+      </p:grpSp>
+      <p:sp>
+        <p:nvSpPr>
+          <p:cNvPr id="20" name="TextBox 19"/>
+          <p:cNvSpPr txBox="1"/>
+          <p:nvPr/>
+        </p:nvSpPr>
+        <p:spPr>
+          <a:xfrm>
+            <a:off x="214314" y="708778"/>
+            <a:ext cx="8786812" cy="1200329"/>
+          </a:xfrm>
+          <a:prstGeom prst="rect">
+            <a:avLst/>
+          </a:prstGeom>
+          <a:noFill/>
+        </p:spPr>
+        <p:txBody>
+          <a:bodyPr wrap="square" rtlCol="0">
+            <a:spAutoFit/>
+          </a:bodyPr>
+          <a:lstStyle/>
+          <a:p>
+            <a:r>
+              <a:rPr lang="en-US" sz="2400" b="1" dirty="0" smtClean="0"/>
+              <a:t>XOR Results oppose </a:t>
+            </a:r>
+            <a:r>
+              <a:rPr lang="en-US" sz="2400" b="1" dirty="0" err="1" smtClean="0"/>
+              <a:t>Jern</a:t>
+            </a:r>
+            <a:r>
+              <a:rPr lang="en-US" sz="2400" b="1" dirty="0" smtClean="0"/>
+              <a:t> &amp; Kemp (2013)</a:t>
+            </a:r>
+            <a:endParaRPr lang="en-US" sz="2400" b="1" dirty="0"/>
+          </a:p>
+          <a:p>
+            <a:r>
+              <a:rPr lang="en-US" sz="2400" dirty="0" smtClean="0"/>
+              <a:t>Alpha feature correlation was not applied in Beta category. Instead the correlation was </a:t>
+            </a:r>
+            <a:r>
+              <a:rPr lang="en-US" sz="2400" i="1" dirty="0" smtClean="0"/>
+              <a:t>reversed.</a:t>
+            </a:r>
+            <a:endParaRPr lang="en-US" sz="2400" i="1" dirty="0"/>
+          </a:p>
+        </p:txBody>
+      </p:sp>
+    </p:spTree>
+    <p:extLst>
+      <p:ext uri="{BB962C8B-B14F-4D97-AF65-F5344CB8AC3E}">
+        <p14:creationId xmlns:p14="http://schemas.microsoft.com/office/powerpoint/2010/main" val="1154211108"/>
+      </p:ext>
+    </p:extLst>
+  </p:cSld>
+  <p:clrMapOvr>
+    <a:masterClrMapping/>
+  </p:clrMapOvr>
+  <p:timing>
+    <p:tnLst>
+      <p:par>
+        <p:cTn id="1" dur="indefinite" restart="never" nodeType="tmRoot"/>
+      </p:par>
+    </p:tnLst>
+  </p:timing>
+</p:sld>
+</file>
+
+<file path=ppt/slides/slide25.xml><?xml version="1.0" encoding="utf-8"?>
+<p:sld xmlns:a="http://schemas.openxmlformats.org/drawingml/2006/main" xmlns:r="http://schemas.openxmlformats.org/officeDocument/2006/relationships" xmlns:p="http://schemas.openxmlformats.org/presentationml/2006/main">
+  <p:cSld>
+    <p:spTree>
+      <p:nvGrpSpPr>
+        <p:cNvPr id="1" name=""/>
+        <p:cNvGrpSpPr/>
+        <p:nvPr/>
+      </p:nvGrpSpPr>
+      <p:grpSpPr>
+        <a:xfrm>
+          <a:off x="0" y="0"/>
+          <a:ext cx="0" cy="0"/>
+          <a:chOff x="0" y="0"/>
+          <a:chExt cx="0" cy="0"/>
+        </a:xfrm>
+      </p:grpSpPr>
+      <p:sp>
+        <p:nvSpPr>
+          <p:cNvPr id="2" name="TextBox 1"/>
+          <p:cNvSpPr txBox="1"/>
+          <p:nvPr/>
+        </p:nvSpPr>
+        <p:spPr>
+          <a:xfrm>
+            <a:off x="309213" y="515552"/>
+            <a:ext cx="8559384" cy="2246769"/>
+          </a:xfrm>
+          <a:prstGeom prst="rect">
+            <a:avLst/>
+          </a:prstGeom>
+          <a:noFill/>
+        </p:spPr>
+        <p:txBody>
+          <a:bodyPr wrap="square" rtlCol="0">
+            <a:spAutoFit/>
+          </a:bodyPr>
+          <a:lstStyle/>
+          <a:p>
+            <a:r>
+              <a:rPr lang="en-US" sz="2800" dirty="0" smtClean="0"/>
+              <a:t>Structure of Alpha categories is broadly reflected in the Beta categories.</a:t>
+            </a:r>
+          </a:p>
+          <a:p>
+            <a:pPr marL="285750" indent="-285750">
+              <a:buFont typeface="Arial" charset="0"/>
+              <a:buChar char="•"/>
+            </a:pPr>
+            <a:endParaRPr lang="en-US" sz="2800" dirty="0" smtClean="0"/>
+          </a:p>
+          <a:p>
+            <a:r>
+              <a:rPr lang="en-US" sz="2800" b="1" dirty="0" smtClean="0"/>
+              <a:t>However</a:t>
+            </a:r>
+            <a:r>
+              <a:rPr lang="en-US" sz="2800" dirty="0" smtClean="0"/>
+              <a:t>, Beta category structure often opposes the Alpha category. High degree of individual differences.</a:t>
+            </a:r>
+            <a:endParaRPr lang="en-US" sz="2800" dirty="0"/>
+          </a:p>
+        </p:txBody>
+      </p:sp>
+      <p:grpSp>
+        <p:nvGrpSpPr>
+          <p:cNvPr id="3" name="Group 2"/>
+          <p:cNvGrpSpPr/>
+          <p:nvPr/>
+        </p:nvGrpSpPr>
+        <p:grpSpPr>
+          <a:xfrm>
+            <a:off x="617138" y="3589971"/>
+            <a:ext cx="7943536" cy="2881575"/>
+            <a:chOff x="536611" y="3717561"/>
+            <a:chExt cx="7943536" cy="2881575"/>
+          </a:xfrm>
+        </p:grpSpPr>
+        <p:grpSp>
+          <p:nvGrpSpPr>
+            <p:cNvPr id="10" name="Group 9"/>
+            <p:cNvGrpSpPr/>
+            <p:nvPr/>
+          </p:nvGrpSpPr>
+          <p:grpSpPr>
+            <a:xfrm>
+              <a:off x="536611" y="3717561"/>
+              <a:ext cx="7943536" cy="2653259"/>
+              <a:chOff x="836326" y="4137285"/>
+              <a:chExt cx="6694978" cy="2236222"/>
+            </a:xfrm>
+          </p:grpSpPr>
+          <p:pic>
+            <p:nvPicPr>
+              <p:cNvPr id="6" name="Picture 5"/>
+              <p:cNvPicPr>
+                <a:picLocks noChangeAspect="1"/>
+              </p:cNvPicPr>
+              <p:nvPr/>
+            </p:nvPicPr>
+            <p:blipFill>
+              <a:blip r:embed="rId3">
+                <a:extLst>
+                  <a:ext uri="{28A0092B-C50C-407E-A947-70E740481C1C}">
+                    <a14:useLocalDpi xmlns:a14="http://schemas.microsoft.com/office/drawing/2010/main" val="0"/>
+                  </a:ext>
+                </a:extLst>
+              </a:blip>
+              <a:stretch>
+                <a:fillRect/>
+              </a:stretch>
+            </p:blipFill>
+            <p:spPr>
+              <a:xfrm>
+                <a:off x="3117952" y="4137285"/>
+                <a:ext cx="2131726" cy="2236222"/>
+              </a:xfrm>
+              <a:prstGeom prst="rect">
+                <a:avLst/>
+              </a:prstGeom>
+            </p:spPr>
+          </p:pic>
+          <p:pic>
+            <p:nvPicPr>
+              <p:cNvPr id="8" name="Picture 7"/>
+              <p:cNvPicPr>
+                <a:picLocks noChangeAspect="1"/>
+              </p:cNvPicPr>
+              <p:nvPr/>
+            </p:nvPicPr>
+            <p:blipFill>
+              <a:blip r:embed="rId4">
+                <a:extLst>
+                  <a:ext uri="{28A0092B-C50C-407E-A947-70E740481C1C}">
+                    <a14:useLocalDpi xmlns:a14="http://schemas.microsoft.com/office/drawing/2010/main" val="0"/>
+                  </a:ext>
+                </a:extLst>
+              </a:blip>
+              <a:stretch>
+                <a:fillRect/>
+              </a:stretch>
+            </p:blipFill>
+            <p:spPr>
+              <a:xfrm>
+                <a:off x="836326" y="4137285"/>
+                <a:ext cx="2131726" cy="2236222"/>
+              </a:xfrm>
+              <a:prstGeom prst="rect">
+                <a:avLst/>
+              </a:prstGeom>
+            </p:spPr>
+          </p:pic>
+          <p:pic>
+            <p:nvPicPr>
+              <p:cNvPr id="9" name="Picture 8"/>
+              <p:cNvPicPr>
+                <a:picLocks noChangeAspect="1"/>
+              </p:cNvPicPr>
+              <p:nvPr/>
+            </p:nvPicPr>
+            <p:blipFill>
+              <a:blip r:embed="rId5">
+                <a:extLst>
+                  <a:ext uri="{28A0092B-C50C-407E-A947-70E740481C1C}">
+                    <a14:useLocalDpi xmlns:a14="http://schemas.microsoft.com/office/drawing/2010/main" val="0"/>
+                  </a:ext>
+                </a:extLst>
+              </a:blip>
+              <a:stretch>
+                <a:fillRect/>
+              </a:stretch>
+            </p:blipFill>
+            <p:spPr>
+              <a:xfrm>
+                <a:off x="5399578" y="4137285"/>
+                <a:ext cx="2131726" cy="2236222"/>
+              </a:xfrm>
+              <a:prstGeom prst="rect">
+                <a:avLst/>
+              </a:prstGeom>
+            </p:spPr>
+          </p:pic>
+        </p:grpSp>
+        <p:sp>
+          <p:nvSpPr>
+            <p:cNvPr id="7" name="TextBox 6"/>
+            <p:cNvSpPr txBox="1"/>
+            <p:nvPr/>
+          </p:nvSpPr>
+          <p:spPr>
+            <a:xfrm>
+              <a:off x="6094405" y="6291359"/>
+              <a:ext cx="2385742" cy="307777"/>
+            </a:xfrm>
+            <a:prstGeom prst="rect">
+              <a:avLst/>
+            </a:prstGeom>
+            <a:noFill/>
+          </p:spPr>
+          <p:txBody>
+            <a:bodyPr wrap="square" rtlCol="0">
+              <a:spAutoFit/>
+            </a:bodyPr>
+            <a:lstStyle/>
+            <a:p>
+              <a:r>
+                <a:rPr lang="en-US" sz="1400" dirty="0" smtClean="0"/>
+                <a:t>*</a:t>
+              </a:r>
+              <a:r>
+                <a:rPr lang="en-US" sz="1400" smtClean="0"/>
+                <a:t>representative participants.</a:t>
+              </a:r>
+              <a:endParaRPr lang="en-US" sz="1400"/>
+            </a:p>
+          </p:txBody>
+        </p:sp>
+      </p:grpSp>
+    </p:spTree>
+    <p:extLst>
+      <p:ext uri="{BB962C8B-B14F-4D97-AF65-F5344CB8AC3E}">
+        <p14:creationId xmlns:p14="http://schemas.microsoft.com/office/powerpoint/2010/main" val="422180620"/>
+      </p:ext>
+    </p:extLst>
+  </p:cSld>
+  <p:clrMapOvr>
+    <a:masterClrMapping/>
+  </p:clrMapOvr>
+  <p:timing>
+    <p:tnLst>
+      <p:par>
+        <p:cTn id="1" dur="indefinite" restart="never" nodeType="tmRoot"/>
+      </p:par>
+    </p:tnLst>
+  </p:timing>
+</p:sld>
+</file>
+
+<file path=ppt/slides/slide26.xml><?xml version="1.0" encoding="utf-8"?>
+<p:sld xmlns:a="http://schemas.openxmlformats.org/drawingml/2006/main" xmlns:r="http://schemas.openxmlformats.org/officeDocument/2006/relationships" xmlns:p="http://schemas.openxmlformats.org/presentationml/2006/main">
+  <p:cSld>
+    <p:spTree>
+      <p:nvGrpSpPr>
+        <p:cNvPr id="1" name=""/>
+        <p:cNvGrpSpPr/>
+        <p:nvPr/>
+      </p:nvGrpSpPr>
+      <p:grpSpPr>
+        <a:xfrm>
+          <a:off x="0" y="0"/>
+          <a:ext cx="0" cy="0"/>
+          <a:chOff x="0" y="0"/>
+          <a:chExt cx="0" cy="0"/>
+        </a:xfrm>
+      </p:grpSpPr>
+    </p:spTree>
+    <p:extLst>
+      <p:ext uri="{BB962C8B-B14F-4D97-AF65-F5344CB8AC3E}">
+        <p14:creationId xmlns:p14="http://schemas.microsoft.com/office/powerpoint/2010/main" val="1866070402"/>
+      </p:ext>
+    </p:extLst>
+  </p:cSld>
+  <p:clrMapOvr>
+    <a:masterClrMapping/>
+  </p:clrMapOvr>
+  <p:timing>
+    <p:tnLst>
+      <p:par>
+        <p:cTn id="1" dur="indefinite" restart="never" nodeType="tmRoot"/>
+      </p:par>
+    </p:tnLst>
+  </p:timing>
+</p:sld>
+</file>
+
+<file path=ppt/slides/slide27.xml><?xml version="1.0" encoding="utf-8"?>
+<p:sld xmlns:a="http://schemas.openxmlformats.org/drawingml/2006/main" xmlns:r="http://schemas.openxmlformats.org/officeDocument/2006/relationships" xmlns:p="http://schemas.openxmlformats.org/presentationml/2006/main">
+  <p:cSld>
+    <p:spTree>
+      <p:nvGrpSpPr>
+        <p:cNvPr id="1" name=""/>
+        <p:cNvGrpSpPr/>
+        <p:nvPr/>
+      </p:nvGrpSpPr>
+      <p:grpSpPr>
+        <a:xfrm>
+          <a:off x="0" y="0"/>
+          <a:ext cx="0" cy="0"/>
+          <a:chOff x="0" y="0"/>
+          <a:chExt cx="0" cy="0"/>
+        </a:xfrm>
+      </p:grpSpPr>
+    </p:spTree>
+    <p:extLst>
+      <p:ext uri="{BB962C8B-B14F-4D97-AF65-F5344CB8AC3E}">
+        <p14:creationId xmlns:p14="http://schemas.microsoft.com/office/powerpoint/2010/main" val="426294967"/>
+      </p:ext>
+    </p:extLst>
+  </p:cSld>
+  <p:clrMapOvr>
+    <a:masterClrMapping/>
+  </p:clrMapOvr>
+  <p:timing>
+    <p:tnLst>
+      <p:par>
+        <p:cTn id="1" dur="indefinite" restart="never" nodeType="tmRoot"/>
+      </p:par>
+    </p:tnLst>
+  </p:timing>
+</p:sld>
+</file>
+
+<file path=ppt/slides/slide28.xml><?xml version="1.0" encoding="utf-8"?>
+<p:sld xmlns:a="http://schemas.openxmlformats.org/drawingml/2006/main" xmlns:r="http://schemas.openxmlformats.org/officeDocument/2006/relationships" xmlns:p="http://schemas.openxmlformats.org/presentationml/2006/main">
+  <p:cSld>
+    <p:spTree>
+      <p:nvGrpSpPr>
+        <p:cNvPr id="1" name=""/>
+        <p:cNvGrpSpPr/>
+        <p:nvPr/>
+      </p:nvGrpSpPr>
+      <p:grpSpPr>
+        <a:xfrm>
+          <a:off x="0" y="0"/>
+          <a:ext cx="0" cy="0"/>
+          <a:chOff x="0" y="0"/>
+          <a:chExt cx="0" cy="0"/>
+        </a:xfrm>
+      </p:grpSpPr>
+      <p:sp>
+        <p:nvSpPr>
+          <p:cNvPr id="72" name="TextBox 71"/>
+          <p:cNvSpPr txBox="1"/>
+          <p:nvPr/>
+        </p:nvSpPr>
+        <p:spPr>
+          <a:xfrm>
+            <a:off x="143689" y="2997200"/>
+            <a:ext cx="8907422" cy="769441"/>
+          </a:xfrm>
+          <a:prstGeom prst="rect">
+            <a:avLst/>
+          </a:prstGeom>
+          <a:noFill/>
+        </p:spPr>
+        <p:txBody>
+          <a:bodyPr wrap="square" rtlCol="0">
+            <a:spAutoFit/>
+          </a:bodyPr>
+          <a:lstStyle/>
+          <a:p>
+            <a:pPr algn="ctr"/>
+            <a:r>
+              <a:rPr lang="en-US" sz="4400" smtClean="0"/>
+              <a:t>Extras</a:t>
+            </a:r>
+            <a:endParaRPr lang="en-US" sz="4400" dirty="0"/>
+          </a:p>
+        </p:txBody>
+      </p:sp>
+    </p:spTree>
+    <p:extLst>
+      <p:ext uri="{BB962C8B-B14F-4D97-AF65-F5344CB8AC3E}">
+        <p14:creationId xmlns:p14="http://schemas.microsoft.com/office/powerpoint/2010/main" val="350481805"/>
+      </p:ext>
+    </p:extLst>
+  </p:cSld>
+  <p:clrMapOvr>
+    <a:masterClrMapping/>
+  </p:clrMapOvr>
+  <p:timing>
+    <p:tnLst>
+      <p:par>
+        <p:cTn id="1" dur="indefinite" restart="never" nodeType="tmRoot"/>
+      </p:par>
+    </p:tnLst>
+  </p:timing>
+</p:sld>
+</file>
+
+<file path=ppt/slides/slide29.xml><?xml version="1.0" encoding="utf-8"?>
+<p:sld xmlns:a="http://schemas.openxmlformats.org/drawingml/2006/main" xmlns:r="http://schemas.openxmlformats.org/officeDocument/2006/relationships" xmlns:p="http://schemas.openxmlformats.org/presentationml/2006/main">
+  <p:cSld>
+    <p:spTree>
+      <p:nvGrpSpPr>
+        <p:cNvPr id="1" name=""/>
+        <p:cNvGrpSpPr/>
+        <p:nvPr/>
+      </p:nvGrpSpPr>
+      <p:grpSpPr>
+        <a:xfrm>
+          <a:off x="0" y="0"/>
+          <a:ext cx="0" cy="0"/>
+          <a:chOff x="0" y="0"/>
+          <a:chExt cx="0" cy="0"/>
+        </a:xfrm>
+      </p:grpSpPr>
+      <p:sp>
+        <p:nvSpPr>
+          <p:cNvPr id="72" name="TextBox 71"/>
+          <p:cNvSpPr txBox="1"/>
+          <p:nvPr/>
+        </p:nvSpPr>
+        <p:spPr>
+          <a:xfrm>
+            <a:off x="118289" y="0"/>
+            <a:ext cx="8907422" cy="769441"/>
+          </a:xfrm>
+          <a:prstGeom prst="rect">
+            <a:avLst/>
+          </a:prstGeom>
+          <a:noFill/>
+        </p:spPr>
+        <p:txBody>
+          <a:bodyPr wrap="square" rtlCol="0">
+            <a:spAutoFit/>
+          </a:bodyPr>
+          <a:lstStyle/>
+          <a:p>
+            <a:r>
+              <a:rPr lang="en-US" sz="4400" dirty="0" smtClean="0"/>
+              <a:t>Full generation instructions</a:t>
+            </a:r>
+            <a:endParaRPr lang="en-US" sz="4400" dirty="0"/>
+          </a:p>
+        </p:txBody>
+      </p:sp>
+      <p:sp>
+        <p:nvSpPr>
+          <p:cNvPr id="2" name="Rectangle 1"/>
+          <p:cNvSpPr/>
+          <p:nvPr/>
+        </p:nvSpPr>
+        <p:spPr>
+          <a:xfrm>
+            <a:off x="0" y="1104548"/>
+            <a:ext cx="9144000" cy="4462760"/>
+          </a:xfrm>
+          <a:prstGeom prst="rect">
+            <a:avLst/>
+          </a:prstGeom>
+        </p:spPr>
+        <p:txBody>
+          <a:bodyPr wrap="square">
+            <a:spAutoFit/>
+          </a:bodyPr>
+          <a:lstStyle/>
+          <a:p>
+            <a:pPr>
+              <a:spcAft>
+                <a:spcPts val="1200"/>
+              </a:spcAft>
+            </a:pPr>
+            <a:r>
+              <a:rPr lang="en-US" sz="2400" dirty="0" smtClean="0"/>
+              <a:t>As </a:t>
+            </a:r>
+            <a:r>
+              <a:rPr lang="en-US" sz="2400" dirty="0"/>
+              <a:t>it turns out, there is another category of geometric figures called "Beta" that is different from the Alpha category you just learned about.  Instead of showing you examples of the Beta category, we would like to know what you think is likely to be in the Beta category. </a:t>
+            </a:r>
+            <a:endParaRPr lang="en-US" sz="2400" dirty="0" smtClean="0"/>
+          </a:p>
+          <a:p>
+            <a:pPr>
+              <a:spcAft>
+                <a:spcPts val="1200"/>
+              </a:spcAft>
+            </a:pPr>
+            <a:r>
+              <a:rPr lang="en-US" sz="2400" dirty="0" smtClean="0"/>
+              <a:t>You </a:t>
+            </a:r>
+            <a:r>
+              <a:rPr lang="en-US" sz="2400" dirty="0"/>
+              <a:t>will now be given the chance to create examples of any size or color in order to show what you expect about the Beta category.  You will be asked to produce 4 Beta examples - they can be quite similar or quite different depending on what you think makes the most sense for the category.  Each example needs to be unique, but the computer will let you know if you accidentally create a </a:t>
+            </a:r>
+            <a:r>
+              <a:rPr lang="en-US" sz="2400" dirty="0" smtClean="0"/>
+              <a:t>repeat.</a:t>
+            </a:r>
+            <a:endParaRPr lang="en-US" sz="2400" dirty="0"/>
+          </a:p>
+          <a:p>
+            <a:pPr>
+              <a:spcAft>
+                <a:spcPts val="1200"/>
+              </a:spcAft>
+            </a:pPr>
+            <a:r>
+              <a:rPr lang="en-US" sz="2400" dirty="0" smtClean="0"/>
+              <a:t>Press </a:t>
+            </a:r>
+            <a:r>
+              <a:rPr lang="en-US" sz="2400" dirty="0"/>
+              <a:t>the spacebar when you are ready to continue</a:t>
+            </a:r>
+            <a:r>
+              <a:rPr lang="en-US" sz="2400" dirty="0" smtClean="0"/>
+              <a:t>.</a:t>
+            </a:r>
+            <a:endParaRPr lang="en-US" sz="2400" dirty="0"/>
+          </a:p>
+        </p:txBody>
+      </p:sp>
+    </p:spTree>
+    <p:extLst>
+      <p:ext uri="{BB962C8B-B14F-4D97-AF65-F5344CB8AC3E}">
+        <p14:creationId xmlns:p14="http://schemas.microsoft.com/office/powerpoint/2010/main" val="889325598"/>
+      </p:ext>
+    </p:extLst>
+  </p:cSld>
+  <p:clrMapOvr>
+    <a:masterClrMapping/>
+  </p:clrMapOvr>
+  <p:timing>
+    <p:tnLst>
+      <p:par>
+        <p:cTn id="1" dur="indefinite" restart="never" nodeType="tmRoot"/>
+      </p:par>
+    </p:tnLst>
+  </p:timing>
 </p:sld>
 </file>
 
@@ -9176,7 +16871,7 @@
         <p:spPr>
           <a:xfrm>
             <a:off x="486562" y="1342239"/>
-            <a:ext cx="6570325" cy="2369880"/>
+            <a:ext cx="6652590" cy="3200876"/>
           </a:xfrm>
           <a:prstGeom prst="rect">
             <a:avLst/>
@@ -9191,7 +16886,7 @@
           <a:p>
             <a:r>
               <a:rPr lang="en-US" b="1" dirty="0" smtClean="0"/>
-              <a:t>Known phenomena</a:t>
+              <a:t>Experimental Approaches</a:t>
             </a:r>
           </a:p>
           <a:p>
@@ -9201,7 +16896,38 @@
             </a:pPr>
             <a:r>
               <a:rPr lang="en-US" sz="1600" dirty="0" smtClean="0"/>
-              <a:t>Generation is influenced by prior knowledge.</a:t>
+              <a:t>Naturalistic “draw an alien” experiments (e.g., Ward, 1994)</a:t>
+            </a:r>
+          </a:p>
+          <a:p>
+            <a:pPr marL="285750" indent="-169863" algn="just">
+              <a:buFontTx/>
+              <a:buChar char="-"/>
+            </a:pPr>
+            <a:r>
+              <a:rPr lang="en-US" sz="1600" dirty="0" smtClean="0"/>
+              <a:t>Artificial category learning studies (</a:t>
+            </a:r>
+            <a:r>
+              <a:rPr lang="en-US" sz="1600" dirty="0" err="1" smtClean="0"/>
+              <a:t>Jern</a:t>
+            </a:r>
+            <a:r>
+              <a:rPr lang="en-US" sz="1600" dirty="0" smtClean="0"/>
+              <a:t> &amp; Kemp, 2013)</a:t>
+            </a:r>
+            <a:endParaRPr lang="en-US" sz="1600" b="1" dirty="0" smtClean="0"/>
+          </a:p>
+          <a:p>
+            <a:endParaRPr lang="en-US" b="1" dirty="0"/>
+          </a:p>
+          <a:p>
+            <a:endParaRPr lang="en-US" b="1" dirty="0" smtClean="0"/>
+          </a:p>
+          <a:p>
+            <a:r>
+              <a:rPr lang="en-US" b="1" dirty="0" smtClean="0"/>
+              <a:t>What do we know?</a:t>
             </a:r>
           </a:p>
           <a:p>
@@ -9211,7 +16937,27 @@
             </a:pPr>
             <a:r>
               <a:rPr lang="en-US" sz="1600" dirty="0" smtClean="0"/>
-              <a:t>Distributional structure of known categories is obeyed in generated ones.</a:t>
+              <a:t>Generation is influenced by prior knowledge.</a:t>
+            </a:r>
+          </a:p>
+          <a:p>
+            <a:pPr marL="285750" indent="-169863">
+              <a:buFontTx/>
+              <a:buChar char="-"/>
+            </a:pPr>
+            <a:r>
+              <a:rPr lang="en-US" sz="1600" dirty="0" smtClean="0"/>
+              <a:t>Distributional structure of generated categories reflects known categories.</a:t>
+            </a:r>
+          </a:p>
+          <a:p>
+            <a:pPr marL="285750" indent="-169863">
+              <a:buFontTx/>
+              <a:buChar char="-"/>
+            </a:pPr>
+            <a:r>
+              <a:rPr lang="en-US" sz="1600" dirty="0" smtClean="0"/>
+              <a:t>Hierarchal sampling model explains prior knowledge effects.</a:t>
             </a:r>
             <a:endParaRPr lang="en-US" sz="1600" dirty="0"/>
           </a:p>
@@ -9230,115 +16976,11 @@
             <a:endParaRPr lang="en-US" sz="1600" dirty="0"/>
           </a:p>
           <a:p>
-            <a:r>
-              <a:rPr lang="en-US" sz="1600" b="1" dirty="0" smtClean="0"/>
-              <a:t>Existing models</a:t>
-            </a:r>
-            <a:endParaRPr lang="en-US" sz="1600" b="1" dirty="0"/>
-          </a:p>
-          <a:p>
-            <a:pPr marL="285750" indent="-169863">
-              <a:buFontTx/>
-              <a:buChar char="-"/>
-            </a:pPr>
-            <a:r>
-              <a:rPr lang="en-US" sz="1600" dirty="0" err="1" smtClean="0"/>
-              <a:t>Copy+Tweak</a:t>
-            </a:r>
-            <a:r>
-              <a:rPr lang="en-US" sz="1600" dirty="0" smtClean="0"/>
-              <a:t> (formalized by </a:t>
-            </a:r>
-            <a:r>
-              <a:rPr lang="en-US" sz="1600" dirty="0" err="1" smtClean="0"/>
-              <a:t>Jern</a:t>
-            </a:r>
-            <a:r>
-              <a:rPr lang="en-US" sz="1600" dirty="0" smtClean="0"/>
-              <a:t> &amp; Kemp).</a:t>
-            </a:r>
-            <a:endParaRPr lang="en-US" sz="1600" dirty="0"/>
-          </a:p>
-          <a:p>
-            <a:pPr marL="285750" indent="-169863">
-              <a:buFontTx/>
-              <a:buChar char="-"/>
-            </a:pPr>
-            <a:r>
-              <a:rPr lang="en-US" sz="1600" dirty="0" smtClean="0"/>
-              <a:t>Hierarchical sampling</a:t>
-            </a:r>
-            <a:endParaRPr lang="en-US" sz="1600" dirty="0"/>
-          </a:p>
-          <a:p>
-            <a:pPr marL="285750" indent="-169863">
-              <a:buFontTx/>
-              <a:buChar char="-"/>
-            </a:pPr>
-            <a:endParaRPr lang="en-US" sz="1600" dirty="0" smtClean="0"/>
-          </a:p>
-        </p:txBody>
-      </p:sp>
-      <p:sp>
-        <p:nvSpPr>
-          <p:cNvPr id="21" name="TextBox 20"/>
-          <p:cNvSpPr txBox="1"/>
-          <p:nvPr/>
-        </p:nvSpPr>
-        <p:spPr>
-          <a:xfrm>
-            <a:off x="973123" y="5008228"/>
-            <a:ext cx="6177781" cy="1200329"/>
-          </a:xfrm>
-          <a:prstGeom prst="rect">
-            <a:avLst/>
-          </a:prstGeom>
-          <a:noFill/>
-        </p:spPr>
-        <p:txBody>
-          <a:bodyPr wrap="none" rtlCol="0">
-            <a:spAutoFit/>
-          </a:bodyPr>
-          <a:lstStyle/>
-          <a:p>
+            <a:pPr marL="7938"/>
             <a:r>
               <a:rPr lang="en-US" dirty="0" smtClean="0"/>
-              <a:t>Both those models were designed to explain the above </a:t>
-            </a:r>
-            <a:r>
-              <a:rPr lang="en-US" dirty="0" err="1" smtClean="0"/>
-              <a:t>phenom</a:t>
-            </a:r>
-            <a:endParaRPr lang="en-US" dirty="0" smtClean="0"/>
-          </a:p>
-          <a:p>
-            <a:r>
-              <a:rPr lang="en-US" dirty="0" smtClean="0"/>
-              <a:t>But that</a:t>
-            </a:r>
-            <a:r>
-              <a:rPr lang="mr-IN" dirty="0" smtClean="0"/>
-              <a:t>’</a:t>
-            </a:r>
-            <a:r>
-              <a:rPr lang="en-US" dirty="0" smtClean="0"/>
-              <a:t>s actually not much </a:t>
-            </a:r>
-            <a:r>
-              <a:rPr lang="en-US" dirty="0" err="1" smtClean="0"/>
-              <a:t>phenom</a:t>
-            </a:r>
-            <a:endParaRPr lang="en-US" dirty="0" smtClean="0"/>
-          </a:p>
-          <a:p>
-            <a:endParaRPr lang="en-US" dirty="0"/>
-          </a:p>
-          <a:p>
-            <a:r>
-              <a:rPr lang="en-US" dirty="0" smtClean="0"/>
-              <a:t>What else is there?</a:t>
-            </a:r>
-            <a:endParaRPr lang="en-US" dirty="0"/>
+              <a:t>That’s where we are!</a:t>
+            </a:r>
           </a:p>
         </p:txBody>
       </p:sp>

--- a/Presentations/ccn-bbag-march-2-2017.pptx
+++ b/Presentations/ccn-bbag-march-2-2017.pptx
@@ -5,7 +5,7 @@
     <p:sldMasterId id="2147483660" r:id="rId1"/>
   </p:sldMasterIdLst>
   <p:notesMasterIdLst>
-    <p:notesMasterId r:id="rId47"/>
+    <p:notesMasterId r:id="rId48"/>
   </p:notesMasterIdLst>
   <p:sldIdLst>
     <p:sldId id="288" r:id="rId2"/>
@@ -36,23 +36,24 @@
     <p:sldId id="286" r:id="rId27"/>
     <p:sldId id="300" r:id="rId28"/>
     <p:sldId id="302" r:id="rId29"/>
-    <p:sldId id="307" r:id="rId30"/>
-    <p:sldId id="287" r:id="rId31"/>
-    <p:sldId id="310" r:id="rId32"/>
-    <p:sldId id="311" r:id="rId33"/>
-    <p:sldId id="312" r:id="rId34"/>
-    <p:sldId id="313" r:id="rId35"/>
+    <p:sldId id="316" r:id="rId30"/>
+    <p:sldId id="317" r:id="rId31"/>
+    <p:sldId id="318" r:id="rId32"/>
+    <p:sldId id="319" r:id="rId33"/>
+    <p:sldId id="314" r:id="rId34"/>
+    <p:sldId id="315" r:id="rId35"/>
     <p:sldId id="303" r:id="rId36"/>
     <p:sldId id="304" r:id="rId37"/>
-    <p:sldId id="305" r:id="rId38"/>
-    <p:sldId id="306" r:id="rId39"/>
-    <p:sldId id="308" r:id="rId40"/>
-    <p:sldId id="309" r:id="rId41"/>
-    <p:sldId id="274" r:id="rId42"/>
-    <p:sldId id="275" r:id="rId43"/>
-    <p:sldId id="270" r:id="rId44"/>
-    <p:sldId id="271" r:id="rId45"/>
-    <p:sldId id="299" r:id="rId46"/>
+    <p:sldId id="320" r:id="rId38"/>
+    <p:sldId id="305" r:id="rId39"/>
+    <p:sldId id="306" r:id="rId40"/>
+    <p:sldId id="308" r:id="rId41"/>
+    <p:sldId id="309" r:id="rId42"/>
+    <p:sldId id="274" r:id="rId43"/>
+    <p:sldId id="275" r:id="rId44"/>
+    <p:sldId id="270" r:id="rId45"/>
+    <p:sldId id="271" r:id="rId46"/>
+    <p:sldId id="299" r:id="rId47"/>
   </p:sldIdLst>
   <p:sldSz cx="9144000" cy="6858000" type="screen4x3"/>
   <p:notesSz cx="6858000" cy="9144000"/>
@@ -241,7 +242,7 @@
           <a:p>
             <a:fld id="{4F9E3613-DEF7-9F4D-BB72-F0B456B81BA8}" type="datetimeFigureOut">
               <a:rPr lang="en-US" smtClean="0"/>
-              <a:t>2/22/17</a:t>
+              <a:t>2/23/17</a:t>
             </a:fld>
             <a:endParaRPr lang="en-US"/>
           </a:p>
@@ -3063,11 +3064,11 @@
             </a:pPr>
             <a:r>
               <a:rPr lang="en-US" dirty="0" smtClean="0"/>
-              <a:t>So here are just some more samples from the data we collected. And</a:t>
+              <a:t>So since our manipulation was</a:t>
             </a:r>
             <a:r>
               <a:rPr lang="en-US" baseline="0" dirty="0" smtClean="0"/>
-              <a:t> in this case, we actually observed several common types of Beta categories in each condition. I’ve pulled out a good example of each category type for the slide just to show you what each one is like. There was what we’re calling a “four corners” category, with one beta example in each of the corners. Probably the most common types were row and column categories, where the betas are widely distributed along one dimension but not the other, creating rows or columns. But we also saw a lot of tightly clustered categories.</a:t>
+              <a:t> in the Y axis position of the Alpha category, we started by analyzing how frequently participants generated Beta examples above and below the alphas. So for each participant, we counted whether they used the top of the space and the bottom of the space. And I have these regions highlighted on the slide. </a:t>
             </a:r>
           </a:p>
           <a:p>
@@ -3108,6 +3109,34 @@
               <a:tabLst/>
               <a:defRPr/>
             </a:pPr>
+            <a:r>
+              <a:rPr lang="en-US" dirty="0" smtClean="0"/>
+              <a:t>On the right I have the contingency tables of these data.</a:t>
+            </a:r>
+            <a:r>
+              <a:rPr lang="en-US" baseline="0" dirty="0" smtClean="0"/>
+              <a:t> So we have two, 2x2 contingency tables, which I know from personal experience can be surprisingly difficult to analyze, so let me walk you though this.</a:t>
+            </a:r>
+            <a:endParaRPr lang="en-US" dirty="0" smtClean="0"/>
+          </a:p>
+          <a:p>
+            <a:pPr marL="0" marR="0" indent="0" algn="l" defTabSz="914400" rtl="0" eaLnBrk="1" fontAlgn="auto" latinLnBrk="0" hangingPunct="1">
+              <a:lnSpc>
+                <a:spcPct val="100000"/>
+              </a:lnSpc>
+              <a:spcBef>
+                <a:spcPts val="0"/>
+              </a:spcBef>
+              <a:spcAft>
+                <a:spcPts val="0"/>
+              </a:spcAft>
+              <a:buClrTx/>
+              <a:buSzTx/>
+              <a:buFontTx/>
+              <a:buNone/>
+              <a:tabLst/>
+              <a:defRPr/>
+            </a:pPr>
             <a:endParaRPr lang="en-US" dirty="0" smtClean="0"/>
           </a:p>
         </p:txBody>
@@ -3138,7 +3167,7 @@
     </p:spTree>
     <p:extLst>
       <p:ext uri="{BB962C8B-B14F-4D97-AF65-F5344CB8AC3E}">
-        <p14:creationId xmlns:p14="http://schemas.microsoft.com/office/powerpoint/2010/main" val="965958359"/>
+        <p14:creationId xmlns:p14="http://schemas.microsoft.com/office/powerpoint/2010/main" val="973983674"/>
       </p:ext>
     </p:extLst>
   </p:cSld>
@@ -3211,79 +3240,12 @@
             </a:pPr>
             <a:r>
               <a:rPr lang="en-US" dirty="0" smtClean="0"/>
-              <a:t>So since our manipulation was</a:t>
+              <a:t>The first thing to note is that nearly every one</a:t>
             </a:r>
             <a:r>
               <a:rPr lang="en-US" baseline="0" dirty="0" smtClean="0"/>
-              <a:t> in the Y axis position of the Alpha category, we started by analyzing how frequently participants generated Beta examples above and below the alphas. So for each participant, we counted whether they used the top of the space and the bottom of the space. And I have these regions highlighted on the slide. </a:t>
-            </a:r>
-          </a:p>
-          <a:p>
-            <a:pPr marL="0" marR="0" indent="0" algn="l" defTabSz="914400" rtl="0" eaLnBrk="1" fontAlgn="auto" latinLnBrk="0" hangingPunct="1">
-              <a:lnSpc>
-                <a:spcPct val="100000"/>
-              </a:lnSpc>
-              <a:spcBef>
-                <a:spcPts val="0"/>
-              </a:spcBef>
-              <a:spcAft>
-                <a:spcPts val="0"/>
-              </a:spcAft>
-              <a:buClrTx/>
-              <a:buSzTx/>
-              <a:buFontTx/>
-              <a:buNone/>
-              <a:tabLst/>
-              <a:defRPr/>
-            </a:pPr>
-            <a:endParaRPr lang="en-US" baseline="0" dirty="0" smtClean="0"/>
-          </a:p>
-          <a:p>
-            <a:pPr marL="0" marR="0" indent="0" algn="l" defTabSz="914400" rtl="0" eaLnBrk="1" fontAlgn="auto" latinLnBrk="0" hangingPunct="1">
-              <a:lnSpc>
-                <a:spcPct val="100000"/>
-              </a:lnSpc>
-              <a:spcBef>
-                <a:spcPts val="0"/>
-              </a:spcBef>
-              <a:spcAft>
-                <a:spcPts val="0"/>
-              </a:spcAft>
-              <a:buClrTx/>
-              <a:buSzTx/>
-              <a:buFontTx/>
-              <a:buNone/>
-              <a:tabLst/>
-              <a:defRPr/>
-            </a:pPr>
-            <a:r>
-              <a:rPr lang="en-US" dirty="0" smtClean="0"/>
-              <a:t>On the right I have the contingency tables of these data.</a:t>
-            </a:r>
-            <a:r>
-              <a:rPr lang="en-US" baseline="0" dirty="0" smtClean="0"/>
-              <a:t> So we have two, 2x2 contingency tables, which I know from personal experience can be surprisingly difficult to analyze, so let me walk you though this.</a:t>
-            </a:r>
-            <a:endParaRPr lang="en-US" dirty="0" smtClean="0"/>
-          </a:p>
-          <a:p>
-            <a:pPr marL="0" marR="0" indent="0" algn="l" defTabSz="914400" rtl="0" eaLnBrk="1" fontAlgn="auto" latinLnBrk="0" hangingPunct="1">
-              <a:lnSpc>
-                <a:spcPct val="100000"/>
-              </a:lnSpc>
-              <a:spcBef>
-                <a:spcPts val="0"/>
-              </a:spcBef>
-              <a:spcAft>
-                <a:spcPts val="0"/>
-              </a:spcAft>
-              <a:buClrTx/>
-              <a:buSzTx/>
-              <a:buFontTx/>
-              <a:buNone/>
-              <a:tabLst/>
-              <a:defRPr/>
-            </a:pPr>
+              <a:t> put at least one item at the top or one item at the bottom. Only 10 people put all four betas in the interior of the space.</a:t>
+            </a:r>
             <a:endParaRPr lang="en-US" dirty="0" smtClean="0"/>
           </a:p>
         </p:txBody>
@@ -3314,7 +3276,7 @@
     </p:spTree>
     <p:extLst>
       <p:ext uri="{BB962C8B-B14F-4D97-AF65-F5344CB8AC3E}">
-        <p14:creationId xmlns:p14="http://schemas.microsoft.com/office/powerpoint/2010/main" val="1596376336"/>
+        <p14:creationId xmlns:p14="http://schemas.microsoft.com/office/powerpoint/2010/main" val="355440100"/>
       </p:ext>
     </p:extLst>
   </p:cSld>
@@ -3498,13 +3460,24 @@
             </a:pPr>
             <a:r>
               <a:rPr lang="en-US" dirty="0" smtClean="0"/>
-              <a:t>The first thing to note is that nearly every one</a:t>
+              <a:t>The second thing is that participants in the bottom condition were less likely to use the bottom of the space. This</a:t>
             </a:r>
             <a:r>
               <a:rPr lang="en-US" baseline="0" dirty="0" smtClean="0"/>
-              <a:t> put at least one item at the top or one item at the bottom. Only 10 people put all four betas in the interior of the space.</a:t>
-            </a:r>
-            <a:endParaRPr lang="en-US" dirty="0" smtClean="0"/>
+              <a:t> is just the contrast effect we’ve been seeing </a:t>
+            </a:r>
+            <a:r>
+              <a:rPr lang="mr-IN" baseline="0" dirty="0" smtClean="0"/>
+              <a:t>–</a:t>
+            </a:r>
+            <a:r>
+              <a:rPr lang="en-US" baseline="0" dirty="0" smtClean="0"/>
+              <a:t> the </a:t>
+            </a:r>
+            <a:r>
+              <a:rPr lang="en-US" dirty="0" smtClean="0"/>
+              <a:t>bottom zone is a lot closer to the Alphas in the bottom condition.</a:t>
+            </a:r>
           </a:p>
         </p:txBody>
       </p:sp>
@@ -3534,7 +3507,7 @@
     </p:spTree>
     <p:extLst>
       <p:ext uri="{BB962C8B-B14F-4D97-AF65-F5344CB8AC3E}">
-        <p14:creationId xmlns:p14="http://schemas.microsoft.com/office/powerpoint/2010/main" val="762919114"/>
+        <p14:creationId xmlns:p14="http://schemas.microsoft.com/office/powerpoint/2010/main" val="1227041712"/>
       </p:ext>
     </p:extLst>
   </p:cSld>
@@ -3607,25 +3580,32 @@
             </a:pPr>
             <a:r>
               <a:rPr lang="en-US" dirty="0" smtClean="0"/>
-              <a:t>The second thing is that participants in the bottom condition were less likely to use the bottom of the space. This</a:t>
+              <a:t>And finally, </a:t>
+            </a:r>
+            <a:r>
+              <a:rPr lang="en-US" dirty="0" smtClean="0"/>
+              <a:t>more</a:t>
             </a:r>
             <a:r>
               <a:rPr lang="en-US" baseline="0" dirty="0" smtClean="0"/>
-              <a:t> is just the contrast effect we’ve been seeing </a:t>
-            </a:r>
-            <a:r>
-              <a:rPr lang="mr-IN" baseline="0" dirty="0" smtClean="0"/>
-              <a:t>–</a:t>
+              <a:t> participants </a:t>
             </a:r>
             <a:r>
               <a:rPr lang="en-US" baseline="0" dirty="0" smtClean="0"/>
-              <a:t> the </a:t>
-            </a:r>
-            <a:r>
-              <a:rPr lang="en-US" dirty="0" smtClean="0"/>
-              <a:t>bottom zone is a lot closer to the Alphas in the bottom condition.</a:t>
-            </a:r>
-            <a:endParaRPr lang="en-US" dirty="0" smtClean="0"/>
+              <a:t>in the middle condition used the top AND the bottom. </a:t>
+            </a:r>
+            <a:r>
+              <a:rPr lang="en-US" baseline="0" dirty="0" smtClean="0"/>
+              <a:t>And what this means is that participants </a:t>
+            </a:r>
+            <a:r>
+              <a:rPr lang="en-US" baseline="0" dirty="0" smtClean="0"/>
+              <a:t>in the middle condition were more likely to create categories that span the entire Y axis. </a:t>
+            </a:r>
+            <a:r>
+              <a:rPr lang="en-US" baseline="0" dirty="0" smtClean="0"/>
+              <a:t>And this result I think is key, because it indicates that the actual distribution of generated categories has changed simply due to the shape of the space that is already filled with another category.</a:t>
+            </a:r>
           </a:p>
         </p:txBody>
       </p:sp>
@@ -3655,7 +3635,7 @@
     </p:spTree>
     <p:extLst>
       <p:ext uri="{BB962C8B-B14F-4D97-AF65-F5344CB8AC3E}">
-        <p14:creationId xmlns:p14="http://schemas.microsoft.com/office/powerpoint/2010/main" val="935472581"/>
+        <p14:creationId xmlns:p14="http://schemas.microsoft.com/office/powerpoint/2010/main" val="1623248544"/>
       </p:ext>
     </p:extLst>
   </p:cSld>
@@ -3728,12 +3708,103 @@
             </a:pPr>
             <a:r>
               <a:rPr lang="en-US" dirty="0" smtClean="0"/>
-              <a:t>The converse is not true</a:t>
+              <a:t>But if you actually visually inspect the data, you can pretty easily pick out that there four common types</a:t>
             </a:r>
             <a:r>
               <a:rPr lang="en-US" baseline="0" dirty="0" smtClean="0"/>
-              <a:t> though, so the conditions don’t differ in the number of people who placed an item at the top.</a:t>
-            </a:r>
+              <a:t> of categories. I’ve </a:t>
+            </a:r>
+            <a:r>
+              <a:rPr lang="en-US" baseline="0" dirty="0" smtClean="0"/>
+              <a:t>pulled out a good example of each category type for the slide just to show you what each one is like. </a:t>
+            </a:r>
+            <a:endParaRPr lang="en-US" baseline="0" dirty="0" smtClean="0"/>
+          </a:p>
+          <a:p>
+            <a:pPr marL="0" marR="0" indent="0" algn="l" defTabSz="914400" rtl="0" eaLnBrk="1" fontAlgn="auto" latinLnBrk="0" hangingPunct="1">
+              <a:lnSpc>
+                <a:spcPct val="100000"/>
+              </a:lnSpc>
+              <a:spcBef>
+                <a:spcPts val="0"/>
+              </a:spcBef>
+              <a:spcAft>
+                <a:spcPts val="0"/>
+              </a:spcAft>
+              <a:buClrTx/>
+              <a:buSzTx/>
+              <a:buFontTx/>
+              <a:buNone/>
+              <a:tabLst/>
+              <a:defRPr/>
+            </a:pPr>
+            <a:endParaRPr lang="en-US" baseline="0" dirty="0" smtClean="0"/>
+          </a:p>
+          <a:p>
+            <a:pPr marL="0" marR="0" indent="0" algn="l" defTabSz="914400" rtl="0" eaLnBrk="1" fontAlgn="auto" latinLnBrk="0" hangingPunct="1">
+              <a:lnSpc>
+                <a:spcPct val="100000"/>
+              </a:lnSpc>
+              <a:spcBef>
+                <a:spcPts val="0"/>
+              </a:spcBef>
+              <a:spcAft>
+                <a:spcPts val="0"/>
+              </a:spcAft>
+              <a:buClrTx/>
+              <a:buSzTx/>
+              <a:buFontTx/>
+              <a:buNone/>
+              <a:tabLst/>
+              <a:defRPr/>
+            </a:pPr>
+            <a:r>
+              <a:rPr lang="en-US" baseline="0" dirty="0" smtClean="0"/>
+              <a:t>There </a:t>
+            </a:r>
+            <a:r>
+              <a:rPr lang="en-US" baseline="0" dirty="0" smtClean="0"/>
+              <a:t>was what we’re calling a “four corners” category, with one beta example in each of the corners. Probably the most common types were row and column categories, where the betas are widely distributed along one dimension but not the other, creating rows or columns. But we also saw a lot of tightly clustered categories.</a:t>
+            </a:r>
+          </a:p>
+          <a:p>
+            <a:pPr marL="0" marR="0" indent="0" algn="l" defTabSz="914400" rtl="0" eaLnBrk="1" fontAlgn="auto" latinLnBrk="0" hangingPunct="1">
+              <a:lnSpc>
+                <a:spcPct val="100000"/>
+              </a:lnSpc>
+              <a:spcBef>
+                <a:spcPts val="0"/>
+              </a:spcBef>
+              <a:spcAft>
+                <a:spcPts val="0"/>
+              </a:spcAft>
+              <a:buClrTx/>
+              <a:buSzTx/>
+              <a:buFontTx/>
+              <a:buNone/>
+              <a:tabLst/>
+              <a:defRPr/>
+            </a:pPr>
+            <a:endParaRPr lang="en-US" baseline="0" dirty="0" smtClean="0"/>
+          </a:p>
+          <a:p>
+            <a:pPr marL="0" marR="0" indent="0" algn="l" defTabSz="914400" rtl="0" eaLnBrk="1" fontAlgn="auto" latinLnBrk="0" hangingPunct="1">
+              <a:lnSpc>
+                <a:spcPct val="100000"/>
+              </a:lnSpc>
+              <a:spcBef>
+                <a:spcPts val="0"/>
+              </a:spcBef>
+              <a:spcAft>
+                <a:spcPts val="0"/>
+              </a:spcAft>
+              <a:buClrTx/>
+              <a:buSzTx/>
+              <a:buFontTx/>
+              <a:buNone/>
+              <a:tabLst/>
+              <a:defRPr/>
+            </a:pPr>
             <a:endParaRPr lang="en-US" dirty="0" smtClean="0"/>
           </a:p>
         </p:txBody>
@@ -3764,7 +3835,7 @@
     </p:spTree>
     <p:extLst>
       <p:ext uri="{BB962C8B-B14F-4D97-AF65-F5344CB8AC3E}">
-        <p14:creationId xmlns:p14="http://schemas.microsoft.com/office/powerpoint/2010/main" val="316105074"/>
+        <p14:creationId xmlns:p14="http://schemas.microsoft.com/office/powerpoint/2010/main" val="997267729"/>
       </p:ext>
     </p:extLst>
   </p:cSld>
@@ -3837,17 +3908,88 @@
             </a:pPr>
             <a:r>
               <a:rPr lang="en-US" dirty="0" smtClean="0"/>
-              <a:t>And finally, and I think</a:t>
+              <a:t>And if you didn’t notice, those profiles sort of fill out four quadrants</a:t>
             </a:r>
             <a:r>
               <a:rPr lang="en-US" baseline="0" dirty="0" smtClean="0"/>
-              <a:t> most interestingly, more  participants in the middle condition used the top AND the bottom. So participants in the middle condition were more likely to create categories that span the entire Y axis. And this effect isn’t like crazy strong, but I think its something to note especially when you consider how weak </a:t>
-            </a:r>
-            <a:r>
-              <a:rPr lang="en-US" baseline="0" smtClean="0"/>
-              <a:t>our manipulation is.</a:t>
-            </a:r>
-            <a:endParaRPr lang="en-US" baseline="0" dirty="0" smtClean="0"/>
+              <a:t> in the relationship between the X and Y axis ranges. Right, so here I’ve plotted the X and Y axis range from each participant's category, and you can see that people are all over the place. And honestly this looks like a big mess, we’ve got a huge amount of variability in the types of categories that people generate.</a:t>
+            </a:r>
+          </a:p>
+          <a:p>
+            <a:pPr marL="0" marR="0" indent="0" algn="l" defTabSz="914400" rtl="0" eaLnBrk="1" fontAlgn="auto" latinLnBrk="0" hangingPunct="1">
+              <a:lnSpc>
+                <a:spcPct val="100000"/>
+              </a:lnSpc>
+              <a:spcBef>
+                <a:spcPts val="0"/>
+              </a:spcBef>
+              <a:spcAft>
+                <a:spcPts val="0"/>
+              </a:spcAft>
+              <a:buClrTx/>
+              <a:buSzTx/>
+              <a:buFontTx/>
+              <a:buNone/>
+              <a:tabLst/>
+              <a:defRPr/>
+            </a:pPr>
+            <a:endParaRPr lang="en-US" dirty="0" smtClean="0"/>
+          </a:p>
+          <a:p>
+            <a:pPr marL="0" marR="0" indent="0" algn="l" defTabSz="914400" rtl="0" eaLnBrk="1" fontAlgn="auto" latinLnBrk="0" hangingPunct="1">
+              <a:lnSpc>
+                <a:spcPct val="100000"/>
+              </a:lnSpc>
+              <a:spcBef>
+                <a:spcPts val="0"/>
+              </a:spcBef>
+              <a:spcAft>
+                <a:spcPts val="0"/>
+              </a:spcAft>
+              <a:buClrTx/>
+              <a:buSzTx/>
+              <a:buFontTx/>
+              <a:buNone/>
+              <a:tabLst/>
+              <a:defRPr/>
+            </a:pPr>
+            <a:r>
+              <a:rPr lang="en-US" dirty="0" smtClean="0"/>
+              <a:t>This</a:t>
+            </a:r>
+            <a:r>
+              <a:rPr lang="en-US" baseline="0" dirty="0" smtClean="0"/>
+              <a:t> sort of thing is tough to account for if your only explanatory mechanism based on knowledge of how other categories are distributed. But</a:t>
+            </a:r>
+            <a:r>
+              <a:rPr lang="en-US" dirty="0" smtClean="0"/>
+              <a:t> I think you can explain a lot about each participant’s profile if</a:t>
+            </a:r>
+            <a:r>
+              <a:rPr lang="en-US" baseline="0" dirty="0" smtClean="0"/>
+              <a:t> you consider where the exemplars in the category are actually located, relative to the members of the Alpha category.</a:t>
+            </a:r>
+            <a:endParaRPr lang="en-US" dirty="0" smtClean="0"/>
+          </a:p>
+          <a:p>
+            <a:pPr marL="0" marR="0" indent="0" algn="l" defTabSz="914400" rtl="0" eaLnBrk="1" fontAlgn="auto" latinLnBrk="0" hangingPunct="1">
+              <a:lnSpc>
+                <a:spcPct val="100000"/>
+              </a:lnSpc>
+              <a:spcBef>
+                <a:spcPts val="0"/>
+              </a:spcBef>
+              <a:spcAft>
+                <a:spcPts val="0"/>
+              </a:spcAft>
+              <a:buClrTx/>
+              <a:buSzTx/>
+              <a:buFontTx/>
+              <a:buNone/>
+              <a:tabLst/>
+              <a:defRPr/>
+            </a:pPr>
+            <a:endParaRPr lang="en-US" dirty="0" smtClean="0"/>
           </a:p>
         </p:txBody>
       </p:sp>
@@ -3877,7 +4019,7 @@
     </p:spTree>
     <p:extLst>
       <p:ext uri="{BB962C8B-B14F-4D97-AF65-F5344CB8AC3E}">
-        <p14:creationId xmlns:p14="http://schemas.microsoft.com/office/powerpoint/2010/main" val="393370398"/>
+        <p14:creationId xmlns:p14="http://schemas.microsoft.com/office/powerpoint/2010/main" val="770120138"/>
       </p:ext>
     </p:extLst>
   </p:cSld>
@@ -3948,7 +4090,57 @@
               <a:tabLst/>
               <a:defRPr/>
             </a:pPr>
-            <a:endParaRPr lang="en-US" dirty="0" smtClean="0"/>
+            <a:r>
+              <a:rPr lang="en-US" dirty="0" smtClean="0"/>
+              <a:t>So Joe</a:t>
+            </a:r>
+            <a:r>
+              <a:rPr lang="en-US" baseline="0" dirty="0" smtClean="0"/>
+              <a:t> and I are still exploring these data, but here’s one thing we did to relate category structure to category location. So the heat maps at the bottom show, for each stimulus, how the categories it was placed in tend to be distributed. So purple areas correspond to items that were often in horizontally aligned categories, or row-like categories. Orange areas correspond to items that were in vertically aligned, or column-like categories.</a:t>
+            </a:r>
+          </a:p>
+          <a:p>
+            <a:pPr marL="0" marR="0" indent="0" algn="l" defTabSz="914400" rtl="0" eaLnBrk="1" fontAlgn="auto" latinLnBrk="0" hangingPunct="1">
+              <a:lnSpc>
+                <a:spcPct val="100000"/>
+              </a:lnSpc>
+              <a:spcBef>
+                <a:spcPts val="0"/>
+              </a:spcBef>
+              <a:spcAft>
+                <a:spcPts val="0"/>
+              </a:spcAft>
+              <a:buClrTx/>
+              <a:buSzTx/>
+              <a:buFontTx/>
+              <a:buNone/>
+              <a:tabLst/>
+              <a:defRPr/>
+            </a:pPr>
+            <a:endParaRPr lang="en-US" baseline="0" dirty="0" smtClean="0"/>
+          </a:p>
+          <a:p>
+            <a:pPr marL="0" marR="0" indent="0" algn="l" defTabSz="914400" rtl="0" eaLnBrk="1" fontAlgn="auto" latinLnBrk="0" hangingPunct="1">
+              <a:lnSpc>
+                <a:spcPct val="100000"/>
+              </a:lnSpc>
+              <a:spcBef>
+                <a:spcPts val="0"/>
+              </a:spcBef>
+              <a:spcAft>
+                <a:spcPts val="0"/>
+              </a:spcAft>
+              <a:buClrTx/>
+              <a:buSzTx/>
+              <a:buFontTx/>
+              <a:buNone/>
+              <a:tabLst/>
+              <a:defRPr/>
+            </a:pPr>
+            <a:r>
+              <a:rPr lang="en-US" baseline="0" dirty="0" smtClean="0"/>
+              <a:t>And what I think is really apparent here is that people tend to put rows above or below the alphas, and they tend to put columns to the sides, which is just real clear evidence that people are organizing their generated category in order to maximize distance from the Alpha category.</a:t>
+            </a:r>
           </a:p>
         </p:txBody>
       </p:sp>
@@ -4049,6 +4241,14 @@
               <a:tabLst/>
               <a:defRPr/>
             </a:pPr>
+            <a:r>
+              <a:rPr lang="en-US" dirty="0" smtClean="0"/>
+              <a:t>Ok, so</a:t>
+            </a:r>
+            <a:r>
+              <a:rPr lang="en-US" baseline="0" dirty="0" smtClean="0"/>
+              <a:t> that’s all I have in the way of experiments to tell you all about. And as I said earlier, before Joe and I started working on this, we really didn’t know that much about category generation, so a lot of this has been about establishing some very fundamental principles. And I think these two experiments have revealed quite a bit, most notably that people in some sense seek out unoccupied areas of space to generate a category in, and that the structure of their categories is influenced by contrast from known categories.</a:t>
+            </a:r>
             <a:endParaRPr lang="en-US" dirty="0" smtClean="0"/>
           </a:p>
         </p:txBody>
@@ -4150,6 +4350,14 @@
               <a:tabLst/>
               <a:defRPr/>
             </a:pPr>
+            <a:r>
+              <a:rPr lang="en-US" dirty="0" smtClean="0"/>
+              <a:t>And as it turns out, a lot of our intuitions about category contrast some</a:t>
+            </a:r>
+            <a:r>
+              <a:rPr lang="en-US" baseline="0" dirty="0" smtClean="0"/>
+              <a:t> from really foundational work in the categorizations, where we know that people tend to learn categories more easily if the categories are more distinct from one another. So we began to look into how popular category learning models might explain these effects.</a:t>
+            </a:r>
             <a:endParaRPr lang="en-US" dirty="0" smtClean="0"/>
           </a:p>
         </p:txBody>
@@ -4180,7 +4388,7 @@
     </p:spTree>
     <p:extLst>
       <p:ext uri="{BB962C8B-B14F-4D97-AF65-F5344CB8AC3E}">
-        <p14:creationId xmlns:p14="http://schemas.microsoft.com/office/powerpoint/2010/main" val="678008041"/>
+        <p14:creationId xmlns:p14="http://schemas.microsoft.com/office/powerpoint/2010/main" val="168879713"/>
       </p:ext>
     </p:extLst>
   </p:cSld>
@@ -4251,6 +4459,26 @@
               <a:tabLst/>
               <a:defRPr/>
             </a:pPr>
+            <a:r>
+              <a:rPr lang="en-US" dirty="0" smtClean="0"/>
+              <a:t>We</a:t>
+            </a:r>
+            <a:r>
+              <a:rPr lang="en-US" baseline="0" dirty="0" smtClean="0"/>
+              <a:t> didn’t end up finding any model that could outright produce category generation behavior, but we did think of a way of modifying the traditional exemplar approach to get a lot of these effects out. And just to review what the core ideas of the exemplar account are, I have the core principles of the leading model, </a:t>
+            </a:r>
+            <a:r>
+              <a:rPr lang="en-US" baseline="0" dirty="0" err="1" smtClean="0"/>
+              <a:t>nosofsky’s</a:t>
+            </a:r>
+            <a:r>
+              <a:rPr lang="en-US" baseline="0" dirty="0" smtClean="0"/>
+              <a:t> </a:t>
+            </a:r>
+            <a:r>
+              <a:rPr lang="en-US" baseline="0" smtClean="0"/>
+              <a:t>generalized context model.</a:t>
+            </a:r>
             <a:endParaRPr lang="en-US" dirty="0" smtClean="0"/>
           </a:p>
         </p:txBody>
@@ -4281,7 +4509,7 @@
     </p:spTree>
     <p:extLst>
       <p:ext uri="{BB962C8B-B14F-4D97-AF65-F5344CB8AC3E}">
-        <p14:creationId xmlns:p14="http://schemas.microsoft.com/office/powerpoint/2010/main" val="121163543"/>
+        <p14:creationId xmlns:p14="http://schemas.microsoft.com/office/powerpoint/2010/main" val="678008041"/>
       </p:ext>
     </p:extLst>
   </p:cSld>
@@ -4382,7 +4610,7 @@
     </p:spTree>
     <p:extLst>
       <p:ext uri="{BB962C8B-B14F-4D97-AF65-F5344CB8AC3E}">
-        <p14:creationId xmlns:p14="http://schemas.microsoft.com/office/powerpoint/2010/main" val="2107245216"/>
+        <p14:creationId xmlns:p14="http://schemas.microsoft.com/office/powerpoint/2010/main" val="121163543"/>
       </p:ext>
     </p:extLst>
   </p:cSld>
@@ -4483,7 +4711,7 @@
     </p:spTree>
     <p:extLst>
       <p:ext uri="{BB962C8B-B14F-4D97-AF65-F5344CB8AC3E}">
-        <p14:creationId xmlns:p14="http://schemas.microsoft.com/office/powerpoint/2010/main" val="1692020806"/>
+        <p14:creationId xmlns:p14="http://schemas.microsoft.com/office/powerpoint/2010/main" val="2107245216"/>
       </p:ext>
     </p:extLst>
   </p:cSld>
@@ -4750,7 +4978,7 @@
     </p:spTree>
     <p:extLst>
       <p:ext uri="{BB962C8B-B14F-4D97-AF65-F5344CB8AC3E}">
-        <p14:creationId xmlns:p14="http://schemas.microsoft.com/office/powerpoint/2010/main" val="1194065626"/>
+        <p14:creationId xmlns:p14="http://schemas.microsoft.com/office/powerpoint/2010/main" val="1692020806"/>
       </p:ext>
     </p:extLst>
   </p:cSld>
@@ -4851,7 +5079,7 @@
     </p:spTree>
     <p:extLst>
       <p:ext uri="{BB962C8B-B14F-4D97-AF65-F5344CB8AC3E}">
-        <p14:creationId xmlns:p14="http://schemas.microsoft.com/office/powerpoint/2010/main" val="734063977"/>
+        <p14:creationId xmlns:p14="http://schemas.microsoft.com/office/powerpoint/2010/main" val="1194065626"/>
       </p:ext>
     </p:extLst>
   </p:cSld>
@@ -4952,7 +5180,7 @@
     </p:spTree>
     <p:extLst>
       <p:ext uri="{BB962C8B-B14F-4D97-AF65-F5344CB8AC3E}">
-        <p14:creationId xmlns:p14="http://schemas.microsoft.com/office/powerpoint/2010/main" val="52914"/>
+        <p14:creationId xmlns:p14="http://schemas.microsoft.com/office/powerpoint/2010/main" val="734063977"/>
       </p:ext>
     </p:extLst>
   </p:cSld>
@@ -5053,7 +5281,7 @@
     </p:spTree>
     <p:extLst>
       <p:ext uri="{BB962C8B-B14F-4D97-AF65-F5344CB8AC3E}">
-        <p14:creationId xmlns:p14="http://schemas.microsoft.com/office/powerpoint/2010/main" val="409142466"/>
+        <p14:creationId xmlns:p14="http://schemas.microsoft.com/office/powerpoint/2010/main" val="52914"/>
       </p:ext>
     </p:extLst>
   </p:cSld>
@@ -5146,6 +5374,107 @@
             <a:fld id="{058AAC71-9B48-0A43-90A2-3982C5B7C3CD}" type="slidenum">
               <a:rPr lang="en-US" smtClean="0"/>
               <a:t>45</a:t>
+            </a:fld>
+            <a:endParaRPr lang="en-US"/>
+          </a:p>
+        </p:txBody>
+      </p:sp>
+    </p:spTree>
+    <p:extLst>
+      <p:ext uri="{BB962C8B-B14F-4D97-AF65-F5344CB8AC3E}">
+        <p14:creationId xmlns:p14="http://schemas.microsoft.com/office/powerpoint/2010/main" val="409142466"/>
+      </p:ext>
+    </p:extLst>
+  </p:cSld>
+  <p:clrMapOvr>
+    <a:masterClrMapping/>
+  </p:clrMapOvr>
+</p:notes>
+</file>
+
+<file path=ppt/notesSlides/notesSlide45.xml><?xml version="1.0" encoding="utf-8"?>
+<p:notes xmlns:a="http://schemas.openxmlformats.org/drawingml/2006/main" xmlns:r="http://schemas.openxmlformats.org/officeDocument/2006/relationships" xmlns:p="http://schemas.openxmlformats.org/presentationml/2006/main">
+  <p:cSld>
+    <p:spTree>
+      <p:nvGrpSpPr>
+        <p:cNvPr id="1" name=""/>
+        <p:cNvGrpSpPr/>
+        <p:nvPr/>
+      </p:nvGrpSpPr>
+      <p:grpSpPr>
+        <a:xfrm>
+          <a:off x="0" y="0"/>
+          <a:ext cx="0" cy="0"/>
+          <a:chOff x="0" y="0"/>
+          <a:chExt cx="0" cy="0"/>
+        </a:xfrm>
+      </p:grpSpPr>
+      <p:sp>
+        <p:nvSpPr>
+          <p:cNvPr id="2" name="Slide Image Placeholder 1"/>
+          <p:cNvSpPr>
+            <a:spLocks noGrp="1" noRot="1" noChangeAspect="1"/>
+          </p:cNvSpPr>
+          <p:nvPr>
+            <p:ph type="sldImg"/>
+          </p:nvPr>
+        </p:nvSpPr>
+        <p:spPr/>
+      </p:sp>
+      <p:sp>
+        <p:nvSpPr>
+          <p:cNvPr id="3" name="Notes Placeholder 2"/>
+          <p:cNvSpPr>
+            <a:spLocks noGrp="1"/>
+          </p:cNvSpPr>
+          <p:nvPr>
+            <p:ph type="body" idx="1"/>
+          </p:nvPr>
+        </p:nvSpPr>
+        <p:spPr/>
+        <p:txBody>
+          <a:bodyPr/>
+          <a:lstStyle/>
+          <a:p>
+            <a:pPr marL="0" marR="0" indent="0" algn="l" defTabSz="914400" rtl="0" eaLnBrk="1" fontAlgn="auto" latinLnBrk="0" hangingPunct="1">
+              <a:lnSpc>
+                <a:spcPct val="100000"/>
+              </a:lnSpc>
+              <a:spcBef>
+                <a:spcPts val="0"/>
+              </a:spcBef>
+              <a:spcAft>
+                <a:spcPts val="0"/>
+              </a:spcAft>
+              <a:buClrTx/>
+              <a:buSzTx/>
+              <a:buFontTx/>
+              <a:buNone/>
+              <a:tabLst/>
+              <a:defRPr/>
+            </a:pPr>
+            <a:endParaRPr lang="en-US" dirty="0" smtClean="0"/>
+          </a:p>
+        </p:txBody>
+      </p:sp>
+      <p:sp>
+        <p:nvSpPr>
+          <p:cNvPr id="4" name="Slide Number Placeholder 3"/>
+          <p:cNvSpPr>
+            <a:spLocks noGrp="1"/>
+          </p:cNvSpPr>
+          <p:nvPr>
+            <p:ph type="sldNum" sz="quarter" idx="10"/>
+          </p:nvPr>
+        </p:nvSpPr>
+        <p:spPr/>
+        <p:txBody>
+          <a:bodyPr/>
+          <a:lstStyle/>
+          <a:p>
+            <a:fld id="{058AAC71-9B48-0A43-90A2-3982C5B7C3CD}" type="slidenum">
+              <a:rPr lang="en-US" smtClean="0"/>
+              <a:t>46</a:t>
             </a:fld>
             <a:endParaRPr lang="en-US"/>
           </a:p>
@@ -5839,7 +6168,7 @@
           <a:p>
             <a:fld id="{3FB76B9B-0F6A-7D4E-99AB-769CFDC92DBC}" type="datetimeFigureOut">
               <a:rPr lang="en-US" smtClean="0"/>
-              <a:t>2/22/17</a:t>
+              <a:t>2/23/17</a:t>
             </a:fld>
             <a:endParaRPr lang="en-US"/>
           </a:p>
@@ -6009,7 +6338,7 @@
           <a:p>
             <a:fld id="{3FB76B9B-0F6A-7D4E-99AB-769CFDC92DBC}" type="datetimeFigureOut">
               <a:rPr lang="en-US" smtClean="0"/>
-              <a:t>2/22/17</a:t>
+              <a:t>2/23/17</a:t>
             </a:fld>
             <a:endParaRPr lang="en-US"/>
           </a:p>
@@ -6189,7 +6518,7 @@
           <a:p>
             <a:fld id="{3FB76B9B-0F6A-7D4E-99AB-769CFDC92DBC}" type="datetimeFigureOut">
               <a:rPr lang="en-US" smtClean="0"/>
-              <a:t>2/22/17</a:t>
+              <a:t>2/23/17</a:t>
             </a:fld>
             <a:endParaRPr lang="en-US"/>
           </a:p>
@@ -6359,7 +6688,7 @@
           <a:p>
             <a:fld id="{3FB76B9B-0F6A-7D4E-99AB-769CFDC92DBC}" type="datetimeFigureOut">
               <a:rPr lang="en-US" smtClean="0"/>
-              <a:t>2/22/17</a:t>
+              <a:t>2/23/17</a:t>
             </a:fld>
             <a:endParaRPr lang="en-US"/>
           </a:p>
@@ -6603,7 +6932,7 @@
           <a:p>
             <a:fld id="{3FB76B9B-0F6A-7D4E-99AB-769CFDC92DBC}" type="datetimeFigureOut">
               <a:rPr lang="en-US" smtClean="0"/>
-              <a:t>2/22/17</a:t>
+              <a:t>2/23/17</a:t>
             </a:fld>
             <a:endParaRPr lang="en-US"/>
           </a:p>
@@ -6835,7 +7164,7 @@
           <a:p>
             <a:fld id="{3FB76B9B-0F6A-7D4E-99AB-769CFDC92DBC}" type="datetimeFigureOut">
               <a:rPr lang="en-US" smtClean="0"/>
-              <a:t>2/22/17</a:t>
+              <a:t>2/23/17</a:t>
             </a:fld>
             <a:endParaRPr lang="en-US"/>
           </a:p>
@@ -7202,7 +7531,7 @@
           <a:p>
             <a:fld id="{3FB76B9B-0F6A-7D4E-99AB-769CFDC92DBC}" type="datetimeFigureOut">
               <a:rPr lang="en-US" smtClean="0"/>
-              <a:t>2/22/17</a:t>
+              <a:t>2/23/17</a:t>
             </a:fld>
             <a:endParaRPr lang="en-US"/>
           </a:p>
@@ -7320,7 +7649,7 @@
           <a:p>
             <a:fld id="{3FB76B9B-0F6A-7D4E-99AB-769CFDC92DBC}" type="datetimeFigureOut">
               <a:rPr lang="en-US" smtClean="0"/>
-              <a:t>2/22/17</a:t>
+              <a:t>2/23/17</a:t>
             </a:fld>
             <a:endParaRPr lang="en-US"/>
           </a:p>
@@ -7415,7 +7744,7 @@
           <a:p>
             <a:fld id="{3FB76B9B-0F6A-7D4E-99AB-769CFDC92DBC}" type="datetimeFigureOut">
               <a:rPr lang="en-US" smtClean="0"/>
-              <a:t>2/22/17</a:t>
+              <a:t>2/23/17</a:t>
             </a:fld>
             <a:endParaRPr lang="en-US"/>
           </a:p>
@@ -7692,7 +8021,7 @@
           <a:p>
             <a:fld id="{3FB76B9B-0F6A-7D4E-99AB-769CFDC92DBC}" type="datetimeFigureOut">
               <a:rPr lang="en-US" smtClean="0"/>
-              <a:t>2/22/17</a:t>
+              <a:t>2/23/17</a:t>
             </a:fld>
             <a:endParaRPr lang="en-US"/>
           </a:p>
@@ -7949,7 +8278,7 @@
           <a:p>
             <a:fld id="{3FB76B9B-0F6A-7D4E-99AB-769CFDC92DBC}" type="datetimeFigureOut">
               <a:rPr lang="en-US" smtClean="0"/>
-              <a:t>2/22/17</a:t>
+              <a:t>2/23/17</a:t>
             </a:fld>
             <a:endParaRPr lang="en-US"/>
           </a:p>
@@ -8162,7 +8491,7 @@
           <a:p>
             <a:fld id="{3FB76B9B-0F6A-7D4E-99AB-769CFDC92DBC}" type="datetimeFigureOut">
               <a:rPr lang="en-US" smtClean="0"/>
-              <a:t>2/22/17</a:t>
+              <a:t>2/23/17</a:t>
             </a:fld>
             <a:endParaRPr lang="en-US"/>
           </a:p>
@@ -13359,7 +13688,11 @@
           <a:p>
             <a:r>
               <a:rPr lang="en-US" sz="2000" dirty="0" smtClean="0"/>
-              <a:t>Little variance along both features</a:t>
+              <a:t>Small amount of variance, both </a:t>
+            </a:r>
+            <a:r>
+              <a:rPr lang="en-US" sz="2000" dirty="0" smtClean="0"/>
+              <a:t>features</a:t>
             </a:r>
           </a:p>
           <a:p>
@@ -17406,37 +17739,6 @@
           </a:p>
         </p:txBody>
       </p:sp>
-      <p:sp>
-        <p:nvSpPr>
-          <p:cNvPr id="2" name="TextBox 1"/>
-          <p:cNvSpPr txBox="1"/>
-          <p:nvPr/>
-        </p:nvSpPr>
-        <p:spPr>
-          <a:xfrm>
-            <a:off x="6553201" y="6126003"/>
-            <a:ext cx="1879600" cy="276999"/>
-          </a:xfrm>
-          <a:prstGeom prst="rect">
-            <a:avLst/>
-          </a:prstGeom>
-          <a:noFill/>
-        </p:spPr>
-        <p:txBody>
-          <a:bodyPr wrap="square" rtlCol="0">
-            <a:spAutoFit/>
-          </a:bodyPr>
-          <a:lstStyle/>
-          <a:p>
-            <a:pPr algn="r"/>
-            <a:r>
-              <a:rPr lang="en-US" sz="1200" dirty="0" smtClean="0"/>
-              <a:t>* n = 61 per condition</a:t>
-            </a:r>
-            <a:endParaRPr lang="en-US" sz="1200" dirty="0"/>
-          </a:p>
-        </p:txBody>
-      </p:sp>
     </p:spTree>
     <p:extLst>
       <p:ext uri="{BB962C8B-B14F-4D97-AF65-F5344CB8AC3E}">
@@ -17474,747 +17776,6 @@
           <a:chExt cx="0" cy="0"/>
         </a:xfrm>
       </p:grpSpPr>
-      <p:sp>
-        <p:nvSpPr>
-          <p:cNvPr id="8" name="TextBox 7"/>
-          <p:cNvSpPr txBox="1"/>
-          <p:nvPr/>
-        </p:nvSpPr>
-        <p:spPr>
-          <a:xfrm>
-            <a:off x="1387890" y="1121601"/>
-            <a:ext cx="6576146" cy="461665"/>
-          </a:xfrm>
-          <a:prstGeom prst="rect">
-            <a:avLst/>
-          </a:prstGeom>
-          <a:noFill/>
-        </p:spPr>
-        <p:txBody>
-          <a:bodyPr wrap="square" rtlCol="0">
-            <a:spAutoFit/>
-          </a:bodyPr>
-          <a:lstStyle/>
-          <a:p>
-            <a:pPr algn="ctr"/>
-            <a:r>
-              <a:rPr lang="en-US" sz="2400" dirty="0" smtClean="0"/>
-              <a:t>Common profiles in both conditions.</a:t>
-            </a:r>
-          </a:p>
-        </p:txBody>
-      </p:sp>
-      <p:grpSp>
-        <p:nvGrpSpPr>
-          <p:cNvPr id="15" name="Group 14"/>
-          <p:cNvGrpSpPr/>
-          <p:nvPr/>
-        </p:nvGrpSpPr>
-        <p:grpSpPr>
-          <a:xfrm>
-            <a:off x="985205" y="2368398"/>
-            <a:ext cx="7287380" cy="3929024"/>
-            <a:chOff x="1134533" y="2814136"/>
-            <a:chExt cx="6683792" cy="3603597"/>
-          </a:xfrm>
-        </p:grpSpPr>
-        <p:grpSp>
-          <p:nvGrpSpPr>
-            <p:cNvPr id="7" name="Group 6"/>
-            <p:cNvGrpSpPr/>
-            <p:nvPr/>
-          </p:nvGrpSpPr>
-          <p:grpSpPr>
-            <a:xfrm>
-              <a:off x="1134533" y="2895599"/>
-              <a:ext cx="6683792" cy="3522134"/>
-              <a:chOff x="1134533" y="2895599"/>
-              <a:chExt cx="6683792" cy="3522134"/>
-            </a:xfrm>
-          </p:grpSpPr>
-          <p:grpSp>
-            <p:nvGrpSpPr>
-              <p:cNvPr id="5" name="Group 4"/>
-              <p:cNvGrpSpPr/>
-              <p:nvPr/>
-            </p:nvGrpSpPr>
-            <p:grpSpPr>
-              <a:xfrm>
-                <a:off x="1134533" y="2895599"/>
-                <a:ext cx="6683792" cy="3522134"/>
-                <a:chOff x="1803400" y="2506133"/>
-                <a:chExt cx="6683792" cy="3522134"/>
-              </a:xfrm>
-            </p:grpSpPr>
-            <p:pic>
-              <p:nvPicPr>
-                <p:cNvPr id="2" name="Picture 1"/>
-                <p:cNvPicPr>
-                  <a:picLocks noChangeAspect="1"/>
-                </p:cNvPicPr>
-                <p:nvPr/>
-              </p:nvPicPr>
-              <p:blipFill>
-                <a:blip r:embed="rId3">
-                  <a:extLst>
-                    <a:ext uri="{28A0092B-C50C-407E-A947-70E740481C1C}">
-                      <a14:useLocalDpi xmlns:a14="http://schemas.microsoft.com/office/drawing/2010/main" val="0"/>
-                    </a:ext>
-                  </a:extLst>
-                </a:blip>
-                <a:stretch>
-                  <a:fillRect/>
-                </a:stretch>
-              </p:blipFill>
-              <p:spPr>
-                <a:xfrm>
-                  <a:off x="1896532" y="2506133"/>
-                  <a:ext cx="6590660" cy="3522134"/>
-                </a:xfrm>
-                <a:prstGeom prst="rect">
-                  <a:avLst/>
-                </a:prstGeom>
-              </p:spPr>
-            </p:pic>
-            <p:sp>
-              <p:nvSpPr>
-                <p:cNvPr id="3" name="TextBox 2"/>
-                <p:cNvSpPr txBox="1"/>
-                <p:nvPr/>
-              </p:nvSpPr>
-              <p:spPr>
-                <a:xfrm rot="16200000">
-                  <a:off x="1286124" y="3311278"/>
-                  <a:ext cx="1403883" cy="369332"/>
-                </a:xfrm>
-                <a:prstGeom prst="rect">
-                  <a:avLst/>
-                </a:prstGeom>
-                <a:noFill/>
-              </p:spPr>
-              <p:txBody>
-                <a:bodyPr wrap="square" rtlCol="0">
-                  <a:spAutoFit/>
-                </a:bodyPr>
-                <a:lstStyle/>
-                <a:p>
-                  <a:pPr algn="ctr"/>
-                  <a:r>
-                    <a:rPr lang="en-US" smtClean="0"/>
-                    <a:t>Middle</a:t>
-                  </a:r>
-                  <a:endParaRPr lang="en-US"/>
-                </a:p>
-              </p:txBody>
-            </p:sp>
-            <p:sp>
-              <p:nvSpPr>
-                <p:cNvPr id="4" name="TextBox 3"/>
-                <p:cNvSpPr txBox="1"/>
-                <p:nvPr/>
-              </p:nvSpPr>
-              <p:spPr>
-                <a:xfrm rot="16200000">
-                  <a:off x="1285334" y="4853000"/>
-                  <a:ext cx="1405466" cy="369332"/>
-                </a:xfrm>
-                <a:prstGeom prst="rect">
-                  <a:avLst/>
-                </a:prstGeom>
-                <a:noFill/>
-              </p:spPr>
-              <p:txBody>
-                <a:bodyPr wrap="square" rtlCol="0">
-                  <a:spAutoFit/>
-                </a:bodyPr>
-                <a:lstStyle/>
-                <a:p>
-                  <a:pPr algn="ctr"/>
-                  <a:r>
-                    <a:rPr lang="en-US" dirty="0" smtClean="0"/>
-                    <a:t>Bottom</a:t>
-                  </a:r>
-                  <a:endParaRPr lang="en-US" dirty="0"/>
-                </a:p>
-              </p:txBody>
-            </p:sp>
-          </p:grpSp>
-          <p:sp>
-            <p:nvSpPr>
-              <p:cNvPr id="6" name="TextBox 5"/>
-              <p:cNvSpPr txBox="1"/>
-              <p:nvPr/>
-            </p:nvSpPr>
-            <p:spPr>
-              <a:xfrm>
-                <a:off x="5198533" y="6129865"/>
-                <a:ext cx="2336800" cy="282285"/>
-              </a:xfrm>
-              <a:prstGeom prst="rect">
-                <a:avLst/>
-              </a:prstGeom>
-              <a:noFill/>
-            </p:spPr>
-            <p:txBody>
-              <a:bodyPr wrap="square" rtlCol="0">
-                <a:spAutoFit/>
-              </a:bodyPr>
-              <a:lstStyle/>
-              <a:p>
-                <a:pPr algn="r"/>
-                <a:r>
-                  <a:rPr lang="en-US" sz="1400" smtClean="0"/>
-                  <a:t>* representative </a:t>
-                </a:r>
-                <a:r>
-                  <a:rPr lang="en-US" sz="1400" dirty="0" smtClean="0"/>
-                  <a:t>participants</a:t>
-                </a:r>
-                <a:endParaRPr lang="en-US" sz="1400" dirty="0"/>
-              </a:p>
-            </p:txBody>
-          </p:sp>
-        </p:grpSp>
-        <p:sp>
-          <p:nvSpPr>
-            <p:cNvPr id="9" name="TextBox 8"/>
-            <p:cNvSpPr txBox="1"/>
-            <p:nvPr/>
-          </p:nvSpPr>
-          <p:spPr>
-            <a:xfrm>
-              <a:off x="1503865" y="2818094"/>
-              <a:ext cx="1417135" cy="369332"/>
-            </a:xfrm>
-            <a:prstGeom prst="rect">
-              <a:avLst/>
-            </a:prstGeom>
-            <a:noFill/>
-          </p:spPr>
-          <p:txBody>
-            <a:bodyPr wrap="square" rtlCol="0">
-              <a:spAutoFit/>
-            </a:bodyPr>
-            <a:lstStyle/>
-            <a:p>
-              <a:pPr algn="ctr"/>
-              <a:r>
-                <a:rPr lang="en-US" dirty="0" smtClean="0"/>
-                <a:t>Four Corners</a:t>
-              </a:r>
-              <a:endParaRPr lang="en-US" dirty="0"/>
-            </a:p>
-          </p:txBody>
-        </p:sp>
-        <p:sp>
-          <p:nvSpPr>
-            <p:cNvPr id="12" name="TextBox 11"/>
-            <p:cNvSpPr txBox="1"/>
-            <p:nvPr/>
-          </p:nvSpPr>
-          <p:spPr>
-            <a:xfrm>
-              <a:off x="3055748" y="2818094"/>
-              <a:ext cx="1406185" cy="369332"/>
-            </a:xfrm>
-            <a:prstGeom prst="rect">
-              <a:avLst/>
-            </a:prstGeom>
-            <a:noFill/>
-          </p:spPr>
-          <p:txBody>
-            <a:bodyPr wrap="square" rtlCol="0">
-              <a:spAutoFit/>
-            </a:bodyPr>
-            <a:lstStyle/>
-            <a:p>
-              <a:pPr algn="ctr"/>
-              <a:r>
-                <a:rPr lang="en-US" smtClean="0"/>
-                <a:t>Row</a:t>
-              </a:r>
-              <a:endParaRPr lang="en-US" dirty="0"/>
-            </a:p>
-          </p:txBody>
-        </p:sp>
-        <p:sp>
-          <p:nvSpPr>
-            <p:cNvPr id="13" name="TextBox 12"/>
-            <p:cNvSpPr txBox="1"/>
-            <p:nvPr/>
-          </p:nvSpPr>
-          <p:spPr>
-            <a:xfrm>
-              <a:off x="4596681" y="2814136"/>
-              <a:ext cx="1406185" cy="369332"/>
-            </a:xfrm>
-            <a:prstGeom prst="rect">
-              <a:avLst/>
-            </a:prstGeom>
-            <a:noFill/>
-          </p:spPr>
-          <p:txBody>
-            <a:bodyPr wrap="square" rtlCol="0">
-              <a:spAutoFit/>
-            </a:bodyPr>
-            <a:lstStyle/>
-            <a:p>
-              <a:pPr algn="ctr"/>
-              <a:r>
-                <a:rPr lang="en-US" dirty="0" smtClean="0"/>
-                <a:t>Column</a:t>
-              </a:r>
-              <a:endParaRPr lang="en-US" dirty="0"/>
-            </a:p>
-          </p:txBody>
-        </p:sp>
-        <p:sp>
-          <p:nvSpPr>
-            <p:cNvPr id="14" name="TextBox 13"/>
-            <p:cNvSpPr txBox="1"/>
-            <p:nvPr/>
-          </p:nvSpPr>
-          <p:spPr>
-            <a:xfrm>
-              <a:off x="6129147" y="2814136"/>
-              <a:ext cx="1406185" cy="369332"/>
-            </a:xfrm>
-            <a:prstGeom prst="rect">
-              <a:avLst/>
-            </a:prstGeom>
-            <a:noFill/>
-          </p:spPr>
-          <p:txBody>
-            <a:bodyPr wrap="square" rtlCol="0">
-              <a:spAutoFit/>
-            </a:bodyPr>
-            <a:lstStyle/>
-            <a:p>
-              <a:pPr algn="ctr"/>
-              <a:r>
-                <a:rPr lang="en-US" smtClean="0"/>
-                <a:t>Cluster</a:t>
-              </a:r>
-              <a:endParaRPr lang="en-US" dirty="0"/>
-            </a:p>
-          </p:txBody>
-        </p:sp>
-      </p:grpSp>
-    </p:spTree>
-    <p:extLst>
-      <p:ext uri="{BB962C8B-B14F-4D97-AF65-F5344CB8AC3E}">
-        <p14:creationId xmlns:p14="http://schemas.microsoft.com/office/powerpoint/2010/main" val="581169845"/>
-      </p:ext>
-    </p:extLst>
-  </p:cSld>
-  <p:clrMapOvr>
-    <a:masterClrMapping/>
-  </p:clrMapOvr>
-  <p:timing>
-    <p:tnLst>
-      <p:par>
-        <p:cTn id="1" dur="indefinite" restart="never" nodeType="tmRoot"/>
-      </p:par>
-    </p:tnLst>
-  </p:timing>
-</p:sld>
-</file>
-
-<file path=ppt/slides/slide3.xml><?xml version="1.0" encoding="utf-8"?>
-<p:sld xmlns:a="http://schemas.openxmlformats.org/drawingml/2006/main" xmlns:r="http://schemas.openxmlformats.org/officeDocument/2006/relationships" xmlns:p="http://schemas.openxmlformats.org/presentationml/2006/main">
-  <p:cSld>
-    <p:spTree>
-      <p:nvGrpSpPr>
-        <p:cNvPr id="1" name=""/>
-        <p:cNvGrpSpPr/>
-        <p:nvPr/>
-      </p:nvGrpSpPr>
-      <p:grpSpPr>
-        <a:xfrm>
-          <a:off x="0" y="0"/>
-          <a:ext cx="0" cy="0"/>
-          <a:chOff x="0" y="0"/>
-          <a:chExt cx="0" cy="0"/>
-        </a:xfrm>
-      </p:grpSpPr>
-      <p:sp>
-        <p:nvSpPr>
-          <p:cNvPr id="20" name="TextBox 19"/>
-          <p:cNvSpPr txBox="1"/>
-          <p:nvPr/>
-        </p:nvSpPr>
-        <p:spPr>
-          <a:xfrm>
-            <a:off x="343702" y="3296236"/>
-            <a:ext cx="7463523" cy="2985433"/>
-          </a:xfrm>
-          <a:prstGeom prst="rect">
-            <a:avLst/>
-          </a:prstGeom>
-          <a:noFill/>
-        </p:spPr>
-        <p:txBody>
-          <a:bodyPr wrap="square" rtlCol="0">
-            <a:spAutoFit/>
-          </a:bodyPr>
-          <a:lstStyle/>
-          <a:p>
-            <a:r>
-              <a:rPr lang="en-US" sz="2000" b="1" dirty="0" smtClean="0"/>
-              <a:t>Experimental Approaches</a:t>
-            </a:r>
-          </a:p>
-          <a:p>
-            <a:pPr marL="285750" indent="-169863">
-              <a:buFontTx/>
-              <a:buChar char="-"/>
-            </a:pPr>
-            <a:r>
-              <a:rPr lang="en-US" dirty="0" smtClean="0"/>
-              <a:t>“</a:t>
-            </a:r>
-            <a:r>
-              <a:rPr lang="en-US" dirty="0"/>
-              <a:t>D</a:t>
-            </a:r>
-            <a:r>
-              <a:rPr lang="en-US" dirty="0" smtClean="0"/>
-              <a:t>raw an alien” experiments (e.g., Ward, 1994)</a:t>
-            </a:r>
-          </a:p>
-          <a:p>
-            <a:pPr marL="285750" indent="-169863" algn="just">
-              <a:buFontTx/>
-              <a:buChar char="-"/>
-            </a:pPr>
-            <a:r>
-              <a:rPr lang="en-US" dirty="0" smtClean="0"/>
-              <a:t>Artificial category learning studies (</a:t>
-            </a:r>
-            <a:r>
-              <a:rPr lang="en-US" dirty="0" err="1" smtClean="0"/>
-              <a:t>Jern</a:t>
-            </a:r>
-            <a:r>
-              <a:rPr lang="en-US" dirty="0" smtClean="0"/>
-              <a:t> &amp; Kemp, 2013)</a:t>
-            </a:r>
-            <a:endParaRPr lang="en-US" sz="2000" b="1" dirty="0"/>
-          </a:p>
-          <a:p>
-            <a:endParaRPr lang="en-US" sz="2000" b="1" dirty="0" smtClean="0"/>
-          </a:p>
-          <a:p>
-            <a:r>
-              <a:rPr lang="en-US" sz="2000" b="1" dirty="0" smtClean="0"/>
-              <a:t>What do we know?</a:t>
-            </a:r>
-          </a:p>
-          <a:p>
-            <a:pPr marL="285750" indent="-169863">
-              <a:buFontTx/>
-              <a:buChar char="-"/>
-            </a:pPr>
-            <a:r>
-              <a:rPr lang="en-US" dirty="0" smtClean="0"/>
-              <a:t>Generation is influenced by prior knowledge.</a:t>
-            </a:r>
-          </a:p>
-          <a:p>
-            <a:pPr marL="285750" indent="-169863">
-              <a:buFontTx/>
-              <a:buChar char="-"/>
-            </a:pPr>
-            <a:r>
-              <a:rPr lang="en-US" dirty="0" smtClean="0"/>
-              <a:t>Distributional structure of generated categories reflects known categories.</a:t>
-            </a:r>
-          </a:p>
-          <a:p>
-            <a:pPr marL="285750" indent="-169863">
-              <a:buFontTx/>
-              <a:buChar char="-"/>
-            </a:pPr>
-            <a:endParaRPr lang="en-US" dirty="0" smtClean="0"/>
-          </a:p>
-          <a:p>
-            <a:pPr marL="285750" indent="-169863">
-              <a:buFontTx/>
-              <a:buChar char="-"/>
-            </a:pPr>
-            <a:endParaRPr lang="en-US" dirty="0"/>
-          </a:p>
-          <a:p>
-            <a:pPr marL="7938"/>
-            <a:r>
-              <a:rPr lang="en-US" sz="2000" dirty="0" smtClean="0"/>
-              <a:t>That’s where we are!</a:t>
-            </a:r>
-          </a:p>
-        </p:txBody>
-      </p:sp>
-      <p:sp>
-        <p:nvSpPr>
-          <p:cNvPr id="4" name="TextBox 3"/>
-          <p:cNvSpPr txBox="1"/>
-          <p:nvPr/>
-        </p:nvSpPr>
-        <p:spPr>
-          <a:xfrm>
-            <a:off x="255552" y="186866"/>
-            <a:ext cx="6767330" cy="461665"/>
-          </a:xfrm>
-          <a:prstGeom prst="rect">
-            <a:avLst/>
-          </a:prstGeom>
-          <a:noFill/>
-        </p:spPr>
-        <p:txBody>
-          <a:bodyPr wrap="square" rtlCol="0">
-            <a:spAutoFit/>
-          </a:bodyPr>
-          <a:lstStyle/>
-          <a:p>
-            <a:r>
-              <a:rPr lang="mr-IN" sz="2400" dirty="0" smtClean="0"/>
-              <a:t>…</a:t>
-            </a:r>
-            <a:r>
-              <a:rPr lang="en-US" sz="2400" dirty="0"/>
-              <a:t>r</a:t>
-            </a:r>
-            <a:r>
-              <a:rPr lang="en-US" sz="2400" dirty="0" smtClean="0"/>
-              <a:t>eally, this talk is about </a:t>
-            </a:r>
-            <a:r>
-              <a:rPr lang="en-US" sz="2400" b="1" dirty="0" smtClean="0"/>
-              <a:t>category generation</a:t>
-            </a:r>
-            <a:r>
-              <a:rPr lang="en-US" sz="2400" dirty="0" smtClean="0"/>
-              <a:t>.</a:t>
-            </a:r>
-            <a:endParaRPr lang="en-US" sz="2400" dirty="0"/>
-          </a:p>
-        </p:txBody>
-      </p:sp>
-      <p:grpSp>
-        <p:nvGrpSpPr>
-          <p:cNvPr id="9" name="Group 8"/>
-          <p:cNvGrpSpPr/>
-          <p:nvPr/>
-        </p:nvGrpSpPr>
-        <p:grpSpPr>
-          <a:xfrm>
-            <a:off x="5181049" y="648531"/>
-            <a:ext cx="3683665" cy="2511228"/>
-            <a:chOff x="2332954" y="395918"/>
-            <a:chExt cx="4199345" cy="2862777"/>
-          </a:xfrm>
-        </p:grpSpPr>
-        <p:sp>
-          <p:nvSpPr>
-            <p:cNvPr id="2" name="Oval 1"/>
-            <p:cNvSpPr/>
-            <p:nvPr/>
-          </p:nvSpPr>
-          <p:spPr>
-            <a:xfrm>
-              <a:off x="2332954" y="847640"/>
-              <a:ext cx="2411055" cy="2411055"/>
-            </a:xfrm>
-            <a:prstGeom prst="ellipse">
-              <a:avLst/>
-            </a:prstGeom>
-            <a:solidFill>
-              <a:schemeClr val="accent2">
-                <a:lumMod val="60000"/>
-                <a:lumOff val="40000"/>
-                <a:alpha val="48000"/>
-              </a:schemeClr>
-            </a:solidFill>
-            <a:ln w="25400">
-              <a:solidFill>
-                <a:schemeClr val="tx1"/>
-              </a:solidFill>
-            </a:ln>
-          </p:spPr>
-          <p:style>
-            <a:lnRef idx="2">
-              <a:schemeClr val="accent1">
-                <a:shade val="50000"/>
-              </a:schemeClr>
-            </a:lnRef>
-            <a:fillRef idx="1">
-              <a:schemeClr val="accent1"/>
-            </a:fillRef>
-            <a:effectRef idx="0">
-              <a:schemeClr val="accent1"/>
-            </a:effectRef>
-            <a:fontRef idx="minor">
-              <a:schemeClr val="lt1"/>
-            </a:fontRef>
-          </p:style>
-          <p:txBody>
-            <a:bodyPr rtlCol="0" anchor="ctr"/>
-            <a:lstStyle/>
-            <a:p>
-              <a:r>
-                <a:rPr lang="en-US" sz="2000" dirty="0" smtClean="0">
-                  <a:solidFill>
-                    <a:schemeClr val="tx1"/>
-                  </a:solidFill>
-                </a:rPr>
-                <a:t>Category</a:t>
-              </a:r>
-            </a:p>
-            <a:p>
-              <a:r>
-                <a:rPr lang="en-US" sz="2000" dirty="0" smtClean="0">
-                  <a:solidFill>
-                    <a:schemeClr val="tx1"/>
-                  </a:solidFill>
-                </a:rPr>
-                <a:t>Learning</a:t>
-              </a:r>
-              <a:endParaRPr lang="en-US" sz="2000" dirty="0">
-                <a:solidFill>
-                  <a:schemeClr val="tx1"/>
-                </a:solidFill>
-              </a:endParaRPr>
-            </a:p>
-          </p:txBody>
-        </p:sp>
-        <p:sp>
-          <p:nvSpPr>
-            <p:cNvPr id="6" name="Oval 5"/>
-            <p:cNvSpPr/>
-            <p:nvPr/>
-          </p:nvSpPr>
-          <p:spPr>
-            <a:xfrm>
-              <a:off x="4121244" y="847640"/>
-              <a:ext cx="2411055" cy="2411055"/>
-            </a:xfrm>
-            <a:prstGeom prst="ellipse">
-              <a:avLst/>
-            </a:prstGeom>
-            <a:solidFill>
-              <a:srgbClr val="7030A0">
-                <a:alpha val="28000"/>
-              </a:srgbClr>
-            </a:solidFill>
-            <a:ln w="25400">
-              <a:solidFill>
-                <a:schemeClr val="tx1"/>
-              </a:solidFill>
-            </a:ln>
-          </p:spPr>
-          <p:style>
-            <a:lnRef idx="2">
-              <a:schemeClr val="accent1">
-                <a:shade val="50000"/>
-              </a:schemeClr>
-            </a:lnRef>
-            <a:fillRef idx="1">
-              <a:schemeClr val="accent1"/>
-            </a:fillRef>
-            <a:effectRef idx="0">
-              <a:schemeClr val="accent1"/>
-            </a:effectRef>
-            <a:fontRef idx="minor">
-              <a:schemeClr val="lt1"/>
-            </a:fontRef>
-          </p:style>
-          <p:txBody>
-            <a:bodyPr rtlCol="0" anchor="ctr"/>
-            <a:lstStyle/>
-            <a:p>
-              <a:pPr algn="r"/>
-              <a:r>
-                <a:rPr lang="en-US" sz="2000" dirty="0" smtClean="0">
-                  <a:solidFill>
-                    <a:schemeClr val="tx1"/>
-                  </a:solidFill>
-                </a:rPr>
-                <a:t>Creativity</a:t>
-              </a:r>
-              <a:endParaRPr lang="en-US" sz="2000" dirty="0">
-                <a:solidFill>
-                  <a:schemeClr val="tx1"/>
-                </a:solidFill>
-              </a:endParaRPr>
-            </a:p>
-          </p:txBody>
-        </p:sp>
-        <p:cxnSp>
-          <p:nvCxnSpPr>
-            <p:cNvPr id="7" name="Straight Arrow Connector 6"/>
-            <p:cNvCxnSpPr/>
-            <p:nvPr/>
-          </p:nvCxnSpPr>
-          <p:spPr>
-            <a:xfrm>
-              <a:off x="3272268" y="395918"/>
-              <a:ext cx="1160359" cy="1502215"/>
-            </a:xfrm>
-            <a:prstGeom prst="straightConnector1">
-              <a:avLst/>
-            </a:prstGeom>
-            <a:ln w="25400">
-              <a:solidFill>
-                <a:schemeClr val="tx1"/>
-              </a:solidFill>
-              <a:tailEnd type="triangle" w="lg" len="lg"/>
-            </a:ln>
-          </p:spPr>
-          <p:style>
-            <a:lnRef idx="1">
-              <a:schemeClr val="accent1"/>
-            </a:lnRef>
-            <a:fillRef idx="0">
-              <a:schemeClr val="accent1"/>
-            </a:fillRef>
-            <a:effectRef idx="0">
-              <a:schemeClr val="accent1"/>
-            </a:effectRef>
-            <a:fontRef idx="minor">
-              <a:schemeClr val="tx1"/>
-            </a:fontRef>
-          </p:style>
-        </p:cxnSp>
-      </p:grpSp>
-    </p:spTree>
-    <p:extLst>
-      <p:ext uri="{BB962C8B-B14F-4D97-AF65-F5344CB8AC3E}">
-        <p14:creationId xmlns:p14="http://schemas.microsoft.com/office/powerpoint/2010/main" val="1841319520"/>
-      </p:ext>
-    </p:extLst>
-  </p:cSld>
-  <p:clrMapOvr>
-    <a:masterClrMapping/>
-  </p:clrMapOvr>
-</p:sld>
-</file>
-
-<file path=ppt/slides/slide30.xml><?xml version="1.0" encoding="utf-8"?>
-<p:sld xmlns:a="http://schemas.openxmlformats.org/drawingml/2006/main" xmlns:r="http://schemas.openxmlformats.org/officeDocument/2006/relationships" xmlns:p="http://schemas.openxmlformats.org/presentationml/2006/main">
-  <p:cSld>
-    <p:spTree>
-      <p:nvGrpSpPr>
-        <p:cNvPr id="1" name=""/>
-        <p:cNvGrpSpPr/>
-        <p:nvPr/>
-      </p:nvGrpSpPr>
-      <p:grpSpPr>
-        <a:xfrm>
-          <a:off x="0" y="0"/>
-          <a:ext cx="0" cy="0"/>
-          <a:chOff x="0" y="0"/>
-          <a:chExt cx="0" cy="0"/>
-        </a:xfrm>
-      </p:grpSpPr>
       <p:graphicFrame>
         <p:nvGraphicFramePr>
           <p:cNvPr id="10" name="Table 9"/>
@@ -18222,11 +17783,7 @@
             <a:graphicFrameLocks noGrp="1"/>
           </p:cNvGraphicFramePr>
           <p:nvPr>
-            <p:extLst>
-              <p:ext uri="{D42A27DB-BD31-4B8C-83A1-F6EECF244321}">
-                <p14:modId xmlns:p14="http://schemas.microsoft.com/office/powerpoint/2010/main" val="137642474"/>
-              </p:ext>
-            </p:extLst>
+            <p:extLst/>
           </p:nvPr>
         </p:nvGraphicFramePr>
         <p:xfrm>
@@ -18337,11 +17894,7 @@
                       <a:pPr algn="ctr"/>
                       <a:r>
                         <a:rPr lang="en-US" dirty="0" smtClean="0"/>
-                        <a:t>Top </a:t>
-                      </a:r>
-                      <a:r>
-                        <a:rPr lang="en-US" dirty="0" smtClean="0"/>
-                        <a:t>Not Used</a:t>
+                        <a:t>Top Not Used</a:t>
                       </a:r>
                       <a:endParaRPr lang="en-US" dirty="0"/>
                     </a:p>
@@ -18547,11 +18100,7 @@
                       <a:pPr algn="r"/>
                       <a:r>
                         <a:rPr lang="en-US" dirty="0" smtClean="0"/>
-                        <a:t>Bottom </a:t>
-                      </a:r>
-                      <a:r>
-                        <a:rPr lang="en-US" dirty="0" smtClean="0"/>
-                        <a:t>Not Used</a:t>
+                        <a:t>Bottom Not Used</a:t>
                       </a:r>
                       <a:endParaRPr lang="en-US" dirty="0"/>
                     </a:p>
@@ -19573,10 +19122,41 @@
           </a:p>
         </p:txBody>
       </p:sp>
+      <p:sp>
+        <p:nvSpPr>
+          <p:cNvPr id="11" name="TextBox 10"/>
+          <p:cNvSpPr txBox="1"/>
+          <p:nvPr/>
+        </p:nvSpPr>
+        <p:spPr>
+          <a:xfrm>
+            <a:off x="6648894" y="6242594"/>
+            <a:ext cx="1879600" cy="307777"/>
+          </a:xfrm>
+          <a:prstGeom prst="rect">
+            <a:avLst/>
+          </a:prstGeom>
+          <a:noFill/>
+        </p:spPr>
+        <p:txBody>
+          <a:bodyPr wrap="square" rtlCol="0">
+            <a:spAutoFit/>
+          </a:bodyPr>
+          <a:lstStyle/>
+          <a:p>
+            <a:pPr algn="r"/>
+            <a:r>
+              <a:rPr lang="en-US" sz="1400" dirty="0" smtClean="0"/>
+              <a:t>* n = 61 per condition</a:t>
+            </a:r>
+            <a:endParaRPr lang="en-US" sz="1400" dirty="0"/>
+          </a:p>
+        </p:txBody>
+      </p:sp>
     </p:spTree>
     <p:extLst>
       <p:ext uri="{BB962C8B-B14F-4D97-AF65-F5344CB8AC3E}">
-        <p14:creationId xmlns:p14="http://schemas.microsoft.com/office/powerpoint/2010/main" val="1182252340"/>
+        <p14:creationId xmlns:p14="http://schemas.microsoft.com/office/powerpoint/2010/main" val="1598500292"/>
       </p:ext>
     </p:extLst>
   </p:cSld>
@@ -19593,7 +19173,385 @@
 </p:sld>
 </file>
 
-<file path=ppt/slides/slide31.xml><?xml version="1.0" encoding="utf-8"?>
+<file path=ppt/slides/slide3.xml><?xml version="1.0" encoding="utf-8"?>
+<p:sld xmlns:a="http://schemas.openxmlformats.org/drawingml/2006/main" xmlns:r="http://schemas.openxmlformats.org/officeDocument/2006/relationships" xmlns:p="http://schemas.openxmlformats.org/presentationml/2006/main">
+  <p:cSld>
+    <p:spTree>
+      <p:nvGrpSpPr>
+        <p:cNvPr id="1" name=""/>
+        <p:cNvGrpSpPr/>
+        <p:nvPr/>
+      </p:nvGrpSpPr>
+      <p:grpSpPr>
+        <a:xfrm>
+          <a:off x="0" y="0"/>
+          <a:ext cx="0" cy="0"/>
+          <a:chOff x="0" y="0"/>
+          <a:chExt cx="0" cy="0"/>
+        </a:xfrm>
+      </p:grpSpPr>
+      <p:sp>
+        <p:nvSpPr>
+          <p:cNvPr id="20" name="TextBox 19"/>
+          <p:cNvSpPr txBox="1"/>
+          <p:nvPr/>
+        </p:nvSpPr>
+        <p:spPr>
+          <a:xfrm>
+            <a:off x="343702" y="3296236"/>
+            <a:ext cx="7463523" cy="2985433"/>
+          </a:xfrm>
+          <a:prstGeom prst="rect">
+            <a:avLst/>
+          </a:prstGeom>
+          <a:noFill/>
+        </p:spPr>
+        <p:txBody>
+          <a:bodyPr wrap="square" rtlCol="0">
+            <a:spAutoFit/>
+          </a:bodyPr>
+          <a:lstStyle/>
+          <a:p>
+            <a:r>
+              <a:rPr lang="en-US" sz="2000" b="1" dirty="0" smtClean="0"/>
+              <a:t>Experimental Approaches</a:t>
+            </a:r>
+          </a:p>
+          <a:p>
+            <a:pPr marL="285750" indent="-169863">
+              <a:buFontTx/>
+              <a:buChar char="-"/>
+            </a:pPr>
+            <a:r>
+              <a:rPr lang="en-US" dirty="0" smtClean="0"/>
+              <a:t>“</a:t>
+            </a:r>
+            <a:r>
+              <a:rPr lang="en-US" dirty="0"/>
+              <a:t>D</a:t>
+            </a:r>
+            <a:r>
+              <a:rPr lang="en-US" dirty="0" smtClean="0"/>
+              <a:t>raw an alien” experiments (e.g., Ward, 1994)</a:t>
+            </a:r>
+          </a:p>
+          <a:p>
+            <a:pPr marL="285750" indent="-169863" algn="just">
+              <a:buFontTx/>
+              <a:buChar char="-"/>
+            </a:pPr>
+            <a:r>
+              <a:rPr lang="en-US" dirty="0" smtClean="0"/>
+              <a:t>Artificial category learning studies (</a:t>
+            </a:r>
+            <a:r>
+              <a:rPr lang="en-US" dirty="0" err="1" smtClean="0"/>
+              <a:t>Jern</a:t>
+            </a:r>
+            <a:r>
+              <a:rPr lang="en-US" dirty="0" smtClean="0"/>
+              <a:t> &amp; Kemp, 2013)</a:t>
+            </a:r>
+            <a:endParaRPr lang="en-US" sz="2000" b="1" dirty="0"/>
+          </a:p>
+          <a:p>
+            <a:endParaRPr lang="en-US" sz="2000" b="1" dirty="0" smtClean="0"/>
+          </a:p>
+          <a:p>
+            <a:r>
+              <a:rPr lang="en-US" sz="2000" b="1" dirty="0" smtClean="0"/>
+              <a:t>What do we know?</a:t>
+            </a:r>
+          </a:p>
+          <a:p>
+            <a:pPr marL="285750" indent="-169863">
+              <a:buFontTx/>
+              <a:buChar char="-"/>
+            </a:pPr>
+            <a:r>
+              <a:rPr lang="en-US" dirty="0" smtClean="0"/>
+              <a:t>Generation is influenced by prior knowledge.</a:t>
+            </a:r>
+          </a:p>
+          <a:p>
+            <a:pPr marL="285750" indent="-169863">
+              <a:buFontTx/>
+              <a:buChar char="-"/>
+            </a:pPr>
+            <a:r>
+              <a:rPr lang="en-US" dirty="0" smtClean="0"/>
+              <a:t>Distributional structure of generated categories reflects known categories.</a:t>
+            </a:r>
+          </a:p>
+          <a:p>
+            <a:pPr marL="285750" indent="-169863">
+              <a:buFontTx/>
+              <a:buChar char="-"/>
+            </a:pPr>
+            <a:endParaRPr lang="en-US" dirty="0" smtClean="0"/>
+          </a:p>
+          <a:p>
+            <a:pPr marL="285750" indent="-169863">
+              <a:buFontTx/>
+              <a:buChar char="-"/>
+            </a:pPr>
+            <a:endParaRPr lang="en-US" dirty="0"/>
+          </a:p>
+          <a:p>
+            <a:pPr marL="7938"/>
+            <a:r>
+              <a:rPr lang="en-US" sz="2000" dirty="0" smtClean="0"/>
+              <a:t>That’s where we are!</a:t>
+            </a:r>
+          </a:p>
+        </p:txBody>
+      </p:sp>
+      <p:sp>
+        <p:nvSpPr>
+          <p:cNvPr id="4" name="TextBox 3"/>
+          <p:cNvSpPr txBox="1"/>
+          <p:nvPr/>
+        </p:nvSpPr>
+        <p:spPr>
+          <a:xfrm>
+            <a:off x="255552" y="186866"/>
+            <a:ext cx="6767330" cy="461665"/>
+          </a:xfrm>
+          <a:prstGeom prst="rect">
+            <a:avLst/>
+          </a:prstGeom>
+          <a:noFill/>
+        </p:spPr>
+        <p:txBody>
+          <a:bodyPr wrap="square" rtlCol="0">
+            <a:spAutoFit/>
+          </a:bodyPr>
+          <a:lstStyle/>
+          <a:p>
+            <a:r>
+              <a:rPr lang="mr-IN" sz="2400" dirty="0" smtClean="0"/>
+              <a:t>…</a:t>
+            </a:r>
+            <a:r>
+              <a:rPr lang="en-US" sz="2400" dirty="0"/>
+              <a:t>r</a:t>
+            </a:r>
+            <a:r>
+              <a:rPr lang="en-US" sz="2400" dirty="0" smtClean="0"/>
+              <a:t>eally, this talk is about </a:t>
+            </a:r>
+            <a:r>
+              <a:rPr lang="en-US" sz="2400" b="1" dirty="0" smtClean="0"/>
+              <a:t>category generation</a:t>
+            </a:r>
+            <a:r>
+              <a:rPr lang="en-US" sz="2400" dirty="0" smtClean="0"/>
+              <a:t>.</a:t>
+            </a:r>
+            <a:endParaRPr lang="en-US" sz="2400" dirty="0"/>
+          </a:p>
+        </p:txBody>
+      </p:sp>
+      <p:grpSp>
+        <p:nvGrpSpPr>
+          <p:cNvPr id="9" name="Group 8"/>
+          <p:cNvGrpSpPr/>
+          <p:nvPr/>
+        </p:nvGrpSpPr>
+        <p:grpSpPr>
+          <a:xfrm>
+            <a:off x="5181049" y="648531"/>
+            <a:ext cx="3683665" cy="2511228"/>
+            <a:chOff x="2332954" y="395918"/>
+            <a:chExt cx="4199345" cy="2862777"/>
+          </a:xfrm>
+        </p:grpSpPr>
+        <p:sp>
+          <p:nvSpPr>
+            <p:cNvPr id="2" name="Oval 1"/>
+            <p:cNvSpPr/>
+            <p:nvPr/>
+          </p:nvSpPr>
+          <p:spPr>
+            <a:xfrm>
+              <a:off x="2332954" y="847640"/>
+              <a:ext cx="2411055" cy="2411055"/>
+            </a:xfrm>
+            <a:prstGeom prst="ellipse">
+              <a:avLst/>
+            </a:prstGeom>
+            <a:solidFill>
+              <a:schemeClr val="accent2">
+                <a:lumMod val="60000"/>
+                <a:lumOff val="40000"/>
+                <a:alpha val="48000"/>
+              </a:schemeClr>
+            </a:solidFill>
+            <a:ln w="25400">
+              <a:solidFill>
+                <a:schemeClr val="tx1"/>
+              </a:solidFill>
+            </a:ln>
+          </p:spPr>
+          <p:style>
+            <a:lnRef idx="2">
+              <a:schemeClr val="accent1">
+                <a:shade val="50000"/>
+              </a:schemeClr>
+            </a:lnRef>
+            <a:fillRef idx="1">
+              <a:schemeClr val="accent1"/>
+            </a:fillRef>
+            <a:effectRef idx="0">
+              <a:schemeClr val="accent1"/>
+            </a:effectRef>
+            <a:fontRef idx="minor">
+              <a:schemeClr val="lt1"/>
+            </a:fontRef>
+          </p:style>
+          <p:txBody>
+            <a:bodyPr rtlCol="0" anchor="ctr"/>
+            <a:lstStyle/>
+            <a:p>
+              <a:r>
+                <a:rPr lang="en-US" sz="2000" dirty="0" smtClean="0">
+                  <a:solidFill>
+                    <a:schemeClr val="tx1"/>
+                  </a:solidFill>
+                </a:rPr>
+                <a:t>Category</a:t>
+              </a:r>
+            </a:p>
+            <a:p>
+              <a:r>
+                <a:rPr lang="en-US" sz="2000" dirty="0" smtClean="0">
+                  <a:solidFill>
+                    <a:schemeClr val="tx1"/>
+                  </a:solidFill>
+                </a:rPr>
+                <a:t>Learning</a:t>
+              </a:r>
+              <a:endParaRPr lang="en-US" sz="2000" dirty="0">
+                <a:solidFill>
+                  <a:schemeClr val="tx1"/>
+                </a:solidFill>
+              </a:endParaRPr>
+            </a:p>
+          </p:txBody>
+        </p:sp>
+        <p:sp>
+          <p:nvSpPr>
+            <p:cNvPr id="6" name="Oval 5"/>
+            <p:cNvSpPr/>
+            <p:nvPr/>
+          </p:nvSpPr>
+          <p:spPr>
+            <a:xfrm>
+              <a:off x="4121244" y="847640"/>
+              <a:ext cx="2411055" cy="2411055"/>
+            </a:xfrm>
+            <a:prstGeom prst="ellipse">
+              <a:avLst/>
+            </a:prstGeom>
+            <a:solidFill>
+              <a:srgbClr val="7030A0">
+                <a:alpha val="28000"/>
+              </a:srgbClr>
+            </a:solidFill>
+            <a:ln w="25400">
+              <a:solidFill>
+                <a:schemeClr val="tx1"/>
+              </a:solidFill>
+            </a:ln>
+          </p:spPr>
+          <p:style>
+            <a:lnRef idx="2">
+              <a:schemeClr val="accent1">
+                <a:shade val="50000"/>
+              </a:schemeClr>
+            </a:lnRef>
+            <a:fillRef idx="1">
+              <a:schemeClr val="accent1"/>
+            </a:fillRef>
+            <a:effectRef idx="0">
+              <a:schemeClr val="accent1"/>
+            </a:effectRef>
+            <a:fontRef idx="minor">
+              <a:schemeClr val="lt1"/>
+            </a:fontRef>
+          </p:style>
+          <p:txBody>
+            <a:bodyPr rtlCol="0" anchor="ctr"/>
+            <a:lstStyle/>
+            <a:p>
+              <a:pPr algn="r"/>
+              <a:r>
+                <a:rPr lang="en-US" sz="2000" dirty="0" smtClean="0">
+                  <a:solidFill>
+                    <a:schemeClr val="tx1"/>
+                  </a:solidFill>
+                </a:rPr>
+                <a:t>Creativity</a:t>
+              </a:r>
+              <a:endParaRPr lang="en-US" sz="2000" dirty="0">
+                <a:solidFill>
+                  <a:schemeClr val="tx1"/>
+                </a:solidFill>
+              </a:endParaRPr>
+            </a:p>
+          </p:txBody>
+        </p:sp>
+        <p:cxnSp>
+          <p:nvCxnSpPr>
+            <p:cNvPr id="7" name="Straight Arrow Connector 6"/>
+            <p:cNvCxnSpPr/>
+            <p:nvPr/>
+          </p:nvCxnSpPr>
+          <p:spPr>
+            <a:xfrm>
+              <a:off x="3272268" y="395918"/>
+              <a:ext cx="1160359" cy="1502215"/>
+            </a:xfrm>
+            <a:prstGeom prst="straightConnector1">
+              <a:avLst/>
+            </a:prstGeom>
+            <a:ln w="25400">
+              <a:solidFill>
+                <a:schemeClr val="tx1"/>
+              </a:solidFill>
+              <a:tailEnd type="triangle" w="lg" len="lg"/>
+            </a:ln>
+          </p:spPr>
+          <p:style>
+            <a:lnRef idx="1">
+              <a:schemeClr val="accent1"/>
+            </a:lnRef>
+            <a:fillRef idx="0">
+              <a:schemeClr val="accent1"/>
+            </a:fillRef>
+            <a:effectRef idx="0">
+              <a:schemeClr val="accent1"/>
+            </a:effectRef>
+            <a:fontRef idx="minor">
+              <a:schemeClr val="tx1"/>
+            </a:fontRef>
+          </p:style>
+        </p:cxnSp>
+      </p:grpSp>
+    </p:spTree>
+    <p:extLst>
+      <p:ext uri="{BB962C8B-B14F-4D97-AF65-F5344CB8AC3E}">
+        <p14:creationId xmlns:p14="http://schemas.microsoft.com/office/powerpoint/2010/main" val="1841319520"/>
+      </p:ext>
+    </p:extLst>
+  </p:cSld>
+  <p:clrMapOvr>
+    <a:masterClrMapping/>
+  </p:clrMapOvr>
+</p:sld>
+</file>
+
+<file path=ppt/slides/slide30.xml><?xml version="1.0" encoding="utf-8"?>
 <p:sld xmlns:a="http://schemas.openxmlformats.org/drawingml/2006/main" xmlns:r="http://schemas.openxmlformats.org/officeDocument/2006/relationships" xmlns:p="http://schemas.openxmlformats.org/presentationml/2006/main">
   <p:cSld>
     <p:spTree>
@@ -19617,11 +19575,7 @@
             <a:graphicFrameLocks noGrp="1"/>
           </p:cNvGraphicFramePr>
           <p:nvPr>
-            <p:extLst>
-              <p:ext uri="{D42A27DB-BD31-4B8C-83A1-F6EECF244321}">
-                <p14:modId xmlns:p14="http://schemas.microsoft.com/office/powerpoint/2010/main" val="531622789"/>
-              </p:ext>
-            </p:extLst>
+            <p:extLst/>
           </p:nvPr>
         </p:nvGraphicFramePr>
         <p:xfrm>
@@ -19732,11 +19686,7 @@
                       <a:pPr algn="ctr"/>
                       <a:r>
                         <a:rPr lang="en-US" dirty="0" smtClean="0"/>
-                        <a:t>Top </a:t>
-                      </a:r>
-                      <a:r>
-                        <a:rPr lang="en-US" dirty="0" smtClean="0"/>
-                        <a:t>Not Used</a:t>
+                        <a:t>Top Not Used</a:t>
                       </a:r>
                       <a:endParaRPr lang="en-US" dirty="0"/>
                     </a:p>
@@ -19942,11 +19892,7 @@
                       <a:pPr algn="r"/>
                       <a:r>
                         <a:rPr lang="en-US" dirty="0" smtClean="0"/>
-                        <a:t>Bottom </a:t>
-                      </a:r>
-                      <a:r>
-                        <a:rPr lang="en-US" dirty="0" smtClean="0"/>
-                        <a:t>Not Used</a:t>
+                        <a:t>Bottom Not Used</a:t>
                       </a:r>
                       <a:endParaRPr lang="en-US" dirty="0"/>
                     </a:p>
@@ -21033,7 +20979,1463 @@
     </p:spTree>
     <p:extLst>
       <p:ext uri="{BB962C8B-B14F-4D97-AF65-F5344CB8AC3E}">
-        <p14:creationId xmlns:p14="http://schemas.microsoft.com/office/powerpoint/2010/main" val="527876353"/>
+        <p14:creationId xmlns:p14="http://schemas.microsoft.com/office/powerpoint/2010/main" val="1623251484"/>
+      </p:ext>
+    </p:extLst>
+  </p:cSld>
+  <p:clrMapOvr>
+    <a:masterClrMapping/>
+  </p:clrMapOvr>
+  <p:timing>
+    <p:tnLst>
+      <p:par>
+        <p:cTn id="1" dur="indefinite" restart="never" nodeType="tmRoot"/>
+      </p:par>
+    </p:tnLst>
+  </p:timing>
+</p:sld>
+</file>
+
+<file path=ppt/slides/slide31.xml><?xml version="1.0" encoding="utf-8"?>
+<p:sld xmlns:a="http://schemas.openxmlformats.org/drawingml/2006/main" xmlns:r="http://schemas.openxmlformats.org/officeDocument/2006/relationships" xmlns:p="http://schemas.openxmlformats.org/presentationml/2006/main">
+  <p:cSld>
+    <p:spTree>
+      <p:nvGrpSpPr>
+        <p:cNvPr id="1" name=""/>
+        <p:cNvGrpSpPr/>
+        <p:nvPr/>
+      </p:nvGrpSpPr>
+      <p:grpSpPr>
+        <a:xfrm>
+          <a:off x="0" y="0"/>
+          <a:ext cx="0" cy="0"/>
+          <a:chOff x="0" y="0"/>
+          <a:chExt cx="0" cy="0"/>
+        </a:xfrm>
+      </p:grpSpPr>
+      <p:grpSp>
+        <p:nvGrpSpPr>
+          <p:cNvPr id="18" name="Group 17"/>
+          <p:cNvGrpSpPr/>
+          <p:nvPr/>
+        </p:nvGrpSpPr>
+        <p:grpSpPr>
+          <a:xfrm>
+            <a:off x="249056" y="3688425"/>
+            <a:ext cx="4021192" cy="2339738"/>
+            <a:chOff x="249056" y="3688425"/>
+            <a:chExt cx="4021192" cy="2339738"/>
+          </a:xfrm>
+        </p:grpSpPr>
+        <p:pic>
+          <p:nvPicPr>
+            <p:cNvPr id="13" name="Picture 12"/>
+            <p:cNvPicPr>
+              <a:picLocks noChangeAspect="1"/>
+            </p:cNvPicPr>
+            <p:nvPr/>
+          </p:nvPicPr>
+          <p:blipFill>
+            <a:blip r:embed="rId3">
+              <a:extLst>
+                <a:ext uri="{28A0092B-C50C-407E-A947-70E740481C1C}">
+                  <a14:useLocalDpi xmlns:a14="http://schemas.microsoft.com/office/drawing/2010/main" val="0"/>
+                </a:ext>
+              </a:extLst>
+            </a:blip>
+            <a:stretch>
+              <a:fillRect/>
+            </a:stretch>
+          </p:blipFill>
+          <p:spPr>
+            <a:xfrm>
+              <a:off x="249056" y="3826401"/>
+              <a:ext cx="4021192" cy="2063786"/>
+            </a:xfrm>
+            <a:prstGeom prst="rect">
+              <a:avLst/>
+            </a:prstGeom>
+          </p:spPr>
+        </p:pic>
+        <p:sp>
+          <p:nvSpPr>
+            <p:cNvPr id="14" name="Rectangle 13"/>
+            <p:cNvSpPr/>
+            <p:nvPr/>
+          </p:nvSpPr>
+          <p:spPr>
+            <a:xfrm>
+              <a:off x="473735" y="5462649"/>
+              <a:ext cx="3561122" cy="201982"/>
+            </a:xfrm>
+            <a:prstGeom prst="rect">
+              <a:avLst/>
+            </a:prstGeom>
+            <a:solidFill>
+              <a:schemeClr val="accent4">
+                <a:lumMod val="75000"/>
+                <a:alpha val="27000"/>
+              </a:schemeClr>
+            </a:solidFill>
+            <a:ln w="6350">
+              <a:noFill/>
+            </a:ln>
+          </p:spPr>
+          <p:style>
+            <a:lnRef idx="2">
+              <a:schemeClr val="accent1">
+                <a:shade val="50000"/>
+              </a:schemeClr>
+            </a:lnRef>
+            <a:fillRef idx="1">
+              <a:schemeClr val="accent1"/>
+            </a:fillRef>
+            <a:effectRef idx="0">
+              <a:schemeClr val="accent1"/>
+            </a:effectRef>
+            <a:fontRef idx="minor">
+              <a:schemeClr val="lt1"/>
+            </a:fontRef>
+          </p:style>
+          <p:txBody>
+            <a:bodyPr rtlCol="0" anchor="t"/>
+            <a:lstStyle/>
+            <a:p>
+              <a:pPr marL="2863850"/>
+              <a:endParaRPr lang="en-US" sz="2000" dirty="0">
+                <a:solidFill>
+                  <a:schemeClr val="tx1"/>
+                </a:solidFill>
+              </a:endParaRPr>
+            </a:p>
+          </p:txBody>
+        </p:sp>
+        <p:sp>
+          <p:nvSpPr>
+            <p:cNvPr id="15" name="Rectangle 14"/>
+            <p:cNvSpPr/>
+            <p:nvPr/>
+          </p:nvSpPr>
+          <p:spPr>
+            <a:xfrm>
+              <a:off x="473735" y="4057757"/>
+              <a:ext cx="3561122" cy="201982"/>
+            </a:xfrm>
+            <a:prstGeom prst="rect">
+              <a:avLst/>
+            </a:prstGeom>
+            <a:solidFill>
+              <a:schemeClr val="accent4">
+                <a:lumMod val="75000"/>
+                <a:alpha val="27000"/>
+              </a:schemeClr>
+            </a:solidFill>
+            <a:ln w="6350">
+              <a:noFill/>
+            </a:ln>
+          </p:spPr>
+          <p:style>
+            <a:lnRef idx="2">
+              <a:schemeClr val="accent1">
+                <a:shade val="50000"/>
+              </a:schemeClr>
+            </a:lnRef>
+            <a:fillRef idx="1">
+              <a:schemeClr val="accent1"/>
+            </a:fillRef>
+            <a:effectRef idx="0">
+              <a:schemeClr val="accent1"/>
+            </a:effectRef>
+            <a:fontRef idx="minor">
+              <a:schemeClr val="lt1"/>
+            </a:fontRef>
+          </p:style>
+          <p:txBody>
+            <a:bodyPr rtlCol="0" anchor="t"/>
+            <a:lstStyle/>
+            <a:p>
+              <a:pPr marL="2863850"/>
+              <a:endParaRPr lang="en-US" sz="2000" dirty="0">
+                <a:solidFill>
+                  <a:schemeClr val="tx1"/>
+                </a:solidFill>
+              </a:endParaRPr>
+            </a:p>
+          </p:txBody>
+        </p:sp>
+        <p:sp>
+          <p:nvSpPr>
+            <p:cNvPr id="16" name="TextBox 15"/>
+            <p:cNvSpPr txBox="1"/>
+            <p:nvPr/>
+          </p:nvSpPr>
+          <p:spPr>
+            <a:xfrm>
+              <a:off x="1913468" y="3688425"/>
+              <a:ext cx="722698" cy="369332"/>
+            </a:xfrm>
+            <a:prstGeom prst="rect">
+              <a:avLst/>
+            </a:prstGeom>
+            <a:noFill/>
+          </p:spPr>
+          <p:txBody>
+            <a:bodyPr wrap="none" rtlCol="0">
+              <a:spAutoFit/>
+            </a:bodyPr>
+            <a:lstStyle/>
+            <a:p>
+              <a:r>
+                <a:rPr lang="en-US" dirty="0" smtClean="0"/>
+                <a:t>“Top”</a:t>
+              </a:r>
+              <a:endParaRPr lang="en-US" dirty="0"/>
+            </a:p>
+          </p:txBody>
+        </p:sp>
+        <p:sp>
+          <p:nvSpPr>
+            <p:cNvPr id="17" name="TextBox 16"/>
+            <p:cNvSpPr txBox="1"/>
+            <p:nvPr/>
+          </p:nvSpPr>
+          <p:spPr>
+            <a:xfrm>
+              <a:off x="1720306" y="5658831"/>
+              <a:ext cx="1078693" cy="369332"/>
+            </a:xfrm>
+            <a:prstGeom prst="rect">
+              <a:avLst/>
+            </a:prstGeom>
+            <a:noFill/>
+          </p:spPr>
+          <p:txBody>
+            <a:bodyPr wrap="none" rtlCol="0">
+              <a:spAutoFit/>
+            </a:bodyPr>
+            <a:lstStyle/>
+            <a:p>
+              <a:r>
+                <a:rPr lang="en-US" dirty="0" smtClean="0"/>
+                <a:t>“Bottom”</a:t>
+              </a:r>
+              <a:endParaRPr lang="en-US" dirty="0"/>
+            </a:p>
+          </p:txBody>
+        </p:sp>
+      </p:grpSp>
+      <p:sp>
+        <p:nvSpPr>
+          <p:cNvPr id="19" name="TextBox 18"/>
+          <p:cNvSpPr txBox="1"/>
+          <p:nvPr/>
+        </p:nvSpPr>
+        <p:spPr>
+          <a:xfrm>
+            <a:off x="249056" y="398534"/>
+            <a:ext cx="8725011" cy="738664"/>
+          </a:xfrm>
+          <a:prstGeom prst="rect">
+            <a:avLst/>
+          </a:prstGeom>
+          <a:noFill/>
+        </p:spPr>
+        <p:txBody>
+          <a:bodyPr wrap="square" rtlCol="0">
+            <a:spAutoFit/>
+          </a:bodyPr>
+          <a:lstStyle/>
+          <a:p>
+            <a:pPr algn="ctr"/>
+            <a:r>
+              <a:rPr lang="en-US" sz="2200" b="1" dirty="0" smtClean="0"/>
+              <a:t>Question</a:t>
+            </a:r>
+            <a:r>
+              <a:rPr lang="en-US" sz="2200" dirty="0" smtClean="0"/>
+              <a:t>:</a:t>
+            </a:r>
+            <a:r>
+              <a:rPr lang="en-US" sz="2200" dirty="0"/>
+              <a:t> </a:t>
+            </a:r>
+            <a:r>
+              <a:rPr lang="en-US" sz="2200" dirty="0" smtClean="0"/>
+              <a:t>Does contrast influence how people generate categories?</a:t>
+            </a:r>
+          </a:p>
+          <a:p>
+            <a:pPr algn="ctr"/>
+            <a:endParaRPr lang="en-US" sz="2000" dirty="0" smtClean="0"/>
+          </a:p>
+        </p:txBody>
+      </p:sp>
+      <p:sp>
+        <p:nvSpPr>
+          <p:cNvPr id="2" name="TextBox 1"/>
+          <p:cNvSpPr txBox="1"/>
+          <p:nvPr/>
+        </p:nvSpPr>
+        <p:spPr>
+          <a:xfrm>
+            <a:off x="1149068" y="1321123"/>
+            <a:ext cx="6643561" cy="800219"/>
+          </a:xfrm>
+          <a:prstGeom prst="rect">
+            <a:avLst/>
+          </a:prstGeom>
+          <a:noFill/>
+        </p:spPr>
+        <p:txBody>
+          <a:bodyPr wrap="square" rtlCol="0">
+            <a:spAutoFit/>
+          </a:bodyPr>
+          <a:lstStyle/>
+          <a:p>
+            <a:pPr marL="285750" indent="-285750">
+              <a:spcAft>
+                <a:spcPts val="1200"/>
+              </a:spcAft>
+              <a:buFontTx/>
+              <a:buChar char="-"/>
+            </a:pPr>
+            <a:r>
+              <a:rPr lang="en-US" dirty="0" smtClean="0"/>
+              <a:t>Only 10 participants did </a:t>
+            </a:r>
+            <a:r>
+              <a:rPr lang="en-US" b="1" dirty="0" smtClean="0"/>
+              <a:t>not </a:t>
+            </a:r>
+            <a:r>
+              <a:rPr lang="en-US" dirty="0" smtClean="0"/>
+              <a:t>use the the top and/or bottom.</a:t>
+            </a:r>
+          </a:p>
+          <a:p>
+            <a:pPr marL="285750" indent="-285750">
+              <a:spcAft>
+                <a:spcPts val="1200"/>
+              </a:spcAft>
+              <a:buFontTx/>
+              <a:buChar char="-"/>
+            </a:pPr>
+            <a:r>
+              <a:rPr lang="en-US" dirty="0" smtClean="0"/>
+              <a:t>Middle participants were more likely to use the bottom, </a:t>
+            </a:r>
+            <a:r>
+              <a:rPr lang="en-US" i="1" dirty="0" smtClean="0"/>
+              <a:t>p </a:t>
+            </a:r>
+            <a:r>
+              <a:rPr lang="en-US" dirty="0" smtClean="0"/>
+              <a:t>&lt; 0.001.</a:t>
+            </a:r>
+          </a:p>
+        </p:txBody>
+      </p:sp>
+      <p:graphicFrame>
+        <p:nvGraphicFramePr>
+          <p:cNvPr id="11" name="Table 10"/>
+          <p:cNvGraphicFramePr>
+            <a:graphicFrameLocks noGrp="1"/>
+          </p:cNvGraphicFramePr>
+          <p:nvPr>
+            <p:extLst/>
+          </p:nvPr>
+        </p:nvGraphicFramePr>
+        <p:xfrm>
+          <a:off x="4270248" y="3473994"/>
+          <a:ext cx="4535424" cy="2768600"/>
+        </p:xfrm>
+        <a:graphic>
+          <a:graphicData uri="http://schemas.openxmlformats.org/drawingml/2006/table">
+            <a:tbl>
+              <a:tblPr firstRow="1" bandRow="1">
+                <a:tableStyleId>{5940675A-B579-460E-94D1-54222C63F5DA}</a:tableStyleId>
+              </a:tblPr>
+              <a:tblGrid>
+                <a:gridCol w="1911096"/>
+                <a:gridCol w="1161288"/>
+                <a:gridCol w="1463040"/>
+              </a:tblGrid>
+              <a:tr h="370840">
+                <a:tc>
+                  <a:txBody>
+                    <a:bodyPr/>
+                    <a:lstStyle/>
+                    <a:p>
+                      <a:pPr algn="ctr"/>
+                      <a:r>
+                        <a:rPr lang="en-US" sz="2400" b="1" dirty="0" smtClean="0"/>
+                        <a:t>Middle</a:t>
+                      </a:r>
+                      <a:endParaRPr lang="en-US" sz="2400" b="1" dirty="0"/>
+                    </a:p>
+                  </a:txBody>
+                  <a:tcPr anchor="ctr">
+                    <a:lnL w="12700" cap="flat" cmpd="sng" algn="ctr">
+                      <a:noFill/>
+                      <a:prstDash val="solid"/>
+                      <a:round/>
+                      <a:headEnd type="none" w="med" len="med"/>
+                      <a:tailEnd type="none" w="med" len="med"/>
+                    </a:lnL>
+                    <a:lnR w="12700" cmpd="sng">
+                      <a:noFill/>
+                    </a:lnR>
+                    <a:lnT w="12700" cap="flat" cmpd="sng" algn="ctr">
+                      <a:noFill/>
+                      <a:prstDash val="solid"/>
+                      <a:round/>
+                      <a:headEnd type="none" w="med" len="med"/>
+                      <a:tailEnd type="none" w="med" len="med"/>
+                    </a:lnT>
+                    <a:lnB w="12700" cmpd="sng">
+                      <a:noFill/>
+                    </a:lnB>
+                    <a:solidFill>
+                      <a:schemeClr val="bg1"/>
+                    </a:solidFill>
+                  </a:tcPr>
+                </a:tc>
+                <a:tc>
+                  <a:txBody>
+                    <a:bodyPr/>
+                    <a:lstStyle/>
+                    <a:p>
+                      <a:pPr algn="ctr"/>
+                      <a:r>
+                        <a:rPr lang="en-US" dirty="0" smtClean="0"/>
+                        <a:t>Top Used</a:t>
+                      </a:r>
+                      <a:endParaRPr lang="en-US" dirty="0"/>
+                    </a:p>
+                  </a:txBody>
+                  <a:tcPr anchor="b">
+                    <a:lnL w="12700" cmpd="sng">
+                      <a:noFill/>
+                    </a:lnL>
+                    <a:lnR w="12700" cmpd="sng">
+                      <a:noFill/>
+                    </a:lnR>
+                    <a:lnT w="12700" cmpd="sng">
+                      <a:noFill/>
+                    </a:lnT>
+                    <a:lnB w="12700" cap="flat" cmpd="sng" algn="ctr">
+                      <a:solidFill>
+                        <a:schemeClr val="tx1"/>
+                      </a:solidFill>
+                      <a:prstDash val="solid"/>
+                      <a:round/>
+                      <a:headEnd type="none" w="med" len="med"/>
+                      <a:tailEnd type="none" w="med" len="med"/>
+                    </a:lnB>
+                    <a:lnTlToBr w="12700" cmpd="sng">
+                      <a:noFill/>
+                      <a:prstDash val="solid"/>
+                    </a:lnTlToBr>
+                    <a:lnBlToTr w="12700" cmpd="sng">
+                      <a:noFill/>
+                      <a:prstDash val="solid"/>
+                    </a:lnBlToTr>
+                    <a:solidFill>
+                      <a:schemeClr val="bg1"/>
+                    </a:solidFill>
+                  </a:tcPr>
+                </a:tc>
+                <a:tc>
+                  <a:txBody>
+                    <a:bodyPr/>
+                    <a:lstStyle/>
+                    <a:p>
+                      <a:pPr algn="ctr"/>
+                      <a:r>
+                        <a:rPr lang="en-US" dirty="0" smtClean="0"/>
+                        <a:t>Top Not Used</a:t>
+                      </a:r>
+                      <a:endParaRPr lang="en-US" dirty="0"/>
+                    </a:p>
+                  </a:txBody>
+                  <a:tcPr anchor="b">
+                    <a:lnL w="12700" cmpd="sng">
+                      <a:noFill/>
+                    </a:lnL>
+                    <a:lnR w="12700" cmpd="sng">
+                      <a:noFill/>
+                    </a:lnR>
+                    <a:lnT w="12700" cmpd="sng">
+                      <a:noFill/>
+                    </a:lnT>
+                    <a:lnB w="12700" cap="flat" cmpd="sng" algn="ctr">
+                      <a:solidFill>
+                        <a:schemeClr val="tx1"/>
+                      </a:solidFill>
+                      <a:prstDash val="solid"/>
+                      <a:round/>
+                      <a:headEnd type="none" w="med" len="med"/>
+                      <a:tailEnd type="none" w="med" len="med"/>
+                    </a:lnB>
+                    <a:lnTlToBr w="12700" cmpd="sng">
+                      <a:noFill/>
+                      <a:prstDash val="solid"/>
+                    </a:lnTlToBr>
+                    <a:lnBlToTr w="12700" cmpd="sng">
+                      <a:noFill/>
+                      <a:prstDash val="solid"/>
+                    </a:lnBlToTr>
+                    <a:solidFill>
+                      <a:schemeClr val="bg1"/>
+                    </a:solidFill>
+                  </a:tcPr>
+                </a:tc>
+              </a:tr>
+              <a:tr h="370840">
+                <a:tc>
+                  <a:txBody>
+                    <a:bodyPr/>
+                    <a:lstStyle/>
+                    <a:p>
+                      <a:pPr algn="r"/>
+                      <a:r>
+                        <a:rPr lang="en-US" dirty="0" smtClean="0"/>
+                        <a:t>Bottom Used</a:t>
+                      </a:r>
+                      <a:endParaRPr lang="en-US" dirty="0"/>
+                    </a:p>
+                  </a:txBody>
+                  <a:tcPr>
+                    <a:lnL w="12700" cmpd="sng">
+                      <a:noFill/>
+                    </a:lnL>
+                    <a:lnR w="12700" cap="flat" cmpd="sng" algn="ctr">
+                      <a:noFill/>
+                      <a:prstDash val="solid"/>
+                      <a:round/>
+                      <a:headEnd type="none" w="med" len="med"/>
+                      <a:tailEnd type="none" w="med" len="med"/>
+                    </a:lnR>
+                    <a:lnT w="12700" cmpd="sng">
+                      <a:noFill/>
+                    </a:lnT>
+                    <a:lnB w="12700" cmpd="sng">
+                      <a:noFill/>
+                    </a:lnB>
+                    <a:lnTlToBr w="12700" cmpd="sng">
+                      <a:noFill/>
+                      <a:prstDash val="solid"/>
+                    </a:lnTlToBr>
+                    <a:lnBlToTr w="12700" cmpd="sng">
+                      <a:noFill/>
+                      <a:prstDash val="solid"/>
+                    </a:lnBlToTr>
+                    <a:solidFill>
+                      <a:schemeClr val="bg1"/>
+                    </a:solidFill>
+                  </a:tcPr>
+                </a:tc>
+                <a:tc>
+                  <a:txBody>
+                    <a:bodyPr/>
+                    <a:lstStyle/>
+                    <a:p>
+                      <a:pPr algn="ctr"/>
+                      <a:r>
+                        <a:rPr lang="en-US" b="1" dirty="0" smtClean="0"/>
+                        <a:t>28</a:t>
+                      </a:r>
+                      <a:endParaRPr lang="en-US" b="1" dirty="0"/>
+                    </a:p>
+                  </a:txBody>
+                  <a:tcPr>
+                    <a:lnL w="12700" cap="flat" cmpd="sng" algn="ctr">
+                      <a:noFill/>
+                      <a:prstDash val="solid"/>
+                      <a:round/>
+                      <a:headEnd type="none" w="med" len="med"/>
+                      <a:tailEnd type="none" w="med" len="med"/>
+                    </a:lnL>
+                    <a:lnR w="12700" cap="flat" cmpd="sng" algn="ctr">
+                      <a:noFill/>
+                      <a:prstDash val="solid"/>
+                      <a:round/>
+                      <a:headEnd type="none" w="med" len="med"/>
+                      <a:tailEnd type="none" w="med" len="med"/>
+                    </a:lnR>
+                    <a:lnT w="12700" cap="flat" cmpd="sng" algn="ctr">
+                      <a:solidFill>
+                        <a:schemeClr val="tx1"/>
+                      </a:solidFill>
+                      <a:prstDash val="solid"/>
+                      <a:round/>
+                      <a:headEnd type="none" w="med" len="med"/>
+                      <a:tailEnd type="none" w="med" len="med"/>
+                    </a:lnT>
+                    <a:lnB w="12700" cap="flat" cmpd="sng" algn="ctr">
+                      <a:noFill/>
+                      <a:prstDash val="solid"/>
+                      <a:round/>
+                      <a:headEnd type="none" w="med" len="med"/>
+                      <a:tailEnd type="none" w="med" len="med"/>
+                    </a:lnB>
+                    <a:lnTlToBr w="12700" cmpd="sng">
+                      <a:noFill/>
+                      <a:prstDash val="solid"/>
+                    </a:lnTlToBr>
+                    <a:lnBlToTr w="12700" cmpd="sng">
+                      <a:noFill/>
+                      <a:prstDash val="solid"/>
+                    </a:lnBlToTr>
+                    <a:solidFill>
+                      <a:schemeClr val="bg1">
+                        <a:lumMod val="65000"/>
+                      </a:schemeClr>
+                    </a:solidFill>
+                  </a:tcPr>
+                </a:tc>
+                <a:tc>
+                  <a:txBody>
+                    <a:bodyPr/>
+                    <a:lstStyle/>
+                    <a:p>
+                      <a:pPr algn="ctr"/>
+                      <a:r>
+                        <a:rPr lang="en-US" b="1" dirty="0" smtClean="0"/>
+                        <a:t>18</a:t>
+                      </a:r>
+                      <a:endParaRPr lang="en-US" b="1" dirty="0"/>
+                    </a:p>
+                  </a:txBody>
+                  <a:tcPr>
+                    <a:lnL w="12700" cap="flat" cmpd="sng" algn="ctr">
+                      <a:noFill/>
+                      <a:prstDash val="solid"/>
+                      <a:round/>
+                      <a:headEnd type="none" w="med" len="med"/>
+                      <a:tailEnd type="none" w="med" len="med"/>
+                    </a:lnL>
+                    <a:lnR w="12700" cap="flat" cmpd="sng" algn="ctr">
+                      <a:noFill/>
+                      <a:prstDash val="solid"/>
+                      <a:round/>
+                      <a:headEnd type="none" w="med" len="med"/>
+                      <a:tailEnd type="none" w="med" len="med"/>
+                    </a:lnR>
+                    <a:lnT w="12700" cap="flat" cmpd="sng" algn="ctr">
+                      <a:solidFill>
+                        <a:schemeClr val="tx1"/>
+                      </a:solidFill>
+                      <a:prstDash val="solid"/>
+                      <a:round/>
+                      <a:headEnd type="none" w="med" len="med"/>
+                      <a:tailEnd type="none" w="med" len="med"/>
+                    </a:lnT>
+                    <a:lnB w="12700" cap="flat" cmpd="sng" algn="ctr">
+                      <a:noFill/>
+                      <a:prstDash val="solid"/>
+                      <a:round/>
+                      <a:headEnd type="none" w="med" len="med"/>
+                      <a:tailEnd type="none" w="med" len="med"/>
+                    </a:lnB>
+                    <a:lnTlToBr w="12700" cmpd="sng">
+                      <a:noFill/>
+                      <a:prstDash val="solid"/>
+                    </a:lnTlToBr>
+                    <a:lnBlToTr w="12700" cmpd="sng">
+                      <a:noFill/>
+                      <a:prstDash val="solid"/>
+                    </a:lnBlToTr>
+                    <a:solidFill>
+                      <a:schemeClr val="bg1">
+                        <a:lumMod val="65000"/>
+                      </a:schemeClr>
+                    </a:solidFill>
+                  </a:tcPr>
+                </a:tc>
+              </a:tr>
+              <a:tr h="370840">
+                <a:tc>
+                  <a:txBody>
+                    <a:bodyPr/>
+                    <a:lstStyle/>
+                    <a:p>
+                      <a:pPr algn="r"/>
+                      <a:r>
+                        <a:rPr lang="en-US" dirty="0" smtClean="0"/>
+                        <a:t>Bottom Not Used</a:t>
+                      </a:r>
+                      <a:endParaRPr lang="en-US" dirty="0"/>
+                    </a:p>
+                  </a:txBody>
+                  <a:tcPr>
+                    <a:lnL w="12700" cmpd="sng">
+                      <a:noFill/>
+                    </a:lnL>
+                    <a:lnR w="12700" cap="flat" cmpd="sng" algn="ctr">
+                      <a:noFill/>
+                      <a:prstDash val="solid"/>
+                      <a:round/>
+                      <a:headEnd type="none" w="med" len="med"/>
+                      <a:tailEnd type="none" w="med" len="med"/>
+                    </a:lnR>
+                    <a:lnT w="12700" cmpd="sng">
+                      <a:noFill/>
+                    </a:lnT>
+                    <a:lnB w="12700" cmpd="sng">
+                      <a:noFill/>
+                    </a:lnB>
+                    <a:lnTlToBr w="12700" cmpd="sng">
+                      <a:noFill/>
+                      <a:prstDash val="solid"/>
+                    </a:lnTlToBr>
+                    <a:lnBlToTr w="12700" cmpd="sng">
+                      <a:noFill/>
+                      <a:prstDash val="solid"/>
+                    </a:lnBlToTr>
+                    <a:solidFill>
+                      <a:schemeClr val="bg1"/>
+                    </a:solidFill>
+                  </a:tcPr>
+                </a:tc>
+                <a:tc>
+                  <a:txBody>
+                    <a:bodyPr/>
+                    <a:lstStyle/>
+                    <a:p>
+                      <a:pPr algn="ctr"/>
+                      <a:r>
+                        <a:rPr lang="en-US" dirty="0" smtClean="0"/>
+                        <a:t>11</a:t>
+                      </a:r>
+                      <a:endParaRPr lang="en-US" dirty="0"/>
+                    </a:p>
+                  </a:txBody>
+                  <a:tcPr>
+                    <a:lnL w="12700" cap="flat" cmpd="sng" algn="ctr">
+                      <a:noFill/>
+                      <a:prstDash val="solid"/>
+                      <a:round/>
+                      <a:headEnd type="none" w="med" len="med"/>
+                      <a:tailEnd type="none" w="med" len="med"/>
+                    </a:lnL>
+                    <a:lnR w="12700" cap="flat" cmpd="sng" algn="ctr">
+                      <a:noFill/>
+                      <a:prstDash val="solid"/>
+                      <a:round/>
+                      <a:headEnd type="none" w="med" len="med"/>
+                      <a:tailEnd type="none" w="med" len="med"/>
+                    </a:lnR>
+                    <a:lnT w="12700" cap="flat" cmpd="sng" algn="ctr">
+                      <a:noFill/>
+                      <a:prstDash val="solid"/>
+                      <a:round/>
+                      <a:headEnd type="none" w="med" len="med"/>
+                      <a:tailEnd type="none" w="med" len="med"/>
+                    </a:lnT>
+                    <a:lnB w="12700" cap="flat" cmpd="sng" algn="ctr">
+                      <a:noFill/>
+                      <a:prstDash val="solid"/>
+                      <a:round/>
+                      <a:headEnd type="none" w="med" len="med"/>
+                      <a:tailEnd type="none" w="med" len="med"/>
+                    </a:lnB>
+                    <a:lnTlToBr w="12700" cmpd="sng">
+                      <a:noFill/>
+                      <a:prstDash val="solid"/>
+                    </a:lnTlToBr>
+                    <a:lnBlToTr w="12700" cmpd="sng">
+                      <a:noFill/>
+                      <a:prstDash val="solid"/>
+                    </a:lnBlToTr>
+                    <a:solidFill>
+                      <a:schemeClr val="bg1"/>
+                    </a:solidFill>
+                  </a:tcPr>
+                </a:tc>
+                <a:tc>
+                  <a:txBody>
+                    <a:bodyPr/>
+                    <a:lstStyle/>
+                    <a:p>
+                      <a:pPr algn="ctr"/>
+                      <a:r>
+                        <a:rPr lang="en-US" dirty="0" smtClean="0"/>
+                        <a:t>4</a:t>
+                      </a:r>
+                    </a:p>
+                  </a:txBody>
+                  <a:tcPr>
+                    <a:lnL w="12700" cap="flat" cmpd="sng" algn="ctr">
+                      <a:noFill/>
+                      <a:prstDash val="solid"/>
+                      <a:round/>
+                      <a:headEnd type="none" w="med" len="med"/>
+                      <a:tailEnd type="none" w="med" len="med"/>
+                    </a:lnL>
+                    <a:lnR w="12700" cap="flat" cmpd="sng" algn="ctr">
+                      <a:noFill/>
+                      <a:prstDash val="solid"/>
+                      <a:round/>
+                      <a:headEnd type="none" w="med" len="med"/>
+                      <a:tailEnd type="none" w="med" len="med"/>
+                    </a:lnR>
+                    <a:lnT w="12700" cap="flat" cmpd="sng" algn="ctr">
+                      <a:noFill/>
+                      <a:prstDash val="solid"/>
+                      <a:round/>
+                      <a:headEnd type="none" w="med" len="med"/>
+                      <a:tailEnd type="none" w="med" len="med"/>
+                    </a:lnT>
+                    <a:lnB w="12700" cap="flat" cmpd="sng" algn="ctr">
+                      <a:noFill/>
+                      <a:prstDash val="solid"/>
+                      <a:round/>
+                      <a:headEnd type="none" w="med" len="med"/>
+                      <a:tailEnd type="none" w="med" len="med"/>
+                    </a:lnB>
+                    <a:lnTlToBr w="12700" cmpd="sng">
+                      <a:noFill/>
+                      <a:prstDash val="solid"/>
+                    </a:lnTlToBr>
+                    <a:lnBlToTr w="12700" cmpd="sng">
+                      <a:noFill/>
+                      <a:prstDash val="solid"/>
+                    </a:lnBlToTr>
+                    <a:solidFill>
+                      <a:schemeClr val="bg1"/>
+                    </a:solidFill>
+                  </a:tcPr>
+                </a:tc>
+              </a:tr>
+              <a:tr h="370840">
+                <a:tc>
+                  <a:txBody>
+                    <a:bodyPr/>
+                    <a:lstStyle/>
+                    <a:p>
+                      <a:pPr algn="r"/>
+                      <a:endParaRPr lang="en-US" dirty="0"/>
+                    </a:p>
+                  </a:txBody>
+                  <a:tcPr>
+                    <a:lnL w="12700" cmpd="sng">
+                      <a:noFill/>
+                    </a:lnL>
+                    <a:lnR w="12700" cap="flat" cmpd="sng" algn="ctr">
+                      <a:noFill/>
+                      <a:prstDash val="solid"/>
+                      <a:round/>
+                      <a:headEnd type="none" w="med" len="med"/>
+                      <a:tailEnd type="none" w="med" len="med"/>
+                    </a:lnR>
+                    <a:lnT w="12700" cmpd="sng">
+                      <a:noFill/>
+                    </a:lnT>
+                    <a:lnB w="12700" cmpd="sng">
+                      <a:noFill/>
+                    </a:lnB>
+                    <a:lnTlToBr w="12700" cmpd="sng">
+                      <a:noFill/>
+                      <a:prstDash val="solid"/>
+                    </a:lnTlToBr>
+                    <a:lnBlToTr w="12700" cmpd="sng">
+                      <a:noFill/>
+                      <a:prstDash val="solid"/>
+                    </a:lnBlToTr>
+                    <a:solidFill>
+                      <a:schemeClr val="bg1"/>
+                    </a:solidFill>
+                  </a:tcPr>
+                </a:tc>
+                <a:tc>
+                  <a:txBody>
+                    <a:bodyPr/>
+                    <a:lstStyle/>
+                    <a:p>
+                      <a:pPr algn="ctr"/>
+                      <a:endParaRPr lang="en-US" dirty="0"/>
+                    </a:p>
+                  </a:txBody>
+                  <a:tcPr>
+                    <a:lnL w="12700" cap="flat" cmpd="sng" algn="ctr">
+                      <a:noFill/>
+                      <a:prstDash val="solid"/>
+                      <a:round/>
+                      <a:headEnd type="none" w="med" len="med"/>
+                      <a:tailEnd type="none" w="med" len="med"/>
+                    </a:lnL>
+                    <a:lnR w="12700" cap="flat" cmpd="sng" algn="ctr">
+                      <a:noFill/>
+                      <a:prstDash val="solid"/>
+                      <a:round/>
+                      <a:headEnd type="none" w="med" len="med"/>
+                      <a:tailEnd type="none" w="med" len="med"/>
+                    </a:lnR>
+                    <a:lnT w="12700" cap="flat" cmpd="sng" algn="ctr">
+                      <a:noFill/>
+                      <a:prstDash val="solid"/>
+                      <a:round/>
+                      <a:headEnd type="none" w="med" len="med"/>
+                      <a:tailEnd type="none" w="med" len="med"/>
+                    </a:lnT>
+                    <a:lnB w="12700" cap="flat" cmpd="sng" algn="ctr">
+                      <a:noFill/>
+                      <a:prstDash val="solid"/>
+                      <a:round/>
+                      <a:headEnd type="none" w="med" len="med"/>
+                      <a:tailEnd type="none" w="med" len="med"/>
+                    </a:lnB>
+                    <a:lnTlToBr w="12700" cmpd="sng">
+                      <a:noFill/>
+                      <a:prstDash val="solid"/>
+                    </a:lnTlToBr>
+                    <a:lnBlToTr w="12700" cmpd="sng">
+                      <a:noFill/>
+                      <a:prstDash val="solid"/>
+                    </a:lnBlToTr>
+                    <a:solidFill>
+                      <a:schemeClr val="bg1"/>
+                    </a:solidFill>
+                  </a:tcPr>
+                </a:tc>
+                <a:tc>
+                  <a:txBody>
+                    <a:bodyPr/>
+                    <a:lstStyle/>
+                    <a:p>
+                      <a:pPr algn="ctr"/>
+                      <a:endParaRPr lang="en-US" dirty="0" smtClean="0"/>
+                    </a:p>
+                  </a:txBody>
+                  <a:tcPr>
+                    <a:lnL w="12700" cap="flat" cmpd="sng" algn="ctr">
+                      <a:noFill/>
+                      <a:prstDash val="solid"/>
+                      <a:round/>
+                      <a:headEnd type="none" w="med" len="med"/>
+                      <a:tailEnd type="none" w="med" len="med"/>
+                    </a:lnL>
+                    <a:lnR w="12700" cap="flat" cmpd="sng" algn="ctr">
+                      <a:noFill/>
+                      <a:prstDash val="solid"/>
+                      <a:round/>
+                      <a:headEnd type="none" w="med" len="med"/>
+                      <a:tailEnd type="none" w="med" len="med"/>
+                    </a:lnR>
+                    <a:lnT w="12700" cap="flat" cmpd="sng" algn="ctr">
+                      <a:noFill/>
+                      <a:prstDash val="solid"/>
+                      <a:round/>
+                      <a:headEnd type="none" w="med" len="med"/>
+                      <a:tailEnd type="none" w="med" len="med"/>
+                    </a:lnT>
+                    <a:lnB w="12700" cap="flat" cmpd="sng" algn="ctr">
+                      <a:noFill/>
+                      <a:prstDash val="solid"/>
+                      <a:round/>
+                      <a:headEnd type="none" w="med" len="med"/>
+                      <a:tailEnd type="none" w="med" len="med"/>
+                    </a:lnB>
+                    <a:lnTlToBr w="12700" cmpd="sng">
+                      <a:noFill/>
+                      <a:prstDash val="solid"/>
+                    </a:lnTlToBr>
+                    <a:lnBlToTr w="12700" cmpd="sng">
+                      <a:noFill/>
+                      <a:prstDash val="solid"/>
+                    </a:lnBlToTr>
+                    <a:solidFill>
+                      <a:schemeClr val="bg1"/>
+                    </a:solidFill>
+                  </a:tcPr>
+                </a:tc>
+              </a:tr>
+              <a:tr h="370840">
+                <a:tc>
+                  <a:txBody>
+                    <a:bodyPr/>
+                    <a:lstStyle/>
+                    <a:p>
+                      <a:pPr algn="ctr"/>
+                      <a:r>
+                        <a:rPr lang="en-US" sz="2400" b="1" dirty="0" smtClean="0"/>
+                        <a:t>Bottom</a:t>
+                      </a:r>
+                      <a:endParaRPr lang="en-US" sz="2400" b="1" dirty="0"/>
+                    </a:p>
+                  </a:txBody>
+                  <a:tcPr anchor="ctr">
+                    <a:lnL w="12700" cmpd="sng">
+                      <a:noFill/>
+                    </a:lnL>
+                    <a:lnR w="12700" cap="flat" cmpd="sng" algn="ctr">
+                      <a:noFill/>
+                      <a:prstDash val="solid"/>
+                      <a:round/>
+                      <a:headEnd type="none" w="med" len="med"/>
+                      <a:tailEnd type="none" w="med" len="med"/>
+                    </a:lnR>
+                    <a:lnT w="12700" cmpd="sng">
+                      <a:noFill/>
+                    </a:lnT>
+                    <a:lnB w="12700" cmpd="sng">
+                      <a:noFill/>
+                    </a:lnB>
+                    <a:lnTlToBr w="12700" cmpd="sng">
+                      <a:noFill/>
+                      <a:prstDash val="solid"/>
+                    </a:lnTlToBr>
+                    <a:lnBlToTr w="12700" cmpd="sng">
+                      <a:noFill/>
+                      <a:prstDash val="solid"/>
+                    </a:lnBlToTr>
+                    <a:solidFill>
+                      <a:schemeClr val="bg1"/>
+                    </a:solidFill>
+                  </a:tcPr>
+                </a:tc>
+                <a:tc>
+                  <a:txBody>
+                    <a:bodyPr/>
+                    <a:lstStyle/>
+                    <a:p>
+                      <a:pPr algn="ctr"/>
+                      <a:r>
+                        <a:rPr lang="en-US" dirty="0" smtClean="0"/>
+                        <a:t>Top Used</a:t>
+                      </a:r>
+                      <a:endParaRPr lang="en-US" dirty="0"/>
+                    </a:p>
+                  </a:txBody>
+                  <a:tcPr anchor="b">
+                    <a:lnL w="12700" cap="flat" cmpd="sng" algn="ctr">
+                      <a:noFill/>
+                      <a:prstDash val="solid"/>
+                      <a:round/>
+                      <a:headEnd type="none" w="med" len="med"/>
+                      <a:tailEnd type="none" w="med" len="med"/>
+                    </a:lnL>
+                    <a:lnR w="12700" cap="flat" cmpd="sng" algn="ctr">
+                      <a:noFill/>
+                      <a:prstDash val="solid"/>
+                      <a:round/>
+                      <a:headEnd type="none" w="med" len="med"/>
+                      <a:tailEnd type="none" w="med" len="med"/>
+                    </a:lnR>
+                    <a:lnT w="12700" cap="flat" cmpd="sng" algn="ctr">
+                      <a:noFill/>
+                      <a:prstDash val="solid"/>
+                      <a:round/>
+                      <a:headEnd type="none" w="med" len="med"/>
+                      <a:tailEnd type="none" w="med" len="med"/>
+                    </a:lnT>
+                    <a:lnB w="12700" cap="flat" cmpd="sng" algn="ctr">
+                      <a:solidFill>
+                        <a:schemeClr val="tx1"/>
+                      </a:solidFill>
+                      <a:prstDash val="solid"/>
+                      <a:round/>
+                      <a:headEnd type="none" w="med" len="med"/>
+                      <a:tailEnd type="none" w="med" len="med"/>
+                    </a:lnB>
+                    <a:lnTlToBr w="12700" cmpd="sng">
+                      <a:noFill/>
+                      <a:prstDash val="solid"/>
+                    </a:lnTlToBr>
+                    <a:lnBlToTr w="12700" cmpd="sng">
+                      <a:noFill/>
+                      <a:prstDash val="solid"/>
+                    </a:lnBlToTr>
+                    <a:solidFill>
+                      <a:schemeClr val="bg1"/>
+                    </a:solidFill>
+                  </a:tcPr>
+                </a:tc>
+                <a:tc>
+                  <a:txBody>
+                    <a:bodyPr/>
+                    <a:lstStyle/>
+                    <a:p>
+                      <a:pPr algn="ctr"/>
+                      <a:r>
+                        <a:rPr lang="en-US" dirty="0" smtClean="0"/>
+                        <a:t>Top Not Used</a:t>
+                      </a:r>
+                      <a:endParaRPr lang="en-US" dirty="0"/>
+                    </a:p>
+                  </a:txBody>
+                  <a:tcPr anchor="b">
+                    <a:lnL w="12700" cap="flat" cmpd="sng" algn="ctr">
+                      <a:noFill/>
+                      <a:prstDash val="solid"/>
+                      <a:round/>
+                      <a:headEnd type="none" w="med" len="med"/>
+                      <a:tailEnd type="none" w="med" len="med"/>
+                    </a:lnL>
+                    <a:lnR w="12700" cap="flat" cmpd="sng" algn="ctr">
+                      <a:noFill/>
+                      <a:prstDash val="solid"/>
+                      <a:round/>
+                      <a:headEnd type="none" w="med" len="med"/>
+                      <a:tailEnd type="none" w="med" len="med"/>
+                    </a:lnR>
+                    <a:lnT w="12700" cap="flat" cmpd="sng" algn="ctr">
+                      <a:noFill/>
+                      <a:prstDash val="solid"/>
+                      <a:round/>
+                      <a:headEnd type="none" w="med" len="med"/>
+                      <a:tailEnd type="none" w="med" len="med"/>
+                    </a:lnT>
+                    <a:lnB w="12700" cap="flat" cmpd="sng" algn="ctr">
+                      <a:solidFill>
+                        <a:schemeClr val="tx1"/>
+                      </a:solidFill>
+                      <a:prstDash val="solid"/>
+                      <a:round/>
+                      <a:headEnd type="none" w="med" len="med"/>
+                      <a:tailEnd type="none" w="med" len="med"/>
+                    </a:lnB>
+                    <a:lnTlToBr w="12700" cmpd="sng">
+                      <a:noFill/>
+                      <a:prstDash val="solid"/>
+                    </a:lnTlToBr>
+                    <a:lnBlToTr w="12700" cmpd="sng">
+                      <a:noFill/>
+                      <a:prstDash val="solid"/>
+                    </a:lnBlToTr>
+                    <a:solidFill>
+                      <a:schemeClr val="bg1"/>
+                    </a:solidFill>
+                  </a:tcPr>
+                </a:tc>
+              </a:tr>
+              <a:tr h="370840">
+                <a:tc>
+                  <a:txBody>
+                    <a:bodyPr/>
+                    <a:lstStyle/>
+                    <a:p>
+                      <a:pPr algn="r"/>
+                      <a:r>
+                        <a:rPr lang="en-US" dirty="0" smtClean="0"/>
+                        <a:t>Bottom Used</a:t>
+                      </a:r>
+                      <a:endParaRPr lang="en-US" dirty="0"/>
+                    </a:p>
+                  </a:txBody>
+                  <a:tcPr>
+                    <a:lnL w="12700" cmpd="sng">
+                      <a:noFill/>
+                    </a:lnL>
+                    <a:lnR w="12700" cap="flat" cmpd="sng" algn="ctr">
+                      <a:noFill/>
+                      <a:prstDash val="solid"/>
+                      <a:round/>
+                      <a:headEnd type="none" w="med" len="med"/>
+                      <a:tailEnd type="none" w="med" len="med"/>
+                    </a:lnR>
+                    <a:lnT w="12700" cmpd="sng">
+                      <a:noFill/>
+                    </a:lnT>
+                    <a:lnB w="12700" cmpd="sng">
+                      <a:noFill/>
+                    </a:lnB>
+                    <a:lnTlToBr w="12700" cmpd="sng">
+                      <a:noFill/>
+                      <a:prstDash val="solid"/>
+                    </a:lnTlToBr>
+                    <a:lnBlToTr w="12700" cmpd="sng">
+                      <a:noFill/>
+                      <a:prstDash val="solid"/>
+                    </a:lnBlToTr>
+                    <a:solidFill>
+                      <a:schemeClr val="bg1"/>
+                    </a:solidFill>
+                  </a:tcPr>
+                </a:tc>
+                <a:tc>
+                  <a:txBody>
+                    <a:bodyPr/>
+                    <a:lstStyle/>
+                    <a:p>
+                      <a:pPr algn="ctr"/>
+                      <a:r>
+                        <a:rPr lang="en-US" b="1" dirty="0" smtClean="0"/>
+                        <a:t>16</a:t>
+                      </a:r>
+                      <a:endParaRPr lang="en-US" b="1" dirty="0"/>
+                    </a:p>
+                  </a:txBody>
+                  <a:tcPr>
+                    <a:lnL w="12700" cap="flat" cmpd="sng" algn="ctr">
+                      <a:noFill/>
+                      <a:prstDash val="solid"/>
+                      <a:round/>
+                      <a:headEnd type="none" w="med" len="med"/>
+                      <a:tailEnd type="none" w="med" len="med"/>
+                    </a:lnL>
+                    <a:lnR w="12700" cap="flat" cmpd="sng" algn="ctr">
+                      <a:noFill/>
+                      <a:prstDash val="solid"/>
+                      <a:round/>
+                      <a:headEnd type="none" w="med" len="med"/>
+                      <a:tailEnd type="none" w="med" len="med"/>
+                    </a:lnR>
+                    <a:lnT w="12700" cap="flat" cmpd="sng" algn="ctr">
+                      <a:solidFill>
+                        <a:schemeClr val="tx1"/>
+                      </a:solidFill>
+                      <a:prstDash val="solid"/>
+                      <a:round/>
+                      <a:headEnd type="none" w="med" len="med"/>
+                      <a:tailEnd type="none" w="med" len="med"/>
+                    </a:lnT>
+                    <a:lnB w="12700" cap="flat" cmpd="sng" algn="ctr">
+                      <a:noFill/>
+                      <a:prstDash val="solid"/>
+                      <a:round/>
+                      <a:headEnd type="none" w="med" len="med"/>
+                      <a:tailEnd type="none" w="med" len="med"/>
+                    </a:lnB>
+                    <a:lnTlToBr w="12700" cmpd="sng">
+                      <a:noFill/>
+                      <a:prstDash val="solid"/>
+                    </a:lnTlToBr>
+                    <a:lnBlToTr w="12700" cmpd="sng">
+                      <a:noFill/>
+                      <a:prstDash val="solid"/>
+                    </a:lnBlToTr>
+                    <a:solidFill>
+                      <a:schemeClr val="bg1">
+                        <a:lumMod val="65000"/>
+                      </a:schemeClr>
+                    </a:solidFill>
+                  </a:tcPr>
+                </a:tc>
+                <a:tc>
+                  <a:txBody>
+                    <a:bodyPr/>
+                    <a:lstStyle/>
+                    <a:p>
+                      <a:pPr algn="ctr"/>
+                      <a:r>
+                        <a:rPr lang="en-US" b="1" dirty="0" smtClean="0"/>
+                        <a:t>8</a:t>
+                      </a:r>
+                      <a:endParaRPr lang="en-US" b="1" dirty="0"/>
+                    </a:p>
+                  </a:txBody>
+                  <a:tcPr>
+                    <a:lnL w="12700" cap="flat" cmpd="sng" algn="ctr">
+                      <a:noFill/>
+                      <a:prstDash val="solid"/>
+                      <a:round/>
+                      <a:headEnd type="none" w="med" len="med"/>
+                      <a:tailEnd type="none" w="med" len="med"/>
+                    </a:lnL>
+                    <a:lnR w="12700" cap="flat" cmpd="sng" algn="ctr">
+                      <a:noFill/>
+                      <a:prstDash val="solid"/>
+                      <a:round/>
+                      <a:headEnd type="none" w="med" len="med"/>
+                      <a:tailEnd type="none" w="med" len="med"/>
+                    </a:lnR>
+                    <a:lnT w="12700" cap="flat" cmpd="sng" algn="ctr">
+                      <a:solidFill>
+                        <a:schemeClr val="tx1"/>
+                      </a:solidFill>
+                      <a:prstDash val="solid"/>
+                      <a:round/>
+                      <a:headEnd type="none" w="med" len="med"/>
+                      <a:tailEnd type="none" w="med" len="med"/>
+                    </a:lnT>
+                    <a:lnB w="12700" cap="flat" cmpd="sng" algn="ctr">
+                      <a:noFill/>
+                      <a:prstDash val="solid"/>
+                      <a:round/>
+                      <a:headEnd type="none" w="med" len="med"/>
+                      <a:tailEnd type="none" w="med" len="med"/>
+                    </a:lnB>
+                    <a:lnTlToBr w="12700" cmpd="sng">
+                      <a:noFill/>
+                      <a:prstDash val="solid"/>
+                    </a:lnTlToBr>
+                    <a:lnBlToTr w="12700" cmpd="sng">
+                      <a:noFill/>
+                      <a:prstDash val="solid"/>
+                    </a:lnBlToTr>
+                    <a:solidFill>
+                      <a:schemeClr val="bg1">
+                        <a:lumMod val="65000"/>
+                      </a:schemeClr>
+                    </a:solidFill>
+                  </a:tcPr>
+                </a:tc>
+              </a:tr>
+              <a:tr h="370840">
+                <a:tc>
+                  <a:txBody>
+                    <a:bodyPr/>
+                    <a:lstStyle/>
+                    <a:p>
+                      <a:pPr algn="r"/>
+                      <a:r>
+                        <a:rPr lang="en-US" dirty="0" smtClean="0"/>
+                        <a:t>Bottom Not Used</a:t>
+                      </a:r>
+                      <a:endParaRPr lang="en-US" dirty="0"/>
+                    </a:p>
+                  </a:txBody>
+                  <a:tcPr>
+                    <a:lnL w="12700" cmpd="sng">
+                      <a:noFill/>
+                    </a:lnL>
+                    <a:lnR w="12700" cap="flat" cmpd="sng" algn="ctr">
+                      <a:noFill/>
+                      <a:prstDash val="solid"/>
+                      <a:round/>
+                      <a:headEnd type="none" w="med" len="med"/>
+                      <a:tailEnd type="none" w="med" len="med"/>
+                    </a:lnR>
+                    <a:lnT w="12700" cmpd="sng">
+                      <a:noFill/>
+                    </a:lnT>
+                    <a:lnB w="12700" cmpd="sng">
+                      <a:noFill/>
+                    </a:lnB>
+                    <a:lnTlToBr w="12700" cmpd="sng">
+                      <a:noFill/>
+                      <a:prstDash val="solid"/>
+                    </a:lnTlToBr>
+                    <a:lnBlToTr w="12700" cmpd="sng">
+                      <a:noFill/>
+                      <a:prstDash val="solid"/>
+                    </a:lnBlToTr>
+                    <a:solidFill>
+                      <a:schemeClr val="bg1"/>
+                    </a:solidFill>
+                  </a:tcPr>
+                </a:tc>
+                <a:tc>
+                  <a:txBody>
+                    <a:bodyPr/>
+                    <a:lstStyle/>
+                    <a:p>
+                      <a:pPr algn="ctr"/>
+                      <a:r>
+                        <a:rPr lang="en-US" dirty="0" smtClean="0"/>
+                        <a:t>31</a:t>
+                      </a:r>
+                      <a:endParaRPr lang="en-US" dirty="0"/>
+                    </a:p>
+                  </a:txBody>
+                  <a:tcPr>
+                    <a:lnL w="12700" cap="flat" cmpd="sng" algn="ctr">
+                      <a:noFill/>
+                      <a:prstDash val="solid"/>
+                      <a:round/>
+                      <a:headEnd type="none" w="med" len="med"/>
+                      <a:tailEnd type="none" w="med" len="med"/>
+                    </a:lnL>
+                    <a:lnR w="12700" cap="flat" cmpd="sng" algn="ctr">
+                      <a:noFill/>
+                      <a:prstDash val="solid"/>
+                      <a:round/>
+                      <a:headEnd type="none" w="med" len="med"/>
+                      <a:tailEnd type="none" w="med" len="med"/>
+                    </a:lnR>
+                    <a:lnT w="12700" cap="flat" cmpd="sng" algn="ctr">
+                      <a:noFill/>
+                      <a:prstDash val="solid"/>
+                      <a:round/>
+                      <a:headEnd type="none" w="med" len="med"/>
+                      <a:tailEnd type="none" w="med" len="med"/>
+                    </a:lnT>
+                    <a:lnB w="12700" cap="flat" cmpd="sng" algn="ctr">
+                      <a:noFill/>
+                      <a:prstDash val="solid"/>
+                      <a:round/>
+                      <a:headEnd type="none" w="med" len="med"/>
+                      <a:tailEnd type="none" w="med" len="med"/>
+                    </a:lnB>
+                    <a:lnTlToBr w="12700" cmpd="sng">
+                      <a:noFill/>
+                      <a:prstDash val="solid"/>
+                    </a:lnTlToBr>
+                    <a:lnBlToTr w="12700" cmpd="sng">
+                      <a:noFill/>
+                      <a:prstDash val="solid"/>
+                    </a:lnBlToTr>
+                    <a:solidFill>
+                      <a:schemeClr val="bg1"/>
+                    </a:solidFill>
+                  </a:tcPr>
+                </a:tc>
+                <a:tc>
+                  <a:txBody>
+                    <a:bodyPr/>
+                    <a:lstStyle/>
+                    <a:p>
+                      <a:pPr algn="ctr"/>
+                      <a:r>
+                        <a:rPr lang="en-US" dirty="0" smtClean="0"/>
+                        <a:t>6</a:t>
+                      </a:r>
+                      <a:endParaRPr lang="en-US" dirty="0"/>
+                    </a:p>
+                  </a:txBody>
+                  <a:tcPr>
+                    <a:lnL w="12700" cap="flat" cmpd="sng" algn="ctr">
+                      <a:noFill/>
+                      <a:prstDash val="solid"/>
+                      <a:round/>
+                      <a:headEnd type="none" w="med" len="med"/>
+                      <a:tailEnd type="none" w="med" len="med"/>
+                    </a:lnL>
+                    <a:lnR w="12700" cap="flat" cmpd="sng" algn="ctr">
+                      <a:noFill/>
+                      <a:prstDash val="solid"/>
+                      <a:round/>
+                      <a:headEnd type="none" w="med" len="med"/>
+                      <a:tailEnd type="none" w="med" len="med"/>
+                    </a:lnR>
+                    <a:lnT w="12700" cap="flat" cmpd="sng" algn="ctr">
+                      <a:noFill/>
+                      <a:prstDash val="solid"/>
+                      <a:round/>
+                      <a:headEnd type="none" w="med" len="med"/>
+                      <a:tailEnd type="none" w="med" len="med"/>
+                    </a:lnT>
+                    <a:lnB w="12700" cap="flat" cmpd="sng" algn="ctr">
+                      <a:noFill/>
+                      <a:prstDash val="solid"/>
+                      <a:round/>
+                      <a:headEnd type="none" w="med" len="med"/>
+                      <a:tailEnd type="none" w="med" len="med"/>
+                    </a:lnB>
+                    <a:lnTlToBr w="12700" cmpd="sng">
+                      <a:noFill/>
+                      <a:prstDash val="solid"/>
+                    </a:lnTlToBr>
+                    <a:lnBlToTr w="12700" cmpd="sng">
+                      <a:noFill/>
+                      <a:prstDash val="solid"/>
+                    </a:lnBlToTr>
+                    <a:solidFill>
+                      <a:schemeClr val="bg1"/>
+                    </a:solidFill>
+                  </a:tcPr>
+                </a:tc>
+              </a:tr>
+            </a:tbl>
+          </a:graphicData>
+        </a:graphic>
+      </p:graphicFrame>
+    </p:spTree>
+    <p:extLst>
+      <p:ext uri="{BB962C8B-B14F-4D97-AF65-F5344CB8AC3E}">
+        <p14:creationId xmlns:p14="http://schemas.microsoft.com/office/powerpoint/2010/main" val="1729738393"/>
       </p:ext>
     </p:extLst>
   </p:cSld>
@@ -21333,7 +22735,7 @@
         <p:spPr>
           <a:xfrm>
             <a:off x="1149068" y="1321123"/>
-            <a:ext cx="6643561" cy="800219"/>
+            <a:ext cx="6643561" cy="1231106"/>
           </a:xfrm>
           <a:prstGeom prst="rect">
             <a:avLst/>
@@ -21387,6 +22789,40 @@
               <a:t>&lt; 0.001.</a:t>
             </a:r>
           </a:p>
+          <a:p>
+            <a:pPr marL="285750" indent="-285750">
+              <a:spcAft>
+                <a:spcPts val="1200"/>
+              </a:spcAft>
+              <a:buFontTx/>
+              <a:buChar char="-"/>
+            </a:pPr>
+            <a:r>
+              <a:rPr lang="en-US" u="sng" dirty="0" smtClean="0"/>
+              <a:t>Middle </a:t>
+            </a:r>
+            <a:r>
+              <a:rPr lang="en-US" u="sng" dirty="0" smtClean="0"/>
+              <a:t>was more likely to use the top </a:t>
+            </a:r>
+            <a:r>
+              <a:rPr lang="en-US" b="1" u="sng" dirty="0" smtClean="0"/>
+              <a:t>and</a:t>
+            </a:r>
+            <a:r>
+              <a:rPr lang="en-US" u="sng" dirty="0" smtClean="0"/>
+              <a:t> bottom, </a:t>
+            </a:r>
+            <a:r>
+              <a:rPr lang="en-US" i="1" u="sng" dirty="0" smtClean="0"/>
+              <a:t>p</a:t>
+            </a:r>
+            <a:r>
+              <a:rPr lang="en-US" u="sng" dirty="0" smtClean="0"/>
+              <a:t> = 0.038.</a:t>
+            </a:r>
+            <a:endParaRPr lang="en-US" u="sng" dirty="0"/>
+          </a:p>
         </p:txBody>
       </p:sp>
       <p:graphicFrame>
@@ -21396,11 +22832,7 @@
             <a:graphicFrameLocks noGrp="1"/>
           </p:cNvGraphicFramePr>
           <p:nvPr>
-            <p:extLst>
-              <p:ext uri="{D42A27DB-BD31-4B8C-83A1-F6EECF244321}">
-                <p14:modId xmlns:p14="http://schemas.microsoft.com/office/powerpoint/2010/main" val="1227736392"/>
-              </p:ext>
-            </p:extLst>
+            <p:extLst/>
           </p:nvPr>
         </p:nvGraphicFramePr>
         <p:xfrm>
@@ -21511,11 +22943,7 @@
                       <a:pPr algn="ctr"/>
                       <a:r>
                         <a:rPr lang="en-US" dirty="0" smtClean="0"/>
-                        <a:t>Top </a:t>
-                      </a:r>
-                      <a:r>
-                        <a:rPr lang="en-US" dirty="0" smtClean="0"/>
-                        <a:t>Not Used</a:t>
+                        <a:t>Top Not Used</a:t>
                       </a:r>
                       <a:endParaRPr lang="en-US" dirty="0"/>
                     </a:p>
@@ -21663,10 +23091,10 @@
                     <a:p>
                       <a:pPr algn="ctr"/>
                       <a:r>
-                        <a:rPr lang="en-US" b="1" dirty="0" smtClean="0"/>
+                        <a:rPr lang="en-US" dirty="0" smtClean="0"/>
                         <a:t>18</a:t>
                       </a:r>
-                      <a:endParaRPr lang="en-US" b="1" dirty="0"/>
+                      <a:endParaRPr lang="en-US" dirty="0"/>
                     </a:p>
                   </a:txBody>
                   <a:tcPr>
@@ -21709,9 +23137,7 @@
                       <a:prstDash val="solid"/>
                     </a:lnBlToTr>
                     <a:solidFill>
-                      <a:schemeClr val="bg1">
-                        <a:lumMod val="65000"/>
-                      </a:schemeClr>
+                      <a:schemeClr val="bg1"/>
                     </a:solidFill>
                   </a:tcPr>
                 </a:tc>
@@ -21725,11 +23151,7 @@
                       <a:pPr algn="r"/>
                       <a:r>
                         <a:rPr lang="en-US" dirty="0" smtClean="0"/>
-                        <a:t>Bottom </a:t>
-                      </a:r>
-                      <a:r>
-                        <a:rPr lang="en-US" dirty="0" smtClean="0"/>
-                        <a:t>Not Used</a:t>
+                        <a:t>Bottom Not Used</a:t>
                       </a:r>
                       <a:endParaRPr lang="en-US" dirty="0"/>
                     </a:p>
@@ -22286,10 +23708,10 @@
                     <a:p>
                       <a:pPr algn="ctr"/>
                       <a:r>
-                        <a:rPr lang="en-US" b="1" dirty="0" smtClean="0"/>
+                        <a:rPr lang="en-US" dirty="0" smtClean="0"/>
                         <a:t>8</a:t>
                       </a:r>
-                      <a:endParaRPr lang="en-US" b="1" dirty="0"/>
+                      <a:endParaRPr lang="en-US" dirty="0"/>
                     </a:p>
                   </a:txBody>
                   <a:tcPr>
@@ -22332,9 +23754,7 @@
                       <a:prstDash val="solid"/>
                     </a:lnBlToTr>
                     <a:solidFill>
-                      <a:schemeClr val="bg1">
-                        <a:lumMod val="65000"/>
-                      </a:schemeClr>
+                      <a:schemeClr val="bg1"/>
                     </a:solidFill>
                   </a:tcPr>
                 </a:tc>
@@ -22501,7 +23921,7 @@
     </p:spTree>
     <p:extLst>
       <p:ext uri="{BB962C8B-B14F-4D97-AF65-F5344CB8AC3E}">
-        <p14:creationId xmlns:p14="http://schemas.microsoft.com/office/powerpoint/2010/main" val="2001622348"/>
+        <p14:creationId xmlns:p14="http://schemas.microsoft.com/office/powerpoint/2010/main" val="604591443"/>
       </p:ext>
     </p:extLst>
   </p:cSld>
@@ -22537,164 +23957,185 @@
       </p:grpSpPr>
       <p:grpSp>
         <p:nvGrpSpPr>
-          <p:cNvPr id="18" name="Group 17"/>
+          <p:cNvPr id="15" name="Group 14"/>
           <p:cNvGrpSpPr/>
           <p:nvPr/>
         </p:nvGrpSpPr>
         <p:grpSpPr>
           <a:xfrm>
-            <a:off x="249056" y="3688425"/>
-            <a:ext cx="4021192" cy="2339738"/>
-            <a:chOff x="249056" y="3688425"/>
-            <a:chExt cx="4021192" cy="2339738"/>
+            <a:off x="298274" y="1107531"/>
+            <a:ext cx="8516118" cy="4591309"/>
+            <a:chOff x="1134249" y="2814136"/>
+            <a:chExt cx="6684076" cy="3603597"/>
           </a:xfrm>
         </p:grpSpPr>
-        <p:pic>
-          <p:nvPicPr>
-            <p:cNvPr id="13" name="Picture 12"/>
-            <p:cNvPicPr>
-              <a:picLocks noChangeAspect="1"/>
-            </p:cNvPicPr>
+        <p:grpSp>
+          <p:nvGrpSpPr>
+            <p:cNvPr id="7" name="Group 6"/>
+            <p:cNvGrpSpPr/>
             <p:nvPr/>
-          </p:nvPicPr>
-          <p:blipFill>
-            <a:blip r:embed="rId3">
-              <a:extLst>
-                <a:ext uri="{28A0092B-C50C-407E-A947-70E740481C1C}">
-                  <a14:useLocalDpi xmlns:a14="http://schemas.microsoft.com/office/drawing/2010/main" val="0"/>
-                </a:ext>
-              </a:extLst>
-            </a:blip>
-            <a:stretch>
-              <a:fillRect/>
-            </a:stretch>
-          </p:blipFill>
-          <p:spPr>
+          </p:nvGrpSpPr>
+          <p:grpSpPr>
             <a:xfrm>
-              <a:off x="249056" y="3826401"/>
-              <a:ext cx="4021192" cy="2063786"/>
+              <a:off x="1134249" y="2895599"/>
+              <a:ext cx="6684076" cy="3522134"/>
+              <a:chOff x="1134249" y="2895599"/>
+              <a:chExt cx="6684076" cy="3522134"/>
             </a:xfrm>
-            <a:prstGeom prst="rect">
-              <a:avLst/>
-            </a:prstGeom>
-          </p:spPr>
-        </p:pic>
+          </p:grpSpPr>
+          <p:grpSp>
+            <p:nvGrpSpPr>
+              <p:cNvPr id="5" name="Group 4"/>
+              <p:cNvGrpSpPr/>
+              <p:nvPr/>
+            </p:nvGrpSpPr>
+            <p:grpSpPr>
+              <a:xfrm>
+                <a:off x="1134249" y="2895599"/>
+                <a:ext cx="6684076" cy="3522134"/>
+                <a:chOff x="1803116" y="2506133"/>
+                <a:chExt cx="6684076" cy="3522134"/>
+              </a:xfrm>
+            </p:grpSpPr>
+            <p:pic>
+              <p:nvPicPr>
+                <p:cNvPr id="2" name="Picture 1"/>
+                <p:cNvPicPr>
+                  <a:picLocks noChangeAspect="1"/>
+                </p:cNvPicPr>
+                <p:nvPr/>
+              </p:nvPicPr>
+              <p:blipFill>
+                <a:blip r:embed="rId3">
+                  <a:extLst>
+                    <a:ext uri="{28A0092B-C50C-407E-A947-70E740481C1C}">
+                      <a14:useLocalDpi xmlns:a14="http://schemas.microsoft.com/office/drawing/2010/main" val="0"/>
+                    </a:ext>
+                  </a:extLst>
+                </a:blip>
+                <a:stretch>
+                  <a:fillRect/>
+                </a:stretch>
+              </p:blipFill>
+              <p:spPr>
+                <a:xfrm>
+                  <a:off x="1896532" y="2506133"/>
+                  <a:ext cx="6590660" cy="3522134"/>
+                </a:xfrm>
+                <a:prstGeom prst="rect">
+                  <a:avLst/>
+                </a:prstGeom>
+              </p:spPr>
+            </p:pic>
+            <p:sp>
+              <p:nvSpPr>
+                <p:cNvPr id="3" name="TextBox 2"/>
+                <p:cNvSpPr txBox="1"/>
+                <p:nvPr/>
+              </p:nvSpPr>
+              <p:spPr>
+                <a:xfrm rot="16200000">
+                  <a:off x="1286124" y="3310993"/>
+                  <a:ext cx="1403883" cy="369900"/>
+                </a:xfrm>
+                <a:prstGeom prst="rect">
+                  <a:avLst/>
+                </a:prstGeom>
+                <a:noFill/>
+              </p:spPr>
+              <p:txBody>
+                <a:bodyPr wrap="square" rtlCol="0">
+                  <a:spAutoFit/>
+                </a:bodyPr>
+                <a:lstStyle/>
+                <a:p>
+                  <a:pPr algn="ctr"/>
+                  <a:r>
+                    <a:rPr lang="en-US" sz="2400" smtClean="0"/>
+                    <a:t>Middle</a:t>
+                  </a:r>
+                  <a:endParaRPr lang="en-US" sz="2400"/>
+                </a:p>
+              </p:txBody>
+            </p:sp>
+            <p:sp>
+              <p:nvSpPr>
+                <p:cNvPr id="4" name="TextBox 3"/>
+                <p:cNvSpPr txBox="1"/>
+                <p:nvPr/>
+              </p:nvSpPr>
+              <p:spPr>
+                <a:xfrm rot="16200000">
+                  <a:off x="1285334" y="4852716"/>
+                  <a:ext cx="1405466" cy="369901"/>
+                </a:xfrm>
+                <a:prstGeom prst="rect">
+                  <a:avLst/>
+                </a:prstGeom>
+                <a:noFill/>
+              </p:spPr>
+              <p:txBody>
+                <a:bodyPr wrap="square" rtlCol="0">
+                  <a:spAutoFit/>
+                </a:bodyPr>
+                <a:lstStyle/>
+                <a:p>
+                  <a:pPr algn="ctr"/>
+                  <a:r>
+                    <a:rPr lang="en-US" sz="2400" dirty="0" smtClean="0"/>
+                    <a:t>Bottom</a:t>
+                  </a:r>
+                  <a:endParaRPr lang="en-US" sz="2400" dirty="0"/>
+                </a:p>
+              </p:txBody>
+            </p:sp>
+          </p:grpSp>
+          <p:sp>
+            <p:nvSpPr>
+              <p:cNvPr id="6" name="TextBox 5"/>
+              <p:cNvSpPr txBox="1"/>
+              <p:nvPr/>
+            </p:nvSpPr>
+            <p:spPr>
+              <a:xfrm>
+                <a:off x="5198533" y="6129865"/>
+                <a:ext cx="2336800" cy="265722"/>
+              </a:xfrm>
+              <a:prstGeom prst="rect">
+                <a:avLst/>
+              </a:prstGeom>
+              <a:noFill/>
+            </p:spPr>
+            <p:txBody>
+              <a:bodyPr wrap="square" rtlCol="0">
+                <a:spAutoFit/>
+              </a:bodyPr>
+              <a:lstStyle/>
+              <a:p>
+                <a:pPr algn="r"/>
+                <a:r>
+                  <a:rPr lang="en-US" sz="1600" smtClean="0"/>
+                  <a:t>* representative </a:t>
+                </a:r>
+                <a:r>
+                  <a:rPr lang="en-US" sz="1600" dirty="0" smtClean="0"/>
+                  <a:t>participants</a:t>
+                </a:r>
+                <a:endParaRPr lang="en-US" sz="1600" dirty="0"/>
+              </a:p>
+            </p:txBody>
+          </p:sp>
+        </p:grpSp>
         <p:sp>
           <p:nvSpPr>
-            <p:cNvPr id="14" name="Rectangle 13"/>
-            <p:cNvSpPr/>
-            <p:nvPr/>
-          </p:nvSpPr>
-          <p:spPr>
-            <a:xfrm>
-              <a:off x="473735" y="5462649"/>
-              <a:ext cx="3561122" cy="201982"/>
-            </a:xfrm>
-            <a:prstGeom prst="rect">
-              <a:avLst/>
-            </a:prstGeom>
-            <a:solidFill>
-              <a:schemeClr val="accent4">
-                <a:lumMod val="75000"/>
-                <a:alpha val="27000"/>
-              </a:schemeClr>
-            </a:solidFill>
-            <a:ln w="6350">
-              <a:noFill/>
-            </a:ln>
-          </p:spPr>
-          <p:style>
-            <a:lnRef idx="2">
-              <a:schemeClr val="accent1">
-                <a:shade val="50000"/>
-              </a:schemeClr>
-            </a:lnRef>
-            <a:fillRef idx="1">
-              <a:schemeClr val="accent1"/>
-            </a:fillRef>
-            <a:effectRef idx="0">
-              <a:schemeClr val="accent1"/>
-            </a:effectRef>
-            <a:fontRef idx="minor">
-              <a:schemeClr val="lt1"/>
-            </a:fontRef>
-          </p:style>
-          <p:txBody>
-            <a:bodyPr rtlCol="0" anchor="t"/>
-            <a:lstStyle/>
-            <a:p>
-              <a:pPr marL="2863850"/>
-              <a:endParaRPr lang="en-US" sz="2000" dirty="0">
-                <a:solidFill>
-                  <a:schemeClr val="tx1"/>
-                </a:solidFill>
-              </a:endParaRPr>
-            </a:p>
-          </p:txBody>
-        </p:sp>
-        <p:sp>
-          <p:nvSpPr>
-            <p:cNvPr id="15" name="Rectangle 14"/>
-            <p:cNvSpPr/>
-            <p:nvPr/>
-          </p:nvSpPr>
-          <p:spPr>
-            <a:xfrm>
-              <a:off x="473735" y="4057757"/>
-              <a:ext cx="3561122" cy="201982"/>
-            </a:xfrm>
-            <a:prstGeom prst="rect">
-              <a:avLst/>
-            </a:prstGeom>
-            <a:solidFill>
-              <a:schemeClr val="accent4">
-                <a:lumMod val="75000"/>
-                <a:alpha val="27000"/>
-              </a:schemeClr>
-            </a:solidFill>
-            <a:ln w="6350">
-              <a:noFill/>
-            </a:ln>
-          </p:spPr>
-          <p:style>
-            <a:lnRef idx="2">
-              <a:schemeClr val="accent1">
-                <a:shade val="50000"/>
-              </a:schemeClr>
-            </a:lnRef>
-            <a:fillRef idx="1">
-              <a:schemeClr val="accent1"/>
-            </a:fillRef>
-            <a:effectRef idx="0">
-              <a:schemeClr val="accent1"/>
-            </a:effectRef>
-            <a:fontRef idx="minor">
-              <a:schemeClr val="lt1"/>
-            </a:fontRef>
-          </p:style>
-          <p:txBody>
-            <a:bodyPr rtlCol="0" anchor="t"/>
-            <a:lstStyle/>
-            <a:p>
-              <a:pPr marL="2863850"/>
-              <a:endParaRPr lang="en-US" sz="2000" dirty="0">
-                <a:solidFill>
-                  <a:schemeClr val="tx1"/>
-                </a:solidFill>
-              </a:endParaRPr>
-            </a:p>
-          </p:txBody>
-        </p:sp>
-        <p:sp>
-          <p:nvSpPr>
-            <p:cNvPr id="16" name="TextBox 15"/>
+            <p:cNvPr id="9" name="TextBox 8"/>
             <p:cNvSpPr txBox="1"/>
             <p:nvPr/>
           </p:nvSpPr>
           <p:spPr>
             <a:xfrm>
-              <a:off x="1913468" y="3688425"/>
-              <a:ext cx="722698" cy="369332"/>
+              <a:off x="1503865" y="2818094"/>
+              <a:ext cx="1417135" cy="665821"/>
             </a:xfrm>
             <a:prstGeom prst="rect">
               <a:avLst/>
@@ -22702,29 +24143,30 @@
             <a:noFill/>
           </p:spPr>
           <p:txBody>
-            <a:bodyPr wrap="none" rtlCol="0">
+            <a:bodyPr wrap="square" rtlCol="0">
               <a:spAutoFit/>
             </a:bodyPr>
             <a:lstStyle/>
             <a:p>
+              <a:pPr algn="ctr"/>
               <a:r>
-                <a:rPr lang="en-US" dirty="0" smtClean="0"/>
-                <a:t>“Top”</a:t>
+                <a:rPr lang="en-US" sz="2400" dirty="0" smtClean="0"/>
+                <a:t>Four Corners</a:t>
               </a:r>
-              <a:endParaRPr lang="en-US" dirty="0"/>
+              <a:endParaRPr lang="en-US" sz="2400" dirty="0"/>
             </a:p>
           </p:txBody>
         </p:sp>
         <p:sp>
           <p:nvSpPr>
-            <p:cNvPr id="17" name="TextBox 16"/>
+            <p:cNvPr id="12" name="TextBox 11"/>
             <p:cNvSpPr txBox="1"/>
             <p:nvPr/>
           </p:nvSpPr>
           <p:spPr>
             <a:xfrm>
-              <a:off x="1720306" y="5658831"/>
-              <a:ext cx="1078693" cy="369332"/>
+              <a:off x="3055748" y="2818094"/>
+              <a:ext cx="1406185" cy="369900"/>
             </a:xfrm>
             <a:prstGeom prst="rect">
               <a:avLst/>
@@ -22732,1266 +24174,87 @@
             <a:noFill/>
           </p:spPr>
           <p:txBody>
-            <a:bodyPr wrap="none" rtlCol="0">
+            <a:bodyPr wrap="square" rtlCol="0">
               <a:spAutoFit/>
             </a:bodyPr>
             <a:lstStyle/>
             <a:p>
+              <a:pPr algn="ctr"/>
               <a:r>
-                <a:rPr lang="en-US" dirty="0" smtClean="0"/>
-                <a:t>“Bottom”</a:t>
+                <a:rPr lang="en-US" sz="2400" smtClean="0"/>
+                <a:t>Row</a:t>
               </a:r>
-              <a:endParaRPr lang="en-US" dirty="0"/>
+              <a:endParaRPr lang="en-US" sz="2400" dirty="0"/>
+            </a:p>
+          </p:txBody>
+        </p:sp>
+        <p:sp>
+          <p:nvSpPr>
+            <p:cNvPr id="13" name="TextBox 12"/>
+            <p:cNvSpPr txBox="1"/>
+            <p:nvPr/>
+          </p:nvSpPr>
+          <p:spPr>
+            <a:xfrm>
+              <a:off x="4596681" y="2814136"/>
+              <a:ext cx="1406185" cy="369900"/>
+            </a:xfrm>
+            <a:prstGeom prst="rect">
+              <a:avLst/>
+            </a:prstGeom>
+            <a:noFill/>
+          </p:spPr>
+          <p:txBody>
+            <a:bodyPr wrap="square" rtlCol="0">
+              <a:spAutoFit/>
+            </a:bodyPr>
+            <a:lstStyle/>
+            <a:p>
+              <a:pPr algn="ctr"/>
+              <a:r>
+                <a:rPr lang="en-US" sz="2400" dirty="0" smtClean="0"/>
+                <a:t>Column</a:t>
+              </a:r>
+              <a:endParaRPr lang="en-US" sz="2400" dirty="0"/>
+            </a:p>
+          </p:txBody>
+        </p:sp>
+        <p:sp>
+          <p:nvSpPr>
+            <p:cNvPr id="14" name="TextBox 13"/>
+            <p:cNvSpPr txBox="1"/>
+            <p:nvPr/>
+          </p:nvSpPr>
+          <p:spPr>
+            <a:xfrm>
+              <a:off x="6129147" y="2814136"/>
+              <a:ext cx="1406185" cy="369900"/>
+            </a:xfrm>
+            <a:prstGeom prst="rect">
+              <a:avLst/>
+            </a:prstGeom>
+            <a:noFill/>
+          </p:spPr>
+          <p:txBody>
+            <a:bodyPr wrap="square" rtlCol="0">
+              <a:spAutoFit/>
+            </a:bodyPr>
+            <a:lstStyle/>
+            <a:p>
+              <a:pPr algn="ctr"/>
+              <a:r>
+                <a:rPr lang="en-US" sz="2400" smtClean="0"/>
+                <a:t>Cluster</a:t>
+              </a:r>
+              <a:endParaRPr lang="en-US" sz="2400" dirty="0"/>
             </a:p>
           </p:txBody>
         </p:sp>
       </p:grpSp>
-      <p:sp>
-        <p:nvSpPr>
-          <p:cNvPr id="19" name="TextBox 18"/>
-          <p:cNvSpPr txBox="1"/>
-          <p:nvPr/>
-        </p:nvSpPr>
-        <p:spPr>
-          <a:xfrm>
-            <a:off x="249056" y="398534"/>
-            <a:ext cx="8725011" cy="738664"/>
-          </a:xfrm>
-          <a:prstGeom prst="rect">
-            <a:avLst/>
-          </a:prstGeom>
-          <a:noFill/>
-        </p:spPr>
-        <p:txBody>
-          <a:bodyPr wrap="square" rtlCol="0">
-            <a:spAutoFit/>
-          </a:bodyPr>
-          <a:lstStyle/>
-          <a:p>
-            <a:pPr algn="ctr"/>
-            <a:r>
-              <a:rPr lang="en-US" sz="2200" b="1" dirty="0" smtClean="0"/>
-              <a:t>Question</a:t>
-            </a:r>
-            <a:r>
-              <a:rPr lang="en-US" sz="2200" dirty="0" smtClean="0"/>
-              <a:t>:</a:t>
-            </a:r>
-            <a:r>
-              <a:rPr lang="en-US" sz="2200" dirty="0"/>
-              <a:t> </a:t>
-            </a:r>
-            <a:r>
-              <a:rPr lang="en-US" sz="2200" dirty="0" smtClean="0"/>
-              <a:t>Does contrast influence how people generate categories?</a:t>
-            </a:r>
-          </a:p>
-          <a:p>
-            <a:pPr algn="ctr"/>
-            <a:endParaRPr lang="en-US" sz="2000" dirty="0" smtClean="0"/>
-          </a:p>
-        </p:txBody>
-      </p:sp>
-      <p:sp>
-        <p:nvSpPr>
-          <p:cNvPr id="2" name="TextBox 1"/>
-          <p:cNvSpPr txBox="1"/>
-          <p:nvPr/>
-        </p:nvSpPr>
-        <p:spPr>
-          <a:xfrm>
-            <a:off x="1149068" y="1321123"/>
-            <a:ext cx="6643561" cy="1231106"/>
-          </a:xfrm>
-          <a:prstGeom prst="rect">
-            <a:avLst/>
-          </a:prstGeom>
-          <a:noFill/>
-        </p:spPr>
-        <p:txBody>
-          <a:bodyPr wrap="square" rtlCol="0">
-            <a:spAutoFit/>
-          </a:bodyPr>
-          <a:lstStyle/>
-          <a:p>
-            <a:pPr marL="285750" indent="-285750">
-              <a:spcAft>
-                <a:spcPts val="1200"/>
-              </a:spcAft>
-              <a:buFontTx/>
-              <a:buChar char="-"/>
-            </a:pPr>
-            <a:r>
-              <a:rPr lang="en-US" dirty="0" smtClean="0"/>
-              <a:t>Only 10 participants did </a:t>
-            </a:r>
-            <a:r>
-              <a:rPr lang="en-US" b="1" dirty="0" smtClean="0"/>
-              <a:t>not </a:t>
-            </a:r>
-            <a:r>
-              <a:rPr lang="en-US" dirty="0" smtClean="0"/>
-              <a:t>use the the top and/or bottom.</a:t>
-            </a:r>
-          </a:p>
-          <a:p>
-            <a:pPr marL="285750" indent="-285750">
-              <a:spcAft>
-                <a:spcPts val="1200"/>
-              </a:spcAft>
-              <a:buFontTx/>
-              <a:buChar char="-"/>
-            </a:pPr>
-            <a:r>
-              <a:rPr lang="en-US" dirty="0" smtClean="0"/>
-              <a:t>Middle participants were more likely to use the bottom, </a:t>
-            </a:r>
-            <a:r>
-              <a:rPr lang="en-US" i="1" dirty="0" smtClean="0"/>
-              <a:t>p </a:t>
-            </a:r>
-            <a:r>
-              <a:rPr lang="en-US" dirty="0" smtClean="0"/>
-              <a:t>&lt; 0.001.</a:t>
-            </a:r>
-          </a:p>
-          <a:p>
-            <a:pPr marL="285750" indent="-285750">
-              <a:spcAft>
-                <a:spcPts val="1200"/>
-              </a:spcAft>
-              <a:buFontTx/>
-              <a:buChar char="-"/>
-            </a:pPr>
-            <a:r>
-              <a:rPr lang="en-US" dirty="0" smtClean="0"/>
-              <a:t>Conditions do not differ in top use, </a:t>
-            </a:r>
-            <a:r>
-              <a:rPr lang="en-US" i="1" dirty="0" smtClean="0"/>
-              <a:t>p</a:t>
-            </a:r>
-            <a:r>
-              <a:rPr lang="en-US" dirty="0" smtClean="0"/>
-              <a:t> = 0.16</a:t>
-            </a:r>
-            <a:endParaRPr lang="en-US" dirty="0"/>
-          </a:p>
-        </p:txBody>
-      </p:sp>
-      <p:graphicFrame>
-        <p:nvGraphicFramePr>
-          <p:cNvPr id="12" name="Table 11"/>
-          <p:cNvGraphicFramePr>
-            <a:graphicFrameLocks noGrp="1"/>
-          </p:cNvGraphicFramePr>
-          <p:nvPr>
-            <p:extLst>
-              <p:ext uri="{D42A27DB-BD31-4B8C-83A1-F6EECF244321}">
-                <p14:modId xmlns:p14="http://schemas.microsoft.com/office/powerpoint/2010/main" val="1743812276"/>
-              </p:ext>
-            </p:extLst>
-          </p:nvPr>
-        </p:nvGraphicFramePr>
-        <p:xfrm>
-          <a:off x="4270248" y="3473994"/>
-          <a:ext cx="4535424" cy="2768600"/>
-        </p:xfrm>
-        <a:graphic>
-          <a:graphicData uri="http://schemas.openxmlformats.org/drawingml/2006/table">
-            <a:tbl>
-              <a:tblPr firstRow="1" bandRow="1">
-                <a:tableStyleId>{5940675A-B579-460E-94D1-54222C63F5DA}</a:tableStyleId>
-              </a:tblPr>
-              <a:tblGrid>
-                <a:gridCol w="1911096"/>
-                <a:gridCol w="1161288"/>
-                <a:gridCol w="1463040"/>
-              </a:tblGrid>
-              <a:tr h="370840">
-                <a:tc>
-                  <a:txBody>
-                    <a:bodyPr/>
-                    <a:lstStyle/>
-                    <a:p>
-                      <a:pPr algn="ctr"/>
-                      <a:r>
-                        <a:rPr lang="en-US" sz="2400" b="1" dirty="0" smtClean="0"/>
-                        <a:t>Middle</a:t>
-                      </a:r>
-                      <a:endParaRPr lang="en-US" sz="2400" b="1" dirty="0"/>
-                    </a:p>
-                  </a:txBody>
-                  <a:tcPr anchor="ctr">
-                    <a:lnL w="12700" cap="flat" cmpd="sng" algn="ctr">
-                      <a:noFill/>
-                      <a:prstDash val="solid"/>
-                      <a:round/>
-                      <a:headEnd type="none" w="med" len="med"/>
-                      <a:tailEnd type="none" w="med" len="med"/>
-                    </a:lnL>
-                    <a:lnR w="12700" cmpd="sng">
-                      <a:noFill/>
-                    </a:lnR>
-                    <a:lnT w="12700" cap="flat" cmpd="sng" algn="ctr">
-                      <a:noFill/>
-                      <a:prstDash val="solid"/>
-                      <a:round/>
-                      <a:headEnd type="none" w="med" len="med"/>
-                      <a:tailEnd type="none" w="med" len="med"/>
-                    </a:lnT>
-                    <a:lnB w="12700" cmpd="sng">
-                      <a:noFill/>
-                    </a:lnB>
-                    <a:solidFill>
-                      <a:schemeClr val="bg1"/>
-                    </a:solidFill>
-                  </a:tcPr>
-                </a:tc>
-                <a:tc>
-                  <a:txBody>
-                    <a:bodyPr/>
-                    <a:lstStyle/>
-                    <a:p>
-                      <a:pPr algn="ctr"/>
-                      <a:r>
-                        <a:rPr lang="en-US" dirty="0" smtClean="0"/>
-                        <a:t>Top Used</a:t>
-                      </a:r>
-                      <a:endParaRPr lang="en-US" dirty="0"/>
-                    </a:p>
-                  </a:txBody>
-                  <a:tcPr anchor="b">
-                    <a:lnL w="12700" cmpd="sng">
-                      <a:noFill/>
-                    </a:lnL>
-                    <a:lnR w="12700" cmpd="sng">
-                      <a:noFill/>
-                    </a:lnR>
-                    <a:lnT w="12700" cmpd="sng">
-                      <a:noFill/>
-                    </a:lnT>
-                    <a:lnB w="12700" cap="flat" cmpd="sng" algn="ctr">
-                      <a:solidFill>
-                        <a:schemeClr val="tx1"/>
-                      </a:solidFill>
-                      <a:prstDash val="solid"/>
-                      <a:round/>
-                      <a:headEnd type="none" w="med" len="med"/>
-                      <a:tailEnd type="none" w="med" len="med"/>
-                    </a:lnB>
-                    <a:lnTlToBr w="12700" cmpd="sng">
-                      <a:noFill/>
-                      <a:prstDash val="solid"/>
-                    </a:lnTlToBr>
-                    <a:lnBlToTr w="12700" cmpd="sng">
-                      <a:noFill/>
-                      <a:prstDash val="solid"/>
-                    </a:lnBlToTr>
-                    <a:solidFill>
-                      <a:schemeClr val="bg1"/>
-                    </a:solidFill>
-                  </a:tcPr>
-                </a:tc>
-                <a:tc>
-                  <a:txBody>
-                    <a:bodyPr/>
-                    <a:lstStyle/>
-                    <a:p>
-                      <a:pPr algn="ctr"/>
-                      <a:r>
-                        <a:rPr lang="en-US" dirty="0" smtClean="0"/>
-                        <a:t>Top </a:t>
-                      </a:r>
-                      <a:r>
-                        <a:rPr lang="en-US" dirty="0" smtClean="0"/>
-                        <a:t>Not Used</a:t>
-                      </a:r>
-                      <a:endParaRPr lang="en-US" dirty="0"/>
-                    </a:p>
-                  </a:txBody>
-                  <a:tcPr anchor="b">
-                    <a:lnL w="12700" cmpd="sng">
-                      <a:noFill/>
-                    </a:lnL>
-                    <a:lnR w="12700" cmpd="sng">
-                      <a:noFill/>
-                    </a:lnR>
-                    <a:lnT w="12700" cmpd="sng">
-                      <a:noFill/>
-                    </a:lnT>
-                    <a:lnB w="12700" cap="flat" cmpd="sng" algn="ctr">
-                      <a:solidFill>
-                        <a:schemeClr val="tx1"/>
-                      </a:solidFill>
-                      <a:prstDash val="solid"/>
-                      <a:round/>
-                      <a:headEnd type="none" w="med" len="med"/>
-                      <a:tailEnd type="none" w="med" len="med"/>
-                    </a:lnB>
-                    <a:lnTlToBr w="12700" cmpd="sng">
-                      <a:noFill/>
-                      <a:prstDash val="solid"/>
-                    </a:lnTlToBr>
-                    <a:lnBlToTr w="12700" cmpd="sng">
-                      <a:noFill/>
-                      <a:prstDash val="solid"/>
-                    </a:lnBlToTr>
-                    <a:solidFill>
-                      <a:schemeClr val="bg1"/>
-                    </a:solidFill>
-                  </a:tcPr>
-                </a:tc>
-              </a:tr>
-              <a:tr h="370840">
-                <a:tc>
-                  <a:txBody>
-                    <a:bodyPr/>
-                    <a:lstStyle/>
-                    <a:p>
-                      <a:pPr algn="r"/>
-                      <a:r>
-                        <a:rPr lang="en-US" dirty="0" smtClean="0"/>
-                        <a:t>Bottom Used</a:t>
-                      </a:r>
-                      <a:endParaRPr lang="en-US" dirty="0"/>
-                    </a:p>
-                  </a:txBody>
-                  <a:tcPr>
-                    <a:lnL w="12700" cmpd="sng">
-                      <a:noFill/>
-                    </a:lnL>
-                    <a:lnR w="12700" cap="flat" cmpd="sng" algn="ctr">
-                      <a:noFill/>
-                      <a:prstDash val="solid"/>
-                      <a:round/>
-                      <a:headEnd type="none" w="med" len="med"/>
-                      <a:tailEnd type="none" w="med" len="med"/>
-                    </a:lnR>
-                    <a:lnT w="12700" cmpd="sng">
-                      <a:noFill/>
-                    </a:lnT>
-                    <a:lnB w="12700" cmpd="sng">
-                      <a:noFill/>
-                    </a:lnB>
-                    <a:lnTlToBr w="12700" cmpd="sng">
-                      <a:noFill/>
-                      <a:prstDash val="solid"/>
-                    </a:lnTlToBr>
-                    <a:lnBlToTr w="12700" cmpd="sng">
-                      <a:noFill/>
-                      <a:prstDash val="solid"/>
-                    </a:lnBlToTr>
-                    <a:solidFill>
-                      <a:schemeClr val="bg1"/>
-                    </a:solidFill>
-                  </a:tcPr>
-                </a:tc>
-                <a:tc>
-                  <a:txBody>
-                    <a:bodyPr/>
-                    <a:lstStyle/>
-                    <a:p>
-                      <a:pPr algn="ctr"/>
-                      <a:r>
-                        <a:rPr lang="en-US" b="1" dirty="0" smtClean="0"/>
-                        <a:t>28</a:t>
-                      </a:r>
-                      <a:endParaRPr lang="en-US" b="1" dirty="0"/>
-                    </a:p>
-                  </a:txBody>
-                  <a:tcPr>
-                    <a:lnL w="12700" cap="flat" cmpd="sng" algn="ctr">
-                      <a:noFill/>
-                      <a:prstDash val="solid"/>
-                      <a:round/>
-                      <a:headEnd type="none" w="med" len="med"/>
-                      <a:tailEnd type="none" w="med" len="med"/>
-                    </a:lnL>
-                    <a:lnR w="12700" cap="flat" cmpd="sng" algn="ctr">
-                      <a:noFill/>
-                      <a:prstDash val="solid"/>
-                      <a:round/>
-                      <a:headEnd type="none" w="med" len="med"/>
-                      <a:tailEnd type="none" w="med" len="med"/>
-                    </a:lnR>
-                    <a:lnT w="12700" cap="flat" cmpd="sng" algn="ctr">
-                      <a:solidFill>
-                        <a:schemeClr val="tx1"/>
-                      </a:solidFill>
-                      <a:prstDash val="solid"/>
-                      <a:round/>
-                      <a:headEnd type="none" w="med" len="med"/>
-                      <a:tailEnd type="none" w="med" len="med"/>
-                    </a:lnT>
-                    <a:lnB w="12700" cap="flat" cmpd="sng" algn="ctr">
-                      <a:noFill/>
-                      <a:prstDash val="solid"/>
-                      <a:round/>
-                      <a:headEnd type="none" w="med" len="med"/>
-                      <a:tailEnd type="none" w="med" len="med"/>
-                    </a:lnB>
-                    <a:lnTlToBr w="12700" cmpd="sng">
-                      <a:noFill/>
-                      <a:prstDash val="solid"/>
-                    </a:lnTlToBr>
-                    <a:lnBlToTr w="12700" cmpd="sng">
-                      <a:noFill/>
-                      <a:prstDash val="solid"/>
-                    </a:lnBlToTr>
-                    <a:solidFill>
-                      <a:schemeClr val="bg1">
-                        <a:lumMod val="65000"/>
-                      </a:schemeClr>
-                    </a:solidFill>
-                  </a:tcPr>
-                </a:tc>
-                <a:tc>
-                  <a:txBody>
-                    <a:bodyPr/>
-                    <a:lstStyle/>
-                    <a:p>
-                      <a:pPr algn="ctr"/>
-                      <a:r>
-                        <a:rPr lang="en-US" dirty="0" smtClean="0"/>
-                        <a:t>18</a:t>
-                      </a:r>
-                      <a:endParaRPr lang="en-US" dirty="0"/>
-                    </a:p>
-                  </a:txBody>
-                  <a:tcPr>
-                    <a:lnL w="12700" cap="flat" cmpd="sng" algn="ctr">
-                      <a:noFill/>
-                      <a:prstDash val="solid"/>
-                      <a:round/>
-                      <a:headEnd type="none" w="med" len="med"/>
-                      <a:tailEnd type="none" w="med" len="med"/>
-                    </a:lnL>
-                    <a:lnR w="12700" cap="flat" cmpd="sng" algn="ctr">
-                      <a:noFill/>
-                      <a:prstDash val="solid"/>
-                      <a:round/>
-                      <a:headEnd type="none" w="med" len="med"/>
-                      <a:tailEnd type="none" w="med" len="med"/>
-                    </a:lnR>
-                    <a:lnT w="12700" cap="flat" cmpd="sng" algn="ctr">
-                      <a:solidFill>
-                        <a:schemeClr val="tx1"/>
-                      </a:solidFill>
-                      <a:prstDash val="solid"/>
-                      <a:round/>
-                      <a:headEnd type="none" w="med" len="med"/>
-                      <a:tailEnd type="none" w="med" len="med"/>
-                    </a:lnT>
-                    <a:lnB w="12700" cap="flat" cmpd="sng" algn="ctr">
-                      <a:noFill/>
-                      <a:prstDash val="solid"/>
-                      <a:round/>
-                      <a:headEnd type="none" w="med" len="med"/>
-                      <a:tailEnd type="none" w="med" len="med"/>
-                    </a:lnB>
-                    <a:lnTlToBr w="12700" cmpd="sng">
-                      <a:noFill/>
-                      <a:prstDash val="solid"/>
-                    </a:lnTlToBr>
-                    <a:lnBlToTr w="12700" cmpd="sng">
-                      <a:noFill/>
-                      <a:prstDash val="solid"/>
-                    </a:lnBlToTr>
-                    <a:solidFill>
-                      <a:schemeClr val="bg1"/>
-                    </a:solidFill>
-                  </a:tcPr>
-                </a:tc>
-              </a:tr>
-              <a:tr h="370840">
-                <a:tc>
-                  <a:txBody>
-                    <a:bodyPr/>
-                    <a:lstStyle/>
-                    <a:p>
-                      <a:pPr algn="r"/>
-                      <a:r>
-                        <a:rPr lang="en-US" dirty="0" smtClean="0"/>
-                        <a:t>Bottom </a:t>
-                      </a:r>
-                      <a:r>
-                        <a:rPr lang="en-US" dirty="0" smtClean="0"/>
-                        <a:t>Not Used</a:t>
-                      </a:r>
-                      <a:endParaRPr lang="en-US" dirty="0"/>
-                    </a:p>
-                  </a:txBody>
-                  <a:tcPr>
-                    <a:lnL w="12700" cmpd="sng">
-                      <a:noFill/>
-                    </a:lnL>
-                    <a:lnR w="12700" cap="flat" cmpd="sng" algn="ctr">
-                      <a:noFill/>
-                      <a:prstDash val="solid"/>
-                      <a:round/>
-                      <a:headEnd type="none" w="med" len="med"/>
-                      <a:tailEnd type="none" w="med" len="med"/>
-                    </a:lnR>
-                    <a:lnT w="12700" cmpd="sng">
-                      <a:noFill/>
-                    </a:lnT>
-                    <a:lnB w="12700" cmpd="sng">
-                      <a:noFill/>
-                    </a:lnB>
-                    <a:lnTlToBr w="12700" cmpd="sng">
-                      <a:noFill/>
-                      <a:prstDash val="solid"/>
-                    </a:lnTlToBr>
-                    <a:lnBlToTr w="12700" cmpd="sng">
-                      <a:noFill/>
-                      <a:prstDash val="solid"/>
-                    </a:lnBlToTr>
-                    <a:solidFill>
-                      <a:schemeClr val="bg1"/>
-                    </a:solidFill>
-                  </a:tcPr>
-                </a:tc>
-                <a:tc>
-                  <a:txBody>
-                    <a:bodyPr/>
-                    <a:lstStyle/>
-                    <a:p>
-                      <a:pPr algn="ctr"/>
-                      <a:r>
-                        <a:rPr lang="en-US" b="1" dirty="0" smtClean="0"/>
-                        <a:t>11</a:t>
-                      </a:r>
-                      <a:endParaRPr lang="en-US" b="1" dirty="0"/>
-                    </a:p>
-                  </a:txBody>
-                  <a:tcPr>
-                    <a:lnL w="12700" cap="flat" cmpd="sng" algn="ctr">
-                      <a:noFill/>
-                      <a:prstDash val="solid"/>
-                      <a:round/>
-                      <a:headEnd type="none" w="med" len="med"/>
-                      <a:tailEnd type="none" w="med" len="med"/>
-                    </a:lnL>
-                    <a:lnR w="12700" cap="flat" cmpd="sng" algn="ctr">
-                      <a:noFill/>
-                      <a:prstDash val="solid"/>
-                      <a:round/>
-                      <a:headEnd type="none" w="med" len="med"/>
-                      <a:tailEnd type="none" w="med" len="med"/>
-                    </a:lnR>
-                    <a:lnT w="12700" cap="flat" cmpd="sng" algn="ctr">
-                      <a:noFill/>
-                      <a:prstDash val="solid"/>
-                      <a:round/>
-                      <a:headEnd type="none" w="med" len="med"/>
-                      <a:tailEnd type="none" w="med" len="med"/>
-                    </a:lnT>
-                    <a:lnB w="12700" cap="flat" cmpd="sng" algn="ctr">
-                      <a:noFill/>
-                      <a:prstDash val="solid"/>
-                      <a:round/>
-                      <a:headEnd type="none" w="med" len="med"/>
-                      <a:tailEnd type="none" w="med" len="med"/>
-                    </a:lnB>
-                    <a:lnTlToBr w="12700" cmpd="sng">
-                      <a:noFill/>
-                      <a:prstDash val="solid"/>
-                    </a:lnTlToBr>
-                    <a:lnBlToTr w="12700" cmpd="sng">
-                      <a:noFill/>
-                      <a:prstDash val="solid"/>
-                    </a:lnBlToTr>
-                    <a:solidFill>
-                      <a:schemeClr val="bg1">
-                        <a:lumMod val="65000"/>
-                      </a:schemeClr>
-                    </a:solidFill>
-                  </a:tcPr>
-                </a:tc>
-                <a:tc>
-                  <a:txBody>
-                    <a:bodyPr/>
-                    <a:lstStyle/>
-                    <a:p>
-                      <a:pPr algn="ctr"/>
-                      <a:r>
-                        <a:rPr lang="en-US" dirty="0" smtClean="0"/>
-                        <a:t>4</a:t>
-                      </a:r>
-                    </a:p>
-                  </a:txBody>
-                  <a:tcPr>
-                    <a:lnL w="12700" cap="flat" cmpd="sng" algn="ctr">
-                      <a:noFill/>
-                      <a:prstDash val="solid"/>
-                      <a:round/>
-                      <a:headEnd type="none" w="med" len="med"/>
-                      <a:tailEnd type="none" w="med" len="med"/>
-                    </a:lnL>
-                    <a:lnR w="12700" cap="flat" cmpd="sng" algn="ctr">
-                      <a:noFill/>
-                      <a:prstDash val="solid"/>
-                      <a:round/>
-                      <a:headEnd type="none" w="med" len="med"/>
-                      <a:tailEnd type="none" w="med" len="med"/>
-                    </a:lnR>
-                    <a:lnT w="12700" cap="flat" cmpd="sng" algn="ctr">
-                      <a:noFill/>
-                      <a:prstDash val="solid"/>
-                      <a:round/>
-                      <a:headEnd type="none" w="med" len="med"/>
-                      <a:tailEnd type="none" w="med" len="med"/>
-                    </a:lnT>
-                    <a:lnB w="12700" cap="flat" cmpd="sng" algn="ctr">
-                      <a:noFill/>
-                      <a:prstDash val="solid"/>
-                      <a:round/>
-                      <a:headEnd type="none" w="med" len="med"/>
-                      <a:tailEnd type="none" w="med" len="med"/>
-                    </a:lnB>
-                    <a:lnTlToBr w="12700" cmpd="sng">
-                      <a:noFill/>
-                      <a:prstDash val="solid"/>
-                    </a:lnTlToBr>
-                    <a:lnBlToTr w="12700" cmpd="sng">
-                      <a:noFill/>
-                      <a:prstDash val="solid"/>
-                    </a:lnBlToTr>
-                    <a:solidFill>
-                      <a:schemeClr val="bg1"/>
-                    </a:solidFill>
-                  </a:tcPr>
-                </a:tc>
-              </a:tr>
-              <a:tr h="370840">
-                <a:tc>
-                  <a:txBody>
-                    <a:bodyPr/>
-                    <a:lstStyle/>
-                    <a:p>
-                      <a:pPr algn="r"/>
-                      <a:endParaRPr lang="en-US" dirty="0"/>
-                    </a:p>
-                  </a:txBody>
-                  <a:tcPr>
-                    <a:lnL w="12700" cmpd="sng">
-                      <a:noFill/>
-                    </a:lnL>
-                    <a:lnR w="12700" cap="flat" cmpd="sng" algn="ctr">
-                      <a:noFill/>
-                      <a:prstDash val="solid"/>
-                      <a:round/>
-                      <a:headEnd type="none" w="med" len="med"/>
-                      <a:tailEnd type="none" w="med" len="med"/>
-                    </a:lnR>
-                    <a:lnT w="12700" cmpd="sng">
-                      <a:noFill/>
-                    </a:lnT>
-                    <a:lnB w="12700" cmpd="sng">
-                      <a:noFill/>
-                    </a:lnB>
-                    <a:lnTlToBr w="12700" cmpd="sng">
-                      <a:noFill/>
-                      <a:prstDash val="solid"/>
-                    </a:lnTlToBr>
-                    <a:lnBlToTr w="12700" cmpd="sng">
-                      <a:noFill/>
-                      <a:prstDash val="solid"/>
-                    </a:lnBlToTr>
-                    <a:solidFill>
-                      <a:schemeClr val="bg1"/>
-                    </a:solidFill>
-                  </a:tcPr>
-                </a:tc>
-                <a:tc>
-                  <a:txBody>
-                    <a:bodyPr/>
-                    <a:lstStyle/>
-                    <a:p>
-                      <a:pPr algn="ctr"/>
-                      <a:endParaRPr lang="en-US" dirty="0"/>
-                    </a:p>
-                  </a:txBody>
-                  <a:tcPr>
-                    <a:lnL w="12700" cap="flat" cmpd="sng" algn="ctr">
-                      <a:noFill/>
-                      <a:prstDash val="solid"/>
-                      <a:round/>
-                      <a:headEnd type="none" w="med" len="med"/>
-                      <a:tailEnd type="none" w="med" len="med"/>
-                    </a:lnL>
-                    <a:lnR w="12700" cap="flat" cmpd="sng" algn="ctr">
-                      <a:noFill/>
-                      <a:prstDash val="solid"/>
-                      <a:round/>
-                      <a:headEnd type="none" w="med" len="med"/>
-                      <a:tailEnd type="none" w="med" len="med"/>
-                    </a:lnR>
-                    <a:lnT w="12700" cap="flat" cmpd="sng" algn="ctr">
-                      <a:noFill/>
-                      <a:prstDash val="solid"/>
-                      <a:round/>
-                      <a:headEnd type="none" w="med" len="med"/>
-                      <a:tailEnd type="none" w="med" len="med"/>
-                    </a:lnT>
-                    <a:lnB w="12700" cap="flat" cmpd="sng" algn="ctr">
-                      <a:noFill/>
-                      <a:prstDash val="solid"/>
-                      <a:round/>
-                      <a:headEnd type="none" w="med" len="med"/>
-                      <a:tailEnd type="none" w="med" len="med"/>
-                    </a:lnB>
-                    <a:lnTlToBr w="12700" cmpd="sng">
-                      <a:noFill/>
-                      <a:prstDash val="solid"/>
-                    </a:lnTlToBr>
-                    <a:lnBlToTr w="12700" cmpd="sng">
-                      <a:noFill/>
-                      <a:prstDash val="solid"/>
-                    </a:lnBlToTr>
-                    <a:solidFill>
-                      <a:schemeClr val="bg1"/>
-                    </a:solidFill>
-                  </a:tcPr>
-                </a:tc>
-                <a:tc>
-                  <a:txBody>
-                    <a:bodyPr/>
-                    <a:lstStyle/>
-                    <a:p>
-                      <a:pPr algn="ctr"/>
-                      <a:endParaRPr lang="en-US" dirty="0" smtClean="0"/>
-                    </a:p>
-                  </a:txBody>
-                  <a:tcPr>
-                    <a:lnL w="12700" cap="flat" cmpd="sng" algn="ctr">
-                      <a:noFill/>
-                      <a:prstDash val="solid"/>
-                      <a:round/>
-                      <a:headEnd type="none" w="med" len="med"/>
-                      <a:tailEnd type="none" w="med" len="med"/>
-                    </a:lnL>
-                    <a:lnR w="12700" cap="flat" cmpd="sng" algn="ctr">
-                      <a:noFill/>
-                      <a:prstDash val="solid"/>
-                      <a:round/>
-                      <a:headEnd type="none" w="med" len="med"/>
-                      <a:tailEnd type="none" w="med" len="med"/>
-                    </a:lnR>
-                    <a:lnT w="12700" cap="flat" cmpd="sng" algn="ctr">
-                      <a:noFill/>
-                      <a:prstDash val="solid"/>
-                      <a:round/>
-                      <a:headEnd type="none" w="med" len="med"/>
-                      <a:tailEnd type="none" w="med" len="med"/>
-                    </a:lnT>
-                    <a:lnB w="12700" cap="flat" cmpd="sng" algn="ctr">
-                      <a:noFill/>
-                      <a:prstDash val="solid"/>
-                      <a:round/>
-                      <a:headEnd type="none" w="med" len="med"/>
-                      <a:tailEnd type="none" w="med" len="med"/>
-                    </a:lnB>
-                    <a:lnTlToBr w="12700" cmpd="sng">
-                      <a:noFill/>
-                      <a:prstDash val="solid"/>
-                    </a:lnTlToBr>
-                    <a:lnBlToTr w="12700" cmpd="sng">
-                      <a:noFill/>
-                      <a:prstDash val="solid"/>
-                    </a:lnBlToTr>
-                    <a:solidFill>
-                      <a:schemeClr val="bg1"/>
-                    </a:solidFill>
-                  </a:tcPr>
-                </a:tc>
-              </a:tr>
-              <a:tr h="370840">
-                <a:tc>
-                  <a:txBody>
-                    <a:bodyPr/>
-                    <a:lstStyle/>
-                    <a:p>
-                      <a:pPr algn="ctr"/>
-                      <a:r>
-                        <a:rPr lang="en-US" sz="2400" b="1" dirty="0" smtClean="0"/>
-                        <a:t>Bottom</a:t>
-                      </a:r>
-                      <a:endParaRPr lang="en-US" sz="2400" b="1" dirty="0"/>
-                    </a:p>
-                  </a:txBody>
-                  <a:tcPr anchor="ctr">
-                    <a:lnL w="12700" cmpd="sng">
-                      <a:noFill/>
-                    </a:lnL>
-                    <a:lnR w="12700" cap="flat" cmpd="sng" algn="ctr">
-                      <a:noFill/>
-                      <a:prstDash val="solid"/>
-                      <a:round/>
-                      <a:headEnd type="none" w="med" len="med"/>
-                      <a:tailEnd type="none" w="med" len="med"/>
-                    </a:lnR>
-                    <a:lnT w="12700" cmpd="sng">
-                      <a:noFill/>
-                    </a:lnT>
-                    <a:lnB w="12700" cmpd="sng">
-                      <a:noFill/>
-                    </a:lnB>
-                    <a:lnTlToBr w="12700" cmpd="sng">
-                      <a:noFill/>
-                      <a:prstDash val="solid"/>
-                    </a:lnTlToBr>
-                    <a:lnBlToTr w="12700" cmpd="sng">
-                      <a:noFill/>
-                      <a:prstDash val="solid"/>
-                    </a:lnBlToTr>
-                    <a:solidFill>
-                      <a:schemeClr val="bg1"/>
-                    </a:solidFill>
-                  </a:tcPr>
-                </a:tc>
-                <a:tc>
-                  <a:txBody>
-                    <a:bodyPr/>
-                    <a:lstStyle/>
-                    <a:p>
-                      <a:pPr algn="ctr"/>
-                      <a:r>
-                        <a:rPr lang="en-US" dirty="0" smtClean="0"/>
-                        <a:t>Top Used</a:t>
-                      </a:r>
-                      <a:endParaRPr lang="en-US" dirty="0"/>
-                    </a:p>
-                  </a:txBody>
-                  <a:tcPr anchor="b">
-                    <a:lnL w="12700" cap="flat" cmpd="sng" algn="ctr">
-                      <a:noFill/>
-                      <a:prstDash val="solid"/>
-                      <a:round/>
-                      <a:headEnd type="none" w="med" len="med"/>
-                      <a:tailEnd type="none" w="med" len="med"/>
-                    </a:lnL>
-                    <a:lnR w="12700" cap="flat" cmpd="sng" algn="ctr">
-                      <a:noFill/>
-                      <a:prstDash val="solid"/>
-                      <a:round/>
-                      <a:headEnd type="none" w="med" len="med"/>
-                      <a:tailEnd type="none" w="med" len="med"/>
-                    </a:lnR>
-                    <a:lnT w="12700" cap="flat" cmpd="sng" algn="ctr">
-                      <a:noFill/>
-                      <a:prstDash val="solid"/>
-                      <a:round/>
-                      <a:headEnd type="none" w="med" len="med"/>
-                      <a:tailEnd type="none" w="med" len="med"/>
-                    </a:lnT>
-                    <a:lnB w="12700" cap="flat" cmpd="sng" algn="ctr">
-                      <a:solidFill>
-                        <a:schemeClr val="tx1"/>
-                      </a:solidFill>
-                      <a:prstDash val="solid"/>
-                      <a:round/>
-                      <a:headEnd type="none" w="med" len="med"/>
-                      <a:tailEnd type="none" w="med" len="med"/>
-                    </a:lnB>
-                    <a:lnTlToBr w="12700" cmpd="sng">
-                      <a:noFill/>
-                      <a:prstDash val="solid"/>
-                    </a:lnTlToBr>
-                    <a:lnBlToTr w="12700" cmpd="sng">
-                      <a:noFill/>
-                      <a:prstDash val="solid"/>
-                    </a:lnBlToTr>
-                    <a:solidFill>
-                      <a:schemeClr val="bg1"/>
-                    </a:solidFill>
-                  </a:tcPr>
-                </a:tc>
-                <a:tc>
-                  <a:txBody>
-                    <a:bodyPr/>
-                    <a:lstStyle/>
-                    <a:p>
-                      <a:pPr algn="ctr"/>
-                      <a:r>
-                        <a:rPr lang="en-US" dirty="0" smtClean="0"/>
-                        <a:t>Top Not Used</a:t>
-                      </a:r>
-                      <a:endParaRPr lang="en-US" dirty="0"/>
-                    </a:p>
-                  </a:txBody>
-                  <a:tcPr anchor="b">
-                    <a:lnL w="12700" cap="flat" cmpd="sng" algn="ctr">
-                      <a:noFill/>
-                      <a:prstDash val="solid"/>
-                      <a:round/>
-                      <a:headEnd type="none" w="med" len="med"/>
-                      <a:tailEnd type="none" w="med" len="med"/>
-                    </a:lnL>
-                    <a:lnR w="12700" cap="flat" cmpd="sng" algn="ctr">
-                      <a:noFill/>
-                      <a:prstDash val="solid"/>
-                      <a:round/>
-                      <a:headEnd type="none" w="med" len="med"/>
-                      <a:tailEnd type="none" w="med" len="med"/>
-                    </a:lnR>
-                    <a:lnT w="12700" cap="flat" cmpd="sng" algn="ctr">
-                      <a:noFill/>
-                      <a:prstDash val="solid"/>
-                      <a:round/>
-                      <a:headEnd type="none" w="med" len="med"/>
-                      <a:tailEnd type="none" w="med" len="med"/>
-                    </a:lnT>
-                    <a:lnB w="12700" cap="flat" cmpd="sng" algn="ctr">
-                      <a:solidFill>
-                        <a:schemeClr val="tx1"/>
-                      </a:solidFill>
-                      <a:prstDash val="solid"/>
-                      <a:round/>
-                      <a:headEnd type="none" w="med" len="med"/>
-                      <a:tailEnd type="none" w="med" len="med"/>
-                    </a:lnB>
-                    <a:lnTlToBr w="12700" cmpd="sng">
-                      <a:noFill/>
-                      <a:prstDash val="solid"/>
-                    </a:lnTlToBr>
-                    <a:lnBlToTr w="12700" cmpd="sng">
-                      <a:noFill/>
-                      <a:prstDash val="solid"/>
-                    </a:lnBlToTr>
-                    <a:solidFill>
-                      <a:schemeClr val="bg1"/>
-                    </a:solidFill>
-                  </a:tcPr>
-                </a:tc>
-              </a:tr>
-              <a:tr h="370840">
-                <a:tc>
-                  <a:txBody>
-                    <a:bodyPr/>
-                    <a:lstStyle/>
-                    <a:p>
-                      <a:pPr algn="r"/>
-                      <a:r>
-                        <a:rPr lang="en-US" dirty="0" smtClean="0"/>
-                        <a:t>Bottom Used</a:t>
-                      </a:r>
-                      <a:endParaRPr lang="en-US" dirty="0"/>
-                    </a:p>
-                  </a:txBody>
-                  <a:tcPr>
-                    <a:lnL w="12700" cmpd="sng">
-                      <a:noFill/>
-                    </a:lnL>
-                    <a:lnR w="12700" cap="flat" cmpd="sng" algn="ctr">
-                      <a:noFill/>
-                      <a:prstDash val="solid"/>
-                      <a:round/>
-                      <a:headEnd type="none" w="med" len="med"/>
-                      <a:tailEnd type="none" w="med" len="med"/>
-                    </a:lnR>
-                    <a:lnT w="12700" cmpd="sng">
-                      <a:noFill/>
-                    </a:lnT>
-                    <a:lnB w="12700" cmpd="sng">
-                      <a:noFill/>
-                    </a:lnB>
-                    <a:lnTlToBr w="12700" cmpd="sng">
-                      <a:noFill/>
-                      <a:prstDash val="solid"/>
-                    </a:lnTlToBr>
-                    <a:lnBlToTr w="12700" cmpd="sng">
-                      <a:noFill/>
-                      <a:prstDash val="solid"/>
-                    </a:lnBlToTr>
-                    <a:solidFill>
-                      <a:schemeClr val="bg1"/>
-                    </a:solidFill>
-                  </a:tcPr>
-                </a:tc>
-                <a:tc>
-                  <a:txBody>
-                    <a:bodyPr/>
-                    <a:lstStyle/>
-                    <a:p>
-                      <a:pPr algn="ctr"/>
-                      <a:r>
-                        <a:rPr lang="en-US" b="1" dirty="0" smtClean="0"/>
-                        <a:t>16</a:t>
-                      </a:r>
-                      <a:endParaRPr lang="en-US" b="1" dirty="0"/>
-                    </a:p>
-                  </a:txBody>
-                  <a:tcPr>
-                    <a:lnL w="12700" cap="flat" cmpd="sng" algn="ctr">
-                      <a:noFill/>
-                      <a:prstDash val="solid"/>
-                      <a:round/>
-                      <a:headEnd type="none" w="med" len="med"/>
-                      <a:tailEnd type="none" w="med" len="med"/>
-                    </a:lnL>
-                    <a:lnR w="12700" cap="flat" cmpd="sng" algn="ctr">
-                      <a:noFill/>
-                      <a:prstDash val="solid"/>
-                      <a:round/>
-                      <a:headEnd type="none" w="med" len="med"/>
-                      <a:tailEnd type="none" w="med" len="med"/>
-                    </a:lnR>
-                    <a:lnT w="12700" cap="flat" cmpd="sng" algn="ctr">
-                      <a:solidFill>
-                        <a:schemeClr val="tx1"/>
-                      </a:solidFill>
-                      <a:prstDash val="solid"/>
-                      <a:round/>
-                      <a:headEnd type="none" w="med" len="med"/>
-                      <a:tailEnd type="none" w="med" len="med"/>
-                    </a:lnT>
-                    <a:lnB w="12700" cap="flat" cmpd="sng" algn="ctr">
-                      <a:noFill/>
-                      <a:prstDash val="solid"/>
-                      <a:round/>
-                      <a:headEnd type="none" w="med" len="med"/>
-                      <a:tailEnd type="none" w="med" len="med"/>
-                    </a:lnB>
-                    <a:lnTlToBr w="12700" cmpd="sng">
-                      <a:noFill/>
-                      <a:prstDash val="solid"/>
-                    </a:lnTlToBr>
-                    <a:lnBlToTr w="12700" cmpd="sng">
-                      <a:noFill/>
-                      <a:prstDash val="solid"/>
-                    </a:lnBlToTr>
-                    <a:solidFill>
-                      <a:schemeClr val="bg1">
-                        <a:lumMod val="65000"/>
-                      </a:schemeClr>
-                    </a:solidFill>
-                  </a:tcPr>
-                </a:tc>
-                <a:tc>
-                  <a:txBody>
-                    <a:bodyPr/>
-                    <a:lstStyle/>
-                    <a:p>
-                      <a:pPr algn="ctr"/>
-                      <a:r>
-                        <a:rPr lang="en-US" dirty="0" smtClean="0"/>
-                        <a:t>8</a:t>
-                      </a:r>
-                      <a:endParaRPr lang="en-US" dirty="0"/>
-                    </a:p>
-                  </a:txBody>
-                  <a:tcPr>
-                    <a:lnL w="12700" cap="flat" cmpd="sng" algn="ctr">
-                      <a:noFill/>
-                      <a:prstDash val="solid"/>
-                      <a:round/>
-                      <a:headEnd type="none" w="med" len="med"/>
-                      <a:tailEnd type="none" w="med" len="med"/>
-                    </a:lnL>
-                    <a:lnR w="12700" cap="flat" cmpd="sng" algn="ctr">
-                      <a:noFill/>
-                      <a:prstDash val="solid"/>
-                      <a:round/>
-                      <a:headEnd type="none" w="med" len="med"/>
-                      <a:tailEnd type="none" w="med" len="med"/>
-                    </a:lnR>
-                    <a:lnT w="12700" cap="flat" cmpd="sng" algn="ctr">
-                      <a:solidFill>
-                        <a:schemeClr val="tx1"/>
-                      </a:solidFill>
-                      <a:prstDash val="solid"/>
-                      <a:round/>
-                      <a:headEnd type="none" w="med" len="med"/>
-                      <a:tailEnd type="none" w="med" len="med"/>
-                    </a:lnT>
-                    <a:lnB w="12700" cap="flat" cmpd="sng" algn="ctr">
-                      <a:noFill/>
-                      <a:prstDash val="solid"/>
-                      <a:round/>
-                      <a:headEnd type="none" w="med" len="med"/>
-                      <a:tailEnd type="none" w="med" len="med"/>
-                    </a:lnB>
-                    <a:lnTlToBr w="12700" cmpd="sng">
-                      <a:noFill/>
-                      <a:prstDash val="solid"/>
-                    </a:lnTlToBr>
-                    <a:lnBlToTr w="12700" cmpd="sng">
-                      <a:noFill/>
-                      <a:prstDash val="solid"/>
-                    </a:lnBlToTr>
-                    <a:solidFill>
-                      <a:schemeClr val="bg1"/>
-                    </a:solidFill>
-                  </a:tcPr>
-                </a:tc>
-              </a:tr>
-              <a:tr h="370840">
-                <a:tc>
-                  <a:txBody>
-                    <a:bodyPr/>
-                    <a:lstStyle/>
-                    <a:p>
-                      <a:pPr algn="r"/>
-                      <a:r>
-                        <a:rPr lang="en-US" dirty="0" smtClean="0"/>
-                        <a:t>Bottom Not Used</a:t>
-                      </a:r>
-                      <a:endParaRPr lang="en-US" dirty="0"/>
-                    </a:p>
-                  </a:txBody>
-                  <a:tcPr>
-                    <a:lnL w="12700" cmpd="sng">
-                      <a:noFill/>
-                    </a:lnL>
-                    <a:lnR w="12700" cap="flat" cmpd="sng" algn="ctr">
-                      <a:noFill/>
-                      <a:prstDash val="solid"/>
-                      <a:round/>
-                      <a:headEnd type="none" w="med" len="med"/>
-                      <a:tailEnd type="none" w="med" len="med"/>
-                    </a:lnR>
-                    <a:lnT w="12700" cmpd="sng">
-                      <a:noFill/>
-                    </a:lnT>
-                    <a:lnB w="12700" cmpd="sng">
-                      <a:noFill/>
-                    </a:lnB>
-                    <a:lnTlToBr w="12700" cmpd="sng">
-                      <a:noFill/>
-                      <a:prstDash val="solid"/>
-                    </a:lnTlToBr>
-                    <a:lnBlToTr w="12700" cmpd="sng">
-                      <a:noFill/>
-                      <a:prstDash val="solid"/>
-                    </a:lnBlToTr>
-                    <a:solidFill>
-                      <a:schemeClr val="bg1"/>
-                    </a:solidFill>
-                  </a:tcPr>
-                </a:tc>
-                <a:tc>
-                  <a:txBody>
-                    <a:bodyPr/>
-                    <a:lstStyle/>
-                    <a:p>
-                      <a:pPr algn="ctr"/>
-                      <a:r>
-                        <a:rPr lang="en-US" b="1" dirty="0" smtClean="0"/>
-                        <a:t>31</a:t>
-                      </a:r>
-                      <a:endParaRPr lang="en-US" b="1" dirty="0"/>
-                    </a:p>
-                  </a:txBody>
-                  <a:tcPr>
-                    <a:lnL w="12700" cap="flat" cmpd="sng" algn="ctr">
-                      <a:noFill/>
-                      <a:prstDash val="solid"/>
-                      <a:round/>
-                      <a:headEnd type="none" w="med" len="med"/>
-                      <a:tailEnd type="none" w="med" len="med"/>
-                    </a:lnL>
-                    <a:lnR w="12700" cap="flat" cmpd="sng" algn="ctr">
-                      <a:noFill/>
-                      <a:prstDash val="solid"/>
-                      <a:round/>
-                      <a:headEnd type="none" w="med" len="med"/>
-                      <a:tailEnd type="none" w="med" len="med"/>
-                    </a:lnR>
-                    <a:lnT w="12700" cap="flat" cmpd="sng" algn="ctr">
-                      <a:noFill/>
-                      <a:prstDash val="solid"/>
-                      <a:round/>
-                      <a:headEnd type="none" w="med" len="med"/>
-                      <a:tailEnd type="none" w="med" len="med"/>
-                    </a:lnT>
-                    <a:lnB w="12700" cap="flat" cmpd="sng" algn="ctr">
-                      <a:noFill/>
-                      <a:prstDash val="solid"/>
-                      <a:round/>
-                      <a:headEnd type="none" w="med" len="med"/>
-                      <a:tailEnd type="none" w="med" len="med"/>
-                    </a:lnB>
-                    <a:lnTlToBr w="12700" cmpd="sng">
-                      <a:noFill/>
-                      <a:prstDash val="solid"/>
-                    </a:lnTlToBr>
-                    <a:lnBlToTr w="12700" cmpd="sng">
-                      <a:noFill/>
-                      <a:prstDash val="solid"/>
-                    </a:lnBlToTr>
-                    <a:solidFill>
-                      <a:schemeClr val="bg1">
-                        <a:lumMod val="65000"/>
-                      </a:schemeClr>
-                    </a:solidFill>
-                  </a:tcPr>
-                </a:tc>
-                <a:tc>
-                  <a:txBody>
-                    <a:bodyPr/>
-                    <a:lstStyle/>
-                    <a:p>
-                      <a:pPr algn="ctr"/>
-                      <a:r>
-                        <a:rPr lang="en-US" dirty="0" smtClean="0"/>
-                        <a:t>6</a:t>
-                      </a:r>
-                      <a:endParaRPr lang="en-US" dirty="0"/>
-                    </a:p>
-                  </a:txBody>
-                  <a:tcPr>
-                    <a:lnL w="12700" cap="flat" cmpd="sng" algn="ctr">
-                      <a:noFill/>
-                      <a:prstDash val="solid"/>
-                      <a:round/>
-                      <a:headEnd type="none" w="med" len="med"/>
-                      <a:tailEnd type="none" w="med" len="med"/>
-                    </a:lnL>
-                    <a:lnR w="12700" cap="flat" cmpd="sng" algn="ctr">
-                      <a:noFill/>
-                      <a:prstDash val="solid"/>
-                      <a:round/>
-                      <a:headEnd type="none" w="med" len="med"/>
-                      <a:tailEnd type="none" w="med" len="med"/>
-                    </a:lnR>
-                    <a:lnT w="12700" cap="flat" cmpd="sng" algn="ctr">
-                      <a:noFill/>
-                      <a:prstDash val="solid"/>
-                      <a:round/>
-                      <a:headEnd type="none" w="med" len="med"/>
-                      <a:tailEnd type="none" w="med" len="med"/>
-                    </a:lnT>
-                    <a:lnB w="12700" cap="flat" cmpd="sng" algn="ctr">
-                      <a:noFill/>
-                      <a:prstDash val="solid"/>
-                      <a:round/>
-                      <a:headEnd type="none" w="med" len="med"/>
-                      <a:tailEnd type="none" w="med" len="med"/>
-                    </a:lnB>
-                    <a:lnTlToBr w="12700" cmpd="sng">
-                      <a:noFill/>
-                      <a:prstDash val="solid"/>
-                    </a:lnTlToBr>
-                    <a:lnBlToTr w="12700" cmpd="sng">
-                      <a:noFill/>
-                      <a:prstDash val="solid"/>
-                    </a:lnBlToTr>
-                    <a:solidFill>
-                      <a:schemeClr val="bg1"/>
-                    </a:solidFill>
-                  </a:tcPr>
-                </a:tc>
-              </a:tr>
-            </a:tbl>
-          </a:graphicData>
-        </a:graphic>
-      </p:graphicFrame>
     </p:spTree>
     <p:extLst>
       <p:ext uri="{BB962C8B-B14F-4D97-AF65-F5344CB8AC3E}">
-        <p14:creationId xmlns:p14="http://schemas.microsoft.com/office/powerpoint/2010/main" val="640673476"/>
+        <p14:creationId xmlns:p14="http://schemas.microsoft.com/office/powerpoint/2010/main" val="1564897334"/>
       </p:ext>
     </p:extLst>
   </p:cSld>
@@ -24027,164 +24290,135 @@
       </p:grpSpPr>
       <p:grpSp>
         <p:nvGrpSpPr>
-          <p:cNvPr id="18" name="Group 17"/>
+          <p:cNvPr id="15" name="Group 14"/>
           <p:cNvGrpSpPr/>
           <p:nvPr/>
         </p:nvGrpSpPr>
         <p:grpSpPr>
           <a:xfrm>
-            <a:off x="249056" y="3688425"/>
-            <a:ext cx="4021192" cy="2339738"/>
-            <a:chOff x="249056" y="3688425"/>
-            <a:chExt cx="4021192" cy="2339738"/>
+            <a:off x="1706180" y="207039"/>
+            <a:ext cx="5970526" cy="3216642"/>
+            <a:chOff x="1129558" y="2814136"/>
+            <a:chExt cx="6688767" cy="3603597"/>
           </a:xfrm>
         </p:grpSpPr>
-        <p:pic>
-          <p:nvPicPr>
-            <p:cNvPr id="13" name="Picture 12"/>
-            <p:cNvPicPr>
-              <a:picLocks noChangeAspect="1"/>
-            </p:cNvPicPr>
+        <p:grpSp>
+          <p:nvGrpSpPr>
+            <p:cNvPr id="5" name="Group 4"/>
+            <p:cNvGrpSpPr/>
             <p:nvPr/>
-          </p:nvPicPr>
-          <p:blipFill>
-            <a:blip r:embed="rId3">
-              <a:extLst>
-                <a:ext uri="{28A0092B-C50C-407E-A947-70E740481C1C}">
-                  <a14:useLocalDpi xmlns:a14="http://schemas.microsoft.com/office/drawing/2010/main" val="0"/>
-                </a:ext>
-              </a:extLst>
-            </a:blip>
-            <a:stretch>
-              <a:fillRect/>
-            </a:stretch>
-          </p:blipFill>
-          <p:spPr>
+          </p:nvGrpSpPr>
+          <p:grpSpPr>
             <a:xfrm>
-              <a:off x="249056" y="3826401"/>
-              <a:ext cx="4021192" cy="2063786"/>
+              <a:off x="1129558" y="2895599"/>
+              <a:ext cx="6688767" cy="3522134"/>
+              <a:chOff x="1798425" y="2506133"/>
+              <a:chExt cx="6688767" cy="3522134"/>
             </a:xfrm>
-            <a:prstGeom prst="rect">
-              <a:avLst/>
-            </a:prstGeom>
-          </p:spPr>
-        </p:pic>
+          </p:grpSpPr>
+          <p:pic>
+            <p:nvPicPr>
+              <p:cNvPr id="2" name="Picture 1"/>
+              <p:cNvPicPr>
+                <a:picLocks noChangeAspect="1"/>
+              </p:cNvPicPr>
+              <p:nvPr/>
+            </p:nvPicPr>
+            <p:blipFill>
+              <a:blip r:embed="rId3">
+                <a:extLst>
+                  <a:ext uri="{28A0092B-C50C-407E-A947-70E740481C1C}">
+                    <a14:useLocalDpi xmlns:a14="http://schemas.microsoft.com/office/drawing/2010/main" val="0"/>
+                  </a:ext>
+                </a:extLst>
+              </a:blip>
+              <a:stretch>
+                <a:fillRect/>
+              </a:stretch>
+            </p:blipFill>
+            <p:spPr>
+              <a:xfrm>
+                <a:off x="1896532" y="2506133"/>
+                <a:ext cx="6590660" cy="3522134"/>
+              </a:xfrm>
+              <a:prstGeom prst="rect">
+                <a:avLst/>
+              </a:prstGeom>
+            </p:spPr>
+          </p:pic>
+          <p:sp>
+            <p:nvSpPr>
+              <p:cNvPr id="3" name="TextBox 2"/>
+              <p:cNvSpPr txBox="1"/>
+              <p:nvPr/>
+            </p:nvSpPr>
+            <p:spPr>
+              <a:xfrm rot="16200000">
+                <a:off x="1286124" y="3306303"/>
+                <a:ext cx="1403883" cy="379281"/>
+              </a:xfrm>
+              <a:prstGeom prst="rect">
+                <a:avLst/>
+              </a:prstGeom>
+              <a:noFill/>
+            </p:spPr>
+            <p:txBody>
+              <a:bodyPr wrap="square" rtlCol="0">
+                <a:spAutoFit/>
+              </a:bodyPr>
+              <a:lstStyle/>
+              <a:p>
+                <a:pPr algn="ctr"/>
+                <a:r>
+                  <a:rPr lang="en-US" sz="1600" smtClean="0"/>
+                  <a:t>Middle</a:t>
+                </a:r>
+                <a:endParaRPr lang="en-US" sz="1600"/>
+              </a:p>
+            </p:txBody>
+          </p:sp>
+          <p:sp>
+            <p:nvSpPr>
+              <p:cNvPr id="4" name="TextBox 3"/>
+              <p:cNvSpPr txBox="1"/>
+              <p:nvPr/>
+            </p:nvSpPr>
+            <p:spPr>
+              <a:xfrm rot="16200000">
+                <a:off x="1285334" y="4848024"/>
+                <a:ext cx="1405466" cy="379281"/>
+              </a:xfrm>
+              <a:prstGeom prst="rect">
+                <a:avLst/>
+              </a:prstGeom>
+              <a:noFill/>
+            </p:spPr>
+            <p:txBody>
+              <a:bodyPr wrap="square" rtlCol="0">
+                <a:spAutoFit/>
+              </a:bodyPr>
+              <a:lstStyle/>
+              <a:p>
+                <a:pPr algn="ctr"/>
+                <a:r>
+                  <a:rPr lang="en-US" sz="1600" dirty="0" smtClean="0"/>
+                  <a:t>Bottom</a:t>
+                </a:r>
+                <a:endParaRPr lang="en-US" sz="1600" dirty="0"/>
+              </a:p>
+            </p:txBody>
+          </p:sp>
+        </p:grpSp>
         <p:sp>
           <p:nvSpPr>
-            <p:cNvPr id="14" name="Rectangle 13"/>
-            <p:cNvSpPr/>
-            <p:nvPr/>
-          </p:nvSpPr>
-          <p:spPr>
-            <a:xfrm>
-              <a:off x="473735" y="5462649"/>
-              <a:ext cx="3561122" cy="201982"/>
-            </a:xfrm>
-            <a:prstGeom prst="rect">
-              <a:avLst/>
-            </a:prstGeom>
-            <a:solidFill>
-              <a:schemeClr val="accent4">
-                <a:lumMod val="75000"/>
-                <a:alpha val="27000"/>
-              </a:schemeClr>
-            </a:solidFill>
-            <a:ln w="6350">
-              <a:noFill/>
-            </a:ln>
-          </p:spPr>
-          <p:style>
-            <a:lnRef idx="2">
-              <a:schemeClr val="accent1">
-                <a:shade val="50000"/>
-              </a:schemeClr>
-            </a:lnRef>
-            <a:fillRef idx="1">
-              <a:schemeClr val="accent1"/>
-            </a:fillRef>
-            <a:effectRef idx="0">
-              <a:schemeClr val="accent1"/>
-            </a:effectRef>
-            <a:fontRef idx="minor">
-              <a:schemeClr val="lt1"/>
-            </a:fontRef>
-          </p:style>
-          <p:txBody>
-            <a:bodyPr rtlCol="0" anchor="t"/>
-            <a:lstStyle/>
-            <a:p>
-              <a:pPr marL="2863850"/>
-              <a:endParaRPr lang="en-US" sz="2000" dirty="0">
-                <a:solidFill>
-                  <a:schemeClr val="tx1"/>
-                </a:solidFill>
-              </a:endParaRPr>
-            </a:p>
-          </p:txBody>
-        </p:sp>
-        <p:sp>
-          <p:nvSpPr>
-            <p:cNvPr id="15" name="Rectangle 14"/>
-            <p:cNvSpPr/>
-            <p:nvPr/>
-          </p:nvSpPr>
-          <p:spPr>
-            <a:xfrm>
-              <a:off x="473735" y="4057757"/>
-              <a:ext cx="3561122" cy="201982"/>
-            </a:xfrm>
-            <a:prstGeom prst="rect">
-              <a:avLst/>
-            </a:prstGeom>
-            <a:solidFill>
-              <a:schemeClr val="accent4">
-                <a:lumMod val="75000"/>
-                <a:alpha val="27000"/>
-              </a:schemeClr>
-            </a:solidFill>
-            <a:ln w="6350">
-              <a:noFill/>
-            </a:ln>
-          </p:spPr>
-          <p:style>
-            <a:lnRef idx="2">
-              <a:schemeClr val="accent1">
-                <a:shade val="50000"/>
-              </a:schemeClr>
-            </a:lnRef>
-            <a:fillRef idx="1">
-              <a:schemeClr val="accent1"/>
-            </a:fillRef>
-            <a:effectRef idx="0">
-              <a:schemeClr val="accent1"/>
-            </a:effectRef>
-            <a:fontRef idx="minor">
-              <a:schemeClr val="lt1"/>
-            </a:fontRef>
-          </p:style>
-          <p:txBody>
-            <a:bodyPr rtlCol="0" anchor="t"/>
-            <a:lstStyle/>
-            <a:p>
-              <a:pPr marL="2863850"/>
-              <a:endParaRPr lang="en-US" sz="2000" dirty="0">
-                <a:solidFill>
-                  <a:schemeClr val="tx1"/>
-                </a:solidFill>
-              </a:endParaRPr>
-            </a:p>
-          </p:txBody>
-        </p:sp>
-        <p:sp>
-          <p:nvSpPr>
-            <p:cNvPr id="16" name="TextBox 15"/>
+            <p:cNvPr id="9" name="TextBox 8"/>
             <p:cNvSpPr txBox="1"/>
             <p:nvPr/>
           </p:nvSpPr>
           <p:spPr>
             <a:xfrm>
-              <a:off x="1913468" y="3688425"/>
-              <a:ext cx="722698" cy="369332"/>
+              <a:off x="1503865" y="2818094"/>
+              <a:ext cx="1417134" cy="379281"/>
             </a:xfrm>
             <a:prstGeom prst="rect">
               <a:avLst/>
@@ -24192,29 +24426,30 @@
             <a:noFill/>
           </p:spPr>
           <p:txBody>
-            <a:bodyPr wrap="none" rtlCol="0">
+            <a:bodyPr wrap="square" rtlCol="0">
               <a:spAutoFit/>
             </a:bodyPr>
             <a:lstStyle/>
             <a:p>
+              <a:pPr algn="ctr"/>
               <a:r>
-                <a:rPr lang="en-US" dirty="0" smtClean="0"/>
-                <a:t>“Top”</a:t>
+                <a:rPr lang="en-US" sz="1600" dirty="0" smtClean="0"/>
+                <a:t>Four Corners</a:t>
               </a:r>
-              <a:endParaRPr lang="en-US" dirty="0"/>
+              <a:endParaRPr lang="en-US" sz="1600" dirty="0"/>
             </a:p>
           </p:txBody>
         </p:sp>
         <p:sp>
           <p:nvSpPr>
-            <p:cNvPr id="17" name="TextBox 16"/>
+            <p:cNvPr id="12" name="TextBox 11"/>
             <p:cNvSpPr txBox="1"/>
             <p:nvPr/>
           </p:nvSpPr>
           <p:spPr>
             <a:xfrm>
-              <a:off x="1720306" y="5658831"/>
-              <a:ext cx="1078693" cy="369332"/>
+              <a:off x="3055748" y="2818094"/>
+              <a:ext cx="1406185" cy="379281"/>
             </a:xfrm>
             <a:prstGeom prst="rect">
               <a:avLst/>
@@ -24222,30 +24457,123 @@
             <a:noFill/>
           </p:spPr>
           <p:txBody>
-            <a:bodyPr wrap="none" rtlCol="0">
+            <a:bodyPr wrap="square" rtlCol="0">
               <a:spAutoFit/>
             </a:bodyPr>
             <a:lstStyle/>
             <a:p>
+              <a:pPr algn="ctr"/>
               <a:r>
-                <a:rPr lang="en-US" dirty="0" smtClean="0"/>
-                <a:t>“Bottom”</a:t>
+                <a:rPr lang="en-US" sz="1600" smtClean="0"/>
+                <a:t>Row</a:t>
               </a:r>
-              <a:endParaRPr lang="en-US" dirty="0"/>
+              <a:endParaRPr lang="en-US" sz="1600" dirty="0"/>
+            </a:p>
+          </p:txBody>
+        </p:sp>
+        <p:sp>
+          <p:nvSpPr>
+            <p:cNvPr id="13" name="TextBox 12"/>
+            <p:cNvSpPr txBox="1"/>
+            <p:nvPr/>
+          </p:nvSpPr>
+          <p:spPr>
+            <a:xfrm>
+              <a:off x="4596680" y="2814136"/>
+              <a:ext cx="1406185" cy="379281"/>
+            </a:xfrm>
+            <a:prstGeom prst="rect">
+              <a:avLst/>
+            </a:prstGeom>
+            <a:noFill/>
+          </p:spPr>
+          <p:txBody>
+            <a:bodyPr wrap="square" rtlCol="0">
+              <a:spAutoFit/>
+            </a:bodyPr>
+            <a:lstStyle/>
+            <a:p>
+              <a:pPr algn="ctr"/>
+              <a:r>
+                <a:rPr lang="en-US" sz="1600" dirty="0" smtClean="0"/>
+                <a:t>Column</a:t>
+              </a:r>
+              <a:endParaRPr lang="en-US" sz="1600" dirty="0"/>
+            </a:p>
+          </p:txBody>
+        </p:sp>
+        <p:sp>
+          <p:nvSpPr>
+            <p:cNvPr id="14" name="TextBox 13"/>
+            <p:cNvSpPr txBox="1"/>
+            <p:nvPr/>
+          </p:nvSpPr>
+          <p:spPr>
+            <a:xfrm>
+              <a:off x="6129147" y="2814136"/>
+              <a:ext cx="1406185" cy="379281"/>
+            </a:xfrm>
+            <a:prstGeom prst="rect">
+              <a:avLst/>
+            </a:prstGeom>
+            <a:noFill/>
+          </p:spPr>
+          <p:txBody>
+            <a:bodyPr wrap="square" rtlCol="0">
+              <a:spAutoFit/>
+            </a:bodyPr>
+            <a:lstStyle/>
+            <a:p>
+              <a:pPr algn="ctr"/>
+              <a:r>
+                <a:rPr lang="en-US" sz="1600" smtClean="0"/>
+                <a:t>Cluster</a:t>
+              </a:r>
+              <a:endParaRPr lang="en-US" sz="1600" dirty="0"/>
             </a:p>
           </p:txBody>
         </p:sp>
       </p:grpSp>
+      <p:pic>
+        <p:nvPicPr>
+          <p:cNvPr id="16" name="Picture 15"/>
+          <p:cNvPicPr>
+            <a:picLocks noChangeAspect="1"/>
+          </p:cNvPicPr>
+          <p:nvPr/>
+        </p:nvPicPr>
+        <p:blipFill>
+          <a:blip r:embed="rId4">
+            <a:extLst>
+              <a:ext uri="{28A0092B-C50C-407E-A947-70E740481C1C}">
+                <a14:useLocalDpi xmlns:a14="http://schemas.microsoft.com/office/drawing/2010/main" val="0"/>
+              </a:ext>
+            </a:extLst>
+          </a:blip>
+          <a:stretch>
+            <a:fillRect/>
+          </a:stretch>
+        </p:blipFill>
+        <p:spPr>
+          <a:xfrm>
+            <a:off x="263066" y="3567291"/>
+            <a:ext cx="5007893" cy="2956142"/>
+          </a:xfrm>
+          <a:prstGeom prst="rect">
+            <a:avLst/>
+          </a:prstGeom>
+        </p:spPr>
+      </p:pic>
       <p:sp>
         <p:nvSpPr>
-          <p:cNvPr id="19" name="TextBox 18"/>
+          <p:cNvPr id="11" name="TextBox 10"/>
           <p:cNvSpPr txBox="1"/>
           <p:nvPr/>
         </p:nvSpPr>
         <p:spPr>
           <a:xfrm>
-            <a:off x="249056" y="398534"/>
-            <a:ext cx="8725011" cy="738664"/>
+            <a:off x="5498441" y="4583697"/>
+            <a:ext cx="3392954" cy="923330"/>
           </a:xfrm>
           <a:prstGeom prst="rect">
             <a:avLst/>
@@ -24258,1255 +24586,26 @@
           </a:bodyPr>
           <a:lstStyle/>
           <a:p>
-            <a:pPr algn="ctr"/>
-            <a:r>
-              <a:rPr lang="en-US" sz="2200" b="1" dirty="0" smtClean="0"/>
-              <a:t>Question</a:t>
-            </a:r>
-            <a:r>
-              <a:rPr lang="en-US" sz="2200" dirty="0" smtClean="0"/>
-              <a:t>:</a:t>
-            </a:r>
-            <a:r>
-              <a:rPr lang="en-US" sz="2200" dirty="0"/>
-              <a:t> </a:t>
-            </a:r>
-            <a:r>
-              <a:rPr lang="en-US" sz="2200" dirty="0" smtClean="0"/>
-              <a:t>Does contrast influence how people generate categories?</a:t>
-            </a:r>
-          </a:p>
-          <a:p>
-            <a:pPr algn="ctr"/>
-            <a:endParaRPr lang="en-US" sz="2000" dirty="0" smtClean="0"/>
+            <a:r>
+              <a:rPr lang="en-US" dirty="0" smtClean="0"/>
+              <a:t>Can variation be explained by the category’s </a:t>
+            </a:r>
+            <a:r>
+              <a:rPr lang="en-US" b="1" dirty="0" smtClean="0"/>
+              <a:t>location</a:t>
+            </a:r>
+            <a:r>
+              <a:rPr lang="en-US" dirty="0" smtClean="0"/>
+              <a:t>, relative to the Alphas?</a:t>
+            </a:r>
+            <a:endParaRPr lang="en-US" dirty="0"/>
           </a:p>
         </p:txBody>
       </p:sp>
-      <p:sp>
-        <p:nvSpPr>
-          <p:cNvPr id="2" name="TextBox 1"/>
-          <p:cNvSpPr txBox="1"/>
-          <p:nvPr/>
-        </p:nvSpPr>
-        <p:spPr>
-          <a:xfrm>
-            <a:off x="1149068" y="1321123"/>
-            <a:ext cx="6643561" cy="1661993"/>
-          </a:xfrm>
-          <a:prstGeom prst="rect">
-            <a:avLst/>
-          </a:prstGeom>
-          <a:noFill/>
-        </p:spPr>
-        <p:txBody>
-          <a:bodyPr wrap="square" rtlCol="0">
-            <a:spAutoFit/>
-          </a:bodyPr>
-          <a:lstStyle/>
-          <a:p>
-            <a:pPr marL="285750" indent="-285750">
-              <a:spcAft>
-                <a:spcPts val="1200"/>
-              </a:spcAft>
-              <a:buFontTx/>
-              <a:buChar char="-"/>
-            </a:pPr>
-            <a:r>
-              <a:rPr lang="en-US" dirty="0" smtClean="0"/>
-              <a:t>Only 10 participants did </a:t>
-            </a:r>
-            <a:r>
-              <a:rPr lang="en-US" b="1" dirty="0" smtClean="0"/>
-              <a:t>not </a:t>
-            </a:r>
-            <a:r>
-              <a:rPr lang="en-US" dirty="0" smtClean="0"/>
-              <a:t>use the the top and/or bottom.</a:t>
-            </a:r>
-          </a:p>
-          <a:p>
-            <a:pPr marL="285750" indent="-285750">
-              <a:spcAft>
-                <a:spcPts val="1200"/>
-              </a:spcAft>
-              <a:buFontTx/>
-              <a:buChar char="-"/>
-            </a:pPr>
-            <a:r>
-              <a:rPr lang="en-US" dirty="0" smtClean="0"/>
-              <a:t>Middle participants were more likely to use the bottom, </a:t>
-            </a:r>
-            <a:r>
-              <a:rPr lang="en-US" i="1" dirty="0" smtClean="0"/>
-              <a:t>p </a:t>
-            </a:r>
-            <a:r>
-              <a:rPr lang="en-US" dirty="0" smtClean="0"/>
-              <a:t>&lt; 0.001.</a:t>
-            </a:r>
-          </a:p>
-          <a:p>
-            <a:pPr marL="285750" indent="-285750">
-              <a:spcAft>
-                <a:spcPts val="1200"/>
-              </a:spcAft>
-              <a:buFontTx/>
-              <a:buChar char="-"/>
-            </a:pPr>
-            <a:r>
-              <a:rPr lang="en-US" dirty="0" smtClean="0"/>
-              <a:t>Conditions do not differ in top use, </a:t>
-            </a:r>
-            <a:r>
-              <a:rPr lang="en-US" i="1" dirty="0" smtClean="0"/>
-              <a:t>p</a:t>
-            </a:r>
-            <a:r>
-              <a:rPr lang="en-US" dirty="0" smtClean="0"/>
-              <a:t> = 0.16</a:t>
-            </a:r>
-          </a:p>
-          <a:p>
-            <a:pPr marL="285750" indent="-285750">
-              <a:spcAft>
-                <a:spcPts val="1200"/>
-              </a:spcAft>
-              <a:buFontTx/>
-              <a:buChar char="-"/>
-            </a:pPr>
-            <a:r>
-              <a:rPr lang="en-US" dirty="0" smtClean="0"/>
-              <a:t>Middle was more likely to use the top </a:t>
-            </a:r>
-            <a:r>
-              <a:rPr lang="en-US" b="1" dirty="0" smtClean="0"/>
-              <a:t>and</a:t>
-            </a:r>
-            <a:r>
-              <a:rPr lang="en-US" dirty="0" smtClean="0"/>
-              <a:t> bottom, </a:t>
-            </a:r>
-            <a:r>
-              <a:rPr lang="en-US" i="1" dirty="0" smtClean="0"/>
-              <a:t>p</a:t>
-            </a:r>
-            <a:r>
-              <a:rPr lang="en-US" dirty="0" smtClean="0"/>
-              <a:t> = 0.038.</a:t>
-            </a:r>
-            <a:endParaRPr lang="en-US" dirty="0"/>
-          </a:p>
-        </p:txBody>
-      </p:sp>
-      <p:graphicFrame>
-        <p:nvGraphicFramePr>
-          <p:cNvPr id="11" name="Table 10"/>
-          <p:cNvGraphicFramePr>
-            <a:graphicFrameLocks noGrp="1"/>
-          </p:cNvGraphicFramePr>
-          <p:nvPr>
-            <p:extLst>
-              <p:ext uri="{D42A27DB-BD31-4B8C-83A1-F6EECF244321}">
-                <p14:modId xmlns:p14="http://schemas.microsoft.com/office/powerpoint/2010/main" val="1236707797"/>
-              </p:ext>
-            </p:extLst>
-          </p:nvPr>
-        </p:nvGraphicFramePr>
-        <p:xfrm>
-          <a:off x="4270248" y="3473994"/>
-          <a:ext cx="4535424" cy="2768600"/>
-        </p:xfrm>
-        <a:graphic>
-          <a:graphicData uri="http://schemas.openxmlformats.org/drawingml/2006/table">
-            <a:tbl>
-              <a:tblPr firstRow="1" bandRow="1">
-                <a:tableStyleId>{5940675A-B579-460E-94D1-54222C63F5DA}</a:tableStyleId>
-              </a:tblPr>
-              <a:tblGrid>
-                <a:gridCol w="1911096"/>
-                <a:gridCol w="1161288"/>
-                <a:gridCol w="1463040"/>
-              </a:tblGrid>
-              <a:tr h="370840">
-                <a:tc>
-                  <a:txBody>
-                    <a:bodyPr/>
-                    <a:lstStyle/>
-                    <a:p>
-                      <a:pPr algn="ctr"/>
-                      <a:r>
-                        <a:rPr lang="en-US" sz="2400" b="1" dirty="0" smtClean="0"/>
-                        <a:t>Middle</a:t>
-                      </a:r>
-                      <a:endParaRPr lang="en-US" sz="2400" b="1" dirty="0"/>
-                    </a:p>
-                  </a:txBody>
-                  <a:tcPr anchor="ctr">
-                    <a:lnL w="12700" cap="flat" cmpd="sng" algn="ctr">
-                      <a:noFill/>
-                      <a:prstDash val="solid"/>
-                      <a:round/>
-                      <a:headEnd type="none" w="med" len="med"/>
-                      <a:tailEnd type="none" w="med" len="med"/>
-                    </a:lnL>
-                    <a:lnR w="12700" cmpd="sng">
-                      <a:noFill/>
-                    </a:lnR>
-                    <a:lnT w="12700" cap="flat" cmpd="sng" algn="ctr">
-                      <a:noFill/>
-                      <a:prstDash val="solid"/>
-                      <a:round/>
-                      <a:headEnd type="none" w="med" len="med"/>
-                      <a:tailEnd type="none" w="med" len="med"/>
-                    </a:lnT>
-                    <a:lnB w="12700" cmpd="sng">
-                      <a:noFill/>
-                    </a:lnB>
-                    <a:solidFill>
-                      <a:schemeClr val="bg1"/>
-                    </a:solidFill>
-                  </a:tcPr>
-                </a:tc>
-                <a:tc>
-                  <a:txBody>
-                    <a:bodyPr/>
-                    <a:lstStyle/>
-                    <a:p>
-                      <a:pPr algn="ctr"/>
-                      <a:r>
-                        <a:rPr lang="en-US" dirty="0" smtClean="0"/>
-                        <a:t>Top Used</a:t>
-                      </a:r>
-                      <a:endParaRPr lang="en-US" dirty="0"/>
-                    </a:p>
-                  </a:txBody>
-                  <a:tcPr anchor="b">
-                    <a:lnL w="12700" cmpd="sng">
-                      <a:noFill/>
-                    </a:lnL>
-                    <a:lnR w="12700" cmpd="sng">
-                      <a:noFill/>
-                    </a:lnR>
-                    <a:lnT w="12700" cmpd="sng">
-                      <a:noFill/>
-                    </a:lnT>
-                    <a:lnB w="12700" cap="flat" cmpd="sng" algn="ctr">
-                      <a:solidFill>
-                        <a:schemeClr val="tx1"/>
-                      </a:solidFill>
-                      <a:prstDash val="solid"/>
-                      <a:round/>
-                      <a:headEnd type="none" w="med" len="med"/>
-                      <a:tailEnd type="none" w="med" len="med"/>
-                    </a:lnB>
-                    <a:lnTlToBr w="12700" cmpd="sng">
-                      <a:noFill/>
-                      <a:prstDash val="solid"/>
-                    </a:lnTlToBr>
-                    <a:lnBlToTr w="12700" cmpd="sng">
-                      <a:noFill/>
-                      <a:prstDash val="solid"/>
-                    </a:lnBlToTr>
-                    <a:solidFill>
-                      <a:schemeClr val="bg1"/>
-                    </a:solidFill>
-                  </a:tcPr>
-                </a:tc>
-                <a:tc>
-                  <a:txBody>
-                    <a:bodyPr/>
-                    <a:lstStyle/>
-                    <a:p>
-                      <a:pPr algn="ctr"/>
-                      <a:r>
-                        <a:rPr lang="en-US" dirty="0" smtClean="0"/>
-                        <a:t>Top </a:t>
-                      </a:r>
-                      <a:r>
-                        <a:rPr lang="en-US" dirty="0" smtClean="0"/>
-                        <a:t>Not Used</a:t>
-                      </a:r>
-                      <a:endParaRPr lang="en-US" dirty="0"/>
-                    </a:p>
-                  </a:txBody>
-                  <a:tcPr anchor="b">
-                    <a:lnL w="12700" cmpd="sng">
-                      <a:noFill/>
-                    </a:lnL>
-                    <a:lnR w="12700" cmpd="sng">
-                      <a:noFill/>
-                    </a:lnR>
-                    <a:lnT w="12700" cmpd="sng">
-                      <a:noFill/>
-                    </a:lnT>
-                    <a:lnB w="12700" cap="flat" cmpd="sng" algn="ctr">
-                      <a:solidFill>
-                        <a:schemeClr val="tx1"/>
-                      </a:solidFill>
-                      <a:prstDash val="solid"/>
-                      <a:round/>
-                      <a:headEnd type="none" w="med" len="med"/>
-                      <a:tailEnd type="none" w="med" len="med"/>
-                    </a:lnB>
-                    <a:lnTlToBr w="12700" cmpd="sng">
-                      <a:noFill/>
-                      <a:prstDash val="solid"/>
-                    </a:lnTlToBr>
-                    <a:lnBlToTr w="12700" cmpd="sng">
-                      <a:noFill/>
-                      <a:prstDash val="solid"/>
-                    </a:lnBlToTr>
-                    <a:solidFill>
-                      <a:schemeClr val="bg1"/>
-                    </a:solidFill>
-                  </a:tcPr>
-                </a:tc>
-              </a:tr>
-              <a:tr h="370840">
-                <a:tc>
-                  <a:txBody>
-                    <a:bodyPr/>
-                    <a:lstStyle/>
-                    <a:p>
-                      <a:pPr algn="r"/>
-                      <a:r>
-                        <a:rPr lang="en-US" dirty="0" smtClean="0"/>
-                        <a:t>Bottom Used</a:t>
-                      </a:r>
-                      <a:endParaRPr lang="en-US" dirty="0"/>
-                    </a:p>
-                  </a:txBody>
-                  <a:tcPr>
-                    <a:lnL w="12700" cmpd="sng">
-                      <a:noFill/>
-                    </a:lnL>
-                    <a:lnR w="12700" cap="flat" cmpd="sng" algn="ctr">
-                      <a:noFill/>
-                      <a:prstDash val="solid"/>
-                      <a:round/>
-                      <a:headEnd type="none" w="med" len="med"/>
-                      <a:tailEnd type="none" w="med" len="med"/>
-                    </a:lnR>
-                    <a:lnT w="12700" cmpd="sng">
-                      <a:noFill/>
-                    </a:lnT>
-                    <a:lnB w="12700" cmpd="sng">
-                      <a:noFill/>
-                    </a:lnB>
-                    <a:lnTlToBr w="12700" cmpd="sng">
-                      <a:noFill/>
-                      <a:prstDash val="solid"/>
-                    </a:lnTlToBr>
-                    <a:lnBlToTr w="12700" cmpd="sng">
-                      <a:noFill/>
-                      <a:prstDash val="solid"/>
-                    </a:lnBlToTr>
-                    <a:solidFill>
-                      <a:schemeClr val="bg1"/>
-                    </a:solidFill>
-                  </a:tcPr>
-                </a:tc>
-                <a:tc>
-                  <a:txBody>
-                    <a:bodyPr/>
-                    <a:lstStyle/>
-                    <a:p>
-                      <a:pPr algn="ctr"/>
-                      <a:r>
-                        <a:rPr lang="en-US" b="1" dirty="0" smtClean="0"/>
-                        <a:t>28</a:t>
-                      </a:r>
-                      <a:endParaRPr lang="en-US" b="1" dirty="0"/>
-                    </a:p>
-                  </a:txBody>
-                  <a:tcPr>
-                    <a:lnL w="12700" cap="flat" cmpd="sng" algn="ctr">
-                      <a:noFill/>
-                      <a:prstDash val="solid"/>
-                      <a:round/>
-                      <a:headEnd type="none" w="med" len="med"/>
-                      <a:tailEnd type="none" w="med" len="med"/>
-                    </a:lnL>
-                    <a:lnR w="12700" cap="flat" cmpd="sng" algn="ctr">
-                      <a:noFill/>
-                      <a:prstDash val="solid"/>
-                      <a:round/>
-                      <a:headEnd type="none" w="med" len="med"/>
-                      <a:tailEnd type="none" w="med" len="med"/>
-                    </a:lnR>
-                    <a:lnT w="12700" cap="flat" cmpd="sng" algn="ctr">
-                      <a:solidFill>
-                        <a:schemeClr val="tx1"/>
-                      </a:solidFill>
-                      <a:prstDash val="solid"/>
-                      <a:round/>
-                      <a:headEnd type="none" w="med" len="med"/>
-                      <a:tailEnd type="none" w="med" len="med"/>
-                    </a:lnT>
-                    <a:lnB w="12700" cap="flat" cmpd="sng" algn="ctr">
-                      <a:noFill/>
-                      <a:prstDash val="solid"/>
-                      <a:round/>
-                      <a:headEnd type="none" w="med" len="med"/>
-                      <a:tailEnd type="none" w="med" len="med"/>
-                    </a:lnB>
-                    <a:lnTlToBr w="12700" cmpd="sng">
-                      <a:noFill/>
-                      <a:prstDash val="solid"/>
-                    </a:lnTlToBr>
-                    <a:lnBlToTr w="12700" cmpd="sng">
-                      <a:noFill/>
-                      <a:prstDash val="solid"/>
-                    </a:lnBlToTr>
-                    <a:solidFill>
-                      <a:schemeClr val="bg1">
-                        <a:lumMod val="65000"/>
-                      </a:schemeClr>
-                    </a:solidFill>
-                  </a:tcPr>
-                </a:tc>
-                <a:tc>
-                  <a:txBody>
-                    <a:bodyPr/>
-                    <a:lstStyle/>
-                    <a:p>
-                      <a:pPr algn="ctr"/>
-                      <a:r>
-                        <a:rPr lang="en-US" dirty="0" smtClean="0"/>
-                        <a:t>18</a:t>
-                      </a:r>
-                      <a:endParaRPr lang="en-US" dirty="0"/>
-                    </a:p>
-                  </a:txBody>
-                  <a:tcPr>
-                    <a:lnL w="12700" cap="flat" cmpd="sng" algn="ctr">
-                      <a:noFill/>
-                      <a:prstDash val="solid"/>
-                      <a:round/>
-                      <a:headEnd type="none" w="med" len="med"/>
-                      <a:tailEnd type="none" w="med" len="med"/>
-                    </a:lnL>
-                    <a:lnR w="12700" cap="flat" cmpd="sng" algn="ctr">
-                      <a:noFill/>
-                      <a:prstDash val="solid"/>
-                      <a:round/>
-                      <a:headEnd type="none" w="med" len="med"/>
-                      <a:tailEnd type="none" w="med" len="med"/>
-                    </a:lnR>
-                    <a:lnT w="12700" cap="flat" cmpd="sng" algn="ctr">
-                      <a:solidFill>
-                        <a:schemeClr val="tx1"/>
-                      </a:solidFill>
-                      <a:prstDash val="solid"/>
-                      <a:round/>
-                      <a:headEnd type="none" w="med" len="med"/>
-                      <a:tailEnd type="none" w="med" len="med"/>
-                    </a:lnT>
-                    <a:lnB w="12700" cap="flat" cmpd="sng" algn="ctr">
-                      <a:noFill/>
-                      <a:prstDash val="solid"/>
-                      <a:round/>
-                      <a:headEnd type="none" w="med" len="med"/>
-                      <a:tailEnd type="none" w="med" len="med"/>
-                    </a:lnB>
-                    <a:lnTlToBr w="12700" cmpd="sng">
-                      <a:noFill/>
-                      <a:prstDash val="solid"/>
-                    </a:lnTlToBr>
-                    <a:lnBlToTr w="12700" cmpd="sng">
-                      <a:noFill/>
-                      <a:prstDash val="solid"/>
-                    </a:lnBlToTr>
-                    <a:solidFill>
-                      <a:schemeClr val="bg1"/>
-                    </a:solidFill>
-                  </a:tcPr>
-                </a:tc>
-              </a:tr>
-              <a:tr h="370840">
-                <a:tc>
-                  <a:txBody>
-                    <a:bodyPr/>
-                    <a:lstStyle/>
-                    <a:p>
-                      <a:pPr algn="r"/>
-                      <a:r>
-                        <a:rPr lang="en-US" dirty="0" smtClean="0"/>
-                        <a:t>Bottom </a:t>
-                      </a:r>
-                      <a:r>
-                        <a:rPr lang="en-US" dirty="0" smtClean="0"/>
-                        <a:t>Not Used</a:t>
-                      </a:r>
-                      <a:endParaRPr lang="en-US" dirty="0"/>
-                    </a:p>
-                  </a:txBody>
-                  <a:tcPr>
-                    <a:lnL w="12700" cmpd="sng">
-                      <a:noFill/>
-                    </a:lnL>
-                    <a:lnR w="12700" cap="flat" cmpd="sng" algn="ctr">
-                      <a:noFill/>
-                      <a:prstDash val="solid"/>
-                      <a:round/>
-                      <a:headEnd type="none" w="med" len="med"/>
-                      <a:tailEnd type="none" w="med" len="med"/>
-                    </a:lnR>
-                    <a:lnT w="12700" cmpd="sng">
-                      <a:noFill/>
-                    </a:lnT>
-                    <a:lnB w="12700" cmpd="sng">
-                      <a:noFill/>
-                    </a:lnB>
-                    <a:lnTlToBr w="12700" cmpd="sng">
-                      <a:noFill/>
-                      <a:prstDash val="solid"/>
-                    </a:lnTlToBr>
-                    <a:lnBlToTr w="12700" cmpd="sng">
-                      <a:noFill/>
-                      <a:prstDash val="solid"/>
-                    </a:lnBlToTr>
-                    <a:solidFill>
-                      <a:schemeClr val="bg1"/>
-                    </a:solidFill>
-                  </a:tcPr>
-                </a:tc>
-                <a:tc>
-                  <a:txBody>
-                    <a:bodyPr/>
-                    <a:lstStyle/>
-                    <a:p>
-                      <a:pPr algn="ctr"/>
-                      <a:r>
-                        <a:rPr lang="en-US" dirty="0" smtClean="0"/>
-                        <a:t>11</a:t>
-                      </a:r>
-                      <a:endParaRPr lang="en-US" dirty="0"/>
-                    </a:p>
-                  </a:txBody>
-                  <a:tcPr>
-                    <a:lnL w="12700" cap="flat" cmpd="sng" algn="ctr">
-                      <a:noFill/>
-                      <a:prstDash val="solid"/>
-                      <a:round/>
-                      <a:headEnd type="none" w="med" len="med"/>
-                      <a:tailEnd type="none" w="med" len="med"/>
-                    </a:lnL>
-                    <a:lnR w="12700" cap="flat" cmpd="sng" algn="ctr">
-                      <a:noFill/>
-                      <a:prstDash val="solid"/>
-                      <a:round/>
-                      <a:headEnd type="none" w="med" len="med"/>
-                      <a:tailEnd type="none" w="med" len="med"/>
-                    </a:lnR>
-                    <a:lnT w="12700" cap="flat" cmpd="sng" algn="ctr">
-                      <a:noFill/>
-                      <a:prstDash val="solid"/>
-                      <a:round/>
-                      <a:headEnd type="none" w="med" len="med"/>
-                      <a:tailEnd type="none" w="med" len="med"/>
-                    </a:lnT>
-                    <a:lnB w="12700" cap="flat" cmpd="sng" algn="ctr">
-                      <a:noFill/>
-                      <a:prstDash val="solid"/>
-                      <a:round/>
-                      <a:headEnd type="none" w="med" len="med"/>
-                      <a:tailEnd type="none" w="med" len="med"/>
-                    </a:lnB>
-                    <a:lnTlToBr w="12700" cmpd="sng">
-                      <a:noFill/>
-                      <a:prstDash val="solid"/>
-                    </a:lnTlToBr>
-                    <a:lnBlToTr w="12700" cmpd="sng">
-                      <a:noFill/>
-                      <a:prstDash val="solid"/>
-                    </a:lnBlToTr>
-                    <a:solidFill>
-                      <a:schemeClr val="bg1"/>
-                    </a:solidFill>
-                  </a:tcPr>
-                </a:tc>
-                <a:tc>
-                  <a:txBody>
-                    <a:bodyPr/>
-                    <a:lstStyle/>
-                    <a:p>
-                      <a:pPr algn="ctr"/>
-                      <a:r>
-                        <a:rPr lang="en-US" dirty="0" smtClean="0"/>
-                        <a:t>4</a:t>
-                      </a:r>
-                    </a:p>
-                  </a:txBody>
-                  <a:tcPr>
-                    <a:lnL w="12700" cap="flat" cmpd="sng" algn="ctr">
-                      <a:noFill/>
-                      <a:prstDash val="solid"/>
-                      <a:round/>
-                      <a:headEnd type="none" w="med" len="med"/>
-                      <a:tailEnd type="none" w="med" len="med"/>
-                    </a:lnL>
-                    <a:lnR w="12700" cap="flat" cmpd="sng" algn="ctr">
-                      <a:noFill/>
-                      <a:prstDash val="solid"/>
-                      <a:round/>
-                      <a:headEnd type="none" w="med" len="med"/>
-                      <a:tailEnd type="none" w="med" len="med"/>
-                    </a:lnR>
-                    <a:lnT w="12700" cap="flat" cmpd="sng" algn="ctr">
-                      <a:noFill/>
-                      <a:prstDash val="solid"/>
-                      <a:round/>
-                      <a:headEnd type="none" w="med" len="med"/>
-                      <a:tailEnd type="none" w="med" len="med"/>
-                    </a:lnT>
-                    <a:lnB w="12700" cap="flat" cmpd="sng" algn="ctr">
-                      <a:noFill/>
-                      <a:prstDash val="solid"/>
-                      <a:round/>
-                      <a:headEnd type="none" w="med" len="med"/>
-                      <a:tailEnd type="none" w="med" len="med"/>
-                    </a:lnB>
-                    <a:lnTlToBr w="12700" cmpd="sng">
-                      <a:noFill/>
-                      <a:prstDash val="solid"/>
-                    </a:lnTlToBr>
-                    <a:lnBlToTr w="12700" cmpd="sng">
-                      <a:noFill/>
-                      <a:prstDash val="solid"/>
-                    </a:lnBlToTr>
-                    <a:solidFill>
-                      <a:schemeClr val="bg1"/>
-                    </a:solidFill>
-                  </a:tcPr>
-                </a:tc>
-              </a:tr>
-              <a:tr h="370840">
-                <a:tc>
-                  <a:txBody>
-                    <a:bodyPr/>
-                    <a:lstStyle/>
-                    <a:p>
-                      <a:pPr algn="r"/>
-                      <a:endParaRPr lang="en-US" dirty="0"/>
-                    </a:p>
-                  </a:txBody>
-                  <a:tcPr>
-                    <a:lnL w="12700" cmpd="sng">
-                      <a:noFill/>
-                    </a:lnL>
-                    <a:lnR w="12700" cap="flat" cmpd="sng" algn="ctr">
-                      <a:noFill/>
-                      <a:prstDash val="solid"/>
-                      <a:round/>
-                      <a:headEnd type="none" w="med" len="med"/>
-                      <a:tailEnd type="none" w="med" len="med"/>
-                    </a:lnR>
-                    <a:lnT w="12700" cmpd="sng">
-                      <a:noFill/>
-                    </a:lnT>
-                    <a:lnB w="12700" cmpd="sng">
-                      <a:noFill/>
-                    </a:lnB>
-                    <a:lnTlToBr w="12700" cmpd="sng">
-                      <a:noFill/>
-                      <a:prstDash val="solid"/>
-                    </a:lnTlToBr>
-                    <a:lnBlToTr w="12700" cmpd="sng">
-                      <a:noFill/>
-                      <a:prstDash val="solid"/>
-                    </a:lnBlToTr>
-                    <a:solidFill>
-                      <a:schemeClr val="bg1"/>
-                    </a:solidFill>
-                  </a:tcPr>
-                </a:tc>
-                <a:tc>
-                  <a:txBody>
-                    <a:bodyPr/>
-                    <a:lstStyle/>
-                    <a:p>
-                      <a:pPr algn="ctr"/>
-                      <a:endParaRPr lang="en-US" dirty="0"/>
-                    </a:p>
-                  </a:txBody>
-                  <a:tcPr>
-                    <a:lnL w="12700" cap="flat" cmpd="sng" algn="ctr">
-                      <a:noFill/>
-                      <a:prstDash val="solid"/>
-                      <a:round/>
-                      <a:headEnd type="none" w="med" len="med"/>
-                      <a:tailEnd type="none" w="med" len="med"/>
-                    </a:lnL>
-                    <a:lnR w="12700" cap="flat" cmpd="sng" algn="ctr">
-                      <a:noFill/>
-                      <a:prstDash val="solid"/>
-                      <a:round/>
-                      <a:headEnd type="none" w="med" len="med"/>
-                      <a:tailEnd type="none" w="med" len="med"/>
-                    </a:lnR>
-                    <a:lnT w="12700" cap="flat" cmpd="sng" algn="ctr">
-                      <a:noFill/>
-                      <a:prstDash val="solid"/>
-                      <a:round/>
-                      <a:headEnd type="none" w="med" len="med"/>
-                      <a:tailEnd type="none" w="med" len="med"/>
-                    </a:lnT>
-                    <a:lnB w="12700" cap="flat" cmpd="sng" algn="ctr">
-                      <a:noFill/>
-                      <a:prstDash val="solid"/>
-                      <a:round/>
-                      <a:headEnd type="none" w="med" len="med"/>
-                      <a:tailEnd type="none" w="med" len="med"/>
-                    </a:lnB>
-                    <a:lnTlToBr w="12700" cmpd="sng">
-                      <a:noFill/>
-                      <a:prstDash val="solid"/>
-                    </a:lnTlToBr>
-                    <a:lnBlToTr w="12700" cmpd="sng">
-                      <a:noFill/>
-                      <a:prstDash val="solid"/>
-                    </a:lnBlToTr>
-                    <a:solidFill>
-                      <a:schemeClr val="bg1"/>
-                    </a:solidFill>
-                  </a:tcPr>
-                </a:tc>
-                <a:tc>
-                  <a:txBody>
-                    <a:bodyPr/>
-                    <a:lstStyle/>
-                    <a:p>
-                      <a:pPr algn="ctr"/>
-                      <a:endParaRPr lang="en-US" dirty="0" smtClean="0"/>
-                    </a:p>
-                  </a:txBody>
-                  <a:tcPr>
-                    <a:lnL w="12700" cap="flat" cmpd="sng" algn="ctr">
-                      <a:noFill/>
-                      <a:prstDash val="solid"/>
-                      <a:round/>
-                      <a:headEnd type="none" w="med" len="med"/>
-                      <a:tailEnd type="none" w="med" len="med"/>
-                    </a:lnL>
-                    <a:lnR w="12700" cap="flat" cmpd="sng" algn="ctr">
-                      <a:noFill/>
-                      <a:prstDash val="solid"/>
-                      <a:round/>
-                      <a:headEnd type="none" w="med" len="med"/>
-                      <a:tailEnd type="none" w="med" len="med"/>
-                    </a:lnR>
-                    <a:lnT w="12700" cap="flat" cmpd="sng" algn="ctr">
-                      <a:noFill/>
-                      <a:prstDash val="solid"/>
-                      <a:round/>
-                      <a:headEnd type="none" w="med" len="med"/>
-                      <a:tailEnd type="none" w="med" len="med"/>
-                    </a:lnT>
-                    <a:lnB w="12700" cap="flat" cmpd="sng" algn="ctr">
-                      <a:noFill/>
-                      <a:prstDash val="solid"/>
-                      <a:round/>
-                      <a:headEnd type="none" w="med" len="med"/>
-                      <a:tailEnd type="none" w="med" len="med"/>
-                    </a:lnB>
-                    <a:lnTlToBr w="12700" cmpd="sng">
-                      <a:noFill/>
-                      <a:prstDash val="solid"/>
-                    </a:lnTlToBr>
-                    <a:lnBlToTr w="12700" cmpd="sng">
-                      <a:noFill/>
-                      <a:prstDash val="solid"/>
-                    </a:lnBlToTr>
-                    <a:solidFill>
-                      <a:schemeClr val="bg1"/>
-                    </a:solidFill>
-                  </a:tcPr>
-                </a:tc>
-              </a:tr>
-              <a:tr h="370840">
-                <a:tc>
-                  <a:txBody>
-                    <a:bodyPr/>
-                    <a:lstStyle/>
-                    <a:p>
-                      <a:pPr algn="ctr"/>
-                      <a:r>
-                        <a:rPr lang="en-US" sz="2400" b="1" dirty="0" smtClean="0"/>
-                        <a:t>Bottom</a:t>
-                      </a:r>
-                      <a:endParaRPr lang="en-US" sz="2400" b="1" dirty="0"/>
-                    </a:p>
-                  </a:txBody>
-                  <a:tcPr anchor="ctr">
-                    <a:lnL w="12700" cmpd="sng">
-                      <a:noFill/>
-                    </a:lnL>
-                    <a:lnR w="12700" cap="flat" cmpd="sng" algn="ctr">
-                      <a:noFill/>
-                      <a:prstDash val="solid"/>
-                      <a:round/>
-                      <a:headEnd type="none" w="med" len="med"/>
-                      <a:tailEnd type="none" w="med" len="med"/>
-                    </a:lnR>
-                    <a:lnT w="12700" cmpd="sng">
-                      <a:noFill/>
-                    </a:lnT>
-                    <a:lnB w="12700" cmpd="sng">
-                      <a:noFill/>
-                    </a:lnB>
-                    <a:lnTlToBr w="12700" cmpd="sng">
-                      <a:noFill/>
-                      <a:prstDash val="solid"/>
-                    </a:lnTlToBr>
-                    <a:lnBlToTr w="12700" cmpd="sng">
-                      <a:noFill/>
-                      <a:prstDash val="solid"/>
-                    </a:lnBlToTr>
-                    <a:solidFill>
-                      <a:schemeClr val="bg1"/>
-                    </a:solidFill>
-                  </a:tcPr>
-                </a:tc>
-                <a:tc>
-                  <a:txBody>
-                    <a:bodyPr/>
-                    <a:lstStyle/>
-                    <a:p>
-                      <a:pPr algn="ctr"/>
-                      <a:r>
-                        <a:rPr lang="en-US" dirty="0" smtClean="0"/>
-                        <a:t>Top Used</a:t>
-                      </a:r>
-                      <a:endParaRPr lang="en-US" dirty="0"/>
-                    </a:p>
-                  </a:txBody>
-                  <a:tcPr anchor="b">
-                    <a:lnL w="12700" cap="flat" cmpd="sng" algn="ctr">
-                      <a:noFill/>
-                      <a:prstDash val="solid"/>
-                      <a:round/>
-                      <a:headEnd type="none" w="med" len="med"/>
-                      <a:tailEnd type="none" w="med" len="med"/>
-                    </a:lnL>
-                    <a:lnR w="12700" cap="flat" cmpd="sng" algn="ctr">
-                      <a:noFill/>
-                      <a:prstDash val="solid"/>
-                      <a:round/>
-                      <a:headEnd type="none" w="med" len="med"/>
-                      <a:tailEnd type="none" w="med" len="med"/>
-                    </a:lnR>
-                    <a:lnT w="12700" cap="flat" cmpd="sng" algn="ctr">
-                      <a:noFill/>
-                      <a:prstDash val="solid"/>
-                      <a:round/>
-                      <a:headEnd type="none" w="med" len="med"/>
-                      <a:tailEnd type="none" w="med" len="med"/>
-                    </a:lnT>
-                    <a:lnB w="12700" cap="flat" cmpd="sng" algn="ctr">
-                      <a:solidFill>
-                        <a:schemeClr val="tx1"/>
-                      </a:solidFill>
-                      <a:prstDash val="solid"/>
-                      <a:round/>
-                      <a:headEnd type="none" w="med" len="med"/>
-                      <a:tailEnd type="none" w="med" len="med"/>
-                    </a:lnB>
-                    <a:lnTlToBr w="12700" cmpd="sng">
-                      <a:noFill/>
-                      <a:prstDash val="solid"/>
-                    </a:lnTlToBr>
-                    <a:lnBlToTr w="12700" cmpd="sng">
-                      <a:noFill/>
-                      <a:prstDash val="solid"/>
-                    </a:lnBlToTr>
-                    <a:solidFill>
-                      <a:schemeClr val="bg1"/>
-                    </a:solidFill>
-                  </a:tcPr>
-                </a:tc>
-                <a:tc>
-                  <a:txBody>
-                    <a:bodyPr/>
-                    <a:lstStyle/>
-                    <a:p>
-                      <a:pPr algn="ctr"/>
-                      <a:r>
-                        <a:rPr lang="en-US" dirty="0" smtClean="0"/>
-                        <a:t>Top Not Used</a:t>
-                      </a:r>
-                      <a:endParaRPr lang="en-US" dirty="0"/>
-                    </a:p>
-                  </a:txBody>
-                  <a:tcPr anchor="b">
-                    <a:lnL w="12700" cap="flat" cmpd="sng" algn="ctr">
-                      <a:noFill/>
-                      <a:prstDash val="solid"/>
-                      <a:round/>
-                      <a:headEnd type="none" w="med" len="med"/>
-                      <a:tailEnd type="none" w="med" len="med"/>
-                    </a:lnL>
-                    <a:lnR w="12700" cap="flat" cmpd="sng" algn="ctr">
-                      <a:noFill/>
-                      <a:prstDash val="solid"/>
-                      <a:round/>
-                      <a:headEnd type="none" w="med" len="med"/>
-                      <a:tailEnd type="none" w="med" len="med"/>
-                    </a:lnR>
-                    <a:lnT w="12700" cap="flat" cmpd="sng" algn="ctr">
-                      <a:noFill/>
-                      <a:prstDash val="solid"/>
-                      <a:round/>
-                      <a:headEnd type="none" w="med" len="med"/>
-                      <a:tailEnd type="none" w="med" len="med"/>
-                    </a:lnT>
-                    <a:lnB w="12700" cap="flat" cmpd="sng" algn="ctr">
-                      <a:solidFill>
-                        <a:schemeClr val="tx1"/>
-                      </a:solidFill>
-                      <a:prstDash val="solid"/>
-                      <a:round/>
-                      <a:headEnd type="none" w="med" len="med"/>
-                      <a:tailEnd type="none" w="med" len="med"/>
-                    </a:lnB>
-                    <a:lnTlToBr w="12700" cmpd="sng">
-                      <a:noFill/>
-                      <a:prstDash val="solid"/>
-                    </a:lnTlToBr>
-                    <a:lnBlToTr w="12700" cmpd="sng">
-                      <a:noFill/>
-                      <a:prstDash val="solid"/>
-                    </a:lnBlToTr>
-                    <a:solidFill>
-                      <a:schemeClr val="bg1"/>
-                    </a:solidFill>
-                  </a:tcPr>
-                </a:tc>
-              </a:tr>
-              <a:tr h="370840">
-                <a:tc>
-                  <a:txBody>
-                    <a:bodyPr/>
-                    <a:lstStyle/>
-                    <a:p>
-                      <a:pPr algn="r"/>
-                      <a:r>
-                        <a:rPr lang="en-US" dirty="0" smtClean="0"/>
-                        <a:t>Bottom Used</a:t>
-                      </a:r>
-                      <a:endParaRPr lang="en-US" dirty="0"/>
-                    </a:p>
-                  </a:txBody>
-                  <a:tcPr>
-                    <a:lnL w="12700" cmpd="sng">
-                      <a:noFill/>
-                    </a:lnL>
-                    <a:lnR w="12700" cap="flat" cmpd="sng" algn="ctr">
-                      <a:noFill/>
-                      <a:prstDash val="solid"/>
-                      <a:round/>
-                      <a:headEnd type="none" w="med" len="med"/>
-                      <a:tailEnd type="none" w="med" len="med"/>
-                    </a:lnR>
-                    <a:lnT w="12700" cmpd="sng">
-                      <a:noFill/>
-                    </a:lnT>
-                    <a:lnB w="12700" cmpd="sng">
-                      <a:noFill/>
-                    </a:lnB>
-                    <a:lnTlToBr w="12700" cmpd="sng">
-                      <a:noFill/>
-                      <a:prstDash val="solid"/>
-                    </a:lnTlToBr>
-                    <a:lnBlToTr w="12700" cmpd="sng">
-                      <a:noFill/>
-                      <a:prstDash val="solid"/>
-                    </a:lnBlToTr>
-                    <a:solidFill>
-                      <a:schemeClr val="bg1"/>
-                    </a:solidFill>
-                  </a:tcPr>
-                </a:tc>
-                <a:tc>
-                  <a:txBody>
-                    <a:bodyPr/>
-                    <a:lstStyle/>
-                    <a:p>
-                      <a:pPr algn="ctr"/>
-                      <a:r>
-                        <a:rPr lang="en-US" b="1" dirty="0" smtClean="0"/>
-                        <a:t>16</a:t>
-                      </a:r>
-                      <a:endParaRPr lang="en-US" b="1" dirty="0"/>
-                    </a:p>
-                  </a:txBody>
-                  <a:tcPr>
-                    <a:lnL w="12700" cap="flat" cmpd="sng" algn="ctr">
-                      <a:noFill/>
-                      <a:prstDash val="solid"/>
-                      <a:round/>
-                      <a:headEnd type="none" w="med" len="med"/>
-                      <a:tailEnd type="none" w="med" len="med"/>
-                    </a:lnL>
-                    <a:lnR w="12700" cap="flat" cmpd="sng" algn="ctr">
-                      <a:noFill/>
-                      <a:prstDash val="solid"/>
-                      <a:round/>
-                      <a:headEnd type="none" w="med" len="med"/>
-                      <a:tailEnd type="none" w="med" len="med"/>
-                    </a:lnR>
-                    <a:lnT w="12700" cap="flat" cmpd="sng" algn="ctr">
-                      <a:solidFill>
-                        <a:schemeClr val="tx1"/>
-                      </a:solidFill>
-                      <a:prstDash val="solid"/>
-                      <a:round/>
-                      <a:headEnd type="none" w="med" len="med"/>
-                      <a:tailEnd type="none" w="med" len="med"/>
-                    </a:lnT>
-                    <a:lnB w="12700" cap="flat" cmpd="sng" algn="ctr">
-                      <a:noFill/>
-                      <a:prstDash val="solid"/>
-                      <a:round/>
-                      <a:headEnd type="none" w="med" len="med"/>
-                      <a:tailEnd type="none" w="med" len="med"/>
-                    </a:lnB>
-                    <a:lnTlToBr w="12700" cmpd="sng">
-                      <a:noFill/>
-                      <a:prstDash val="solid"/>
-                    </a:lnTlToBr>
-                    <a:lnBlToTr w="12700" cmpd="sng">
-                      <a:noFill/>
-                      <a:prstDash val="solid"/>
-                    </a:lnBlToTr>
-                    <a:solidFill>
-                      <a:schemeClr val="bg1">
-                        <a:lumMod val="65000"/>
-                      </a:schemeClr>
-                    </a:solidFill>
-                  </a:tcPr>
-                </a:tc>
-                <a:tc>
-                  <a:txBody>
-                    <a:bodyPr/>
-                    <a:lstStyle/>
-                    <a:p>
-                      <a:pPr algn="ctr"/>
-                      <a:r>
-                        <a:rPr lang="en-US" dirty="0" smtClean="0"/>
-                        <a:t>8</a:t>
-                      </a:r>
-                      <a:endParaRPr lang="en-US" dirty="0"/>
-                    </a:p>
-                  </a:txBody>
-                  <a:tcPr>
-                    <a:lnL w="12700" cap="flat" cmpd="sng" algn="ctr">
-                      <a:noFill/>
-                      <a:prstDash val="solid"/>
-                      <a:round/>
-                      <a:headEnd type="none" w="med" len="med"/>
-                      <a:tailEnd type="none" w="med" len="med"/>
-                    </a:lnL>
-                    <a:lnR w="12700" cap="flat" cmpd="sng" algn="ctr">
-                      <a:noFill/>
-                      <a:prstDash val="solid"/>
-                      <a:round/>
-                      <a:headEnd type="none" w="med" len="med"/>
-                      <a:tailEnd type="none" w="med" len="med"/>
-                    </a:lnR>
-                    <a:lnT w="12700" cap="flat" cmpd="sng" algn="ctr">
-                      <a:solidFill>
-                        <a:schemeClr val="tx1"/>
-                      </a:solidFill>
-                      <a:prstDash val="solid"/>
-                      <a:round/>
-                      <a:headEnd type="none" w="med" len="med"/>
-                      <a:tailEnd type="none" w="med" len="med"/>
-                    </a:lnT>
-                    <a:lnB w="12700" cap="flat" cmpd="sng" algn="ctr">
-                      <a:noFill/>
-                      <a:prstDash val="solid"/>
-                      <a:round/>
-                      <a:headEnd type="none" w="med" len="med"/>
-                      <a:tailEnd type="none" w="med" len="med"/>
-                    </a:lnB>
-                    <a:lnTlToBr w="12700" cmpd="sng">
-                      <a:noFill/>
-                      <a:prstDash val="solid"/>
-                    </a:lnTlToBr>
-                    <a:lnBlToTr w="12700" cmpd="sng">
-                      <a:noFill/>
-                      <a:prstDash val="solid"/>
-                    </a:lnBlToTr>
-                    <a:solidFill>
-                      <a:schemeClr val="bg1"/>
-                    </a:solidFill>
-                  </a:tcPr>
-                </a:tc>
-              </a:tr>
-              <a:tr h="370840">
-                <a:tc>
-                  <a:txBody>
-                    <a:bodyPr/>
-                    <a:lstStyle/>
-                    <a:p>
-                      <a:pPr algn="r"/>
-                      <a:r>
-                        <a:rPr lang="en-US" dirty="0" smtClean="0"/>
-                        <a:t>Bottom Not Used</a:t>
-                      </a:r>
-                      <a:endParaRPr lang="en-US" dirty="0"/>
-                    </a:p>
-                  </a:txBody>
-                  <a:tcPr>
-                    <a:lnL w="12700" cmpd="sng">
-                      <a:noFill/>
-                    </a:lnL>
-                    <a:lnR w="12700" cap="flat" cmpd="sng" algn="ctr">
-                      <a:noFill/>
-                      <a:prstDash val="solid"/>
-                      <a:round/>
-                      <a:headEnd type="none" w="med" len="med"/>
-                      <a:tailEnd type="none" w="med" len="med"/>
-                    </a:lnR>
-                    <a:lnT w="12700" cmpd="sng">
-                      <a:noFill/>
-                    </a:lnT>
-                    <a:lnB w="12700" cmpd="sng">
-                      <a:noFill/>
-                    </a:lnB>
-                    <a:lnTlToBr w="12700" cmpd="sng">
-                      <a:noFill/>
-                      <a:prstDash val="solid"/>
-                    </a:lnTlToBr>
-                    <a:lnBlToTr w="12700" cmpd="sng">
-                      <a:noFill/>
-                      <a:prstDash val="solid"/>
-                    </a:lnBlToTr>
-                    <a:solidFill>
-                      <a:schemeClr val="bg1"/>
-                    </a:solidFill>
-                  </a:tcPr>
-                </a:tc>
-                <a:tc>
-                  <a:txBody>
-                    <a:bodyPr/>
-                    <a:lstStyle/>
-                    <a:p>
-                      <a:pPr algn="ctr"/>
-                      <a:r>
-                        <a:rPr lang="en-US" dirty="0" smtClean="0"/>
-                        <a:t>31</a:t>
-                      </a:r>
-                      <a:endParaRPr lang="en-US" dirty="0"/>
-                    </a:p>
-                  </a:txBody>
-                  <a:tcPr>
-                    <a:lnL w="12700" cap="flat" cmpd="sng" algn="ctr">
-                      <a:noFill/>
-                      <a:prstDash val="solid"/>
-                      <a:round/>
-                      <a:headEnd type="none" w="med" len="med"/>
-                      <a:tailEnd type="none" w="med" len="med"/>
-                    </a:lnL>
-                    <a:lnR w="12700" cap="flat" cmpd="sng" algn="ctr">
-                      <a:noFill/>
-                      <a:prstDash val="solid"/>
-                      <a:round/>
-                      <a:headEnd type="none" w="med" len="med"/>
-                      <a:tailEnd type="none" w="med" len="med"/>
-                    </a:lnR>
-                    <a:lnT w="12700" cap="flat" cmpd="sng" algn="ctr">
-                      <a:noFill/>
-                      <a:prstDash val="solid"/>
-                      <a:round/>
-                      <a:headEnd type="none" w="med" len="med"/>
-                      <a:tailEnd type="none" w="med" len="med"/>
-                    </a:lnT>
-                    <a:lnB w="12700" cap="flat" cmpd="sng" algn="ctr">
-                      <a:noFill/>
-                      <a:prstDash val="solid"/>
-                      <a:round/>
-                      <a:headEnd type="none" w="med" len="med"/>
-                      <a:tailEnd type="none" w="med" len="med"/>
-                    </a:lnB>
-                    <a:lnTlToBr w="12700" cmpd="sng">
-                      <a:noFill/>
-                      <a:prstDash val="solid"/>
-                    </a:lnTlToBr>
-                    <a:lnBlToTr w="12700" cmpd="sng">
-                      <a:noFill/>
-                      <a:prstDash val="solid"/>
-                    </a:lnBlToTr>
-                    <a:solidFill>
-                      <a:schemeClr val="bg1"/>
-                    </a:solidFill>
-                  </a:tcPr>
-                </a:tc>
-                <a:tc>
-                  <a:txBody>
-                    <a:bodyPr/>
-                    <a:lstStyle/>
-                    <a:p>
-                      <a:pPr algn="ctr"/>
-                      <a:r>
-                        <a:rPr lang="en-US" dirty="0" smtClean="0"/>
-                        <a:t>6</a:t>
-                      </a:r>
-                      <a:endParaRPr lang="en-US" dirty="0"/>
-                    </a:p>
-                  </a:txBody>
-                  <a:tcPr>
-                    <a:lnL w="12700" cap="flat" cmpd="sng" algn="ctr">
-                      <a:noFill/>
-                      <a:prstDash val="solid"/>
-                      <a:round/>
-                      <a:headEnd type="none" w="med" len="med"/>
-                      <a:tailEnd type="none" w="med" len="med"/>
-                    </a:lnL>
-                    <a:lnR w="12700" cap="flat" cmpd="sng" algn="ctr">
-                      <a:noFill/>
-                      <a:prstDash val="solid"/>
-                      <a:round/>
-                      <a:headEnd type="none" w="med" len="med"/>
-                      <a:tailEnd type="none" w="med" len="med"/>
-                    </a:lnR>
-                    <a:lnT w="12700" cap="flat" cmpd="sng" algn="ctr">
-                      <a:noFill/>
-                      <a:prstDash val="solid"/>
-                      <a:round/>
-                      <a:headEnd type="none" w="med" len="med"/>
-                      <a:tailEnd type="none" w="med" len="med"/>
-                    </a:lnT>
-                    <a:lnB w="12700" cap="flat" cmpd="sng" algn="ctr">
-                      <a:noFill/>
-                      <a:prstDash val="solid"/>
-                      <a:round/>
-                      <a:headEnd type="none" w="med" len="med"/>
-                      <a:tailEnd type="none" w="med" len="med"/>
-                    </a:lnB>
-                    <a:lnTlToBr w="12700" cmpd="sng">
-                      <a:noFill/>
-                      <a:prstDash val="solid"/>
-                    </a:lnTlToBr>
-                    <a:lnBlToTr w="12700" cmpd="sng">
-                      <a:noFill/>
-                      <a:prstDash val="solid"/>
-                    </a:lnBlToTr>
-                    <a:solidFill>
-                      <a:schemeClr val="bg1"/>
-                    </a:solidFill>
-                  </a:tcPr>
-                </a:tc>
-              </a:tr>
-            </a:tbl>
-          </a:graphicData>
-        </a:graphic>
-      </p:graphicFrame>
     </p:spTree>
     <p:extLst>
       <p:ext uri="{BB962C8B-B14F-4D97-AF65-F5344CB8AC3E}">
-        <p14:creationId xmlns:p14="http://schemas.microsoft.com/office/powerpoint/2010/main" val="103647445"/>
+        <p14:creationId xmlns:p14="http://schemas.microsoft.com/office/powerpoint/2010/main" val="869797781"/>
       </p:ext>
     </p:extLst>
   </p:cSld>
@@ -25540,6 +24639,588 @@
           <a:chExt cx="0" cy="0"/>
         </a:xfrm>
       </p:grpSpPr>
+      <p:grpSp>
+        <p:nvGrpSpPr>
+          <p:cNvPr id="21" name="Group 20"/>
+          <p:cNvGrpSpPr/>
+          <p:nvPr/>
+        </p:nvGrpSpPr>
+        <p:grpSpPr>
+          <a:xfrm>
+            <a:off x="429475" y="3201785"/>
+            <a:ext cx="8420148" cy="3585310"/>
+            <a:chOff x="482638" y="3405404"/>
+            <a:chExt cx="8108467" cy="3452596"/>
+          </a:xfrm>
+        </p:grpSpPr>
+        <p:grpSp>
+          <p:nvGrpSpPr>
+            <p:cNvPr id="11" name="Group 10"/>
+            <p:cNvGrpSpPr/>
+            <p:nvPr/>
+          </p:nvGrpSpPr>
+          <p:grpSpPr>
+            <a:xfrm>
+              <a:off x="482638" y="3661877"/>
+              <a:ext cx="6057989" cy="2935911"/>
+              <a:chOff x="2967822" y="3284136"/>
+              <a:chExt cx="4964066" cy="2405758"/>
+            </a:xfrm>
+          </p:grpSpPr>
+          <p:pic>
+            <p:nvPicPr>
+              <p:cNvPr id="3" name="Picture 2"/>
+              <p:cNvPicPr>
+                <a:picLocks noChangeAspect="1"/>
+              </p:cNvPicPr>
+              <p:nvPr/>
+            </p:nvPicPr>
+            <p:blipFill rotWithShape="1">
+              <a:blip r:embed="rId3">
+                <a:extLst>
+                  <a:ext uri="{28A0092B-C50C-407E-A947-70E740481C1C}">
+                    <a14:useLocalDpi xmlns:a14="http://schemas.microsoft.com/office/drawing/2010/main" val="0"/>
+                  </a:ext>
+                </a:extLst>
+              </a:blip>
+              <a:srcRect l="84297" t="16417" r="155" b="9669"/>
+              <a:stretch/>
+            </p:blipFill>
+            <p:spPr>
+              <a:xfrm>
+                <a:off x="6825654" y="3392332"/>
+                <a:ext cx="1106234" cy="2297562"/>
+              </a:xfrm>
+              <a:prstGeom prst="rect">
+                <a:avLst/>
+              </a:prstGeom>
+            </p:spPr>
+          </p:pic>
+          <p:grpSp>
+            <p:nvGrpSpPr>
+              <p:cNvPr id="10" name="Group 9"/>
+              <p:cNvGrpSpPr/>
+              <p:nvPr/>
+            </p:nvGrpSpPr>
+            <p:grpSpPr>
+              <a:xfrm>
+                <a:off x="2967822" y="3284136"/>
+                <a:ext cx="3762586" cy="2118527"/>
+                <a:chOff x="1022065" y="3041593"/>
+                <a:chExt cx="4878374" cy="2746772"/>
+              </a:xfrm>
+            </p:grpSpPr>
+            <p:grpSp>
+              <p:nvGrpSpPr>
+                <p:cNvPr id="9" name="Group 8"/>
+                <p:cNvGrpSpPr/>
+                <p:nvPr/>
+              </p:nvGrpSpPr>
+              <p:grpSpPr>
+                <a:xfrm>
+                  <a:off x="1022065" y="3041593"/>
+                  <a:ext cx="2377441" cy="2746772"/>
+                  <a:chOff x="1022065" y="3041593"/>
+                  <a:chExt cx="2377441" cy="2746772"/>
+                </a:xfrm>
+              </p:grpSpPr>
+              <p:pic>
+                <p:nvPicPr>
+                  <p:cNvPr id="4" name="Picture 3"/>
+                  <p:cNvPicPr>
+                    <a:picLocks noChangeAspect="1"/>
+                  </p:cNvPicPr>
+                  <p:nvPr/>
+                </p:nvPicPr>
+                <p:blipFill rotWithShape="1">
+                  <a:blip r:embed="rId3">
+                    <a:extLst>
+                      <a:ext uri="{28A0092B-C50C-407E-A947-70E740481C1C}">
+                        <a14:useLocalDpi xmlns:a14="http://schemas.microsoft.com/office/drawing/2010/main" val="0"/>
+                      </a:ext>
+                    </a:extLst>
+                  </a:blip>
+                  <a:srcRect l="3123" t="6968" r="77414" b="48479"/>
+                  <a:stretch/>
+                </p:blipFill>
+                <p:spPr>
+                  <a:xfrm>
+                    <a:off x="1022065" y="3410925"/>
+                    <a:ext cx="2377440" cy="2377440"/>
+                  </a:xfrm>
+                  <a:prstGeom prst="rect">
+                    <a:avLst/>
+                  </a:prstGeom>
+                </p:spPr>
+              </p:pic>
+              <p:sp>
+                <p:nvSpPr>
+                  <p:cNvPr id="6" name="TextBox 5"/>
+                  <p:cNvSpPr txBox="1"/>
+                  <p:nvPr/>
+                </p:nvSpPr>
+                <p:spPr>
+                  <a:xfrm>
+                    <a:off x="1022065" y="3041593"/>
+                    <a:ext cx="2377441" cy="369332"/>
+                  </a:xfrm>
+                  <a:prstGeom prst="rect">
+                    <a:avLst/>
+                  </a:prstGeom>
+                  <a:noFill/>
+                </p:spPr>
+                <p:txBody>
+                  <a:bodyPr wrap="square" rtlCol="0">
+                    <a:spAutoFit/>
+                  </a:bodyPr>
+                  <a:lstStyle/>
+                  <a:p>
+                    <a:pPr algn="ctr"/>
+                    <a:r>
+                      <a:rPr lang="en-US" smtClean="0"/>
+                      <a:t>Middle</a:t>
+                    </a:r>
+                    <a:endParaRPr lang="en-US"/>
+                  </a:p>
+                </p:txBody>
+              </p:sp>
+            </p:grpSp>
+            <p:grpSp>
+              <p:nvGrpSpPr>
+                <p:cNvPr id="8" name="Group 7"/>
+                <p:cNvGrpSpPr/>
+                <p:nvPr/>
+              </p:nvGrpSpPr>
+              <p:grpSpPr>
+                <a:xfrm>
+                  <a:off x="3522997" y="3041593"/>
+                  <a:ext cx="2377442" cy="2746772"/>
+                  <a:chOff x="3522997" y="3041593"/>
+                  <a:chExt cx="2377442" cy="2746772"/>
+                </a:xfrm>
+              </p:grpSpPr>
+              <p:pic>
+                <p:nvPicPr>
+                  <p:cNvPr id="5" name="Picture 4"/>
+                  <p:cNvPicPr>
+                    <a:picLocks noChangeAspect="1"/>
+                  </p:cNvPicPr>
+                  <p:nvPr/>
+                </p:nvPicPr>
+                <p:blipFill rotWithShape="1">
+                  <a:blip r:embed="rId3">
+                    <a:extLst>
+                      <a:ext uri="{28A0092B-C50C-407E-A947-70E740481C1C}">
+                        <a14:useLocalDpi xmlns:a14="http://schemas.microsoft.com/office/drawing/2010/main" val="0"/>
+                      </a:ext>
+                    </a:extLst>
+                  </a:blip>
+                  <a:srcRect l="3086" t="52365" r="77451" b="3084"/>
+                  <a:stretch/>
+                </p:blipFill>
+                <p:spPr>
+                  <a:xfrm>
+                    <a:off x="3522999" y="3410925"/>
+                    <a:ext cx="2377440" cy="2377440"/>
+                  </a:xfrm>
+                  <a:prstGeom prst="rect">
+                    <a:avLst/>
+                  </a:prstGeom>
+                </p:spPr>
+              </p:pic>
+              <p:sp>
+                <p:nvSpPr>
+                  <p:cNvPr id="7" name="TextBox 6"/>
+                  <p:cNvSpPr txBox="1"/>
+                  <p:nvPr/>
+                </p:nvSpPr>
+                <p:spPr>
+                  <a:xfrm>
+                    <a:off x="3522997" y="3041593"/>
+                    <a:ext cx="2377442" cy="369332"/>
+                  </a:xfrm>
+                  <a:prstGeom prst="rect">
+                    <a:avLst/>
+                  </a:prstGeom>
+                  <a:noFill/>
+                </p:spPr>
+                <p:txBody>
+                  <a:bodyPr wrap="square" rtlCol="0">
+                    <a:spAutoFit/>
+                  </a:bodyPr>
+                  <a:lstStyle/>
+                  <a:p>
+                    <a:pPr algn="ctr"/>
+                    <a:r>
+                      <a:rPr lang="en-US" dirty="0" smtClean="0"/>
+                      <a:t>Bottom</a:t>
+                    </a:r>
+                    <a:endParaRPr lang="en-US" dirty="0"/>
+                  </a:p>
+                </p:txBody>
+              </p:sp>
+            </p:grpSp>
+          </p:grpSp>
+        </p:grpSp>
+        <p:pic>
+          <p:nvPicPr>
+            <p:cNvPr id="13" name="Picture 12"/>
+            <p:cNvPicPr>
+              <a:picLocks noChangeAspect="1"/>
+            </p:cNvPicPr>
+            <p:nvPr/>
+          </p:nvPicPr>
+          <p:blipFill>
+            <a:blip r:embed="rId4">
+              <a:extLst>
+                <a:ext uri="{28A0092B-C50C-407E-A947-70E740481C1C}">
+                  <a14:useLocalDpi xmlns:a14="http://schemas.microsoft.com/office/drawing/2010/main" val="0"/>
+                </a:ext>
+              </a:extLst>
+            </a:blip>
+            <a:stretch>
+              <a:fillRect/>
+            </a:stretch>
+          </p:blipFill>
+          <p:spPr>
+            <a:xfrm>
+              <a:off x="6951736" y="3405404"/>
+              <a:ext cx="1639369" cy="1639369"/>
+            </a:xfrm>
+            <a:prstGeom prst="rect">
+              <a:avLst/>
+            </a:prstGeom>
+          </p:spPr>
+        </p:pic>
+        <p:pic>
+          <p:nvPicPr>
+            <p:cNvPr id="14" name="Picture 13"/>
+            <p:cNvPicPr>
+              <a:picLocks noChangeAspect="1"/>
+            </p:cNvPicPr>
+            <p:nvPr/>
+          </p:nvPicPr>
+          <p:blipFill>
+            <a:blip r:embed="rId5">
+              <a:extLst>
+                <a:ext uri="{28A0092B-C50C-407E-A947-70E740481C1C}">
+                  <a14:useLocalDpi xmlns:a14="http://schemas.microsoft.com/office/drawing/2010/main" val="0"/>
+                </a:ext>
+              </a:extLst>
+            </a:blip>
+            <a:stretch>
+              <a:fillRect/>
+            </a:stretch>
+          </p:blipFill>
+          <p:spPr>
+            <a:xfrm>
+              <a:off x="6951736" y="5218631"/>
+              <a:ext cx="1639369" cy="1639369"/>
+            </a:xfrm>
+            <a:prstGeom prst="rect">
+              <a:avLst/>
+            </a:prstGeom>
+          </p:spPr>
+        </p:pic>
+        <p:cxnSp>
+          <p:nvCxnSpPr>
+            <p:cNvPr id="16" name="Straight Arrow Connector 15"/>
+            <p:cNvCxnSpPr>
+              <a:endCxn id="13" idx="1"/>
+            </p:cNvCxnSpPr>
+            <p:nvPr/>
+          </p:nvCxnSpPr>
+          <p:spPr>
+            <a:xfrm>
+              <a:off x="6540627" y="4114800"/>
+              <a:ext cx="411109" cy="110289"/>
+            </a:xfrm>
+            <a:prstGeom prst="straightConnector1">
+              <a:avLst/>
+            </a:prstGeom>
+            <a:ln w="12700">
+              <a:solidFill>
+                <a:schemeClr val="tx1"/>
+              </a:solidFill>
+              <a:tailEnd type="triangle" w="lg" len="med"/>
+            </a:ln>
+          </p:spPr>
+          <p:style>
+            <a:lnRef idx="1">
+              <a:schemeClr val="accent1"/>
+            </a:lnRef>
+            <a:fillRef idx="0">
+              <a:schemeClr val="accent1"/>
+            </a:fillRef>
+            <a:effectRef idx="0">
+              <a:schemeClr val="accent1"/>
+            </a:effectRef>
+            <a:fontRef idx="minor">
+              <a:schemeClr val="tx1"/>
+            </a:fontRef>
+          </p:style>
+        </p:cxnSp>
+        <p:cxnSp>
+          <p:nvCxnSpPr>
+            <p:cNvPr id="17" name="Straight Arrow Connector 16"/>
+            <p:cNvCxnSpPr>
+              <a:endCxn id="14" idx="1"/>
+            </p:cNvCxnSpPr>
+            <p:nvPr/>
+          </p:nvCxnSpPr>
+          <p:spPr>
+            <a:xfrm flipV="1">
+              <a:off x="6411433" y="6038316"/>
+              <a:ext cx="540303" cy="208944"/>
+            </a:xfrm>
+            <a:prstGeom prst="straightConnector1">
+              <a:avLst/>
+            </a:prstGeom>
+            <a:ln w="12700">
+              <a:solidFill>
+                <a:schemeClr val="tx1"/>
+              </a:solidFill>
+              <a:tailEnd type="triangle" w="lg" len="med"/>
+            </a:ln>
+          </p:spPr>
+          <p:style>
+            <a:lnRef idx="1">
+              <a:schemeClr val="accent1"/>
+            </a:lnRef>
+            <a:fillRef idx="0">
+              <a:schemeClr val="accent1"/>
+            </a:fillRef>
+            <a:effectRef idx="0">
+              <a:schemeClr val="accent1"/>
+            </a:effectRef>
+            <a:fontRef idx="minor">
+              <a:schemeClr val="tx1"/>
+            </a:fontRef>
+          </p:style>
+        </p:cxnSp>
+      </p:grpSp>
+      <p:sp>
+        <p:nvSpPr>
+          <p:cNvPr id="22" name="TextBox 21"/>
+          <p:cNvSpPr txBox="1"/>
+          <p:nvPr/>
+        </p:nvSpPr>
+        <p:spPr>
+          <a:xfrm>
+            <a:off x="546623" y="216352"/>
+            <a:ext cx="7607532" cy="2985433"/>
+          </a:xfrm>
+          <a:prstGeom prst="rect">
+            <a:avLst/>
+          </a:prstGeom>
+          <a:noFill/>
+        </p:spPr>
+        <p:txBody>
+          <a:bodyPr wrap="none" rtlCol="0">
+            <a:spAutoFit/>
+          </a:bodyPr>
+          <a:lstStyle/>
+          <a:p>
+            <a:pPr>
+              <a:spcAft>
+                <a:spcPts val="1200"/>
+              </a:spcAft>
+            </a:pPr>
+            <a:r>
+              <a:rPr lang="en-US" dirty="0" smtClean="0"/>
+              <a:t>Each beta category characterized by difference in feature ranges: </a:t>
+            </a:r>
+          </a:p>
+          <a:p>
+            <a:pPr marL="401638">
+              <a:spcAft>
+                <a:spcPts val="1200"/>
+              </a:spcAft>
+            </a:pPr>
+            <a:r>
+              <a:rPr lang="en-US" i="1" dirty="0" smtClean="0">
+                <a:latin typeface="Times" charset="0"/>
+                <a:ea typeface="Times" charset="0"/>
+                <a:cs typeface="Times" charset="0"/>
+              </a:rPr>
+              <a:t>D = range</a:t>
+            </a:r>
+            <a:r>
+              <a:rPr lang="en-US" dirty="0" smtClean="0">
+                <a:latin typeface="Times" charset="0"/>
+                <a:ea typeface="Times" charset="0"/>
+                <a:cs typeface="Times" charset="0"/>
+              </a:rPr>
+              <a:t>(</a:t>
+            </a:r>
+            <a:r>
+              <a:rPr lang="en-US" b="1" dirty="0" smtClean="0">
+                <a:latin typeface="Times" charset="0"/>
+                <a:ea typeface="Times" charset="0"/>
+                <a:cs typeface="Times" charset="0"/>
+              </a:rPr>
+              <a:t>X</a:t>
+            </a:r>
+            <a:r>
+              <a:rPr lang="en-US" dirty="0" smtClean="0">
+                <a:latin typeface="Times" charset="0"/>
+                <a:ea typeface="Times" charset="0"/>
+                <a:cs typeface="Times" charset="0"/>
+              </a:rPr>
+              <a:t>) </a:t>
+            </a:r>
+            <a:r>
+              <a:rPr lang="mr-IN" dirty="0" smtClean="0">
+                <a:latin typeface="Times" charset="0"/>
+                <a:ea typeface="Times" charset="0"/>
+                <a:cs typeface="Times" charset="0"/>
+              </a:rPr>
+              <a:t>–</a:t>
+            </a:r>
+            <a:r>
+              <a:rPr lang="en-US" dirty="0" smtClean="0">
+                <a:latin typeface="Times" charset="0"/>
+                <a:ea typeface="Times" charset="0"/>
+                <a:cs typeface="Times" charset="0"/>
+              </a:rPr>
+              <a:t> </a:t>
+            </a:r>
+            <a:r>
+              <a:rPr lang="en-US" i="1" dirty="0" smtClean="0">
+                <a:latin typeface="Times" charset="0"/>
+                <a:ea typeface="Times" charset="0"/>
+                <a:cs typeface="Times" charset="0"/>
+              </a:rPr>
+              <a:t>range</a:t>
+            </a:r>
+            <a:r>
+              <a:rPr lang="en-US" dirty="0" smtClean="0">
+                <a:latin typeface="Times" charset="0"/>
+                <a:ea typeface="Times" charset="0"/>
+                <a:cs typeface="Times" charset="0"/>
+              </a:rPr>
+              <a:t>(</a:t>
+            </a:r>
+            <a:r>
+              <a:rPr lang="en-US" b="1" dirty="0" smtClean="0">
+                <a:latin typeface="Times" charset="0"/>
+                <a:ea typeface="Times" charset="0"/>
+                <a:cs typeface="Times" charset="0"/>
+              </a:rPr>
+              <a:t>Y</a:t>
+            </a:r>
+            <a:r>
+              <a:rPr lang="en-US" dirty="0" smtClean="0">
+                <a:latin typeface="Times" charset="0"/>
+                <a:ea typeface="Times" charset="0"/>
+                <a:cs typeface="Times" charset="0"/>
+              </a:rPr>
+              <a:t>)  </a:t>
+            </a:r>
+            <a:endParaRPr lang="en-US" dirty="0">
+              <a:latin typeface="Times" charset="0"/>
+              <a:ea typeface="Times" charset="0"/>
+              <a:cs typeface="Times" charset="0"/>
+            </a:endParaRPr>
+          </a:p>
+          <a:p>
+            <a:r>
+              <a:rPr lang="en-US" sz="1600" dirty="0" smtClean="0"/>
+              <a:t>Positive </a:t>
+            </a:r>
+            <a:r>
+              <a:rPr lang="en-US" sz="1600" i="1" dirty="0" smtClean="0">
+                <a:latin typeface="Times" charset="0"/>
+                <a:ea typeface="Times" charset="0"/>
+                <a:cs typeface="Times" charset="0"/>
+              </a:rPr>
+              <a:t>D</a:t>
+            </a:r>
+            <a:r>
+              <a:rPr lang="en-US" sz="1600" dirty="0" smtClean="0"/>
+              <a:t>: more X range, indicating a row-like category</a:t>
+            </a:r>
+          </a:p>
+          <a:p>
+            <a:r>
+              <a:rPr lang="en-US" sz="1600" dirty="0" smtClean="0"/>
+              <a:t>Negative </a:t>
+            </a:r>
+            <a:r>
+              <a:rPr lang="en-US" sz="1600" i="1" dirty="0" smtClean="0">
+                <a:latin typeface="Times" charset="0"/>
+                <a:ea typeface="Times" charset="0"/>
+                <a:cs typeface="Times" charset="0"/>
+              </a:rPr>
+              <a:t>D</a:t>
+            </a:r>
+            <a:r>
+              <a:rPr lang="en-US" sz="1600" dirty="0"/>
+              <a:t>: more </a:t>
+            </a:r>
+            <a:r>
+              <a:rPr lang="en-US" sz="1600" dirty="0" smtClean="0"/>
+              <a:t>Y range, indicating a column-like category.</a:t>
+            </a:r>
+          </a:p>
+          <a:p>
+            <a:pPr>
+              <a:spcAft>
+                <a:spcPts val="3600"/>
+              </a:spcAft>
+            </a:pPr>
+            <a:r>
+              <a:rPr lang="en-US" sz="1600" i="1" dirty="0" smtClean="0">
+                <a:latin typeface="Times" charset="0"/>
+                <a:ea typeface="Times" charset="0"/>
+                <a:cs typeface="Times" charset="0"/>
+              </a:rPr>
+              <a:t>D</a:t>
+            </a:r>
+            <a:r>
+              <a:rPr lang="en-US" sz="1600" dirty="0" smtClean="0"/>
+              <a:t> were averaged for each stimulus, revealing overall tendency.</a:t>
+            </a:r>
+          </a:p>
+          <a:p>
+            <a:r>
+              <a:rPr lang="en-US" b="1" dirty="0" smtClean="0"/>
+              <a:t>Categories are </a:t>
+            </a:r>
+            <a:r>
+              <a:rPr lang="en-US" b="1" dirty="0"/>
+              <a:t>locally </a:t>
+            </a:r>
+            <a:r>
+              <a:rPr lang="en-US" b="1" dirty="0" smtClean="0"/>
+              <a:t>distributed to allow for maximum distance from Alphas.</a:t>
+            </a:r>
+          </a:p>
+          <a:p>
+            <a:pPr marL="179388"/>
+            <a:r>
+              <a:rPr lang="en-US" dirty="0" smtClean="0"/>
+              <a:t>”Column” categories placed to the side of Alphas</a:t>
+            </a:r>
+          </a:p>
+          <a:p>
+            <a:pPr marL="179388"/>
+            <a:r>
+              <a:rPr lang="en-US" dirty="0" smtClean="0"/>
+              <a:t>“Rows” </a:t>
+            </a:r>
+            <a:r>
+              <a:rPr lang="en-US" dirty="0"/>
+              <a:t>categories </a:t>
+            </a:r>
+            <a:r>
+              <a:rPr lang="en-US" dirty="0" smtClean="0"/>
+              <a:t>placed above/below.  </a:t>
+            </a:r>
+            <a:endParaRPr lang="en-US" dirty="0"/>
+          </a:p>
+        </p:txBody>
+      </p:sp>
     </p:spTree>
     <p:extLst>
       <p:ext uri="{BB962C8B-B14F-4D97-AF65-F5344CB8AC3E}">
@@ -25577,6 +25258,160 @@
           <a:chExt cx="0" cy="0"/>
         </a:xfrm>
       </p:grpSpPr>
+      <p:sp>
+        <p:nvSpPr>
+          <p:cNvPr id="3" name="TextBox 2"/>
+          <p:cNvSpPr txBox="1"/>
+          <p:nvPr/>
+        </p:nvSpPr>
+        <p:spPr>
+          <a:xfrm>
+            <a:off x="616691" y="127590"/>
+            <a:ext cx="7666072" cy="4801314"/>
+          </a:xfrm>
+          <a:prstGeom prst="rect">
+            <a:avLst/>
+          </a:prstGeom>
+          <a:noFill/>
+        </p:spPr>
+        <p:txBody>
+          <a:bodyPr wrap="square" rtlCol="0">
+            <a:spAutoFit/>
+          </a:bodyPr>
+          <a:lstStyle/>
+          <a:p>
+            <a:pPr>
+              <a:spcAft>
+                <a:spcPts val="1200"/>
+              </a:spcAft>
+            </a:pPr>
+            <a:r>
+              <a:rPr lang="en-US" sz="2400" u="sng" dirty="0" smtClean="0"/>
+              <a:t>Experiment 1</a:t>
+            </a:r>
+            <a:endParaRPr lang="en-US" dirty="0" smtClean="0"/>
+          </a:p>
+          <a:p>
+            <a:pPr marL="285750" indent="-285750">
+              <a:spcAft>
+                <a:spcPts val="1200"/>
+              </a:spcAft>
+              <a:buFontTx/>
+              <a:buChar char="-"/>
+            </a:pPr>
+            <a:r>
+              <a:rPr lang="en-US" b="1" i="1" dirty="0" smtClean="0"/>
+              <a:t>Replicated classic effects</a:t>
+            </a:r>
+            <a:r>
+              <a:rPr lang="en-US" dirty="0" smtClean="0"/>
+              <a:t>: Distributional structure of known categories is reflected in generated categories. </a:t>
+            </a:r>
+            <a:r>
+              <a:rPr lang="en-US" dirty="0"/>
+              <a:t>Exemplars in generated categories are similar to one another</a:t>
+            </a:r>
+            <a:r>
+              <a:rPr lang="en-US" dirty="0" smtClean="0"/>
+              <a:t>.</a:t>
+            </a:r>
+          </a:p>
+          <a:p>
+            <a:pPr marL="285750" indent="-285750">
+              <a:spcAft>
+                <a:spcPts val="1200"/>
+              </a:spcAft>
+              <a:buFontTx/>
+              <a:buChar char="-"/>
+            </a:pPr>
+            <a:r>
+              <a:rPr lang="en-US" b="1" i="1" dirty="0" smtClean="0"/>
+              <a:t>But also</a:t>
+            </a:r>
+            <a:r>
+              <a:rPr lang="en-US" dirty="0" smtClean="0"/>
+              <a:t>: Generated categories are perceptually dissimilar to known categories. </a:t>
+            </a:r>
+            <a:endParaRPr lang="en-US" dirty="0"/>
+          </a:p>
+          <a:p>
+            <a:pPr marL="285750" indent="-285750">
+              <a:buFontTx/>
+              <a:buChar char="-"/>
+            </a:pPr>
+            <a:endParaRPr lang="en-US" dirty="0"/>
+          </a:p>
+          <a:p>
+            <a:pPr>
+              <a:spcAft>
+                <a:spcPts val="1200"/>
+              </a:spcAft>
+            </a:pPr>
+            <a:r>
+              <a:rPr lang="en-US" sz="2400" u="sng" dirty="0"/>
+              <a:t>Experiment </a:t>
+            </a:r>
+            <a:r>
+              <a:rPr lang="en-US" sz="2400" u="sng" dirty="0" smtClean="0"/>
+              <a:t>2</a:t>
+            </a:r>
+            <a:endParaRPr lang="en-US" sz="1100" dirty="0"/>
+          </a:p>
+          <a:p>
+            <a:pPr marL="285750" indent="-285750">
+              <a:spcAft>
+                <a:spcPts val="1200"/>
+              </a:spcAft>
+              <a:buFontTx/>
+              <a:buChar char="-"/>
+            </a:pPr>
+            <a:r>
+              <a:rPr lang="en-US" b="1" i="1" dirty="0" smtClean="0"/>
+              <a:t>“Open Space” effect</a:t>
+            </a:r>
+            <a:r>
+              <a:rPr lang="en-US" i="1" dirty="0" smtClean="0"/>
+              <a:t>: The shape of unoccupied space influences generation. </a:t>
+            </a:r>
+            <a:endParaRPr lang="en-US" b="1" i="1" dirty="0" smtClean="0"/>
+          </a:p>
+          <a:p>
+            <a:pPr marL="285750" indent="-285750">
+              <a:spcAft>
+                <a:spcPts val="1200"/>
+              </a:spcAft>
+              <a:buFontTx/>
+              <a:buChar char="-"/>
+            </a:pPr>
+            <a:r>
+              <a:rPr lang="en-US" b="1" i="1" dirty="0" smtClean="0"/>
+              <a:t>Individual differences</a:t>
+            </a:r>
+            <a:r>
+              <a:rPr lang="en-US" dirty="0" smtClean="0"/>
+              <a:t>: Generated categories vary considerably from person to person. Often little resemblance to known categories.</a:t>
+            </a:r>
+          </a:p>
+          <a:p>
+            <a:pPr marL="285750" indent="-285750">
+              <a:spcAft>
+                <a:spcPts val="1200"/>
+              </a:spcAft>
+              <a:buFontTx/>
+              <a:buChar char="-"/>
+            </a:pPr>
+            <a:r>
+              <a:rPr lang="en-US" b="1" i="1" dirty="0" smtClean="0"/>
+              <a:t>Contrast is local</a:t>
+            </a:r>
+            <a:r>
+              <a:rPr lang="en-US" dirty="0" smtClean="0"/>
+              <a:t>: Generated categories are distributed to be maximally dissimilar to known categories, given their location.</a:t>
+            </a:r>
+            <a:endParaRPr lang="en-US" dirty="0"/>
+          </a:p>
+        </p:txBody>
+      </p:sp>
     </p:spTree>
     <p:extLst>
       <p:ext uri="{BB962C8B-B14F-4D97-AF65-F5344CB8AC3E}">
@@ -25614,10 +25449,194 @@
           <a:chExt cx="0" cy="0"/>
         </a:xfrm>
       </p:grpSpPr>
+      <p:sp>
+        <p:nvSpPr>
+          <p:cNvPr id="3" name="TextBox 2"/>
+          <p:cNvSpPr txBox="1"/>
+          <p:nvPr/>
+        </p:nvSpPr>
+        <p:spPr>
+          <a:xfrm>
+            <a:off x="616691" y="127590"/>
+            <a:ext cx="7666072" cy="6032421"/>
+          </a:xfrm>
+          <a:prstGeom prst="rect">
+            <a:avLst/>
+          </a:prstGeom>
+          <a:noFill/>
+        </p:spPr>
+        <p:txBody>
+          <a:bodyPr wrap="square" rtlCol="0">
+            <a:spAutoFit/>
+          </a:bodyPr>
+          <a:lstStyle/>
+          <a:p>
+            <a:pPr>
+              <a:spcAft>
+                <a:spcPts val="1200"/>
+              </a:spcAft>
+            </a:pPr>
+            <a:r>
+              <a:rPr lang="en-US" sz="2400" u="sng" dirty="0" smtClean="0"/>
+              <a:t>Experiment 1</a:t>
+            </a:r>
+            <a:endParaRPr lang="en-US" dirty="0" smtClean="0"/>
+          </a:p>
+          <a:p>
+            <a:pPr marL="285750" indent="-285750">
+              <a:spcAft>
+                <a:spcPts val="1200"/>
+              </a:spcAft>
+              <a:buFontTx/>
+              <a:buChar char="-"/>
+            </a:pPr>
+            <a:r>
+              <a:rPr lang="en-US" b="1" i="1" dirty="0" smtClean="0"/>
+              <a:t>Replicated classic effects</a:t>
+            </a:r>
+            <a:r>
+              <a:rPr lang="en-US" dirty="0" smtClean="0"/>
+              <a:t>: Distributional structure of known categories is reflected in generated categories. </a:t>
+            </a:r>
+            <a:r>
+              <a:rPr lang="en-US" dirty="0"/>
+              <a:t>Exemplars in generated categories are similar to one another</a:t>
+            </a:r>
+            <a:r>
+              <a:rPr lang="en-US" dirty="0" smtClean="0"/>
+              <a:t>.</a:t>
+            </a:r>
+          </a:p>
+          <a:p>
+            <a:pPr marL="285750" indent="-285750">
+              <a:spcAft>
+                <a:spcPts val="1200"/>
+              </a:spcAft>
+              <a:buFontTx/>
+              <a:buChar char="-"/>
+            </a:pPr>
+            <a:r>
+              <a:rPr lang="en-US" b="1" i="1" dirty="0" smtClean="0"/>
+              <a:t>But also</a:t>
+            </a:r>
+            <a:r>
+              <a:rPr lang="en-US" dirty="0" smtClean="0"/>
+              <a:t>: Generated categories are perceptually dissimilar to known categories. </a:t>
+            </a:r>
+            <a:endParaRPr lang="en-US" dirty="0"/>
+          </a:p>
+          <a:p>
+            <a:pPr marL="285750" indent="-285750">
+              <a:buFontTx/>
+              <a:buChar char="-"/>
+            </a:pPr>
+            <a:endParaRPr lang="en-US" dirty="0"/>
+          </a:p>
+          <a:p>
+            <a:pPr>
+              <a:spcAft>
+                <a:spcPts val="1200"/>
+              </a:spcAft>
+            </a:pPr>
+            <a:r>
+              <a:rPr lang="en-US" sz="2400" u="sng" dirty="0"/>
+              <a:t>Experiment </a:t>
+            </a:r>
+            <a:r>
+              <a:rPr lang="en-US" sz="2400" u="sng" dirty="0" smtClean="0"/>
+              <a:t>2</a:t>
+            </a:r>
+            <a:endParaRPr lang="en-US" sz="1100" dirty="0"/>
+          </a:p>
+          <a:p>
+            <a:pPr marL="285750" indent="-285750">
+              <a:spcAft>
+                <a:spcPts val="1200"/>
+              </a:spcAft>
+              <a:buFontTx/>
+              <a:buChar char="-"/>
+            </a:pPr>
+            <a:r>
+              <a:rPr lang="en-US" b="1" i="1" dirty="0" smtClean="0"/>
+              <a:t>“Open Space” effect</a:t>
+            </a:r>
+            <a:r>
+              <a:rPr lang="en-US" i="1" dirty="0" smtClean="0"/>
+              <a:t>: The shape of unoccupied space influences generation. </a:t>
+            </a:r>
+            <a:endParaRPr lang="en-US" b="1" i="1" dirty="0" smtClean="0"/>
+          </a:p>
+          <a:p>
+            <a:pPr marL="285750" indent="-285750">
+              <a:spcAft>
+                <a:spcPts val="1200"/>
+              </a:spcAft>
+              <a:buFontTx/>
+              <a:buChar char="-"/>
+            </a:pPr>
+            <a:r>
+              <a:rPr lang="en-US" b="1" i="1" dirty="0" smtClean="0"/>
+              <a:t>Individual differences</a:t>
+            </a:r>
+            <a:r>
+              <a:rPr lang="en-US" dirty="0" smtClean="0"/>
+              <a:t>: Generated categories vary considerably from person to person. Often little resemblance to known categories.</a:t>
+            </a:r>
+          </a:p>
+          <a:p>
+            <a:pPr marL="285750" indent="-285750">
+              <a:spcAft>
+                <a:spcPts val="1200"/>
+              </a:spcAft>
+              <a:buFontTx/>
+              <a:buChar char="-"/>
+            </a:pPr>
+            <a:r>
+              <a:rPr lang="en-US" b="1" i="1" dirty="0" smtClean="0"/>
+              <a:t>Contrast is local</a:t>
+            </a:r>
+            <a:r>
+              <a:rPr lang="en-US" dirty="0" smtClean="0"/>
+              <a:t>: Generated categories are distributed to be maximally dissimilar to known categories, given their location.</a:t>
+            </a:r>
+          </a:p>
+          <a:p>
+            <a:pPr marL="285750" indent="-285750">
+              <a:buFontTx/>
+              <a:buChar char="-"/>
+            </a:pPr>
+            <a:endParaRPr lang="en-US" dirty="0" smtClean="0"/>
+          </a:p>
+          <a:p>
+            <a:pPr>
+              <a:spcAft>
+                <a:spcPts val="1200"/>
+              </a:spcAft>
+            </a:pPr>
+            <a:r>
+              <a:rPr lang="en-US" sz="2400" u="sng" dirty="0" smtClean="0"/>
+              <a:t>Formal Modeling</a:t>
+            </a:r>
+            <a:endParaRPr lang="en-US" sz="1100" dirty="0" smtClean="0"/>
+          </a:p>
+          <a:p>
+            <a:pPr>
+              <a:spcAft>
+                <a:spcPts val="1200"/>
+              </a:spcAft>
+            </a:pPr>
+            <a:r>
+              <a:rPr lang="en-US" dirty="0" smtClean="0"/>
+              <a:t>Do popular category learning models offer any insights?</a:t>
+            </a:r>
+            <a:endParaRPr lang="en-US" sz="1600" dirty="0" smtClean="0"/>
+          </a:p>
+        </p:txBody>
+      </p:sp>
     </p:spTree>
     <p:extLst>
       <p:ext uri="{BB962C8B-B14F-4D97-AF65-F5344CB8AC3E}">
-        <p14:creationId xmlns:p14="http://schemas.microsoft.com/office/powerpoint/2010/main" val="1706962102"/>
+        <p14:creationId xmlns:p14="http://schemas.microsoft.com/office/powerpoint/2010/main" val="913843751"/>
       </p:ext>
     </p:extLst>
   </p:cSld>
@@ -25651,10 +25670,158 @@
           <a:chExt cx="0" cy="0"/>
         </a:xfrm>
       </p:grpSpPr>
+      <p:grpSp>
+        <p:nvGrpSpPr>
+          <p:cNvPr id="4" name="Group 3"/>
+          <p:cNvGrpSpPr/>
+          <p:nvPr/>
+        </p:nvGrpSpPr>
+        <p:grpSpPr>
+          <a:xfrm>
+            <a:off x="318977" y="-44501"/>
+            <a:ext cx="5472909" cy="1018495"/>
+            <a:chOff x="318977" y="-44501"/>
+            <a:chExt cx="5472909" cy="1018495"/>
+          </a:xfrm>
+        </p:grpSpPr>
+        <p:sp>
+          <p:nvSpPr>
+            <p:cNvPr id="2" name="TextBox 1"/>
+            <p:cNvSpPr txBox="1"/>
+            <p:nvPr/>
+          </p:nvSpPr>
+          <p:spPr>
+            <a:xfrm>
+              <a:off x="1456660" y="233913"/>
+              <a:ext cx="4335226" cy="523220"/>
+            </a:xfrm>
+            <a:prstGeom prst="rect">
+              <a:avLst/>
+            </a:prstGeom>
+            <a:noFill/>
+          </p:spPr>
+          <p:txBody>
+            <a:bodyPr wrap="none" rtlCol="0">
+              <a:spAutoFit/>
+            </a:bodyPr>
+            <a:lstStyle/>
+            <a:p>
+              <a:r>
+                <a:rPr lang="en-US" sz="2800" smtClean="0"/>
+                <a:t>PACKER: An Exemplar Model</a:t>
+              </a:r>
+              <a:endParaRPr lang="en-US" sz="2800"/>
+            </a:p>
+          </p:txBody>
+        </p:sp>
+        <p:pic>
+          <p:nvPicPr>
+            <p:cNvPr id="3" name="Picture 2"/>
+            <p:cNvPicPr>
+              <a:picLocks noChangeAspect="1"/>
+            </p:cNvPicPr>
+            <p:nvPr/>
+          </p:nvPicPr>
+          <p:blipFill>
+            <a:blip r:embed="rId3">
+              <a:extLst>
+                <a:ext uri="{28A0092B-C50C-407E-A947-70E740481C1C}">
+                  <a14:useLocalDpi xmlns:a14="http://schemas.microsoft.com/office/drawing/2010/main" val="0"/>
+                </a:ext>
+              </a:extLst>
+            </a:blip>
+            <a:stretch>
+              <a:fillRect/>
+            </a:stretch>
+          </p:blipFill>
+          <p:spPr>
+            <a:xfrm>
+              <a:off x="318977" y="-44501"/>
+              <a:ext cx="1018495" cy="1018495"/>
+            </a:xfrm>
+            <a:prstGeom prst="rect">
+              <a:avLst/>
+            </a:prstGeom>
+          </p:spPr>
+        </p:pic>
+      </p:grpSp>
+      <p:sp>
+        <p:nvSpPr>
+          <p:cNvPr id="5" name="TextBox 4"/>
+          <p:cNvSpPr txBox="1"/>
+          <p:nvPr/>
+        </p:nvSpPr>
+        <p:spPr>
+          <a:xfrm>
+            <a:off x="489097" y="1520456"/>
+            <a:ext cx="7878726" cy="1815882"/>
+          </a:xfrm>
+          <a:prstGeom prst="rect">
+            <a:avLst/>
+          </a:prstGeom>
+          <a:noFill/>
+        </p:spPr>
+        <p:txBody>
+          <a:bodyPr wrap="square" rtlCol="0">
+            <a:spAutoFit/>
+          </a:bodyPr>
+          <a:lstStyle/>
+          <a:p>
+            <a:pPr>
+              <a:spcAft>
+                <a:spcPts val="600"/>
+              </a:spcAft>
+            </a:pPr>
+            <a:r>
+              <a:rPr lang="en-US" sz="2000" b="1" dirty="0" smtClean="0"/>
+              <a:t>The Generalized Context Model of classification (GCM; Nosofsky, 1984)</a:t>
+            </a:r>
+          </a:p>
+          <a:p>
+            <a:pPr marL="342900" indent="-227013">
+              <a:spcAft>
+                <a:spcPts val="600"/>
+              </a:spcAft>
+              <a:buFont typeface="+mj-lt"/>
+              <a:buAutoNum type="arabicPeriod"/>
+            </a:pPr>
+            <a:r>
+              <a:rPr lang="en-US" dirty="0" smtClean="0"/>
+              <a:t>Categories represented as a collection of observed members (exemplars).</a:t>
+            </a:r>
+          </a:p>
+          <a:p>
+            <a:pPr marL="342900" indent="-227013">
+              <a:spcAft>
+                <a:spcPts val="600"/>
+              </a:spcAft>
+              <a:buFont typeface="+mj-lt"/>
+              <a:buAutoNum type="arabicPeriod"/>
+            </a:pPr>
+            <a:r>
+              <a:rPr lang="en-US" dirty="0" smtClean="0"/>
+              <a:t>Items are categorized into the category with the most similar exemplars.</a:t>
+            </a:r>
+          </a:p>
+          <a:p>
+            <a:pPr marL="342900" indent="-227013">
+              <a:spcAft>
+                <a:spcPts val="600"/>
+              </a:spcAft>
+              <a:buFont typeface="+mj-lt"/>
+              <a:buAutoNum type="arabicPeriod"/>
+            </a:pPr>
+            <a:endParaRPr lang="en-US" dirty="0" smtClean="0"/>
+          </a:p>
+          <a:p>
+            <a:endParaRPr lang="en-US" dirty="0" smtClean="0"/>
+          </a:p>
+        </p:txBody>
+      </p:sp>
     </p:spTree>
     <p:extLst>
       <p:ext uri="{BB962C8B-B14F-4D97-AF65-F5344CB8AC3E}">
-        <p14:creationId xmlns:p14="http://schemas.microsoft.com/office/powerpoint/2010/main" val="732914105"/>
+        <p14:creationId xmlns:p14="http://schemas.microsoft.com/office/powerpoint/2010/main" val="1706962102"/>
       </p:ext>
     </p:extLst>
   </p:cSld>
@@ -25691,7 +25858,7 @@
     </p:spTree>
     <p:extLst>
       <p:ext uri="{BB962C8B-B14F-4D97-AF65-F5344CB8AC3E}">
-        <p14:creationId xmlns:p14="http://schemas.microsoft.com/office/powerpoint/2010/main" val="2033252040"/>
+        <p14:creationId xmlns:p14="http://schemas.microsoft.com/office/powerpoint/2010/main" val="732914105"/>
       </p:ext>
     </p:extLst>
   </p:cSld>
@@ -25980,7 +26147,7 @@
     </p:spTree>
     <p:extLst>
       <p:ext uri="{BB962C8B-B14F-4D97-AF65-F5344CB8AC3E}">
-        <p14:creationId xmlns:p14="http://schemas.microsoft.com/office/powerpoint/2010/main" val="170038988"/>
+        <p14:creationId xmlns:p14="http://schemas.microsoft.com/office/powerpoint/2010/main" val="2033252040"/>
       </p:ext>
     </p:extLst>
   </p:cSld>
@@ -26017,7 +26184,7 @@
     </p:spTree>
     <p:extLst>
       <p:ext uri="{BB962C8B-B14F-4D97-AF65-F5344CB8AC3E}">
-        <p14:creationId xmlns:p14="http://schemas.microsoft.com/office/powerpoint/2010/main" val="1866070402"/>
+        <p14:creationId xmlns:p14="http://schemas.microsoft.com/office/powerpoint/2010/main" val="170038988"/>
       </p:ext>
     </p:extLst>
   </p:cSld>
@@ -26054,6 +26221,103 @@
     </p:spTree>
     <p:extLst>
       <p:ext uri="{BB962C8B-B14F-4D97-AF65-F5344CB8AC3E}">
+        <p14:creationId xmlns:p14="http://schemas.microsoft.com/office/powerpoint/2010/main" val="1866070402"/>
+      </p:ext>
+    </p:extLst>
+  </p:cSld>
+  <p:clrMapOvr>
+    <a:masterClrMapping/>
+  </p:clrMapOvr>
+  <p:timing>
+    <p:tnLst>
+      <p:par>
+        <p:cTn id="1" dur="indefinite" restart="never" nodeType="tmRoot"/>
+      </p:par>
+    </p:tnLst>
+  </p:timing>
+</p:sld>
+</file>
+
+<file path=ppt/slides/slide43.xml><?xml version="1.0" encoding="utf-8"?>
+<p:sld xmlns:a="http://schemas.openxmlformats.org/drawingml/2006/main" xmlns:r="http://schemas.openxmlformats.org/officeDocument/2006/relationships" xmlns:p="http://schemas.openxmlformats.org/presentationml/2006/main">
+  <p:cSld>
+    <p:spTree>
+      <p:nvGrpSpPr>
+        <p:cNvPr id="1" name=""/>
+        <p:cNvGrpSpPr/>
+        <p:nvPr/>
+      </p:nvGrpSpPr>
+      <p:grpSpPr>
+        <a:xfrm>
+          <a:off x="0" y="0"/>
+          <a:ext cx="0" cy="0"/>
+          <a:chOff x="0" y="0"/>
+          <a:chExt cx="0" cy="0"/>
+        </a:xfrm>
+      </p:grpSpPr>
+      <p:pic>
+        <p:nvPicPr>
+          <p:cNvPr id="2" name="Picture 1"/>
+          <p:cNvPicPr>
+            <a:picLocks noChangeAspect="1"/>
+          </p:cNvPicPr>
+          <p:nvPr/>
+        </p:nvPicPr>
+        <p:blipFill>
+          <a:blip r:embed="rId3">
+            <a:extLst>
+              <a:ext uri="{28A0092B-C50C-407E-A947-70E740481C1C}">
+                <a14:useLocalDpi xmlns:a14="http://schemas.microsoft.com/office/drawing/2010/main" val="0"/>
+              </a:ext>
+            </a:extLst>
+          </a:blip>
+          <a:stretch>
+            <a:fillRect/>
+          </a:stretch>
+        </p:blipFill>
+        <p:spPr>
+          <a:xfrm>
+            <a:off x="1110807" y="3017874"/>
+            <a:ext cx="7645400" cy="3340100"/>
+          </a:xfrm>
+          <a:prstGeom prst="rect">
+            <a:avLst/>
+          </a:prstGeom>
+        </p:spPr>
+      </p:pic>
+      <p:pic>
+        <p:nvPicPr>
+          <p:cNvPr id="3" name="Picture 2"/>
+          <p:cNvPicPr>
+            <a:picLocks noChangeAspect="1"/>
+          </p:cNvPicPr>
+          <p:nvPr/>
+        </p:nvPicPr>
+        <p:blipFill>
+          <a:blip r:embed="rId4">
+            <a:extLst>
+              <a:ext uri="{28A0092B-C50C-407E-A947-70E740481C1C}">
+                <a14:useLocalDpi xmlns:a14="http://schemas.microsoft.com/office/drawing/2010/main" val="0"/>
+              </a:ext>
+            </a:extLst>
+          </a:blip>
+          <a:stretch>
+            <a:fillRect/>
+          </a:stretch>
+        </p:blipFill>
+        <p:spPr>
+          <a:xfrm>
+            <a:off x="290622" y="223284"/>
+            <a:ext cx="8707955" cy="2599661"/>
+          </a:xfrm>
+          <a:prstGeom prst="rect">
+            <a:avLst/>
+          </a:prstGeom>
+        </p:spPr>
+      </p:pic>
+    </p:spTree>
+    <p:extLst>
+      <p:ext uri="{BB962C8B-B14F-4D97-AF65-F5344CB8AC3E}">
         <p14:creationId xmlns:p14="http://schemas.microsoft.com/office/powerpoint/2010/main" val="426294967"/>
       </p:ext>
     </p:extLst>
@@ -26071,7 +26335,7 @@
 </p:sld>
 </file>
 
-<file path=ppt/slides/slide43.xml><?xml version="1.0" encoding="utf-8"?>
+<file path=ppt/slides/slide44.xml><?xml version="1.0" encoding="utf-8"?>
 <p:sld xmlns:a="http://schemas.openxmlformats.org/drawingml/2006/main" xmlns:r="http://schemas.openxmlformats.org/officeDocument/2006/relationships" xmlns:p="http://schemas.openxmlformats.org/presentationml/2006/main">
   <p:cSld>
     <p:spTree>
@@ -26139,7 +26403,7 @@
 </p:sld>
 </file>
 
-<file path=ppt/slides/slide44.xml><?xml version="1.0" encoding="utf-8"?>
+<file path=ppt/slides/slide45.xml><?xml version="1.0" encoding="utf-8"?>
 <p:sld xmlns:a="http://schemas.openxmlformats.org/drawingml/2006/main" xmlns:r="http://schemas.openxmlformats.org/officeDocument/2006/relationships" xmlns:p="http://schemas.openxmlformats.org/presentationml/2006/main">
   <p:cSld>
     <p:spTree>
@@ -26236,7 +26500,7 @@
 </p:sld>
 </file>
 
-<file path=ppt/slides/slide45.xml><?xml version="1.0" encoding="utf-8"?>
+<file path=ppt/slides/slide46.xml><?xml version="1.0" encoding="utf-8"?>
 <p:sld xmlns:a="http://schemas.openxmlformats.org/drawingml/2006/main" xmlns:r="http://schemas.openxmlformats.org/officeDocument/2006/relationships" xmlns:p="http://schemas.openxmlformats.org/presentationml/2006/main">
   <p:cSld>
     <p:spTree>

--- a/Presentations/ccn-bbag-march-2-2017.pptx
+++ b/Presentations/ccn-bbag-march-2-2017.pptx
@@ -245,7 +245,7 @@
           <a:p>
             <a:fld id="{4F9E3613-DEF7-9F4D-BB72-F0B456B81BA8}" type="datetimeFigureOut">
               <a:rPr lang="en-US" smtClean="0"/>
-              <a:t>2/24/17</a:t>
+              <a:t>2/27/17</a:t>
             </a:fld>
             <a:endParaRPr lang="en-US"/>
           </a:p>
@@ -676,11 +676,11 @@
           <a:p>
             <a:r>
               <a:rPr lang="en-US" dirty="0" smtClean="0"/>
-              <a:t>Ok, so, again, we</a:t>
+              <a:t>Ok, so, that’s where the</a:t>
             </a:r>
             <a:r>
               <a:rPr lang="en-US" baseline="0" dirty="0" smtClean="0"/>
-              <a:t> have surprisingly little information about the processes underlying category generation. And as a result, a lot of our early experiments were really exploratory because we were just trying get a sense of what types of effects exist in a category generation experiment. And later on, we began to start building model to see what parts of category generation you can explain with existing ideas from the category learning literature.</a:t>
+              <a:t> field was as of last year. SO, lot of our early experiments were really exploratory because we were just trying get a sense of what this behavior was like. And only recently have we begun to do any systematic modeling.</a:t>
             </a:r>
           </a:p>
         </p:txBody>
@@ -1294,54 +1294,6 @@
               <a:t>So the approach we’ve taken to deal with this richness is try to characterize each participants category in terms of a set of statistics, like the range of the Beta category along each feature, or the correlation between the features.</a:t>
             </a:r>
           </a:p>
-          <a:p>
-            <a:pPr marL="0" marR="0" indent="0" algn="l" defTabSz="914400" rtl="0" eaLnBrk="1" fontAlgn="auto" latinLnBrk="0" hangingPunct="1">
-              <a:lnSpc>
-                <a:spcPct val="100000"/>
-              </a:lnSpc>
-              <a:spcBef>
-                <a:spcPts val="0"/>
-              </a:spcBef>
-              <a:spcAft>
-                <a:spcPts val="0"/>
-              </a:spcAft>
-              <a:buClrTx/>
-              <a:buSzTx/>
-              <a:buFontTx/>
-              <a:buNone/>
-              <a:tabLst/>
-              <a:defRPr/>
-            </a:pPr>
-            <a:endParaRPr lang="en-US" baseline="0" dirty="0" smtClean="0"/>
-          </a:p>
-          <a:p>
-            <a:pPr marL="0" marR="0" indent="0" algn="l" defTabSz="914400" rtl="0" eaLnBrk="1" fontAlgn="auto" latinLnBrk="0" hangingPunct="1">
-              <a:lnSpc>
-                <a:spcPct val="100000"/>
-              </a:lnSpc>
-              <a:spcBef>
-                <a:spcPts val="0"/>
-              </a:spcBef>
-              <a:spcAft>
-                <a:spcPts val="0"/>
-              </a:spcAft>
-              <a:buClrTx/>
-              <a:buSzTx/>
-              <a:buFontTx/>
-              <a:buNone/>
-              <a:tabLst/>
-              <a:defRPr/>
-            </a:pPr>
-            <a:r>
-              <a:rPr lang="en-US" baseline="0" dirty="0" smtClean="0"/>
-              <a:t>So for example </a:t>
-            </a:r>
-            <a:r>
-              <a:rPr lang="mr-IN" baseline="0" dirty="0" smtClean="0"/>
-              <a:t>…</a:t>
-            </a:r>
-            <a:endParaRPr lang="en-US" baseline="0" dirty="0" smtClean="0"/>
-          </a:p>
         </p:txBody>
       </p:sp>
       <p:sp>
@@ -1560,7 +1512,15 @@
             </a:pPr>
             <a:r>
               <a:rPr lang="en-US" dirty="0" smtClean="0"/>
-              <a:t>Just as the</a:t>
+              <a:t>So with respect</a:t>
+            </a:r>
+            <a:r>
+              <a:rPr lang="en-US" baseline="0" dirty="0" smtClean="0"/>
+              <a:t> the X axis, or horizontal range, j</a:t>
+            </a:r>
+            <a:r>
+              <a:rPr lang="en-US" dirty="0" smtClean="0"/>
+              <a:t>ust as the</a:t>
             </a:r>
             <a:r>
               <a:rPr lang="en-US" baseline="0" dirty="0" smtClean="0"/>
@@ -1568,7 +1528,7 @@
             </a:r>
             <a:r>
               <a:rPr lang="en-US" dirty="0" smtClean="0"/>
-              <a:t>he XOR condition categories had more X axis, or horizontal range than the other two conditions.</a:t>
+              <a:t>he XOR condition had the most X axis range, followed by the Row condition, followed by the cluster condition</a:t>
             </a:r>
           </a:p>
         </p:txBody>
@@ -2033,19 +1993,11 @@
             </a:pPr>
             <a:r>
               <a:rPr lang="en-US" dirty="0" smtClean="0"/>
-              <a:t>Okay, so we have some good evidence that</a:t>
+              <a:t>So I</a:t>
             </a:r>
             <a:r>
               <a:rPr lang="en-US" baseline="0" dirty="0" smtClean="0"/>
-              <a:t> our methods are consistent with what </a:t>
-            </a:r>
-            <a:r>
-              <a:rPr lang="en-US" baseline="0" dirty="0" err="1" smtClean="0"/>
-              <a:t>Jern</a:t>
-            </a:r>
-            <a:r>
-              <a:rPr lang="en-US" baseline="0" dirty="0" smtClean="0"/>
-              <a:t> and Kemp did, and we replicated the core observation that we’ve seen in all the existing studies.</a:t>
+              <a:t> think that’s some pretty good evidence that people do emulate the distributional properties of learned categories in what they generate.</a:t>
             </a:r>
           </a:p>
           <a:p>
@@ -3800,11 +3752,7 @@
             </a:r>
             <a:r>
               <a:rPr lang="en-US" baseline="0" dirty="0" smtClean="0"/>
-              <a:t> sort of thing is tough to account for if your only explanatory mechanism based on knowledge of how other categories are distributed. </a:t>
-            </a:r>
-            <a:r>
-              <a:rPr lang="en-US" baseline="0" dirty="0" smtClean="0"/>
-              <a:t>Like, how could you explain such huge variability when everybody in the study has the same prior knowledge?</a:t>
+              <a:t> sort of thing is tough to account for if your only explanatory mechanism based on knowledge of how other categories are distributed. Like, how could you explain such huge variability when everybody in the study has the same prior knowledge?</a:t>
             </a:r>
           </a:p>
           <a:p>
@@ -3851,11 +3799,7 @@
             </a:r>
             <a:r>
               <a:rPr lang="en-US" dirty="0" smtClean="0"/>
-              <a:t> </a:t>
-            </a:r>
-            <a:r>
-              <a:rPr lang="en-US" dirty="0" smtClean="0"/>
-              <a:t>I think you can explain a lot about each participant’s profile if</a:t>
+              <a:t> I think you can explain a lot about each participant’s profile if</a:t>
             </a:r>
             <a:r>
               <a:rPr lang="en-US" baseline="0" dirty="0" smtClean="0"/>
@@ -6617,7 +6561,7 @@
           <a:p>
             <a:fld id="{3FB76B9B-0F6A-7D4E-99AB-769CFDC92DBC}" type="datetimeFigureOut">
               <a:rPr lang="en-US" smtClean="0"/>
-              <a:t>2/24/17</a:t>
+              <a:t>2/27/17</a:t>
             </a:fld>
             <a:endParaRPr lang="en-US"/>
           </a:p>
@@ -6787,7 +6731,7 @@
           <a:p>
             <a:fld id="{3FB76B9B-0F6A-7D4E-99AB-769CFDC92DBC}" type="datetimeFigureOut">
               <a:rPr lang="en-US" smtClean="0"/>
-              <a:t>2/24/17</a:t>
+              <a:t>2/27/17</a:t>
             </a:fld>
             <a:endParaRPr lang="en-US"/>
           </a:p>
@@ -6967,7 +6911,7 @@
           <a:p>
             <a:fld id="{3FB76B9B-0F6A-7D4E-99AB-769CFDC92DBC}" type="datetimeFigureOut">
               <a:rPr lang="en-US" smtClean="0"/>
-              <a:t>2/24/17</a:t>
+              <a:t>2/27/17</a:t>
             </a:fld>
             <a:endParaRPr lang="en-US"/>
           </a:p>
@@ -7137,7 +7081,7 @@
           <a:p>
             <a:fld id="{3FB76B9B-0F6A-7D4E-99AB-769CFDC92DBC}" type="datetimeFigureOut">
               <a:rPr lang="en-US" smtClean="0"/>
-              <a:t>2/24/17</a:t>
+              <a:t>2/27/17</a:t>
             </a:fld>
             <a:endParaRPr lang="en-US"/>
           </a:p>
@@ -7381,7 +7325,7 @@
           <a:p>
             <a:fld id="{3FB76B9B-0F6A-7D4E-99AB-769CFDC92DBC}" type="datetimeFigureOut">
               <a:rPr lang="en-US" smtClean="0"/>
-              <a:t>2/24/17</a:t>
+              <a:t>2/27/17</a:t>
             </a:fld>
             <a:endParaRPr lang="en-US"/>
           </a:p>
@@ -7613,7 +7557,7 @@
           <a:p>
             <a:fld id="{3FB76B9B-0F6A-7D4E-99AB-769CFDC92DBC}" type="datetimeFigureOut">
               <a:rPr lang="en-US" smtClean="0"/>
-              <a:t>2/24/17</a:t>
+              <a:t>2/27/17</a:t>
             </a:fld>
             <a:endParaRPr lang="en-US"/>
           </a:p>
@@ -7980,7 +7924,7 @@
           <a:p>
             <a:fld id="{3FB76B9B-0F6A-7D4E-99AB-769CFDC92DBC}" type="datetimeFigureOut">
               <a:rPr lang="en-US" smtClean="0"/>
-              <a:t>2/24/17</a:t>
+              <a:t>2/27/17</a:t>
             </a:fld>
             <a:endParaRPr lang="en-US"/>
           </a:p>
@@ -8098,7 +8042,7 @@
           <a:p>
             <a:fld id="{3FB76B9B-0F6A-7D4E-99AB-769CFDC92DBC}" type="datetimeFigureOut">
               <a:rPr lang="en-US" smtClean="0"/>
-              <a:t>2/24/17</a:t>
+              <a:t>2/27/17</a:t>
             </a:fld>
             <a:endParaRPr lang="en-US"/>
           </a:p>
@@ -8193,7 +8137,7 @@
           <a:p>
             <a:fld id="{3FB76B9B-0F6A-7D4E-99AB-769CFDC92DBC}" type="datetimeFigureOut">
               <a:rPr lang="en-US" smtClean="0"/>
-              <a:t>2/24/17</a:t>
+              <a:t>2/27/17</a:t>
             </a:fld>
             <a:endParaRPr lang="en-US"/>
           </a:p>
@@ -8470,7 +8414,7 @@
           <a:p>
             <a:fld id="{3FB76B9B-0F6A-7D4E-99AB-769CFDC92DBC}" type="datetimeFigureOut">
               <a:rPr lang="en-US" smtClean="0"/>
-              <a:t>2/24/17</a:t>
+              <a:t>2/27/17</a:t>
             </a:fld>
             <a:endParaRPr lang="en-US"/>
           </a:p>
@@ -8727,7 +8671,7 @@
           <a:p>
             <a:fld id="{3FB76B9B-0F6A-7D4E-99AB-769CFDC92DBC}" type="datetimeFigureOut">
               <a:rPr lang="en-US" smtClean="0"/>
-              <a:t>2/24/17</a:t>
+              <a:t>2/27/17</a:t>
             </a:fld>
             <a:endParaRPr lang="en-US"/>
           </a:p>
@@ -8940,7 +8884,7 @@
           <a:p>
             <a:fld id="{3FB76B9B-0F6A-7D4E-99AB-769CFDC92DBC}" type="datetimeFigureOut">
               <a:rPr lang="en-US" smtClean="0"/>
-              <a:t>2/24/17</a:t>
+              <a:t>2/27/17</a:t>
             </a:fld>
             <a:endParaRPr lang="en-US"/>
           </a:p>
@@ -9355,6 +9299,13 @@
   <p:clrMapOvr>
     <a:masterClrMapping/>
   </p:clrMapOvr>
+  <p:timing>
+    <p:tnLst>
+      <p:par>
+        <p:cTn id="1" dur="indefinite" restart="never" nodeType="tmRoot"/>
+      </p:par>
+    </p:tnLst>
+  </p:timing>
 </p:sld>
 </file>
 
@@ -14538,20 +14489,6 @@
             </a:r>
           </a:p>
           <a:p>
-            <a:pPr marL="290513" indent="-173038">
-              <a:buFont typeface="Arial" charset="0"/>
-              <a:buChar char="•"/>
-            </a:pPr>
-            <a:r>
-              <a:rPr lang="en-US" sz="2000" dirty="0" smtClean="0">
-                <a:solidFill>
-                  <a:schemeClr val="tx1"/>
-                </a:solidFill>
-              </a:rPr>
-              <a:t>Within- &amp; Between-class distance</a:t>
-            </a:r>
-          </a:p>
-          <a:p>
             <a:pPr marL="63500"/>
             <a:endParaRPr lang="en-US" sz="2000" dirty="0">
               <a:solidFill>
@@ -14638,13 +14575,13 @@
       </p:pic>
       <p:sp>
         <p:nvSpPr>
-          <p:cNvPr id="7" name="TextBox 6"/>
+          <p:cNvPr id="4" name="TextBox 3"/>
           <p:cNvSpPr txBox="1"/>
           <p:nvPr/>
         </p:nvSpPr>
         <p:spPr>
           <a:xfrm>
-            <a:off x="653143" y="640632"/>
+            <a:off x="323534" y="147024"/>
             <a:ext cx="5166094" cy="584775"/>
           </a:xfrm>
           <a:prstGeom prst="rect">
@@ -14670,6 +14607,201 @@
           </a:p>
         </p:txBody>
       </p:sp>
+      <p:grpSp>
+        <p:nvGrpSpPr>
+          <p:cNvPr id="5" name="Group 4"/>
+          <p:cNvGrpSpPr/>
+          <p:nvPr/>
+        </p:nvGrpSpPr>
+        <p:grpSpPr>
+          <a:xfrm>
+            <a:off x="2142846" y="844790"/>
+            <a:ext cx="4861478" cy="1703170"/>
+            <a:chOff x="1212850" y="4000320"/>
+            <a:chExt cx="7616825" cy="2668479"/>
+          </a:xfrm>
+        </p:grpSpPr>
+        <p:pic>
+          <p:nvPicPr>
+            <p:cNvPr id="6" name="Picture 5"/>
+            <p:cNvPicPr>
+              <a:picLocks noChangeAspect="1"/>
+            </p:cNvPicPr>
+            <p:nvPr/>
+          </p:nvPicPr>
+          <p:blipFill>
+            <a:blip r:embed="rId4">
+              <a:extLst>
+                <a:ext uri="{28A0092B-C50C-407E-A947-70E740481C1C}">
+                  <a14:useLocalDpi xmlns:a14="http://schemas.microsoft.com/office/drawing/2010/main" val="0"/>
+                </a:ext>
+              </a:extLst>
+            </a:blip>
+            <a:stretch>
+              <a:fillRect/>
+            </a:stretch>
+          </p:blipFill>
+          <p:spPr>
+            <a:xfrm>
+              <a:off x="3751792" y="4000320"/>
+              <a:ext cx="2538942" cy="2668479"/>
+            </a:xfrm>
+            <a:prstGeom prst="rect">
+              <a:avLst/>
+            </a:prstGeom>
+          </p:spPr>
+        </p:pic>
+        <p:pic>
+          <p:nvPicPr>
+            <p:cNvPr id="9" name="Picture 8"/>
+            <p:cNvPicPr>
+              <a:picLocks noChangeAspect="1"/>
+            </p:cNvPicPr>
+            <p:nvPr/>
+          </p:nvPicPr>
+          <p:blipFill>
+            <a:blip r:embed="rId5">
+              <a:extLst>
+                <a:ext uri="{28A0092B-C50C-407E-A947-70E740481C1C}">
+                  <a14:useLocalDpi xmlns:a14="http://schemas.microsoft.com/office/drawing/2010/main" val="0"/>
+                </a:ext>
+              </a:extLst>
+            </a:blip>
+            <a:stretch>
+              <a:fillRect/>
+            </a:stretch>
+          </p:blipFill>
+          <p:spPr>
+            <a:xfrm>
+              <a:off x="6290733" y="4000320"/>
+              <a:ext cx="2538942" cy="2668479"/>
+            </a:xfrm>
+            <a:prstGeom prst="rect">
+              <a:avLst/>
+            </a:prstGeom>
+          </p:spPr>
+        </p:pic>
+        <p:pic>
+          <p:nvPicPr>
+            <p:cNvPr id="10" name="Picture 9"/>
+            <p:cNvPicPr>
+              <a:picLocks noChangeAspect="1"/>
+            </p:cNvPicPr>
+            <p:nvPr/>
+          </p:nvPicPr>
+          <p:blipFill>
+            <a:blip r:embed="rId6">
+              <a:extLst>
+                <a:ext uri="{28A0092B-C50C-407E-A947-70E740481C1C}">
+                  <a14:useLocalDpi xmlns:a14="http://schemas.microsoft.com/office/drawing/2010/main" val="0"/>
+                </a:ext>
+              </a:extLst>
+            </a:blip>
+            <a:stretch>
+              <a:fillRect/>
+            </a:stretch>
+          </p:blipFill>
+          <p:spPr>
+            <a:xfrm>
+              <a:off x="1212850" y="4000320"/>
+              <a:ext cx="2538942" cy="2668479"/>
+            </a:xfrm>
+            <a:prstGeom prst="rect">
+              <a:avLst/>
+            </a:prstGeom>
+          </p:spPr>
+        </p:pic>
+        <p:sp>
+          <p:nvSpPr>
+            <p:cNvPr id="11" name="TextBox 10"/>
+            <p:cNvSpPr txBox="1"/>
+            <p:nvPr/>
+          </p:nvSpPr>
+          <p:spPr>
+            <a:xfrm>
+              <a:off x="1251239" y="4023279"/>
+              <a:ext cx="2500554" cy="497210"/>
+            </a:xfrm>
+            <a:prstGeom prst="rect">
+              <a:avLst/>
+            </a:prstGeom>
+            <a:noFill/>
+          </p:spPr>
+          <p:txBody>
+            <a:bodyPr wrap="square" rtlCol="0">
+              <a:spAutoFit/>
+            </a:bodyPr>
+            <a:lstStyle/>
+            <a:p>
+              <a:r>
+                <a:rPr lang="en-US" sz="2000" smtClean="0"/>
+                <a:t>XOR</a:t>
+              </a:r>
+              <a:endParaRPr lang="en-US" sz="2000"/>
+            </a:p>
+          </p:txBody>
+        </p:sp>
+        <p:sp>
+          <p:nvSpPr>
+            <p:cNvPr id="12" name="TextBox 11"/>
+            <p:cNvSpPr txBox="1"/>
+            <p:nvPr/>
+          </p:nvSpPr>
+          <p:spPr>
+            <a:xfrm>
+              <a:off x="3751792" y="4058494"/>
+              <a:ext cx="2500554" cy="497210"/>
+            </a:xfrm>
+            <a:prstGeom prst="rect">
+              <a:avLst/>
+            </a:prstGeom>
+            <a:noFill/>
+          </p:spPr>
+          <p:txBody>
+            <a:bodyPr wrap="square" rtlCol="0">
+              <a:spAutoFit/>
+            </a:bodyPr>
+            <a:lstStyle/>
+            <a:p>
+              <a:r>
+                <a:rPr lang="en-US" sz="2000" smtClean="0"/>
+                <a:t>Cluster</a:t>
+              </a:r>
+              <a:endParaRPr lang="en-US" sz="2000"/>
+            </a:p>
+          </p:txBody>
+        </p:sp>
+        <p:sp>
+          <p:nvSpPr>
+            <p:cNvPr id="13" name="TextBox 12"/>
+            <p:cNvSpPr txBox="1"/>
+            <p:nvPr/>
+          </p:nvSpPr>
+          <p:spPr>
+            <a:xfrm>
+              <a:off x="6290733" y="4023279"/>
+              <a:ext cx="2538942" cy="497210"/>
+            </a:xfrm>
+            <a:prstGeom prst="rect">
+              <a:avLst/>
+            </a:prstGeom>
+            <a:noFill/>
+          </p:spPr>
+          <p:txBody>
+            <a:bodyPr wrap="square" rtlCol="0">
+              <a:spAutoFit/>
+            </a:bodyPr>
+            <a:lstStyle/>
+            <a:p>
+              <a:r>
+                <a:rPr lang="en-US" sz="2000" dirty="0" smtClean="0"/>
+                <a:t>Row</a:t>
+              </a:r>
+              <a:endParaRPr lang="en-US" sz="2000" dirty="0"/>
+            </a:p>
+          </p:txBody>
+        </p:sp>
+      </p:grpSp>
     </p:spTree>
     <p:extLst>
       <p:ext uri="{BB962C8B-B14F-4D97-AF65-F5344CB8AC3E}">
@@ -14868,7 +15000,7 @@
         </p:nvSpPr>
         <p:spPr>
           <a:xfrm>
-            <a:off x="653143" y="640632"/>
+            <a:off x="323534" y="147024"/>
             <a:ext cx="5166094" cy="584775"/>
           </a:xfrm>
           <a:prstGeom prst="rect">
@@ -14894,6 +15026,201 @@
           </a:p>
         </p:txBody>
       </p:sp>
+      <p:grpSp>
+        <p:nvGrpSpPr>
+          <p:cNvPr id="5" name="Group 4"/>
+          <p:cNvGrpSpPr/>
+          <p:nvPr/>
+        </p:nvGrpSpPr>
+        <p:grpSpPr>
+          <a:xfrm>
+            <a:off x="2142846" y="844790"/>
+            <a:ext cx="4861478" cy="1703170"/>
+            <a:chOff x="1212850" y="4000320"/>
+            <a:chExt cx="7616825" cy="2668479"/>
+          </a:xfrm>
+        </p:grpSpPr>
+        <p:pic>
+          <p:nvPicPr>
+            <p:cNvPr id="7" name="Picture 6"/>
+            <p:cNvPicPr>
+              <a:picLocks noChangeAspect="1"/>
+            </p:cNvPicPr>
+            <p:nvPr/>
+          </p:nvPicPr>
+          <p:blipFill>
+            <a:blip r:embed="rId4">
+              <a:extLst>
+                <a:ext uri="{28A0092B-C50C-407E-A947-70E740481C1C}">
+                  <a14:useLocalDpi xmlns:a14="http://schemas.microsoft.com/office/drawing/2010/main" val="0"/>
+                </a:ext>
+              </a:extLst>
+            </a:blip>
+            <a:stretch>
+              <a:fillRect/>
+            </a:stretch>
+          </p:blipFill>
+          <p:spPr>
+            <a:xfrm>
+              <a:off x="3751792" y="4000320"/>
+              <a:ext cx="2538942" cy="2668479"/>
+            </a:xfrm>
+            <a:prstGeom prst="rect">
+              <a:avLst/>
+            </a:prstGeom>
+          </p:spPr>
+        </p:pic>
+        <p:pic>
+          <p:nvPicPr>
+            <p:cNvPr id="10" name="Picture 9"/>
+            <p:cNvPicPr>
+              <a:picLocks noChangeAspect="1"/>
+            </p:cNvPicPr>
+            <p:nvPr/>
+          </p:nvPicPr>
+          <p:blipFill>
+            <a:blip r:embed="rId5">
+              <a:extLst>
+                <a:ext uri="{28A0092B-C50C-407E-A947-70E740481C1C}">
+                  <a14:useLocalDpi xmlns:a14="http://schemas.microsoft.com/office/drawing/2010/main" val="0"/>
+                </a:ext>
+              </a:extLst>
+            </a:blip>
+            <a:stretch>
+              <a:fillRect/>
+            </a:stretch>
+          </p:blipFill>
+          <p:spPr>
+            <a:xfrm>
+              <a:off x="6290733" y="4000320"/>
+              <a:ext cx="2538942" cy="2668479"/>
+            </a:xfrm>
+            <a:prstGeom prst="rect">
+              <a:avLst/>
+            </a:prstGeom>
+          </p:spPr>
+        </p:pic>
+        <p:pic>
+          <p:nvPicPr>
+            <p:cNvPr id="11" name="Picture 10"/>
+            <p:cNvPicPr>
+              <a:picLocks noChangeAspect="1"/>
+            </p:cNvPicPr>
+            <p:nvPr/>
+          </p:nvPicPr>
+          <p:blipFill>
+            <a:blip r:embed="rId6">
+              <a:extLst>
+                <a:ext uri="{28A0092B-C50C-407E-A947-70E740481C1C}">
+                  <a14:useLocalDpi xmlns:a14="http://schemas.microsoft.com/office/drawing/2010/main" val="0"/>
+                </a:ext>
+              </a:extLst>
+            </a:blip>
+            <a:stretch>
+              <a:fillRect/>
+            </a:stretch>
+          </p:blipFill>
+          <p:spPr>
+            <a:xfrm>
+              <a:off x="1212850" y="4000320"/>
+              <a:ext cx="2538942" cy="2668479"/>
+            </a:xfrm>
+            <a:prstGeom prst="rect">
+              <a:avLst/>
+            </a:prstGeom>
+          </p:spPr>
+        </p:pic>
+        <p:sp>
+          <p:nvSpPr>
+            <p:cNvPr id="12" name="TextBox 11"/>
+            <p:cNvSpPr txBox="1"/>
+            <p:nvPr/>
+          </p:nvSpPr>
+          <p:spPr>
+            <a:xfrm>
+              <a:off x="1251239" y="4023279"/>
+              <a:ext cx="2500554" cy="497210"/>
+            </a:xfrm>
+            <a:prstGeom prst="rect">
+              <a:avLst/>
+            </a:prstGeom>
+            <a:noFill/>
+          </p:spPr>
+          <p:txBody>
+            <a:bodyPr wrap="square" rtlCol="0">
+              <a:spAutoFit/>
+            </a:bodyPr>
+            <a:lstStyle/>
+            <a:p>
+              <a:r>
+                <a:rPr lang="en-US" sz="2000" smtClean="0"/>
+                <a:t>XOR</a:t>
+              </a:r>
+              <a:endParaRPr lang="en-US" sz="2000"/>
+            </a:p>
+          </p:txBody>
+        </p:sp>
+        <p:sp>
+          <p:nvSpPr>
+            <p:cNvPr id="13" name="TextBox 12"/>
+            <p:cNvSpPr txBox="1"/>
+            <p:nvPr/>
+          </p:nvSpPr>
+          <p:spPr>
+            <a:xfrm>
+              <a:off x="3751792" y="4058494"/>
+              <a:ext cx="2500554" cy="497210"/>
+            </a:xfrm>
+            <a:prstGeom prst="rect">
+              <a:avLst/>
+            </a:prstGeom>
+            <a:noFill/>
+          </p:spPr>
+          <p:txBody>
+            <a:bodyPr wrap="square" rtlCol="0">
+              <a:spAutoFit/>
+            </a:bodyPr>
+            <a:lstStyle/>
+            <a:p>
+              <a:r>
+                <a:rPr lang="en-US" sz="2000" smtClean="0"/>
+                <a:t>Cluster</a:t>
+              </a:r>
+              <a:endParaRPr lang="en-US" sz="2000"/>
+            </a:p>
+          </p:txBody>
+        </p:sp>
+        <p:sp>
+          <p:nvSpPr>
+            <p:cNvPr id="14" name="TextBox 13"/>
+            <p:cNvSpPr txBox="1"/>
+            <p:nvPr/>
+          </p:nvSpPr>
+          <p:spPr>
+            <a:xfrm>
+              <a:off x="6290733" y="4023279"/>
+              <a:ext cx="2538942" cy="497210"/>
+            </a:xfrm>
+            <a:prstGeom prst="rect">
+              <a:avLst/>
+            </a:prstGeom>
+            <a:noFill/>
+          </p:spPr>
+          <p:txBody>
+            <a:bodyPr wrap="square" rtlCol="0">
+              <a:spAutoFit/>
+            </a:bodyPr>
+            <a:lstStyle/>
+            <a:p>
+              <a:r>
+                <a:rPr lang="en-US" sz="2000" dirty="0" smtClean="0"/>
+                <a:t>Row</a:t>
+              </a:r>
+              <a:endParaRPr lang="en-US" sz="2000" dirty="0"/>
+            </a:p>
+          </p:txBody>
+        </p:sp>
+      </p:grpSp>
     </p:spTree>
     <p:extLst>
       <p:ext uri="{BB962C8B-B14F-4D97-AF65-F5344CB8AC3E}">
@@ -15386,13 +15713,13 @@
       </p:sp>
       <p:sp>
         <p:nvSpPr>
-          <p:cNvPr id="9" name="TextBox 8"/>
+          <p:cNvPr id="7" name="TextBox 6"/>
           <p:cNvSpPr txBox="1"/>
           <p:nvPr/>
         </p:nvSpPr>
         <p:spPr>
           <a:xfrm>
-            <a:off x="653143" y="640632"/>
+            <a:off x="323534" y="147024"/>
             <a:ext cx="5166094" cy="584775"/>
           </a:xfrm>
           <a:prstGeom prst="rect">
@@ -15418,6 +15745,201 @@
           </a:p>
         </p:txBody>
       </p:sp>
+      <p:grpSp>
+        <p:nvGrpSpPr>
+          <p:cNvPr id="10" name="Group 9"/>
+          <p:cNvGrpSpPr/>
+          <p:nvPr/>
+        </p:nvGrpSpPr>
+        <p:grpSpPr>
+          <a:xfrm>
+            <a:off x="2142846" y="844790"/>
+            <a:ext cx="4861478" cy="1703170"/>
+            <a:chOff x="1212850" y="4000320"/>
+            <a:chExt cx="7616825" cy="2668479"/>
+          </a:xfrm>
+        </p:grpSpPr>
+        <p:pic>
+          <p:nvPicPr>
+            <p:cNvPr id="11" name="Picture 10"/>
+            <p:cNvPicPr>
+              <a:picLocks noChangeAspect="1"/>
+            </p:cNvPicPr>
+            <p:nvPr/>
+          </p:nvPicPr>
+          <p:blipFill>
+            <a:blip r:embed="rId4">
+              <a:extLst>
+                <a:ext uri="{28A0092B-C50C-407E-A947-70E740481C1C}">
+                  <a14:useLocalDpi xmlns:a14="http://schemas.microsoft.com/office/drawing/2010/main" val="0"/>
+                </a:ext>
+              </a:extLst>
+            </a:blip>
+            <a:stretch>
+              <a:fillRect/>
+            </a:stretch>
+          </p:blipFill>
+          <p:spPr>
+            <a:xfrm>
+              <a:off x="3751792" y="4000320"/>
+              <a:ext cx="2538942" cy="2668479"/>
+            </a:xfrm>
+            <a:prstGeom prst="rect">
+              <a:avLst/>
+            </a:prstGeom>
+          </p:spPr>
+        </p:pic>
+        <p:pic>
+          <p:nvPicPr>
+            <p:cNvPr id="12" name="Picture 11"/>
+            <p:cNvPicPr>
+              <a:picLocks noChangeAspect="1"/>
+            </p:cNvPicPr>
+            <p:nvPr/>
+          </p:nvPicPr>
+          <p:blipFill>
+            <a:blip r:embed="rId5">
+              <a:extLst>
+                <a:ext uri="{28A0092B-C50C-407E-A947-70E740481C1C}">
+                  <a14:useLocalDpi xmlns:a14="http://schemas.microsoft.com/office/drawing/2010/main" val="0"/>
+                </a:ext>
+              </a:extLst>
+            </a:blip>
+            <a:stretch>
+              <a:fillRect/>
+            </a:stretch>
+          </p:blipFill>
+          <p:spPr>
+            <a:xfrm>
+              <a:off x="6290733" y="4000320"/>
+              <a:ext cx="2538942" cy="2668479"/>
+            </a:xfrm>
+            <a:prstGeom prst="rect">
+              <a:avLst/>
+            </a:prstGeom>
+          </p:spPr>
+        </p:pic>
+        <p:pic>
+          <p:nvPicPr>
+            <p:cNvPr id="13" name="Picture 12"/>
+            <p:cNvPicPr>
+              <a:picLocks noChangeAspect="1"/>
+            </p:cNvPicPr>
+            <p:nvPr/>
+          </p:nvPicPr>
+          <p:blipFill>
+            <a:blip r:embed="rId6">
+              <a:extLst>
+                <a:ext uri="{28A0092B-C50C-407E-A947-70E740481C1C}">
+                  <a14:useLocalDpi xmlns:a14="http://schemas.microsoft.com/office/drawing/2010/main" val="0"/>
+                </a:ext>
+              </a:extLst>
+            </a:blip>
+            <a:stretch>
+              <a:fillRect/>
+            </a:stretch>
+          </p:blipFill>
+          <p:spPr>
+            <a:xfrm>
+              <a:off x="1212850" y="4000320"/>
+              <a:ext cx="2538942" cy="2668479"/>
+            </a:xfrm>
+            <a:prstGeom prst="rect">
+              <a:avLst/>
+            </a:prstGeom>
+          </p:spPr>
+        </p:pic>
+        <p:sp>
+          <p:nvSpPr>
+            <p:cNvPr id="14" name="TextBox 13"/>
+            <p:cNvSpPr txBox="1"/>
+            <p:nvPr/>
+          </p:nvSpPr>
+          <p:spPr>
+            <a:xfrm>
+              <a:off x="1251239" y="4023279"/>
+              <a:ext cx="2500554" cy="497210"/>
+            </a:xfrm>
+            <a:prstGeom prst="rect">
+              <a:avLst/>
+            </a:prstGeom>
+            <a:noFill/>
+          </p:spPr>
+          <p:txBody>
+            <a:bodyPr wrap="square" rtlCol="0">
+              <a:spAutoFit/>
+            </a:bodyPr>
+            <a:lstStyle/>
+            <a:p>
+              <a:r>
+                <a:rPr lang="en-US" sz="2000" smtClean="0"/>
+                <a:t>XOR</a:t>
+              </a:r>
+              <a:endParaRPr lang="en-US" sz="2000"/>
+            </a:p>
+          </p:txBody>
+        </p:sp>
+        <p:sp>
+          <p:nvSpPr>
+            <p:cNvPr id="15" name="TextBox 14"/>
+            <p:cNvSpPr txBox="1"/>
+            <p:nvPr/>
+          </p:nvSpPr>
+          <p:spPr>
+            <a:xfrm>
+              <a:off x="3751792" y="4058494"/>
+              <a:ext cx="2500554" cy="497210"/>
+            </a:xfrm>
+            <a:prstGeom prst="rect">
+              <a:avLst/>
+            </a:prstGeom>
+            <a:noFill/>
+          </p:spPr>
+          <p:txBody>
+            <a:bodyPr wrap="square" rtlCol="0">
+              <a:spAutoFit/>
+            </a:bodyPr>
+            <a:lstStyle/>
+            <a:p>
+              <a:r>
+                <a:rPr lang="en-US" sz="2000" smtClean="0"/>
+                <a:t>Cluster</a:t>
+              </a:r>
+              <a:endParaRPr lang="en-US" sz="2000"/>
+            </a:p>
+          </p:txBody>
+        </p:sp>
+        <p:sp>
+          <p:nvSpPr>
+            <p:cNvPr id="16" name="TextBox 15"/>
+            <p:cNvSpPr txBox="1"/>
+            <p:nvPr/>
+          </p:nvSpPr>
+          <p:spPr>
+            <a:xfrm>
+              <a:off x="6290733" y="4023279"/>
+              <a:ext cx="2538942" cy="497210"/>
+            </a:xfrm>
+            <a:prstGeom prst="rect">
+              <a:avLst/>
+            </a:prstGeom>
+            <a:noFill/>
+          </p:spPr>
+          <p:txBody>
+            <a:bodyPr wrap="square" rtlCol="0">
+              <a:spAutoFit/>
+            </a:bodyPr>
+            <a:lstStyle/>
+            <a:p>
+              <a:r>
+                <a:rPr lang="en-US" sz="2000" dirty="0" smtClean="0"/>
+                <a:t>Row</a:t>
+              </a:r>
+              <a:endParaRPr lang="en-US" sz="2000" dirty="0"/>
+            </a:p>
+          </p:txBody>
+        </p:sp>
+      </p:grpSp>
     </p:spTree>
     <p:extLst>
       <p:ext uri="{BB962C8B-B14F-4D97-AF65-F5344CB8AC3E}">
@@ -15779,13 +16301,13 @@
       </p:grpSp>
       <p:sp>
         <p:nvSpPr>
-          <p:cNvPr id="26" name="TextBox 25"/>
+          <p:cNvPr id="9" name="TextBox 8"/>
           <p:cNvSpPr txBox="1"/>
           <p:nvPr/>
         </p:nvSpPr>
         <p:spPr>
           <a:xfrm>
-            <a:off x="653143" y="640632"/>
+            <a:off x="323534" y="147024"/>
             <a:ext cx="5166094" cy="584775"/>
           </a:xfrm>
           <a:prstGeom prst="rect">
@@ -15811,6 +16333,201 @@
           </a:p>
         </p:txBody>
       </p:sp>
+      <p:grpSp>
+        <p:nvGrpSpPr>
+          <p:cNvPr id="10" name="Group 9"/>
+          <p:cNvGrpSpPr/>
+          <p:nvPr/>
+        </p:nvGrpSpPr>
+        <p:grpSpPr>
+          <a:xfrm>
+            <a:off x="2142846" y="844790"/>
+            <a:ext cx="4861478" cy="1703170"/>
+            <a:chOff x="1212850" y="4000320"/>
+            <a:chExt cx="7616825" cy="2668479"/>
+          </a:xfrm>
+        </p:grpSpPr>
+        <p:pic>
+          <p:nvPicPr>
+            <p:cNvPr id="12" name="Picture 11"/>
+            <p:cNvPicPr>
+              <a:picLocks noChangeAspect="1"/>
+            </p:cNvPicPr>
+            <p:nvPr/>
+          </p:nvPicPr>
+          <p:blipFill>
+            <a:blip r:embed="rId5">
+              <a:extLst>
+                <a:ext uri="{28A0092B-C50C-407E-A947-70E740481C1C}">
+                  <a14:useLocalDpi xmlns:a14="http://schemas.microsoft.com/office/drawing/2010/main" val="0"/>
+                </a:ext>
+              </a:extLst>
+            </a:blip>
+            <a:stretch>
+              <a:fillRect/>
+            </a:stretch>
+          </p:blipFill>
+          <p:spPr>
+            <a:xfrm>
+              <a:off x="3751792" y="4000320"/>
+              <a:ext cx="2538942" cy="2668479"/>
+            </a:xfrm>
+            <a:prstGeom prst="rect">
+              <a:avLst/>
+            </a:prstGeom>
+          </p:spPr>
+        </p:pic>
+        <p:pic>
+          <p:nvPicPr>
+            <p:cNvPr id="13" name="Picture 12"/>
+            <p:cNvPicPr>
+              <a:picLocks noChangeAspect="1"/>
+            </p:cNvPicPr>
+            <p:nvPr/>
+          </p:nvPicPr>
+          <p:blipFill>
+            <a:blip r:embed="rId6">
+              <a:extLst>
+                <a:ext uri="{28A0092B-C50C-407E-A947-70E740481C1C}">
+                  <a14:useLocalDpi xmlns:a14="http://schemas.microsoft.com/office/drawing/2010/main" val="0"/>
+                </a:ext>
+              </a:extLst>
+            </a:blip>
+            <a:stretch>
+              <a:fillRect/>
+            </a:stretch>
+          </p:blipFill>
+          <p:spPr>
+            <a:xfrm>
+              <a:off x="6290733" y="4000320"/>
+              <a:ext cx="2538942" cy="2668479"/>
+            </a:xfrm>
+            <a:prstGeom prst="rect">
+              <a:avLst/>
+            </a:prstGeom>
+          </p:spPr>
+        </p:pic>
+        <p:pic>
+          <p:nvPicPr>
+            <p:cNvPr id="14" name="Picture 13"/>
+            <p:cNvPicPr>
+              <a:picLocks noChangeAspect="1"/>
+            </p:cNvPicPr>
+            <p:nvPr/>
+          </p:nvPicPr>
+          <p:blipFill>
+            <a:blip r:embed="rId4">
+              <a:extLst>
+                <a:ext uri="{28A0092B-C50C-407E-A947-70E740481C1C}">
+                  <a14:useLocalDpi xmlns:a14="http://schemas.microsoft.com/office/drawing/2010/main" val="0"/>
+                </a:ext>
+              </a:extLst>
+            </a:blip>
+            <a:stretch>
+              <a:fillRect/>
+            </a:stretch>
+          </p:blipFill>
+          <p:spPr>
+            <a:xfrm>
+              <a:off x="1212850" y="4000320"/>
+              <a:ext cx="2538942" cy="2668479"/>
+            </a:xfrm>
+            <a:prstGeom prst="rect">
+              <a:avLst/>
+            </a:prstGeom>
+          </p:spPr>
+        </p:pic>
+        <p:sp>
+          <p:nvSpPr>
+            <p:cNvPr id="16" name="TextBox 15"/>
+            <p:cNvSpPr txBox="1"/>
+            <p:nvPr/>
+          </p:nvSpPr>
+          <p:spPr>
+            <a:xfrm>
+              <a:off x="1251239" y="4023279"/>
+              <a:ext cx="2500554" cy="497210"/>
+            </a:xfrm>
+            <a:prstGeom prst="rect">
+              <a:avLst/>
+            </a:prstGeom>
+            <a:noFill/>
+          </p:spPr>
+          <p:txBody>
+            <a:bodyPr wrap="square" rtlCol="0">
+              <a:spAutoFit/>
+            </a:bodyPr>
+            <a:lstStyle/>
+            <a:p>
+              <a:r>
+                <a:rPr lang="en-US" sz="2000" smtClean="0"/>
+                <a:t>XOR</a:t>
+              </a:r>
+              <a:endParaRPr lang="en-US" sz="2000"/>
+            </a:p>
+          </p:txBody>
+        </p:sp>
+        <p:sp>
+          <p:nvSpPr>
+            <p:cNvPr id="17" name="TextBox 16"/>
+            <p:cNvSpPr txBox="1"/>
+            <p:nvPr/>
+          </p:nvSpPr>
+          <p:spPr>
+            <a:xfrm>
+              <a:off x="3751792" y="4058494"/>
+              <a:ext cx="2500554" cy="497210"/>
+            </a:xfrm>
+            <a:prstGeom prst="rect">
+              <a:avLst/>
+            </a:prstGeom>
+            <a:noFill/>
+          </p:spPr>
+          <p:txBody>
+            <a:bodyPr wrap="square" rtlCol="0">
+              <a:spAutoFit/>
+            </a:bodyPr>
+            <a:lstStyle/>
+            <a:p>
+              <a:r>
+                <a:rPr lang="en-US" sz="2000" smtClean="0"/>
+                <a:t>Cluster</a:t>
+              </a:r>
+              <a:endParaRPr lang="en-US" sz="2000"/>
+            </a:p>
+          </p:txBody>
+        </p:sp>
+        <p:sp>
+          <p:nvSpPr>
+            <p:cNvPr id="18" name="TextBox 17"/>
+            <p:cNvSpPr txBox="1"/>
+            <p:nvPr/>
+          </p:nvSpPr>
+          <p:spPr>
+            <a:xfrm>
+              <a:off x="6290733" y="4023279"/>
+              <a:ext cx="2538942" cy="497210"/>
+            </a:xfrm>
+            <a:prstGeom prst="rect">
+              <a:avLst/>
+            </a:prstGeom>
+            <a:noFill/>
+          </p:spPr>
+          <p:txBody>
+            <a:bodyPr wrap="square" rtlCol="0">
+              <a:spAutoFit/>
+            </a:bodyPr>
+            <a:lstStyle/>
+            <a:p>
+              <a:r>
+                <a:rPr lang="en-US" sz="2000" dirty="0" smtClean="0"/>
+                <a:t>Row</a:t>
+              </a:r>
+              <a:endParaRPr lang="en-US" sz="2000" dirty="0"/>
+            </a:p>
+          </p:txBody>
+        </p:sp>
+      </p:grpSp>
     </p:spTree>
     <p:extLst>
       <p:ext uri="{BB962C8B-B14F-4D97-AF65-F5344CB8AC3E}">
@@ -15848,40 +16565,6 @@
           <a:chExt cx="0" cy="0"/>
         </a:xfrm>
       </p:grpSpPr>
-      <p:sp>
-        <p:nvSpPr>
-          <p:cNvPr id="12" name="TextBox 11"/>
-          <p:cNvSpPr txBox="1"/>
-          <p:nvPr/>
-        </p:nvSpPr>
-        <p:spPr>
-          <a:xfrm>
-            <a:off x="337017" y="483489"/>
-            <a:ext cx="5910943" cy="830997"/>
-          </a:xfrm>
-          <a:prstGeom prst="rect">
-            <a:avLst/>
-          </a:prstGeom>
-          <a:noFill/>
-        </p:spPr>
-        <p:txBody>
-          <a:bodyPr wrap="square" rtlCol="0">
-            <a:spAutoFit/>
-          </a:bodyPr>
-          <a:lstStyle/>
-          <a:p>
-            <a:pPr>
-              <a:spcAft>
-                <a:spcPts val="1200"/>
-              </a:spcAft>
-            </a:pPr>
-            <a:r>
-              <a:rPr lang="en-US" sz="2400" dirty="0" smtClean="0"/>
-              <a:t>Betas are most commonly generated in extremes of the space, distant from Alphas. </a:t>
-            </a:r>
-          </a:p>
-        </p:txBody>
-      </p:sp>
       <p:pic>
         <p:nvPicPr>
           <p:cNvPr id="3" name="Picture 2"/>
@@ -15912,6 +16595,40 @@
           </a:prstGeom>
         </p:spPr>
       </p:pic>
+      <p:sp>
+        <p:nvSpPr>
+          <p:cNvPr id="4" name="TextBox 3"/>
+          <p:cNvSpPr txBox="1"/>
+          <p:nvPr/>
+        </p:nvSpPr>
+        <p:spPr>
+          <a:xfrm>
+            <a:off x="337017" y="483489"/>
+            <a:ext cx="6489085" cy="830997"/>
+          </a:xfrm>
+          <a:prstGeom prst="rect">
+            <a:avLst/>
+          </a:prstGeom>
+          <a:noFill/>
+        </p:spPr>
+        <p:txBody>
+          <a:bodyPr wrap="square" rtlCol="0">
+            <a:spAutoFit/>
+          </a:bodyPr>
+          <a:lstStyle/>
+          <a:p>
+            <a:pPr>
+              <a:spcAft>
+                <a:spcPts val="1200"/>
+              </a:spcAft>
+            </a:pPr>
+            <a:r>
+              <a:rPr lang="en-US" sz="2400" dirty="0"/>
+              <a:t>Betas are most commonly generated in extremes of the space, distant from Alphas. </a:t>
+            </a:r>
+          </a:p>
+        </p:txBody>
+      </p:sp>
     </p:spTree>
     <p:extLst>
       <p:ext uri="{BB962C8B-B14F-4D97-AF65-F5344CB8AC3E}">
@@ -15949,51 +16666,6 @@
           <a:chExt cx="0" cy="0"/>
         </a:xfrm>
       </p:grpSpPr>
-      <p:sp>
-        <p:nvSpPr>
-          <p:cNvPr id="12" name="TextBox 11"/>
-          <p:cNvSpPr txBox="1"/>
-          <p:nvPr/>
-        </p:nvSpPr>
-        <p:spPr>
-          <a:xfrm>
-            <a:off x="337017" y="483489"/>
-            <a:ext cx="5910943" cy="1723549"/>
-          </a:xfrm>
-          <a:prstGeom prst="rect">
-            <a:avLst/>
-          </a:prstGeom>
-          <a:noFill/>
-        </p:spPr>
-        <p:txBody>
-          <a:bodyPr wrap="square" rtlCol="0">
-            <a:spAutoFit/>
-          </a:bodyPr>
-          <a:lstStyle/>
-          <a:p>
-            <a:pPr>
-              <a:spcAft>
-                <a:spcPts val="1200"/>
-              </a:spcAft>
-            </a:pPr>
-            <a:r>
-              <a:rPr lang="en-US" sz="2400" dirty="0" smtClean="0"/>
-              <a:t>Betas are most commonly generated in extremes of the space, distant from Alphas. </a:t>
-            </a:r>
-          </a:p>
-          <a:p>
-            <a:pPr>
-              <a:spcAft>
-                <a:spcPts val="1200"/>
-              </a:spcAft>
-            </a:pPr>
-            <a:r>
-              <a:rPr lang="en-US" sz="2400" dirty="0" smtClean="0"/>
-              <a:t>Most distant examples are most frequently generated.</a:t>
-            </a:r>
-          </a:p>
-        </p:txBody>
-      </p:sp>
       <p:pic>
         <p:nvPicPr>
           <p:cNvPr id="3" name="Picture 2"/>
@@ -16104,6 +16776,56 @@
           </a:p>
         </p:txBody>
       </p:sp>
+      <p:sp>
+        <p:nvSpPr>
+          <p:cNvPr id="6" name="TextBox 5"/>
+          <p:cNvSpPr txBox="1"/>
+          <p:nvPr/>
+        </p:nvSpPr>
+        <p:spPr>
+          <a:xfrm>
+            <a:off x="337017" y="483489"/>
+            <a:ext cx="6489085" cy="1723549"/>
+          </a:xfrm>
+          <a:prstGeom prst="rect">
+            <a:avLst/>
+          </a:prstGeom>
+          <a:noFill/>
+        </p:spPr>
+        <p:txBody>
+          <a:bodyPr wrap="square" rtlCol="0">
+            <a:spAutoFit/>
+          </a:bodyPr>
+          <a:lstStyle/>
+          <a:p>
+            <a:pPr>
+              <a:spcAft>
+                <a:spcPts val="1200"/>
+              </a:spcAft>
+            </a:pPr>
+            <a:r>
+              <a:rPr lang="en-US" sz="2400" dirty="0"/>
+              <a:t>Betas are most commonly generated in extremes of the space, distant from Alphas. </a:t>
+            </a:r>
+          </a:p>
+          <a:p>
+            <a:pPr>
+              <a:spcAft>
+                <a:spcPts val="1200"/>
+              </a:spcAft>
+            </a:pPr>
+            <a:r>
+              <a:rPr lang="en-US" sz="2400" dirty="0"/>
+              <a:t>Most distant examples are most frequently generated</a:t>
+            </a:r>
+            <a:r>
+              <a:rPr lang="en-US" sz="2400" dirty="0" smtClean="0"/>
+              <a:t>.</a:t>
+            </a:r>
+            <a:endParaRPr lang="en-US" sz="2400" dirty="0"/>
+          </a:p>
+        </p:txBody>
+      </p:sp>
     </p:spTree>
     <p:extLst>
       <p:ext uri="{BB962C8B-B14F-4D97-AF65-F5344CB8AC3E}">
@@ -16150,7 +16872,7 @@
         <p:spPr>
           <a:xfrm>
             <a:off x="337017" y="483489"/>
-            <a:ext cx="5910943" cy="2616101"/>
+            <a:ext cx="6489085" cy="2616101"/>
           </a:xfrm>
           <a:prstGeom prst="rect">
             <a:avLst/>
@@ -25097,27 +25819,7 @@
             </a:pPr>
             <a:r>
               <a:rPr lang="en-US" sz="2000" b="1" dirty="0" smtClean="0"/>
-              <a:t>An extension of the t</a:t>
-            </a:r>
-            <a:r>
-              <a:rPr lang="en-US" sz="2000" b="1" dirty="0" smtClean="0"/>
-              <a:t>he </a:t>
-            </a:r>
-            <a:r>
-              <a:rPr lang="en-US" sz="2000" b="1" dirty="0" smtClean="0"/>
-              <a:t>Generalized Context Model </a:t>
-            </a:r>
-            <a:r>
-              <a:rPr lang="en-US" sz="2000" b="1" dirty="0" smtClean="0"/>
-              <a:t>(</a:t>
-            </a:r>
-            <a:r>
-              <a:rPr lang="en-US" sz="2000" b="1" dirty="0" smtClean="0"/>
-              <a:t>GCM; Nosofsky, </a:t>
-            </a:r>
-            <a:r>
-              <a:rPr lang="en-US" sz="2000" b="1" dirty="0" smtClean="0"/>
-              <a:t>1984)</a:t>
+              <a:t>An extension of the the Generalized Context Model (GCM; Nosofsky, 1984)</a:t>
             </a:r>
             <a:endParaRPr lang="en-US" sz="2000" b="1" dirty="0"/>
           </a:p>
@@ -25129,15 +25831,7 @@
             </a:pPr>
             <a:r>
               <a:rPr lang="en-US" dirty="0" smtClean="0"/>
-              <a:t>Categories </a:t>
-            </a:r>
-            <a:r>
-              <a:rPr lang="en-US" dirty="0" smtClean="0"/>
-              <a:t>represented as a collection of observed members (</a:t>
-            </a:r>
-            <a:r>
-              <a:rPr lang="en-US" dirty="0" smtClean="0"/>
-              <a:t>exemplars). </a:t>
+              <a:t>Categories represented as a collection of observed members (exemplars). </a:t>
             </a:r>
           </a:p>
         </p:txBody>
@@ -25208,27 +25902,7 @@
             </a:pPr>
             <a:r>
               <a:rPr lang="en-US" sz="2000" b="1" dirty="0" smtClean="0"/>
-              <a:t>An extension of the t</a:t>
-            </a:r>
-            <a:r>
-              <a:rPr lang="en-US" sz="2000" b="1" dirty="0" smtClean="0"/>
-              <a:t>he </a:t>
-            </a:r>
-            <a:r>
-              <a:rPr lang="en-US" sz="2000" b="1" dirty="0" smtClean="0"/>
-              <a:t>Generalized Context Model </a:t>
-            </a:r>
-            <a:r>
-              <a:rPr lang="en-US" sz="2000" b="1" dirty="0" smtClean="0"/>
-              <a:t>(</a:t>
-            </a:r>
-            <a:r>
-              <a:rPr lang="en-US" sz="2000" b="1" dirty="0" smtClean="0"/>
-              <a:t>GCM; Nosofsky, </a:t>
-            </a:r>
-            <a:r>
-              <a:rPr lang="en-US" sz="2000" b="1" dirty="0" smtClean="0"/>
-              <a:t>1984)</a:t>
+              <a:t>An extension of the the Generalized Context Model (GCM; Nosofsky, 1984)</a:t>
             </a:r>
             <a:endParaRPr lang="en-US" sz="2000" b="1" dirty="0"/>
           </a:p>
@@ -25240,15 +25914,7 @@
             </a:pPr>
             <a:r>
               <a:rPr lang="en-US" dirty="0" smtClean="0"/>
-              <a:t>Categories </a:t>
-            </a:r>
-            <a:r>
-              <a:rPr lang="en-US" dirty="0" smtClean="0"/>
-              <a:t>represented as a collection of observed members (</a:t>
-            </a:r>
-            <a:r>
-              <a:rPr lang="en-US" dirty="0" smtClean="0"/>
-              <a:t>exemplars). </a:t>
+              <a:t>Categories represented as a collection of observed members (exemplars). </a:t>
             </a:r>
           </a:p>
           <a:p>
@@ -25294,7 +25960,6 @@
               <a:rPr lang="en-US" dirty="0" smtClean="0"/>
               <a:t>imilarity to members of the target category. </a:t>
             </a:r>
-            <a:endParaRPr lang="en-US" dirty="0" smtClean="0"/>
           </a:p>
         </p:txBody>
       </p:sp>
@@ -26293,7 +26958,7 @@
         <p:spPr>
           <a:xfrm>
             <a:off x="616688" y="478464"/>
-            <a:ext cx="4111382" cy="6247864"/>
+            <a:ext cx="2514599" cy="4955203"/>
           </a:xfrm>
           <a:prstGeom prst="rect">
             <a:avLst/>
@@ -26339,23 +27004,59 @@
             <a:endParaRPr lang="en-US" sz="2800" dirty="0" smtClean="0"/>
           </a:p>
           <a:p>
-            <a:endParaRPr lang="en-US" sz="2800" dirty="0"/>
-          </a:p>
-          <a:p>
-            <a:endParaRPr lang="en-US" sz="2800" dirty="0" smtClean="0"/>
-          </a:p>
-          <a:p>
-            <a:r>
-              <a:rPr lang="en-US" sz="2800" dirty="0" smtClean="0"/>
-              <a:t>Special thanks to Ken Kurtz</a:t>
-            </a:r>
-          </a:p>
-          <a:p>
             <a:pPr marL="401638" indent="-381000">
               <a:buFont typeface="Arial" charset="0"/>
               <a:buChar char="•"/>
             </a:pPr>
             <a:endParaRPr lang="en-US" sz="2400" dirty="0"/>
+          </a:p>
+        </p:txBody>
+      </p:sp>
+      <p:sp>
+        <p:nvSpPr>
+          <p:cNvPr id="11" name="Rectangle 10"/>
+          <p:cNvSpPr/>
+          <p:nvPr/>
+        </p:nvSpPr>
+        <p:spPr>
+          <a:xfrm>
+            <a:off x="3131287" y="2494400"/>
+            <a:ext cx="4572000" cy="1200329"/>
+          </a:xfrm>
+          <a:prstGeom prst="rect">
+            <a:avLst/>
+          </a:prstGeom>
+        </p:spPr>
+        <p:txBody>
+          <a:bodyPr>
+            <a:spAutoFit/>
+          </a:bodyPr>
+          <a:lstStyle/>
+          <a:p>
+            <a:r>
+              <a:rPr lang="en-US" sz="2400" b="1" dirty="0"/>
+              <a:t>Special thanks to </a:t>
+            </a:r>
+          </a:p>
+          <a:p>
+            <a:r>
+              <a:rPr lang="en-US" sz="2400" dirty="0"/>
+              <a:t>Ken Kurtz</a:t>
+            </a:r>
+          </a:p>
+          <a:p>
+            <a:r>
+              <a:rPr lang="en-US" sz="2400" dirty="0"/>
+              <a:t>Alan </a:t>
+            </a:r>
+            <a:r>
+              <a:rPr lang="en-US" sz="2400" dirty="0" err="1"/>
+              <a:t>Jern</a:t>
+            </a:r>
+            <a:r>
+              <a:rPr lang="en-US" sz="2400" dirty="0"/>
+              <a:t> &amp; Charles Kemp</a:t>
+            </a:r>
           </a:p>
         </p:txBody>
       </p:sp>
@@ -28048,7 +28749,7 @@
         </p:blipFill>
         <p:spPr>
           <a:xfrm>
-            <a:off x="-2" y="3402418"/>
+            <a:off x="8661" y="4130748"/>
             <a:ext cx="9135339" cy="2727252"/>
           </a:xfrm>
           <a:prstGeom prst="rect">
@@ -28064,8 +28765,8 @@
         </p:nvSpPr>
         <p:spPr>
           <a:xfrm>
-            <a:off x="272114" y="429291"/>
-            <a:ext cx="8591108" cy="2739211"/>
+            <a:off x="272114" y="580915"/>
+            <a:ext cx="6780877" cy="3046988"/>
           </a:xfrm>
           <a:prstGeom prst="rect">
             <a:avLst/>
@@ -28106,6 +28807,36 @@
           </a:p>
         </p:txBody>
       </p:sp>
+      <p:pic>
+        <p:nvPicPr>
+          <p:cNvPr id="5" name="Picture 4"/>
+          <p:cNvPicPr>
+            <a:picLocks noChangeAspect="1"/>
+          </p:cNvPicPr>
+          <p:nvPr/>
+        </p:nvPicPr>
+        <p:blipFill>
+          <a:blip r:embed="rId4">
+            <a:extLst>
+              <a:ext uri="{28A0092B-C50C-407E-A947-70E740481C1C}">
+                <a14:useLocalDpi xmlns:a14="http://schemas.microsoft.com/office/drawing/2010/main" val="0"/>
+              </a:ext>
+            </a:extLst>
+          </a:blip>
+          <a:stretch>
+            <a:fillRect/>
+          </a:stretch>
+        </p:blipFill>
+        <p:spPr>
+          <a:xfrm>
+            <a:off x="7052991" y="78071"/>
+            <a:ext cx="2091009" cy="4052677"/>
+          </a:xfrm>
+          <a:prstGeom prst="rect">
+            <a:avLst/>
+          </a:prstGeom>
+        </p:spPr>
+      </p:pic>
     </p:spTree>
     <p:extLst>
       <p:ext uri="{BB962C8B-B14F-4D97-AF65-F5344CB8AC3E}">

--- a/Presentations/ccn-bbag-march-2-2017.pptx
+++ b/Presentations/ccn-bbag-march-2-2017.pptx
@@ -5,7 +5,7 @@
     <p:sldMasterId id="2147483660" r:id="rId1"/>
   </p:sldMasterIdLst>
   <p:notesMasterIdLst>
-    <p:notesMasterId r:id="rId60"/>
+    <p:notesMasterId r:id="rId57"/>
   </p:notesMasterIdLst>
   <p:sldIdLst>
     <p:sldId id="288" r:id="rId2"/>
@@ -62,10 +62,7 @@
     <p:sldId id="308" r:id="rId53"/>
     <p:sldId id="309" r:id="rId54"/>
     <p:sldId id="270" r:id="rId55"/>
-    <p:sldId id="271" r:id="rId56"/>
-    <p:sldId id="299" r:id="rId57"/>
-    <p:sldId id="321" r:id="rId58"/>
-    <p:sldId id="275" r:id="rId59"/>
+    <p:sldId id="275" r:id="rId56"/>
   </p:sldIdLst>
   <p:sldSz cx="9144000" cy="6858000" type="screen4x3"/>
   <p:notesSz cx="6858000" cy="9144000"/>
@@ -254,7 +251,7 @@
           <a:p>
             <a:fld id="{4F9E3613-DEF7-9F4D-BB72-F0B456B81BA8}" type="datetimeFigureOut">
               <a:rPr lang="en-US" smtClean="0"/>
-              <a:t>2/28/17</a:t>
+              <a:t>3/2/17</a:t>
             </a:fld>
             <a:endParaRPr lang="en-US"/>
           </a:p>
@@ -770,7 +767,19 @@
             </a:r>
             <a:r>
               <a:rPr lang="en-US" baseline="0" dirty="0" smtClean="0"/>
-              <a:t> which constitutes a category, and we can analyze their category to make conclusions about the creative process. So if you imagine that a participant created these for examples into their category, then you could also plot the generated category within the space and that can lead you to a lot of nice insights.</a:t>
+              <a:t> which constitutes a category, and we can analyze </a:t>
+            </a:r>
+            <a:r>
+              <a:rPr lang="en-US" baseline="0" dirty="0" smtClean="0"/>
+              <a:t>the category they made by plotting the positions of each of their crystals within the space. So </a:t>
+            </a:r>
+            <a:r>
+              <a:rPr lang="en-US" baseline="0" dirty="0" smtClean="0"/>
+              <a:t>if you imagine that a participant created these for examples into their category, then you could </a:t>
+            </a:r>
+            <a:r>
+              <a:rPr lang="en-US" baseline="0" dirty="0" smtClean="0"/>
+              <a:t>plot their category next to the category that they learned to reveal a lot about their approach.</a:t>
             </a:r>
           </a:p>
         </p:txBody>
@@ -865,7 +874,11 @@
             </a:r>
             <a:r>
               <a:rPr lang="en-US" baseline="0" dirty="0" smtClean="0"/>
-              <a:t> and Kemp found was pretty much what we already knew. Their manipulation was in the relationship between size and saturation, within the experimenter define categories. Some participants learned a categories with a positive correlation, some with negative. And there are examples of each of these on the slide.</a:t>
+              <a:t> and Kemp found was pretty much what we already knew. Their manipulation was in the relationship between size and saturation, within the experimenter define categories. Some participants </a:t>
+            </a:r>
+            <a:r>
+              <a:rPr lang="en-US" baseline="0" dirty="0" smtClean="0"/>
+              <a:t>learned this category with positive correlation, so larger crystals tend to be more saturated, and some participants learned this negative correlation category.</a:t>
             </a:r>
           </a:p>
           <a:p>
@@ -874,7 +887,11 @@
           <a:p>
             <a:r>
               <a:rPr lang="en-US" baseline="0" dirty="0" smtClean="0"/>
-              <a:t>And it turns out that participants generated novel categories following the same correlations. So if they learned a category with a positive size-saturation correlation, they tended to generate a new category with the same pattern. And this lines up really nicely with the earlier observation that alien species obey the same correlations as found on earth.</a:t>
+              <a:t>And after participants learned the categories, they tended to generate new categories with the same properties. So if they learned the positive correlation category, then they tended to generate a new category with positive correlation, and vice-versa. And </a:t>
+            </a:r>
+            <a:r>
+              <a:rPr lang="en-US" baseline="0" dirty="0" smtClean="0"/>
+              <a:t>this lines up really nicely with the earlier observation that alien species obey the same correlations as found on earth.</a:t>
             </a:r>
           </a:p>
         </p:txBody>
@@ -970,7 +987,11 @@
           <a:p>
             <a:r>
               <a:rPr lang="en-US" baseline="0" dirty="0" smtClean="0"/>
-              <a:t>Basically, the model learns about how each category is distributed across the space --  in terms of how each physical attribute varies, and how they are correlated. Then, the model makes an inference using the common patterns of variability </a:t>
+              <a:t>Basically, the model learns about how each category is distributed across the space --  in terms of how each physical attribute varies, and how they are correlated. Then, the model makes an inference using the common patterns of </a:t>
+            </a:r>
+            <a:r>
+              <a:rPr lang="en-US" baseline="0" dirty="0" smtClean="0"/>
+              <a:t>variability across the categories it knows about </a:t>
             </a:r>
             <a:r>
               <a:rPr lang="mr-IN" baseline="0" dirty="0" smtClean="0"/>
@@ -1072,11 +1093,7 @@
             </a:r>
             <a:r>
               <a:rPr lang="en-US" baseline="0" dirty="0" smtClean="0"/>
-              <a:t> field was as of last year. </a:t>
-            </a:r>
-            <a:r>
-              <a:rPr lang="en-US" baseline="0" dirty="0" smtClean="0"/>
-              <a:t>But really, all of those studies just served to identify this one constraint on category generation, and it seems a little silly to assume that’s all there is to it. So our experiments have been about identifying other constraints on generation</a:t>
+              <a:t> field was as of last year. But really, all of those studies just served to identify this one constraint on category generation, and it seems a little silly to assume that’s all there is to it. So our experiments have been about identifying other constraints on generation</a:t>
             </a:r>
           </a:p>
           <a:p>
@@ -1179,11 +1196,11 @@
           <a:p>
             <a:r>
               <a:rPr lang="en-US" baseline="0" dirty="0" smtClean="0"/>
-              <a:t>We developed a two dimensional domain of squares varying in color and in size. </a:t>
+              <a:t>We developed a two dimensional domain of squares varying in color and in size. In our experiments, participants first complete a training phase where they are taught about a category that we defined as a collection of these </a:t>
             </a:r>
             <a:r>
               <a:rPr lang="en-US" baseline="0" dirty="0" smtClean="0"/>
-              <a:t>In our experiments, participants first complete a training phase where they are taught about a category that we defined as a collection of these squares. Then, they complete a generation phase where they we ask them generate a new category. </a:t>
+              <a:t>squares. In each of our experiments, participants only learn about one experimenter-defined category, which we call the “alpha category”.</a:t>
             </a:r>
           </a:p>
           <a:p>
@@ -1192,8 +1209,25 @@
           <a:p>
             <a:r>
               <a:rPr lang="en-US" baseline="0" dirty="0" smtClean="0"/>
-              <a:t>In each experiment, we call the category that we created the “alpha category”, and the participants are supposed to make the “Beta” category</a:t>
-            </a:r>
+              <a:t>Then</a:t>
+            </a:r>
+            <a:r>
+              <a:rPr lang="en-US" baseline="0" dirty="0" smtClean="0"/>
+              <a:t>, they complete a generation phase where they we ask them generate a new </a:t>
+            </a:r>
+            <a:r>
+              <a:rPr lang="en-US" baseline="0" dirty="0" smtClean="0"/>
+              <a:t>category, which we call the “</a:t>
+            </a:r>
+            <a:r>
+              <a:rPr lang="en-US" baseline="0" dirty="0" smtClean="0"/>
+              <a:t>Beta” </a:t>
+            </a:r>
+            <a:r>
+              <a:rPr lang="en-US" baseline="0" dirty="0" smtClean="0"/>
+              <a:t>category.</a:t>
+            </a:r>
+            <a:endParaRPr lang="en-US" baseline="0" dirty="0" smtClean="0"/>
           </a:p>
           <a:p>
             <a:endParaRPr lang="en-US" baseline="0" dirty="0" smtClean="0"/>
@@ -1487,23 +1521,7 @@
             </a:r>
             <a:r>
               <a:rPr lang="en-US" baseline="0" dirty="0" smtClean="0"/>
-              <a:t>e </a:t>
-            </a:r>
-            <a:r>
-              <a:rPr lang="en-US" baseline="0" dirty="0" smtClean="0"/>
-              <a:t>developed three different </a:t>
-            </a:r>
-            <a:r>
-              <a:rPr lang="en-US" baseline="0" dirty="0" smtClean="0"/>
-              <a:t>conditions that we are calling XOR, Cluster, and Row. </a:t>
-            </a:r>
-            <a:r>
-              <a:rPr lang="en-US" baseline="0" dirty="0" smtClean="0"/>
-              <a:t>In each condition, participants are exposed to a category called “Alpha”, but in each condition the alpha category is different. So in each of these plots I’m showing the conceptual organization of the class in the domain, with A markers corresponding to members of a the “alpha” category</a:t>
-            </a:r>
-            <a:r>
-              <a:rPr lang="en-US" baseline="0" dirty="0" smtClean="0"/>
-              <a:t>.</a:t>
+              <a:t>e developed three different conditions that we are calling XOR, Cluster, and Row. In each condition, participants are exposed to a category called “Alpha”, but in each condition the alpha category is different. So in each of these plots I’m showing the conceptual organization of the class in the domain, with A markers corresponding to members of a the “alpha” category.</a:t>
             </a:r>
           </a:p>
           <a:p>
@@ -1597,8 +1615,13 @@
             </a:r>
             <a:r>
               <a:rPr lang="en-US" baseline="0" dirty="0" smtClean="0"/>
-              <a:t> for illustrative reasons. Participants are only ever exposed to squares of a particular size and color. </a:t>
-            </a:r>
+              <a:t> for illustrative reasons. Participants are only ever exposed to squares of a particular size and </a:t>
+            </a:r>
+            <a:r>
+              <a:rPr lang="en-US" baseline="0" dirty="0" smtClean="0"/>
+              <a:t>color, so any conceptual representation of the classes must be learned.</a:t>
+            </a:r>
+            <a:endParaRPr lang="en-US" baseline="0" dirty="0" smtClean="0"/>
           </a:p>
           <a:p>
             <a:endParaRPr lang="en-US" baseline="0" dirty="0" smtClean="0"/>
@@ -1962,11 +1985,35 @@
           <a:p>
             <a:r>
               <a:rPr lang="en-US" dirty="0" smtClean="0"/>
-              <a:t>So given what we know about category generation, what do</a:t>
+              <a:t>So given what we know about category generation, </a:t>
+            </a:r>
+            <a:r>
+              <a:rPr lang="en-US" dirty="0" smtClean="0"/>
+              <a:t>we can make a few predictions about what we should expect to see.</a:t>
             </a:r>
             <a:r>
               <a:rPr lang="en-US" baseline="0" dirty="0" smtClean="0"/>
-              <a:t> we think should happen here. Since people seem to emulate the structure of known categories, then the patterns of covariance in the Beta categories should reflect whatever Alpha category was learned. </a:t>
+              <a:t> Since </a:t>
+            </a:r>
+            <a:r>
+              <a:rPr lang="en-US" baseline="0" dirty="0" smtClean="0"/>
+              <a:t>people seem to emulate the structure of </a:t>
+            </a:r>
+            <a:r>
+              <a:rPr lang="en-US" baseline="0" dirty="0" smtClean="0"/>
+              <a:t>learned categories</a:t>
+            </a:r>
+            <a:r>
+              <a:rPr lang="en-US" baseline="0" dirty="0" smtClean="0"/>
+              <a:t>, then </a:t>
+            </a:r>
+            <a:r>
+              <a:rPr lang="en-US" baseline="0" dirty="0" smtClean="0"/>
+              <a:t>the distribution of generated categories should </a:t>
+            </a:r>
+            <a:r>
+              <a:rPr lang="en-US" baseline="0" dirty="0" smtClean="0"/>
+              <a:t>reflect whatever Alpha category was learned. </a:t>
             </a:r>
           </a:p>
           <a:p>
@@ -2079,56 +2126,65 @@
             </a:pPr>
             <a:r>
               <a:rPr lang="en-US" dirty="0" smtClean="0"/>
-              <a:t>Ok, so jus to give you a sense of the richness of these data I’ll show some samples on the slide.</a:t>
+              <a:t>Ok, so </a:t>
+            </a:r>
+            <a:r>
+              <a:rPr lang="en-US" dirty="0" smtClean="0"/>
+              <a:t>just </a:t>
+            </a:r>
+            <a:r>
+              <a:rPr lang="en-US" dirty="0" smtClean="0"/>
+              <a:t>to give you a sense </a:t>
+            </a:r>
+            <a:r>
+              <a:rPr lang="en-US" dirty="0" smtClean="0"/>
+              <a:t>of the form that this data comes</a:t>
             </a:r>
             <a:r>
               <a:rPr lang="en-US" baseline="0" dirty="0" smtClean="0"/>
-              <a:t> Each of these subplots came from a single participant, and I’ve just plotted the locations of the members of category A as well as the locations of the generated examples in category B. </a:t>
+              <a:t> in I’m showing</a:t>
+            </a:r>
+            <a:r>
+              <a:rPr lang="en-US" dirty="0" smtClean="0"/>
+              <a:t> </a:t>
+            </a:r>
+            <a:r>
+              <a:rPr lang="en-US" dirty="0" smtClean="0"/>
+              <a:t>some samples on the slide.</a:t>
+            </a:r>
+            <a:r>
+              <a:rPr lang="en-US" baseline="0" dirty="0" smtClean="0"/>
+              <a:t> </a:t>
+            </a:r>
+            <a:r>
+              <a:rPr lang="en-US" baseline="0" dirty="0" smtClean="0"/>
+              <a:t>Each </a:t>
+            </a:r>
+            <a:r>
+              <a:rPr lang="en-US" baseline="0" dirty="0" smtClean="0"/>
+              <a:t>of these subplots came from a single participant, and I’ve just plotted </a:t>
+            </a:r>
+            <a:r>
+              <a:rPr lang="en-US" baseline="0" dirty="0" smtClean="0"/>
+              <a:t>the </a:t>
+            </a:r>
+            <a:r>
+              <a:rPr lang="en-US" baseline="0" dirty="0" smtClean="0"/>
+              <a:t>members of </a:t>
+            </a:r>
+            <a:r>
+              <a:rPr lang="en-US" baseline="0" dirty="0" smtClean="0"/>
+              <a:t>alpha category for the condition the participant was in, as well as where they generated the betas. And </a:t>
+            </a:r>
+            <a:r>
+              <a:rPr lang="en-US" baseline="0" dirty="0" smtClean="0"/>
+              <a:t>again, remember that each point in one of these plots corresponds to a physical </a:t>
+            </a:r>
+            <a:r>
+              <a:rPr lang="en-US" baseline="0" dirty="0" smtClean="0"/>
+              <a:t>stimulus.</a:t>
             </a:r>
             <a:endParaRPr lang="en-US" baseline="0" dirty="0" smtClean="0"/>
-          </a:p>
-          <a:p>
-            <a:pPr marL="0" marR="0" indent="0" algn="l" defTabSz="914400" rtl="0" eaLnBrk="1" fontAlgn="auto" latinLnBrk="0" hangingPunct="1">
-              <a:lnSpc>
-                <a:spcPct val="100000"/>
-              </a:lnSpc>
-              <a:spcBef>
-                <a:spcPts val="0"/>
-              </a:spcBef>
-              <a:spcAft>
-                <a:spcPts val="0"/>
-              </a:spcAft>
-              <a:buClrTx/>
-              <a:buSzTx/>
-              <a:buFontTx/>
-              <a:buNone/>
-              <a:tabLst/>
-              <a:defRPr/>
-            </a:pPr>
-            <a:endParaRPr lang="en-US" baseline="0" dirty="0" smtClean="0"/>
-          </a:p>
-          <a:p>
-            <a:pPr marL="0" marR="0" indent="0" algn="l" defTabSz="914400" rtl="0" eaLnBrk="1" fontAlgn="auto" latinLnBrk="0" hangingPunct="1">
-              <a:lnSpc>
-                <a:spcPct val="100000"/>
-              </a:lnSpc>
-              <a:spcBef>
-                <a:spcPts val="0"/>
-              </a:spcBef>
-              <a:spcAft>
-                <a:spcPts val="0"/>
-              </a:spcAft>
-              <a:buClrTx/>
-              <a:buSzTx/>
-              <a:buFontTx/>
-              <a:buNone/>
-              <a:tabLst/>
-              <a:defRPr/>
-            </a:pPr>
-            <a:r>
-              <a:rPr lang="en-US" baseline="0" dirty="0" smtClean="0"/>
-              <a:t>And again, remember that each point in one of these plots corresponds to a physical stimulus. Each one of these plots is generated based on the collection of squares each person generates into the Beta category, and we produce these figures after the fact because it reveals a lot about each person’s approach.</a:t>
-            </a:r>
           </a:p>
           <a:p>
             <a:pPr marL="0" marR="0" indent="0" algn="l" defTabSz="914400" rtl="0" eaLnBrk="1" fontAlgn="auto" latinLnBrk="0" hangingPunct="1">
@@ -2274,7 +2330,11 @@
             </a:pPr>
             <a:r>
               <a:rPr lang="en-US" dirty="0" smtClean="0"/>
-              <a:t>And here are the samples from the cluster condition</a:t>
+              <a:t>And here are the samples from the cluster </a:t>
+            </a:r>
+            <a:r>
+              <a:rPr lang="en-US" dirty="0" smtClean="0"/>
+              <a:t>condition.</a:t>
             </a:r>
             <a:endParaRPr lang="en-US" baseline="0" dirty="0" smtClean="0"/>
           </a:p>
@@ -2379,17 +2439,60 @@
             </a:pPr>
             <a:r>
               <a:rPr lang="en-US" dirty="0" smtClean="0"/>
-              <a:t>And finally the samples from the row </a:t>
-            </a:r>
-            <a:r>
-              <a:rPr lang="en-US" dirty="0" smtClean="0"/>
-              <a:t>condition</a:t>
+              <a:t>And finally the samples from the row condition</a:t>
             </a:r>
             <a:r>
               <a:rPr lang="en-US" baseline="0" dirty="0" smtClean="0"/>
-              <a:t>. And what I hope you can see is that there’s a huge degree of differences between people and conditions, but there’s also a lot of commonalities. SO this data is just super super rich.</a:t>
+              <a:t>. And what I hope you can see is that there’s a huge degree of differences between people and conditions, but there’s also a lot of commonalities. </a:t>
             </a:r>
             <a:endParaRPr lang="en-US" baseline="0" dirty="0" smtClean="0"/>
+          </a:p>
+          <a:p>
+            <a:pPr marL="0" marR="0" indent="0" algn="l" defTabSz="914400" rtl="0" eaLnBrk="1" fontAlgn="auto" latinLnBrk="0" hangingPunct="1">
+              <a:lnSpc>
+                <a:spcPct val="100000"/>
+              </a:lnSpc>
+              <a:spcBef>
+                <a:spcPts val="0"/>
+              </a:spcBef>
+              <a:spcAft>
+                <a:spcPts val="0"/>
+              </a:spcAft>
+              <a:buClrTx/>
+              <a:buSzTx/>
+              <a:buFontTx/>
+              <a:buNone/>
+              <a:tabLst/>
+              <a:defRPr/>
+            </a:pPr>
+            <a:endParaRPr lang="en-US" baseline="0" dirty="0" smtClean="0"/>
+          </a:p>
+          <a:p>
+            <a:pPr marL="0" marR="0" indent="0" algn="l" defTabSz="914400" rtl="0" eaLnBrk="1" fontAlgn="auto" latinLnBrk="0" hangingPunct="1">
+              <a:lnSpc>
+                <a:spcPct val="100000"/>
+              </a:lnSpc>
+              <a:spcBef>
+                <a:spcPts val="0"/>
+              </a:spcBef>
+              <a:spcAft>
+                <a:spcPts val="0"/>
+              </a:spcAft>
+              <a:buClrTx/>
+              <a:buSzTx/>
+              <a:buFontTx/>
+              <a:buNone/>
+              <a:tabLst/>
+              <a:defRPr/>
+            </a:pPr>
+            <a:r>
+              <a:rPr lang="en-US" baseline="0" dirty="0" smtClean="0"/>
+              <a:t>And I know this is a lot to take in all at once, so I suppose what I just want to express is that this </a:t>
+            </a:r>
+            <a:r>
+              <a:rPr lang="en-US" baseline="0" dirty="0" smtClean="0"/>
+              <a:t>data is just super super rich.</a:t>
+            </a:r>
           </a:p>
         </p:txBody>
       </p:sp>
@@ -3199,12 +3302,25 @@
             </a:pPr>
             <a:r>
               <a:rPr lang="en-US" dirty="0" smtClean="0"/>
-              <a:t>So I</a:t>
+              <a:t>So </a:t>
+            </a:r>
+            <a:r>
+              <a:rPr lang="en-US" dirty="0" smtClean="0"/>
+              <a:t>I</a:t>
             </a:r>
             <a:r>
               <a:rPr lang="en-US" baseline="0" dirty="0" smtClean="0"/>
-              <a:t> think that’s some pretty good evidence that people do emulate the distributional properties of learned categories in what they generate.</a:t>
-            </a:r>
+              <a:t> </a:t>
+            </a:r>
+            <a:r>
+              <a:rPr lang="en-US" baseline="0" dirty="0" smtClean="0"/>
+              <a:t>think that’s some pretty good evidence that people do emulate the distributional properties of </a:t>
+            </a:r>
+            <a:r>
+              <a:rPr lang="en-US" baseline="0" dirty="0" smtClean="0"/>
+              <a:t>the categories they know about.</a:t>
+            </a:r>
+            <a:endParaRPr lang="en-US" baseline="0" dirty="0" smtClean="0"/>
           </a:p>
           <a:p>
             <a:pPr marL="0" marR="0" indent="0" algn="l" defTabSz="914400" rtl="0" eaLnBrk="1" fontAlgn="auto" latinLnBrk="0" hangingPunct="1">
@@ -3246,7 +3362,11 @@
             </a:pPr>
             <a:r>
               <a:rPr lang="en-US" baseline="0" dirty="0" smtClean="0"/>
-              <a:t>So then I just sort of explored the data to get a sense of what else was going on. On the slide now I’m showing you </a:t>
+              <a:t>On </a:t>
+            </a:r>
+            <a:r>
+              <a:rPr lang="en-US" baseline="0" dirty="0" smtClean="0"/>
+              <a:t>the slide now I’m showing you </a:t>
             </a:r>
             <a:r>
               <a:rPr lang="en-US" baseline="0" dirty="0" err="1" smtClean="0"/>
@@ -3254,7 +3374,19 @@
             </a:r>
             <a:r>
               <a:rPr lang="en-US" baseline="0" dirty="0" smtClean="0"/>
-              <a:t> of where people tended to generate beta category examples. Each figure is for one condition, and the shading of the figure shows how often people generated exemplars in each location. Areas shaded blue correspond to locations where Beta examples were generated most frequently. </a:t>
+              <a:t> of where people tended to generate beta category examples. Each figure is for one condition, and </a:t>
+            </a:r>
+            <a:r>
+              <a:rPr lang="en-US" baseline="0" dirty="0" smtClean="0"/>
+              <a:t>blue areas correspond </a:t>
+            </a:r>
+            <a:r>
+              <a:rPr lang="en-US" baseline="0" dirty="0" smtClean="0"/>
+              <a:t>to </a:t>
+            </a:r>
+            <a:r>
+              <a:rPr lang="en-US" baseline="0" dirty="0" smtClean="0"/>
+              <a:t>stimuli that were frequently generated. </a:t>
             </a:r>
           </a:p>
           <a:p>
@@ -3297,8 +3429,13 @@
             </a:pPr>
             <a:r>
               <a:rPr lang="en-US" baseline="0" dirty="0" smtClean="0"/>
-              <a:t>And you can see that people really prefer to put the betas along the edges and corners of the space. I think this reflects a goal to have the beta category exemplars as far away from the alphas as possible.</a:t>
-            </a:r>
+              <a:t>And you can see that people really prefer to put the betas along the edges and corners of the space. I think this reflects a goal </a:t>
+            </a:r>
+            <a:r>
+              <a:rPr lang="en-US" baseline="0" dirty="0" smtClean="0"/>
+              <a:t>that the beta category members should be perceptually dissimilar, or distant in space, from the alphas. Right, so the three corners opposite the alphas are most popular in cluster, the top row opposite the alphas is most popular I row, and the two corners opposite the alphas are most popular in XOR.</a:t>
+            </a:r>
+            <a:endParaRPr lang="en-US" baseline="0" dirty="0" smtClean="0"/>
           </a:p>
         </p:txBody>
       </p:sp>
@@ -4121,7 +4258,6 @@
               <a:rPr lang="en-US" baseline="0" dirty="0" smtClean="0"/>
               <a:t>But you can also see that the shape of the open space differs between the two conditions, so our question is about whether that will lead to qualitatively different kinds of categories.</a:t>
             </a:r>
-            <a:endParaRPr lang="en-US" baseline="0" dirty="0" smtClean="0"/>
           </a:p>
         </p:txBody>
       </p:sp>
@@ -5975,7 +6111,6 @@
               <a:rPr lang="en-US" baseline="0" dirty="0" smtClean="0"/>
               <a:t> so by fitting the model to a single person’s category, we can interpret the parameters to get a sense of where their priorities are.</a:t>
             </a:r>
-            <a:endParaRPr lang="en-US" baseline="0" dirty="0" smtClean="0"/>
           </a:p>
         </p:txBody>
       </p:sp>
@@ -6082,11 +6217,7 @@
             </a:r>
             <a:r>
               <a:rPr lang="en-US" baseline="0" dirty="0" smtClean="0"/>
-              <a:t> sort of things that we’re observing, </a:t>
-            </a:r>
-            <a:r>
-              <a:rPr lang="en-US" baseline="0" dirty="0" smtClean="0"/>
-              <a:t>but joe and I are really just beginning to conduct systematic tests. This is a figure from a paper we submitted to the </a:t>
+              <a:t> sort of things that we’re observing, but joe and I are really just beginning to conduct systematic tests. This is a figure from a paper we submitted to the </a:t>
             </a:r>
             <a:r>
               <a:rPr lang="en-US" baseline="0" dirty="0" err="1" smtClean="0"/>
@@ -6094,19 +6225,7 @@
             </a:r>
             <a:r>
               <a:rPr lang="en-US" baseline="0" dirty="0" smtClean="0"/>
-              <a:t> conference, and it’s showing that </a:t>
-            </a:r>
-            <a:r>
-              <a:rPr lang="en-US" baseline="0" dirty="0" smtClean="0"/>
-              <a:t>PACKER </a:t>
-            </a:r>
-            <a:r>
-              <a:rPr lang="en-US" baseline="0" dirty="0" smtClean="0"/>
-              <a:t>nicely </a:t>
-            </a:r>
-            <a:r>
-              <a:rPr lang="en-US" baseline="0" dirty="0" smtClean="0"/>
-              <a:t>explains the interaction between category location and distribution we observed. Just like human category generators, PACKER tends to put row like categories above and below the alphas, and it tends to put column like categories to the sides. </a:t>
+              <a:t> conference, and it’s showing that PACKER nicely explains the interaction between category location and distribution we observed. Just like human category generators, PACKER tends to put row like categories above and below the alphas, and it tends to put column like categories to the sides. </a:t>
             </a:r>
             <a:endParaRPr lang="en-US" dirty="0" smtClean="0"/>
           </a:p>
@@ -6873,341 +6992,6 @@
     </p:spTree>
     <p:extLst>
       <p:ext uri="{BB962C8B-B14F-4D97-AF65-F5344CB8AC3E}">
-        <p14:creationId xmlns:p14="http://schemas.microsoft.com/office/powerpoint/2010/main" val="409142466"/>
-      </p:ext>
-    </p:extLst>
-  </p:cSld>
-  <p:clrMapOvr>
-    <a:masterClrMapping/>
-  </p:clrMapOvr>
-</p:notes>
-</file>
-
-<file path=ppt/notesSlides/notesSlide56.xml><?xml version="1.0" encoding="utf-8"?>
-<p:notes xmlns:a="http://schemas.openxmlformats.org/drawingml/2006/main" xmlns:r="http://schemas.openxmlformats.org/officeDocument/2006/relationships" xmlns:p="http://schemas.openxmlformats.org/presentationml/2006/main">
-  <p:cSld>
-    <p:spTree>
-      <p:nvGrpSpPr>
-        <p:cNvPr id="1" name=""/>
-        <p:cNvGrpSpPr/>
-        <p:nvPr/>
-      </p:nvGrpSpPr>
-      <p:grpSpPr>
-        <a:xfrm>
-          <a:off x="0" y="0"/>
-          <a:ext cx="0" cy="0"/>
-          <a:chOff x="0" y="0"/>
-          <a:chExt cx="0" cy="0"/>
-        </a:xfrm>
-      </p:grpSpPr>
-      <p:sp>
-        <p:nvSpPr>
-          <p:cNvPr id="2" name="Slide Image Placeholder 1"/>
-          <p:cNvSpPr>
-            <a:spLocks noGrp="1" noRot="1" noChangeAspect="1"/>
-          </p:cNvSpPr>
-          <p:nvPr>
-            <p:ph type="sldImg"/>
-          </p:nvPr>
-        </p:nvSpPr>
-        <p:spPr/>
-      </p:sp>
-      <p:sp>
-        <p:nvSpPr>
-          <p:cNvPr id="3" name="Notes Placeholder 2"/>
-          <p:cNvSpPr>
-            <a:spLocks noGrp="1"/>
-          </p:cNvSpPr>
-          <p:nvPr>
-            <p:ph type="body" idx="1"/>
-          </p:nvPr>
-        </p:nvSpPr>
-        <p:spPr/>
-        <p:txBody>
-          <a:bodyPr/>
-          <a:lstStyle/>
-          <a:p>
-            <a:pPr marL="0" marR="0" indent="0" algn="l" defTabSz="914400" rtl="0" eaLnBrk="1" fontAlgn="auto" latinLnBrk="0" hangingPunct="1">
-              <a:lnSpc>
-                <a:spcPct val="100000"/>
-              </a:lnSpc>
-              <a:spcBef>
-                <a:spcPts val="0"/>
-              </a:spcBef>
-              <a:spcAft>
-                <a:spcPts val="0"/>
-              </a:spcAft>
-              <a:buClrTx/>
-              <a:buSzTx/>
-              <a:buFontTx/>
-              <a:buNone/>
-              <a:tabLst/>
-              <a:defRPr/>
-            </a:pPr>
-            <a:endParaRPr lang="en-US" dirty="0" smtClean="0"/>
-          </a:p>
-        </p:txBody>
-      </p:sp>
-      <p:sp>
-        <p:nvSpPr>
-          <p:cNvPr id="4" name="Slide Number Placeholder 3"/>
-          <p:cNvSpPr>
-            <a:spLocks noGrp="1"/>
-          </p:cNvSpPr>
-          <p:nvPr>
-            <p:ph type="sldNum" sz="quarter" idx="10"/>
-          </p:nvPr>
-        </p:nvSpPr>
-        <p:spPr/>
-        <p:txBody>
-          <a:bodyPr/>
-          <a:lstStyle/>
-          <a:p>
-            <a:fld id="{058AAC71-9B48-0A43-90A2-3982C5B7C3CD}" type="slidenum">
-              <a:rPr lang="en-US" smtClean="0"/>
-              <a:t>56</a:t>
-            </a:fld>
-            <a:endParaRPr lang="en-US"/>
-          </a:p>
-        </p:txBody>
-      </p:sp>
-    </p:spTree>
-    <p:extLst>
-      <p:ext uri="{BB962C8B-B14F-4D97-AF65-F5344CB8AC3E}">
-        <p14:creationId xmlns:p14="http://schemas.microsoft.com/office/powerpoint/2010/main" val="1463037171"/>
-      </p:ext>
-    </p:extLst>
-  </p:cSld>
-  <p:clrMapOvr>
-    <a:masterClrMapping/>
-  </p:clrMapOvr>
-</p:notes>
-</file>
-
-<file path=ppt/notesSlides/notesSlide57.xml><?xml version="1.0" encoding="utf-8"?>
-<p:notes xmlns:a="http://schemas.openxmlformats.org/drawingml/2006/main" xmlns:r="http://schemas.openxmlformats.org/officeDocument/2006/relationships" xmlns:p="http://schemas.openxmlformats.org/presentationml/2006/main">
-  <p:cSld>
-    <p:spTree>
-      <p:nvGrpSpPr>
-        <p:cNvPr id="1" name=""/>
-        <p:cNvGrpSpPr/>
-        <p:nvPr/>
-      </p:nvGrpSpPr>
-      <p:grpSpPr>
-        <a:xfrm>
-          <a:off x="0" y="0"/>
-          <a:ext cx="0" cy="0"/>
-          <a:chOff x="0" y="0"/>
-          <a:chExt cx="0" cy="0"/>
-        </a:xfrm>
-      </p:grpSpPr>
-      <p:sp>
-        <p:nvSpPr>
-          <p:cNvPr id="2" name="Slide Image Placeholder 1"/>
-          <p:cNvSpPr>
-            <a:spLocks noGrp="1" noRot="1" noChangeAspect="1"/>
-          </p:cNvSpPr>
-          <p:nvPr>
-            <p:ph type="sldImg"/>
-          </p:nvPr>
-        </p:nvSpPr>
-        <p:spPr/>
-      </p:sp>
-      <p:sp>
-        <p:nvSpPr>
-          <p:cNvPr id="3" name="Notes Placeholder 2"/>
-          <p:cNvSpPr>
-            <a:spLocks noGrp="1"/>
-          </p:cNvSpPr>
-          <p:nvPr>
-            <p:ph type="body" idx="1"/>
-          </p:nvPr>
-        </p:nvSpPr>
-        <p:spPr/>
-        <p:txBody>
-          <a:bodyPr/>
-          <a:lstStyle/>
-          <a:p>
-            <a:r>
-              <a:rPr lang="en-US" baseline="0" dirty="0" smtClean="0"/>
-              <a:t>So before I start talking about what we’ve been doing, I just want to acknowledge right away that I know that these artificial category learning experiments don’t feel as creative as the older stuff on drawing aliens. But the core elements are in place </a:t>
-            </a:r>
-            <a:r>
-              <a:rPr lang="mr-IN" baseline="0" dirty="0" smtClean="0"/>
-              <a:t>–</a:t>
-            </a:r>
-            <a:r>
-              <a:rPr lang="en-US" baseline="0" dirty="0" smtClean="0"/>
-              <a:t> the only thing that has changed is that the domain is way smaller and a lot more boring. </a:t>
-            </a:r>
-          </a:p>
-          <a:p>
-            <a:endParaRPr lang="en-US" baseline="0" dirty="0" smtClean="0"/>
-          </a:p>
-          <a:p>
-            <a:r>
-              <a:rPr lang="en-US" baseline="0" dirty="0" smtClean="0"/>
-              <a:t>The advantage, of course, is that you get a lot more control over the experience, and then you can build computational models that we would hope yield useful information about the more naturalistic case.</a:t>
-            </a:r>
-          </a:p>
-          <a:p>
-            <a:endParaRPr lang="en-US" baseline="0" dirty="0" smtClean="0"/>
-          </a:p>
-          <a:p>
-            <a:pPr marL="0" marR="0" indent="0" algn="l" defTabSz="914400" rtl="0" eaLnBrk="1" fontAlgn="auto" latinLnBrk="0" hangingPunct="1">
-              <a:lnSpc>
-                <a:spcPct val="100000"/>
-              </a:lnSpc>
-              <a:spcBef>
-                <a:spcPts val="0"/>
-              </a:spcBef>
-              <a:spcAft>
-                <a:spcPts val="0"/>
-              </a:spcAft>
-              <a:buClrTx/>
-              <a:buSzTx/>
-              <a:buFontTx/>
-              <a:buNone/>
-              <a:tabLst/>
-              <a:defRPr/>
-            </a:pPr>
-            <a:r>
-              <a:rPr lang="en-US" baseline="0" dirty="0" smtClean="0"/>
-              <a:t>Anyway, this artificial categorization paradigm is where my talk is going to live, but I’m going to try to phrase my conclusions so that they apply to the broader world of category generation.</a:t>
-            </a:r>
-          </a:p>
-          <a:p>
-            <a:endParaRPr lang="en-US" baseline="0" dirty="0" smtClean="0"/>
-          </a:p>
-        </p:txBody>
-      </p:sp>
-      <p:sp>
-        <p:nvSpPr>
-          <p:cNvPr id="4" name="Slide Number Placeholder 3"/>
-          <p:cNvSpPr>
-            <a:spLocks noGrp="1"/>
-          </p:cNvSpPr>
-          <p:nvPr>
-            <p:ph type="sldNum" sz="quarter" idx="10"/>
-          </p:nvPr>
-        </p:nvSpPr>
-        <p:spPr/>
-        <p:txBody>
-          <a:bodyPr/>
-          <a:lstStyle/>
-          <a:p>
-            <a:fld id="{2EE8A78D-75C4-E841-B8CC-3B6913D7A8EB}" type="slidenum">
-              <a:rPr lang="en-US" smtClean="0"/>
-              <a:t>57</a:t>
-            </a:fld>
-            <a:endParaRPr lang="en-US"/>
-          </a:p>
-        </p:txBody>
-      </p:sp>
-    </p:spTree>
-    <p:extLst>
-      <p:ext uri="{BB962C8B-B14F-4D97-AF65-F5344CB8AC3E}">
-        <p14:creationId xmlns:p14="http://schemas.microsoft.com/office/powerpoint/2010/main" val="2012690778"/>
-      </p:ext>
-    </p:extLst>
-  </p:cSld>
-  <p:clrMapOvr>
-    <a:masterClrMapping/>
-  </p:clrMapOvr>
-</p:notes>
-</file>
-
-<file path=ppt/notesSlides/notesSlide58.xml><?xml version="1.0" encoding="utf-8"?>
-<p:notes xmlns:a="http://schemas.openxmlformats.org/drawingml/2006/main" xmlns:r="http://schemas.openxmlformats.org/officeDocument/2006/relationships" xmlns:p="http://schemas.openxmlformats.org/presentationml/2006/main">
-  <p:cSld>
-    <p:spTree>
-      <p:nvGrpSpPr>
-        <p:cNvPr id="1" name=""/>
-        <p:cNvGrpSpPr/>
-        <p:nvPr/>
-      </p:nvGrpSpPr>
-      <p:grpSpPr>
-        <a:xfrm>
-          <a:off x="0" y="0"/>
-          <a:ext cx="0" cy="0"/>
-          <a:chOff x="0" y="0"/>
-          <a:chExt cx="0" cy="0"/>
-        </a:xfrm>
-      </p:grpSpPr>
-      <p:sp>
-        <p:nvSpPr>
-          <p:cNvPr id="2" name="Slide Image Placeholder 1"/>
-          <p:cNvSpPr>
-            <a:spLocks noGrp="1" noRot="1" noChangeAspect="1"/>
-          </p:cNvSpPr>
-          <p:nvPr>
-            <p:ph type="sldImg"/>
-          </p:nvPr>
-        </p:nvSpPr>
-        <p:spPr/>
-      </p:sp>
-      <p:sp>
-        <p:nvSpPr>
-          <p:cNvPr id="3" name="Notes Placeholder 2"/>
-          <p:cNvSpPr>
-            <a:spLocks noGrp="1"/>
-          </p:cNvSpPr>
-          <p:nvPr>
-            <p:ph type="body" idx="1"/>
-          </p:nvPr>
-        </p:nvSpPr>
-        <p:spPr/>
-        <p:txBody>
-          <a:bodyPr/>
-          <a:lstStyle/>
-          <a:p>
-            <a:pPr marL="0" marR="0" indent="0" algn="l" defTabSz="914400" rtl="0" eaLnBrk="1" fontAlgn="auto" latinLnBrk="0" hangingPunct="1">
-              <a:lnSpc>
-                <a:spcPct val="100000"/>
-              </a:lnSpc>
-              <a:spcBef>
-                <a:spcPts val="0"/>
-              </a:spcBef>
-              <a:spcAft>
-                <a:spcPts val="0"/>
-              </a:spcAft>
-              <a:buClrTx/>
-              <a:buSzTx/>
-              <a:buFontTx/>
-              <a:buNone/>
-              <a:tabLst/>
-              <a:defRPr/>
-            </a:pPr>
-            <a:endParaRPr lang="en-US" dirty="0" smtClean="0"/>
-          </a:p>
-        </p:txBody>
-      </p:sp>
-      <p:sp>
-        <p:nvSpPr>
-          <p:cNvPr id="4" name="Slide Number Placeholder 3"/>
-          <p:cNvSpPr>
-            <a:spLocks noGrp="1"/>
-          </p:cNvSpPr>
-          <p:nvPr>
-            <p:ph type="sldNum" sz="quarter" idx="10"/>
-          </p:nvPr>
-        </p:nvSpPr>
-        <p:spPr/>
-        <p:txBody>
-          <a:bodyPr/>
-          <a:lstStyle/>
-          <a:p>
-            <a:fld id="{058AAC71-9B48-0A43-90A2-3982C5B7C3CD}" type="slidenum">
-              <a:rPr lang="en-US" smtClean="0"/>
-              <a:t>58</a:t>
-            </a:fld>
-            <a:endParaRPr lang="en-US"/>
-          </a:p>
-        </p:txBody>
-      </p:sp>
-    </p:spTree>
-    <p:extLst>
-      <p:ext uri="{BB962C8B-B14F-4D97-AF65-F5344CB8AC3E}">
         <p14:creationId xmlns:p14="http://schemas.microsoft.com/office/powerpoint/2010/main" val="734063977"/>
       </p:ext>
     </p:extLst>
@@ -7264,8 +7048,22 @@
           <a:p>
             <a:r>
               <a:rPr lang="en-US" baseline="0" dirty="0" smtClean="0"/>
-              <a:t>The typical finding is that prior knowledge is hugely constraining on creative generation. On the slide I have some example alien species from a study conduced by Thomas Ward, and you can see that alien species resemble earth species not only in their structural forms (having things like arms and legs), but also members of alien species tend to be distributed like earth species (in the correlations between features, but also the similarity between examples belonging to the same and different species).</a:t>
-            </a:r>
+              <a:t>The typical finding is that prior knowledge is hugely constraining on creative generation. On the slide I have some example alien species from a study conduced by Thomas Ward, and you can see that alien species </a:t>
+            </a:r>
+            <a:r>
+              <a:rPr lang="en-US" baseline="0" dirty="0" smtClean="0"/>
+              <a:t>have the features of earth species, right, they have arms and legs and ears and so on.</a:t>
+            </a:r>
+          </a:p>
+          <a:p>
+            <a:endParaRPr lang="en-US" baseline="0" dirty="0" smtClean="0"/>
+          </a:p>
+          <a:p>
+            <a:r>
+              <a:rPr lang="en-US" baseline="0" dirty="0" smtClean="0"/>
+              <a:t>But even more interestingly is that they tend to have the same distributional properties as earth species. For example, the same feature correlations are followed, so the presence of ears predicts the presence of a nose. And also members of the same species tend to be more similar to one another than they are to members of opposite species.</a:t>
+            </a:r>
+            <a:endParaRPr lang="en-US" baseline="0" dirty="0" smtClean="0"/>
           </a:p>
           <a:p>
             <a:endParaRPr lang="en-US" baseline="0" dirty="0" smtClean="0"/>
@@ -7544,15 +7342,7 @@
             </a:r>
             <a:r>
               <a:rPr lang="en-US" baseline="0" dirty="0" smtClean="0"/>
-              <a:t> real accounts explaining these observations, mostly because the work was really exploratory. The most commonly cited idea to explain the resemblance between alien and earth species was that people “copy-and-tweak” some real example to make something new. But really, there was never any formalization of </a:t>
-            </a:r>
-            <a:r>
-              <a:rPr lang="en-US" baseline="0" dirty="0" err="1" smtClean="0"/>
-              <a:t>theidea</a:t>
-            </a:r>
-            <a:r>
-              <a:rPr lang="en-US" baseline="0" dirty="0" smtClean="0"/>
-              <a:t> during that era</a:t>
+              <a:t> real accounts explaining these observations, mostly because the work was really exploratory. The most commonly cited idea is what we now call the “copy and tweak account”, which is an exemplar-based proposal that people “copy-and-tweak” some real example to make something new. But that model wasn’t formally instantiated until quite recently.</a:t>
             </a:r>
           </a:p>
         </p:txBody>
@@ -7643,7 +7433,17 @@
             </a:r>
             <a:r>
               <a:rPr lang="en-US" baseline="0" dirty="0" smtClean="0"/>
-              <a:t> is typically the case when you want to develop a formal model of complex behavior, the approach taken to model category generation has been to simplify the domain. Alan </a:t>
+              <a:t> is typically the case when you want to develop a formal model of complex behavior, the approach taken to model category generation has been to simplify the domain. </a:t>
+            </a:r>
+            <a:endParaRPr lang="en-US" baseline="0" dirty="0" smtClean="0"/>
+          </a:p>
+          <a:p>
+            <a:endParaRPr lang="en-US" baseline="0" dirty="0" smtClean="0"/>
+          </a:p>
+          <a:p>
+            <a:r>
+              <a:rPr lang="en-US" baseline="0" dirty="0" smtClean="0"/>
+              <a:t>Alan </a:t>
             </a:r>
             <a:r>
               <a:rPr lang="en-US" baseline="0" dirty="0" err="1" smtClean="0"/>
@@ -7651,7 +7451,15 @@
             </a:r>
             <a:r>
               <a:rPr lang="en-US" baseline="0" dirty="0" smtClean="0"/>
-              <a:t> &amp; Charles Kemp were the first to report anything like this. They developed a artificial, three-dimensional domain of what they called “crystals”, varying in size, hue, and saturation. Each on these items at the bottom of the slide is one crystal, which can be conceptualized as a point in the three dimensional domain space.</a:t>
+              <a:t> &amp; Charles Kemp were the first to report anything like this. They developed a artificial, three-dimensional domain of what they called “crystals”, varying in size, hue, and </a:t>
+            </a:r>
+            <a:r>
+              <a:rPr lang="en-US" baseline="0" dirty="0" smtClean="0"/>
+              <a:t>saturation, so you can visualize the domain as a cube. </a:t>
+            </a:r>
+            <a:r>
+              <a:rPr lang="en-US" baseline="0" dirty="0" smtClean="0"/>
+              <a:t>Each on these items at the bottom of the slide is one crystal, which can be conceptualized as a point in the three dimensional domain space.</a:t>
             </a:r>
           </a:p>
           <a:p>
@@ -7832,7 +7640,7 @@
           <a:p>
             <a:fld id="{3FB76B9B-0F6A-7D4E-99AB-769CFDC92DBC}" type="datetimeFigureOut">
               <a:rPr lang="en-US" smtClean="0"/>
-              <a:t>2/28/17</a:t>
+              <a:t>3/2/17</a:t>
             </a:fld>
             <a:endParaRPr lang="en-US"/>
           </a:p>
@@ -8002,7 +7810,7 @@
           <a:p>
             <a:fld id="{3FB76B9B-0F6A-7D4E-99AB-769CFDC92DBC}" type="datetimeFigureOut">
               <a:rPr lang="en-US" smtClean="0"/>
-              <a:t>2/28/17</a:t>
+              <a:t>3/2/17</a:t>
             </a:fld>
             <a:endParaRPr lang="en-US"/>
           </a:p>
@@ -8182,7 +7990,7 @@
           <a:p>
             <a:fld id="{3FB76B9B-0F6A-7D4E-99AB-769CFDC92DBC}" type="datetimeFigureOut">
               <a:rPr lang="en-US" smtClean="0"/>
-              <a:t>2/28/17</a:t>
+              <a:t>3/2/17</a:t>
             </a:fld>
             <a:endParaRPr lang="en-US"/>
           </a:p>
@@ -8352,7 +8160,7 @@
           <a:p>
             <a:fld id="{3FB76B9B-0F6A-7D4E-99AB-769CFDC92DBC}" type="datetimeFigureOut">
               <a:rPr lang="en-US" smtClean="0"/>
-              <a:t>2/28/17</a:t>
+              <a:t>3/2/17</a:t>
             </a:fld>
             <a:endParaRPr lang="en-US"/>
           </a:p>
@@ -8596,7 +8404,7 @@
           <a:p>
             <a:fld id="{3FB76B9B-0F6A-7D4E-99AB-769CFDC92DBC}" type="datetimeFigureOut">
               <a:rPr lang="en-US" smtClean="0"/>
-              <a:t>2/28/17</a:t>
+              <a:t>3/2/17</a:t>
             </a:fld>
             <a:endParaRPr lang="en-US"/>
           </a:p>
@@ -8828,7 +8636,7 @@
           <a:p>
             <a:fld id="{3FB76B9B-0F6A-7D4E-99AB-769CFDC92DBC}" type="datetimeFigureOut">
               <a:rPr lang="en-US" smtClean="0"/>
-              <a:t>2/28/17</a:t>
+              <a:t>3/2/17</a:t>
             </a:fld>
             <a:endParaRPr lang="en-US"/>
           </a:p>
@@ -9195,7 +9003,7 @@
           <a:p>
             <a:fld id="{3FB76B9B-0F6A-7D4E-99AB-769CFDC92DBC}" type="datetimeFigureOut">
               <a:rPr lang="en-US" smtClean="0"/>
-              <a:t>2/28/17</a:t>
+              <a:t>3/2/17</a:t>
             </a:fld>
             <a:endParaRPr lang="en-US"/>
           </a:p>
@@ -9313,7 +9121,7 @@
           <a:p>
             <a:fld id="{3FB76B9B-0F6A-7D4E-99AB-769CFDC92DBC}" type="datetimeFigureOut">
               <a:rPr lang="en-US" smtClean="0"/>
-              <a:t>2/28/17</a:t>
+              <a:t>3/2/17</a:t>
             </a:fld>
             <a:endParaRPr lang="en-US"/>
           </a:p>
@@ -9408,7 +9216,7 @@
           <a:p>
             <a:fld id="{3FB76B9B-0F6A-7D4E-99AB-769CFDC92DBC}" type="datetimeFigureOut">
               <a:rPr lang="en-US" smtClean="0"/>
-              <a:t>2/28/17</a:t>
+              <a:t>3/2/17</a:t>
             </a:fld>
             <a:endParaRPr lang="en-US"/>
           </a:p>
@@ -9685,7 +9493,7 @@
           <a:p>
             <a:fld id="{3FB76B9B-0F6A-7D4E-99AB-769CFDC92DBC}" type="datetimeFigureOut">
               <a:rPr lang="en-US" smtClean="0"/>
-              <a:t>2/28/17</a:t>
+              <a:t>3/2/17</a:t>
             </a:fld>
             <a:endParaRPr lang="en-US"/>
           </a:p>
@@ -9942,7 +9750,7 @@
           <a:p>
             <a:fld id="{3FB76B9B-0F6A-7D4E-99AB-769CFDC92DBC}" type="datetimeFigureOut">
               <a:rPr lang="en-US" smtClean="0"/>
-              <a:t>2/28/17</a:t>
+              <a:t>3/2/17</a:t>
             </a:fld>
             <a:endParaRPr lang="en-US"/>
           </a:p>
@@ -10155,7 +9963,7 @@
           <a:p>
             <a:fld id="{3FB76B9B-0F6A-7D4E-99AB-769CFDC92DBC}" type="datetimeFigureOut">
               <a:rPr lang="en-US" smtClean="0"/>
-              <a:t>2/28/17</a:t>
+              <a:t>3/2/17</a:t>
             </a:fld>
             <a:endParaRPr lang="en-US"/>
           </a:p>
@@ -12663,7 +12471,7 @@
         </p:nvSpPr>
         <p:spPr>
           <a:xfrm>
-            <a:off x="515791" y="5334277"/>
+            <a:off x="537057" y="5334277"/>
             <a:ext cx="145925" cy="145925"/>
           </a:xfrm>
           <a:prstGeom prst="ellipse">
@@ -12711,7 +12519,7 @@
         </p:nvSpPr>
         <p:spPr>
           <a:xfrm>
-            <a:off x="949721" y="5095673"/>
+            <a:off x="981620" y="5095673"/>
             <a:ext cx="145925" cy="145925"/>
           </a:xfrm>
           <a:prstGeom prst="ellipse">
@@ -12759,7 +12567,7 @@
         </p:nvSpPr>
         <p:spPr>
           <a:xfrm>
-            <a:off x="1407151" y="5016898"/>
+            <a:off x="1449683" y="5016898"/>
             <a:ext cx="145925" cy="145925"/>
           </a:xfrm>
           <a:prstGeom prst="ellipse">
@@ -12807,7 +12615,7 @@
         </p:nvSpPr>
         <p:spPr>
           <a:xfrm>
-            <a:off x="1842981" y="4673353"/>
+            <a:off x="1864247" y="4673353"/>
             <a:ext cx="145925" cy="145925"/>
           </a:xfrm>
           <a:prstGeom prst="ellipse">
@@ -12933,10 +12741,10 @@
         </p:nvGrpSpPr>
         <p:grpSpPr>
           <a:xfrm>
-            <a:off x="400185" y="3264654"/>
-            <a:ext cx="8275412" cy="2999074"/>
-            <a:chOff x="400185" y="3264654"/>
-            <a:chExt cx="8275412" cy="2999074"/>
+            <a:off x="400185" y="2976803"/>
+            <a:ext cx="8275412" cy="3286925"/>
+            <a:chOff x="400185" y="2976803"/>
+            <a:chExt cx="8275412" cy="3286925"/>
           </a:xfrm>
         </p:grpSpPr>
         <p:grpSp>
@@ -12947,10 +12755,10 @@
           </p:nvGrpSpPr>
           <p:grpSpPr>
             <a:xfrm>
-              <a:off x="1804336" y="3338313"/>
-              <a:ext cx="6871261" cy="2872317"/>
-              <a:chOff x="1804336" y="3338313"/>
-              <a:chExt cx="6871261" cy="2872317"/>
+              <a:off x="1804336" y="2976803"/>
+              <a:ext cx="6871261" cy="3233827"/>
+              <a:chOff x="1804336" y="2976803"/>
+              <a:chExt cx="6871261" cy="3233827"/>
             </a:xfrm>
           </p:grpSpPr>
           <p:grpSp>
@@ -12961,10 +12769,10 @@
             </p:nvGrpSpPr>
             <p:grpSpPr>
               <a:xfrm>
-                <a:off x="3966202" y="3338313"/>
-                <a:ext cx="4709395" cy="2872317"/>
-                <a:chOff x="747375" y="3813149"/>
-                <a:chExt cx="4709395" cy="2872317"/>
+                <a:off x="3966202" y="2976803"/>
+                <a:ext cx="4709395" cy="3233827"/>
+                <a:chOff x="747375" y="3451639"/>
+                <a:chExt cx="4709395" cy="3233827"/>
               </a:xfrm>
             </p:grpSpPr>
             <p:pic>
@@ -13035,8 +12843,8 @@
               </p:nvSpPr>
               <p:spPr>
                 <a:xfrm>
-                  <a:off x="747375" y="3813149"/>
-                  <a:ext cx="2135800" cy="584775"/>
+                  <a:off x="747375" y="3451639"/>
+                  <a:ext cx="2135800" cy="923330"/>
                 </a:xfrm>
                 <a:prstGeom prst="rect">
                   <a:avLst/>
@@ -13050,7 +12858,7 @@
                 <a:lstStyle/>
                 <a:p>
                   <a:r>
-                    <a:rPr lang="en-US" sz="1600" dirty="0" smtClean="0"/>
+                    <a:rPr lang="en-US" dirty="0" smtClean="0"/>
                     <a:t>Positive Size-Saturation correlation</a:t>
                   </a:r>
                 </a:p>
@@ -13064,8 +12872,8 @@
               </p:nvSpPr>
               <p:spPr>
                 <a:xfrm>
-                  <a:off x="3185239" y="3813149"/>
-                  <a:ext cx="2196030" cy="584775"/>
+                  <a:off x="3185239" y="3451639"/>
+                  <a:ext cx="2196030" cy="923330"/>
                 </a:xfrm>
                 <a:prstGeom prst="rect">
                   <a:avLst/>
@@ -13079,7 +12887,7 @@
                 <a:lstStyle/>
                 <a:p>
                   <a:r>
-                    <a:rPr lang="en-US" sz="1600" dirty="0" smtClean="0"/>
+                    <a:rPr lang="en-US" dirty="0" smtClean="0"/>
                     <a:t>Negative Size-Saturation correlation</a:t>
                   </a:r>
                 </a:p>
@@ -14484,11 +14292,7 @@
           <a:p>
             <a:r>
               <a:rPr lang="en-US" sz="2400" dirty="0" smtClean="0"/>
-              <a:t>Goals</a:t>
-            </a:r>
-            <a:r>
-              <a:rPr lang="en-US" sz="2400" dirty="0" smtClean="0"/>
-              <a:t>: </a:t>
+              <a:t>Goals: </a:t>
             </a:r>
           </a:p>
           <a:p>
@@ -14531,7 +14335,6 @@
               <a:rPr lang="en-US" sz="2400" dirty="0" smtClean="0"/>
               <a:t>General Approach</a:t>
             </a:r>
-            <a:endParaRPr lang="en-US" sz="2400" dirty="0" smtClean="0"/>
           </a:p>
           <a:p>
             <a:pPr marL="342900" indent="-342900">
@@ -14540,7 +14343,15 @@
             </a:pPr>
             <a:r>
               <a:rPr lang="en-US" sz="2000" dirty="0" smtClean="0"/>
-              <a:t>Teach participants about an experimenter defined “Alpha” category.</a:t>
+              <a:t>Teach participants about an experimenter defined “</a:t>
+            </a:r>
+            <a:r>
+              <a:rPr lang="en-US" sz="2000" b="1" dirty="0" smtClean="0"/>
+              <a:t>Alpha</a:t>
+            </a:r>
+            <a:r>
+              <a:rPr lang="en-US" sz="2000" dirty="0" smtClean="0"/>
+              <a:t>” category.</a:t>
             </a:r>
           </a:p>
           <a:p>
@@ -14550,7 +14361,15 @@
             </a:pPr>
             <a:r>
               <a:rPr lang="en-US" sz="2000" dirty="0" smtClean="0"/>
-              <a:t>Ask participants to generate a new “Beta” category.</a:t>
+              <a:t>Ask participants to generate a new “</a:t>
+            </a:r>
+            <a:r>
+              <a:rPr lang="en-US" sz="2000" b="1" dirty="0" smtClean="0"/>
+              <a:t>Beta</a:t>
+            </a:r>
+            <a:r>
+              <a:rPr lang="en-US" sz="2000" dirty="0" smtClean="0"/>
+              <a:t>” category.</a:t>
             </a:r>
             <a:endParaRPr lang="en-US" dirty="0"/>
           </a:p>
@@ -15950,7 +15769,6 @@
               <a:rPr lang="en-US" sz="2000" dirty="0" smtClean="0"/>
               <a:t>time. </a:t>
             </a:r>
-            <a:endParaRPr lang="en-US" sz="2000" dirty="0" smtClean="0"/>
           </a:p>
           <a:p>
             <a:pPr marL="285750" indent="-285750">
@@ -15959,17 +15777,8 @@
             </a:pPr>
             <a:r>
               <a:rPr lang="en-US" sz="2000" dirty="0" smtClean="0"/>
-              <a:t>Three </a:t>
-            </a:r>
-            <a:r>
-              <a:rPr lang="en-US" sz="2000" dirty="0" smtClean="0"/>
-              <a:t>random blocks = 12 trials</a:t>
-            </a:r>
-            <a:r>
-              <a:rPr lang="en-US" sz="2000" dirty="0" smtClean="0"/>
-              <a:t>.</a:t>
-            </a:r>
-            <a:endParaRPr lang="en-US" sz="2000" dirty="0" smtClean="0"/>
+              <a:t>Three random blocks = 12 trials.</a:t>
+            </a:r>
           </a:p>
         </p:txBody>
       </p:sp>
@@ -17329,7 +17138,15 @@
             </a:pPr>
             <a:r>
               <a:rPr lang="en-US" sz="2000" dirty="0"/>
-              <a:t>Participants generated four members of the “Beta” class</a:t>
+              <a:t>Participants generated </a:t>
+            </a:r>
+            <a:r>
+              <a:rPr lang="en-US" sz="2000" b="1" dirty="0"/>
+              <a:t>four</a:t>
+            </a:r>
+            <a:r>
+              <a:rPr lang="en-US" sz="2000" dirty="0"/>
+              <a:t> members of the “Beta” class</a:t>
             </a:r>
           </a:p>
           <a:p>
@@ -18805,7 +18622,7 @@
         <p:spPr>
           <a:xfrm>
             <a:off x="427862" y="696020"/>
-            <a:ext cx="7652665" cy="2277547"/>
+            <a:ext cx="7780473" cy="2277547"/>
           </a:xfrm>
           <a:prstGeom prst="rect">
             <a:avLst/>
@@ -18849,7 +18666,23 @@
             </a:pPr>
             <a:r>
               <a:rPr lang="en-US" sz="2200" dirty="0" smtClean="0"/>
-              <a:t>Conditions visualized as points in 2D Space, participants never see this representation (they only see the physical stimuli)</a:t>
+              <a:t>Conditions visualized as points in 2D </a:t>
+            </a:r>
+            <a:r>
+              <a:rPr lang="en-US" sz="2200" dirty="0" smtClean="0"/>
+              <a:t>Space</a:t>
+            </a:r>
+            <a:r>
+              <a:rPr lang="en-US" sz="2200" b="1" dirty="0" smtClean="0"/>
+              <a:t>, participants never see this representation</a:t>
+            </a:r>
+            <a:r>
+              <a:rPr lang="en-US" sz="2200" dirty="0" smtClean="0"/>
+              <a:t> </a:t>
+            </a:r>
+            <a:r>
+              <a:rPr lang="en-US" sz="2200" dirty="0" smtClean="0"/>
+              <a:t>(they only see the physical stimuli)</a:t>
             </a:r>
           </a:p>
           <a:p>
@@ -23944,15 +23777,7 @@
                   <a:schemeClr val="tx1"/>
                 </a:solidFill>
               </a:rPr>
-              <a:t>Not quite a</a:t>
-            </a:r>
-            <a:r>
-              <a:rPr lang="en-US" sz="2400" b="1" dirty="0" smtClean="0">
-                <a:solidFill>
-                  <a:schemeClr val="tx1"/>
-                </a:solidFill>
-              </a:rPr>
-              <a:t>s predicted</a:t>
+              <a:t>Not quite as predicted</a:t>
             </a:r>
             <a:r>
               <a:rPr lang="mr-IN" sz="2400" b="1" dirty="0" smtClean="0">
@@ -23970,11 +23795,6 @@
               </a:rPr>
               <a:t> </a:t>
             </a:r>
-            <a:endParaRPr lang="en-US" sz="2400" b="1" dirty="0" smtClean="0">
-              <a:solidFill>
-                <a:schemeClr val="tx1"/>
-              </a:solidFill>
-            </a:endParaRPr>
           </a:p>
           <a:p>
             <a:pPr marL="2863850"/>
@@ -23984,15 +23804,7 @@
                   <a:schemeClr val="tx1"/>
                 </a:solidFill>
               </a:rPr>
-              <a:t>XOR </a:t>
-            </a:r>
-            <a:r>
-              <a:rPr lang="en-US" sz="2000" dirty="0" smtClean="0">
-                <a:solidFill>
-                  <a:schemeClr val="tx1"/>
-                </a:solidFill>
-              </a:rPr>
-              <a:t>has correlations opposite that of </a:t>
+              <a:t>XOR has correlations opposite that of </a:t>
             </a:r>
             <a:r>
               <a:rPr lang="en-US" sz="2000" smtClean="0">
@@ -25609,11 +25421,7 @@
             </a:r>
             <a:r>
               <a:rPr lang="en-US" sz="2000" dirty="0" smtClean="0"/>
-              <a:t>space. Inspired by classification lit (Hidaka </a:t>
-            </a:r>
-            <a:r>
-              <a:rPr lang="en-US" sz="2000" dirty="0" smtClean="0"/>
-              <a:t>&amp; Smith, 2011).</a:t>
+              <a:t>space. Inspired by classification lit (Hidaka &amp; Smith, 2011).</a:t>
             </a:r>
           </a:p>
           <a:p>
@@ -32948,11 +32756,7 @@
           <a:p>
             <a:r>
               <a:rPr lang="en-US" dirty="0" smtClean="0"/>
-              <a:t>Can </a:t>
-            </a:r>
-            <a:r>
-              <a:rPr lang="en-US" dirty="0" smtClean="0"/>
-              <a:t>variation be explained by the category’s </a:t>
+              <a:t>Can variation be explained by the category’s </a:t>
             </a:r>
             <a:r>
               <a:rPr lang="en-US" b="1" dirty="0" smtClean="0"/>
@@ -34819,8 +34623,8 @@
             </a:p>
           </p:txBody>
         </p:sp>
-        <mc:AlternateContent xmlns:mc="http://schemas.openxmlformats.org/markup-compatibility/2006">
-          <mc:Choice xmlns:a14="http://schemas.microsoft.com/office/drawing/2010/main" Requires="a14">
+        <mc:AlternateContent xmlns:mc="http://schemas.openxmlformats.org/markup-compatibility/2006" xmlns:a14="http://schemas.microsoft.com/office/drawing/2010/main">
+          <mc:Choice Requires="a14">
             <p:sp>
               <p:nvSpPr>
                 <p:cNvPr id="11" name="TextBox 10"/>
@@ -34843,6 +34647,7 @@
                 </a:bodyPr>
                 <a:lstStyle/>
                 <a:p>
+                  <a:pPr/>
                   <a14:m>
                     <m:oMathPara xmlns:m="http://schemas.openxmlformats.org/officeDocument/2006/math">
                       <m:oMathParaPr>
@@ -35115,7 +34920,7 @@
               </p:txBody>
             </p:sp>
           </mc:Choice>
-          <mc:Fallback>
+          <mc:Fallback xmlns="">
             <p:sp>
               <p:nvSpPr>
                 <p:cNvPr id="11" name="TextBox 10"/>
@@ -35211,8 +35016,8 @@
             </a:p>
           </p:txBody>
         </p:sp>
-        <mc:AlternateContent xmlns:mc="http://schemas.openxmlformats.org/markup-compatibility/2006">
-          <mc:Choice xmlns:a14="http://schemas.microsoft.com/office/drawing/2010/main" Requires="a14">
+        <mc:AlternateContent xmlns:mc="http://schemas.openxmlformats.org/markup-compatibility/2006" xmlns:a14="http://schemas.microsoft.com/office/drawing/2010/main">
+          <mc:Choice Requires="a14">
             <p:sp>
               <p:nvSpPr>
                 <p:cNvPr id="15" name="TextBox 14"/>
@@ -35399,7 +35204,7 @@
               </p:txBody>
             </p:sp>
           </mc:Choice>
-          <mc:Fallback>
+          <mc:Fallback xmlns="">
             <p:sp>
               <p:nvSpPr>
                 <p:cNvPr id="15" name="TextBox 14"/>
@@ -35438,8 +35243,8 @@
             </p:sp>
           </mc:Fallback>
         </mc:AlternateContent>
-        <mc:AlternateContent xmlns:mc="http://schemas.openxmlformats.org/markup-compatibility/2006">
-          <mc:Choice xmlns:a14="http://schemas.microsoft.com/office/drawing/2010/main" Requires="a14">
+        <mc:AlternateContent xmlns:mc="http://schemas.openxmlformats.org/markup-compatibility/2006" xmlns:a14="http://schemas.microsoft.com/office/drawing/2010/main">
+          <mc:Choice Requires="a14">
             <p:sp>
               <p:nvSpPr>
                 <p:cNvPr id="16" name="TextBox 15"/>
@@ -35462,6 +35267,7 @@
                 </a:bodyPr>
                 <a:lstStyle/>
                 <a:p>
+                  <a:pPr/>
                   <a14:m>
                     <m:oMathPara xmlns:m="http://schemas.openxmlformats.org/officeDocument/2006/math">
                       <m:oMathParaPr>
@@ -35732,7 +35538,7 @@
               </p:txBody>
             </p:sp>
           </mc:Choice>
-          <mc:Fallback>
+          <mc:Fallback xmlns="">
             <p:sp>
               <p:nvSpPr>
                 <p:cNvPr id="16" name="TextBox 15"/>
@@ -35816,8 +35622,8 @@
             </a:prstGeom>
           </p:spPr>
         </p:pic>
-        <mc:AlternateContent xmlns:mc="http://schemas.openxmlformats.org/markup-compatibility/2006">
-          <mc:Choice xmlns:a14="http://schemas.microsoft.com/office/drawing/2010/main" Requires="a14">
+        <mc:AlternateContent xmlns:mc="http://schemas.openxmlformats.org/markup-compatibility/2006" xmlns:a14="http://schemas.microsoft.com/office/drawing/2010/main">
+          <mc:Choice Requires="a14">
             <p:sp>
               <p:nvSpPr>
                 <p:cNvPr id="19" name="TextBox 18"/>
@@ -35840,6 +35646,7 @@
                 </a:bodyPr>
                 <a:lstStyle/>
                 <a:p>
+                  <a:pPr/>
                   <a14:m>
                     <m:oMathPara xmlns:m="http://schemas.openxmlformats.org/officeDocument/2006/math">
                       <m:oMathParaPr>
@@ -35886,7 +35693,7 @@
               </p:txBody>
             </p:sp>
           </mc:Choice>
-          <mc:Fallback>
+          <mc:Fallback xmlns="">
             <p:sp>
               <p:nvSpPr>
                 <p:cNvPr id="19" name="TextBox 18"/>
@@ -35925,8 +35732,8 @@
             </p:sp>
           </mc:Fallback>
         </mc:AlternateContent>
-        <mc:AlternateContent xmlns:mc="http://schemas.openxmlformats.org/markup-compatibility/2006">
-          <mc:Choice xmlns:a14="http://schemas.microsoft.com/office/drawing/2010/main" Requires="a14">
+        <mc:AlternateContent xmlns:mc="http://schemas.openxmlformats.org/markup-compatibility/2006" xmlns:a14="http://schemas.microsoft.com/office/drawing/2010/main">
+          <mc:Choice Requires="a14">
             <p:sp>
               <p:nvSpPr>
                 <p:cNvPr id="20" name="TextBox 19"/>
@@ -35949,6 +35756,7 @@
                 </a:bodyPr>
                 <a:lstStyle/>
                 <a:p>
+                  <a:pPr/>
                   <a14:m>
                     <m:oMathPara xmlns:m="http://schemas.openxmlformats.org/officeDocument/2006/math">
                       <m:oMathParaPr>
@@ -35995,7 +35803,7 @@
               </p:txBody>
             </p:sp>
           </mc:Choice>
-          <mc:Fallback>
+          <mc:Fallback xmlns="">
             <p:sp>
               <p:nvSpPr>
                 <p:cNvPr id="20" name="TextBox 19"/>
@@ -36034,8 +35842,8 @@
             </p:sp>
           </mc:Fallback>
         </mc:AlternateContent>
-        <mc:AlternateContent xmlns:mc="http://schemas.openxmlformats.org/markup-compatibility/2006">
-          <mc:Choice xmlns:a14="http://schemas.microsoft.com/office/drawing/2010/main" Requires="a14">
+        <mc:AlternateContent xmlns:mc="http://schemas.openxmlformats.org/markup-compatibility/2006" xmlns:a14="http://schemas.microsoft.com/office/drawing/2010/main">
+          <mc:Choice Requires="a14">
             <p:sp>
               <p:nvSpPr>
                 <p:cNvPr id="21" name="TextBox 20"/>
@@ -36058,6 +35866,7 @@
                 </a:bodyPr>
                 <a:lstStyle/>
                 <a:p>
+                  <a:pPr/>
                   <a14:m>
                     <m:oMathPara xmlns:m="http://schemas.openxmlformats.org/officeDocument/2006/math">
                       <m:oMathParaPr>
@@ -36104,7 +35913,7 @@
               </p:txBody>
             </p:sp>
           </mc:Choice>
-          <mc:Fallback>
+          <mc:Fallback xmlns="">
             <p:sp>
               <p:nvSpPr>
                 <p:cNvPr id="21" name="TextBox 20"/>
@@ -36269,17 +36078,8 @@
             </a:pPr>
             <a:r>
               <a:rPr lang="en-US" sz="2000" dirty="0" smtClean="0"/>
-              <a:t>Parameters fitted (4 per model), maximized </a:t>
-            </a:r>
-            <a:r>
-              <a:rPr lang="en-US" sz="2000" dirty="0" smtClean="0"/>
-              <a:t>log-likelihood to </a:t>
-            </a:r>
-            <a:r>
-              <a:rPr lang="en-US" sz="2000" dirty="0" smtClean="0"/>
-              <a:t>all responses.</a:t>
-            </a:r>
-            <a:endParaRPr lang="en-US" sz="2000" dirty="0" smtClean="0"/>
+              <a:t>Parameters fitted (4 per model), maximized log-likelihood to all responses.</a:t>
+            </a:r>
           </a:p>
           <a:p>
             <a:pPr marL="285750" indent="-285750">
@@ -36571,7 +36371,7 @@
             </a:pPr>
             <a:r>
               <a:rPr lang="en-US" sz="2000" dirty="0" smtClean="0"/>
-              <a:t>Links exemplar classification learning to category generation.</a:t>
+              <a:t>Links the exemplar view to category generation.</a:t>
             </a:r>
           </a:p>
           <a:p>
@@ -36793,11 +36593,7 @@
             </a:r>
             <a:r>
               <a:rPr lang="en-US" sz="2000" dirty="0" smtClean="0"/>
-              <a:t> prior knowledge</a:t>
-            </a:r>
-            <a:r>
-              <a:rPr lang="en-US" sz="2000" dirty="0" smtClean="0"/>
-              <a:t>.</a:t>
+              <a:t> prior knowledge.</a:t>
             </a:r>
           </a:p>
           <a:p>
@@ -36966,61 +36762,62 @@
         </p:nvSpPr>
         <p:spPr>
           <a:xfrm>
-            <a:off x="3131287" y="2494400"/>
-            <a:ext cx="4572000" cy="1938992"/>
+            <a:off x="5938282" y="4384710"/>
+            <a:ext cx="2801681" cy="2246769"/>
           </a:xfrm>
           <a:prstGeom prst="rect">
             <a:avLst/>
           </a:prstGeom>
         </p:spPr>
         <p:txBody>
-          <a:bodyPr>
+          <a:bodyPr wrap="square">
             <a:spAutoFit/>
           </a:bodyPr>
           <a:lstStyle/>
           <a:p>
-            <a:r>
-              <a:rPr lang="en-US" sz="2400" b="1" dirty="0"/>
+            <a:pPr algn="r"/>
+            <a:r>
+              <a:rPr lang="en-US" sz="2800" b="1" dirty="0"/>
               <a:t>Special thanks to </a:t>
             </a:r>
           </a:p>
           <a:p>
-            <a:r>
-              <a:rPr lang="en-US" sz="2400" dirty="0"/>
+            <a:pPr algn="r"/>
+            <a:r>
+              <a:rPr lang="en-US" sz="2800" dirty="0"/>
               <a:t>Ken Kurtz</a:t>
             </a:r>
           </a:p>
           <a:p>
-            <a:r>
-              <a:rPr lang="en-US" sz="2400" dirty="0"/>
+            <a:pPr algn="r"/>
+            <a:r>
+              <a:rPr lang="en-US" sz="2800" dirty="0"/>
               <a:t>Alan </a:t>
             </a:r>
             <a:r>
-              <a:rPr lang="en-US" sz="2400" dirty="0" err="1" smtClean="0"/>
+              <a:rPr lang="en-US" sz="2800" dirty="0" err="1" smtClean="0"/>
               <a:t>Jern</a:t>
             </a:r>
-            <a:endParaRPr lang="en-US" sz="2400" dirty="0" smtClean="0"/>
-          </a:p>
-          <a:p>
-            <a:r>
-              <a:rPr lang="en-US" sz="2400" dirty="0" smtClean="0"/>
-              <a:t>Charles </a:t>
-            </a:r>
-            <a:r>
-              <a:rPr lang="en-US" sz="2400" dirty="0" smtClean="0"/>
-              <a:t>Kemp</a:t>
-            </a:r>
-          </a:p>
-          <a:p>
-            <a:r>
-              <a:rPr lang="en-US" sz="2400" dirty="0" smtClean="0"/>
+            <a:endParaRPr lang="en-US" sz="2800" dirty="0" smtClean="0"/>
+          </a:p>
+          <a:p>
+            <a:pPr algn="r"/>
+            <a:r>
+              <a:rPr lang="en-US" sz="2800" dirty="0" smtClean="0"/>
+              <a:t>Charles Kemp</a:t>
+            </a:r>
+          </a:p>
+          <a:p>
+            <a:pPr algn="r"/>
+            <a:r>
+              <a:rPr lang="en-US" sz="2800" dirty="0" smtClean="0"/>
               <a:t>Jeff </a:t>
             </a:r>
             <a:r>
-              <a:rPr lang="en-US" sz="2400" dirty="0" err="1" smtClean="0"/>
+              <a:rPr lang="en-US" sz="2800" dirty="0" err="1" smtClean="0"/>
               <a:t>Zemla</a:t>
             </a:r>
-            <a:endParaRPr lang="en-US" sz="2400" dirty="0"/>
+            <a:endParaRPr lang="en-US" sz="2800" dirty="0"/>
           </a:p>
         </p:txBody>
       </p:sp>
@@ -37150,1441 +36947,6 @@
 </file>
 
 <file path=ppt/slides/slide55.xml><?xml version="1.0" encoding="utf-8"?>
-<p:sld xmlns:a="http://schemas.openxmlformats.org/drawingml/2006/main" xmlns:r="http://schemas.openxmlformats.org/officeDocument/2006/relationships" xmlns:p="http://schemas.openxmlformats.org/presentationml/2006/main">
-  <p:cSld>
-    <p:spTree>
-      <p:nvGrpSpPr>
-        <p:cNvPr id="1" name=""/>
-        <p:cNvGrpSpPr/>
-        <p:nvPr/>
-      </p:nvGrpSpPr>
-      <p:grpSpPr>
-        <a:xfrm>
-          <a:off x="0" y="0"/>
-          <a:ext cx="0" cy="0"/>
-          <a:chOff x="0" y="0"/>
-          <a:chExt cx="0" cy="0"/>
-        </a:xfrm>
-      </p:grpSpPr>
-      <p:sp>
-        <p:nvSpPr>
-          <p:cNvPr id="72" name="TextBox 71"/>
-          <p:cNvSpPr txBox="1"/>
-          <p:nvPr/>
-        </p:nvSpPr>
-        <p:spPr>
-          <a:xfrm>
-            <a:off x="118289" y="0"/>
-            <a:ext cx="8907422" cy="646331"/>
-          </a:xfrm>
-          <a:prstGeom prst="rect">
-            <a:avLst/>
-          </a:prstGeom>
-          <a:noFill/>
-        </p:spPr>
-        <p:txBody>
-          <a:bodyPr wrap="square" rtlCol="0">
-            <a:spAutoFit/>
-          </a:bodyPr>
-          <a:lstStyle/>
-          <a:p>
-            <a:r>
-              <a:rPr lang="en-US" sz="3600" smtClean="0"/>
-              <a:t>Training Instructions</a:t>
-            </a:r>
-            <a:endParaRPr lang="en-US" sz="3600" dirty="0"/>
-          </a:p>
-        </p:txBody>
-      </p:sp>
-      <p:pic>
-        <p:nvPicPr>
-          <p:cNvPr id="3" name="Picture 2"/>
-          <p:cNvPicPr>
-            <a:picLocks noChangeAspect="1"/>
-          </p:cNvPicPr>
-          <p:nvPr/>
-        </p:nvPicPr>
-        <p:blipFill>
-          <a:blip r:embed="rId3">
-            <a:extLst>
-              <a:ext uri="{28A0092B-C50C-407E-A947-70E740481C1C}">
-                <a14:useLocalDpi xmlns:a14="http://schemas.microsoft.com/office/drawing/2010/main" val="0"/>
-              </a:ext>
-            </a:extLst>
-          </a:blip>
-          <a:stretch>
-            <a:fillRect/>
-          </a:stretch>
-        </p:blipFill>
-        <p:spPr>
-          <a:xfrm>
-            <a:off x="451757" y="774220"/>
-            <a:ext cx="8240486" cy="5803683"/>
-          </a:xfrm>
-          <a:prstGeom prst="rect">
-            <a:avLst/>
-          </a:prstGeom>
-        </p:spPr>
-      </p:pic>
-    </p:spTree>
-    <p:extLst>
-      <p:ext uri="{BB962C8B-B14F-4D97-AF65-F5344CB8AC3E}">
-        <p14:creationId xmlns:p14="http://schemas.microsoft.com/office/powerpoint/2010/main" val="889325598"/>
-      </p:ext>
-    </p:extLst>
-  </p:cSld>
-  <p:clrMapOvr>
-    <a:masterClrMapping/>
-  </p:clrMapOvr>
-  <p:timing>
-    <p:tnLst>
-      <p:par>
-        <p:cTn id="1" dur="indefinite" restart="never" nodeType="tmRoot"/>
-      </p:par>
-    </p:tnLst>
-  </p:timing>
-</p:sld>
-</file>
-
-<file path=ppt/slides/slide56.xml><?xml version="1.0" encoding="utf-8"?>
-<p:sld xmlns:a="http://schemas.openxmlformats.org/drawingml/2006/main" xmlns:r="http://schemas.openxmlformats.org/officeDocument/2006/relationships" xmlns:p="http://schemas.openxmlformats.org/presentationml/2006/main">
-  <p:cSld>
-    <p:spTree>
-      <p:nvGrpSpPr>
-        <p:cNvPr id="1" name=""/>
-        <p:cNvGrpSpPr/>
-        <p:nvPr/>
-      </p:nvGrpSpPr>
-      <p:grpSpPr>
-        <a:xfrm>
-          <a:off x="0" y="0"/>
-          <a:ext cx="0" cy="0"/>
-          <a:chOff x="0" y="0"/>
-          <a:chExt cx="0" cy="0"/>
-        </a:xfrm>
-      </p:grpSpPr>
-      <p:sp>
-        <p:nvSpPr>
-          <p:cNvPr id="72" name="TextBox 71"/>
-          <p:cNvSpPr txBox="1"/>
-          <p:nvPr/>
-        </p:nvSpPr>
-        <p:spPr>
-          <a:xfrm>
-            <a:off x="118289" y="0"/>
-            <a:ext cx="8907422" cy="646331"/>
-          </a:xfrm>
-          <a:prstGeom prst="rect">
-            <a:avLst/>
-          </a:prstGeom>
-          <a:noFill/>
-        </p:spPr>
-        <p:txBody>
-          <a:bodyPr wrap="square" rtlCol="0">
-            <a:spAutoFit/>
-          </a:bodyPr>
-          <a:lstStyle/>
-          <a:p>
-            <a:r>
-              <a:rPr lang="en-US" sz="3600" dirty="0" smtClean="0"/>
-              <a:t>Generation Instructions</a:t>
-            </a:r>
-            <a:endParaRPr lang="en-US" sz="3600" dirty="0"/>
-          </a:p>
-        </p:txBody>
-      </p:sp>
-      <p:pic>
-        <p:nvPicPr>
-          <p:cNvPr id="2" name="Picture 1"/>
-          <p:cNvPicPr>
-            <a:picLocks noChangeAspect="1"/>
-          </p:cNvPicPr>
-          <p:nvPr/>
-        </p:nvPicPr>
-        <p:blipFill>
-          <a:blip r:embed="rId3">
-            <a:extLst>
-              <a:ext uri="{28A0092B-C50C-407E-A947-70E740481C1C}">
-                <a14:useLocalDpi xmlns:a14="http://schemas.microsoft.com/office/drawing/2010/main" val="0"/>
-              </a:ext>
-            </a:extLst>
-          </a:blip>
-          <a:stretch>
-            <a:fillRect/>
-          </a:stretch>
-        </p:blipFill>
-        <p:spPr>
-          <a:xfrm>
-            <a:off x="577079" y="1729015"/>
-            <a:ext cx="8153263" cy="3267529"/>
-          </a:xfrm>
-          <a:prstGeom prst="rect">
-            <a:avLst/>
-          </a:prstGeom>
-        </p:spPr>
-      </p:pic>
-    </p:spTree>
-    <p:extLst>
-      <p:ext uri="{BB962C8B-B14F-4D97-AF65-F5344CB8AC3E}">
-        <p14:creationId xmlns:p14="http://schemas.microsoft.com/office/powerpoint/2010/main" val="1411341698"/>
-      </p:ext>
-    </p:extLst>
-  </p:cSld>
-  <p:clrMapOvr>
-    <a:masterClrMapping/>
-  </p:clrMapOvr>
-  <p:timing>
-    <p:tnLst>
-      <p:par>
-        <p:cTn id="1" dur="indefinite" restart="never" nodeType="tmRoot"/>
-      </p:par>
-    </p:tnLst>
-  </p:timing>
-</p:sld>
-</file>
-
-<file path=ppt/slides/slide57.xml><?xml version="1.0" encoding="utf-8"?>
-<p:sld xmlns:a="http://schemas.openxmlformats.org/drawingml/2006/main" xmlns:r="http://schemas.openxmlformats.org/officeDocument/2006/relationships" xmlns:p="http://schemas.openxmlformats.org/presentationml/2006/main">
-  <p:cSld>
-    <p:spTree>
-      <p:nvGrpSpPr>
-        <p:cNvPr id="1" name=""/>
-        <p:cNvGrpSpPr/>
-        <p:nvPr/>
-      </p:nvGrpSpPr>
-      <p:grpSpPr>
-        <a:xfrm>
-          <a:off x="0" y="0"/>
-          <a:ext cx="0" cy="0"/>
-          <a:chOff x="0" y="0"/>
-          <a:chExt cx="0" cy="0"/>
-        </a:xfrm>
-      </p:grpSpPr>
-      <p:sp>
-        <p:nvSpPr>
-          <p:cNvPr id="10" name="TextBox 9"/>
-          <p:cNvSpPr txBox="1"/>
-          <p:nvPr/>
-        </p:nvSpPr>
-        <p:spPr>
-          <a:xfrm>
-            <a:off x="5880155" y="3898008"/>
-            <a:ext cx="3167919" cy="369332"/>
-          </a:xfrm>
-          <a:prstGeom prst="rect">
-            <a:avLst/>
-          </a:prstGeom>
-          <a:noFill/>
-        </p:spPr>
-        <p:txBody>
-          <a:bodyPr wrap="none" rtlCol="0">
-            <a:spAutoFit/>
-          </a:bodyPr>
-          <a:lstStyle/>
-          <a:p>
-            <a:r>
-              <a:rPr lang="en-US" dirty="0" smtClean="0"/>
-              <a:t>Can you create a new category?</a:t>
-            </a:r>
-            <a:endParaRPr lang="en-US" dirty="0"/>
-          </a:p>
-        </p:txBody>
-      </p:sp>
-      <p:grpSp>
-        <p:nvGrpSpPr>
-          <p:cNvPr id="20" name="Group 19"/>
-          <p:cNvGrpSpPr/>
-          <p:nvPr/>
-        </p:nvGrpSpPr>
-        <p:grpSpPr>
-          <a:xfrm>
-            <a:off x="81321" y="3723592"/>
-            <a:ext cx="5716945" cy="2546122"/>
-            <a:chOff x="165293" y="3717606"/>
-            <a:chExt cx="5716945" cy="2546122"/>
-          </a:xfrm>
-        </p:grpSpPr>
-        <p:grpSp>
-          <p:nvGrpSpPr>
-            <p:cNvPr id="9" name="Group 8"/>
-            <p:cNvGrpSpPr/>
-            <p:nvPr/>
-          </p:nvGrpSpPr>
-          <p:grpSpPr>
-            <a:xfrm>
-              <a:off x="165293" y="3717606"/>
-              <a:ext cx="5716945" cy="2546122"/>
-              <a:chOff x="400185" y="3717606"/>
-              <a:chExt cx="5716945" cy="2546122"/>
-            </a:xfrm>
-          </p:grpSpPr>
-          <p:grpSp>
-            <p:nvGrpSpPr>
-              <p:cNvPr id="26" name="Group 25"/>
-              <p:cNvGrpSpPr/>
-              <p:nvPr/>
-            </p:nvGrpSpPr>
-            <p:grpSpPr>
-              <a:xfrm>
-                <a:off x="400185" y="3717606"/>
-                <a:ext cx="2561485" cy="2546122"/>
-                <a:chOff x="5629639" y="3422825"/>
-                <a:chExt cx="2824674" cy="2807732"/>
-              </a:xfrm>
-            </p:grpSpPr>
-            <p:sp>
-              <p:nvSpPr>
-                <p:cNvPr id="21" name="Cube 20"/>
-                <p:cNvSpPr/>
-                <p:nvPr/>
-              </p:nvSpPr>
-              <p:spPr>
-                <a:xfrm>
-                  <a:off x="6002866" y="3422825"/>
-                  <a:ext cx="2438400" cy="2438400"/>
-                </a:xfrm>
-                <a:prstGeom prst="cube">
-                  <a:avLst/>
-                </a:prstGeom>
-                <a:noFill/>
-                <a:ln w="25400">
-                  <a:solidFill>
-                    <a:schemeClr val="tx1"/>
-                  </a:solidFill>
-                </a:ln>
-              </p:spPr>
-              <p:style>
-                <a:lnRef idx="2">
-                  <a:schemeClr val="accent1">
-                    <a:shade val="50000"/>
-                  </a:schemeClr>
-                </a:lnRef>
-                <a:fillRef idx="1">
-                  <a:schemeClr val="accent1"/>
-                </a:fillRef>
-                <a:effectRef idx="0">
-                  <a:schemeClr val="accent1"/>
-                </a:effectRef>
-                <a:fontRef idx="minor">
-                  <a:schemeClr val="lt1"/>
-                </a:fontRef>
-              </p:style>
-              <p:txBody>
-                <a:bodyPr rtlCol="0" anchor="ctr"/>
-                <a:lstStyle/>
-                <a:p>
-                  <a:pPr algn="ctr"/>
-                  <a:endParaRPr lang="en-US"/>
-                </a:p>
-              </p:txBody>
-            </p:sp>
-            <p:sp>
-              <p:nvSpPr>
-                <p:cNvPr id="23" name="TextBox 22"/>
-                <p:cNvSpPr txBox="1"/>
-                <p:nvPr/>
-              </p:nvSpPr>
-              <p:spPr>
-                <a:xfrm>
-                  <a:off x="6002866" y="5861225"/>
-                  <a:ext cx="1837267" cy="369332"/>
-                </a:xfrm>
-                <a:prstGeom prst="rect">
-                  <a:avLst/>
-                </a:prstGeom>
-                <a:noFill/>
-              </p:spPr>
-              <p:txBody>
-                <a:bodyPr wrap="square" rtlCol="0">
-                  <a:spAutoFit/>
-                </a:bodyPr>
-                <a:lstStyle/>
-                <a:p>
-                  <a:pPr algn="ctr"/>
-                  <a:r>
-                    <a:rPr lang="en-US" smtClean="0"/>
-                    <a:t>Size</a:t>
-                  </a:r>
-                  <a:endParaRPr lang="en-US"/>
-                </a:p>
-              </p:txBody>
-            </p:sp>
-            <p:sp>
-              <p:nvSpPr>
-                <p:cNvPr id="24" name="TextBox 23"/>
-                <p:cNvSpPr txBox="1"/>
-                <p:nvPr/>
-              </p:nvSpPr>
-              <p:spPr>
-                <a:xfrm rot="18872676">
-                  <a:off x="7874908" y="5522898"/>
-                  <a:ext cx="789477" cy="369332"/>
-                </a:xfrm>
-                <a:prstGeom prst="rect">
-                  <a:avLst/>
-                </a:prstGeom>
-                <a:noFill/>
-              </p:spPr>
-              <p:txBody>
-                <a:bodyPr wrap="square" rtlCol="0">
-                  <a:spAutoFit/>
-                </a:bodyPr>
-                <a:lstStyle/>
-                <a:p>
-                  <a:pPr algn="ctr"/>
-                  <a:r>
-                    <a:rPr lang="en-US" dirty="0" smtClean="0"/>
-                    <a:t>Hue</a:t>
-                  </a:r>
-                  <a:endParaRPr lang="en-US" dirty="0"/>
-                </a:p>
-              </p:txBody>
-            </p:sp>
-            <p:sp>
-              <p:nvSpPr>
-                <p:cNvPr id="25" name="TextBox 24"/>
-                <p:cNvSpPr txBox="1"/>
-                <p:nvPr/>
-              </p:nvSpPr>
-              <p:spPr>
-                <a:xfrm rot="16200000">
-                  <a:off x="4902992" y="4765246"/>
-                  <a:ext cx="1822626" cy="369332"/>
-                </a:xfrm>
-                <a:prstGeom prst="rect">
-                  <a:avLst/>
-                </a:prstGeom>
-                <a:noFill/>
-              </p:spPr>
-              <p:txBody>
-                <a:bodyPr wrap="square" rtlCol="0">
-                  <a:spAutoFit/>
-                </a:bodyPr>
-                <a:lstStyle/>
-                <a:p>
-                  <a:pPr algn="ctr"/>
-                  <a:r>
-                    <a:rPr lang="en-US" smtClean="0"/>
-                    <a:t>Saturation</a:t>
-                  </a:r>
-                  <a:endParaRPr lang="en-US"/>
-                </a:p>
-              </p:txBody>
-            </p:sp>
-          </p:grpSp>
-          <p:grpSp>
-            <p:nvGrpSpPr>
-              <p:cNvPr id="35" name="Group 34"/>
-              <p:cNvGrpSpPr/>
-              <p:nvPr/>
-            </p:nvGrpSpPr>
-            <p:grpSpPr>
-              <a:xfrm>
-                <a:off x="3068347" y="3759530"/>
-                <a:ext cx="3048783" cy="2451100"/>
-                <a:chOff x="3068347" y="3759530"/>
-                <a:chExt cx="3048783" cy="2451100"/>
-              </a:xfrm>
-            </p:grpSpPr>
-            <p:pic>
-              <p:nvPicPr>
-                <p:cNvPr id="11" name="Picture 10"/>
-                <p:cNvPicPr>
-                  <a:picLocks noChangeAspect="1"/>
-                </p:cNvPicPr>
-                <p:nvPr/>
-              </p:nvPicPr>
-              <p:blipFill>
-                <a:blip r:embed="rId3">
-                  <a:extLst>
-                    <a:ext uri="{28A0092B-C50C-407E-A947-70E740481C1C}">
-                      <a14:useLocalDpi xmlns:a14="http://schemas.microsoft.com/office/drawing/2010/main" val="0"/>
-                    </a:ext>
-                  </a:extLst>
-                </a:blip>
-                <a:stretch>
-                  <a:fillRect/>
-                </a:stretch>
-              </p:blipFill>
-              <p:spPr>
-                <a:xfrm>
-                  <a:off x="3869230" y="3759530"/>
-                  <a:ext cx="2247900" cy="2451100"/>
-                </a:xfrm>
-                <a:prstGeom prst="rect">
-                  <a:avLst/>
-                </a:prstGeom>
-              </p:spPr>
-            </p:pic>
-            <p:cxnSp>
-              <p:nvCxnSpPr>
-                <p:cNvPr id="29" name="Straight Arrow Connector 28"/>
-                <p:cNvCxnSpPr/>
-                <p:nvPr/>
-              </p:nvCxnSpPr>
-              <p:spPr>
-                <a:xfrm flipH="1">
-                  <a:off x="3068347" y="4966283"/>
-                  <a:ext cx="253694" cy="0"/>
-                </a:xfrm>
-                <a:prstGeom prst="straightConnector1">
-                  <a:avLst/>
-                </a:prstGeom>
-                <a:ln w="25400">
-                  <a:solidFill>
-                    <a:schemeClr val="tx1"/>
-                  </a:solidFill>
-                  <a:tailEnd type="triangle"/>
-                </a:ln>
-              </p:spPr>
-              <p:style>
-                <a:lnRef idx="1">
-                  <a:schemeClr val="accent1"/>
-                </a:lnRef>
-                <a:fillRef idx="0">
-                  <a:schemeClr val="accent1"/>
-                </a:fillRef>
-                <a:effectRef idx="0">
-                  <a:schemeClr val="accent1"/>
-                </a:effectRef>
-                <a:fontRef idx="minor">
-                  <a:schemeClr val="tx1"/>
-                </a:fontRef>
-              </p:style>
-            </p:cxnSp>
-          </p:grpSp>
-        </p:grpSp>
-        <p:sp>
-          <p:nvSpPr>
-            <p:cNvPr id="6" name="Left Brace 5"/>
-            <p:cNvSpPr/>
-            <p:nvPr/>
-          </p:nvSpPr>
-          <p:spPr>
-            <a:xfrm>
-              <a:off x="3145871" y="4001549"/>
-              <a:ext cx="493160" cy="1935648"/>
-            </a:xfrm>
-            <a:prstGeom prst="leftBrace">
-              <a:avLst/>
-            </a:prstGeom>
-            <a:ln w="25400">
-              <a:solidFill>
-                <a:schemeClr val="tx1"/>
-              </a:solidFill>
-            </a:ln>
-          </p:spPr>
-          <p:style>
-            <a:lnRef idx="1">
-              <a:schemeClr val="accent1"/>
-            </a:lnRef>
-            <a:fillRef idx="0">
-              <a:schemeClr val="accent1"/>
-            </a:fillRef>
-            <a:effectRef idx="0">
-              <a:schemeClr val="accent1"/>
-            </a:effectRef>
-            <a:fontRef idx="minor">
-              <a:schemeClr val="tx1"/>
-            </a:fontRef>
-          </p:style>
-          <p:txBody>
-            <a:bodyPr rtlCol="0" anchor="ctr"/>
-            <a:lstStyle/>
-            <a:p>
-              <a:pPr algn="ctr"/>
-              <a:endParaRPr lang="en-US"/>
-            </a:p>
-          </p:txBody>
-        </p:sp>
-        <p:grpSp>
-          <p:nvGrpSpPr>
-            <p:cNvPr id="15" name="Group 14"/>
-            <p:cNvGrpSpPr/>
-            <p:nvPr/>
-          </p:nvGrpSpPr>
-          <p:grpSpPr>
-            <a:xfrm>
-              <a:off x="630940" y="4455291"/>
-              <a:ext cx="1405389" cy="1259507"/>
-              <a:chOff x="932303" y="4475122"/>
-              <a:chExt cx="1405389" cy="1259507"/>
-            </a:xfrm>
-          </p:grpSpPr>
-          <p:sp>
-            <p:nvSpPr>
-              <p:cNvPr id="28" name="Oval 27"/>
-              <p:cNvSpPr/>
-              <p:nvPr/>
-            </p:nvSpPr>
-            <p:spPr>
-              <a:xfrm>
-                <a:off x="932303" y="5659814"/>
-                <a:ext cx="74815" cy="74815"/>
-              </a:xfrm>
-              <a:prstGeom prst="ellipse">
-                <a:avLst/>
-              </a:prstGeom>
-              <a:solidFill>
-                <a:srgbClr val="FF0000"/>
-              </a:solidFill>
-              <a:ln>
-                <a:solidFill>
-                  <a:schemeClr val="bg1"/>
-                </a:solidFill>
-              </a:ln>
-            </p:spPr>
-            <p:style>
-              <a:lnRef idx="2">
-                <a:schemeClr val="accent1">
-                  <a:shade val="50000"/>
-                </a:schemeClr>
-              </a:lnRef>
-              <a:fillRef idx="1">
-                <a:schemeClr val="accent1"/>
-              </a:fillRef>
-              <a:effectRef idx="0">
-                <a:schemeClr val="accent1"/>
-              </a:effectRef>
-              <a:fontRef idx="minor">
-                <a:schemeClr val="lt1"/>
-              </a:fontRef>
-            </p:style>
-            <p:txBody>
-              <a:bodyPr rtlCol="0" anchor="ctr"/>
-              <a:lstStyle/>
-              <a:p>
-                <a:pPr algn="ctr"/>
-                <a:endParaRPr lang="en-US"/>
-              </a:p>
-            </p:txBody>
-          </p:sp>
-          <p:sp>
-            <p:nvSpPr>
-              <p:cNvPr id="30" name="Oval 29"/>
-              <p:cNvSpPr/>
-              <p:nvPr/>
-            </p:nvSpPr>
-            <p:spPr>
-              <a:xfrm>
-                <a:off x="1376530" y="5267953"/>
-                <a:ext cx="74815" cy="74815"/>
-              </a:xfrm>
-              <a:prstGeom prst="ellipse">
-                <a:avLst/>
-              </a:prstGeom>
-              <a:solidFill>
-                <a:srgbClr val="FF0000"/>
-              </a:solidFill>
-              <a:ln>
-                <a:solidFill>
-                  <a:schemeClr val="bg1"/>
-                </a:solidFill>
-              </a:ln>
-            </p:spPr>
-            <p:style>
-              <a:lnRef idx="2">
-                <a:schemeClr val="accent1">
-                  <a:shade val="50000"/>
-                </a:schemeClr>
-              </a:lnRef>
-              <a:fillRef idx="1">
-                <a:schemeClr val="accent1"/>
-              </a:fillRef>
-              <a:effectRef idx="0">
-                <a:schemeClr val="accent1"/>
-              </a:effectRef>
-              <a:fontRef idx="minor">
-                <a:schemeClr val="lt1"/>
-              </a:fontRef>
-            </p:style>
-            <p:txBody>
-              <a:bodyPr rtlCol="0" anchor="ctr"/>
-              <a:lstStyle/>
-              <a:p>
-                <a:pPr algn="ctr"/>
-                <a:endParaRPr lang="en-US"/>
-              </a:p>
-            </p:txBody>
-          </p:sp>
-          <p:sp>
-            <p:nvSpPr>
-              <p:cNvPr id="31" name="Oval 30"/>
-              <p:cNvSpPr/>
-              <p:nvPr/>
-            </p:nvSpPr>
-            <p:spPr>
-              <a:xfrm>
-                <a:off x="2262877" y="4475122"/>
-                <a:ext cx="74815" cy="74815"/>
-              </a:xfrm>
-              <a:prstGeom prst="ellipse">
-                <a:avLst/>
-              </a:prstGeom>
-              <a:solidFill>
-                <a:srgbClr val="FF0000"/>
-              </a:solidFill>
-              <a:ln>
-                <a:solidFill>
-                  <a:schemeClr val="bg1"/>
-                </a:solidFill>
-              </a:ln>
-            </p:spPr>
-            <p:style>
-              <a:lnRef idx="2">
-                <a:schemeClr val="accent1">
-                  <a:shade val="50000"/>
-                </a:schemeClr>
-              </a:lnRef>
-              <a:fillRef idx="1">
-                <a:schemeClr val="accent1"/>
-              </a:fillRef>
-              <a:effectRef idx="0">
-                <a:schemeClr val="accent1"/>
-              </a:effectRef>
-              <a:fontRef idx="minor">
-                <a:schemeClr val="lt1"/>
-              </a:fontRef>
-            </p:style>
-            <p:txBody>
-              <a:bodyPr rtlCol="0" anchor="ctr"/>
-              <a:lstStyle/>
-              <a:p>
-                <a:pPr algn="ctr"/>
-                <a:endParaRPr lang="en-US"/>
-              </a:p>
-            </p:txBody>
-          </p:sp>
-          <p:sp>
-            <p:nvSpPr>
-              <p:cNvPr id="50" name="Oval 49"/>
-              <p:cNvSpPr/>
-              <p:nvPr/>
-            </p:nvSpPr>
-            <p:spPr>
-              <a:xfrm>
-                <a:off x="1839323" y="4833123"/>
-                <a:ext cx="74815" cy="74815"/>
-              </a:xfrm>
-              <a:prstGeom prst="ellipse">
-                <a:avLst/>
-              </a:prstGeom>
-              <a:solidFill>
-                <a:srgbClr val="FF0000"/>
-              </a:solidFill>
-              <a:ln>
-                <a:solidFill>
-                  <a:schemeClr val="bg1"/>
-                </a:solidFill>
-              </a:ln>
-            </p:spPr>
-            <p:style>
-              <a:lnRef idx="2">
-                <a:schemeClr val="accent1">
-                  <a:shade val="50000"/>
-                </a:schemeClr>
-              </a:lnRef>
-              <a:fillRef idx="1">
-                <a:schemeClr val="accent1"/>
-              </a:fillRef>
-              <a:effectRef idx="0">
-                <a:schemeClr val="accent1"/>
-              </a:effectRef>
-              <a:fontRef idx="minor">
-                <a:schemeClr val="lt1"/>
-              </a:fontRef>
-            </p:style>
-            <p:txBody>
-              <a:bodyPr rtlCol="0" anchor="ctr"/>
-              <a:lstStyle/>
-              <a:p>
-                <a:pPr algn="ctr"/>
-                <a:endParaRPr lang="en-US"/>
-              </a:p>
-            </p:txBody>
-          </p:sp>
-        </p:grpSp>
-      </p:grpSp>
-      <p:grpSp>
-        <p:nvGrpSpPr>
-          <p:cNvPr id="32" name="Group 31"/>
-          <p:cNvGrpSpPr/>
-          <p:nvPr/>
-        </p:nvGrpSpPr>
-        <p:grpSpPr>
-          <a:xfrm>
-            <a:off x="6053591" y="4399832"/>
-            <a:ext cx="2839826" cy="1713415"/>
-            <a:chOff x="6044202" y="4388839"/>
-            <a:chExt cx="2839826" cy="1713415"/>
-          </a:xfrm>
-        </p:grpSpPr>
-        <p:grpSp>
-          <p:nvGrpSpPr>
-            <p:cNvPr id="37" name="Group 36"/>
-            <p:cNvGrpSpPr/>
-            <p:nvPr/>
-          </p:nvGrpSpPr>
-          <p:grpSpPr>
-            <a:xfrm>
-              <a:off x="6044202" y="4388839"/>
-              <a:ext cx="2839826" cy="1713415"/>
-              <a:chOff x="1312112" y="2527210"/>
-              <a:chExt cx="3677556" cy="2218860"/>
-            </a:xfrm>
-          </p:grpSpPr>
-          <p:pic>
-            <p:nvPicPr>
-              <p:cNvPr id="38" name="Picture 37"/>
-              <p:cNvPicPr>
-                <a:picLocks noChangeAspect="1"/>
-              </p:cNvPicPr>
-              <p:nvPr/>
-            </p:nvPicPr>
-            <p:blipFill>
-              <a:blip r:embed="rId4">
-                <a:extLst>
-                  <a:ext uri="{28A0092B-C50C-407E-A947-70E740481C1C}">
-                    <a14:useLocalDpi xmlns:a14="http://schemas.microsoft.com/office/drawing/2010/main" val="0"/>
-                  </a:ext>
-                </a:extLst>
-              </a:blip>
-              <a:stretch>
-                <a:fillRect/>
-              </a:stretch>
-            </p:blipFill>
-            <p:spPr>
-              <a:xfrm>
-                <a:off x="3683835" y="3352705"/>
-                <a:ext cx="1191456" cy="445925"/>
-              </a:xfrm>
-              <a:prstGeom prst="rect">
-                <a:avLst/>
-              </a:prstGeom>
-            </p:spPr>
-          </p:pic>
-          <p:sp>
-            <p:nvSpPr>
-              <p:cNvPr id="39" name="TextBox 38"/>
-              <p:cNvSpPr txBox="1"/>
-              <p:nvPr/>
-            </p:nvSpPr>
-            <p:spPr>
-              <a:xfrm>
-                <a:off x="3782471" y="2983373"/>
-                <a:ext cx="883298" cy="356414"/>
-              </a:xfrm>
-              <a:prstGeom prst="rect">
-                <a:avLst/>
-              </a:prstGeom>
-              <a:noFill/>
-            </p:spPr>
-            <p:txBody>
-              <a:bodyPr wrap="none" rtlCol="0">
-                <a:spAutoFit/>
-              </a:bodyPr>
-              <a:lstStyle/>
-              <a:p>
-                <a:r>
-                  <a:rPr lang="en-US" sz="1300" dirty="0" smtClean="0"/>
-                  <a:t>Preview</a:t>
-                </a:r>
-                <a:endParaRPr lang="en-US" sz="1300" dirty="0"/>
-              </a:p>
-            </p:txBody>
-          </p:sp>
-          <p:cxnSp>
-            <p:nvCxnSpPr>
-              <p:cNvPr id="40" name="Straight Connector 39"/>
-              <p:cNvCxnSpPr/>
-              <p:nvPr/>
-            </p:nvCxnSpPr>
-            <p:spPr>
-              <a:xfrm>
-                <a:off x="1489749" y="2730442"/>
-                <a:ext cx="1807125" cy="0"/>
-              </a:xfrm>
-              <a:prstGeom prst="line">
-                <a:avLst/>
-              </a:prstGeom>
-              <a:ln w="12700">
-                <a:solidFill>
-                  <a:schemeClr val="tx1"/>
-                </a:solidFill>
-                <a:headEnd type="diamond" w="lg" len="med"/>
-                <a:tailEnd type="diamond" w="lg" len="med"/>
-              </a:ln>
-            </p:spPr>
-            <p:style>
-              <a:lnRef idx="1">
-                <a:schemeClr val="accent1"/>
-              </a:lnRef>
-              <a:fillRef idx="0">
-                <a:schemeClr val="accent1"/>
-              </a:fillRef>
-              <a:effectRef idx="0">
-                <a:schemeClr val="accent1"/>
-              </a:effectRef>
-              <a:fontRef idx="minor">
-                <a:schemeClr val="tx1"/>
-              </a:fontRef>
-            </p:style>
-          </p:cxnSp>
-          <p:sp>
-            <p:nvSpPr>
-              <p:cNvPr id="41" name="TextBox 40"/>
-              <p:cNvSpPr txBox="1"/>
-              <p:nvPr/>
-            </p:nvSpPr>
-            <p:spPr>
-              <a:xfrm>
-                <a:off x="1489750" y="2730442"/>
-                <a:ext cx="1807124" cy="356414"/>
-              </a:xfrm>
-              <a:prstGeom prst="rect">
-                <a:avLst/>
-              </a:prstGeom>
-              <a:noFill/>
-            </p:spPr>
-            <p:txBody>
-              <a:bodyPr wrap="square" rtlCol="0">
-                <a:spAutoFit/>
-              </a:bodyPr>
-              <a:lstStyle/>
-              <a:p>
-                <a:pPr algn="ctr"/>
-                <a:r>
-                  <a:rPr lang="en-US" sz="1300" smtClean="0"/>
-                  <a:t>Adjust Size</a:t>
-                </a:r>
-                <a:endParaRPr lang="en-US" sz="1300"/>
-              </a:p>
-            </p:txBody>
-          </p:sp>
-          <p:cxnSp>
-            <p:nvCxnSpPr>
-              <p:cNvPr id="42" name="Straight Connector 41"/>
-              <p:cNvCxnSpPr/>
-              <p:nvPr/>
-            </p:nvCxnSpPr>
-            <p:spPr>
-              <a:xfrm>
-                <a:off x="1489749" y="3429298"/>
-                <a:ext cx="1807125" cy="0"/>
-              </a:xfrm>
-              <a:prstGeom prst="line">
-                <a:avLst/>
-              </a:prstGeom>
-              <a:ln w="12700">
-                <a:solidFill>
-                  <a:schemeClr val="tx1"/>
-                </a:solidFill>
-                <a:headEnd type="diamond" w="lg" len="med"/>
-                <a:tailEnd type="diamond" w="lg" len="med"/>
-              </a:ln>
-            </p:spPr>
-            <p:style>
-              <a:lnRef idx="1">
-                <a:schemeClr val="accent1"/>
-              </a:lnRef>
-              <a:fillRef idx="0">
-                <a:schemeClr val="accent1"/>
-              </a:fillRef>
-              <a:effectRef idx="0">
-                <a:schemeClr val="accent1"/>
-              </a:effectRef>
-              <a:fontRef idx="minor">
-                <a:schemeClr val="tx1"/>
-              </a:fontRef>
-            </p:style>
-          </p:cxnSp>
-          <p:sp>
-            <p:nvSpPr>
-              <p:cNvPr id="43" name="TextBox 42"/>
-              <p:cNvSpPr txBox="1"/>
-              <p:nvPr/>
-            </p:nvSpPr>
-            <p:spPr>
-              <a:xfrm>
-                <a:off x="1489749" y="3429299"/>
-                <a:ext cx="1807125" cy="356414"/>
-              </a:xfrm>
-              <a:prstGeom prst="rect">
-                <a:avLst/>
-              </a:prstGeom>
-              <a:noFill/>
-            </p:spPr>
-            <p:txBody>
-              <a:bodyPr wrap="square" rtlCol="0">
-                <a:spAutoFit/>
-              </a:bodyPr>
-              <a:lstStyle/>
-              <a:p>
-                <a:pPr algn="ctr"/>
-                <a:r>
-                  <a:rPr lang="en-US" sz="1300" smtClean="0"/>
-                  <a:t>Adjust Hue</a:t>
-                </a:r>
-                <a:endParaRPr lang="en-US" sz="1300"/>
-              </a:p>
-            </p:txBody>
-          </p:sp>
-          <p:cxnSp>
-            <p:nvCxnSpPr>
-              <p:cNvPr id="44" name="Straight Connector 43"/>
-              <p:cNvCxnSpPr/>
-              <p:nvPr/>
-            </p:nvCxnSpPr>
-            <p:spPr>
-              <a:xfrm>
-                <a:off x="1489749" y="4128154"/>
-                <a:ext cx="1807125" cy="0"/>
-              </a:xfrm>
-              <a:prstGeom prst="line">
-                <a:avLst/>
-              </a:prstGeom>
-              <a:ln w="12700">
-                <a:solidFill>
-                  <a:schemeClr val="tx1"/>
-                </a:solidFill>
-                <a:headEnd type="diamond" w="lg" len="med"/>
-                <a:tailEnd type="diamond" w="lg" len="med"/>
-              </a:ln>
-            </p:spPr>
-            <p:style>
-              <a:lnRef idx="1">
-                <a:schemeClr val="accent1"/>
-              </a:lnRef>
-              <a:fillRef idx="0">
-                <a:schemeClr val="accent1"/>
-              </a:fillRef>
-              <a:effectRef idx="0">
-                <a:schemeClr val="accent1"/>
-              </a:effectRef>
-              <a:fontRef idx="minor">
-                <a:schemeClr val="tx1"/>
-              </a:fontRef>
-            </p:style>
-          </p:cxnSp>
-          <p:sp>
-            <p:nvSpPr>
-              <p:cNvPr id="45" name="TextBox 44"/>
-              <p:cNvSpPr txBox="1"/>
-              <p:nvPr/>
-            </p:nvSpPr>
-            <p:spPr>
-              <a:xfrm>
-                <a:off x="1489749" y="4128154"/>
-                <a:ext cx="1807125" cy="356414"/>
-              </a:xfrm>
-              <a:prstGeom prst="rect">
-                <a:avLst/>
-              </a:prstGeom>
-              <a:noFill/>
-            </p:spPr>
-            <p:txBody>
-              <a:bodyPr wrap="square" rtlCol="0">
-                <a:spAutoFit/>
-              </a:bodyPr>
-              <a:lstStyle/>
-              <a:p>
-                <a:pPr algn="ctr"/>
-                <a:r>
-                  <a:rPr lang="en-US" sz="1300" smtClean="0"/>
-                  <a:t>Adjust Saturation</a:t>
-                </a:r>
-                <a:endParaRPr lang="en-US" sz="1300"/>
-              </a:p>
-            </p:txBody>
-          </p:sp>
-          <p:sp>
-            <p:nvSpPr>
-              <p:cNvPr id="46" name="Oval 45"/>
-              <p:cNvSpPr/>
-              <p:nvPr/>
-            </p:nvSpPr>
-            <p:spPr>
-              <a:xfrm>
-                <a:off x="1701618" y="2660855"/>
-                <a:ext cx="139380" cy="139379"/>
-              </a:xfrm>
-              <a:prstGeom prst="ellipse">
-                <a:avLst/>
-              </a:prstGeom>
-              <a:solidFill>
-                <a:schemeClr val="tx1"/>
-              </a:solidFill>
-              <a:ln>
-                <a:noFill/>
-              </a:ln>
-            </p:spPr>
-            <p:style>
-              <a:lnRef idx="2">
-                <a:schemeClr val="accent1">
-                  <a:shade val="50000"/>
-                </a:schemeClr>
-              </a:lnRef>
-              <a:fillRef idx="1">
-                <a:schemeClr val="accent1"/>
-              </a:fillRef>
-              <a:effectRef idx="0">
-                <a:schemeClr val="accent1"/>
-              </a:effectRef>
-              <a:fontRef idx="minor">
-                <a:schemeClr val="lt1"/>
-              </a:fontRef>
-            </p:style>
-            <p:txBody>
-              <a:bodyPr rtlCol="0" anchor="ctr"/>
-              <a:lstStyle/>
-              <a:p>
-                <a:pPr algn="ctr"/>
-                <a:endParaRPr lang="en-US" sz="1300"/>
-              </a:p>
-            </p:txBody>
-          </p:sp>
-          <p:sp>
-            <p:nvSpPr>
-              <p:cNvPr id="47" name="Oval 46"/>
-              <p:cNvSpPr/>
-              <p:nvPr/>
-            </p:nvSpPr>
-            <p:spPr>
-              <a:xfrm>
-                <a:off x="2609853" y="3359607"/>
-                <a:ext cx="139380" cy="139379"/>
-              </a:xfrm>
-              <a:prstGeom prst="ellipse">
-                <a:avLst/>
-              </a:prstGeom>
-              <a:solidFill>
-                <a:schemeClr val="tx1"/>
-              </a:solidFill>
-              <a:ln>
-                <a:noFill/>
-              </a:ln>
-            </p:spPr>
-            <p:style>
-              <a:lnRef idx="2">
-                <a:schemeClr val="accent1">
-                  <a:shade val="50000"/>
-                </a:schemeClr>
-              </a:lnRef>
-              <a:fillRef idx="1">
-                <a:schemeClr val="accent1"/>
-              </a:fillRef>
-              <a:effectRef idx="0">
-                <a:schemeClr val="accent1"/>
-              </a:effectRef>
-              <a:fontRef idx="minor">
-                <a:schemeClr val="lt1"/>
-              </a:fontRef>
-            </p:style>
-            <p:txBody>
-              <a:bodyPr rtlCol="0" anchor="ctr"/>
-              <a:lstStyle/>
-              <a:p>
-                <a:pPr algn="ctr"/>
-                <a:endParaRPr lang="en-US" sz="1300"/>
-              </a:p>
-            </p:txBody>
-          </p:sp>
-          <p:sp>
-            <p:nvSpPr>
-              <p:cNvPr id="48" name="Oval 47"/>
-              <p:cNvSpPr/>
-              <p:nvPr/>
-            </p:nvSpPr>
-            <p:spPr>
-              <a:xfrm>
-                <a:off x="2877963" y="4058462"/>
-                <a:ext cx="139380" cy="139379"/>
-              </a:xfrm>
-              <a:prstGeom prst="ellipse">
-                <a:avLst/>
-              </a:prstGeom>
-              <a:solidFill>
-                <a:schemeClr val="tx1"/>
-              </a:solidFill>
-              <a:ln>
-                <a:noFill/>
-              </a:ln>
-            </p:spPr>
-            <p:style>
-              <a:lnRef idx="2">
-                <a:schemeClr val="accent1">
-                  <a:shade val="50000"/>
-                </a:schemeClr>
-              </a:lnRef>
-              <a:fillRef idx="1">
-                <a:schemeClr val="accent1"/>
-              </a:fillRef>
-              <a:effectRef idx="0">
-                <a:schemeClr val="accent1"/>
-              </a:effectRef>
-              <a:fontRef idx="minor">
-                <a:schemeClr val="lt1"/>
-              </a:fontRef>
-            </p:style>
-            <p:txBody>
-              <a:bodyPr rtlCol="0" anchor="ctr"/>
-              <a:lstStyle/>
-              <a:p>
-                <a:pPr algn="ctr"/>
-                <a:endParaRPr lang="en-US" sz="1300"/>
-              </a:p>
-            </p:txBody>
-          </p:sp>
-          <p:sp>
-            <p:nvSpPr>
-              <p:cNvPr id="49" name="Rectangle 48"/>
-              <p:cNvSpPr/>
-              <p:nvPr/>
-            </p:nvSpPr>
-            <p:spPr>
-              <a:xfrm>
-                <a:off x="1312112" y="2527210"/>
-                <a:ext cx="3677556" cy="2218860"/>
-              </a:xfrm>
-              <a:prstGeom prst="rect">
-                <a:avLst/>
-              </a:prstGeom>
-              <a:noFill/>
-              <a:ln>
-                <a:solidFill>
-                  <a:schemeClr val="tx1"/>
-                </a:solidFill>
-              </a:ln>
-            </p:spPr>
-            <p:style>
-              <a:lnRef idx="2">
-                <a:schemeClr val="accent1">
-                  <a:shade val="50000"/>
-                </a:schemeClr>
-              </a:lnRef>
-              <a:fillRef idx="1">
-                <a:schemeClr val="accent1"/>
-              </a:fillRef>
-              <a:effectRef idx="0">
-                <a:schemeClr val="accent1"/>
-              </a:effectRef>
-              <a:fontRef idx="minor">
-                <a:schemeClr val="lt1"/>
-              </a:fontRef>
-            </p:style>
-            <p:txBody>
-              <a:bodyPr rtlCol="0" anchor="ctr"/>
-              <a:lstStyle/>
-              <a:p>
-                <a:pPr algn="ctr"/>
-                <a:endParaRPr lang="en-US" sz="1300"/>
-              </a:p>
-            </p:txBody>
-          </p:sp>
-        </p:grpSp>
-        <p:sp>
-          <p:nvSpPr>
-            <p:cNvPr id="51" name="Rectangle 50"/>
-            <p:cNvSpPr/>
-            <p:nvPr/>
-          </p:nvSpPr>
-          <p:spPr>
-            <a:xfrm>
-              <a:off x="8012381" y="5720784"/>
-              <a:ext cx="646602" cy="252972"/>
-            </a:xfrm>
-            <a:prstGeom prst="rect">
-              <a:avLst/>
-            </a:prstGeom>
-            <a:solidFill>
-              <a:schemeClr val="bg1">
-                <a:lumMod val="65000"/>
-              </a:schemeClr>
-            </a:solidFill>
-            <a:ln>
-              <a:solidFill>
-                <a:schemeClr val="tx1"/>
-              </a:solidFill>
-            </a:ln>
-          </p:spPr>
-          <p:style>
-            <a:lnRef idx="2">
-              <a:schemeClr val="accent1">
-                <a:shade val="50000"/>
-              </a:schemeClr>
-            </a:lnRef>
-            <a:fillRef idx="1">
-              <a:schemeClr val="accent1"/>
-            </a:fillRef>
-            <a:effectRef idx="0">
-              <a:schemeClr val="accent1"/>
-            </a:effectRef>
-            <a:fontRef idx="minor">
-              <a:schemeClr val="lt1"/>
-            </a:fontRef>
-          </p:style>
-          <p:txBody>
-            <a:bodyPr rtlCol="0" anchor="ctr"/>
-            <a:lstStyle/>
-            <a:p>
-              <a:pPr algn="ctr"/>
-              <a:r>
-                <a:rPr lang="en-US" sz="1400" smtClean="0">
-                  <a:solidFill>
-                    <a:schemeClr val="tx1"/>
-                  </a:solidFill>
-                </a:rPr>
-                <a:t>DONE</a:t>
-              </a:r>
-              <a:endParaRPr lang="en-US" sz="1400">
-                <a:solidFill>
-                  <a:schemeClr val="tx1"/>
-                </a:solidFill>
-              </a:endParaRPr>
-            </a:p>
-          </p:txBody>
-        </p:sp>
-      </p:grpSp>
-      <p:sp>
-        <p:nvSpPr>
-          <p:cNvPr id="52" name="TextBox 51"/>
-          <p:cNvSpPr txBox="1"/>
-          <p:nvPr/>
-        </p:nvSpPr>
-        <p:spPr>
-          <a:xfrm>
-            <a:off x="94123" y="84224"/>
-            <a:ext cx="8799294" cy="523220"/>
-          </a:xfrm>
-          <a:prstGeom prst="rect">
-            <a:avLst/>
-          </a:prstGeom>
-          <a:noFill/>
-        </p:spPr>
-        <p:txBody>
-          <a:bodyPr wrap="square" rtlCol="0">
-            <a:spAutoFit/>
-          </a:bodyPr>
-          <a:lstStyle/>
-          <a:p>
-            <a:r>
-              <a:rPr lang="en-US" sz="2800" dirty="0" smtClean="0"/>
-              <a:t>Does this count as a </a:t>
-            </a:r>
-            <a:r>
-              <a:rPr lang="en-US" sz="2800" u="sng" dirty="0" smtClean="0"/>
-              <a:t>creative</a:t>
-            </a:r>
-            <a:r>
-              <a:rPr lang="en-US" sz="2800" dirty="0" smtClean="0"/>
-              <a:t> use of conceptual knowledge? </a:t>
-            </a:r>
-            <a:endParaRPr lang="en-US" sz="2800" dirty="0"/>
-          </a:p>
-        </p:txBody>
-      </p:sp>
-      <p:sp>
-        <p:nvSpPr>
-          <p:cNvPr id="2" name="TextBox 1"/>
-          <p:cNvSpPr txBox="1"/>
-          <p:nvPr/>
-        </p:nvSpPr>
-        <p:spPr>
-          <a:xfrm>
-            <a:off x="546968" y="847653"/>
-            <a:ext cx="6495474" cy="2431435"/>
-          </a:xfrm>
-          <a:prstGeom prst="rect">
-            <a:avLst/>
-          </a:prstGeom>
-          <a:noFill/>
-        </p:spPr>
-        <p:txBody>
-          <a:bodyPr wrap="square" rtlCol="0">
-            <a:spAutoFit/>
-          </a:bodyPr>
-          <a:lstStyle/>
-          <a:p>
-            <a:r>
-              <a:rPr lang="en-US" sz="2400" b="1" dirty="0" smtClean="0"/>
-              <a:t>Disadvantages</a:t>
-            </a:r>
-            <a:endParaRPr lang="en-US" sz="2400" dirty="0"/>
-          </a:p>
-          <a:p>
-            <a:pPr marL="342900" indent="-227013">
-              <a:buFont typeface="Arial" charset="0"/>
-              <a:buChar char="•"/>
-            </a:pPr>
-            <a:r>
-              <a:rPr lang="en-US" sz="2000" dirty="0" smtClean="0"/>
-              <a:t>Really boring, small domain. </a:t>
-            </a:r>
-          </a:p>
-          <a:p>
-            <a:pPr marL="342900" indent="-227013">
-              <a:buFont typeface="Arial" charset="0"/>
-              <a:buChar char="•"/>
-            </a:pPr>
-            <a:r>
-              <a:rPr lang="en-US" sz="2000" dirty="0" smtClean="0"/>
-              <a:t>Doesn’t *feel* very creative.</a:t>
-            </a:r>
-          </a:p>
-          <a:p>
-            <a:endParaRPr lang="en-US" sz="2400" dirty="0" smtClean="0"/>
-          </a:p>
-          <a:p>
-            <a:r>
-              <a:rPr lang="en-US" sz="2400" b="1" dirty="0" smtClean="0"/>
-              <a:t>Advantages</a:t>
-            </a:r>
-            <a:endParaRPr lang="en-US" sz="2400" dirty="0"/>
-          </a:p>
-          <a:p>
-            <a:pPr marL="285750" indent="-169863">
-              <a:buFont typeface="Arial" charset="0"/>
-              <a:buChar char="•"/>
-            </a:pPr>
-            <a:r>
-              <a:rPr lang="en-US" sz="2000" dirty="0" smtClean="0"/>
-              <a:t>Can control prior knowledge</a:t>
-            </a:r>
-          </a:p>
-          <a:p>
-            <a:pPr marL="285750" indent="-169863">
-              <a:buFont typeface="Arial" charset="0"/>
-              <a:buChar char="•"/>
-            </a:pPr>
-            <a:r>
-              <a:rPr lang="en-US" sz="2000" dirty="0" smtClean="0"/>
-              <a:t>possible to simulate with formal models!</a:t>
-            </a:r>
-            <a:endParaRPr lang="en-US" sz="2000" dirty="0"/>
-          </a:p>
-        </p:txBody>
-      </p:sp>
-    </p:spTree>
-    <p:extLst>
-      <p:ext uri="{BB962C8B-B14F-4D97-AF65-F5344CB8AC3E}">
-        <p14:creationId xmlns:p14="http://schemas.microsoft.com/office/powerpoint/2010/main" val="300642246"/>
-      </p:ext>
-    </p:extLst>
-  </p:cSld>
-  <p:clrMapOvr>
-    <a:masterClrMapping/>
-  </p:clrMapOvr>
-  <p:timing>
-    <p:tnLst>
-      <p:par>
-        <p:cTn id="1" dur="indefinite" restart="never" nodeType="tmRoot"/>
-      </p:par>
-    </p:tnLst>
-  </p:timing>
-</p:sld>
-</file>
-
-<file path=ppt/slides/slide58.xml><?xml version="1.0" encoding="utf-8"?>
 <p:sld xmlns:a="http://schemas.openxmlformats.org/drawingml/2006/main" xmlns:r="http://schemas.openxmlformats.org/officeDocument/2006/relationships" xmlns:p="http://schemas.openxmlformats.org/presentationml/2006/main">
   <p:cSld>
     <p:spTree>

--- a/Presentations/ccn-bbag-march-2-2017.pptx
+++ b/Presentations/ccn-bbag-march-2-2017.pptx
@@ -767,19 +767,7 @@
             </a:r>
             <a:r>
               <a:rPr lang="en-US" baseline="0" dirty="0" smtClean="0"/>
-              <a:t> which constitutes a category, and we can analyze </a:t>
-            </a:r>
-            <a:r>
-              <a:rPr lang="en-US" baseline="0" dirty="0" smtClean="0"/>
-              <a:t>the category they made by plotting the positions of each of their crystals within the space. So </a:t>
-            </a:r>
-            <a:r>
-              <a:rPr lang="en-US" baseline="0" dirty="0" smtClean="0"/>
-              <a:t>if you imagine that a participant created these for examples into their category, then you could </a:t>
-            </a:r>
-            <a:r>
-              <a:rPr lang="en-US" baseline="0" dirty="0" smtClean="0"/>
-              <a:t>plot their category next to the category that they learned to reveal a lot about their approach.</a:t>
+              <a:t> which constitutes a category, and we can analyze the category they made by plotting the positions of each of their crystals within the space. So if you imagine that a participant created these for examples into their category, then you could plot their category next to the category that they learned to reveal a lot about their approach.</a:t>
             </a:r>
           </a:p>
         </p:txBody>
@@ -874,24 +862,16 @@
             </a:r>
             <a:r>
               <a:rPr lang="en-US" baseline="0" dirty="0" smtClean="0"/>
-              <a:t> and Kemp found was pretty much what we already knew. Their manipulation was in the relationship between size and saturation, within the experimenter define categories. Some participants </a:t>
-            </a:r>
+              <a:t> and Kemp found was pretty much what we already knew. Their manipulation was in the relationship between size and saturation, within the experimenter define categories. Some participants learned this category with positive correlation, so larger crystals tend to be more saturated, and some participants learned this negative correlation category.</a:t>
+            </a:r>
+          </a:p>
+          <a:p>
+            <a:endParaRPr lang="en-US" baseline="0" dirty="0" smtClean="0"/>
+          </a:p>
+          <a:p>
             <a:r>
               <a:rPr lang="en-US" baseline="0" dirty="0" smtClean="0"/>
-              <a:t>learned this category with positive correlation, so larger crystals tend to be more saturated, and some participants learned this negative correlation category.</a:t>
-            </a:r>
-          </a:p>
-          <a:p>
-            <a:endParaRPr lang="en-US" baseline="0" dirty="0" smtClean="0"/>
-          </a:p>
-          <a:p>
-            <a:r>
-              <a:rPr lang="en-US" baseline="0" dirty="0" smtClean="0"/>
-              <a:t>And after participants learned the categories, they tended to generate new categories with the same properties. So if they learned the positive correlation category, then they tended to generate a new category with positive correlation, and vice-versa. And </a:t>
-            </a:r>
-            <a:r>
-              <a:rPr lang="en-US" baseline="0" dirty="0" smtClean="0"/>
-              <a:t>this lines up really nicely with the earlier observation that alien species obey the same correlations as found on earth.</a:t>
+              <a:t>And after participants learned the categories, they tended to generate new categories with the same properties. So if they learned the positive correlation category, then they tended to generate a new category with positive correlation, and vice-versa. And this lines up really nicely with the earlier observation that alien species obey the same correlations as found on earth.</a:t>
             </a:r>
           </a:p>
         </p:txBody>
@@ -987,11 +967,7 @@
           <a:p>
             <a:r>
               <a:rPr lang="en-US" baseline="0" dirty="0" smtClean="0"/>
-              <a:t>Basically, the model learns about how each category is distributed across the space --  in terms of how each physical attribute varies, and how they are correlated. Then, the model makes an inference using the common patterns of </a:t>
-            </a:r>
-            <a:r>
-              <a:rPr lang="en-US" baseline="0" dirty="0" smtClean="0"/>
-              <a:t>variability across the categories it knows about </a:t>
+              <a:t>Basically, the model learns about how each category is distributed across the space --  in terms of how each physical attribute varies, and how they are correlated. Then, the model makes an inference using the common patterns of variability across the categories it knows about </a:t>
             </a:r>
             <a:r>
               <a:rPr lang="mr-IN" baseline="0" dirty="0" smtClean="0"/>
@@ -1196,38 +1172,17 @@
           <a:p>
             <a:r>
               <a:rPr lang="en-US" baseline="0" dirty="0" smtClean="0"/>
-              <a:t>We developed a two dimensional domain of squares varying in color and in size. In our experiments, participants first complete a training phase where they are taught about a category that we defined as a collection of these </a:t>
-            </a:r>
+              <a:t>We developed a two dimensional domain of squares varying in color and in size. In our experiments, participants first complete a training phase where they are taught about a category that we defined as a collection of these squares. In each of our experiments, participants only learn about one experimenter-defined category, which we call the “alpha category”.</a:t>
+            </a:r>
+          </a:p>
+          <a:p>
+            <a:endParaRPr lang="en-US" baseline="0" dirty="0" smtClean="0"/>
+          </a:p>
+          <a:p>
             <a:r>
               <a:rPr lang="en-US" baseline="0" dirty="0" smtClean="0"/>
-              <a:t>squares. In each of our experiments, participants only learn about one experimenter-defined category, which we call the “alpha category”.</a:t>
-            </a:r>
-          </a:p>
-          <a:p>
-            <a:endParaRPr lang="en-US" baseline="0" dirty="0" smtClean="0"/>
-          </a:p>
-          <a:p>
-            <a:r>
-              <a:rPr lang="en-US" baseline="0" dirty="0" smtClean="0"/>
-              <a:t>Then</a:t>
-            </a:r>
-            <a:r>
-              <a:rPr lang="en-US" baseline="0" dirty="0" smtClean="0"/>
-              <a:t>, they complete a generation phase where they we ask them generate a new </a:t>
-            </a:r>
-            <a:r>
-              <a:rPr lang="en-US" baseline="0" dirty="0" smtClean="0"/>
-              <a:t>category, which we call the “</a:t>
-            </a:r>
-            <a:r>
-              <a:rPr lang="en-US" baseline="0" dirty="0" smtClean="0"/>
-              <a:t>Beta” </a:t>
-            </a:r>
-            <a:r>
-              <a:rPr lang="en-US" baseline="0" dirty="0" smtClean="0"/>
-              <a:t>category.</a:t>
-            </a:r>
-            <a:endParaRPr lang="en-US" baseline="0" dirty="0" smtClean="0"/>
+              <a:t>Then, they complete a generation phase where they we ask them generate a new category, which we call the “Beta” category.</a:t>
+            </a:r>
           </a:p>
           <a:p>
             <a:endParaRPr lang="en-US" baseline="0" dirty="0" smtClean="0"/>
@@ -1615,13 +1570,8 @@
             </a:r>
             <a:r>
               <a:rPr lang="en-US" baseline="0" dirty="0" smtClean="0"/>
-              <a:t> for illustrative reasons. Participants are only ever exposed to squares of a particular size and </a:t>
-            </a:r>
-            <a:r>
-              <a:rPr lang="en-US" baseline="0" dirty="0" smtClean="0"/>
-              <a:t>color, so any conceptual representation of the classes must be learned.</a:t>
-            </a:r>
-            <a:endParaRPr lang="en-US" baseline="0" dirty="0" smtClean="0"/>
+              <a:t> for illustrative reasons. Participants are only ever exposed to squares of a particular size and color, so any conceptual representation of the classes must be learned.</a:t>
+            </a:r>
           </a:p>
           <a:p>
             <a:endParaRPr lang="en-US" baseline="0" dirty="0" smtClean="0"/>
@@ -1985,35 +1935,11 @@
           <a:p>
             <a:r>
               <a:rPr lang="en-US" dirty="0" smtClean="0"/>
-              <a:t>So given what we know about category generation, </a:t>
-            </a:r>
-            <a:r>
-              <a:rPr lang="en-US" dirty="0" smtClean="0"/>
-              <a:t>we can make a few predictions about what we should expect to see.</a:t>
+              <a:t>So given what we know about category generation, we can make a few predictions about what we should expect to see.</a:t>
             </a:r>
             <a:r>
               <a:rPr lang="en-US" baseline="0" dirty="0" smtClean="0"/>
-              <a:t> Since </a:t>
-            </a:r>
-            <a:r>
-              <a:rPr lang="en-US" baseline="0" dirty="0" smtClean="0"/>
-              <a:t>people seem to emulate the structure of </a:t>
-            </a:r>
-            <a:r>
-              <a:rPr lang="en-US" baseline="0" dirty="0" smtClean="0"/>
-              <a:t>learned categories</a:t>
-            </a:r>
-            <a:r>
-              <a:rPr lang="en-US" baseline="0" dirty="0" smtClean="0"/>
-              <a:t>, then </a:t>
-            </a:r>
-            <a:r>
-              <a:rPr lang="en-US" baseline="0" dirty="0" smtClean="0"/>
-              <a:t>the distribution of generated categories should </a:t>
-            </a:r>
-            <a:r>
-              <a:rPr lang="en-US" baseline="0" dirty="0" smtClean="0"/>
-              <a:t>reflect whatever Alpha category was learned. </a:t>
+              <a:t> Since people seem to emulate the structure of learned categories, then the distribution of generated categories should reflect whatever Alpha category was learned. </a:t>
             </a:r>
           </a:p>
           <a:p>
@@ -2126,19 +2052,7 @@
             </a:pPr>
             <a:r>
               <a:rPr lang="en-US" dirty="0" smtClean="0"/>
-              <a:t>Ok, so </a:t>
-            </a:r>
-            <a:r>
-              <a:rPr lang="en-US" dirty="0" smtClean="0"/>
-              <a:t>just </a:t>
-            </a:r>
-            <a:r>
-              <a:rPr lang="en-US" dirty="0" smtClean="0"/>
-              <a:t>to give you a sense </a:t>
-            </a:r>
-            <a:r>
-              <a:rPr lang="en-US" dirty="0" smtClean="0"/>
-              <a:t>of the form that this data comes</a:t>
+              <a:t>Ok, so just to give you a sense of the form that this data comes</a:t>
             </a:r>
             <a:r>
               <a:rPr lang="en-US" baseline="0" dirty="0" smtClean="0"/>
@@ -2146,45 +2060,12 @@
             </a:r>
             <a:r>
               <a:rPr lang="en-US" dirty="0" smtClean="0"/>
-              <a:t> </a:t>
-            </a:r>
-            <a:r>
-              <a:rPr lang="en-US" dirty="0" smtClean="0"/>
-              <a:t>some samples on the slide.</a:t>
+              <a:t> some samples on the slide.</a:t>
             </a:r>
             <a:r>
               <a:rPr lang="en-US" baseline="0" dirty="0" smtClean="0"/>
-              <a:t> </a:t>
-            </a:r>
-            <a:r>
-              <a:rPr lang="en-US" baseline="0" dirty="0" smtClean="0"/>
-              <a:t>Each </a:t>
-            </a:r>
-            <a:r>
-              <a:rPr lang="en-US" baseline="0" dirty="0" smtClean="0"/>
-              <a:t>of these subplots came from a single participant, and I’ve just plotted </a:t>
-            </a:r>
-            <a:r>
-              <a:rPr lang="en-US" baseline="0" dirty="0" smtClean="0"/>
-              <a:t>the </a:t>
-            </a:r>
-            <a:r>
-              <a:rPr lang="en-US" baseline="0" dirty="0" smtClean="0"/>
-              <a:t>members of </a:t>
-            </a:r>
-            <a:r>
-              <a:rPr lang="en-US" baseline="0" dirty="0" smtClean="0"/>
-              <a:t>alpha category for the condition the participant was in, as well as where they generated the betas. And </a:t>
-            </a:r>
-            <a:r>
-              <a:rPr lang="en-US" baseline="0" dirty="0" smtClean="0"/>
-              <a:t>again, remember that each point in one of these plots corresponds to a physical </a:t>
-            </a:r>
-            <a:r>
-              <a:rPr lang="en-US" baseline="0" dirty="0" smtClean="0"/>
-              <a:t>stimulus.</a:t>
-            </a:r>
-            <a:endParaRPr lang="en-US" baseline="0" dirty="0" smtClean="0"/>
+              <a:t> Each of these subplots came from a single participant, and I’ve just plotted the members of alpha category for the condition the participant was in, as well as where they generated the betas. And again, remember that each point in one of these plots corresponds to a physical stimulus.</a:t>
+            </a:r>
           </a:p>
           <a:p>
             <a:pPr marL="0" marR="0" indent="0" algn="l" defTabSz="914400" rtl="0" eaLnBrk="1" fontAlgn="auto" latinLnBrk="0" hangingPunct="1">
@@ -2330,11 +2211,7 @@
             </a:pPr>
             <a:r>
               <a:rPr lang="en-US" dirty="0" smtClean="0"/>
-              <a:t>And here are the samples from the cluster </a:t>
-            </a:r>
-            <a:r>
-              <a:rPr lang="en-US" dirty="0" smtClean="0"/>
-              <a:t>condition.</a:t>
+              <a:t>And here are the samples from the cluster condition.</a:t>
             </a:r>
             <a:endParaRPr lang="en-US" baseline="0" dirty="0" smtClean="0"/>
           </a:p>
@@ -2445,7 +2322,6 @@
               <a:rPr lang="en-US" baseline="0" dirty="0" smtClean="0"/>
               <a:t>. And what I hope you can see is that there’s a huge degree of differences between people and conditions, but there’s also a lot of commonalities. </a:t>
             </a:r>
-            <a:endParaRPr lang="en-US" baseline="0" dirty="0" smtClean="0"/>
           </a:p>
           <a:p>
             <a:pPr marL="0" marR="0" indent="0" algn="l" defTabSz="914400" rtl="0" eaLnBrk="1" fontAlgn="auto" latinLnBrk="0" hangingPunct="1">
@@ -2487,11 +2363,7 @@
             </a:pPr>
             <a:r>
               <a:rPr lang="en-US" baseline="0" dirty="0" smtClean="0"/>
-              <a:t>And I know this is a lot to take in all at once, so I suppose what I just want to express is that this </a:t>
-            </a:r>
-            <a:r>
-              <a:rPr lang="en-US" baseline="0" dirty="0" smtClean="0"/>
-              <a:t>data is just super super rich.</a:t>
+              <a:t>And I know this is a lot to take in all at once, so I suppose what I just want to express is that this data is just super super rich.</a:t>
             </a:r>
           </a:p>
         </p:txBody>
@@ -3302,25 +3174,12 @@
             </a:pPr>
             <a:r>
               <a:rPr lang="en-US" dirty="0" smtClean="0"/>
-              <a:t>So </a:t>
-            </a:r>
-            <a:r>
-              <a:rPr lang="en-US" dirty="0" smtClean="0"/>
-              <a:t>I</a:t>
+              <a:t>So I</a:t>
             </a:r>
             <a:r>
               <a:rPr lang="en-US" baseline="0" dirty="0" smtClean="0"/>
-              <a:t> </a:t>
-            </a:r>
-            <a:r>
-              <a:rPr lang="en-US" baseline="0" dirty="0" smtClean="0"/>
-              <a:t>think that’s some pretty good evidence that people do emulate the distributional properties of </a:t>
-            </a:r>
-            <a:r>
-              <a:rPr lang="en-US" baseline="0" dirty="0" smtClean="0"/>
-              <a:t>the categories they know about.</a:t>
-            </a:r>
-            <a:endParaRPr lang="en-US" baseline="0" dirty="0" smtClean="0"/>
+              <a:t> think that’s some pretty good evidence that people do emulate the distributional properties of the categories they know about.</a:t>
+            </a:r>
           </a:p>
           <a:p>
             <a:pPr marL="0" marR="0" indent="0" algn="l" defTabSz="914400" rtl="0" eaLnBrk="1" fontAlgn="auto" latinLnBrk="0" hangingPunct="1">
@@ -3362,11 +3221,7 @@
             </a:pPr>
             <a:r>
               <a:rPr lang="en-US" baseline="0" dirty="0" smtClean="0"/>
-              <a:t>On </a:t>
-            </a:r>
-            <a:r>
-              <a:rPr lang="en-US" baseline="0" dirty="0" smtClean="0"/>
-              <a:t>the slide now I’m showing you </a:t>
+              <a:t>On the slide now I’m showing you </a:t>
             </a:r>
             <a:r>
               <a:rPr lang="en-US" baseline="0" dirty="0" err="1" smtClean="0"/>
@@ -3374,19 +3229,7 @@
             </a:r>
             <a:r>
               <a:rPr lang="en-US" baseline="0" dirty="0" smtClean="0"/>
-              <a:t> of where people tended to generate beta category examples. Each figure is for one condition, and </a:t>
-            </a:r>
-            <a:r>
-              <a:rPr lang="en-US" baseline="0" dirty="0" smtClean="0"/>
-              <a:t>blue areas correspond </a:t>
-            </a:r>
-            <a:r>
-              <a:rPr lang="en-US" baseline="0" dirty="0" smtClean="0"/>
-              <a:t>to </a:t>
-            </a:r>
-            <a:r>
-              <a:rPr lang="en-US" baseline="0" dirty="0" smtClean="0"/>
-              <a:t>stimuli that were frequently generated. </a:t>
+              <a:t> of where people tended to generate beta category examples. Each figure is for one condition, and blue areas correspond to stimuli that were frequently generated. </a:t>
             </a:r>
           </a:p>
           <a:p>
@@ -3429,13 +3272,8 @@
             </a:pPr>
             <a:r>
               <a:rPr lang="en-US" baseline="0" dirty="0" smtClean="0"/>
-              <a:t>And you can see that people really prefer to put the betas along the edges and corners of the space. I think this reflects a goal </a:t>
-            </a:r>
-            <a:r>
-              <a:rPr lang="en-US" baseline="0" dirty="0" smtClean="0"/>
-              <a:t>that the beta category members should be perceptually dissimilar, or distant in space, from the alphas. Right, so the three corners opposite the alphas are most popular in cluster, the top row opposite the alphas is most popular I row, and the two corners opposite the alphas are most popular in XOR.</a:t>
-            </a:r>
-            <a:endParaRPr lang="en-US" baseline="0" dirty="0" smtClean="0"/>
+              <a:t>And you can see that people really prefer to put the betas along the edges and corners of the space. I think this reflects a goal that the beta category members should be perceptually dissimilar, or distant in space, from the alphas. Right, so the three corners opposite the alphas are most popular in cluster, the top row opposite the alphas is most popular I row, and the two corners opposite the alphas are most popular in XOR.</a:t>
+            </a:r>
           </a:p>
         </p:txBody>
       </p:sp>
@@ -7048,11 +6886,7 @@
           <a:p>
             <a:r>
               <a:rPr lang="en-US" baseline="0" dirty="0" smtClean="0"/>
-              <a:t>The typical finding is that prior knowledge is hugely constraining on creative generation. On the slide I have some example alien species from a study conduced by Thomas Ward, and you can see that alien species </a:t>
-            </a:r>
-            <a:r>
-              <a:rPr lang="en-US" baseline="0" dirty="0" smtClean="0"/>
-              <a:t>have the features of earth species, right, they have arms and legs and ears and so on.</a:t>
+              <a:t>The typical finding is that prior knowledge is hugely constraining on creative generation. On the slide I have some example alien species from a study conduced by Thomas Ward, and you can see that alien species have the features of earth species, right, they have arms and legs and ears and so on.</a:t>
             </a:r>
           </a:p>
           <a:p>
@@ -7063,7 +6897,6 @@
               <a:rPr lang="en-US" baseline="0" dirty="0" smtClean="0"/>
               <a:t>But even more interestingly is that they tend to have the same distributional properties as earth species. For example, the same feature correlations are followed, so the presence of ears predicts the presence of a nose. And also members of the same species tend to be more similar to one another than they are to members of opposite species.</a:t>
             </a:r>
-            <a:endParaRPr lang="en-US" baseline="0" dirty="0" smtClean="0"/>
           </a:p>
           <a:p>
             <a:endParaRPr lang="en-US" baseline="0" dirty="0" smtClean="0"/>
@@ -7435,7 +7268,6 @@
               <a:rPr lang="en-US" baseline="0" dirty="0" smtClean="0"/>
               <a:t> is typically the case when you want to develop a formal model of complex behavior, the approach taken to model category generation has been to simplify the domain. </a:t>
             </a:r>
-            <a:endParaRPr lang="en-US" baseline="0" dirty="0" smtClean="0"/>
           </a:p>
           <a:p>
             <a:endParaRPr lang="en-US" baseline="0" dirty="0" smtClean="0"/>
@@ -7451,15 +7283,7 @@
             </a:r>
             <a:r>
               <a:rPr lang="en-US" baseline="0" dirty="0" smtClean="0"/>
-              <a:t> &amp; Charles Kemp were the first to report anything like this. They developed a artificial, three-dimensional domain of what they called “crystals”, varying in size, hue, and </a:t>
-            </a:r>
-            <a:r>
-              <a:rPr lang="en-US" baseline="0" dirty="0" smtClean="0"/>
-              <a:t>saturation, so you can visualize the domain as a cube. </a:t>
-            </a:r>
-            <a:r>
-              <a:rPr lang="en-US" baseline="0" dirty="0" smtClean="0"/>
-              <a:t>Each on these items at the bottom of the slide is one crystal, which can be conceptualized as a point in the three dimensional domain space.</a:t>
+              <a:t> &amp; Charles Kemp were the first to report anything like this. They developed a artificial, three-dimensional domain of what they called “crystals”, varying in size, hue, and saturation, so you can visualize the domain as a cube. Each on these items at the bottom of the slide is one crystal, which can be conceptualized as a point in the three dimensional domain space.</a:t>
             </a:r>
           </a:p>
           <a:p>
@@ -18666,11 +18490,7 @@
             </a:pPr>
             <a:r>
               <a:rPr lang="en-US" sz="2200" dirty="0" smtClean="0"/>
-              <a:t>Conditions visualized as points in 2D </a:t>
-            </a:r>
-            <a:r>
-              <a:rPr lang="en-US" sz="2200" dirty="0" smtClean="0"/>
-              <a:t>Space</a:t>
+              <a:t>Conditions visualized as points in 2D Space</a:t>
             </a:r>
             <a:r>
               <a:rPr lang="en-US" sz="2200" b="1" dirty="0" smtClean="0"/>
@@ -18678,11 +18498,7 @@
             </a:r>
             <a:r>
               <a:rPr lang="en-US" sz="2200" dirty="0" smtClean="0"/>
-              <a:t> </a:t>
-            </a:r>
-            <a:r>
-              <a:rPr lang="en-US" sz="2200" dirty="0" smtClean="0"/>
-              <a:t>(they only see the physical stimuli)</a:t>
+              <a:t> (they only see the physical stimuli)</a:t>
             </a:r>
           </a:p>
           <a:p>
@@ -35243,8 +35059,8 @@
             </p:sp>
           </mc:Fallback>
         </mc:AlternateContent>
-        <mc:AlternateContent xmlns:mc="http://schemas.openxmlformats.org/markup-compatibility/2006" xmlns:a14="http://schemas.microsoft.com/office/drawing/2010/main">
-          <mc:Choice Requires="a14">
+        <mc:AlternateContent xmlns:mc="http://schemas.openxmlformats.org/markup-compatibility/2006">
+          <mc:Choice xmlns:a14="http://schemas.microsoft.com/office/drawing/2010/main" Requires="a14">
             <p:sp>
               <p:nvSpPr>
                 <p:cNvPr id="16" name="TextBox 15"/>
@@ -35448,7 +35264,7 @@
                                       <a:rPr lang="en-US" sz="1600" b="0" i="1" smtClean="0">
                                         <a:latin typeface="Cambria Math" charset="0"/>
                                       </a:rPr>
-                                      <m:t>   </m:t>
+                                      <m:t>    </m:t>
                                     </m:r>
                                     <m:r>
                                       <a:rPr lang="en-US" sz="1600" i="1">
@@ -35538,7 +35354,7 @@
               </p:txBody>
             </p:sp>
           </mc:Choice>
-          <mc:Fallback xmlns="">
+          <mc:Fallback>
             <p:sp>
               <p:nvSpPr>
                 <p:cNvPr id="16" name="TextBox 15"/>
@@ -36513,8 +36329,8 @@
         </p:nvSpPr>
         <p:spPr>
           <a:xfrm>
-            <a:off x="435934" y="388841"/>
-            <a:ext cx="8346560" cy="3108543"/>
+            <a:off x="435934" y="208088"/>
+            <a:ext cx="8346560" cy="3416320"/>
           </a:xfrm>
           <a:prstGeom prst="rect">
             <a:avLst/>
@@ -36585,7 +36401,11 @@
             </a:pPr>
             <a:r>
               <a:rPr lang="en-US" sz="2000" dirty="0" smtClean="0"/>
-              <a:t>There is a lot going into category generation, </a:t>
+              <a:t>There is a lot going into category </a:t>
+            </a:r>
+            <a:r>
+              <a:rPr lang="en-US" sz="2000" dirty="0" smtClean="0"/>
+              <a:t>generation </a:t>
             </a:r>
             <a:r>
               <a:rPr lang="en-US" sz="2000" i="1" dirty="0" smtClean="0"/>
@@ -36593,8 +36413,13 @@
             </a:r>
             <a:r>
               <a:rPr lang="en-US" sz="2000" dirty="0" smtClean="0"/>
-              <a:t> prior knowledge.</a:t>
-            </a:r>
+              <a:t> prior </a:t>
+            </a:r>
+            <a:r>
+              <a:rPr lang="en-US" sz="2000" dirty="0" smtClean="0"/>
+              <a:t>knowledge of distributional structure.</a:t>
+            </a:r>
+            <a:endParaRPr lang="en-US" sz="2000" dirty="0" smtClean="0"/>
           </a:p>
           <a:p>
             <a:pPr marL="285750" indent="-285750">

--- a/Presentations/ccn-bbag-march-2-2017.pptx
+++ b/Presentations/ccn-bbag-march-2-2017.pptx
@@ -18489,12 +18489,12 @@
               <a:buChar char="•"/>
             </a:pPr>
             <a:r>
-              <a:rPr lang="en-US" sz="2200" dirty="0" smtClean="0"/>
-              <a:t>Conditions visualized as points in 2D Space</a:t>
+              <a:rPr lang="en-US" sz="2200" b="1" dirty="0"/>
+              <a:t>P</a:t>
             </a:r>
             <a:r>
               <a:rPr lang="en-US" sz="2200" b="1" dirty="0" smtClean="0"/>
-              <a:t>, participants never see this representation</a:t>
+              <a:t>articipants never see conceptual representation</a:t>
             </a:r>
             <a:r>
               <a:rPr lang="en-US" sz="2200" dirty="0" smtClean="0"/>
@@ -18819,8 +18819,8 @@
               <a:buChar char="•"/>
             </a:pPr>
             <a:r>
-              <a:rPr lang="en-US" sz="2200" dirty="0" smtClean="0"/>
-              <a:t>Conditions visualized as points in 2D Space, participants never see this representation (they only see the physical stimuli)</a:t>
+              <a:rPr lang="en-US" sz="2200" dirty="0"/>
+              <a:t>Participants never see conceptual representation (they only see the physical stimuli)</a:t>
             </a:r>
           </a:p>
           <a:p>
@@ -35059,8 +35059,8 @@
             </p:sp>
           </mc:Fallback>
         </mc:AlternateContent>
-        <mc:AlternateContent xmlns:mc="http://schemas.openxmlformats.org/markup-compatibility/2006">
-          <mc:Choice xmlns:a14="http://schemas.microsoft.com/office/drawing/2010/main" Requires="a14">
+        <mc:AlternateContent xmlns:mc="http://schemas.openxmlformats.org/markup-compatibility/2006" xmlns:a14="http://schemas.microsoft.com/office/drawing/2010/main">
+          <mc:Choice Requires="a14">
             <p:sp>
               <p:nvSpPr>
                 <p:cNvPr id="16" name="TextBox 15"/>
@@ -35354,7 +35354,7 @@
               </p:txBody>
             </p:sp>
           </mc:Choice>
-          <mc:Fallback>
+          <mc:Fallback xmlns="">
             <p:sp>
               <p:nvSpPr>
                 <p:cNvPr id="16" name="TextBox 15"/>
@@ -36401,11 +36401,7 @@
             </a:pPr>
             <a:r>
               <a:rPr lang="en-US" sz="2000" dirty="0" smtClean="0"/>
-              <a:t>There is a lot going into category </a:t>
-            </a:r>
-            <a:r>
-              <a:rPr lang="en-US" sz="2000" dirty="0" smtClean="0"/>
-              <a:t>generation </a:t>
+              <a:t>There is a lot going into category generation </a:t>
             </a:r>
             <a:r>
               <a:rPr lang="en-US" sz="2000" i="1" dirty="0" smtClean="0"/>
@@ -36413,13 +36409,8 @@
             </a:r>
             <a:r>
               <a:rPr lang="en-US" sz="2000" dirty="0" smtClean="0"/>
-              <a:t> prior </a:t>
-            </a:r>
-            <a:r>
-              <a:rPr lang="en-US" sz="2000" dirty="0" smtClean="0"/>
-              <a:t>knowledge of distributional structure.</a:t>
-            </a:r>
-            <a:endParaRPr lang="en-US" sz="2000" dirty="0" smtClean="0"/>
+              <a:t> prior knowledge of distributional structure.</a:t>
+            </a:r>
           </a:p>
           <a:p>
             <a:pPr marL="285750" indent="-285750">
